--- a/presenter_fr.pptx
+++ b/presenter_fr.pptx
@@ -7,8 +7,12 @@
   <p:sldIdLst>
     <p:sldId id="256" r:id="rId2"/>
     <p:sldId id="259" r:id="rId3"/>
-    <p:sldId id="257" r:id="rId4"/>
-    <p:sldId id="258" r:id="rId5"/>
+    <p:sldId id="260" r:id="rId4"/>
+    <p:sldId id="257" r:id="rId5"/>
+    <p:sldId id="258" r:id="rId6"/>
+    <p:sldId id="261" r:id="rId7"/>
+    <p:sldId id="262" r:id="rId8"/>
+    <p:sldId id="263" r:id="rId9"/>
   </p:sldIdLst>
   <p:sldSz cx="12192000" cy="6858000"/>
   <p:notesSz cx="6858000" cy="9144000"/>
@@ -107,6 +111,11 @@
       </a:defRPr>
     </a:lvl9pPr>
   </p:defaultTextStyle>
+  <p:extLst>
+    <p:ext uri="{EFAFB233-063F-42B5-8137-9DF3F51BA10A}">
+      <p15:sldGuideLst xmlns:p15="http://schemas.microsoft.com/office/powerpoint/2012/main"/>
+    </p:ext>
+  </p:extLst>
 </p:presentation>
 </file>
 
@@ -203,7 +212,7 @@
           <a:p>
             <a:pPr algn="ctr"/>
             <a:r>
-              <a:rPr lang="en-US" dirty="0">
+              <a:rPr lang="en-US">
                 <a:solidFill>
                   <a:prstClr val="white"/>
                 </a:solidFill>
@@ -607,7 +616,7 @@
           <a:p>
             <a:fld id="{7E97AD98-B9C0-48D6-BE04-54ABC792AF9B}" type="datetimeFigureOut">
               <a:rPr lang="en-US" smtClean="0"/>
-              <a:t>7/11/2022</a:t>
+              <a:t>7/19/2022</a:t>
             </a:fld>
             <a:endParaRPr lang="en-US"/>
           </a:p>
@@ -677,7 +686,7 @@
               <a:rPr lang="en-US" smtClean="0"/>
               <a:t>‹N°›</a:t>
             </a:fld>
-            <a:endParaRPr lang="en-US" dirty="0"/>
+            <a:endParaRPr lang="en-US"/>
           </a:p>
         </p:txBody>
       </p:sp>
@@ -803,7 +812,7 @@
           <a:p>
             <a:fld id="{7E97AD98-B9C0-48D6-BE04-54ABC792AF9B}" type="datetimeFigureOut">
               <a:rPr lang="en-US" smtClean="0"/>
-              <a:t>7/11/2022</a:t>
+              <a:t>7/19/2022</a:t>
             </a:fld>
             <a:endParaRPr lang="en-US"/>
           </a:p>
@@ -983,7 +992,7 @@
           <a:p>
             <a:fld id="{7E97AD98-B9C0-48D6-BE04-54ABC792AF9B}" type="datetimeFigureOut">
               <a:rPr lang="en-US" smtClean="0"/>
-              <a:t>7/11/2022</a:t>
+              <a:t>7/19/2022</a:t>
             </a:fld>
             <a:endParaRPr lang="en-US"/>
           </a:p>
@@ -1153,7 +1162,7 @@
           <a:p>
             <a:fld id="{7E97AD98-B9C0-48D6-BE04-54ABC792AF9B}" type="datetimeFigureOut">
               <a:rPr lang="en-US" smtClean="0"/>
-              <a:t>7/11/2022</a:t>
+              <a:t>7/19/2022</a:t>
             </a:fld>
             <a:endParaRPr lang="en-US"/>
           </a:p>
@@ -1311,7 +1320,7 @@
           <a:p>
             <a:pPr algn="ctr"/>
             <a:r>
-              <a:rPr lang="en-US" dirty="0">
+              <a:rPr lang="en-US">
                 <a:solidFill>
                   <a:prstClr val="white"/>
                 </a:solidFill>
@@ -1766,7 +1775,7 @@
           <a:p>
             <a:fld id="{7E97AD98-B9C0-48D6-BE04-54ABC792AF9B}" type="datetimeFigureOut">
               <a:rPr lang="en-US" smtClean="0"/>
-              <a:t>7/11/2022</a:t>
+              <a:t>7/19/2022</a:t>
             </a:fld>
             <a:endParaRPr lang="en-US"/>
           </a:p>
@@ -2080,7 +2089,7 @@
           <a:p>
             <a:fld id="{7E97AD98-B9C0-48D6-BE04-54ABC792AF9B}" type="datetimeFigureOut">
               <a:rPr lang="en-US" smtClean="0"/>
-              <a:t>7/11/2022</a:t>
+              <a:t>7/19/2022</a:t>
             </a:fld>
             <a:endParaRPr lang="en-US"/>
           </a:p>
@@ -2517,7 +2526,7 @@
           <a:p>
             <a:fld id="{7E97AD98-B9C0-48D6-BE04-54ABC792AF9B}" type="datetimeFigureOut">
               <a:rPr lang="en-US" smtClean="0"/>
-              <a:t>7/11/2022</a:t>
+              <a:t>7/19/2022</a:t>
             </a:fld>
             <a:endParaRPr lang="en-US"/>
           </a:p>
@@ -2635,7 +2644,7 @@
           <a:p>
             <a:fld id="{7E97AD98-B9C0-48D6-BE04-54ABC792AF9B}" type="datetimeFigureOut">
               <a:rPr lang="en-US" smtClean="0"/>
-              <a:t>7/11/2022</a:t>
+              <a:t>7/19/2022</a:t>
             </a:fld>
             <a:endParaRPr lang="en-US"/>
           </a:p>
@@ -2730,7 +2739,7 @@
           <a:p>
             <a:fld id="{7E97AD98-B9C0-48D6-BE04-54ABC792AF9B}" type="datetimeFigureOut">
               <a:rPr lang="en-US" smtClean="0"/>
-              <a:t>7/11/2022</a:t>
+              <a:t>7/19/2022</a:t>
             </a:fld>
             <a:endParaRPr lang="en-US"/>
           </a:p>
@@ -3115,7 +3124,7 @@
           <a:p>
             <a:fld id="{7E97AD98-B9C0-48D6-BE04-54ABC792AF9B}" type="datetimeFigureOut">
               <a:rPr lang="en-US" smtClean="0"/>
-              <a:t>7/11/2022</a:t>
+              <a:t>7/19/2022</a:t>
             </a:fld>
             <a:endParaRPr lang="en-US"/>
           </a:p>
@@ -3386,7 +3395,7 @@
               <a:rPr lang="fr-FR"/>
               <a:t>Cliquez sur l'icône pour ajouter une image</a:t>
             </a:r>
-            <a:endParaRPr lang="en-US" dirty="0"/>
+            <a:endParaRPr lang="en-US"/>
           </a:p>
         </p:txBody>
       </p:sp>
@@ -3496,7 +3505,7 @@
           <a:p>
             <a:fld id="{7E97AD98-B9C0-48D6-BE04-54ABC792AF9B}" type="datetimeFigureOut">
               <a:rPr lang="en-US" smtClean="0"/>
-              <a:t>7/11/2022</a:t>
+              <a:t>7/19/2022</a:t>
             </a:fld>
             <a:endParaRPr lang="en-US"/>
           </a:p>
@@ -3765,7 +3774,7 @@
           <a:p>
             <a:fld id="{7E97AD98-B9C0-48D6-BE04-54ABC792AF9B}" type="datetimeFigureOut">
               <a:rPr lang="en-US" smtClean="0"/>
-              <a:t>7/11/2022</a:t>
+              <a:t>7/19/2022</a:t>
             </a:fld>
             <a:endParaRPr lang="en-US"/>
           </a:p>
@@ -4256,10 +4265,10 @@
           <a:lstStyle/>
           <a:p>
             <a:r>
-              <a:rPr lang="fr-FR" dirty="0"/>
+              <a:rPr lang="fr-FR"/>
               <a:t>Formation HTML/CSS</a:t>
             </a:r>
-            <a:endParaRPr lang="en-US" dirty="0"/>
+            <a:endParaRPr lang="en-US"/>
           </a:p>
         </p:txBody>
       </p:sp>
@@ -4286,9 +4295,17 @@
           <a:p>
             <a:r>
               <a:rPr lang="fr-FR"/>
-              <a:t>GRS - Worldline</a:t>
-            </a:r>
-            <a:endParaRPr lang="en-US" dirty="0"/>
+              <a:t>Global </a:t>
+            </a:r>
+            <a:r>
+              <a:rPr lang="fr-FR" err="1"/>
+              <a:t>Resources</a:t>
+            </a:r>
+            <a:r>
+              <a:rPr lang="fr-FR"/>
+              <a:t> &amp; Support - Worldline</a:t>
+            </a:r>
+            <a:endParaRPr lang="en-US"/>
           </a:p>
         </p:txBody>
       </p:sp>
@@ -4351,10 +4368,10 @@
           <a:lstStyle/>
           <a:p>
             <a:r>
-              <a:rPr lang="fr-FR" dirty="0"/>
+              <a:rPr lang="fr-FR"/>
               <a:t>Agenda</a:t>
             </a:r>
-            <a:endParaRPr lang="en-US" dirty="0"/>
+            <a:endParaRPr lang="en-US"/>
           </a:p>
         </p:txBody>
       </p:sp>
@@ -4387,264 +4404,264 @@
           <a:lstStyle/>
           <a:p>
             <a:r>
-              <a:rPr lang="fr-FR" dirty="0"/>
+              <a:rPr lang="fr-FR"/>
               <a:t>HTML</a:t>
             </a:r>
           </a:p>
           <a:p>
             <a:pPr lvl="1"/>
             <a:r>
-              <a:rPr lang="fr-FR" dirty="0"/>
+              <a:rPr lang="fr-FR"/>
               <a:t>Fundamentals</a:t>
             </a:r>
           </a:p>
           <a:p>
             <a:pPr lvl="1"/>
             <a:r>
-              <a:rPr lang="fr-FR" dirty="0" err="1"/>
+              <a:rPr lang="fr-FR" err="1"/>
               <a:t>Semantics</a:t>
             </a:r>
-            <a:endParaRPr lang="fr-FR" dirty="0"/>
+            <a:endParaRPr lang="fr-FR"/>
           </a:p>
           <a:p>
             <a:pPr marL="457200" lvl="1" indent="0">
               <a:buNone/>
             </a:pPr>
-            <a:endParaRPr lang="fr-FR" dirty="0"/>
-          </a:p>
-          <a:p>
-            <a:r>
-              <a:rPr lang="fr-FR" dirty="0" err="1"/>
+            <a:endParaRPr lang="fr-FR"/>
+          </a:p>
+          <a:p>
+            <a:r>
+              <a:rPr lang="fr-FR" err="1"/>
               <a:t>Foundations</a:t>
             </a:r>
             <a:r>
-              <a:rPr lang="fr-FR" dirty="0"/>
+              <a:rPr lang="fr-FR"/>
               <a:t> of CSS</a:t>
             </a:r>
           </a:p>
           <a:p>
             <a:pPr lvl="1"/>
             <a:r>
-              <a:rPr lang="fr-FR" dirty="0" err="1"/>
+              <a:rPr lang="fr-FR" err="1"/>
               <a:t>Selectors</a:t>
             </a:r>
-            <a:endParaRPr lang="fr-FR" dirty="0"/>
+            <a:endParaRPr lang="fr-FR"/>
           </a:p>
           <a:p>
             <a:pPr lvl="1"/>
             <a:r>
-              <a:rPr lang="fr-FR" dirty="0" err="1"/>
+              <a:rPr lang="fr-FR" err="1"/>
               <a:t>Specificity</a:t>
             </a:r>
-            <a:endParaRPr lang="fr-FR" dirty="0"/>
+            <a:endParaRPr lang="fr-FR"/>
           </a:p>
           <a:p>
             <a:pPr lvl="1"/>
             <a:r>
-              <a:rPr lang="fr-FR" dirty="0" err="1"/>
+              <a:rPr lang="fr-FR" err="1"/>
               <a:t>Inheritance</a:t>
             </a:r>
-            <a:endParaRPr lang="fr-FR" dirty="0"/>
+            <a:endParaRPr lang="fr-FR"/>
           </a:p>
           <a:p>
             <a:pPr lvl="1"/>
             <a:r>
-              <a:rPr lang="fr-FR" dirty="0"/>
+              <a:rPr lang="fr-FR"/>
               <a:t>Pseudo-classes</a:t>
             </a:r>
           </a:p>
           <a:p>
             <a:pPr lvl="1"/>
             <a:r>
-              <a:rPr lang="fr-FR" dirty="0"/>
+              <a:rPr lang="fr-FR"/>
               <a:t>Pseudo-</a:t>
             </a:r>
             <a:r>
-              <a:rPr lang="fr-FR" dirty="0" err="1"/>
+              <a:rPr lang="fr-FR" err="1"/>
               <a:t>elements</a:t>
             </a:r>
-            <a:endParaRPr lang="fr-FR" dirty="0"/>
+            <a:endParaRPr lang="fr-FR"/>
           </a:p>
           <a:p>
             <a:pPr lvl="1"/>
             <a:r>
-              <a:rPr lang="fr-FR" dirty="0"/>
+              <a:rPr lang="fr-FR"/>
               <a:t>Media </a:t>
             </a:r>
             <a:r>
-              <a:rPr lang="fr-FR" dirty="0" err="1"/>
+              <a:rPr lang="fr-FR" err="1"/>
               <a:t>queries</a:t>
             </a:r>
-            <a:endParaRPr lang="fr-FR" dirty="0"/>
+            <a:endParaRPr lang="fr-FR"/>
           </a:p>
           <a:p>
             <a:pPr marL="274320" lvl="1" indent="0">
               <a:buNone/>
             </a:pPr>
-            <a:endParaRPr lang="fr-FR" dirty="0"/>
+            <a:endParaRPr lang="fr-FR"/>
           </a:p>
           <a:p>
             <a:pPr marL="274320" lvl="1" indent="0">
               <a:buNone/>
             </a:pPr>
-            <a:endParaRPr lang="fr-FR" dirty="0"/>
+            <a:endParaRPr lang="fr-FR"/>
           </a:p>
           <a:p>
             <a:pPr marL="274320" lvl="1" indent="0">
               <a:buNone/>
             </a:pPr>
-            <a:endParaRPr lang="fr-FR" dirty="0"/>
+            <a:endParaRPr lang="fr-FR"/>
           </a:p>
           <a:p>
             <a:pPr marL="274320" lvl="1" indent="0">
               <a:buNone/>
             </a:pPr>
-            <a:endParaRPr lang="fr-FR" dirty="0"/>
-          </a:p>
-          <a:p>
-            <a:r>
-              <a:rPr lang="fr-FR" dirty="0" err="1"/>
+            <a:endParaRPr lang="fr-FR"/>
+          </a:p>
+          <a:p>
+            <a:r>
+              <a:rPr lang="fr-FR" err="1"/>
               <a:t>Layout</a:t>
             </a:r>
-            <a:endParaRPr lang="fr-FR" dirty="0"/>
+            <a:endParaRPr lang="fr-FR"/>
           </a:p>
           <a:p>
             <a:pPr lvl="1"/>
             <a:r>
-              <a:rPr lang="fr-FR" dirty="0"/>
+              <a:rPr lang="fr-FR"/>
               <a:t>Content Flow</a:t>
             </a:r>
           </a:p>
           <a:p>
             <a:pPr lvl="1"/>
             <a:r>
-              <a:rPr lang="fr-FR" dirty="0"/>
+              <a:rPr lang="fr-FR"/>
               <a:t>Box Model</a:t>
             </a:r>
           </a:p>
           <a:p>
             <a:pPr lvl="1"/>
             <a:r>
-              <a:rPr lang="fr-FR" dirty="0"/>
+              <a:rPr lang="fr-FR"/>
               <a:t>Dimensions &amp; </a:t>
             </a:r>
             <a:r>
-              <a:rPr lang="fr-FR" dirty="0" err="1"/>
+              <a:rPr lang="fr-FR" err="1"/>
               <a:t>Units</a:t>
             </a:r>
-            <a:endParaRPr lang="fr-FR" dirty="0"/>
+            <a:endParaRPr lang="fr-FR"/>
           </a:p>
           <a:p>
             <a:pPr lvl="1"/>
             <a:r>
-              <a:rPr lang="fr-FR" dirty="0"/>
+              <a:rPr lang="fr-FR"/>
               <a:t>Display modes</a:t>
             </a:r>
           </a:p>
           <a:p>
             <a:pPr lvl="1"/>
             <a:r>
-              <a:rPr lang="fr-FR" dirty="0"/>
+              <a:rPr lang="fr-FR"/>
               <a:t>Positions</a:t>
             </a:r>
           </a:p>
           <a:p>
             <a:pPr lvl="1"/>
             <a:r>
-              <a:rPr lang="fr-FR" dirty="0" err="1"/>
+              <a:rPr lang="fr-FR" err="1"/>
               <a:t>Overflow</a:t>
             </a:r>
-            <a:endParaRPr lang="fr-FR" dirty="0"/>
+            <a:endParaRPr lang="fr-FR"/>
           </a:p>
           <a:p>
             <a:pPr lvl="1"/>
             <a:r>
-              <a:rPr lang="fr-FR" dirty="0"/>
+              <a:rPr lang="fr-FR"/>
               <a:t>Flex &amp; </a:t>
             </a:r>
             <a:r>
-              <a:rPr lang="fr-FR" dirty="0" err="1"/>
+              <a:rPr lang="fr-FR" err="1"/>
               <a:t>Grid</a:t>
             </a:r>
-            <a:endParaRPr lang="fr-FR" dirty="0"/>
+            <a:endParaRPr lang="fr-FR"/>
           </a:p>
           <a:p>
             <a:pPr lvl="1"/>
-            <a:endParaRPr lang="fr-FR" dirty="0"/>
+            <a:endParaRPr lang="fr-FR"/>
           </a:p>
           <a:p>
             <a:pPr lvl="1"/>
-            <a:endParaRPr lang="fr-FR" dirty="0"/>
+            <a:endParaRPr lang="fr-FR"/>
           </a:p>
           <a:p>
             <a:pPr lvl="1"/>
-            <a:endParaRPr lang="fr-FR" dirty="0"/>
+            <a:endParaRPr lang="fr-FR"/>
           </a:p>
           <a:p>
             <a:pPr lvl="1"/>
-            <a:endParaRPr lang="fr-FR" dirty="0"/>
+            <a:endParaRPr lang="fr-FR"/>
           </a:p>
           <a:p>
             <a:pPr lvl="1"/>
-            <a:endParaRPr lang="fr-FR" dirty="0"/>
+            <a:endParaRPr lang="fr-FR"/>
           </a:p>
           <a:p>
             <a:pPr lvl="1"/>
-            <a:endParaRPr lang="fr-FR" dirty="0"/>
+            <a:endParaRPr lang="fr-FR"/>
           </a:p>
           <a:p>
             <a:pPr lvl="1"/>
-            <a:endParaRPr lang="fr-FR" dirty="0"/>
-          </a:p>
-          <a:p>
-            <a:r>
-              <a:rPr lang="fr-FR" dirty="0" err="1"/>
+            <a:endParaRPr lang="fr-FR"/>
+          </a:p>
+          <a:p>
+            <a:r>
+              <a:rPr lang="fr-FR" err="1"/>
               <a:t>Features</a:t>
             </a:r>
-            <a:endParaRPr lang="fr-FR" dirty="0"/>
+            <a:endParaRPr lang="fr-FR"/>
           </a:p>
           <a:p>
             <a:pPr lvl="1"/>
             <a:r>
-              <a:rPr lang="fr-FR" dirty="0" err="1"/>
+              <a:rPr lang="fr-FR" err="1"/>
               <a:t>Typography</a:t>
             </a:r>
-            <a:endParaRPr lang="fr-FR" dirty="0"/>
+            <a:endParaRPr lang="fr-FR"/>
           </a:p>
           <a:p>
             <a:pPr lvl="1"/>
             <a:r>
-              <a:rPr lang="fr-FR" dirty="0"/>
+              <a:rPr lang="fr-FR"/>
               <a:t>Backgrounds</a:t>
             </a:r>
           </a:p>
           <a:p>
             <a:pPr lvl="1"/>
             <a:r>
-              <a:rPr lang="fr-FR" dirty="0" err="1"/>
+              <a:rPr lang="fr-FR" err="1"/>
               <a:t>Shapes</a:t>
             </a:r>
             <a:r>
-              <a:rPr lang="fr-FR" dirty="0"/>
+              <a:rPr lang="fr-FR"/>
               <a:t> &amp; Graphics</a:t>
             </a:r>
           </a:p>
           <a:p>
             <a:pPr lvl="1"/>
             <a:r>
-              <a:rPr lang="fr-FR" dirty="0"/>
+              <a:rPr lang="fr-FR"/>
               <a:t>Animations &amp; </a:t>
             </a:r>
             <a:r>
-              <a:rPr lang="fr-FR" dirty="0" err="1"/>
+              <a:rPr lang="fr-FR" err="1"/>
               <a:t>Transforms</a:t>
             </a:r>
-            <a:endParaRPr lang="fr-FR" dirty="0"/>
+            <a:endParaRPr lang="fr-FR"/>
           </a:p>
           <a:p>
             <a:pPr lvl="1"/>
             <a:r>
-              <a:rPr lang="fr-FR" dirty="0"/>
+              <a:rPr lang="fr-FR"/>
               <a:t>Interactions</a:t>
             </a:r>
           </a:p>
@@ -4652,56 +4669,56 @@
             <a:pPr marL="274320" lvl="1" indent="0">
               <a:buNone/>
             </a:pPr>
-            <a:endParaRPr lang="fr-FR" dirty="0"/>
-          </a:p>
-          <a:p>
-            <a:r>
-              <a:rPr lang="fr-FR" dirty="0" err="1"/>
+            <a:endParaRPr lang="fr-FR"/>
+          </a:p>
+          <a:p>
+            <a:r>
+              <a:rPr lang="fr-FR" err="1"/>
               <a:t>Tooling</a:t>
             </a:r>
-            <a:endParaRPr lang="fr-FR" dirty="0"/>
+            <a:endParaRPr lang="fr-FR"/>
           </a:p>
           <a:p>
             <a:pPr lvl="1"/>
             <a:r>
-              <a:rPr lang="fr-FR" dirty="0"/>
+              <a:rPr lang="fr-FR"/>
               <a:t>Utilities</a:t>
             </a:r>
           </a:p>
           <a:p>
             <a:pPr lvl="1"/>
             <a:r>
-              <a:rPr lang="fr-FR" dirty="0"/>
+              <a:rPr lang="fr-FR"/>
               <a:t>Processors</a:t>
             </a:r>
           </a:p>
           <a:p>
             <a:pPr lvl="1"/>
             <a:r>
-              <a:rPr lang="fr-FR" dirty="0"/>
+              <a:rPr lang="fr-FR"/>
               <a:t>CSS Modules</a:t>
             </a:r>
           </a:p>
           <a:p>
             <a:pPr lvl="1"/>
             <a:r>
-              <a:rPr lang="fr-FR" dirty="0"/>
+              <a:rPr lang="fr-FR"/>
               <a:t>CSS in JS</a:t>
             </a:r>
           </a:p>
           <a:p>
             <a:pPr lvl="1"/>
             <a:r>
-              <a:rPr lang="fr-FR" dirty="0" err="1"/>
+              <a:rPr lang="fr-FR" err="1"/>
               <a:t>Devtools</a:t>
             </a:r>
-            <a:endParaRPr lang="fr-FR" dirty="0"/>
+            <a:endParaRPr lang="fr-FR"/>
           </a:p>
           <a:p>
             <a:pPr marL="0" indent="0">
               <a:buNone/>
             </a:pPr>
-            <a:endParaRPr lang="fr-FR" dirty="0"/>
+            <a:endParaRPr lang="fr-FR"/>
           </a:p>
         </p:txBody>
       </p:sp>
@@ -4740,6 +4757,565 @@
           <p:cNvPr id="2" name="Titre 1">
             <a:extLst>
               <a:ext uri="{FF2B5EF4-FFF2-40B4-BE49-F238E27FC236}">
+                <a16:creationId xmlns:a16="http://schemas.microsoft.com/office/drawing/2014/main" id="{C583B481-9055-4609-93AD-826112E6F92C}"/>
+              </a:ext>
+            </a:extLst>
+          </p:cNvPr>
+          <p:cNvSpPr>
+            <a:spLocks noGrp="1"/>
+          </p:cNvSpPr>
+          <p:nvPr>
+            <p:ph type="title"/>
+          </p:nvPr>
+        </p:nvSpPr>
+        <p:spPr>
+          <a:xfrm>
+            <a:off x="1066800" y="642594"/>
+            <a:ext cx="10058400" cy="729006"/>
+          </a:xfrm>
+        </p:spPr>
+        <p:txBody>
+          <a:bodyPr>
+            <a:normAutofit fontScale="90000"/>
+          </a:bodyPr>
+          <a:lstStyle/>
+          <a:p>
+            <a:r>
+              <a:rPr lang="fr-FR"/>
+              <a:t>Agenda</a:t>
+            </a:r>
+            <a:endParaRPr lang="en-US"/>
+          </a:p>
+        </p:txBody>
+      </p:sp>
+      <p:sp>
+        <p:nvSpPr>
+          <p:cNvPr id="3" name="Espace réservé du contenu 2">
+            <a:extLst>
+              <a:ext uri="{FF2B5EF4-FFF2-40B4-BE49-F238E27FC236}">
+                <a16:creationId xmlns:a16="http://schemas.microsoft.com/office/drawing/2014/main" id="{A419C35D-FF77-4FBA-95C8-A5E118DD0F75}"/>
+              </a:ext>
+            </a:extLst>
+          </p:cNvPr>
+          <p:cNvSpPr>
+            <a:spLocks noGrp="1"/>
+          </p:cNvSpPr>
+          <p:nvPr>
+            <p:ph idx="1"/>
+          </p:nvPr>
+        </p:nvSpPr>
+        <p:spPr>
+          <a:xfrm>
+            <a:off x="1103312" y="1460500"/>
+            <a:ext cx="9442367" cy="4787899"/>
+          </a:xfrm>
+        </p:spPr>
+        <p:txBody>
+          <a:bodyPr numCol="3" spcCol="360000">
+            <a:normAutofit fontScale="92500" lnSpcReduction="10000"/>
+          </a:bodyPr>
+          <a:lstStyle/>
+          <a:p>
+            <a:pPr>
+              <a:lnSpc>
+                <a:spcPct val="110000"/>
+              </a:lnSpc>
+            </a:pPr>
+            <a:r>
+              <a:rPr lang="fr-FR"/>
+              <a:t>HTML</a:t>
+            </a:r>
+          </a:p>
+          <a:p>
+            <a:pPr lvl="1">
+              <a:lnSpc>
+                <a:spcPct val="110000"/>
+              </a:lnSpc>
+            </a:pPr>
+            <a:r>
+              <a:rPr lang="fr-FR"/>
+              <a:t>Fondamentaux</a:t>
+            </a:r>
+          </a:p>
+          <a:p>
+            <a:pPr lvl="1">
+              <a:lnSpc>
+                <a:spcPct val="110000"/>
+              </a:lnSpc>
+            </a:pPr>
+            <a:r>
+              <a:rPr lang="fr-FR"/>
+              <a:t>Sémantique</a:t>
+            </a:r>
+          </a:p>
+          <a:p>
+            <a:pPr marL="457200" lvl="1" indent="0">
+              <a:lnSpc>
+                <a:spcPct val="110000"/>
+              </a:lnSpc>
+              <a:buNone/>
+            </a:pPr>
+            <a:endParaRPr lang="fr-FR"/>
+          </a:p>
+          <a:p>
+            <a:pPr>
+              <a:lnSpc>
+                <a:spcPct val="110000"/>
+              </a:lnSpc>
+            </a:pPr>
+            <a:r>
+              <a:rPr lang="fr-FR"/>
+              <a:t>Fondations de CSS</a:t>
+            </a:r>
+          </a:p>
+          <a:p>
+            <a:pPr lvl="1">
+              <a:lnSpc>
+                <a:spcPct val="110000"/>
+              </a:lnSpc>
+            </a:pPr>
+            <a:r>
+              <a:rPr lang="fr-FR"/>
+              <a:t>Sélecteurs</a:t>
+            </a:r>
+          </a:p>
+          <a:p>
+            <a:pPr lvl="1">
+              <a:lnSpc>
+                <a:spcPct val="110000"/>
+              </a:lnSpc>
+            </a:pPr>
+            <a:r>
+              <a:rPr lang="fr-FR"/>
+              <a:t>Spécificité</a:t>
+            </a:r>
+          </a:p>
+          <a:p>
+            <a:pPr lvl="1">
+              <a:lnSpc>
+                <a:spcPct val="110000"/>
+              </a:lnSpc>
+            </a:pPr>
+            <a:r>
+              <a:rPr lang="fr-FR"/>
+              <a:t>Héritage</a:t>
+            </a:r>
+          </a:p>
+          <a:p>
+            <a:pPr lvl="1">
+              <a:lnSpc>
+                <a:spcPct val="110000"/>
+              </a:lnSpc>
+            </a:pPr>
+            <a:r>
+              <a:rPr lang="fr-FR"/>
+              <a:t>Pseudo-classes</a:t>
+            </a:r>
+          </a:p>
+          <a:p>
+            <a:pPr lvl="1">
+              <a:lnSpc>
+                <a:spcPct val="110000"/>
+              </a:lnSpc>
+            </a:pPr>
+            <a:r>
+              <a:rPr lang="fr-FR"/>
+              <a:t>Pseudo-éléments</a:t>
+            </a:r>
+          </a:p>
+          <a:p>
+            <a:pPr lvl="1">
+              <a:lnSpc>
+                <a:spcPct val="110000"/>
+              </a:lnSpc>
+            </a:pPr>
+            <a:r>
+              <a:rPr lang="fr-FR"/>
+              <a:t>Media </a:t>
+            </a:r>
+            <a:r>
+              <a:rPr lang="fr-FR" err="1"/>
+              <a:t>queries</a:t>
+            </a:r>
+            <a:endParaRPr lang="fr-FR"/>
+          </a:p>
+          <a:p>
+            <a:pPr marL="274320" lvl="1" indent="0">
+              <a:lnSpc>
+                <a:spcPct val="110000"/>
+              </a:lnSpc>
+              <a:buNone/>
+            </a:pPr>
+            <a:endParaRPr lang="fr-FR"/>
+          </a:p>
+          <a:p>
+            <a:pPr marL="274320" lvl="1" indent="0">
+              <a:lnSpc>
+                <a:spcPct val="110000"/>
+              </a:lnSpc>
+              <a:buNone/>
+            </a:pPr>
+            <a:endParaRPr lang="fr-FR"/>
+          </a:p>
+          <a:p>
+            <a:pPr marL="274320" lvl="1" indent="0">
+              <a:lnSpc>
+                <a:spcPct val="110000"/>
+              </a:lnSpc>
+              <a:buNone/>
+            </a:pPr>
+            <a:endParaRPr lang="fr-FR"/>
+          </a:p>
+          <a:p>
+            <a:pPr marL="274320" lvl="1" indent="0">
+              <a:lnSpc>
+                <a:spcPct val="110000"/>
+              </a:lnSpc>
+              <a:buNone/>
+            </a:pPr>
+            <a:endParaRPr lang="fr-FR"/>
+          </a:p>
+          <a:p>
+            <a:pPr>
+              <a:lnSpc>
+                <a:spcPct val="110000"/>
+              </a:lnSpc>
+            </a:pPr>
+            <a:r>
+              <a:rPr lang="fr-FR"/>
+              <a:t>Mise en page</a:t>
+            </a:r>
+          </a:p>
+          <a:p>
+            <a:pPr lvl="1">
+              <a:lnSpc>
+                <a:spcPct val="110000"/>
+              </a:lnSpc>
+            </a:pPr>
+            <a:r>
+              <a:rPr lang="fr-FR"/>
+              <a:t>Flux de contenu</a:t>
+            </a:r>
+          </a:p>
+          <a:p>
+            <a:pPr lvl="1">
+              <a:lnSpc>
+                <a:spcPct val="110000"/>
+              </a:lnSpc>
+            </a:pPr>
+            <a:r>
+              <a:rPr lang="fr-FR"/>
+              <a:t>Modèle de boîte</a:t>
+            </a:r>
+          </a:p>
+          <a:p>
+            <a:pPr lvl="1">
+              <a:lnSpc>
+                <a:spcPct val="110000"/>
+              </a:lnSpc>
+            </a:pPr>
+            <a:r>
+              <a:rPr lang="fr-FR"/>
+              <a:t>Dimensions &amp; Unités</a:t>
+            </a:r>
+          </a:p>
+          <a:p>
+            <a:pPr lvl="1">
+              <a:lnSpc>
+                <a:spcPct val="110000"/>
+              </a:lnSpc>
+            </a:pPr>
+            <a:r>
+              <a:rPr lang="fr-FR"/>
+              <a:t>Modes d’affichage</a:t>
+            </a:r>
+          </a:p>
+          <a:p>
+            <a:pPr lvl="1">
+              <a:lnSpc>
+                <a:spcPct val="110000"/>
+              </a:lnSpc>
+            </a:pPr>
+            <a:r>
+              <a:rPr lang="fr-FR"/>
+              <a:t>Positionnement</a:t>
+            </a:r>
+          </a:p>
+          <a:p>
+            <a:pPr lvl="1">
+              <a:lnSpc>
+                <a:spcPct val="110000"/>
+              </a:lnSpc>
+            </a:pPr>
+            <a:r>
+              <a:rPr lang="fr-FR"/>
+              <a:t>Gestion du débordement</a:t>
+            </a:r>
+          </a:p>
+          <a:p>
+            <a:pPr lvl="1">
+              <a:lnSpc>
+                <a:spcPct val="110000"/>
+              </a:lnSpc>
+            </a:pPr>
+            <a:r>
+              <a:rPr lang="fr-FR"/>
+              <a:t>Flex &amp; </a:t>
+            </a:r>
+            <a:r>
+              <a:rPr lang="fr-FR" err="1"/>
+              <a:t>Grid</a:t>
+            </a:r>
+            <a:endParaRPr lang="fr-FR"/>
+          </a:p>
+          <a:p>
+            <a:pPr lvl="1">
+              <a:lnSpc>
+                <a:spcPct val="110000"/>
+              </a:lnSpc>
+            </a:pPr>
+            <a:endParaRPr lang="fr-FR"/>
+          </a:p>
+          <a:p>
+            <a:pPr lvl="1">
+              <a:lnSpc>
+                <a:spcPct val="110000"/>
+              </a:lnSpc>
+            </a:pPr>
+            <a:endParaRPr lang="fr-FR"/>
+          </a:p>
+          <a:p>
+            <a:pPr lvl="1">
+              <a:lnSpc>
+                <a:spcPct val="110000"/>
+              </a:lnSpc>
+            </a:pPr>
+            <a:endParaRPr lang="fr-FR"/>
+          </a:p>
+          <a:p>
+            <a:pPr lvl="1">
+              <a:lnSpc>
+                <a:spcPct val="110000"/>
+              </a:lnSpc>
+            </a:pPr>
+            <a:endParaRPr lang="fr-FR"/>
+          </a:p>
+          <a:p>
+            <a:pPr lvl="1">
+              <a:lnSpc>
+                <a:spcPct val="110000"/>
+              </a:lnSpc>
+            </a:pPr>
+            <a:endParaRPr lang="fr-FR"/>
+          </a:p>
+          <a:p>
+            <a:pPr lvl="1">
+              <a:lnSpc>
+                <a:spcPct val="110000"/>
+              </a:lnSpc>
+            </a:pPr>
+            <a:endParaRPr lang="fr-FR"/>
+          </a:p>
+          <a:p>
+            <a:pPr lvl="1">
+              <a:lnSpc>
+                <a:spcPct val="110000"/>
+              </a:lnSpc>
+            </a:pPr>
+            <a:endParaRPr lang="fr-FR"/>
+          </a:p>
+          <a:p>
+            <a:pPr>
+              <a:lnSpc>
+                <a:spcPct val="110000"/>
+              </a:lnSpc>
+            </a:pPr>
+            <a:r>
+              <a:rPr lang="fr-FR"/>
+              <a:t>Fonctionnalités</a:t>
+            </a:r>
+          </a:p>
+          <a:p>
+            <a:pPr lvl="1">
+              <a:lnSpc>
+                <a:spcPct val="110000"/>
+              </a:lnSpc>
+            </a:pPr>
+            <a:r>
+              <a:rPr lang="fr-FR"/>
+              <a:t>Typographie</a:t>
+            </a:r>
+          </a:p>
+          <a:p>
+            <a:pPr lvl="1">
+              <a:lnSpc>
+                <a:spcPct val="110000"/>
+              </a:lnSpc>
+            </a:pPr>
+            <a:r>
+              <a:rPr lang="fr-FR"/>
+              <a:t>Arrière-plans</a:t>
+            </a:r>
+          </a:p>
+          <a:p>
+            <a:pPr lvl="1">
+              <a:lnSpc>
+                <a:spcPct val="110000"/>
+              </a:lnSpc>
+            </a:pPr>
+            <a:r>
+              <a:rPr lang="fr-FR"/>
+              <a:t>Formes &amp; Graphisme</a:t>
+            </a:r>
+          </a:p>
+          <a:p>
+            <a:pPr lvl="1">
+              <a:lnSpc>
+                <a:spcPct val="110000"/>
+              </a:lnSpc>
+            </a:pPr>
+            <a:r>
+              <a:rPr lang="fr-FR"/>
+              <a:t>Animations &amp; </a:t>
+            </a:r>
+            <a:r>
+              <a:rPr lang="fr-FR" err="1"/>
+              <a:t>Transforms</a:t>
+            </a:r>
+            <a:endParaRPr lang="fr-FR"/>
+          </a:p>
+          <a:p>
+            <a:pPr lvl="1">
+              <a:lnSpc>
+                <a:spcPct val="110000"/>
+              </a:lnSpc>
+            </a:pPr>
+            <a:r>
+              <a:rPr lang="fr-FR"/>
+              <a:t>Interactions</a:t>
+            </a:r>
+          </a:p>
+          <a:p>
+            <a:pPr marL="274320" lvl="1" indent="0">
+              <a:lnSpc>
+                <a:spcPct val="110000"/>
+              </a:lnSpc>
+              <a:buNone/>
+            </a:pPr>
+            <a:endParaRPr lang="fr-FR"/>
+          </a:p>
+          <a:p>
+            <a:pPr>
+              <a:lnSpc>
+                <a:spcPct val="110000"/>
+              </a:lnSpc>
+            </a:pPr>
+            <a:r>
+              <a:rPr lang="fr-FR"/>
+              <a:t>Outillage</a:t>
+            </a:r>
+          </a:p>
+          <a:p>
+            <a:pPr lvl="1">
+              <a:lnSpc>
+                <a:spcPct val="110000"/>
+              </a:lnSpc>
+            </a:pPr>
+            <a:r>
+              <a:rPr lang="fr-FR"/>
+              <a:t>Utilitaires</a:t>
+            </a:r>
+          </a:p>
+          <a:p>
+            <a:pPr lvl="1">
+              <a:lnSpc>
+                <a:spcPct val="110000"/>
+              </a:lnSpc>
+            </a:pPr>
+            <a:r>
+              <a:rPr lang="fr-FR"/>
+              <a:t>Processeurs</a:t>
+            </a:r>
+          </a:p>
+          <a:p>
+            <a:pPr lvl="1">
+              <a:lnSpc>
+                <a:spcPct val="110000"/>
+              </a:lnSpc>
+            </a:pPr>
+            <a:r>
+              <a:rPr lang="fr-FR"/>
+              <a:t>Modules CSS</a:t>
+            </a:r>
+          </a:p>
+          <a:p>
+            <a:pPr lvl="1">
+              <a:lnSpc>
+                <a:spcPct val="110000"/>
+              </a:lnSpc>
+            </a:pPr>
+            <a:r>
+              <a:rPr lang="fr-FR"/>
+              <a:t>CSS in JS</a:t>
+            </a:r>
+          </a:p>
+          <a:p>
+            <a:pPr lvl="1">
+              <a:lnSpc>
+                <a:spcPct val="110000"/>
+              </a:lnSpc>
+            </a:pPr>
+            <a:r>
+              <a:rPr lang="fr-FR"/>
+              <a:t>Outils développeur</a:t>
+            </a:r>
+          </a:p>
+          <a:p>
+            <a:pPr marL="0" indent="0">
+              <a:lnSpc>
+                <a:spcPct val="110000"/>
+              </a:lnSpc>
+              <a:buNone/>
+            </a:pPr>
+            <a:endParaRPr lang="fr-FR"/>
+          </a:p>
+        </p:txBody>
+      </p:sp>
+    </p:spTree>
+    <p:extLst>
+      <p:ext uri="{BB962C8B-B14F-4D97-AF65-F5344CB8AC3E}">
+        <p14:creationId xmlns:p14="http://schemas.microsoft.com/office/powerpoint/2010/main" val="558665268"/>
+      </p:ext>
+    </p:extLst>
+  </p:cSld>
+  <p:clrMapOvr>
+    <a:masterClrMapping/>
+  </p:clrMapOvr>
+</p:sld>
+</file>
+
+<file path=ppt/slides/slide4.xml><?xml version="1.0" encoding="utf-8"?>
+<p:sld xmlns:a="http://schemas.openxmlformats.org/drawingml/2006/main" xmlns:r="http://schemas.openxmlformats.org/officeDocument/2006/relationships" xmlns:p="http://schemas.openxmlformats.org/presentationml/2006/main">
+  <p:cSld>
+    <p:spTree>
+      <p:nvGrpSpPr>
+        <p:cNvPr id="1" name=""/>
+        <p:cNvGrpSpPr/>
+        <p:nvPr/>
+      </p:nvGrpSpPr>
+      <p:grpSpPr>
+        <a:xfrm>
+          <a:off x="0" y="0"/>
+          <a:ext cx="0" cy="0"/>
+          <a:chOff x="0" y="0"/>
+          <a:chExt cx="0" cy="0"/>
+        </a:xfrm>
+      </p:grpSpPr>
+      <p:sp>
+        <p:nvSpPr>
+          <p:cNvPr id="2" name="Titre 1">
+            <a:extLst>
+              <a:ext uri="{FF2B5EF4-FFF2-40B4-BE49-F238E27FC236}">
                 <a16:creationId xmlns:a16="http://schemas.microsoft.com/office/drawing/2014/main" id="{BFBEDC54-92C3-4DF5-972E-693B49DDBE7B}"/>
               </a:ext>
             </a:extLst>
@@ -4753,7 +5329,7 @@
         </p:nvSpPr>
         <p:spPr>
           <a:xfrm>
-            <a:off x="514350" y="285750"/>
+            <a:off x="1070206" y="761999"/>
             <a:ext cx="11267557" cy="970450"/>
           </a:xfrm>
         </p:spPr>
@@ -4762,10 +5338,10 @@
           <a:lstStyle/>
           <a:p>
             <a:r>
-              <a:rPr lang="fr-FR" dirty="0"/>
+              <a:rPr lang="fr-FR"/>
               <a:t>Les fondamentaux de HTML</a:t>
             </a:r>
-            <a:endParaRPr lang="en-US" dirty="0"/>
+            <a:endParaRPr lang="en-US"/>
           </a:p>
         </p:txBody>
       </p:sp>
@@ -4798,52 +5374,60 @@
           <a:lstStyle/>
           <a:p>
             <a:r>
-              <a:rPr lang="fr-FR" sz="2800" dirty="0"/>
-              <a:t>HTML décrit le contenu de pages web sous forme de </a:t>
-            </a:r>
-            <a:r>
-              <a:rPr lang="fr-FR" sz="2800" b="1" dirty="0"/>
+              <a:rPr lang="fr-FR" sz="2800"/>
+              <a:t>HTML (HyperText Markup </a:t>
+            </a:r>
+            <a:r>
+              <a:rPr lang="fr-FR" sz="2800" err="1"/>
+              <a:t>Language</a:t>
+            </a:r>
+            <a:r>
+              <a:rPr lang="fr-FR" sz="2800"/>
+              <a:t>) décrit le contenu de pages web sous forme de </a:t>
+            </a:r>
+            <a:r>
+              <a:rPr lang="fr-FR" sz="2800" b="1"/>
               <a:t>balises</a:t>
             </a:r>
             <a:r>
-              <a:rPr lang="fr-FR" sz="2800" dirty="0"/>
+              <a:rPr lang="fr-FR" sz="2800"/>
               <a:t> imbriquées dans une </a:t>
             </a:r>
             <a:r>
-              <a:rPr lang="fr-FR" sz="2800" b="1" dirty="0"/>
+              <a:rPr lang="fr-FR" sz="2800" b="1"/>
               <a:t>structure d’arbre</a:t>
             </a:r>
           </a:p>
           <a:p>
-            <a:endParaRPr lang="fr-FR" sz="2800" b="1" dirty="0"/>
-          </a:p>
-          <a:p>
-            <a:endParaRPr lang="fr-FR" sz="2800" b="1" dirty="0"/>
-          </a:p>
-          <a:p>
-            <a:endParaRPr lang="fr-FR" sz="2800" b="1" dirty="0"/>
-          </a:p>
-          <a:p>
-            <a:endParaRPr lang="fr-FR" sz="2800" b="1" dirty="0"/>
-          </a:p>
-          <a:p>
-            <a:r>
-              <a:rPr lang="fr-FR" sz="2400" dirty="0"/>
+            <a:endParaRPr lang="fr-FR" sz="2800" b="1"/>
+          </a:p>
+          <a:p>
+            <a:endParaRPr lang="fr-FR" sz="2800" b="1"/>
+          </a:p>
+          <a:p>
+            <a:endParaRPr lang="fr-FR" sz="2800" b="1"/>
+          </a:p>
+          <a:p>
+            <a:endParaRPr lang="fr-FR" sz="2800" b="1"/>
+          </a:p>
+          <a:p>
+            <a:r>
+              <a:rPr lang="fr-FR" sz="2400"/>
               <a:t>Il existe un ensemble de balises standardisées avec chacun leur cas d’utilisation (</a:t>
             </a:r>
             <a:r>
-              <a:rPr lang="fr-FR" sz="2400" dirty="0">
+              <a:rPr lang="fr-FR" sz="2400">
                 <a:hlinkClick r:id="rId2"/>
               </a:rPr>
               <a:t>autour de 130 tags différents selon la spécification</a:t>
             </a:r>
             <a:r>
-              <a:rPr lang="fr-FR" sz="2400" dirty="0"/>
+              <a:rPr lang="fr-FR" sz="2400"/>
               <a:t>)</a:t>
             </a:r>
           </a:p>
           <a:p>
-            <a:endParaRPr lang="fr-FR" sz="2800" dirty="0"/>
+            <a:endParaRPr lang="fr-FR" sz="2800"/>
           </a:p>
         </p:txBody>
       </p:sp>
@@ -4876,7 +5460,7 @@
         </p:blipFill>
         <p:spPr bwMode="auto">
           <a:xfrm>
-            <a:off x="3333734" y="2948835"/>
+            <a:off x="3333734" y="3315797"/>
             <a:ext cx="5800725" cy="1724025"/>
           </a:xfrm>
           <a:prstGeom prst="rect">
@@ -4907,7 +5491,7 @@
 </p:sld>
 </file>
 
-<file path=ppt/slides/slide4.xml><?xml version="1.0" encoding="utf-8"?>
+<file path=ppt/slides/slide5.xml><?xml version="1.0" encoding="utf-8"?>
 <p:sld xmlns:a="http://schemas.openxmlformats.org/drawingml/2006/main" xmlns:r="http://schemas.openxmlformats.org/officeDocument/2006/relationships" xmlns:p="http://schemas.openxmlformats.org/presentationml/2006/main">
   <p:cSld>
     <p:spTree>
@@ -4946,10 +5530,10 @@
           <a:lstStyle/>
           <a:p>
             <a:r>
-              <a:rPr lang="fr-FR" dirty="0"/>
+              <a:rPr lang="fr-FR"/>
               <a:t>HTML et Sémantique</a:t>
             </a:r>
-            <a:endParaRPr lang="en-US" dirty="0"/>
+            <a:endParaRPr lang="en-US"/>
           </a:p>
         </p:txBody>
       </p:sp>
@@ -4980,7 +5564,7 @@
           <a:lstStyle/>
           <a:p>
             <a:r>
-              <a:rPr lang="fr-FR" dirty="0"/>
+              <a:rPr lang="fr-FR"/>
               <a:t>Choisir les bons tags HTML pour décrire votre contenu est important pour:</a:t>
             </a:r>
           </a:p>
@@ -4988,7 +5572,7 @@
             <a:pPr marL="450000" lvl="1" indent="0">
               <a:buNone/>
             </a:pPr>
-            <a:endParaRPr lang="fr-FR" dirty="0"/>
+            <a:endParaRPr lang="fr-FR"/>
           </a:p>
         </p:txBody>
       </p:sp>
@@ -5423,7 +6007,7 @@
               <a:buNone/>
             </a:pPr>
             <a:r>
-              <a:rPr lang="fr-FR" b="1" dirty="0"/>
+              <a:rPr lang="fr-FR" b="1"/>
               <a:t>L’expérience utilisateur</a:t>
             </a:r>
           </a:p>
@@ -5812,7 +6396,7 @@
               <a:buNone/>
             </a:pPr>
             <a:r>
-              <a:rPr lang="fr-FR" b="1" dirty="0"/>
+              <a:rPr lang="fr-FR" b="1"/>
               <a:t>L’accessibilité</a:t>
             </a:r>
           </a:p>
@@ -6202,14 +6786,14 @@
               <a:buNone/>
             </a:pPr>
             <a:r>
-              <a:rPr lang="fr-FR" b="1" dirty="0"/>
+              <a:rPr lang="fr-FR" b="1"/>
               <a:t>L’</a:t>
             </a:r>
             <a:r>
-              <a:rPr lang="fr-FR" b="1" dirty="0" err="1"/>
+              <a:rPr lang="fr-FR" b="1" err="1"/>
               <a:t>indexabilité</a:t>
             </a:r>
-            <a:endParaRPr lang="fr-FR" b="1" dirty="0"/>
+            <a:endParaRPr lang="fr-FR" b="1"/>
           </a:p>
         </p:txBody>
       </p:sp>
@@ -6337,22 +6921,14 @@
           <a:p>
             <a:pPr algn="ctr"/>
             <a:r>
-              <a:rPr lang="fr-FR" dirty="0"/>
-              <a:t>Exercices: </a:t>
-            </a:r>
-            <a:r>
-              <a:rPr lang="fr-FR" dirty="0" err="1"/>
-              <a:t>Chapter</a:t>
-            </a:r>
-            <a:r>
-              <a:rPr lang="fr-FR" dirty="0"/>
-              <a:t> 1 – HTML </a:t>
-            </a:r>
-            <a:r>
-              <a:rPr lang="fr-FR" dirty="0" err="1"/>
+              <a:rPr lang="fr-FR"/>
+              <a:t>Exercices: Chapitrer 1 – HTML </a:t>
+            </a:r>
+            <a:r>
+              <a:rPr lang="fr-FR" err="1"/>
               <a:t>Semantics</a:t>
             </a:r>
-            <a:endParaRPr lang="en-US" dirty="0"/>
+            <a:endParaRPr lang="en-US"/>
           </a:p>
         </p:txBody>
       </p:sp>
@@ -6420,7 +6996,7 @@
             <a:lstStyle/>
             <a:p>
               <a:r>
-                <a:rPr lang="en-US" sz="1100" dirty="0">
+                <a:rPr lang="en-US" sz="1100">
                   <a:solidFill>
                     <a:srgbClr val="9EFFFF"/>
                   </a:solidFill>
@@ -6429,7 +7005,7 @@
                 <a:t>&lt;p&gt;</a:t>
               </a:r>
               <a:r>
-                <a:rPr lang="en-US" sz="1100" dirty="0">
+                <a:rPr lang="en-US" sz="1100">
                   <a:solidFill>
                     <a:srgbClr val="FFFFFF"/>
                   </a:solidFill>
@@ -6438,7 +7014,7 @@
                 <a:t>We are open from </a:t>
               </a:r>
               <a:r>
-                <a:rPr lang="en-US" sz="1100" dirty="0">
+                <a:rPr lang="en-US" sz="1100">
                   <a:solidFill>
                     <a:srgbClr val="9EFFFF"/>
                   </a:solidFill>
@@ -6447,7 +7023,7 @@
                 <a:t>&lt;time </a:t>
               </a:r>
               <a:r>
-                <a:rPr lang="en-US" sz="1100" i="1" dirty="0">
+                <a:rPr lang="en-US" sz="1100" i="1">
                   <a:solidFill>
                     <a:srgbClr val="FAD000"/>
                   </a:solidFill>
@@ -6456,7 +7032,7 @@
                 <a:t>datetime</a:t>
               </a:r>
               <a:r>
-                <a:rPr lang="en-US" sz="1100" dirty="0">
+                <a:rPr lang="en-US" sz="1100">
                   <a:solidFill>
                     <a:srgbClr val="E1EFFF"/>
                   </a:solidFill>
@@ -6465,7 +7041,7 @@
                 <a:t>=</a:t>
               </a:r>
               <a:r>
-                <a:rPr lang="en-US" sz="1100" dirty="0">
+                <a:rPr lang="en-US" sz="1100">
                   <a:solidFill>
                     <a:srgbClr val="92FC79"/>
                   </a:solidFill>
@@ -6474,7 +7050,7 @@
                 <a:t>"</a:t>
               </a:r>
               <a:r>
-                <a:rPr lang="en-US" sz="1100" dirty="0">
+                <a:rPr lang="en-US" sz="1100">
                   <a:solidFill>
                     <a:srgbClr val="A5FF90"/>
                   </a:solidFill>
@@ -6483,7 +7059,7 @@
                 <a:t>09:00</a:t>
               </a:r>
               <a:r>
-                <a:rPr lang="en-US" sz="1100" dirty="0">
+                <a:rPr lang="en-US" sz="1100">
                   <a:solidFill>
                     <a:srgbClr val="92FC79"/>
                   </a:solidFill>
@@ -6492,7 +7068,7 @@
                 <a:t>"</a:t>
               </a:r>
               <a:r>
-                <a:rPr lang="en-US" sz="1100" dirty="0">
+                <a:rPr lang="en-US" sz="1100">
                   <a:solidFill>
                     <a:srgbClr val="9EFFFF"/>
                   </a:solidFill>
@@ -6501,7 +7077,7 @@
                 <a:t>&gt;</a:t>
               </a:r>
               <a:r>
-                <a:rPr lang="en-US" sz="1100" dirty="0">
+                <a:rPr lang="en-US" sz="1100">
                   <a:solidFill>
                     <a:srgbClr val="FFFFFF"/>
                   </a:solidFill>
@@ -6510,7 +7086,7 @@
                 <a:t>9 </a:t>
               </a:r>
               <a:r>
-                <a:rPr lang="en-US" sz="1100" dirty="0" err="1">
+                <a:rPr lang="en-US" sz="1100" err="1">
                   <a:solidFill>
                     <a:srgbClr val="FFFFFF"/>
                   </a:solidFill>
@@ -6519,7 +7095,7 @@
                 <a:t>a.m</a:t>
               </a:r>
               <a:r>
-                <a:rPr lang="en-US" sz="1100" dirty="0">
+                <a:rPr lang="en-US" sz="1100">
                   <a:solidFill>
                     <a:srgbClr val="9EFFFF"/>
                   </a:solidFill>
@@ -6528,7 +7104,7 @@
                 <a:t>&lt;/time&gt;</a:t>
               </a:r>
               <a:r>
-                <a:rPr lang="en-US" sz="1100" dirty="0">
+                <a:rPr lang="en-US" sz="1100">
                   <a:solidFill>
                     <a:srgbClr val="FFFFFF"/>
                   </a:solidFill>
@@ -6537,7 +7113,7 @@
                 <a:t> to </a:t>
               </a:r>
               <a:r>
-                <a:rPr lang="en-US" sz="1100" dirty="0">
+                <a:rPr lang="en-US" sz="1100">
                   <a:solidFill>
                     <a:srgbClr val="9EFFFF"/>
                   </a:solidFill>
@@ -6546,7 +7122,7 @@
                 <a:t>&lt;time </a:t>
               </a:r>
               <a:r>
-                <a:rPr lang="en-US" sz="1100" i="1" dirty="0">
+                <a:rPr lang="en-US" sz="1100" i="1">
                   <a:solidFill>
                     <a:srgbClr val="FAD000"/>
                   </a:solidFill>
@@ -6555,7 +7131,7 @@
                 <a:t>datetime</a:t>
               </a:r>
               <a:r>
-                <a:rPr lang="en-US" sz="1100" dirty="0">
+                <a:rPr lang="en-US" sz="1100">
                   <a:solidFill>
                     <a:srgbClr val="E1EFFF"/>
                   </a:solidFill>
@@ -6564,7 +7140,7 @@
                 <a:t>=</a:t>
               </a:r>
               <a:r>
-                <a:rPr lang="en-US" sz="1100" dirty="0">
+                <a:rPr lang="en-US" sz="1100">
                   <a:solidFill>
                     <a:srgbClr val="92FC79"/>
                   </a:solidFill>
@@ -6573,7 +7149,7 @@
                 <a:t>"</a:t>
               </a:r>
               <a:r>
-                <a:rPr lang="en-US" sz="1100" dirty="0">
+                <a:rPr lang="en-US" sz="1100">
                   <a:solidFill>
                     <a:srgbClr val="A5FF90"/>
                   </a:solidFill>
@@ -6582,7 +7158,7 @@
                 <a:t>17:30</a:t>
               </a:r>
               <a:r>
-                <a:rPr lang="en-US" sz="1100" dirty="0">
+                <a:rPr lang="en-US" sz="1100">
                   <a:solidFill>
                     <a:srgbClr val="92FC79"/>
                   </a:solidFill>
@@ -6591,7 +7167,7 @@
                 <a:t>"</a:t>
               </a:r>
               <a:r>
-                <a:rPr lang="en-US" sz="1100" dirty="0">
+                <a:rPr lang="en-US" sz="1100">
                   <a:solidFill>
                     <a:srgbClr val="9EFFFF"/>
                   </a:solidFill>
@@ -6600,7 +7176,7 @@
                 <a:t>&gt;</a:t>
               </a:r>
               <a:r>
-                <a:rPr lang="en-US" sz="1100" dirty="0">
+                <a:rPr lang="en-US" sz="1100">
                   <a:solidFill>
                     <a:srgbClr val="FFFFFF"/>
                   </a:solidFill>
@@ -6609,7 +7185,7 @@
                 <a:t>5:30 p.m.</a:t>
               </a:r>
               <a:r>
-                <a:rPr lang="en-US" sz="1100" dirty="0">
+                <a:rPr lang="en-US" sz="1100">
                   <a:solidFill>
                     <a:srgbClr val="9EFFFF"/>
                   </a:solidFill>
@@ -6617,7 +7193,7 @@
                 </a:rPr>
                 <a:t>&lt;/time&gt;&lt;/p&gt;</a:t>
               </a:r>
-              <a:endParaRPr lang="en-US" sz="1100" dirty="0">
+              <a:endParaRPr lang="en-US" sz="1100">
                 <a:solidFill>
                   <a:srgbClr val="FFFFFF"/>
                 </a:solidFill>
@@ -6626,7 +7202,7 @@
             </a:p>
             <a:p>
               <a:r>
-                <a:rPr lang="en-US" sz="1100" dirty="0">
+                <a:rPr lang="en-US" sz="1100">
                   <a:solidFill>
                     <a:srgbClr val="9EFFFF"/>
                   </a:solidFill>
@@ -6635,7 +7211,7 @@
                 <a:t>&lt;address&gt;</a:t>
               </a:r>
               <a:r>
-                <a:rPr lang="en-US" sz="1100" dirty="0">
+                <a:rPr lang="en-US" sz="1100">
                   <a:solidFill>
                     <a:srgbClr val="FFFFFF"/>
                   </a:solidFill>
@@ -6644,7 +7220,7 @@
                 <a:t>24 Gloucester Red, South </a:t>
               </a:r>
               <a:r>
-                <a:rPr lang="en-US" sz="1100" dirty="0" err="1">
+                <a:rPr lang="en-US" sz="1100" err="1">
                   <a:solidFill>
                     <a:srgbClr val="FFFFFF"/>
                   </a:solidFill>
@@ -6653,7 +7229,7 @@
                 <a:t>Kensighton</a:t>
               </a:r>
               <a:r>
-                <a:rPr lang="en-US" sz="1100" dirty="0">
+                <a:rPr lang="en-US" sz="1100">
                   <a:solidFill>
                     <a:srgbClr val="FFFFFF"/>
                   </a:solidFill>
@@ -6662,7 +7238,7 @@
                 <a:t>, London SW7 4RB, United Kingdom</a:t>
               </a:r>
               <a:r>
-                <a:rPr lang="en-US" sz="1100" dirty="0">
+                <a:rPr lang="en-US" sz="1100">
                   <a:solidFill>
                     <a:srgbClr val="9EFFFF"/>
                   </a:solidFill>
@@ -6670,7 +7246,7 @@
                 </a:rPr>
                 <a:t>&lt;/address&gt;</a:t>
               </a:r>
-              <a:endParaRPr lang="en-US" sz="1100" dirty="0">
+              <a:endParaRPr lang="en-US" sz="1100">
                 <a:solidFill>
                   <a:srgbClr val="FFFFFF"/>
                 </a:solidFill>
@@ -7011,6 +7587,97 @@
                       </p:childTnLst>
                     </p:cTn>
                   </p:par>
+                  <p:par>
+                    <p:cTn id="21" fill="hold">
+                      <p:stCondLst>
+                        <p:cond delay="indefinite"/>
+                      </p:stCondLst>
+                      <p:childTnLst>
+                        <p:par>
+                          <p:cTn id="22" fill="hold">
+                            <p:stCondLst>
+                              <p:cond delay="0"/>
+                            </p:stCondLst>
+                            <p:childTnLst>
+                              <p:par>
+                                <p:cTn id="23" presetID="2" presetClass="entr" presetSubtype="4" fill="hold" grpId="0" nodeType="clickEffect">
+                                  <p:stCondLst>
+                                    <p:cond delay="0"/>
+                                  </p:stCondLst>
+                                  <p:childTnLst>
+                                    <p:set>
+                                      <p:cBhvr>
+                                        <p:cTn id="24" dur="1" fill="hold">
+                                          <p:stCondLst>
+                                            <p:cond delay="0"/>
+                                          </p:stCondLst>
+                                        </p:cTn>
+                                        <p:tgtEl>
+                                          <p:spTgt spid="11"/>
+                                        </p:tgtEl>
+                                        <p:attrNameLst>
+                                          <p:attrName>style.visibility</p:attrName>
+                                        </p:attrNameLst>
+                                      </p:cBhvr>
+                                      <p:to>
+                                        <p:strVal val="visible"/>
+                                      </p:to>
+                                    </p:set>
+                                    <p:anim calcmode="lin" valueType="num">
+                                      <p:cBhvr additive="base">
+                                        <p:cTn id="25" dur="500" fill="hold"/>
+                                        <p:tgtEl>
+                                          <p:spTgt spid="11"/>
+                                        </p:tgtEl>
+                                        <p:attrNameLst>
+                                          <p:attrName>ppt_x</p:attrName>
+                                        </p:attrNameLst>
+                                      </p:cBhvr>
+                                      <p:tavLst>
+                                        <p:tav tm="0">
+                                          <p:val>
+                                            <p:strVal val="#ppt_x"/>
+                                          </p:val>
+                                        </p:tav>
+                                        <p:tav tm="100000">
+                                          <p:val>
+                                            <p:strVal val="#ppt_x"/>
+                                          </p:val>
+                                        </p:tav>
+                                      </p:tavLst>
+                                    </p:anim>
+                                    <p:anim calcmode="lin" valueType="num">
+                                      <p:cBhvr additive="base">
+                                        <p:cTn id="26" dur="500" fill="hold"/>
+                                        <p:tgtEl>
+                                          <p:spTgt spid="11"/>
+                                        </p:tgtEl>
+                                        <p:attrNameLst>
+                                          <p:attrName>ppt_y</p:attrName>
+                                        </p:attrNameLst>
+                                      </p:cBhvr>
+                                      <p:tavLst>
+                                        <p:tav tm="0">
+                                          <p:val>
+                                            <p:strVal val="1+#ppt_h/2"/>
+                                          </p:val>
+                                        </p:tav>
+                                        <p:tav tm="100000">
+                                          <p:val>
+                                            <p:strVal val="#ppt_y"/>
+                                          </p:val>
+                                        </p:tav>
+                                      </p:tavLst>
+                                    </p:anim>
+                                  </p:childTnLst>
+                                </p:cTn>
+                              </p:par>
+                            </p:childTnLst>
+                          </p:cTn>
+                        </p:par>
+                      </p:childTnLst>
+                    </p:cTn>
+                  </p:par>
                 </p:childTnLst>
               </p:cTn>
               <p:prevCondLst>
@@ -7036,8 +7703,1981 @@
       <p:bldP spid="6" grpId="0"/>
       <p:bldP spid="7" grpId="0"/>
       <p:bldP spid="8" grpId="0"/>
+      <p:bldP spid="11" grpId="0" animBg="1"/>
     </p:bldLst>
   </p:timing>
+</p:sld>
+</file>
+
+<file path=ppt/slides/slide6.xml><?xml version="1.0" encoding="utf-8"?>
+<p:sld xmlns:a="http://schemas.openxmlformats.org/drawingml/2006/main" xmlns:r="http://schemas.openxmlformats.org/officeDocument/2006/relationships" xmlns:p="http://schemas.openxmlformats.org/presentationml/2006/main">
+  <p:cSld>
+    <p:spTree>
+      <p:nvGrpSpPr>
+        <p:cNvPr id="1" name=""/>
+        <p:cNvGrpSpPr/>
+        <p:nvPr/>
+      </p:nvGrpSpPr>
+      <p:grpSpPr>
+        <a:xfrm>
+          <a:off x="0" y="0"/>
+          <a:ext cx="0" cy="0"/>
+          <a:chOff x="0" y="0"/>
+          <a:chExt cx="0" cy="0"/>
+        </a:xfrm>
+      </p:grpSpPr>
+      <p:sp>
+        <p:nvSpPr>
+          <p:cNvPr id="2" name="Titre 1">
+            <a:extLst>
+              <a:ext uri="{FF2B5EF4-FFF2-40B4-BE49-F238E27FC236}">
+                <a16:creationId xmlns:a16="http://schemas.microsoft.com/office/drawing/2014/main" id="{4DE9C89A-6272-4F06-93C7-20FCFF63829B}"/>
+              </a:ext>
+            </a:extLst>
+          </p:cNvPr>
+          <p:cNvSpPr>
+            <a:spLocks noGrp="1"/>
+          </p:cNvSpPr>
+          <p:nvPr>
+            <p:ph type="title"/>
+          </p:nvPr>
+        </p:nvSpPr>
+        <p:spPr/>
+        <p:txBody>
+          <a:bodyPr/>
+          <a:lstStyle/>
+          <a:p>
+            <a:r>
+              <a:rPr lang="fr-FR"/>
+              <a:t>Les fondamentaux de CSS</a:t>
+            </a:r>
+            <a:endParaRPr lang="en-US"/>
+          </a:p>
+        </p:txBody>
+      </p:sp>
+      <p:sp>
+        <p:nvSpPr>
+          <p:cNvPr id="3" name="Espace réservé du contenu 2">
+            <a:extLst>
+              <a:ext uri="{FF2B5EF4-FFF2-40B4-BE49-F238E27FC236}">
+                <a16:creationId xmlns:a16="http://schemas.microsoft.com/office/drawing/2014/main" id="{E5B45966-E913-4A63-BAA5-D611B4F8B0CF}"/>
+              </a:ext>
+            </a:extLst>
+          </p:cNvPr>
+          <p:cNvSpPr>
+            <a:spLocks noGrp="1"/>
+          </p:cNvSpPr>
+          <p:nvPr>
+            <p:ph idx="1"/>
+          </p:nvPr>
+        </p:nvSpPr>
+        <p:spPr/>
+        <p:txBody>
+          <a:bodyPr/>
+          <a:lstStyle/>
+          <a:p>
+            <a:r>
+              <a:rPr lang="fr-FR"/>
+              <a:t>CSS (</a:t>
+            </a:r>
+            <a:r>
+              <a:rPr lang="fr-FR" b="1" err="1"/>
+              <a:t>Cascading</a:t>
+            </a:r>
+            <a:r>
+              <a:rPr lang="fr-FR" b="1"/>
+              <a:t> </a:t>
+            </a:r>
+            <a:r>
+              <a:rPr lang="fr-FR" b="1" err="1"/>
+              <a:t>StyleSheets</a:t>
+            </a:r>
+            <a:r>
+              <a:rPr lang="fr-FR"/>
+              <a:t>) décrit les propriétés de style à associer aux éléments d’un document HTML</a:t>
+            </a:r>
+          </a:p>
+          <a:p>
+            <a:r>
+              <a:rPr lang="fr-FR"/>
+              <a:t>Ces associations sont faites par le biais de </a:t>
+            </a:r>
+            <a:r>
+              <a:rPr lang="fr-FR" b="1"/>
+              <a:t>sélecteurs</a:t>
+            </a:r>
+            <a:r>
+              <a:rPr lang="fr-FR"/>
+              <a:t>. A chaque sélecteur est associé une série de </a:t>
+            </a:r>
+            <a:r>
+              <a:rPr lang="fr-FR" b="1"/>
+              <a:t>propriétés</a:t>
+            </a:r>
+            <a:r>
+              <a:rPr lang="fr-FR"/>
+              <a:t> et de </a:t>
+            </a:r>
+            <a:r>
+              <a:rPr lang="fr-FR" b="1"/>
+              <a:t>valeurs</a:t>
+            </a:r>
+            <a:endParaRPr lang="en-US" b="1"/>
+          </a:p>
+        </p:txBody>
+      </p:sp>
+      <p:sp>
+        <p:nvSpPr>
+          <p:cNvPr id="4" name="ZoneTexte 3">
+            <a:extLst>
+              <a:ext uri="{FF2B5EF4-FFF2-40B4-BE49-F238E27FC236}">
+                <a16:creationId xmlns:a16="http://schemas.microsoft.com/office/drawing/2014/main" id="{A84F7CCF-A40C-48F6-8F7A-918E9EDFD657}"/>
+              </a:ext>
+            </a:extLst>
+          </p:cNvPr>
+          <p:cNvSpPr txBox="1"/>
+          <p:nvPr/>
+        </p:nvSpPr>
+        <p:spPr>
+          <a:xfrm>
+            <a:off x="4844716" y="3841528"/>
+            <a:ext cx="2502568" cy="2031325"/>
+          </a:xfrm>
+          <a:prstGeom prst="rect">
+            <a:avLst/>
+          </a:prstGeom>
+        </p:spPr>
+        <p:style>
+          <a:lnRef idx="2">
+            <a:schemeClr val="dk1">
+              <a:shade val="50000"/>
+            </a:schemeClr>
+          </a:lnRef>
+          <a:fillRef idx="1">
+            <a:schemeClr val="dk1"/>
+          </a:fillRef>
+          <a:effectRef idx="0">
+            <a:schemeClr val="dk1"/>
+          </a:effectRef>
+          <a:fontRef idx="minor">
+            <a:schemeClr val="lt1"/>
+          </a:fontRef>
+        </p:style>
+        <p:txBody>
+          <a:bodyPr wrap="square" rtlCol="0">
+            <a:spAutoFit/>
+          </a:bodyPr>
+          <a:lstStyle/>
+          <a:p>
+            <a:r>
+              <a:rPr lang="fr-FR">
+                <a:highlight>
+                  <a:srgbClr val="008000"/>
+                </a:highlight>
+              </a:rPr>
+              <a:t>p</a:t>
+            </a:r>
+            <a:r>
+              <a:rPr lang="fr-FR"/>
+              <a:t> {</a:t>
+            </a:r>
+          </a:p>
+          <a:p>
+            <a:r>
+              <a:rPr lang="fr-FR"/>
+              <a:t>     </a:t>
+            </a:r>
+            <a:r>
+              <a:rPr lang="fr-FR">
+                <a:highlight>
+                  <a:srgbClr val="800080"/>
+                </a:highlight>
+              </a:rPr>
+              <a:t>font-size:</a:t>
+            </a:r>
+            <a:r>
+              <a:rPr lang="fr-FR"/>
+              <a:t> </a:t>
+            </a:r>
+            <a:r>
+              <a:rPr lang="fr-FR">
+                <a:highlight>
+                  <a:srgbClr val="800000"/>
+                </a:highlight>
+              </a:rPr>
+              <a:t>12px;</a:t>
+            </a:r>
+          </a:p>
+          <a:p>
+            <a:r>
+              <a:rPr lang="fr-FR"/>
+              <a:t>}</a:t>
+            </a:r>
+          </a:p>
+          <a:p>
+            <a:endParaRPr lang="fr-FR"/>
+          </a:p>
+          <a:p>
+            <a:r>
+              <a:rPr lang="en-US">
+                <a:highlight>
+                  <a:srgbClr val="008000"/>
+                </a:highlight>
+              </a:rPr>
+              <a:t>.important</a:t>
+            </a:r>
+            <a:r>
+              <a:rPr lang="en-US"/>
+              <a:t> {</a:t>
+            </a:r>
+          </a:p>
+          <a:p>
+            <a:r>
+              <a:rPr lang="en-US"/>
+              <a:t>     </a:t>
+            </a:r>
+            <a:r>
+              <a:rPr lang="en-US">
+                <a:highlight>
+                  <a:srgbClr val="800080"/>
+                </a:highlight>
+              </a:rPr>
+              <a:t>color:</a:t>
+            </a:r>
+            <a:r>
+              <a:rPr lang="en-US"/>
+              <a:t> </a:t>
+            </a:r>
+            <a:r>
+              <a:rPr lang="en-US">
+                <a:highlight>
+                  <a:srgbClr val="800000"/>
+                </a:highlight>
+              </a:rPr>
+              <a:t>red</a:t>
+            </a:r>
+            <a:r>
+              <a:rPr lang="en-US"/>
+              <a:t>;</a:t>
+            </a:r>
+          </a:p>
+          <a:p>
+            <a:r>
+              <a:rPr lang="en-US"/>
+              <a:t>}</a:t>
+            </a:r>
+          </a:p>
+        </p:txBody>
+      </p:sp>
+      <p:sp>
+        <p:nvSpPr>
+          <p:cNvPr id="5" name="ZoneTexte 4">
+            <a:extLst>
+              <a:ext uri="{FF2B5EF4-FFF2-40B4-BE49-F238E27FC236}">
+                <a16:creationId xmlns:a16="http://schemas.microsoft.com/office/drawing/2014/main" id="{511B14B0-311F-43C9-9D40-F6FD5220C709}"/>
+              </a:ext>
+            </a:extLst>
+          </p:cNvPr>
+          <p:cNvSpPr txBox="1"/>
+          <p:nvPr/>
+        </p:nvSpPr>
+        <p:spPr>
+          <a:xfrm>
+            <a:off x="2267343" y="5103646"/>
+            <a:ext cx="1213794" cy="369332"/>
+          </a:xfrm>
+          <a:prstGeom prst="rect">
+            <a:avLst/>
+          </a:prstGeom>
+        </p:spPr>
+        <p:style>
+          <a:lnRef idx="2">
+            <a:schemeClr val="dk1">
+              <a:shade val="50000"/>
+            </a:schemeClr>
+          </a:lnRef>
+          <a:fillRef idx="1">
+            <a:schemeClr val="dk1"/>
+          </a:fillRef>
+          <a:effectRef idx="0">
+            <a:schemeClr val="dk1"/>
+          </a:effectRef>
+          <a:fontRef idx="minor">
+            <a:schemeClr val="lt1"/>
+          </a:fontRef>
+        </p:style>
+        <p:txBody>
+          <a:bodyPr wrap="none" rtlCol="0">
+            <a:spAutoFit/>
+          </a:bodyPr>
+          <a:lstStyle/>
+          <a:p>
+            <a:r>
+              <a:rPr lang="fr-FR">
+                <a:highlight>
+                  <a:srgbClr val="800080"/>
+                </a:highlight>
+              </a:rPr>
+              <a:t>propriété</a:t>
+            </a:r>
+          </a:p>
+        </p:txBody>
+      </p:sp>
+      <p:sp>
+        <p:nvSpPr>
+          <p:cNvPr id="6" name="ZoneTexte 5">
+            <a:extLst>
+              <a:ext uri="{FF2B5EF4-FFF2-40B4-BE49-F238E27FC236}">
+                <a16:creationId xmlns:a16="http://schemas.microsoft.com/office/drawing/2014/main" id="{D76E8E82-F88A-41BC-8F13-296AB101DCD8}"/>
+              </a:ext>
+            </a:extLst>
+          </p:cNvPr>
+          <p:cNvSpPr txBox="1"/>
+          <p:nvPr/>
+        </p:nvSpPr>
+        <p:spPr>
+          <a:xfrm>
+            <a:off x="2284801" y="3972516"/>
+            <a:ext cx="1210588" cy="369332"/>
+          </a:xfrm>
+          <a:prstGeom prst="rect">
+            <a:avLst/>
+          </a:prstGeom>
+        </p:spPr>
+        <p:style>
+          <a:lnRef idx="2">
+            <a:schemeClr val="dk1">
+              <a:shade val="50000"/>
+            </a:schemeClr>
+          </a:lnRef>
+          <a:fillRef idx="1">
+            <a:schemeClr val="dk1"/>
+          </a:fillRef>
+          <a:effectRef idx="0">
+            <a:schemeClr val="dk1"/>
+          </a:effectRef>
+          <a:fontRef idx="minor">
+            <a:schemeClr val="lt1"/>
+          </a:fontRef>
+        </p:style>
+        <p:txBody>
+          <a:bodyPr wrap="none" rtlCol="0">
+            <a:spAutoFit/>
+          </a:bodyPr>
+          <a:lstStyle/>
+          <a:p>
+            <a:r>
+              <a:rPr lang="fr-FR">
+                <a:highlight>
+                  <a:srgbClr val="008000"/>
+                </a:highlight>
+              </a:rPr>
+              <a:t>sélecteur</a:t>
+            </a:r>
+          </a:p>
+        </p:txBody>
+      </p:sp>
+      <p:sp>
+        <p:nvSpPr>
+          <p:cNvPr id="7" name="ZoneTexte 6">
+            <a:extLst>
+              <a:ext uri="{FF2B5EF4-FFF2-40B4-BE49-F238E27FC236}">
+                <a16:creationId xmlns:a16="http://schemas.microsoft.com/office/drawing/2014/main" id="{BD8F12AA-613D-4284-9347-61E72186EC79}"/>
+              </a:ext>
+            </a:extLst>
+          </p:cNvPr>
+          <p:cNvSpPr txBox="1"/>
+          <p:nvPr/>
+        </p:nvSpPr>
+        <p:spPr>
+          <a:xfrm>
+            <a:off x="8710863" y="4554032"/>
+            <a:ext cx="877163" cy="369332"/>
+          </a:xfrm>
+          <a:prstGeom prst="rect">
+            <a:avLst/>
+          </a:prstGeom>
+        </p:spPr>
+        <p:style>
+          <a:lnRef idx="2">
+            <a:schemeClr val="dk1">
+              <a:shade val="50000"/>
+            </a:schemeClr>
+          </a:lnRef>
+          <a:fillRef idx="1">
+            <a:schemeClr val="dk1"/>
+          </a:fillRef>
+          <a:effectRef idx="0">
+            <a:schemeClr val="dk1"/>
+          </a:effectRef>
+          <a:fontRef idx="minor">
+            <a:schemeClr val="lt1"/>
+          </a:fontRef>
+        </p:style>
+        <p:txBody>
+          <a:bodyPr wrap="none" rtlCol="0">
+            <a:spAutoFit/>
+          </a:bodyPr>
+          <a:lstStyle/>
+          <a:p>
+            <a:r>
+              <a:rPr lang="fr-FR">
+                <a:highlight>
+                  <a:srgbClr val="800000"/>
+                </a:highlight>
+              </a:rPr>
+              <a:t>valeur</a:t>
+            </a:r>
+            <a:endParaRPr lang="en-US">
+              <a:highlight>
+                <a:srgbClr val="800000"/>
+              </a:highlight>
+            </a:endParaRPr>
+          </a:p>
+        </p:txBody>
+      </p:sp>
+      <p:cxnSp>
+        <p:nvCxnSpPr>
+          <p:cNvPr id="9" name="Connecteur droit avec flèche 8">
+            <a:extLst>
+              <a:ext uri="{FF2B5EF4-FFF2-40B4-BE49-F238E27FC236}">
+                <a16:creationId xmlns:a16="http://schemas.microsoft.com/office/drawing/2014/main" id="{FA7E6599-7FBD-429D-98C7-75BB154378A2}"/>
+              </a:ext>
+            </a:extLst>
+          </p:cNvPr>
+          <p:cNvCxnSpPr>
+            <a:cxnSpLocks/>
+            <a:stCxn id="6" idx="3"/>
+          </p:cNvCxnSpPr>
+          <p:nvPr/>
+        </p:nvCxnSpPr>
+        <p:spPr>
+          <a:xfrm flipV="1">
+            <a:off x="3495389" y="4018547"/>
+            <a:ext cx="1443574" cy="138635"/>
+          </a:xfrm>
+          <a:prstGeom prst="straightConnector1">
+            <a:avLst/>
+          </a:prstGeom>
+          <a:ln>
+            <a:tailEnd type="triangle"/>
+          </a:ln>
+        </p:spPr>
+        <p:style>
+          <a:lnRef idx="1">
+            <a:schemeClr val="accent6"/>
+          </a:lnRef>
+          <a:fillRef idx="0">
+            <a:schemeClr val="accent6"/>
+          </a:fillRef>
+          <a:effectRef idx="0">
+            <a:schemeClr val="accent6"/>
+          </a:effectRef>
+          <a:fontRef idx="minor">
+            <a:schemeClr val="tx1"/>
+          </a:fontRef>
+        </p:style>
+      </p:cxnSp>
+      <p:cxnSp>
+        <p:nvCxnSpPr>
+          <p:cNvPr id="10" name="Connecteur droit avec flèche 9">
+            <a:extLst>
+              <a:ext uri="{FF2B5EF4-FFF2-40B4-BE49-F238E27FC236}">
+                <a16:creationId xmlns:a16="http://schemas.microsoft.com/office/drawing/2014/main" id="{0E633E36-CAF7-4D47-AC1C-271BAB41F524}"/>
+              </a:ext>
+            </a:extLst>
+          </p:cNvPr>
+          <p:cNvCxnSpPr>
+            <a:cxnSpLocks/>
+            <a:stCxn id="6" idx="3"/>
+          </p:cNvCxnSpPr>
+          <p:nvPr/>
+        </p:nvCxnSpPr>
+        <p:spPr>
+          <a:xfrm>
+            <a:off x="3495389" y="4157182"/>
+            <a:ext cx="1443574" cy="946464"/>
+          </a:xfrm>
+          <a:prstGeom prst="straightConnector1">
+            <a:avLst/>
+          </a:prstGeom>
+          <a:ln>
+            <a:tailEnd type="triangle"/>
+          </a:ln>
+        </p:spPr>
+        <p:style>
+          <a:lnRef idx="1">
+            <a:schemeClr val="accent6"/>
+          </a:lnRef>
+          <a:fillRef idx="0">
+            <a:schemeClr val="accent6"/>
+          </a:fillRef>
+          <a:effectRef idx="0">
+            <a:schemeClr val="accent6"/>
+          </a:effectRef>
+          <a:fontRef idx="minor">
+            <a:schemeClr val="tx1"/>
+          </a:fontRef>
+        </p:style>
+      </p:cxnSp>
+      <p:cxnSp>
+        <p:nvCxnSpPr>
+          <p:cNvPr id="14" name="Connecteur droit avec flèche 13">
+            <a:extLst>
+              <a:ext uri="{FF2B5EF4-FFF2-40B4-BE49-F238E27FC236}">
+                <a16:creationId xmlns:a16="http://schemas.microsoft.com/office/drawing/2014/main" id="{07A1120D-6C61-4A61-BB45-3EE98BD50705}"/>
+              </a:ext>
+            </a:extLst>
+          </p:cNvPr>
+          <p:cNvCxnSpPr>
+            <a:stCxn id="7" idx="1"/>
+          </p:cNvCxnSpPr>
+          <p:nvPr/>
+        </p:nvCxnSpPr>
+        <p:spPr>
+          <a:xfrm flipH="1" flipV="1">
+            <a:off x="6858000" y="4341848"/>
+            <a:ext cx="1852863" cy="396850"/>
+          </a:xfrm>
+          <a:prstGeom prst="straightConnector1">
+            <a:avLst/>
+          </a:prstGeom>
+          <a:ln>
+            <a:tailEnd type="triangle"/>
+          </a:ln>
+        </p:spPr>
+        <p:style>
+          <a:lnRef idx="1">
+            <a:schemeClr val="accent1"/>
+          </a:lnRef>
+          <a:fillRef idx="0">
+            <a:schemeClr val="accent1"/>
+          </a:fillRef>
+          <a:effectRef idx="0">
+            <a:schemeClr val="accent1"/>
+          </a:effectRef>
+          <a:fontRef idx="minor">
+            <a:schemeClr val="tx1"/>
+          </a:fontRef>
+        </p:style>
+      </p:cxnSp>
+      <p:cxnSp>
+        <p:nvCxnSpPr>
+          <p:cNvPr id="16" name="Connecteur droit avec flèche 15">
+            <a:extLst>
+              <a:ext uri="{FF2B5EF4-FFF2-40B4-BE49-F238E27FC236}">
+                <a16:creationId xmlns:a16="http://schemas.microsoft.com/office/drawing/2014/main" id="{22AEE77C-E879-441F-AD3B-881920F2A4DA}"/>
+              </a:ext>
+            </a:extLst>
+          </p:cNvPr>
+          <p:cNvCxnSpPr>
+            <a:stCxn id="7" idx="1"/>
+          </p:cNvCxnSpPr>
+          <p:nvPr/>
+        </p:nvCxnSpPr>
+        <p:spPr>
+          <a:xfrm flipH="1">
+            <a:off x="6310563" y="4738698"/>
+            <a:ext cx="2400300" cy="630380"/>
+          </a:xfrm>
+          <a:prstGeom prst="straightConnector1">
+            <a:avLst/>
+          </a:prstGeom>
+          <a:ln>
+            <a:tailEnd type="triangle"/>
+          </a:ln>
+        </p:spPr>
+        <p:style>
+          <a:lnRef idx="1">
+            <a:schemeClr val="accent1"/>
+          </a:lnRef>
+          <a:fillRef idx="0">
+            <a:schemeClr val="accent1"/>
+          </a:fillRef>
+          <a:effectRef idx="0">
+            <a:schemeClr val="accent1"/>
+          </a:effectRef>
+          <a:fontRef idx="minor">
+            <a:schemeClr val="tx1"/>
+          </a:fontRef>
+        </p:style>
+      </p:cxnSp>
+      <p:cxnSp>
+        <p:nvCxnSpPr>
+          <p:cNvPr id="18" name="Connecteur droit avec flèche 17">
+            <a:extLst>
+              <a:ext uri="{FF2B5EF4-FFF2-40B4-BE49-F238E27FC236}">
+                <a16:creationId xmlns:a16="http://schemas.microsoft.com/office/drawing/2014/main" id="{888ECF2C-6567-412C-B944-E11B71E9850C}"/>
+              </a:ext>
+            </a:extLst>
+          </p:cNvPr>
+          <p:cNvCxnSpPr>
+            <a:stCxn id="5" idx="3"/>
+          </p:cNvCxnSpPr>
+          <p:nvPr/>
+        </p:nvCxnSpPr>
+        <p:spPr>
+          <a:xfrm flipV="1">
+            <a:off x="3481137" y="4283242"/>
+            <a:ext cx="1758616" cy="1005070"/>
+          </a:xfrm>
+          <a:prstGeom prst="straightConnector1">
+            <a:avLst/>
+          </a:prstGeom>
+          <a:ln>
+            <a:tailEnd type="triangle"/>
+          </a:ln>
+        </p:spPr>
+        <p:style>
+          <a:lnRef idx="1">
+            <a:schemeClr val="accent1"/>
+          </a:lnRef>
+          <a:fillRef idx="0">
+            <a:schemeClr val="accent1"/>
+          </a:fillRef>
+          <a:effectRef idx="0">
+            <a:schemeClr val="accent1"/>
+          </a:effectRef>
+          <a:fontRef idx="minor">
+            <a:schemeClr val="tx1"/>
+          </a:fontRef>
+        </p:style>
+      </p:cxnSp>
+      <p:cxnSp>
+        <p:nvCxnSpPr>
+          <p:cNvPr id="20" name="Connecteur droit avec flèche 19">
+            <a:extLst>
+              <a:ext uri="{FF2B5EF4-FFF2-40B4-BE49-F238E27FC236}">
+                <a16:creationId xmlns:a16="http://schemas.microsoft.com/office/drawing/2014/main" id="{7D3F8CAD-F3D1-4B25-A516-06B529A83B90}"/>
+              </a:ext>
+            </a:extLst>
+          </p:cNvPr>
+          <p:cNvCxnSpPr>
+            <a:stCxn id="5" idx="3"/>
+          </p:cNvCxnSpPr>
+          <p:nvPr/>
+        </p:nvCxnSpPr>
+        <p:spPr>
+          <a:xfrm>
+            <a:off x="3481137" y="5288312"/>
+            <a:ext cx="1758616" cy="80766"/>
+          </a:xfrm>
+          <a:prstGeom prst="straightConnector1">
+            <a:avLst/>
+          </a:prstGeom>
+          <a:ln>
+            <a:tailEnd type="triangle"/>
+          </a:ln>
+        </p:spPr>
+        <p:style>
+          <a:lnRef idx="1">
+            <a:schemeClr val="accent1"/>
+          </a:lnRef>
+          <a:fillRef idx="0">
+            <a:schemeClr val="accent1"/>
+          </a:fillRef>
+          <a:effectRef idx="0">
+            <a:schemeClr val="accent1"/>
+          </a:effectRef>
+          <a:fontRef idx="minor">
+            <a:schemeClr val="tx1"/>
+          </a:fontRef>
+        </p:style>
+      </p:cxnSp>
+      <p:sp>
+        <p:nvSpPr>
+          <p:cNvPr id="23" name="Flèche : droite 22">
+            <a:extLst>
+              <a:ext uri="{FF2B5EF4-FFF2-40B4-BE49-F238E27FC236}">
+                <a16:creationId xmlns:a16="http://schemas.microsoft.com/office/drawing/2014/main" id="{9AA18EF4-6E40-4294-9432-F5E12B410BC4}"/>
+              </a:ext>
+            </a:extLst>
+          </p:cNvPr>
+          <p:cNvSpPr/>
+          <p:nvPr/>
+        </p:nvSpPr>
+        <p:spPr>
+          <a:xfrm>
+            <a:off x="6959600" y="6146800"/>
+            <a:ext cx="5232401" cy="711200"/>
+          </a:xfrm>
+          <a:prstGeom prst="rightArrow">
+            <a:avLst/>
+          </a:prstGeom>
+        </p:spPr>
+        <p:style>
+          <a:lnRef idx="2">
+            <a:schemeClr val="accent1">
+              <a:shade val="50000"/>
+            </a:schemeClr>
+          </a:lnRef>
+          <a:fillRef idx="1">
+            <a:schemeClr val="accent1"/>
+          </a:fillRef>
+          <a:effectRef idx="0">
+            <a:schemeClr val="accent1"/>
+          </a:effectRef>
+          <a:fontRef idx="minor">
+            <a:schemeClr val="lt1"/>
+          </a:fontRef>
+        </p:style>
+        <p:txBody>
+          <a:bodyPr rtlCol="0" anchor="ctr"/>
+          <a:lstStyle/>
+          <a:p>
+            <a:pPr algn="ctr"/>
+            <a:r>
+              <a:rPr lang="fr-FR"/>
+              <a:t>Exercices: Chapitre 2 – CSS </a:t>
+            </a:r>
+            <a:r>
+              <a:rPr lang="fr-FR" err="1"/>
+              <a:t>Selectors</a:t>
+            </a:r>
+            <a:endParaRPr lang="en-US"/>
+          </a:p>
+        </p:txBody>
+      </p:sp>
+    </p:spTree>
+    <p:extLst>
+      <p:ext uri="{BB962C8B-B14F-4D97-AF65-F5344CB8AC3E}">
+        <p14:creationId xmlns:p14="http://schemas.microsoft.com/office/powerpoint/2010/main" val="1763368919"/>
+      </p:ext>
+    </p:extLst>
+  </p:cSld>
+  <p:clrMapOvr>
+    <a:masterClrMapping/>
+  </p:clrMapOvr>
+  <p:timing>
+    <p:tnLst>
+      <p:par>
+        <p:cTn id="1" dur="indefinite" restart="never" nodeType="tmRoot">
+          <p:childTnLst>
+            <p:seq concurrent="1" nextAc="seek">
+              <p:cTn id="2" dur="indefinite" nodeType="mainSeq">
+                <p:childTnLst>
+                  <p:par>
+                    <p:cTn id="3" fill="hold">
+                      <p:stCondLst>
+                        <p:cond delay="indefinite"/>
+                      </p:stCondLst>
+                      <p:childTnLst>
+                        <p:par>
+                          <p:cTn id="4" fill="hold">
+                            <p:stCondLst>
+                              <p:cond delay="0"/>
+                            </p:stCondLst>
+                            <p:childTnLst>
+                              <p:par>
+                                <p:cTn id="5" presetID="1" presetClass="entr" presetSubtype="0" fill="hold" grpId="0" nodeType="clickEffect">
+                                  <p:stCondLst>
+                                    <p:cond delay="0"/>
+                                  </p:stCondLst>
+                                  <p:childTnLst>
+                                    <p:set>
+                                      <p:cBhvr>
+                                        <p:cTn id="6" dur="1" fill="hold">
+                                          <p:stCondLst>
+                                            <p:cond delay="0"/>
+                                          </p:stCondLst>
+                                        </p:cTn>
+                                        <p:tgtEl>
+                                          <p:spTgt spid="6"/>
+                                        </p:tgtEl>
+                                        <p:attrNameLst>
+                                          <p:attrName>style.visibility</p:attrName>
+                                        </p:attrNameLst>
+                                      </p:cBhvr>
+                                      <p:to>
+                                        <p:strVal val="visible"/>
+                                      </p:to>
+                                    </p:set>
+                                  </p:childTnLst>
+                                </p:cTn>
+                              </p:par>
+                              <p:par>
+                                <p:cTn id="7" presetID="1" presetClass="entr" presetSubtype="0" fill="hold" nodeType="withEffect">
+                                  <p:stCondLst>
+                                    <p:cond delay="0"/>
+                                  </p:stCondLst>
+                                  <p:childTnLst>
+                                    <p:set>
+                                      <p:cBhvr>
+                                        <p:cTn id="8" dur="1" fill="hold">
+                                          <p:stCondLst>
+                                            <p:cond delay="0"/>
+                                          </p:stCondLst>
+                                        </p:cTn>
+                                        <p:tgtEl>
+                                          <p:spTgt spid="9"/>
+                                        </p:tgtEl>
+                                        <p:attrNameLst>
+                                          <p:attrName>style.visibility</p:attrName>
+                                        </p:attrNameLst>
+                                      </p:cBhvr>
+                                      <p:to>
+                                        <p:strVal val="visible"/>
+                                      </p:to>
+                                    </p:set>
+                                  </p:childTnLst>
+                                </p:cTn>
+                              </p:par>
+                              <p:par>
+                                <p:cTn id="9" presetID="1" presetClass="entr" presetSubtype="0" fill="hold" nodeType="withEffect">
+                                  <p:stCondLst>
+                                    <p:cond delay="0"/>
+                                  </p:stCondLst>
+                                  <p:childTnLst>
+                                    <p:set>
+                                      <p:cBhvr>
+                                        <p:cTn id="10" dur="1" fill="hold">
+                                          <p:stCondLst>
+                                            <p:cond delay="0"/>
+                                          </p:stCondLst>
+                                        </p:cTn>
+                                        <p:tgtEl>
+                                          <p:spTgt spid="10"/>
+                                        </p:tgtEl>
+                                        <p:attrNameLst>
+                                          <p:attrName>style.visibility</p:attrName>
+                                        </p:attrNameLst>
+                                      </p:cBhvr>
+                                      <p:to>
+                                        <p:strVal val="visible"/>
+                                      </p:to>
+                                    </p:set>
+                                  </p:childTnLst>
+                                </p:cTn>
+                              </p:par>
+                            </p:childTnLst>
+                          </p:cTn>
+                        </p:par>
+                      </p:childTnLst>
+                    </p:cTn>
+                  </p:par>
+                  <p:par>
+                    <p:cTn id="11" fill="hold">
+                      <p:stCondLst>
+                        <p:cond delay="indefinite"/>
+                      </p:stCondLst>
+                      <p:childTnLst>
+                        <p:par>
+                          <p:cTn id="12" fill="hold">
+                            <p:stCondLst>
+                              <p:cond delay="0"/>
+                            </p:stCondLst>
+                            <p:childTnLst>
+                              <p:par>
+                                <p:cTn id="13" presetID="1" presetClass="entr" presetSubtype="0" fill="hold" grpId="0" nodeType="clickEffect">
+                                  <p:stCondLst>
+                                    <p:cond delay="0"/>
+                                  </p:stCondLst>
+                                  <p:childTnLst>
+                                    <p:set>
+                                      <p:cBhvr>
+                                        <p:cTn id="14" dur="1" fill="hold">
+                                          <p:stCondLst>
+                                            <p:cond delay="0"/>
+                                          </p:stCondLst>
+                                        </p:cTn>
+                                        <p:tgtEl>
+                                          <p:spTgt spid="5"/>
+                                        </p:tgtEl>
+                                        <p:attrNameLst>
+                                          <p:attrName>style.visibility</p:attrName>
+                                        </p:attrNameLst>
+                                      </p:cBhvr>
+                                      <p:to>
+                                        <p:strVal val="visible"/>
+                                      </p:to>
+                                    </p:set>
+                                  </p:childTnLst>
+                                </p:cTn>
+                              </p:par>
+                              <p:par>
+                                <p:cTn id="15" presetID="1" presetClass="entr" presetSubtype="0" fill="hold" nodeType="withEffect">
+                                  <p:stCondLst>
+                                    <p:cond delay="0"/>
+                                  </p:stCondLst>
+                                  <p:childTnLst>
+                                    <p:set>
+                                      <p:cBhvr>
+                                        <p:cTn id="16" dur="1" fill="hold">
+                                          <p:stCondLst>
+                                            <p:cond delay="0"/>
+                                          </p:stCondLst>
+                                        </p:cTn>
+                                        <p:tgtEl>
+                                          <p:spTgt spid="18"/>
+                                        </p:tgtEl>
+                                        <p:attrNameLst>
+                                          <p:attrName>style.visibility</p:attrName>
+                                        </p:attrNameLst>
+                                      </p:cBhvr>
+                                      <p:to>
+                                        <p:strVal val="visible"/>
+                                      </p:to>
+                                    </p:set>
+                                  </p:childTnLst>
+                                </p:cTn>
+                              </p:par>
+                              <p:par>
+                                <p:cTn id="17" presetID="1" presetClass="entr" presetSubtype="0" fill="hold" nodeType="withEffect">
+                                  <p:stCondLst>
+                                    <p:cond delay="0"/>
+                                  </p:stCondLst>
+                                  <p:childTnLst>
+                                    <p:set>
+                                      <p:cBhvr>
+                                        <p:cTn id="18" dur="1" fill="hold">
+                                          <p:stCondLst>
+                                            <p:cond delay="0"/>
+                                          </p:stCondLst>
+                                        </p:cTn>
+                                        <p:tgtEl>
+                                          <p:spTgt spid="20"/>
+                                        </p:tgtEl>
+                                        <p:attrNameLst>
+                                          <p:attrName>style.visibility</p:attrName>
+                                        </p:attrNameLst>
+                                      </p:cBhvr>
+                                      <p:to>
+                                        <p:strVal val="visible"/>
+                                      </p:to>
+                                    </p:set>
+                                  </p:childTnLst>
+                                </p:cTn>
+                              </p:par>
+                            </p:childTnLst>
+                          </p:cTn>
+                        </p:par>
+                      </p:childTnLst>
+                    </p:cTn>
+                  </p:par>
+                  <p:par>
+                    <p:cTn id="19" fill="hold">
+                      <p:stCondLst>
+                        <p:cond delay="indefinite"/>
+                      </p:stCondLst>
+                      <p:childTnLst>
+                        <p:par>
+                          <p:cTn id="20" fill="hold">
+                            <p:stCondLst>
+                              <p:cond delay="0"/>
+                            </p:stCondLst>
+                            <p:childTnLst>
+                              <p:par>
+                                <p:cTn id="21" presetID="1" presetClass="entr" presetSubtype="0" fill="hold" grpId="0" nodeType="clickEffect">
+                                  <p:stCondLst>
+                                    <p:cond delay="0"/>
+                                  </p:stCondLst>
+                                  <p:childTnLst>
+                                    <p:set>
+                                      <p:cBhvr>
+                                        <p:cTn id="22" dur="1" fill="hold">
+                                          <p:stCondLst>
+                                            <p:cond delay="0"/>
+                                          </p:stCondLst>
+                                        </p:cTn>
+                                        <p:tgtEl>
+                                          <p:spTgt spid="7"/>
+                                        </p:tgtEl>
+                                        <p:attrNameLst>
+                                          <p:attrName>style.visibility</p:attrName>
+                                        </p:attrNameLst>
+                                      </p:cBhvr>
+                                      <p:to>
+                                        <p:strVal val="visible"/>
+                                      </p:to>
+                                    </p:set>
+                                  </p:childTnLst>
+                                </p:cTn>
+                              </p:par>
+                              <p:par>
+                                <p:cTn id="23" presetID="1" presetClass="entr" presetSubtype="0" fill="hold" nodeType="withEffect">
+                                  <p:stCondLst>
+                                    <p:cond delay="0"/>
+                                  </p:stCondLst>
+                                  <p:childTnLst>
+                                    <p:set>
+                                      <p:cBhvr>
+                                        <p:cTn id="24" dur="1" fill="hold">
+                                          <p:stCondLst>
+                                            <p:cond delay="0"/>
+                                          </p:stCondLst>
+                                        </p:cTn>
+                                        <p:tgtEl>
+                                          <p:spTgt spid="14"/>
+                                        </p:tgtEl>
+                                        <p:attrNameLst>
+                                          <p:attrName>style.visibility</p:attrName>
+                                        </p:attrNameLst>
+                                      </p:cBhvr>
+                                      <p:to>
+                                        <p:strVal val="visible"/>
+                                      </p:to>
+                                    </p:set>
+                                  </p:childTnLst>
+                                </p:cTn>
+                              </p:par>
+                              <p:par>
+                                <p:cTn id="25" presetID="1" presetClass="entr" presetSubtype="0" fill="hold" nodeType="withEffect">
+                                  <p:stCondLst>
+                                    <p:cond delay="0"/>
+                                  </p:stCondLst>
+                                  <p:childTnLst>
+                                    <p:set>
+                                      <p:cBhvr>
+                                        <p:cTn id="26" dur="1" fill="hold">
+                                          <p:stCondLst>
+                                            <p:cond delay="0"/>
+                                          </p:stCondLst>
+                                        </p:cTn>
+                                        <p:tgtEl>
+                                          <p:spTgt spid="16"/>
+                                        </p:tgtEl>
+                                        <p:attrNameLst>
+                                          <p:attrName>style.visibility</p:attrName>
+                                        </p:attrNameLst>
+                                      </p:cBhvr>
+                                      <p:to>
+                                        <p:strVal val="visible"/>
+                                      </p:to>
+                                    </p:set>
+                                  </p:childTnLst>
+                                </p:cTn>
+                              </p:par>
+                            </p:childTnLst>
+                          </p:cTn>
+                        </p:par>
+                      </p:childTnLst>
+                    </p:cTn>
+                  </p:par>
+                  <p:par>
+                    <p:cTn id="27" fill="hold">
+                      <p:stCondLst>
+                        <p:cond delay="indefinite"/>
+                      </p:stCondLst>
+                      <p:childTnLst>
+                        <p:par>
+                          <p:cTn id="28" fill="hold">
+                            <p:stCondLst>
+                              <p:cond delay="0"/>
+                            </p:stCondLst>
+                            <p:childTnLst>
+                              <p:par>
+                                <p:cTn id="29" presetID="2" presetClass="entr" presetSubtype="4" fill="hold" grpId="0" nodeType="clickEffect">
+                                  <p:stCondLst>
+                                    <p:cond delay="0"/>
+                                  </p:stCondLst>
+                                  <p:childTnLst>
+                                    <p:set>
+                                      <p:cBhvr>
+                                        <p:cTn id="30" dur="1" fill="hold">
+                                          <p:stCondLst>
+                                            <p:cond delay="0"/>
+                                          </p:stCondLst>
+                                        </p:cTn>
+                                        <p:tgtEl>
+                                          <p:spTgt spid="23"/>
+                                        </p:tgtEl>
+                                        <p:attrNameLst>
+                                          <p:attrName>style.visibility</p:attrName>
+                                        </p:attrNameLst>
+                                      </p:cBhvr>
+                                      <p:to>
+                                        <p:strVal val="visible"/>
+                                      </p:to>
+                                    </p:set>
+                                    <p:anim calcmode="lin" valueType="num">
+                                      <p:cBhvr additive="base">
+                                        <p:cTn id="31" dur="500" fill="hold"/>
+                                        <p:tgtEl>
+                                          <p:spTgt spid="23"/>
+                                        </p:tgtEl>
+                                        <p:attrNameLst>
+                                          <p:attrName>ppt_x</p:attrName>
+                                        </p:attrNameLst>
+                                      </p:cBhvr>
+                                      <p:tavLst>
+                                        <p:tav tm="0">
+                                          <p:val>
+                                            <p:strVal val="#ppt_x"/>
+                                          </p:val>
+                                        </p:tav>
+                                        <p:tav tm="100000">
+                                          <p:val>
+                                            <p:strVal val="#ppt_x"/>
+                                          </p:val>
+                                        </p:tav>
+                                      </p:tavLst>
+                                    </p:anim>
+                                    <p:anim calcmode="lin" valueType="num">
+                                      <p:cBhvr additive="base">
+                                        <p:cTn id="32" dur="500" fill="hold"/>
+                                        <p:tgtEl>
+                                          <p:spTgt spid="23"/>
+                                        </p:tgtEl>
+                                        <p:attrNameLst>
+                                          <p:attrName>ppt_y</p:attrName>
+                                        </p:attrNameLst>
+                                      </p:cBhvr>
+                                      <p:tavLst>
+                                        <p:tav tm="0">
+                                          <p:val>
+                                            <p:strVal val="1+#ppt_h/2"/>
+                                          </p:val>
+                                        </p:tav>
+                                        <p:tav tm="100000">
+                                          <p:val>
+                                            <p:strVal val="#ppt_y"/>
+                                          </p:val>
+                                        </p:tav>
+                                      </p:tavLst>
+                                    </p:anim>
+                                  </p:childTnLst>
+                                </p:cTn>
+                              </p:par>
+                            </p:childTnLst>
+                          </p:cTn>
+                        </p:par>
+                      </p:childTnLst>
+                    </p:cTn>
+                  </p:par>
+                </p:childTnLst>
+              </p:cTn>
+              <p:prevCondLst>
+                <p:cond evt="onPrev" delay="0">
+                  <p:tgtEl>
+                    <p:sldTgt/>
+                  </p:tgtEl>
+                </p:cond>
+              </p:prevCondLst>
+              <p:nextCondLst>
+                <p:cond evt="onNext" delay="0">
+                  <p:tgtEl>
+                    <p:sldTgt/>
+                  </p:tgtEl>
+                </p:cond>
+              </p:nextCondLst>
+            </p:seq>
+          </p:childTnLst>
+        </p:cTn>
+      </p:par>
+    </p:tnLst>
+    <p:bldLst>
+      <p:bldP spid="5" grpId="0" animBg="1"/>
+      <p:bldP spid="6" grpId="0" animBg="1"/>
+      <p:bldP spid="7" grpId="0" animBg="1"/>
+      <p:bldP spid="23" grpId="0" animBg="1"/>
+    </p:bldLst>
+  </p:timing>
+</p:sld>
+</file>
+
+<file path=ppt/slides/slide7.xml><?xml version="1.0" encoding="utf-8"?>
+<p:sld xmlns:a="http://schemas.openxmlformats.org/drawingml/2006/main" xmlns:r="http://schemas.openxmlformats.org/officeDocument/2006/relationships" xmlns:p="http://schemas.openxmlformats.org/presentationml/2006/main">
+  <p:cSld>
+    <p:spTree>
+      <p:nvGrpSpPr>
+        <p:cNvPr id="1" name=""/>
+        <p:cNvGrpSpPr/>
+        <p:nvPr/>
+      </p:nvGrpSpPr>
+      <p:grpSpPr>
+        <a:xfrm>
+          <a:off x="0" y="0"/>
+          <a:ext cx="0" cy="0"/>
+          <a:chOff x="0" y="0"/>
+          <a:chExt cx="0" cy="0"/>
+        </a:xfrm>
+      </p:grpSpPr>
+      <p:sp>
+        <p:nvSpPr>
+          <p:cNvPr id="2" name="Titre 1">
+            <a:extLst>
+              <a:ext uri="{FF2B5EF4-FFF2-40B4-BE49-F238E27FC236}">
+                <a16:creationId xmlns:a16="http://schemas.microsoft.com/office/drawing/2014/main" id="{4DE9C89A-6272-4F06-93C7-20FCFF63829B}"/>
+              </a:ext>
+            </a:extLst>
+          </p:cNvPr>
+          <p:cNvSpPr>
+            <a:spLocks noGrp="1"/>
+          </p:cNvSpPr>
+          <p:nvPr>
+            <p:ph type="title"/>
+          </p:nvPr>
+        </p:nvSpPr>
+        <p:spPr/>
+        <p:txBody>
+          <a:bodyPr>
+            <a:normAutofit/>
+          </a:bodyPr>
+          <a:lstStyle/>
+          <a:p>
+            <a:r>
+              <a:rPr lang="fr-FR"/>
+              <a:t>Spécificité des sélecteurs</a:t>
+            </a:r>
+            <a:endParaRPr lang="en-US"/>
+          </a:p>
+        </p:txBody>
+      </p:sp>
+      <p:sp>
+        <p:nvSpPr>
+          <p:cNvPr id="3" name="Espace réservé du contenu 2">
+            <a:extLst>
+              <a:ext uri="{FF2B5EF4-FFF2-40B4-BE49-F238E27FC236}">
+                <a16:creationId xmlns:a16="http://schemas.microsoft.com/office/drawing/2014/main" id="{E5B45966-E913-4A63-BAA5-D611B4F8B0CF}"/>
+              </a:ext>
+            </a:extLst>
+          </p:cNvPr>
+          <p:cNvSpPr>
+            <a:spLocks noGrp="1"/>
+          </p:cNvSpPr>
+          <p:nvPr>
+            <p:ph idx="1"/>
+          </p:nvPr>
+        </p:nvSpPr>
+        <p:spPr/>
+        <p:txBody>
+          <a:bodyPr/>
+          <a:lstStyle/>
+          <a:p>
+            <a:r>
+              <a:rPr lang="fr-FR"/>
+              <a:t>Quand plusieurs sélecteurs associent des valeurs différentes d'une même propriété à un même élément, il faut déterminer quelle valeur choisir, autrement dit quel sélecteur a la priorité sur les autres.</a:t>
+            </a:r>
+          </a:p>
+          <a:p>
+            <a:r>
+              <a:rPr lang="fr-FR"/>
+              <a:t>Pour ce faire, on calcule le niveau de spécificité de chaque sélecteur. Plus il est spécifique, plus les valeurs associées seront prioritaires.</a:t>
+            </a:r>
+            <a:endParaRPr lang="en-US" b="1"/>
+          </a:p>
+        </p:txBody>
+      </p:sp>
+      <p:sp>
+        <p:nvSpPr>
+          <p:cNvPr id="4" name="ZoneTexte 3">
+            <a:extLst>
+              <a:ext uri="{FF2B5EF4-FFF2-40B4-BE49-F238E27FC236}">
+                <a16:creationId xmlns:a16="http://schemas.microsoft.com/office/drawing/2014/main" id="{A84F7CCF-A40C-48F6-8F7A-918E9EDFD657}"/>
+              </a:ext>
+            </a:extLst>
+          </p:cNvPr>
+          <p:cNvSpPr txBox="1"/>
+          <p:nvPr/>
+        </p:nvSpPr>
+        <p:spPr>
+          <a:xfrm>
+            <a:off x="1682707" y="3806628"/>
+            <a:ext cx="2502568" cy="2031325"/>
+          </a:xfrm>
+          <a:prstGeom prst="rect">
+            <a:avLst/>
+          </a:prstGeom>
+        </p:spPr>
+        <p:style>
+          <a:lnRef idx="2">
+            <a:schemeClr val="dk1">
+              <a:shade val="50000"/>
+            </a:schemeClr>
+          </a:lnRef>
+          <a:fillRef idx="1">
+            <a:schemeClr val="dk1"/>
+          </a:fillRef>
+          <a:effectRef idx="0">
+            <a:schemeClr val="dk1"/>
+          </a:effectRef>
+          <a:fontRef idx="minor">
+            <a:schemeClr val="lt1"/>
+          </a:fontRef>
+        </p:style>
+        <p:txBody>
+          <a:bodyPr wrap="square" rtlCol="0">
+            <a:spAutoFit/>
+          </a:bodyPr>
+          <a:lstStyle/>
+          <a:p>
+            <a:r>
+              <a:rPr lang="fr-FR">
+                <a:highlight>
+                  <a:srgbClr val="008000"/>
+                </a:highlight>
+              </a:rPr>
+              <a:t>p</a:t>
+            </a:r>
+            <a:r>
+              <a:rPr lang="fr-FR"/>
+              <a:t> {</a:t>
+            </a:r>
+          </a:p>
+          <a:p>
+            <a:r>
+              <a:rPr lang="fr-FR"/>
+              <a:t>     </a:t>
+            </a:r>
+            <a:r>
+              <a:rPr lang="fr-FR" err="1">
+                <a:highlight>
+                  <a:srgbClr val="800080"/>
+                </a:highlight>
+              </a:rPr>
+              <a:t>color</a:t>
+            </a:r>
+            <a:r>
+              <a:rPr lang="fr-FR">
+                <a:highlight>
+                  <a:srgbClr val="800080"/>
+                </a:highlight>
+              </a:rPr>
+              <a:t>:</a:t>
+            </a:r>
+            <a:r>
+              <a:rPr lang="fr-FR"/>
+              <a:t> </a:t>
+            </a:r>
+            <a:r>
+              <a:rPr lang="fr-FR" err="1">
+                <a:highlight>
+                  <a:srgbClr val="800000"/>
+                </a:highlight>
+              </a:rPr>
+              <a:t>blue</a:t>
+            </a:r>
+            <a:r>
+              <a:rPr lang="fr-FR">
+                <a:highlight>
+                  <a:srgbClr val="800000"/>
+                </a:highlight>
+              </a:rPr>
+              <a:t>;</a:t>
+            </a:r>
+          </a:p>
+          <a:p>
+            <a:r>
+              <a:rPr lang="fr-FR"/>
+              <a:t>}</a:t>
+            </a:r>
+          </a:p>
+          <a:p>
+            <a:endParaRPr lang="fr-FR"/>
+          </a:p>
+          <a:p>
+            <a:r>
+              <a:rPr lang="en-US">
+                <a:highlight>
+                  <a:srgbClr val="008000"/>
+                </a:highlight>
+              </a:rPr>
+              <a:t>.important</a:t>
+            </a:r>
+            <a:r>
+              <a:rPr lang="en-US"/>
+              <a:t> {</a:t>
+            </a:r>
+          </a:p>
+          <a:p>
+            <a:r>
+              <a:rPr lang="en-US"/>
+              <a:t>     </a:t>
+            </a:r>
+            <a:r>
+              <a:rPr lang="en-US">
+                <a:highlight>
+                  <a:srgbClr val="800080"/>
+                </a:highlight>
+              </a:rPr>
+              <a:t>color:</a:t>
+            </a:r>
+            <a:r>
+              <a:rPr lang="en-US"/>
+              <a:t> </a:t>
+            </a:r>
+            <a:r>
+              <a:rPr lang="en-US">
+                <a:highlight>
+                  <a:srgbClr val="800000"/>
+                </a:highlight>
+              </a:rPr>
+              <a:t>red</a:t>
+            </a:r>
+            <a:r>
+              <a:rPr lang="en-US"/>
+              <a:t>;</a:t>
+            </a:r>
+          </a:p>
+          <a:p>
+            <a:r>
+              <a:rPr lang="en-US"/>
+              <a:t>}</a:t>
+            </a:r>
+          </a:p>
+        </p:txBody>
+      </p:sp>
+      <p:sp>
+        <p:nvSpPr>
+          <p:cNvPr id="23" name="Flèche : droite 22">
+            <a:extLst>
+              <a:ext uri="{FF2B5EF4-FFF2-40B4-BE49-F238E27FC236}">
+                <a16:creationId xmlns:a16="http://schemas.microsoft.com/office/drawing/2014/main" id="{9AA18EF4-6E40-4294-9432-F5E12B410BC4}"/>
+              </a:ext>
+            </a:extLst>
+          </p:cNvPr>
+          <p:cNvSpPr/>
+          <p:nvPr/>
+        </p:nvSpPr>
+        <p:spPr>
+          <a:xfrm>
+            <a:off x="6959600" y="6146800"/>
+            <a:ext cx="5232401" cy="711200"/>
+          </a:xfrm>
+          <a:prstGeom prst="rightArrow">
+            <a:avLst/>
+          </a:prstGeom>
+        </p:spPr>
+        <p:style>
+          <a:lnRef idx="2">
+            <a:schemeClr val="accent1">
+              <a:shade val="50000"/>
+            </a:schemeClr>
+          </a:lnRef>
+          <a:fillRef idx="1">
+            <a:schemeClr val="accent1"/>
+          </a:fillRef>
+          <a:effectRef idx="0">
+            <a:schemeClr val="accent1"/>
+          </a:effectRef>
+          <a:fontRef idx="minor">
+            <a:schemeClr val="lt1"/>
+          </a:fontRef>
+        </p:style>
+        <p:txBody>
+          <a:bodyPr rtlCol="0" anchor="ctr"/>
+          <a:lstStyle/>
+          <a:p>
+            <a:pPr algn="ctr"/>
+            <a:r>
+              <a:rPr lang="fr-FR"/>
+              <a:t>Exercices: Chapitre 3 – </a:t>
+            </a:r>
+            <a:r>
+              <a:rPr lang="fr-FR" err="1"/>
+              <a:t>Specificity</a:t>
+            </a:r>
+            <a:endParaRPr lang="en-US"/>
+          </a:p>
+        </p:txBody>
+      </p:sp>
+      <p:sp>
+        <p:nvSpPr>
+          <p:cNvPr id="15" name="ZoneTexte 14">
+            <a:extLst>
+              <a:ext uri="{FF2B5EF4-FFF2-40B4-BE49-F238E27FC236}">
+                <a16:creationId xmlns:a16="http://schemas.microsoft.com/office/drawing/2014/main" id="{D7576B7E-4148-4D66-99D5-84060687031D}"/>
+              </a:ext>
+            </a:extLst>
+          </p:cNvPr>
+          <p:cNvSpPr txBox="1"/>
+          <p:nvPr/>
+        </p:nvSpPr>
+        <p:spPr>
+          <a:xfrm>
+            <a:off x="5363084" y="4252194"/>
+            <a:ext cx="2643643" cy="923330"/>
+          </a:xfrm>
+          <a:prstGeom prst="rect">
+            <a:avLst/>
+          </a:prstGeom>
+        </p:spPr>
+        <p:style>
+          <a:lnRef idx="2">
+            <a:schemeClr val="dk1">
+              <a:shade val="50000"/>
+            </a:schemeClr>
+          </a:lnRef>
+          <a:fillRef idx="1">
+            <a:schemeClr val="dk1"/>
+          </a:fillRef>
+          <a:effectRef idx="0">
+            <a:schemeClr val="dk1"/>
+          </a:effectRef>
+          <a:fontRef idx="minor">
+            <a:schemeClr val="lt1"/>
+          </a:fontRef>
+        </p:style>
+        <p:txBody>
+          <a:bodyPr wrap="square" rtlCol="0">
+            <a:spAutoFit/>
+          </a:bodyPr>
+          <a:lstStyle/>
+          <a:p>
+            <a:r>
+              <a:rPr lang="fr-FR"/>
+              <a:t>&lt;p class="important"&gt;</a:t>
+            </a:r>
+          </a:p>
+          <a:p>
+            <a:r>
+              <a:rPr lang="fr-FR"/>
+              <a:t>Bleu ou rouge ?</a:t>
+            </a:r>
+          </a:p>
+          <a:p>
+            <a:r>
+              <a:rPr lang="fr-FR"/>
+              <a:t>&lt;/p&gt;</a:t>
+            </a:r>
+            <a:endParaRPr lang="en-US"/>
+          </a:p>
+        </p:txBody>
+      </p:sp>
+      <p:pic>
+        <p:nvPicPr>
+          <p:cNvPr id="11" name="Graphique 10" descr="Point d’interrogation">
+            <a:extLst>
+              <a:ext uri="{FF2B5EF4-FFF2-40B4-BE49-F238E27FC236}">
+                <a16:creationId xmlns:a16="http://schemas.microsoft.com/office/drawing/2014/main" id="{8B73DB13-4A63-40A8-8BB5-D586CD798698}"/>
+              </a:ext>
+            </a:extLst>
+          </p:cNvPr>
+          <p:cNvPicPr>
+            <a:picLocks noChangeAspect="1"/>
+          </p:cNvPicPr>
+          <p:nvPr/>
+        </p:nvPicPr>
+        <p:blipFill>
+          <a:blip r:embed="rId2">
+            <a:extLst>
+              <a:ext uri="{28A0092B-C50C-407E-A947-70E740481C1C}">
+                <a14:useLocalDpi xmlns:a14="http://schemas.microsoft.com/office/drawing/2010/main" val="0"/>
+              </a:ext>
+              <a:ext uri="{96DAC541-7B7A-43D3-8B79-37D633B846F1}">
+                <asvg:svgBlip xmlns:asvg="http://schemas.microsoft.com/office/drawing/2016/SVG/main" r:embed="rId3"/>
+              </a:ext>
+            </a:extLst>
+          </a:blip>
+          <a:stretch>
+            <a:fillRect/>
+          </a:stretch>
+        </p:blipFill>
+        <p:spPr>
+          <a:xfrm>
+            <a:off x="8144675" y="4252194"/>
+            <a:ext cx="914400" cy="914400"/>
+          </a:xfrm>
+          <a:prstGeom prst="rect">
+            <a:avLst/>
+          </a:prstGeom>
+        </p:spPr>
+      </p:pic>
+    </p:spTree>
+    <p:extLst>
+      <p:ext uri="{BB962C8B-B14F-4D97-AF65-F5344CB8AC3E}">
+        <p14:creationId xmlns:p14="http://schemas.microsoft.com/office/powerpoint/2010/main" val="2021042846"/>
+      </p:ext>
+    </p:extLst>
+  </p:cSld>
+  <p:clrMapOvr>
+    <a:masterClrMapping/>
+  </p:clrMapOvr>
+  <p:timing>
+    <p:tnLst>
+      <p:par>
+        <p:cTn id="1" dur="indefinite" restart="never" nodeType="tmRoot">
+          <p:childTnLst>
+            <p:seq concurrent="1" nextAc="seek">
+              <p:cTn id="2" dur="indefinite" nodeType="mainSeq">
+                <p:childTnLst>
+                  <p:par>
+                    <p:cTn id="3" fill="hold">
+                      <p:stCondLst>
+                        <p:cond delay="indefinite"/>
+                      </p:stCondLst>
+                      <p:childTnLst>
+                        <p:par>
+                          <p:cTn id="4" fill="hold">
+                            <p:stCondLst>
+                              <p:cond delay="0"/>
+                            </p:stCondLst>
+                            <p:childTnLst>
+                              <p:par>
+                                <p:cTn id="5" presetID="2" presetClass="entr" presetSubtype="4" fill="hold" grpId="0" nodeType="clickEffect">
+                                  <p:stCondLst>
+                                    <p:cond delay="0"/>
+                                  </p:stCondLst>
+                                  <p:childTnLst>
+                                    <p:set>
+                                      <p:cBhvr>
+                                        <p:cTn id="6" dur="1" fill="hold">
+                                          <p:stCondLst>
+                                            <p:cond delay="0"/>
+                                          </p:stCondLst>
+                                        </p:cTn>
+                                        <p:tgtEl>
+                                          <p:spTgt spid="23"/>
+                                        </p:tgtEl>
+                                        <p:attrNameLst>
+                                          <p:attrName>style.visibility</p:attrName>
+                                        </p:attrNameLst>
+                                      </p:cBhvr>
+                                      <p:to>
+                                        <p:strVal val="visible"/>
+                                      </p:to>
+                                    </p:set>
+                                    <p:anim calcmode="lin" valueType="num">
+                                      <p:cBhvr additive="base">
+                                        <p:cTn id="7" dur="500" fill="hold"/>
+                                        <p:tgtEl>
+                                          <p:spTgt spid="23"/>
+                                        </p:tgtEl>
+                                        <p:attrNameLst>
+                                          <p:attrName>ppt_x</p:attrName>
+                                        </p:attrNameLst>
+                                      </p:cBhvr>
+                                      <p:tavLst>
+                                        <p:tav tm="0">
+                                          <p:val>
+                                            <p:strVal val="#ppt_x"/>
+                                          </p:val>
+                                        </p:tav>
+                                        <p:tav tm="100000">
+                                          <p:val>
+                                            <p:strVal val="#ppt_x"/>
+                                          </p:val>
+                                        </p:tav>
+                                      </p:tavLst>
+                                    </p:anim>
+                                    <p:anim calcmode="lin" valueType="num">
+                                      <p:cBhvr additive="base">
+                                        <p:cTn id="8" dur="500" fill="hold"/>
+                                        <p:tgtEl>
+                                          <p:spTgt spid="23"/>
+                                        </p:tgtEl>
+                                        <p:attrNameLst>
+                                          <p:attrName>ppt_y</p:attrName>
+                                        </p:attrNameLst>
+                                      </p:cBhvr>
+                                      <p:tavLst>
+                                        <p:tav tm="0">
+                                          <p:val>
+                                            <p:strVal val="1+#ppt_h/2"/>
+                                          </p:val>
+                                        </p:tav>
+                                        <p:tav tm="100000">
+                                          <p:val>
+                                            <p:strVal val="#ppt_y"/>
+                                          </p:val>
+                                        </p:tav>
+                                      </p:tavLst>
+                                    </p:anim>
+                                  </p:childTnLst>
+                                </p:cTn>
+                              </p:par>
+                            </p:childTnLst>
+                          </p:cTn>
+                        </p:par>
+                      </p:childTnLst>
+                    </p:cTn>
+                  </p:par>
+                </p:childTnLst>
+              </p:cTn>
+              <p:prevCondLst>
+                <p:cond evt="onPrev" delay="0">
+                  <p:tgtEl>
+                    <p:sldTgt/>
+                  </p:tgtEl>
+                </p:cond>
+              </p:prevCondLst>
+              <p:nextCondLst>
+                <p:cond evt="onNext" delay="0">
+                  <p:tgtEl>
+                    <p:sldTgt/>
+                  </p:tgtEl>
+                </p:cond>
+              </p:nextCondLst>
+            </p:seq>
+          </p:childTnLst>
+        </p:cTn>
+      </p:par>
+    </p:tnLst>
+    <p:bldLst>
+      <p:bldP spid="23" grpId="0" animBg="1"/>
+    </p:bldLst>
+  </p:timing>
+</p:sld>
+</file>
+
+<file path=ppt/slides/slide8.xml><?xml version="1.0" encoding="utf-8"?>
+<p:sld xmlns:a="http://schemas.openxmlformats.org/drawingml/2006/main" xmlns:r="http://schemas.openxmlformats.org/officeDocument/2006/relationships" xmlns:p="http://schemas.openxmlformats.org/presentationml/2006/main">
+  <p:cSld>
+    <p:bg>
+      <p:bgPr>
+        <a:solidFill>
+          <a:schemeClr val="bg2"/>
+        </a:solidFill>
+        <a:effectLst/>
+      </p:bgPr>
+    </p:bg>
+    <p:spTree>
+      <p:nvGrpSpPr>
+        <p:cNvPr id="1" name=""/>
+        <p:cNvGrpSpPr/>
+        <p:nvPr/>
+      </p:nvGrpSpPr>
+      <p:grpSpPr>
+        <a:xfrm>
+          <a:off x="0" y="0"/>
+          <a:ext cx="0" cy="0"/>
+          <a:chOff x="0" y="0"/>
+          <a:chExt cx="0" cy="0"/>
+        </a:xfrm>
+      </p:grpSpPr>
+      <p:sp>
+        <p:nvSpPr>
+          <p:cNvPr id="2" name="Titre 1">
+            <a:extLst>
+              <a:ext uri="{FF2B5EF4-FFF2-40B4-BE49-F238E27FC236}">
+                <a16:creationId xmlns:a16="http://schemas.microsoft.com/office/drawing/2014/main" id="{4DE9C89A-6272-4F06-93C7-20FCFF63829B}"/>
+              </a:ext>
+            </a:extLst>
+          </p:cNvPr>
+          <p:cNvSpPr>
+            <a:spLocks noGrp="1"/>
+          </p:cNvSpPr>
+          <p:nvPr>
+            <p:ph type="title"/>
+          </p:nvPr>
+        </p:nvSpPr>
+        <p:spPr>
+          <a:xfrm>
+            <a:off x="6579450" y="727627"/>
+            <a:ext cx="4957553" cy="1645920"/>
+          </a:xfrm>
+        </p:spPr>
+        <p:txBody>
+          <a:bodyPr>
+            <a:normAutofit/>
+          </a:bodyPr>
+          <a:lstStyle/>
+          <a:p>
+            <a:r>
+              <a:rPr lang="fr-FR"/>
+              <a:t>Cascade</a:t>
+            </a:r>
+            <a:endParaRPr lang="en-US"/>
+          </a:p>
+        </p:txBody>
+      </p:sp>
+      <p:pic>
+        <p:nvPicPr>
+          <p:cNvPr id="6" name="Image 5">
+            <a:extLst>
+              <a:ext uri="{FF2B5EF4-FFF2-40B4-BE49-F238E27FC236}">
+                <a16:creationId xmlns:a16="http://schemas.microsoft.com/office/drawing/2014/main" id="{3E31811C-41EF-40F3-AF5E-02A196A15306}"/>
+              </a:ext>
+            </a:extLst>
+          </p:cNvPr>
+          <p:cNvPicPr>
+            <a:picLocks noChangeAspect="1"/>
+          </p:cNvPicPr>
+          <p:nvPr/>
+        </p:nvPicPr>
+        <p:blipFill>
+          <a:blip r:embed="rId2"/>
+          <a:stretch>
+            <a:fillRect/>
+          </a:stretch>
+        </p:blipFill>
+        <p:spPr>
+          <a:xfrm>
+            <a:off x="782053" y="2295272"/>
+            <a:ext cx="5312766" cy="2231361"/>
+          </a:xfrm>
+          <a:prstGeom prst="rect">
+            <a:avLst/>
+          </a:prstGeom>
+        </p:spPr>
+      </p:pic>
+      <p:sp>
+        <p:nvSpPr>
+          <p:cNvPr id="3" name="Espace réservé du contenu 2">
+            <a:extLst>
+              <a:ext uri="{FF2B5EF4-FFF2-40B4-BE49-F238E27FC236}">
+                <a16:creationId xmlns:a16="http://schemas.microsoft.com/office/drawing/2014/main" id="{E5B45966-E913-4A63-BAA5-D611B4F8B0CF}"/>
+              </a:ext>
+            </a:extLst>
+          </p:cNvPr>
+          <p:cNvSpPr>
+            <a:spLocks noGrp="1"/>
+          </p:cNvSpPr>
+          <p:nvPr>
+            <p:ph idx="1"/>
+          </p:nvPr>
+        </p:nvSpPr>
+        <p:spPr>
+          <a:xfrm>
+            <a:off x="6579450" y="2295272"/>
+            <a:ext cx="4957554" cy="3496120"/>
+          </a:xfrm>
+        </p:spPr>
+        <p:txBody>
+          <a:bodyPr>
+            <a:normAutofit/>
+          </a:bodyPr>
+          <a:lstStyle/>
+          <a:p>
+            <a:r>
+              <a:rPr lang="fr-FR"/>
+              <a:t>Au-delà des sélecteurs, il existe un second niveau de spécificité qui lui dépend de </a:t>
+            </a:r>
+            <a:r>
+              <a:rPr lang="fr-FR" b="1"/>
+              <a:t>l'origine</a:t>
+            </a:r>
+            <a:r>
+              <a:rPr lang="fr-FR"/>
+              <a:t> de la feuille de styles</a:t>
+            </a:r>
+          </a:p>
+          <a:p>
+            <a:r>
+              <a:rPr lang="en-US" err="1"/>
+              <a:t>Cela</a:t>
+            </a:r>
+            <a:r>
+              <a:rPr lang="en-US"/>
+              <a:t> </a:t>
+            </a:r>
+            <a:r>
+              <a:rPr lang="en-US" err="1"/>
+              <a:t>permet</a:t>
+            </a:r>
+            <a:r>
+              <a:rPr lang="en-US"/>
+              <a:t> </a:t>
+            </a:r>
+            <a:r>
+              <a:rPr lang="en-US" err="1"/>
+              <a:t>d'appliquer</a:t>
+            </a:r>
+            <a:r>
+              <a:rPr lang="en-US"/>
+              <a:t> des </a:t>
+            </a:r>
+            <a:r>
+              <a:rPr lang="en-US" err="1"/>
+              <a:t>règles</a:t>
+            </a:r>
+            <a:r>
+              <a:rPr lang="en-US"/>
+              <a:t> de style </a:t>
+            </a:r>
+            <a:r>
+              <a:rPr lang="en-US" err="1"/>
+              <a:t>spécifiques</a:t>
+            </a:r>
+            <a:r>
+              <a:rPr lang="en-US"/>
+              <a:t> à </a:t>
+            </a:r>
+            <a:r>
+              <a:rPr lang="en-US" err="1"/>
+              <a:t>certains</a:t>
+            </a:r>
+            <a:r>
+              <a:rPr lang="en-US"/>
+              <a:t> </a:t>
+            </a:r>
+            <a:r>
+              <a:rPr lang="en-US" err="1"/>
+              <a:t>appareils</a:t>
+            </a:r>
+            <a:r>
+              <a:rPr lang="en-US"/>
+              <a:t> </a:t>
+            </a:r>
+            <a:r>
+              <a:rPr lang="en-US" err="1"/>
+              <a:t>ou</a:t>
+            </a:r>
+            <a:r>
+              <a:rPr lang="en-US"/>
+              <a:t> </a:t>
+            </a:r>
+            <a:r>
+              <a:rPr lang="en-US" err="1"/>
+              <a:t>contextes</a:t>
+            </a:r>
+            <a:r>
+              <a:rPr lang="en-US"/>
+              <a:t> (mobile, impression papier…): ce sont les </a:t>
+            </a:r>
+            <a:r>
+              <a:rPr lang="en-US" b="1"/>
+              <a:t>User Agent Styles</a:t>
+            </a:r>
+          </a:p>
+          <a:p>
+            <a:r>
+              <a:rPr lang="en-US" err="1"/>
+              <a:t>Cela</a:t>
+            </a:r>
+            <a:r>
+              <a:rPr lang="en-US"/>
+              <a:t> </a:t>
+            </a:r>
+            <a:r>
+              <a:rPr lang="en-US" err="1"/>
+              <a:t>permet</a:t>
+            </a:r>
+            <a:r>
+              <a:rPr lang="en-US"/>
+              <a:t> </a:t>
+            </a:r>
+            <a:r>
+              <a:rPr lang="en-US" err="1"/>
+              <a:t>aussi</a:t>
+            </a:r>
+            <a:r>
+              <a:rPr lang="en-US"/>
+              <a:t> aux </a:t>
+            </a:r>
+            <a:r>
+              <a:rPr lang="en-US" err="1"/>
+              <a:t>utilisateurs</a:t>
+            </a:r>
+            <a:r>
+              <a:rPr lang="en-US"/>
+              <a:t> de surcharger les styles des sites Web </a:t>
+            </a:r>
+            <a:r>
+              <a:rPr lang="en-US" err="1"/>
+              <a:t>qu'ils</a:t>
+            </a:r>
+            <a:r>
+              <a:rPr lang="en-US"/>
+              <a:t> visitent, ce qui est crucial pour l'accessibilité: ce sont les</a:t>
+            </a:r>
+            <a:r>
+              <a:rPr lang="en-US" b="1"/>
+              <a:t> User styles</a:t>
+            </a:r>
+          </a:p>
+        </p:txBody>
+      </p:sp>
+    </p:spTree>
+    <p:extLst>
+      <p:ext uri="{BB962C8B-B14F-4D97-AF65-F5344CB8AC3E}">
+        <p14:creationId xmlns:p14="http://schemas.microsoft.com/office/powerpoint/2010/main" val="3919909275"/>
+      </p:ext>
+    </p:extLst>
+  </p:cSld>
+  <p:clrMapOvr>
+    <a:masterClrMapping/>
+  </p:clrMapOvr>
 </p:sld>
 </file>
 

--- a/presenter_fr.pptx
+++ b/presenter_fr.pptx
@@ -7,12 +7,16 @@
   <p:sldIdLst>
     <p:sldId id="256" r:id="rId2"/>
     <p:sldId id="259" r:id="rId3"/>
-    <p:sldId id="260" r:id="rId4"/>
-    <p:sldId id="257" r:id="rId5"/>
-    <p:sldId id="258" r:id="rId6"/>
-    <p:sldId id="261" r:id="rId7"/>
-    <p:sldId id="262" r:id="rId8"/>
-    <p:sldId id="263" r:id="rId9"/>
+    <p:sldId id="257" r:id="rId4"/>
+    <p:sldId id="258" r:id="rId5"/>
+    <p:sldId id="261" r:id="rId6"/>
+    <p:sldId id="262" r:id="rId7"/>
+    <p:sldId id="263" r:id="rId8"/>
+    <p:sldId id="264" r:id="rId9"/>
+    <p:sldId id="265" r:id="rId10"/>
+    <p:sldId id="266" r:id="rId11"/>
+    <p:sldId id="267" r:id="rId12"/>
+    <p:sldId id="268" r:id="rId13"/>
   </p:sldIdLst>
   <p:sldSz cx="12192000" cy="6858000"/>
   <p:notesSz cx="6858000" cy="9144000"/>
@@ -616,7 +620,7 @@
           <a:p>
             <a:fld id="{7E97AD98-B9C0-48D6-BE04-54ABC792AF9B}" type="datetimeFigureOut">
               <a:rPr lang="en-US" smtClean="0"/>
-              <a:t>7/19/2022</a:t>
+              <a:t>9/14/2022</a:t>
             </a:fld>
             <a:endParaRPr lang="en-US"/>
           </a:p>
@@ -812,7 +816,7 @@
           <a:p>
             <a:fld id="{7E97AD98-B9C0-48D6-BE04-54ABC792AF9B}" type="datetimeFigureOut">
               <a:rPr lang="en-US" smtClean="0"/>
-              <a:t>7/19/2022</a:t>
+              <a:t>9/14/2022</a:t>
             </a:fld>
             <a:endParaRPr lang="en-US"/>
           </a:p>
@@ -992,7 +996,7 @@
           <a:p>
             <a:fld id="{7E97AD98-B9C0-48D6-BE04-54ABC792AF9B}" type="datetimeFigureOut">
               <a:rPr lang="en-US" smtClean="0"/>
-              <a:t>7/19/2022</a:t>
+              <a:t>9/14/2022</a:t>
             </a:fld>
             <a:endParaRPr lang="en-US"/>
           </a:p>
@@ -1162,7 +1166,7 @@
           <a:p>
             <a:fld id="{7E97AD98-B9C0-48D6-BE04-54ABC792AF9B}" type="datetimeFigureOut">
               <a:rPr lang="en-US" smtClean="0"/>
-              <a:t>7/19/2022</a:t>
+              <a:t>9/14/2022</a:t>
             </a:fld>
             <a:endParaRPr lang="en-US"/>
           </a:p>
@@ -1775,7 +1779,7 @@
           <a:p>
             <a:fld id="{7E97AD98-B9C0-48D6-BE04-54ABC792AF9B}" type="datetimeFigureOut">
               <a:rPr lang="en-US" smtClean="0"/>
-              <a:t>7/19/2022</a:t>
+              <a:t>9/14/2022</a:t>
             </a:fld>
             <a:endParaRPr lang="en-US"/>
           </a:p>
@@ -2089,7 +2093,7 @@
           <a:p>
             <a:fld id="{7E97AD98-B9C0-48D6-BE04-54ABC792AF9B}" type="datetimeFigureOut">
               <a:rPr lang="en-US" smtClean="0"/>
-              <a:t>7/19/2022</a:t>
+              <a:t>9/14/2022</a:t>
             </a:fld>
             <a:endParaRPr lang="en-US"/>
           </a:p>
@@ -2526,7 +2530,7 @@
           <a:p>
             <a:fld id="{7E97AD98-B9C0-48D6-BE04-54ABC792AF9B}" type="datetimeFigureOut">
               <a:rPr lang="en-US" smtClean="0"/>
-              <a:t>7/19/2022</a:t>
+              <a:t>9/14/2022</a:t>
             </a:fld>
             <a:endParaRPr lang="en-US"/>
           </a:p>
@@ -2644,7 +2648,7 @@
           <a:p>
             <a:fld id="{7E97AD98-B9C0-48D6-BE04-54ABC792AF9B}" type="datetimeFigureOut">
               <a:rPr lang="en-US" smtClean="0"/>
-              <a:t>7/19/2022</a:t>
+              <a:t>9/14/2022</a:t>
             </a:fld>
             <a:endParaRPr lang="en-US"/>
           </a:p>
@@ -2739,7 +2743,7 @@
           <a:p>
             <a:fld id="{7E97AD98-B9C0-48D6-BE04-54ABC792AF9B}" type="datetimeFigureOut">
               <a:rPr lang="en-US" smtClean="0"/>
-              <a:t>7/19/2022</a:t>
+              <a:t>9/14/2022</a:t>
             </a:fld>
             <a:endParaRPr lang="en-US"/>
           </a:p>
@@ -3124,7 +3128,7 @@
           <a:p>
             <a:fld id="{7E97AD98-B9C0-48D6-BE04-54ABC792AF9B}" type="datetimeFigureOut">
               <a:rPr lang="en-US" smtClean="0"/>
-              <a:t>7/19/2022</a:t>
+              <a:t>9/14/2022</a:t>
             </a:fld>
             <a:endParaRPr lang="en-US"/>
           </a:p>
@@ -3505,7 +3509,7 @@
           <a:p>
             <a:fld id="{7E97AD98-B9C0-48D6-BE04-54ABC792AF9B}" type="datetimeFigureOut">
               <a:rPr lang="en-US" smtClean="0"/>
-              <a:t>7/19/2022</a:t>
+              <a:t>9/14/2022</a:t>
             </a:fld>
             <a:endParaRPr lang="en-US"/>
           </a:p>
@@ -3774,7 +3778,7 @@
           <a:p>
             <a:fld id="{7E97AD98-B9C0-48D6-BE04-54ABC792AF9B}" type="datetimeFigureOut">
               <a:rPr lang="en-US" smtClean="0"/>
-              <a:t>7/19/2022</a:t>
+              <a:t>9/14/2022</a:t>
             </a:fld>
             <a:endParaRPr lang="en-US"/>
           </a:p>
@@ -4229,6 +4233,25 @@
 <file path=ppt/slides/slide1.xml><?xml version="1.0" encoding="utf-8"?>
 <p:sld xmlns:a="http://schemas.openxmlformats.org/drawingml/2006/main" xmlns:r="http://schemas.openxmlformats.org/officeDocument/2006/relationships" xmlns:p="http://schemas.openxmlformats.org/presentationml/2006/main">
   <p:cSld>
+    <p:bg>
+      <p:bgPr>
+        <a:gradFill flip="none" rotWithShape="1">
+          <a:gsLst>
+            <a:gs pos="0">
+              <a:schemeClr val="bg2"/>
+            </a:gs>
+            <a:gs pos="100000">
+              <a:schemeClr val="accent1"/>
+            </a:gs>
+          </a:gsLst>
+          <a:path path="circle">
+            <a:fillToRect l="50000" t="50000" r="50000" b="50000"/>
+          </a:path>
+          <a:tileRect/>
+        </a:gradFill>
+        <a:effectLst/>
+      </p:bgPr>
+    </p:bg>
     <p:spTree>
       <p:nvGrpSpPr>
         <p:cNvPr id="1" name=""/>
@@ -4319,6 +4342,1847 @@
   <p:clrMapOvr>
     <a:masterClrMapping/>
   </p:clrMapOvr>
+</p:sld>
+</file>
+
+<file path=ppt/slides/slide10.xml><?xml version="1.0" encoding="utf-8"?>
+<p:sld xmlns:a="http://schemas.openxmlformats.org/drawingml/2006/main" xmlns:r="http://schemas.openxmlformats.org/officeDocument/2006/relationships" xmlns:p="http://schemas.openxmlformats.org/presentationml/2006/main">
+  <p:cSld>
+    <p:spTree>
+      <p:nvGrpSpPr>
+        <p:cNvPr id="1" name=""/>
+        <p:cNvGrpSpPr/>
+        <p:nvPr/>
+      </p:nvGrpSpPr>
+      <p:grpSpPr>
+        <a:xfrm>
+          <a:off x="0" y="0"/>
+          <a:ext cx="0" cy="0"/>
+          <a:chOff x="0" y="0"/>
+          <a:chExt cx="0" cy="0"/>
+        </a:xfrm>
+      </p:grpSpPr>
+      <p:sp>
+        <p:nvSpPr>
+          <p:cNvPr id="2" name="Titre 1">
+            <a:extLst>
+              <a:ext uri="{FF2B5EF4-FFF2-40B4-BE49-F238E27FC236}">
+                <a16:creationId xmlns:a16="http://schemas.microsoft.com/office/drawing/2014/main" id="{9997D882-EBD1-45E7-8472-5061FA9C6B66}"/>
+              </a:ext>
+            </a:extLst>
+          </p:cNvPr>
+          <p:cNvSpPr>
+            <a:spLocks noGrp="1"/>
+          </p:cNvSpPr>
+          <p:nvPr>
+            <p:ph type="title"/>
+          </p:nvPr>
+        </p:nvSpPr>
+        <p:spPr/>
+        <p:txBody>
+          <a:bodyPr/>
+          <a:lstStyle/>
+          <a:p>
+            <a:r>
+              <a:rPr lang="fr-FR"/>
+              <a:t>Responsive Web Design</a:t>
+            </a:r>
+            <a:endParaRPr lang="en-US"/>
+          </a:p>
+        </p:txBody>
+      </p:sp>
+      <p:sp>
+        <p:nvSpPr>
+          <p:cNvPr id="3" name="Espace réservé du contenu 2">
+            <a:extLst>
+              <a:ext uri="{FF2B5EF4-FFF2-40B4-BE49-F238E27FC236}">
+                <a16:creationId xmlns:a16="http://schemas.microsoft.com/office/drawing/2014/main" id="{045131B1-F347-4553-821A-1C91D0527CE1}"/>
+              </a:ext>
+            </a:extLst>
+          </p:cNvPr>
+          <p:cNvSpPr>
+            <a:spLocks noGrp="1"/>
+          </p:cNvSpPr>
+          <p:nvPr>
+            <p:ph idx="1"/>
+          </p:nvPr>
+        </p:nvSpPr>
+        <p:spPr/>
+        <p:txBody>
+          <a:bodyPr/>
+          <a:lstStyle/>
+          <a:p>
+            <a:r>
+              <a:rPr lang="fr-FR"/>
+              <a:t>Le RWD, c'est l'approche de conception des sites web désormais incontournable en 2022 qui consiste à faire des sites avec une expérience optimale peu importe la gamme d'appareil de l'utilisateur (smartphones, tablettes, laptop, desktop...)</a:t>
+            </a:r>
+          </a:p>
+          <a:p>
+            <a:r>
+              <a:rPr lang="fr-FR"/>
+              <a:t>Un site dit "</a:t>
+            </a:r>
+            <a:r>
+              <a:rPr lang="fr-FR" i="1"/>
+              <a:t>responsive</a:t>
+            </a:r>
+            <a:r>
+              <a:rPr lang="fr-FR"/>
+              <a:t>" va avoir une mise en page flexible, en privilégiant des </a:t>
+            </a:r>
+            <a:r>
+              <a:rPr lang="fr-FR" b="1"/>
+              <a:t>dimensions relatives</a:t>
+            </a:r>
+            <a:r>
+              <a:rPr lang="fr-FR"/>
+              <a:t> et en utilisant des </a:t>
+            </a:r>
+            <a:r>
+              <a:rPr lang="fr-FR" b="1"/>
+              <a:t>media queries</a:t>
+            </a:r>
+            <a:r>
+              <a:rPr lang="fr-FR"/>
+              <a:t> pour adapter l'interface à toutes les résolutions et moyens d'interactions (souris, tactile...)</a:t>
+            </a:r>
+            <a:endParaRPr lang="en-US"/>
+          </a:p>
+        </p:txBody>
+      </p:sp>
+      <p:pic>
+        <p:nvPicPr>
+          <p:cNvPr id="5" name="Image 4">
+            <a:extLst>
+              <a:ext uri="{FF2B5EF4-FFF2-40B4-BE49-F238E27FC236}">
+                <a16:creationId xmlns:a16="http://schemas.microsoft.com/office/drawing/2014/main" id="{2BC01A83-109E-4953-AD54-4269D6EDC43B}"/>
+              </a:ext>
+            </a:extLst>
+          </p:cNvPr>
+          <p:cNvPicPr>
+            <a:picLocks noChangeAspect="1"/>
+          </p:cNvPicPr>
+          <p:nvPr/>
+        </p:nvPicPr>
+        <p:blipFill>
+          <a:blip r:embed="rId2"/>
+          <a:stretch>
+            <a:fillRect/>
+          </a:stretch>
+        </p:blipFill>
+        <p:spPr>
+          <a:xfrm>
+            <a:off x="4483799" y="3910679"/>
+            <a:ext cx="3224401" cy="2363491"/>
+          </a:xfrm>
+          <a:prstGeom prst="rect">
+            <a:avLst/>
+          </a:prstGeom>
+        </p:spPr>
+      </p:pic>
+      <p:sp>
+        <p:nvSpPr>
+          <p:cNvPr id="6" name="Flèche : droite 5">
+            <a:hlinkClick r:id="rId3"/>
+            <a:extLst>
+              <a:ext uri="{FF2B5EF4-FFF2-40B4-BE49-F238E27FC236}">
+                <a16:creationId xmlns:a16="http://schemas.microsoft.com/office/drawing/2014/main" id="{26F37A37-513C-4420-BB19-EBD68A39C24D}"/>
+              </a:ext>
+            </a:extLst>
+          </p:cNvPr>
+          <p:cNvSpPr/>
+          <p:nvPr/>
+        </p:nvSpPr>
+        <p:spPr>
+          <a:xfrm>
+            <a:off x="6959600" y="6146800"/>
+            <a:ext cx="5232401" cy="711200"/>
+          </a:xfrm>
+          <a:prstGeom prst="rightArrow">
+            <a:avLst/>
+          </a:prstGeom>
+        </p:spPr>
+        <p:style>
+          <a:lnRef idx="2">
+            <a:schemeClr val="accent1">
+              <a:shade val="50000"/>
+            </a:schemeClr>
+          </a:lnRef>
+          <a:fillRef idx="1">
+            <a:schemeClr val="accent1"/>
+          </a:fillRef>
+          <a:effectRef idx="0">
+            <a:schemeClr val="accent1"/>
+          </a:effectRef>
+          <a:fontRef idx="minor">
+            <a:schemeClr val="lt1"/>
+          </a:fontRef>
+        </p:style>
+        <p:txBody>
+          <a:bodyPr rtlCol="0" anchor="ctr"/>
+          <a:lstStyle/>
+          <a:p>
+            <a:pPr algn="ctr"/>
+            <a:r>
+              <a:rPr lang="fr-FR"/>
+              <a:t>Démo: OneCake</a:t>
+            </a:r>
+            <a:endParaRPr lang="en-US"/>
+          </a:p>
+        </p:txBody>
+      </p:sp>
+    </p:spTree>
+    <p:extLst>
+      <p:ext uri="{BB962C8B-B14F-4D97-AF65-F5344CB8AC3E}">
+        <p14:creationId xmlns:p14="http://schemas.microsoft.com/office/powerpoint/2010/main" val="618679524"/>
+      </p:ext>
+    </p:extLst>
+  </p:cSld>
+  <p:clrMapOvr>
+    <a:masterClrMapping/>
+  </p:clrMapOvr>
+  <p:timing>
+    <p:tnLst>
+      <p:par>
+        <p:cTn id="1" dur="indefinite" restart="never" nodeType="tmRoot">
+          <p:childTnLst>
+            <p:seq concurrent="1" nextAc="seek">
+              <p:cTn id="2" dur="indefinite" nodeType="mainSeq">
+                <p:childTnLst>
+                  <p:par>
+                    <p:cTn id="3" fill="hold">
+                      <p:stCondLst>
+                        <p:cond delay="indefinite"/>
+                      </p:stCondLst>
+                      <p:childTnLst>
+                        <p:par>
+                          <p:cTn id="4" fill="hold">
+                            <p:stCondLst>
+                              <p:cond delay="0"/>
+                            </p:stCondLst>
+                            <p:childTnLst>
+                              <p:par>
+                                <p:cTn id="5" presetID="2" presetClass="entr" presetSubtype="4" fill="hold" grpId="0" nodeType="clickEffect">
+                                  <p:stCondLst>
+                                    <p:cond delay="0"/>
+                                  </p:stCondLst>
+                                  <p:childTnLst>
+                                    <p:set>
+                                      <p:cBhvr>
+                                        <p:cTn id="6" dur="1" fill="hold">
+                                          <p:stCondLst>
+                                            <p:cond delay="0"/>
+                                          </p:stCondLst>
+                                        </p:cTn>
+                                        <p:tgtEl>
+                                          <p:spTgt spid="6"/>
+                                        </p:tgtEl>
+                                        <p:attrNameLst>
+                                          <p:attrName>style.visibility</p:attrName>
+                                        </p:attrNameLst>
+                                      </p:cBhvr>
+                                      <p:to>
+                                        <p:strVal val="visible"/>
+                                      </p:to>
+                                    </p:set>
+                                    <p:anim calcmode="lin" valueType="num">
+                                      <p:cBhvr additive="base">
+                                        <p:cTn id="7" dur="500" fill="hold"/>
+                                        <p:tgtEl>
+                                          <p:spTgt spid="6"/>
+                                        </p:tgtEl>
+                                        <p:attrNameLst>
+                                          <p:attrName>ppt_x</p:attrName>
+                                        </p:attrNameLst>
+                                      </p:cBhvr>
+                                      <p:tavLst>
+                                        <p:tav tm="0">
+                                          <p:val>
+                                            <p:strVal val="#ppt_x"/>
+                                          </p:val>
+                                        </p:tav>
+                                        <p:tav tm="100000">
+                                          <p:val>
+                                            <p:strVal val="#ppt_x"/>
+                                          </p:val>
+                                        </p:tav>
+                                      </p:tavLst>
+                                    </p:anim>
+                                    <p:anim calcmode="lin" valueType="num">
+                                      <p:cBhvr additive="base">
+                                        <p:cTn id="8" dur="500" fill="hold"/>
+                                        <p:tgtEl>
+                                          <p:spTgt spid="6"/>
+                                        </p:tgtEl>
+                                        <p:attrNameLst>
+                                          <p:attrName>ppt_y</p:attrName>
+                                        </p:attrNameLst>
+                                      </p:cBhvr>
+                                      <p:tavLst>
+                                        <p:tav tm="0">
+                                          <p:val>
+                                            <p:strVal val="1+#ppt_h/2"/>
+                                          </p:val>
+                                        </p:tav>
+                                        <p:tav tm="100000">
+                                          <p:val>
+                                            <p:strVal val="#ppt_y"/>
+                                          </p:val>
+                                        </p:tav>
+                                      </p:tavLst>
+                                    </p:anim>
+                                  </p:childTnLst>
+                                </p:cTn>
+                              </p:par>
+                            </p:childTnLst>
+                          </p:cTn>
+                        </p:par>
+                      </p:childTnLst>
+                    </p:cTn>
+                  </p:par>
+                </p:childTnLst>
+              </p:cTn>
+              <p:prevCondLst>
+                <p:cond evt="onPrev" delay="0">
+                  <p:tgtEl>
+                    <p:sldTgt/>
+                  </p:tgtEl>
+                </p:cond>
+              </p:prevCondLst>
+              <p:nextCondLst>
+                <p:cond evt="onNext" delay="0">
+                  <p:tgtEl>
+                    <p:sldTgt/>
+                  </p:tgtEl>
+                </p:cond>
+              </p:nextCondLst>
+            </p:seq>
+          </p:childTnLst>
+        </p:cTn>
+      </p:par>
+    </p:tnLst>
+    <p:bldLst>
+      <p:bldP spid="6" grpId="0" animBg="1"/>
+    </p:bldLst>
+  </p:timing>
+</p:sld>
+</file>
+
+<file path=ppt/slides/slide11.xml><?xml version="1.0" encoding="utf-8"?>
+<p:sld xmlns:a="http://schemas.openxmlformats.org/drawingml/2006/main" xmlns:r="http://schemas.openxmlformats.org/officeDocument/2006/relationships" xmlns:p="http://schemas.openxmlformats.org/presentationml/2006/main">
+  <p:cSld>
+    <p:bg>
+      <p:bgPr>
+        <a:solidFill>
+          <a:schemeClr val="bg2"/>
+        </a:solidFill>
+        <a:effectLst/>
+      </p:bgPr>
+    </p:bg>
+    <p:spTree>
+      <p:nvGrpSpPr>
+        <p:cNvPr id="1" name=""/>
+        <p:cNvGrpSpPr/>
+        <p:nvPr/>
+      </p:nvGrpSpPr>
+      <p:grpSpPr>
+        <a:xfrm>
+          <a:off x="0" y="0"/>
+          <a:ext cx="0" cy="0"/>
+          <a:chOff x="0" y="0"/>
+          <a:chExt cx="0" cy="0"/>
+        </a:xfrm>
+      </p:grpSpPr>
+      <p:sp useBgFill="1">
+        <p:nvSpPr>
+          <p:cNvPr id="9" name="Rectangle 8">
+            <a:extLst>
+              <a:ext uri="{FF2B5EF4-FFF2-40B4-BE49-F238E27FC236}">
+                <a16:creationId xmlns:a16="http://schemas.microsoft.com/office/drawing/2014/main" id="{D4D487C0-5910-4D77-AAC5-38583C39A45C}"/>
+              </a:ext>
+              <a:ext uri="{C183D7F6-B498-43B3-948B-1728B52AA6E4}">
+                <adec:decorative xmlns:adec="http://schemas.microsoft.com/office/drawing/2017/decorative" val="1"/>
+              </a:ext>
+            </a:extLst>
+          </p:cNvPr>
+          <p:cNvSpPr>
+            <a:spLocks noGrp="1" noRot="1" noChangeAspect="1" noMove="1" noResize="1" noEditPoints="1" noAdjustHandles="1" noChangeArrowheads="1" noChangeShapeType="1" noTextEdit="1"/>
+          </p:cNvSpPr>
+          <p:nvPr>
+            <p:extLst>
+              <p:ext uri="{386F3935-93C4-4BCD-93E2-E3B085C9AB24}">
+                <p16:designElem xmlns:p16="http://schemas.microsoft.com/office/powerpoint/2015/main" val="1"/>
+              </p:ext>
+            </p:extLst>
+          </p:nvPr>
+        </p:nvSpPr>
+        <p:spPr>
+          <a:xfrm>
+            <a:off x="0" y="0"/>
+            <a:ext cx="12192000" cy="6858000"/>
+          </a:xfrm>
+          <a:prstGeom prst="rect">
+            <a:avLst/>
+          </a:prstGeom>
+          <a:ln>
+            <a:noFill/>
+          </a:ln>
+        </p:spPr>
+        <p:style>
+          <a:lnRef idx="2">
+            <a:schemeClr val="accent1">
+              <a:shade val="50000"/>
+            </a:schemeClr>
+          </a:lnRef>
+          <a:fillRef idx="1">
+            <a:schemeClr val="accent1"/>
+          </a:fillRef>
+          <a:effectRef idx="0">
+            <a:schemeClr val="accent1"/>
+          </a:effectRef>
+          <a:fontRef idx="minor">
+            <a:schemeClr val="lt1"/>
+          </a:fontRef>
+        </p:style>
+        <p:txBody>
+          <a:bodyPr rtlCol="0" anchor="ctr"/>
+          <a:lstStyle/>
+          <a:p>
+            <a:pPr algn="ctr"/>
+            <a:endParaRPr lang="en-US"/>
+          </a:p>
+        </p:txBody>
+      </p:sp>
+      <p:sp>
+        <p:nvSpPr>
+          <p:cNvPr id="2" name="Titre 1">
+            <a:extLst>
+              <a:ext uri="{FF2B5EF4-FFF2-40B4-BE49-F238E27FC236}">
+                <a16:creationId xmlns:a16="http://schemas.microsoft.com/office/drawing/2014/main" id="{4DE9C89A-6272-4F06-93C7-20FCFF63829B}"/>
+              </a:ext>
+            </a:extLst>
+          </p:cNvPr>
+          <p:cNvSpPr>
+            <a:spLocks noGrp="1"/>
+          </p:cNvSpPr>
+          <p:nvPr>
+            <p:ph type="title"/>
+          </p:nvPr>
+        </p:nvSpPr>
+        <p:spPr>
+          <a:xfrm>
+            <a:off x="7213600" y="642594"/>
+            <a:ext cx="4323403" cy="1371600"/>
+          </a:xfrm>
+        </p:spPr>
+        <p:txBody>
+          <a:bodyPr>
+            <a:normAutofit/>
+          </a:bodyPr>
+          <a:lstStyle/>
+          <a:p>
+            <a:r>
+              <a:rPr lang="fr-FR" sz="3700"/>
+              <a:t>"Flow"</a:t>
+            </a:r>
+            <a:br>
+              <a:rPr lang="fr-FR" sz="3700"/>
+            </a:br>
+            <a:r>
+              <a:rPr lang="fr-FR" sz="3700"/>
+              <a:t>le flux de contenu</a:t>
+            </a:r>
+            <a:endParaRPr lang="en-US" sz="3700"/>
+          </a:p>
+        </p:txBody>
+      </p:sp>
+      <p:sp>
+        <p:nvSpPr>
+          <p:cNvPr id="11" name="Rectangle 10">
+            <a:extLst>
+              <a:ext uri="{FF2B5EF4-FFF2-40B4-BE49-F238E27FC236}">
+                <a16:creationId xmlns:a16="http://schemas.microsoft.com/office/drawing/2014/main" id="{6C1AAB63-B4E2-446F-A7F3-0E3A1FCA5074}"/>
+              </a:ext>
+              <a:ext uri="{C183D7F6-B498-43B3-948B-1728B52AA6E4}">
+                <adec:decorative xmlns:adec="http://schemas.microsoft.com/office/drawing/2017/decorative" val="1"/>
+              </a:ext>
+            </a:extLst>
+          </p:cNvPr>
+          <p:cNvSpPr>
+            <a:spLocks noGrp="1" noRot="1" noChangeAspect="1" noMove="1" noResize="1" noEditPoints="1" noAdjustHandles="1" noChangeArrowheads="1" noChangeShapeType="1" noTextEdit="1"/>
+          </p:cNvSpPr>
+          <p:nvPr>
+            <p:extLst>
+              <p:ext uri="{386F3935-93C4-4BCD-93E2-E3B085C9AB24}">
+                <p16:designElem xmlns:p16="http://schemas.microsoft.com/office/powerpoint/2015/main" val="1"/>
+              </p:ext>
+            </p:extLst>
+          </p:nvPr>
+        </p:nvSpPr>
+        <p:spPr>
+          <a:xfrm>
+            <a:off x="0" y="0"/>
+            <a:ext cx="6579451" cy="6858000"/>
+          </a:xfrm>
+          <a:prstGeom prst="rect">
+            <a:avLst/>
+          </a:prstGeom>
+          <a:solidFill>
+            <a:srgbClr val="FFFFFF"/>
+          </a:solidFill>
+          <a:ln>
+            <a:noFill/>
+          </a:ln>
+        </p:spPr>
+        <p:style>
+          <a:lnRef idx="2">
+            <a:schemeClr val="accent1">
+              <a:shade val="50000"/>
+            </a:schemeClr>
+          </a:lnRef>
+          <a:fillRef idx="1">
+            <a:schemeClr val="accent1"/>
+          </a:fillRef>
+          <a:effectRef idx="0">
+            <a:schemeClr val="accent1"/>
+          </a:effectRef>
+          <a:fontRef idx="minor">
+            <a:schemeClr val="lt1"/>
+          </a:fontRef>
+        </p:style>
+        <p:txBody>
+          <a:bodyPr rtlCol="0" anchor="ctr"/>
+          <a:lstStyle/>
+          <a:p>
+            <a:pPr algn="ctr"/>
+            <a:endParaRPr lang="en-US"/>
+          </a:p>
+        </p:txBody>
+      </p:sp>
+      <p:pic>
+        <p:nvPicPr>
+          <p:cNvPr id="4" name="Image 3">
+            <a:extLst>
+              <a:ext uri="{FF2B5EF4-FFF2-40B4-BE49-F238E27FC236}">
+                <a16:creationId xmlns:a16="http://schemas.microsoft.com/office/drawing/2014/main" id="{AA6A56FE-945B-4E36-BE81-FB26A83721C6}"/>
+              </a:ext>
+            </a:extLst>
+          </p:cNvPr>
+          <p:cNvPicPr>
+            <a:picLocks noChangeAspect="1"/>
+          </p:cNvPicPr>
+          <p:nvPr/>
+        </p:nvPicPr>
+        <p:blipFill>
+          <a:blip r:embed="rId2"/>
+          <a:stretch>
+            <a:fillRect/>
+          </a:stretch>
+        </p:blipFill>
+        <p:spPr>
+          <a:xfrm>
+            <a:off x="727654" y="2247919"/>
+            <a:ext cx="5367165" cy="2374969"/>
+          </a:xfrm>
+          <a:prstGeom prst="rect">
+            <a:avLst/>
+          </a:prstGeom>
+        </p:spPr>
+      </p:pic>
+      <p:sp>
+        <p:nvSpPr>
+          <p:cNvPr id="3" name="Espace réservé du contenu 2">
+            <a:extLst>
+              <a:ext uri="{FF2B5EF4-FFF2-40B4-BE49-F238E27FC236}">
+                <a16:creationId xmlns:a16="http://schemas.microsoft.com/office/drawing/2014/main" id="{E5B45966-E913-4A63-BAA5-D611B4F8B0CF}"/>
+              </a:ext>
+            </a:extLst>
+          </p:cNvPr>
+          <p:cNvSpPr>
+            <a:spLocks noGrp="1"/>
+          </p:cNvSpPr>
+          <p:nvPr>
+            <p:ph idx="1"/>
+          </p:nvPr>
+        </p:nvSpPr>
+        <p:spPr>
+          <a:xfrm>
+            <a:off x="7213600" y="2103120"/>
+            <a:ext cx="4323404" cy="3931920"/>
+          </a:xfrm>
+        </p:spPr>
+        <p:txBody>
+          <a:bodyPr>
+            <a:normAutofit/>
+          </a:bodyPr>
+          <a:lstStyle/>
+          <a:p>
+            <a:r>
+              <a:rPr lang="fr-FR"/>
+              <a:t>Les sites Web sont historiquement calqués sur le modèle du document papier, d'où le nom "page Web"</a:t>
+            </a:r>
+          </a:p>
+          <a:p>
+            <a:r>
+              <a:rPr lang="fr-FR"/>
+              <a:t>La disposition du contenu par défaut en CSS suit les même règles que l'imprimerie classique: des éléments </a:t>
+            </a:r>
+            <a:r>
+              <a:rPr lang="fr-FR" b="1"/>
+              <a:t>inline </a:t>
+            </a:r>
+            <a:r>
+              <a:rPr lang="fr-FR"/>
+              <a:t>et des éléments de</a:t>
+            </a:r>
+            <a:r>
+              <a:rPr lang="fr-FR" b="1"/>
+              <a:t> blocs</a:t>
+            </a:r>
+          </a:p>
+          <a:p>
+            <a:r>
+              <a:rPr lang="fr-FR"/>
+              <a:t>Le contenu inline et block occupe toute la largeur disponible, puis s'étend dans le sens de la hauteur</a:t>
+            </a:r>
+          </a:p>
+          <a:p>
+            <a:endParaRPr lang="en-US"/>
+          </a:p>
+        </p:txBody>
+      </p:sp>
+      <p:sp>
+        <p:nvSpPr>
+          <p:cNvPr id="13" name="Rectangle 12">
+            <a:extLst>
+              <a:ext uri="{FF2B5EF4-FFF2-40B4-BE49-F238E27FC236}">
+                <a16:creationId xmlns:a16="http://schemas.microsoft.com/office/drawing/2014/main" id="{6CAEACF9-5825-43E0-B0F8-797C142C2F89}"/>
+              </a:ext>
+              <a:ext uri="{C183D7F6-B498-43B3-948B-1728B52AA6E4}">
+                <adec:decorative xmlns:adec="http://schemas.microsoft.com/office/drawing/2017/decorative" val="1"/>
+              </a:ext>
+            </a:extLst>
+          </p:cNvPr>
+          <p:cNvSpPr>
+            <a:spLocks noGrp="1" noRot="1" noChangeAspect="1" noMove="1" noResize="1" noEditPoints="1" noAdjustHandles="1" noChangeArrowheads="1" noChangeShapeType="1" noTextEdit="1"/>
+          </p:cNvSpPr>
+          <p:nvPr>
+            <p:extLst>
+              <p:ext uri="{386F3935-93C4-4BCD-93E2-E3B085C9AB24}">
+                <p16:designElem xmlns:p16="http://schemas.microsoft.com/office/powerpoint/2015/main" val="1"/>
+              </p:ext>
+            </p:extLst>
+          </p:nvPr>
+        </p:nvSpPr>
+        <p:spPr>
+          <a:xfrm>
+            <a:off x="6927457" y="374904"/>
+            <a:ext cx="4892687" cy="6108192"/>
+          </a:xfrm>
+          <a:prstGeom prst="rect">
+            <a:avLst/>
+          </a:prstGeom>
+          <a:noFill/>
+          <a:ln w="6350" cap="sq" cmpd="sng" algn="ctr">
+            <a:solidFill>
+              <a:schemeClr val="tx1">
+                <a:lumMod val="75000"/>
+                <a:lumOff val="25000"/>
+              </a:schemeClr>
+            </a:solidFill>
+            <a:prstDash val="solid"/>
+            <a:miter lim="800000"/>
+          </a:ln>
+          <a:effectLst/>
+        </p:spPr>
+      </p:sp>
+      <p:sp>
+        <p:nvSpPr>
+          <p:cNvPr id="10" name="Flèche : droite 9">
+            <a:extLst>
+              <a:ext uri="{FF2B5EF4-FFF2-40B4-BE49-F238E27FC236}">
+                <a16:creationId xmlns:a16="http://schemas.microsoft.com/office/drawing/2014/main" id="{AC7D715F-9A2B-408E-ACF5-2AF6FFD314C2}"/>
+              </a:ext>
+            </a:extLst>
+          </p:cNvPr>
+          <p:cNvSpPr/>
+          <p:nvPr/>
+        </p:nvSpPr>
+        <p:spPr>
+          <a:xfrm>
+            <a:off x="727654" y="2580774"/>
+            <a:ext cx="5318214" cy="45719"/>
+          </a:xfrm>
+          <a:prstGeom prst="rightArrow">
+            <a:avLst/>
+          </a:prstGeom>
+          <a:solidFill>
+            <a:srgbClr val="A5300F">
+              <a:alpha val="20000"/>
+            </a:srgbClr>
+          </a:solidFill>
+          <a:ln>
+            <a:noFill/>
+          </a:ln>
+        </p:spPr>
+        <p:style>
+          <a:lnRef idx="2">
+            <a:schemeClr val="accent1">
+              <a:shade val="50000"/>
+            </a:schemeClr>
+          </a:lnRef>
+          <a:fillRef idx="1">
+            <a:schemeClr val="accent1"/>
+          </a:fillRef>
+          <a:effectRef idx="0">
+            <a:schemeClr val="accent1"/>
+          </a:effectRef>
+          <a:fontRef idx="minor">
+            <a:schemeClr val="lt1"/>
+          </a:fontRef>
+        </p:style>
+        <p:txBody>
+          <a:bodyPr rtlCol="0" anchor="ctr"/>
+          <a:lstStyle/>
+          <a:p>
+            <a:pPr algn="ctr"/>
+            <a:endParaRPr lang="en-US"/>
+          </a:p>
+        </p:txBody>
+      </p:sp>
+      <p:sp>
+        <p:nvSpPr>
+          <p:cNvPr id="14" name="Flèche : droite 13">
+            <a:extLst>
+              <a:ext uri="{FF2B5EF4-FFF2-40B4-BE49-F238E27FC236}">
+                <a16:creationId xmlns:a16="http://schemas.microsoft.com/office/drawing/2014/main" id="{DEB240A5-5720-4947-973F-017A0CE7040D}"/>
+              </a:ext>
+            </a:extLst>
+          </p:cNvPr>
+          <p:cNvSpPr/>
+          <p:nvPr/>
+        </p:nvSpPr>
+        <p:spPr>
+          <a:xfrm>
+            <a:off x="729660" y="2679030"/>
+            <a:ext cx="4233366" cy="45719"/>
+          </a:xfrm>
+          <a:prstGeom prst="rightArrow">
+            <a:avLst/>
+          </a:prstGeom>
+          <a:solidFill>
+            <a:srgbClr val="A5300F">
+              <a:alpha val="20000"/>
+            </a:srgbClr>
+          </a:solidFill>
+          <a:ln>
+            <a:noFill/>
+          </a:ln>
+        </p:spPr>
+        <p:style>
+          <a:lnRef idx="2">
+            <a:schemeClr val="accent1">
+              <a:shade val="50000"/>
+            </a:schemeClr>
+          </a:lnRef>
+          <a:fillRef idx="1">
+            <a:schemeClr val="accent1"/>
+          </a:fillRef>
+          <a:effectRef idx="0">
+            <a:schemeClr val="accent1"/>
+          </a:effectRef>
+          <a:fontRef idx="minor">
+            <a:schemeClr val="lt1"/>
+          </a:fontRef>
+        </p:style>
+        <p:txBody>
+          <a:bodyPr rtlCol="0" anchor="ctr"/>
+          <a:lstStyle/>
+          <a:p>
+            <a:pPr algn="ctr"/>
+            <a:endParaRPr lang="en-US"/>
+          </a:p>
+        </p:txBody>
+      </p:sp>
+      <p:sp>
+        <p:nvSpPr>
+          <p:cNvPr id="16" name="ZoneTexte 15">
+            <a:extLst>
+              <a:ext uri="{FF2B5EF4-FFF2-40B4-BE49-F238E27FC236}">
+                <a16:creationId xmlns:a16="http://schemas.microsoft.com/office/drawing/2014/main" id="{BBF99A11-23F0-42B5-9E30-72876BB61E1A}"/>
+              </a:ext>
+            </a:extLst>
+          </p:cNvPr>
+          <p:cNvSpPr txBox="1"/>
+          <p:nvPr/>
+        </p:nvSpPr>
+        <p:spPr>
+          <a:xfrm>
+            <a:off x="4963026" y="2679030"/>
+            <a:ext cx="792079" cy="369332"/>
+          </a:xfrm>
+          <a:prstGeom prst="rect">
+            <a:avLst/>
+          </a:prstGeom>
+        </p:spPr>
+        <p:style>
+          <a:lnRef idx="2">
+            <a:schemeClr val="dk1">
+              <a:shade val="50000"/>
+            </a:schemeClr>
+          </a:lnRef>
+          <a:fillRef idx="1">
+            <a:schemeClr val="dk1"/>
+          </a:fillRef>
+          <a:effectRef idx="0">
+            <a:schemeClr val="dk1"/>
+          </a:effectRef>
+          <a:fontRef idx="minor">
+            <a:schemeClr val="lt1"/>
+          </a:fontRef>
+        </p:style>
+        <p:txBody>
+          <a:bodyPr wrap="square" rtlCol="0">
+            <a:spAutoFit/>
+          </a:bodyPr>
+          <a:lstStyle/>
+          <a:p>
+            <a:r>
+              <a:rPr lang="en-US"/>
+              <a:t>inline</a:t>
+            </a:r>
+          </a:p>
+        </p:txBody>
+      </p:sp>
+      <p:sp>
+        <p:nvSpPr>
+          <p:cNvPr id="17" name="Rectangle 16">
+            <a:extLst>
+              <a:ext uri="{FF2B5EF4-FFF2-40B4-BE49-F238E27FC236}">
+                <a16:creationId xmlns:a16="http://schemas.microsoft.com/office/drawing/2014/main" id="{DE4FDD03-3E76-4F41-8F91-35D58428963D}"/>
+              </a:ext>
+            </a:extLst>
+          </p:cNvPr>
+          <p:cNvSpPr/>
+          <p:nvPr/>
+        </p:nvSpPr>
+        <p:spPr>
+          <a:xfrm>
+            <a:off x="727654" y="2191350"/>
+            <a:ext cx="5318214" cy="289526"/>
+          </a:xfrm>
+          <a:prstGeom prst="rect">
+            <a:avLst/>
+          </a:prstGeom>
+          <a:solidFill>
+            <a:srgbClr val="A5300F">
+              <a:alpha val="20000"/>
+            </a:srgbClr>
+          </a:solidFill>
+        </p:spPr>
+        <p:style>
+          <a:lnRef idx="2">
+            <a:schemeClr val="accent1">
+              <a:shade val="50000"/>
+            </a:schemeClr>
+          </a:lnRef>
+          <a:fillRef idx="1">
+            <a:schemeClr val="accent1"/>
+          </a:fillRef>
+          <a:effectRef idx="0">
+            <a:schemeClr val="accent1"/>
+          </a:effectRef>
+          <a:fontRef idx="minor">
+            <a:schemeClr val="lt1"/>
+          </a:fontRef>
+        </p:style>
+        <p:txBody>
+          <a:bodyPr rtlCol="0" anchor="ctr"/>
+          <a:lstStyle/>
+          <a:p>
+            <a:pPr algn="ctr"/>
+            <a:endParaRPr lang="en-US"/>
+          </a:p>
+        </p:txBody>
+      </p:sp>
+      <p:sp>
+        <p:nvSpPr>
+          <p:cNvPr id="18" name="Rectangle 17">
+            <a:extLst>
+              <a:ext uri="{FF2B5EF4-FFF2-40B4-BE49-F238E27FC236}">
+                <a16:creationId xmlns:a16="http://schemas.microsoft.com/office/drawing/2014/main" id="{C45B02F1-A7D9-40C4-82AF-C1786FC055C3}"/>
+              </a:ext>
+            </a:extLst>
+          </p:cNvPr>
+          <p:cNvSpPr/>
+          <p:nvPr/>
+        </p:nvSpPr>
+        <p:spPr>
+          <a:xfrm>
+            <a:off x="727654" y="4020568"/>
+            <a:ext cx="5318214" cy="212896"/>
+          </a:xfrm>
+          <a:prstGeom prst="rect">
+            <a:avLst/>
+          </a:prstGeom>
+          <a:solidFill>
+            <a:srgbClr val="A5300F">
+              <a:alpha val="20000"/>
+            </a:srgbClr>
+          </a:solidFill>
+        </p:spPr>
+        <p:style>
+          <a:lnRef idx="2">
+            <a:schemeClr val="accent1">
+              <a:shade val="50000"/>
+            </a:schemeClr>
+          </a:lnRef>
+          <a:fillRef idx="1">
+            <a:schemeClr val="accent1"/>
+          </a:fillRef>
+          <a:effectRef idx="0">
+            <a:schemeClr val="accent1"/>
+          </a:effectRef>
+          <a:fontRef idx="minor">
+            <a:schemeClr val="lt1"/>
+          </a:fontRef>
+        </p:style>
+        <p:txBody>
+          <a:bodyPr rtlCol="0" anchor="ctr"/>
+          <a:lstStyle/>
+          <a:p>
+            <a:pPr algn="ctr"/>
+            <a:endParaRPr lang="en-US"/>
+          </a:p>
+        </p:txBody>
+      </p:sp>
+      <p:sp>
+        <p:nvSpPr>
+          <p:cNvPr id="19" name="Rectangle 18">
+            <a:extLst>
+              <a:ext uri="{FF2B5EF4-FFF2-40B4-BE49-F238E27FC236}">
+                <a16:creationId xmlns:a16="http://schemas.microsoft.com/office/drawing/2014/main" id="{D203CB95-A3A8-40D6-B7BE-046F88435611}"/>
+              </a:ext>
+            </a:extLst>
+          </p:cNvPr>
+          <p:cNvSpPr/>
+          <p:nvPr/>
+        </p:nvSpPr>
+        <p:spPr>
+          <a:xfrm>
+            <a:off x="727654" y="3162009"/>
+            <a:ext cx="5318214" cy="819077"/>
+          </a:xfrm>
+          <a:prstGeom prst="rect">
+            <a:avLst/>
+          </a:prstGeom>
+          <a:solidFill>
+            <a:srgbClr val="A5300F">
+              <a:alpha val="20000"/>
+            </a:srgbClr>
+          </a:solidFill>
+        </p:spPr>
+        <p:style>
+          <a:lnRef idx="2">
+            <a:schemeClr val="accent1">
+              <a:shade val="50000"/>
+            </a:schemeClr>
+          </a:lnRef>
+          <a:fillRef idx="1">
+            <a:schemeClr val="accent1"/>
+          </a:fillRef>
+          <a:effectRef idx="0">
+            <a:schemeClr val="accent1"/>
+          </a:effectRef>
+          <a:fontRef idx="minor">
+            <a:schemeClr val="lt1"/>
+          </a:fontRef>
+        </p:style>
+        <p:txBody>
+          <a:bodyPr rtlCol="0" anchor="ctr"/>
+          <a:lstStyle/>
+          <a:p>
+            <a:pPr algn="ctr"/>
+            <a:endParaRPr lang="en-US"/>
+          </a:p>
+        </p:txBody>
+      </p:sp>
+      <p:sp>
+        <p:nvSpPr>
+          <p:cNvPr id="20" name="ZoneTexte 19">
+            <a:extLst>
+              <a:ext uri="{FF2B5EF4-FFF2-40B4-BE49-F238E27FC236}">
+                <a16:creationId xmlns:a16="http://schemas.microsoft.com/office/drawing/2014/main" id="{44AEF42A-D98D-4C31-8207-79F73AFB1C30}"/>
+              </a:ext>
+            </a:extLst>
+          </p:cNvPr>
+          <p:cNvSpPr txBox="1"/>
+          <p:nvPr/>
+        </p:nvSpPr>
+        <p:spPr>
+          <a:xfrm>
+            <a:off x="4963026" y="3757684"/>
+            <a:ext cx="872382" cy="369332"/>
+          </a:xfrm>
+          <a:prstGeom prst="rect">
+            <a:avLst/>
+          </a:prstGeom>
+        </p:spPr>
+        <p:style>
+          <a:lnRef idx="2">
+            <a:schemeClr val="dk1">
+              <a:shade val="50000"/>
+            </a:schemeClr>
+          </a:lnRef>
+          <a:fillRef idx="1">
+            <a:schemeClr val="dk1"/>
+          </a:fillRef>
+          <a:effectRef idx="0">
+            <a:schemeClr val="dk1"/>
+          </a:effectRef>
+          <a:fontRef idx="minor">
+            <a:schemeClr val="lt1"/>
+          </a:fontRef>
+        </p:style>
+        <p:txBody>
+          <a:bodyPr wrap="square" rtlCol="0">
+            <a:spAutoFit/>
+          </a:bodyPr>
+          <a:lstStyle/>
+          <a:p>
+            <a:r>
+              <a:rPr lang="en-US"/>
+              <a:t>block</a:t>
+            </a:r>
+          </a:p>
+        </p:txBody>
+      </p:sp>
+      <p:sp>
+        <p:nvSpPr>
+          <p:cNvPr id="21" name="Flèche : droite 20">
+            <a:extLst>
+              <a:ext uri="{FF2B5EF4-FFF2-40B4-BE49-F238E27FC236}">
+                <a16:creationId xmlns:a16="http://schemas.microsoft.com/office/drawing/2014/main" id="{DFB69C18-63BF-4CB4-822F-8364010AFFF3}"/>
+              </a:ext>
+            </a:extLst>
+          </p:cNvPr>
+          <p:cNvSpPr/>
+          <p:nvPr/>
+        </p:nvSpPr>
+        <p:spPr>
+          <a:xfrm>
+            <a:off x="1040111" y="5406861"/>
+            <a:ext cx="809697" cy="446659"/>
+          </a:xfrm>
+          <a:prstGeom prst="rightArrow">
+            <a:avLst/>
+          </a:prstGeom>
+        </p:spPr>
+        <p:style>
+          <a:lnRef idx="2">
+            <a:schemeClr val="dk1"/>
+          </a:lnRef>
+          <a:fillRef idx="1">
+            <a:schemeClr val="lt1"/>
+          </a:fillRef>
+          <a:effectRef idx="0">
+            <a:schemeClr val="dk1"/>
+          </a:effectRef>
+          <a:fontRef idx="minor">
+            <a:schemeClr val="dk1"/>
+          </a:fontRef>
+        </p:style>
+        <p:txBody>
+          <a:bodyPr rtlCol="0" anchor="ctr"/>
+          <a:lstStyle/>
+          <a:p>
+            <a:pPr algn="ctr"/>
+            <a:endParaRPr lang="en-US"/>
+          </a:p>
+        </p:txBody>
+      </p:sp>
+      <p:sp>
+        <p:nvSpPr>
+          <p:cNvPr id="22" name="Flèche : droite 21">
+            <a:extLst>
+              <a:ext uri="{FF2B5EF4-FFF2-40B4-BE49-F238E27FC236}">
+                <a16:creationId xmlns:a16="http://schemas.microsoft.com/office/drawing/2014/main" id="{5F5FFB27-E645-43CC-96EC-FA260BFEE230}"/>
+              </a:ext>
+            </a:extLst>
+          </p:cNvPr>
+          <p:cNvSpPr/>
+          <p:nvPr/>
+        </p:nvSpPr>
+        <p:spPr>
+          <a:xfrm rot="5400000">
+            <a:off x="3607357" y="5406862"/>
+            <a:ext cx="809697" cy="446659"/>
+          </a:xfrm>
+          <a:prstGeom prst="rightArrow">
+            <a:avLst/>
+          </a:prstGeom>
+        </p:spPr>
+        <p:style>
+          <a:lnRef idx="2">
+            <a:schemeClr val="dk1"/>
+          </a:lnRef>
+          <a:fillRef idx="1">
+            <a:schemeClr val="lt1"/>
+          </a:fillRef>
+          <a:effectRef idx="0">
+            <a:schemeClr val="dk1"/>
+          </a:effectRef>
+          <a:fontRef idx="minor">
+            <a:schemeClr val="dk1"/>
+          </a:fontRef>
+        </p:style>
+        <p:txBody>
+          <a:bodyPr rtlCol="0" anchor="ctr"/>
+          <a:lstStyle/>
+          <a:p>
+            <a:pPr algn="ctr"/>
+            <a:endParaRPr lang="en-US"/>
+          </a:p>
+        </p:txBody>
+      </p:sp>
+      <p:sp>
+        <p:nvSpPr>
+          <p:cNvPr id="24" name="ZoneTexte 23">
+            <a:extLst>
+              <a:ext uri="{FF2B5EF4-FFF2-40B4-BE49-F238E27FC236}">
+                <a16:creationId xmlns:a16="http://schemas.microsoft.com/office/drawing/2014/main" id="{ECA07CCE-DE81-49EA-816B-FAAFE2E66DE4}"/>
+              </a:ext>
+            </a:extLst>
+          </p:cNvPr>
+          <p:cNvSpPr txBox="1"/>
+          <p:nvPr/>
+        </p:nvSpPr>
+        <p:spPr>
+          <a:xfrm>
+            <a:off x="1954443" y="5465460"/>
+            <a:ext cx="935476" cy="369332"/>
+          </a:xfrm>
+          <a:prstGeom prst="rect">
+            <a:avLst/>
+          </a:prstGeom>
+          <a:noFill/>
+        </p:spPr>
+        <p:txBody>
+          <a:bodyPr wrap="square" rtlCol="0">
+            <a:spAutoFit/>
+          </a:bodyPr>
+          <a:lstStyle/>
+          <a:p>
+            <a:r>
+              <a:rPr lang="fr-FR">
+                <a:solidFill>
+                  <a:schemeClr val="bg1"/>
+                </a:solidFill>
+              </a:rPr>
+              <a:t>inline</a:t>
+            </a:r>
+            <a:endParaRPr lang="en-US">
+              <a:solidFill>
+                <a:schemeClr val="bg1"/>
+              </a:solidFill>
+            </a:endParaRPr>
+          </a:p>
+        </p:txBody>
+      </p:sp>
+      <p:sp>
+        <p:nvSpPr>
+          <p:cNvPr id="25" name="ZoneTexte 24">
+            <a:extLst>
+              <a:ext uri="{FF2B5EF4-FFF2-40B4-BE49-F238E27FC236}">
+                <a16:creationId xmlns:a16="http://schemas.microsoft.com/office/drawing/2014/main" id="{22EA80A1-EB71-4C93-BC12-5A86AF528D57}"/>
+              </a:ext>
+            </a:extLst>
+          </p:cNvPr>
+          <p:cNvSpPr txBox="1"/>
+          <p:nvPr/>
+        </p:nvSpPr>
+        <p:spPr>
+          <a:xfrm>
+            <a:off x="4361249" y="5445524"/>
+            <a:ext cx="935476" cy="369332"/>
+          </a:xfrm>
+          <a:prstGeom prst="rect">
+            <a:avLst/>
+          </a:prstGeom>
+          <a:noFill/>
+        </p:spPr>
+        <p:txBody>
+          <a:bodyPr wrap="square" rtlCol="0">
+            <a:spAutoFit/>
+          </a:bodyPr>
+          <a:lstStyle/>
+          <a:p>
+            <a:r>
+              <a:rPr lang="fr-FR">
+                <a:solidFill>
+                  <a:schemeClr val="bg1"/>
+                </a:solidFill>
+              </a:rPr>
+              <a:t>block</a:t>
+            </a:r>
+            <a:endParaRPr lang="en-US">
+              <a:solidFill>
+                <a:schemeClr val="bg1"/>
+              </a:solidFill>
+            </a:endParaRPr>
+          </a:p>
+        </p:txBody>
+      </p:sp>
+    </p:spTree>
+    <p:extLst>
+      <p:ext uri="{BB962C8B-B14F-4D97-AF65-F5344CB8AC3E}">
+        <p14:creationId xmlns:p14="http://schemas.microsoft.com/office/powerpoint/2010/main" val="469110133"/>
+      </p:ext>
+    </p:extLst>
+  </p:cSld>
+  <p:clrMapOvr>
+    <a:masterClrMapping/>
+  </p:clrMapOvr>
+  <p:timing>
+    <p:tnLst>
+      <p:par>
+        <p:cTn id="1" dur="indefinite" restart="never" nodeType="tmRoot">
+          <p:childTnLst>
+            <p:seq concurrent="1" nextAc="seek">
+              <p:cTn id="2" dur="indefinite" nodeType="mainSeq">
+                <p:childTnLst>
+                  <p:par>
+                    <p:cTn id="3" fill="hold">
+                      <p:stCondLst>
+                        <p:cond delay="indefinite"/>
+                      </p:stCondLst>
+                      <p:childTnLst>
+                        <p:par>
+                          <p:cTn id="4" fill="hold">
+                            <p:stCondLst>
+                              <p:cond delay="0"/>
+                            </p:stCondLst>
+                            <p:childTnLst>
+                              <p:par>
+                                <p:cTn id="5" presetID="22" presetClass="entr" presetSubtype="8" fill="hold" grpId="0" nodeType="clickEffect">
+                                  <p:stCondLst>
+                                    <p:cond delay="0"/>
+                                  </p:stCondLst>
+                                  <p:childTnLst>
+                                    <p:set>
+                                      <p:cBhvr>
+                                        <p:cTn id="6" dur="1" fill="hold">
+                                          <p:stCondLst>
+                                            <p:cond delay="0"/>
+                                          </p:stCondLst>
+                                        </p:cTn>
+                                        <p:tgtEl>
+                                          <p:spTgt spid="10"/>
+                                        </p:tgtEl>
+                                        <p:attrNameLst>
+                                          <p:attrName>style.visibility</p:attrName>
+                                        </p:attrNameLst>
+                                      </p:cBhvr>
+                                      <p:to>
+                                        <p:strVal val="visible"/>
+                                      </p:to>
+                                    </p:set>
+                                    <p:animEffect transition="in" filter="wipe(left)">
+                                      <p:cBhvr>
+                                        <p:cTn id="7" dur="500"/>
+                                        <p:tgtEl>
+                                          <p:spTgt spid="10"/>
+                                        </p:tgtEl>
+                                      </p:cBhvr>
+                                    </p:animEffect>
+                                  </p:childTnLst>
+                                </p:cTn>
+                              </p:par>
+                            </p:childTnLst>
+                          </p:cTn>
+                        </p:par>
+                        <p:par>
+                          <p:cTn id="8" fill="hold">
+                            <p:stCondLst>
+                              <p:cond delay="500"/>
+                            </p:stCondLst>
+                            <p:childTnLst>
+                              <p:par>
+                                <p:cTn id="9" presetID="22" presetClass="entr" presetSubtype="8" fill="hold" grpId="0" nodeType="afterEffect">
+                                  <p:stCondLst>
+                                    <p:cond delay="0"/>
+                                  </p:stCondLst>
+                                  <p:childTnLst>
+                                    <p:set>
+                                      <p:cBhvr>
+                                        <p:cTn id="10" dur="1" fill="hold">
+                                          <p:stCondLst>
+                                            <p:cond delay="0"/>
+                                          </p:stCondLst>
+                                        </p:cTn>
+                                        <p:tgtEl>
+                                          <p:spTgt spid="14"/>
+                                        </p:tgtEl>
+                                        <p:attrNameLst>
+                                          <p:attrName>style.visibility</p:attrName>
+                                        </p:attrNameLst>
+                                      </p:cBhvr>
+                                      <p:to>
+                                        <p:strVal val="visible"/>
+                                      </p:to>
+                                    </p:set>
+                                    <p:animEffect transition="in" filter="wipe(left)">
+                                      <p:cBhvr>
+                                        <p:cTn id="11" dur="500"/>
+                                        <p:tgtEl>
+                                          <p:spTgt spid="14"/>
+                                        </p:tgtEl>
+                                      </p:cBhvr>
+                                    </p:animEffect>
+                                  </p:childTnLst>
+                                </p:cTn>
+                              </p:par>
+                            </p:childTnLst>
+                          </p:cTn>
+                        </p:par>
+                        <p:par>
+                          <p:cTn id="12" fill="hold">
+                            <p:stCondLst>
+                              <p:cond delay="1000"/>
+                            </p:stCondLst>
+                            <p:childTnLst>
+                              <p:par>
+                                <p:cTn id="13" presetID="22" presetClass="entr" presetSubtype="8" fill="hold" grpId="0" nodeType="afterEffect">
+                                  <p:stCondLst>
+                                    <p:cond delay="0"/>
+                                  </p:stCondLst>
+                                  <p:childTnLst>
+                                    <p:set>
+                                      <p:cBhvr>
+                                        <p:cTn id="14" dur="1" fill="hold">
+                                          <p:stCondLst>
+                                            <p:cond delay="0"/>
+                                          </p:stCondLst>
+                                        </p:cTn>
+                                        <p:tgtEl>
+                                          <p:spTgt spid="16"/>
+                                        </p:tgtEl>
+                                        <p:attrNameLst>
+                                          <p:attrName>style.visibility</p:attrName>
+                                        </p:attrNameLst>
+                                      </p:cBhvr>
+                                      <p:to>
+                                        <p:strVal val="visible"/>
+                                      </p:to>
+                                    </p:set>
+                                    <p:animEffect transition="in" filter="wipe(left)">
+                                      <p:cBhvr>
+                                        <p:cTn id="15" dur="500"/>
+                                        <p:tgtEl>
+                                          <p:spTgt spid="16"/>
+                                        </p:tgtEl>
+                                      </p:cBhvr>
+                                    </p:animEffect>
+                                  </p:childTnLst>
+                                </p:cTn>
+                              </p:par>
+                            </p:childTnLst>
+                          </p:cTn>
+                        </p:par>
+                      </p:childTnLst>
+                    </p:cTn>
+                  </p:par>
+                  <p:par>
+                    <p:cTn id="16" fill="hold">
+                      <p:stCondLst>
+                        <p:cond delay="indefinite"/>
+                      </p:stCondLst>
+                      <p:childTnLst>
+                        <p:par>
+                          <p:cTn id="17" fill="hold">
+                            <p:stCondLst>
+                              <p:cond delay="0"/>
+                            </p:stCondLst>
+                            <p:childTnLst>
+                              <p:par>
+                                <p:cTn id="18" presetID="10" presetClass="entr" presetSubtype="0" fill="hold" grpId="0" nodeType="clickEffect">
+                                  <p:stCondLst>
+                                    <p:cond delay="0"/>
+                                  </p:stCondLst>
+                                  <p:childTnLst>
+                                    <p:set>
+                                      <p:cBhvr>
+                                        <p:cTn id="19" dur="1" fill="hold">
+                                          <p:stCondLst>
+                                            <p:cond delay="0"/>
+                                          </p:stCondLst>
+                                        </p:cTn>
+                                        <p:tgtEl>
+                                          <p:spTgt spid="18"/>
+                                        </p:tgtEl>
+                                        <p:attrNameLst>
+                                          <p:attrName>style.visibility</p:attrName>
+                                        </p:attrNameLst>
+                                      </p:cBhvr>
+                                      <p:to>
+                                        <p:strVal val="visible"/>
+                                      </p:to>
+                                    </p:set>
+                                    <p:animEffect transition="in" filter="fade">
+                                      <p:cBhvr>
+                                        <p:cTn id="20" dur="500"/>
+                                        <p:tgtEl>
+                                          <p:spTgt spid="18"/>
+                                        </p:tgtEl>
+                                      </p:cBhvr>
+                                    </p:animEffect>
+                                  </p:childTnLst>
+                                </p:cTn>
+                              </p:par>
+                              <p:par>
+                                <p:cTn id="21" presetID="10" presetClass="entr" presetSubtype="0" fill="hold" grpId="0" nodeType="withEffect">
+                                  <p:stCondLst>
+                                    <p:cond delay="0"/>
+                                  </p:stCondLst>
+                                  <p:childTnLst>
+                                    <p:set>
+                                      <p:cBhvr>
+                                        <p:cTn id="22" dur="1" fill="hold">
+                                          <p:stCondLst>
+                                            <p:cond delay="0"/>
+                                          </p:stCondLst>
+                                        </p:cTn>
+                                        <p:tgtEl>
+                                          <p:spTgt spid="19"/>
+                                        </p:tgtEl>
+                                        <p:attrNameLst>
+                                          <p:attrName>style.visibility</p:attrName>
+                                        </p:attrNameLst>
+                                      </p:cBhvr>
+                                      <p:to>
+                                        <p:strVal val="visible"/>
+                                      </p:to>
+                                    </p:set>
+                                    <p:animEffect transition="in" filter="fade">
+                                      <p:cBhvr>
+                                        <p:cTn id="23" dur="500"/>
+                                        <p:tgtEl>
+                                          <p:spTgt spid="19"/>
+                                        </p:tgtEl>
+                                      </p:cBhvr>
+                                    </p:animEffect>
+                                  </p:childTnLst>
+                                </p:cTn>
+                              </p:par>
+                              <p:par>
+                                <p:cTn id="24" presetID="10" presetClass="entr" presetSubtype="0" fill="hold" grpId="0" nodeType="withEffect">
+                                  <p:stCondLst>
+                                    <p:cond delay="0"/>
+                                  </p:stCondLst>
+                                  <p:childTnLst>
+                                    <p:set>
+                                      <p:cBhvr>
+                                        <p:cTn id="25" dur="1" fill="hold">
+                                          <p:stCondLst>
+                                            <p:cond delay="0"/>
+                                          </p:stCondLst>
+                                        </p:cTn>
+                                        <p:tgtEl>
+                                          <p:spTgt spid="17"/>
+                                        </p:tgtEl>
+                                        <p:attrNameLst>
+                                          <p:attrName>style.visibility</p:attrName>
+                                        </p:attrNameLst>
+                                      </p:cBhvr>
+                                      <p:to>
+                                        <p:strVal val="visible"/>
+                                      </p:to>
+                                    </p:set>
+                                    <p:animEffect transition="in" filter="fade">
+                                      <p:cBhvr>
+                                        <p:cTn id="26" dur="500"/>
+                                        <p:tgtEl>
+                                          <p:spTgt spid="17"/>
+                                        </p:tgtEl>
+                                      </p:cBhvr>
+                                    </p:animEffect>
+                                  </p:childTnLst>
+                                </p:cTn>
+                              </p:par>
+                            </p:childTnLst>
+                          </p:cTn>
+                        </p:par>
+                        <p:par>
+                          <p:cTn id="27" fill="hold">
+                            <p:stCondLst>
+                              <p:cond delay="500"/>
+                            </p:stCondLst>
+                            <p:childTnLst>
+                              <p:par>
+                                <p:cTn id="28" presetID="22" presetClass="entr" presetSubtype="8" fill="hold" grpId="0" nodeType="afterEffect">
+                                  <p:stCondLst>
+                                    <p:cond delay="0"/>
+                                  </p:stCondLst>
+                                  <p:childTnLst>
+                                    <p:set>
+                                      <p:cBhvr>
+                                        <p:cTn id="29" dur="1" fill="hold">
+                                          <p:stCondLst>
+                                            <p:cond delay="0"/>
+                                          </p:stCondLst>
+                                        </p:cTn>
+                                        <p:tgtEl>
+                                          <p:spTgt spid="20"/>
+                                        </p:tgtEl>
+                                        <p:attrNameLst>
+                                          <p:attrName>style.visibility</p:attrName>
+                                        </p:attrNameLst>
+                                      </p:cBhvr>
+                                      <p:to>
+                                        <p:strVal val="visible"/>
+                                      </p:to>
+                                    </p:set>
+                                    <p:animEffect transition="in" filter="wipe(left)">
+                                      <p:cBhvr>
+                                        <p:cTn id="30" dur="500"/>
+                                        <p:tgtEl>
+                                          <p:spTgt spid="20"/>
+                                        </p:tgtEl>
+                                      </p:cBhvr>
+                                    </p:animEffect>
+                                  </p:childTnLst>
+                                </p:cTn>
+                              </p:par>
+                            </p:childTnLst>
+                          </p:cTn>
+                        </p:par>
+                      </p:childTnLst>
+                    </p:cTn>
+                  </p:par>
+                </p:childTnLst>
+              </p:cTn>
+              <p:prevCondLst>
+                <p:cond evt="onPrev" delay="0">
+                  <p:tgtEl>
+                    <p:sldTgt/>
+                  </p:tgtEl>
+                </p:cond>
+              </p:prevCondLst>
+              <p:nextCondLst>
+                <p:cond evt="onNext" delay="0">
+                  <p:tgtEl>
+                    <p:sldTgt/>
+                  </p:tgtEl>
+                </p:cond>
+              </p:nextCondLst>
+            </p:seq>
+          </p:childTnLst>
+        </p:cTn>
+      </p:par>
+    </p:tnLst>
+    <p:bldLst>
+      <p:bldP spid="10" grpId="0" animBg="1"/>
+      <p:bldP spid="14" grpId="0" animBg="1"/>
+      <p:bldP spid="16" grpId="0" animBg="1"/>
+      <p:bldP spid="17" grpId="0" animBg="1"/>
+      <p:bldP spid="18" grpId="0" animBg="1"/>
+      <p:bldP spid="19" grpId="0" animBg="1"/>
+      <p:bldP spid="20" grpId="0" animBg="1"/>
+    </p:bldLst>
+  </p:timing>
+</p:sld>
+</file>
+
+<file path=ppt/slides/slide12.xml><?xml version="1.0" encoding="utf-8"?>
+<p:sld xmlns:a="http://schemas.openxmlformats.org/drawingml/2006/main" xmlns:r="http://schemas.openxmlformats.org/officeDocument/2006/relationships" xmlns:p="http://schemas.openxmlformats.org/presentationml/2006/main">
+  <p:cSld>
+    <p:spTree>
+      <p:nvGrpSpPr>
+        <p:cNvPr id="1" name=""/>
+        <p:cNvGrpSpPr/>
+        <p:nvPr/>
+      </p:nvGrpSpPr>
+      <p:grpSpPr>
+        <a:xfrm>
+          <a:off x="0" y="0"/>
+          <a:ext cx="0" cy="0"/>
+          <a:chOff x="0" y="0"/>
+          <a:chExt cx="0" cy="0"/>
+        </a:xfrm>
+      </p:grpSpPr>
+      <p:sp>
+        <p:nvSpPr>
+          <p:cNvPr id="2" name="Titre 1">
+            <a:extLst>
+              <a:ext uri="{FF2B5EF4-FFF2-40B4-BE49-F238E27FC236}">
+                <a16:creationId xmlns:a16="http://schemas.microsoft.com/office/drawing/2014/main" id="{9997D882-EBD1-45E7-8472-5061FA9C6B66}"/>
+              </a:ext>
+            </a:extLst>
+          </p:cNvPr>
+          <p:cNvSpPr>
+            <a:spLocks noGrp="1"/>
+          </p:cNvSpPr>
+          <p:nvPr>
+            <p:ph type="title"/>
+          </p:nvPr>
+        </p:nvSpPr>
+        <p:spPr/>
+        <p:txBody>
+          <a:bodyPr/>
+          <a:lstStyle/>
+          <a:p>
+            <a:r>
+              <a:rPr lang="fr-FR"/>
+              <a:t>Modèle de boîte</a:t>
+            </a:r>
+            <a:endParaRPr lang="en-US"/>
+          </a:p>
+        </p:txBody>
+      </p:sp>
+      <p:sp>
+        <p:nvSpPr>
+          <p:cNvPr id="7" name="Flèche : droite 6">
+            <a:extLst>
+              <a:ext uri="{FF2B5EF4-FFF2-40B4-BE49-F238E27FC236}">
+                <a16:creationId xmlns:a16="http://schemas.microsoft.com/office/drawing/2014/main" id="{D4219987-8D35-44B5-94AF-885DEDDC4AE3}"/>
+              </a:ext>
+            </a:extLst>
+          </p:cNvPr>
+          <p:cNvSpPr/>
+          <p:nvPr/>
+        </p:nvSpPr>
+        <p:spPr>
+          <a:xfrm>
+            <a:off x="6959600" y="6146800"/>
+            <a:ext cx="5232401" cy="711200"/>
+          </a:xfrm>
+          <a:prstGeom prst="rightArrow">
+            <a:avLst/>
+          </a:prstGeom>
+        </p:spPr>
+        <p:style>
+          <a:lnRef idx="2">
+            <a:schemeClr val="accent1">
+              <a:shade val="50000"/>
+            </a:schemeClr>
+          </a:lnRef>
+          <a:fillRef idx="1">
+            <a:schemeClr val="accent1"/>
+          </a:fillRef>
+          <a:effectRef idx="0">
+            <a:schemeClr val="accent1"/>
+          </a:effectRef>
+          <a:fontRef idx="minor">
+            <a:schemeClr val="lt1"/>
+          </a:fontRef>
+        </p:style>
+        <p:txBody>
+          <a:bodyPr rtlCol="0" anchor="ctr"/>
+          <a:lstStyle/>
+          <a:p>
+            <a:pPr algn="ctr"/>
+            <a:r>
+              <a:rPr lang="fr-FR"/>
+              <a:t>Exercice: Box Model d'un Bento</a:t>
+            </a:r>
+            <a:endParaRPr lang="en-US"/>
+          </a:p>
+        </p:txBody>
+      </p:sp>
+      <p:pic>
+        <p:nvPicPr>
+          <p:cNvPr id="9" name="Image 8">
+            <a:extLst>
+              <a:ext uri="{FF2B5EF4-FFF2-40B4-BE49-F238E27FC236}">
+                <a16:creationId xmlns:a16="http://schemas.microsoft.com/office/drawing/2014/main" id="{4B26B574-725B-4752-8B39-C5ED7EC54AB4}"/>
+              </a:ext>
+            </a:extLst>
+          </p:cNvPr>
+          <p:cNvPicPr>
+            <a:picLocks noChangeAspect="1"/>
+          </p:cNvPicPr>
+          <p:nvPr/>
+        </p:nvPicPr>
+        <p:blipFill>
+          <a:blip r:embed="rId2"/>
+          <a:stretch>
+            <a:fillRect/>
+          </a:stretch>
+        </p:blipFill>
+        <p:spPr>
+          <a:xfrm>
+            <a:off x="993736" y="1800879"/>
+            <a:ext cx="5102264" cy="4234801"/>
+          </a:xfrm>
+          <a:prstGeom prst="rect">
+            <a:avLst/>
+          </a:prstGeom>
+        </p:spPr>
+      </p:pic>
+      <p:pic>
+        <p:nvPicPr>
+          <p:cNvPr id="10" name="Image 9">
+            <a:extLst>
+              <a:ext uri="{FF2B5EF4-FFF2-40B4-BE49-F238E27FC236}">
+                <a16:creationId xmlns:a16="http://schemas.microsoft.com/office/drawing/2014/main" id="{012EA44E-159A-4681-9457-B511E23B86CF}"/>
+              </a:ext>
+            </a:extLst>
+          </p:cNvPr>
+          <p:cNvPicPr>
+            <a:picLocks noChangeAspect="1"/>
+          </p:cNvPicPr>
+          <p:nvPr/>
+        </p:nvPicPr>
+        <p:blipFill>
+          <a:blip r:embed="rId3"/>
+          <a:stretch>
+            <a:fillRect/>
+          </a:stretch>
+        </p:blipFill>
+        <p:spPr>
+          <a:xfrm>
+            <a:off x="6488898" y="1952419"/>
+            <a:ext cx="5077534" cy="2953162"/>
+          </a:xfrm>
+          <a:prstGeom prst="rect">
+            <a:avLst/>
+          </a:prstGeom>
+        </p:spPr>
+      </p:pic>
+    </p:spTree>
+    <p:extLst>
+      <p:ext uri="{BB962C8B-B14F-4D97-AF65-F5344CB8AC3E}">
+        <p14:creationId xmlns:p14="http://schemas.microsoft.com/office/powerpoint/2010/main" val="1017391693"/>
+      </p:ext>
+    </p:extLst>
+  </p:cSld>
+  <p:clrMapOvr>
+    <a:masterClrMapping/>
+  </p:clrMapOvr>
+  <p:timing>
+    <p:tnLst>
+      <p:par>
+        <p:cTn id="1" dur="indefinite" restart="never" nodeType="tmRoot">
+          <p:childTnLst>
+            <p:seq concurrent="1" nextAc="seek">
+              <p:cTn id="2" dur="indefinite" nodeType="mainSeq">
+                <p:childTnLst>
+                  <p:par>
+                    <p:cTn id="3" fill="hold">
+                      <p:stCondLst>
+                        <p:cond delay="indefinite"/>
+                      </p:stCondLst>
+                      <p:childTnLst>
+                        <p:par>
+                          <p:cTn id="4" fill="hold">
+                            <p:stCondLst>
+                              <p:cond delay="0"/>
+                            </p:stCondLst>
+                            <p:childTnLst>
+                              <p:par>
+                                <p:cTn id="5" presetID="2" presetClass="entr" presetSubtype="4" fill="hold" grpId="0" nodeType="clickEffect">
+                                  <p:stCondLst>
+                                    <p:cond delay="0"/>
+                                  </p:stCondLst>
+                                  <p:childTnLst>
+                                    <p:set>
+                                      <p:cBhvr>
+                                        <p:cTn id="6" dur="1" fill="hold">
+                                          <p:stCondLst>
+                                            <p:cond delay="0"/>
+                                          </p:stCondLst>
+                                        </p:cTn>
+                                        <p:tgtEl>
+                                          <p:spTgt spid="7"/>
+                                        </p:tgtEl>
+                                        <p:attrNameLst>
+                                          <p:attrName>style.visibility</p:attrName>
+                                        </p:attrNameLst>
+                                      </p:cBhvr>
+                                      <p:to>
+                                        <p:strVal val="visible"/>
+                                      </p:to>
+                                    </p:set>
+                                    <p:anim calcmode="lin" valueType="num">
+                                      <p:cBhvr additive="base">
+                                        <p:cTn id="7" dur="500" fill="hold"/>
+                                        <p:tgtEl>
+                                          <p:spTgt spid="7"/>
+                                        </p:tgtEl>
+                                        <p:attrNameLst>
+                                          <p:attrName>ppt_x</p:attrName>
+                                        </p:attrNameLst>
+                                      </p:cBhvr>
+                                      <p:tavLst>
+                                        <p:tav tm="0">
+                                          <p:val>
+                                            <p:strVal val="#ppt_x"/>
+                                          </p:val>
+                                        </p:tav>
+                                        <p:tav tm="100000">
+                                          <p:val>
+                                            <p:strVal val="#ppt_x"/>
+                                          </p:val>
+                                        </p:tav>
+                                      </p:tavLst>
+                                    </p:anim>
+                                    <p:anim calcmode="lin" valueType="num">
+                                      <p:cBhvr additive="base">
+                                        <p:cTn id="8" dur="500" fill="hold"/>
+                                        <p:tgtEl>
+                                          <p:spTgt spid="7"/>
+                                        </p:tgtEl>
+                                        <p:attrNameLst>
+                                          <p:attrName>ppt_y</p:attrName>
+                                        </p:attrNameLst>
+                                      </p:cBhvr>
+                                      <p:tavLst>
+                                        <p:tav tm="0">
+                                          <p:val>
+                                            <p:strVal val="1+#ppt_h/2"/>
+                                          </p:val>
+                                        </p:tav>
+                                        <p:tav tm="100000">
+                                          <p:val>
+                                            <p:strVal val="#ppt_y"/>
+                                          </p:val>
+                                        </p:tav>
+                                      </p:tavLst>
+                                    </p:anim>
+                                  </p:childTnLst>
+                                </p:cTn>
+                              </p:par>
+                            </p:childTnLst>
+                          </p:cTn>
+                        </p:par>
+                      </p:childTnLst>
+                    </p:cTn>
+                  </p:par>
+                </p:childTnLst>
+              </p:cTn>
+              <p:prevCondLst>
+                <p:cond evt="onPrev" delay="0">
+                  <p:tgtEl>
+                    <p:sldTgt/>
+                  </p:tgtEl>
+                </p:cond>
+              </p:prevCondLst>
+              <p:nextCondLst>
+                <p:cond evt="onNext" delay="0">
+                  <p:tgtEl>
+                    <p:sldTgt/>
+                  </p:tgtEl>
+                </p:cond>
+              </p:nextCondLst>
+            </p:seq>
+          </p:childTnLst>
+        </p:cTn>
+      </p:par>
+    </p:tnLst>
+    <p:bldLst>
+      <p:bldP spid="7" grpId="0" animBg="1"/>
+    </p:bldLst>
+  </p:timing>
 </p:sld>
 </file>
 
@@ -4412,16 +6276,15 @@
             <a:pPr lvl="1"/>
             <a:r>
               <a:rPr lang="fr-FR"/>
-              <a:t>Fundamentals</a:t>
+              <a:t>Fondamentaux</a:t>
             </a:r>
           </a:p>
           <a:p>
             <a:pPr lvl="1"/>
             <a:r>
-              <a:rPr lang="fr-FR" err="1"/>
-              <a:t>Semantics</a:t>
-            </a:r>
-            <a:endParaRPr lang="fr-FR"/>
+              <a:rPr lang="fr-FR"/>
+              <a:t>Sémantique</a:t>
+            </a:r>
           </a:p>
           <a:p>
             <a:pPr marL="457200" lvl="1" indent="0">
@@ -4431,68 +6294,44 @@
           </a:p>
           <a:p>
             <a:r>
-              <a:rPr lang="fr-FR" err="1"/>
-              <a:t>Foundations</a:t>
-            </a:r>
-            <a:r>
-              <a:rPr lang="fr-FR"/>
-              <a:t> of CSS</a:t>
+              <a:rPr lang="fr-FR"/>
+              <a:t>Fondamentaux de CSS</a:t>
             </a:r>
           </a:p>
           <a:p>
             <a:pPr lvl="1"/>
             <a:r>
-              <a:rPr lang="fr-FR" err="1"/>
-              <a:t>Selectors</a:t>
-            </a:r>
-            <a:endParaRPr lang="fr-FR"/>
+              <a:rPr lang="fr-FR"/>
+              <a:t>Sélecteurs</a:t>
+            </a:r>
           </a:p>
           <a:p>
             <a:pPr lvl="1"/>
             <a:r>
-              <a:rPr lang="fr-FR" err="1"/>
-              <a:t>Specificity</a:t>
-            </a:r>
-            <a:endParaRPr lang="fr-FR"/>
+              <a:rPr lang="fr-FR"/>
+              <a:t>Spécificité</a:t>
+            </a:r>
           </a:p>
           <a:p>
             <a:pPr lvl="1"/>
             <a:r>
-              <a:rPr lang="fr-FR" err="1"/>
-              <a:t>Inheritance</a:t>
-            </a:r>
-            <a:endParaRPr lang="fr-FR"/>
+              <a:rPr lang="fr-FR"/>
+              <a:t>Héritage</a:t>
+            </a:r>
           </a:p>
           <a:p>
             <a:pPr lvl="1"/>
             <a:r>
               <a:rPr lang="fr-FR"/>
-              <a:t>Pseudo-classes</a:t>
+              <a:t>Media queries</a:t>
             </a:r>
           </a:p>
           <a:p>
             <a:pPr lvl="1"/>
             <a:r>
               <a:rPr lang="fr-FR"/>
-              <a:t>Pseudo-</a:t>
-            </a:r>
-            <a:r>
-              <a:rPr lang="fr-FR" err="1"/>
-              <a:t>elements</a:t>
-            </a:r>
-            <a:endParaRPr lang="fr-FR"/>
-          </a:p>
-          <a:p>
-            <a:pPr lvl="1"/>
-            <a:r>
-              <a:rPr lang="fr-FR"/>
-              <a:t>Media </a:t>
-            </a:r>
-            <a:r>
-              <a:rPr lang="fr-FR" err="1"/>
-              <a:t>queries</a:t>
-            </a:r>
-            <a:endParaRPr lang="fr-FR"/>
+              <a:t>Responsive Web Design</a:t>
+            </a:r>
           </a:p>
           <a:p>
             <a:pPr marL="274320" lvl="1" indent="0">
@@ -4519,153 +6358,6 @@
             <a:endParaRPr lang="fr-FR"/>
           </a:p>
           <a:p>
-            <a:r>
-              <a:rPr lang="fr-FR" err="1"/>
-              <a:t>Layout</a:t>
-            </a:r>
-            <a:endParaRPr lang="fr-FR"/>
-          </a:p>
-          <a:p>
-            <a:pPr lvl="1"/>
-            <a:r>
-              <a:rPr lang="fr-FR"/>
-              <a:t>Content Flow</a:t>
-            </a:r>
-          </a:p>
-          <a:p>
-            <a:pPr lvl="1"/>
-            <a:r>
-              <a:rPr lang="fr-FR"/>
-              <a:t>Box Model</a:t>
-            </a:r>
-          </a:p>
-          <a:p>
-            <a:pPr lvl="1"/>
-            <a:r>
-              <a:rPr lang="fr-FR"/>
-              <a:t>Dimensions &amp; </a:t>
-            </a:r>
-            <a:r>
-              <a:rPr lang="fr-FR" err="1"/>
-              <a:t>Units</a:t>
-            </a:r>
-            <a:endParaRPr lang="fr-FR"/>
-          </a:p>
-          <a:p>
-            <a:pPr lvl="1"/>
-            <a:r>
-              <a:rPr lang="fr-FR"/>
-              <a:t>Display modes</a:t>
-            </a:r>
-          </a:p>
-          <a:p>
-            <a:pPr lvl="1"/>
-            <a:r>
-              <a:rPr lang="fr-FR"/>
-              <a:t>Positions</a:t>
-            </a:r>
-          </a:p>
-          <a:p>
-            <a:pPr lvl="1"/>
-            <a:r>
-              <a:rPr lang="fr-FR" err="1"/>
-              <a:t>Overflow</a:t>
-            </a:r>
-            <a:endParaRPr lang="fr-FR"/>
-          </a:p>
-          <a:p>
-            <a:pPr lvl="1"/>
-            <a:r>
-              <a:rPr lang="fr-FR"/>
-              <a:t>Flex &amp; </a:t>
-            </a:r>
-            <a:r>
-              <a:rPr lang="fr-FR" err="1"/>
-              <a:t>Grid</a:t>
-            </a:r>
-            <a:endParaRPr lang="fr-FR"/>
-          </a:p>
-          <a:p>
-            <a:pPr lvl="1"/>
-            <a:endParaRPr lang="fr-FR"/>
-          </a:p>
-          <a:p>
-            <a:pPr lvl="1"/>
-            <a:endParaRPr lang="fr-FR"/>
-          </a:p>
-          <a:p>
-            <a:pPr lvl="1"/>
-            <a:endParaRPr lang="fr-FR"/>
-          </a:p>
-          <a:p>
-            <a:pPr lvl="1"/>
-            <a:endParaRPr lang="fr-FR"/>
-          </a:p>
-          <a:p>
-            <a:pPr lvl="1"/>
-            <a:endParaRPr lang="fr-FR"/>
-          </a:p>
-          <a:p>
-            <a:pPr lvl="1"/>
-            <a:endParaRPr lang="fr-FR"/>
-          </a:p>
-          <a:p>
-            <a:pPr lvl="1"/>
-            <a:endParaRPr lang="fr-FR"/>
-          </a:p>
-          <a:p>
-            <a:r>
-              <a:rPr lang="fr-FR" err="1"/>
-              <a:t>Features</a:t>
-            </a:r>
-            <a:endParaRPr lang="fr-FR"/>
-          </a:p>
-          <a:p>
-            <a:pPr lvl="1"/>
-            <a:r>
-              <a:rPr lang="fr-FR" err="1"/>
-              <a:t>Typography</a:t>
-            </a:r>
-            <a:endParaRPr lang="fr-FR"/>
-          </a:p>
-          <a:p>
-            <a:pPr lvl="1"/>
-            <a:r>
-              <a:rPr lang="fr-FR"/>
-              <a:t>Backgrounds</a:t>
-            </a:r>
-          </a:p>
-          <a:p>
-            <a:pPr lvl="1"/>
-            <a:r>
-              <a:rPr lang="fr-FR" err="1"/>
-              <a:t>Shapes</a:t>
-            </a:r>
-            <a:r>
-              <a:rPr lang="fr-FR"/>
-              <a:t> &amp; Graphics</a:t>
-            </a:r>
-          </a:p>
-          <a:p>
-            <a:pPr lvl="1"/>
-            <a:r>
-              <a:rPr lang="fr-FR"/>
-              <a:t>Animations &amp; </a:t>
-            </a:r>
-            <a:r>
-              <a:rPr lang="fr-FR" err="1"/>
-              <a:t>Transforms</a:t>
-            </a:r>
-            <a:endParaRPr lang="fr-FR"/>
-          </a:p>
-          <a:p>
-            <a:pPr lvl="1"/>
-            <a:r>
-              <a:rPr lang="fr-FR"/>
-              <a:t>Interactions</a:t>
-            </a:r>
-          </a:p>
-          <a:p>
             <a:pPr marL="274320" lvl="1" indent="0">
               <a:buNone/>
             </a:pPr>
@@ -4674,7 +6366,7 @@
           <a:p>
             <a:r>
               <a:rPr lang="fr-FR" err="1"/>
-              <a:t>Tooling</a:t>
+              <a:t>Layout</a:t>
             </a:r>
             <a:endParaRPr lang="fr-FR"/>
           </a:p>
@@ -4682,21 +6374,153 @@
             <a:pPr lvl="1"/>
             <a:r>
               <a:rPr lang="fr-FR"/>
-              <a:t>Utilities</a:t>
+              <a:t>Flux de contenu</a:t>
             </a:r>
           </a:p>
           <a:p>
             <a:pPr lvl="1"/>
             <a:r>
               <a:rPr lang="fr-FR"/>
-              <a:t>Processors</a:t>
+              <a:t>Modèle de boîte</a:t>
             </a:r>
           </a:p>
           <a:p>
             <a:pPr lvl="1"/>
             <a:r>
               <a:rPr lang="fr-FR"/>
-              <a:t>CSS Modules</a:t>
+              <a:t>Dimensions et Unités</a:t>
+            </a:r>
+          </a:p>
+          <a:p>
+            <a:pPr lvl="1"/>
+            <a:r>
+              <a:rPr lang="fr-FR"/>
+              <a:t>Inline &amp; Block</a:t>
+            </a:r>
+          </a:p>
+          <a:p>
+            <a:pPr lvl="1"/>
+            <a:r>
+              <a:rPr lang="fr-FR"/>
+              <a:t>Flex</a:t>
+            </a:r>
+          </a:p>
+          <a:p>
+            <a:pPr lvl="1"/>
+            <a:r>
+              <a:rPr lang="fr-FR"/>
+              <a:t>Grid</a:t>
+            </a:r>
+          </a:p>
+          <a:p>
+            <a:pPr lvl="1"/>
+            <a:endParaRPr lang="fr-FR"/>
+          </a:p>
+          <a:p>
+            <a:pPr lvl="1"/>
+            <a:endParaRPr lang="fr-FR"/>
+          </a:p>
+          <a:p>
+            <a:pPr lvl="1"/>
+            <a:endParaRPr lang="fr-FR"/>
+          </a:p>
+          <a:p>
+            <a:pPr lvl="1"/>
+            <a:endParaRPr lang="fr-FR"/>
+          </a:p>
+          <a:p>
+            <a:pPr lvl="1"/>
+            <a:endParaRPr lang="fr-FR"/>
+          </a:p>
+          <a:p>
+            <a:pPr lvl="1"/>
+            <a:endParaRPr lang="fr-FR"/>
+          </a:p>
+          <a:p>
+            <a:pPr lvl="1"/>
+            <a:endParaRPr lang="fr-FR"/>
+          </a:p>
+          <a:p>
+            <a:pPr lvl="1"/>
+            <a:endParaRPr lang="fr-FR"/>
+          </a:p>
+          <a:p>
+            <a:r>
+              <a:rPr lang="fr-FR"/>
+              <a:t>Fonctionnalités</a:t>
+            </a:r>
+          </a:p>
+          <a:p>
+            <a:pPr lvl="1"/>
+            <a:r>
+              <a:rPr lang="fr-FR"/>
+              <a:t>Typographie</a:t>
+            </a:r>
+          </a:p>
+          <a:p>
+            <a:pPr lvl="1"/>
+            <a:r>
+              <a:rPr lang="fr-FR"/>
+              <a:t>Backgrounds &amp; Images</a:t>
+            </a:r>
+          </a:p>
+          <a:p>
+            <a:pPr lvl="1"/>
+            <a:r>
+              <a:rPr lang="fr-FR"/>
+              <a:t>Formes &amp; Graphisme</a:t>
+            </a:r>
+          </a:p>
+          <a:p>
+            <a:pPr lvl="1"/>
+            <a:r>
+              <a:rPr lang="fr-FR"/>
+              <a:t>Animations &amp; </a:t>
+            </a:r>
+            <a:r>
+              <a:rPr lang="fr-FR" err="1"/>
+              <a:t>Transforms</a:t>
+            </a:r>
+            <a:endParaRPr lang="fr-FR"/>
+          </a:p>
+          <a:p>
+            <a:pPr lvl="1"/>
+            <a:r>
+              <a:rPr lang="fr-FR"/>
+              <a:t>Interactions</a:t>
+            </a:r>
+          </a:p>
+          <a:p>
+            <a:pPr marL="274320" lvl="1" indent="0">
+              <a:buNone/>
+            </a:pPr>
+            <a:endParaRPr lang="fr-FR"/>
+          </a:p>
+          <a:p>
+            <a:r>
+              <a:rPr lang="fr-FR"/>
+              <a:t>Outillage</a:t>
+            </a:r>
+          </a:p>
+          <a:p>
+            <a:pPr lvl="1"/>
+            <a:r>
+              <a:rPr lang="fr-FR"/>
+              <a:t>Utilitaires</a:t>
+            </a:r>
+          </a:p>
+          <a:p>
+            <a:pPr lvl="1"/>
+            <a:r>
+              <a:rPr lang="fr-FR"/>
+              <a:t>Processeurs</a:t>
+            </a:r>
+          </a:p>
+          <a:p>
+            <a:pPr lvl="1"/>
+            <a:r>
+              <a:rPr lang="fr-FR"/>
+              <a:t>Modules CSS</a:t>
             </a:r>
           </a:p>
           <a:p>
@@ -4736,565 +6560,6 @@
 </file>
 
 <file path=ppt/slides/slide3.xml><?xml version="1.0" encoding="utf-8"?>
-<p:sld xmlns:a="http://schemas.openxmlformats.org/drawingml/2006/main" xmlns:r="http://schemas.openxmlformats.org/officeDocument/2006/relationships" xmlns:p="http://schemas.openxmlformats.org/presentationml/2006/main">
-  <p:cSld>
-    <p:spTree>
-      <p:nvGrpSpPr>
-        <p:cNvPr id="1" name=""/>
-        <p:cNvGrpSpPr/>
-        <p:nvPr/>
-      </p:nvGrpSpPr>
-      <p:grpSpPr>
-        <a:xfrm>
-          <a:off x="0" y="0"/>
-          <a:ext cx="0" cy="0"/>
-          <a:chOff x="0" y="0"/>
-          <a:chExt cx="0" cy="0"/>
-        </a:xfrm>
-      </p:grpSpPr>
-      <p:sp>
-        <p:nvSpPr>
-          <p:cNvPr id="2" name="Titre 1">
-            <a:extLst>
-              <a:ext uri="{FF2B5EF4-FFF2-40B4-BE49-F238E27FC236}">
-                <a16:creationId xmlns:a16="http://schemas.microsoft.com/office/drawing/2014/main" id="{C583B481-9055-4609-93AD-826112E6F92C}"/>
-              </a:ext>
-            </a:extLst>
-          </p:cNvPr>
-          <p:cNvSpPr>
-            <a:spLocks noGrp="1"/>
-          </p:cNvSpPr>
-          <p:nvPr>
-            <p:ph type="title"/>
-          </p:nvPr>
-        </p:nvSpPr>
-        <p:spPr>
-          <a:xfrm>
-            <a:off x="1066800" y="642594"/>
-            <a:ext cx="10058400" cy="729006"/>
-          </a:xfrm>
-        </p:spPr>
-        <p:txBody>
-          <a:bodyPr>
-            <a:normAutofit fontScale="90000"/>
-          </a:bodyPr>
-          <a:lstStyle/>
-          <a:p>
-            <a:r>
-              <a:rPr lang="fr-FR"/>
-              <a:t>Agenda</a:t>
-            </a:r>
-            <a:endParaRPr lang="en-US"/>
-          </a:p>
-        </p:txBody>
-      </p:sp>
-      <p:sp>
-        <p:nvSpPr>
-          <p:cNvPr id="3" name="Espace réservé du contenu 2">
-            <a:extLst>
-              <a:ext uri="{FF2B5EF4-FFF2-40B4-BE49-F238E27FC236}">
-                <a16:creationId xmlns:a16="http://schemas.microsoft.com/office/drawing/2014/main" id="{A419C35D-FF77-4FBA-95C8-A5E118DD0F75}"/>
-              </a:ext>
-            </a:extLst>
-          </p:cNvPr>
-          <p:cNvSpPr>
-            <a:spLocks noGrp="1"/>
-          </p:cNvSpPr>
-          <p:nvPr>
-            <p:ph idx="1"/>
-          </p:nvPr>
-        </p:nvSpPr>
-        <p:spPr>
-          <a:xfrm>
-            <a:off x="1103312" y="1460500"/>
-            <a:ext cx="9442367" cy="4787899"/>
-          </a:xfrm>
-        </p:spPr>
-        <p:txBody>
-          <a:bodyPr numCol="3" spcCol="360000">
-            <a:normAutofit fontScale="92500" lnSpcReduction="10000"/>
-          </a:bodyPr>
-          <a:lstStyle/>
-          <a:p>
-            <a:pPr>
-              <a:lnSpc>
-                <a:spcPct val="110000"/>
-              </a:lnSpc>
-            </a:pPr>
-            <a:r>
-              <a:rPr lang="fr-FR"/>
-              <a:t>HTML</a:t>
-            </a:r>
-          </a:p>
-          <a:p>
-            <a:pPr lvl="1">
-              <a:lnSpc>
-                <a:spcPct val="110000"/>
-              </a:lnSpc>
-            </a:pPr>
-            <a:r>
-              <a:rPr lang="fr-FR"/>
-              <a:t>Fondamentaux</a:t>
-            </a:r>
-          </a:p>
-          <a:p>
-            <a:pPr lvl="1">
-              <a:lnSpc>
-                <a:spcPct val="110000"/>
-              </a:lnSpc>
-            </a:pPr>
-            <a:r>
-              <a:rPr lang="fr-FR"/>
-              <a:t>Sémantique</a:t>
-            </a:r>
-          </a:p>
-          <a:p>
-            <a:pPr marL="457200" lvl="1" indent="0">
-              <a:lnSpc>
-                <a:spcPct val="110000"/>
-              </a:lnSpc>
-              <a:buNone/>
-            </a:pPr>
-            <a:endParaRPr lang="fr-FR"/>
-          </a:p>
-          <a:p>
-            <a:pPr>
-              <a:lnSpc>
-                <a:spcPct val="110000"/>
-              </a:lnSpc>
-            </a:pPr>
-            <a:r>
-              <a:rPr lang="fr-FR"/>
-              <a:t>Fondations de CSS</a:t>
-            </a:r>
-          </a:p>
-          <a:p>
-            <a:pPr lvl="1">
-              <a:lnSpc>
-                <a:spcPct val="110000"/>
-              </a:lnSpc>
-            </a:pPr>
-            <a:r>
-              <a:rPr lang="fr-FR"/>
-              <a:t>Sélecteurs</a:t>
-            </a:r>
-          </a:p>
-          <a:p>
-            <a:pPr lvl="1">
-              <a:lnSpc>
-                <a:spcPct val="110000"/>
-              </a:lnSpc>
-            </a:pPr>
-            <a:r>
-              <a:rPr lang="fr-FR"/>
-              <a:t>Spécificité</a:t>
-            </a:r>
-          </a:p>
-          <a:p>
-            <a:pPr lvl="1">
-              <a:lnSpc>
-                <a:spcPct val="110000"/>
-              </a:lnSpc>
-            </a:pPr>
-            <a:r>
-              <a:rPr lang="fr-FR"/>
-              <a:t>Héritage</a:t>
-            </a:r>
-          </a:p>
-          <a:p>
-            <a:pPr lvl="1">
-              <a:lnSpc>
-                <a:spcPct val="110000"/>
-              </a:lnSpc>
-            </a:pPr>
-            <a:r>
-              <a:rPr lang="fr-FR"/>
-              <a:t>Pseudo-classes</a:t>
-            </a:r>
-          </a:p>
-          <a:p>
-            <a:pPr lvl="1">
-              <a:lnSpc>
-                <a:spcPct val="110000"/>
-              </a:lnSpc>
-            </a:pPr>
-            <a:r>
-              <a:rPr lang="fr-FR"/>
-              <a:t>Pseudo-éléments</a:t>
-            </a:r>
-          </a:p>
-          <a:p>
-            <a:pPr lvl="1">
-              <a:lnSpc>
-                <a:spcPct val="110000"/>
-              </a:lnSpc>
-            </a:pPr>
-            <a:r>
-              <a:rPr lang="fr-FR"/>
-              <a:t>Media </a:t>
-            </a:r>
-            <a:r>
-              <a:rPr lang="fr-FR" err="1"/>
-              <a:t>queries</a:t>
-            </a:r>
-            <a:endParaRPr lang="fr-FR"/>
-          </a:p>
-          <a:p>
-            <a:pPr marL="274320" lvl="1" indent="0">
-              <a:lnSpc>
-                <a:spcPct val="110000"/>
-              </a:lnSpc>
-              <a:buNone/>
-            </a:pPr>
-            <a:endParaRPr lang="fr-FR"/>
-          </a:p>
-          <a:p>
-            <a:pPr marL="274320" lvl="1" indent="0">
-              <a:lnSpc>
-                <a:spcPct val="110000"/>
-              </a:lnSpc>
-              <a:buNone/>
-            </a:pPr>
-            <a:endParaRPr lang="fr-FR"/>
-          </a:p>
-          <a:p>
-            <a:pPr marL="274320" lvl="1" indent="0">
-              <a:lnSpc>
-                <a:spcPct val="110000"/>
-              </a:lnSpc>
-              <a:buNone/>
-            </a:pPr>
-            <a:endParaRPr lang="fr-FR"/>
-          </a:p>
-          <a:p>
-            <a:pPr marL="274320" lvl="1" indent="0">
-              <a:lnSpc>
-                <a:spcPct val="110000"/>
-              </a:lnSpc>
-              <a:buNone/>
-            </a:pPr>
-            <a:endParaRPr lang="fr-FR"/>
-          </a:p>
-          <a:p>
-            <a:pPr>
-              <a:lnSpc>
-                <a:spcPct val="110000"/>
-              </a:lnSpc>
-            </a:pPr>
-            <a:r>
-              <a:rPr lang="fr-FR"/>
-              <a:t>Mise en page</a:t>
-            </a:r>
-          </a:p>
-          <a:p>
-            <a:pPr lvl="1">
-              <a:lnSpc>
-                <a:spcPct val="110000"/>
-              </a:lnSpc>
-            </a:pPr>
-            <a:r>
-              <a:rPr lang="fr-FR"/>
-              <a:t>Flux de contenu</a:t>
-            </a:r>
-          </a:p>
-          <a:p>
-            <a:pPr lvl="1">
-              <a:lnSpc>
-                <a:spcPct val="110000"/>
-              </a:lnSpc>
-            </a:pPr>
-            <a:r>
-              <a:rPr lang="fr-FR"/>
-              <a:t>Modèle de boîte</a:t>
-            </a:r>
-          </a:p>
-          <a:p>
-            <a:pPr lvl="1">
-              <a:lnSpc>
-                <a:spcPct val="110000"/>
-              </a:lnSpc>
-            </a:pPr>
-            <a:r>
-              <a:rPr lang="fr-FR"/>
-              <a:t>Dimensions &amp; Unités</a:t>
-            </a:r>
-          </a:p>
-          <a:p>
-            <a:pPr lvl="1">
-              <a:lnSpc>
-                <a:spcPct val="110000"/>
-              </a:lnSpc>
-            </a:pPr>
-            <a:r>
-              <a:rPr lang="fr-FR"/>
-              <a:t>Modes d’affichage</a:t>
-            </a:r>
-          </a:p>
-          <a:p>
-            <a:pPr lvl="1">
-              <a:lnSpc>
-                <a:spcPct val="110000"/>
-              </a:lnSpc>
-            </a:pPr>
-            <a:r>
-              <a:rPr lang="fr-FR"/>
-              <a:t>Positionnement</a:t>
-            </a:r>
-          </a:p>
-          <a:p>
-            <a:pPr lvl="1">
-              <a:lnSpc>
-                <a:spcPct val="110000"/>
-              </a:lnSpc>
-            </a:pPr>
-            <a:r>
-              <a:rPr lang="fr-FR"/>
-              <a:t>Gestion du débordement</a:t>
-            </a:r>
-          </a:p>
-          <a:p>
-            <a:pPr lvl="1">
-              <a:lnSpc>
-                <a:spcPct val="110000"/>
-              </a:lnSpc>
-            </a:pPr>
-            <a:r>
-              <a:rPr lang="fr-FR"/>
-              <a:t>Flex &amp; </a:t>
-            </a:r>
-            <a:r>
-              <a:rPr lang="fr-FR" err="1"/>
-              <a:t>Grid</a:t>
-            </a:r>
-            <a:endParaRPr lang="fr-FR"/>
-          </a:p>
-          <a:p>
-            <a:pPr lvl="1">
-              <a:lnSpc>
-                <a:spcPct val="110000"/>
-              </a:lnSpc>
-            </a:pPr>
-            <a:endParaRPr lang="fr-FR"/>
-          </a:p>
-          <a:p>
-            <a:pPr lvl="1">
-              <a:lnSpc>
-                <a:spcPct val="110000"/>
-              </a:lnSpc>
-            </a:pPr>
-            <a:endParaRPr lang="fr-FR"/>
-          </a:p>
-          <a:p>
-            <a:pPr lvl="1">
-              <a:lnSpc>
-                <a:spcPct val="110000"/>
-              </a:lnSpc>
-            </a:pPr>
-            <a:endParaRPr lang="fr-FR"/>
-          </a:p>
-          <a:p>
-            <a:pPr lvl="1">
-              <a:lnSpc>
-                <a:spcPct val="110000"/>
-              </a:lnSpc>
-            </a:pPr>
-            <a:endParaRPr lang="fr-FR"/>
-          </a:p>
-          <a:p>
-            <a:pPr lvl="1">
-              <a:lnSpc>
-                <a:spcPct val="110000"/>
-              </a:lnSpc>
-            </a:pPr>
-            <a:endParaRPr lang="fr-FR"/>
-          </a:p>
-          <a:p>
-            <a:pPr lvl="1">
-              <a:lnSpc>
-                <a:spcPct val="110000"/>
-              </a:lnSpc>
-            </a:pPr>
-            <a:endParaRPr lang="fr-FR"/>
-          </a:p>
-          <a:p>
-            <a:pPr lvl="1">
-              <a:lnSpc>
-                <a:spcPct val="110000"/>
-              </a:lnSpc>
-            </a:pPr>
-            <a:endParaRPr lang="fr-FR"/>
-          </a:p>
-          <a:p>
-            <a:pPr>
-              <a:lnSpc>
-                <a:spcPct val="110000"/>
-              </a:lnSpc>
-            </a:pPr>
-            <a:r>
-              <a:rPr lang="fr-FR"/>
-              <a:t>Fonctionnalités</a:t>
-            </a:r>
-          </a:p>
-          <a:p>
-            <a:pPr lvl="1">
-              <a:lnSpc>
-                <a:spcPct val="110000"/>
-              </a:lnSpc>
-            </a:pPr>
-            <a:r>
-              <a:rPr lang="fr-FR"/>
-              <a:t>Typographie</a:t>
-            </a:r>
-          </a:p>
-          <a:p>
-            <a:pPr lvl="1">
-              <a:lnSpc>
-                <a:spcPct val="110000"/>
-              </a:lnSpc>
-            </a:pPr>
-            <a:r>
-              <a:rPr lang="fr-FR"/>
-              <a:t>Arrière-plans</a:t>
-            </a:r>
-          </a:p>
-          <a:p>
-            <a:pPr lvl="1">
-              <a:lnSpc>
-                <a:spcPct val="110000"/>
-              </a:lnSpc>
-            </a:pPr>
-            <a:r>
-              <a:rPr lang="fr-FR"/>
-              <a:t>Formes &amp; Graphisme</a:t>
-            </a:r>
-          </a:p>
-          <a:p>
-            <a:pPr lvl="1">
-              <a:lnSpc>
-                <a:spcPct val="110000"/>
-              </a:lnSpc>
-            </a:pPr>
-            <a:r>
-              <a:rPr lang="fr-FR"/>
-              <a:t>Animations &amp; </a:t>
-            </a:r>
-            <a:r>
-              <a:rPr lang="fr-FR" err="1"/>
-              <a:t>Transforms</a:t>
-            </a:r>
-            <a:endParaRPr lang="fr-FR"/>
-          </a:p>
-          <a:p>
-            <a:pPr lvl="1">
-              <a:lnSpc>
-                <a:spcPct val="110000"/>
-              </a:lnSpc>
-            </a:pPr>
-            <a:r>
-              <a:rPr lang="fr-FR"/>
-              <a:t>Interactions</a:t>
-            </a:r>
-          </a:p>
-          <a:p>
-            <a:pPr marL="274320" lvl="1" indent="0">
-              <a:lnSpc>
-                <a:spcPct val="110000"/>
-              </a:lnSpc>
-              <a:buNone/>
-            </a:pPr>
-            <a:endParaRPr lang="fr-FR"/>
-          </a:p>
-          <a:p>
-            <a:pPr>
-              <a:lnSpc>
-                <a:spcPct val="110000"/>
-              </a:lnSpc>
-            </a:pPr>
-            <a:r>
-              <a:rPr lang="fr-FR"/>
-              <a:t>Outillage</a:t>
-            </a:r>
-          </a:p>
-          <a:p>
-            <a:pPr lvl="1">
-              <a:lnSpc>
-                <a:spcPct val="110000"/>
-              </a:lnSpc>
-            </a:pPr>
-            <a:r>
-              <a:rPr lang="fr-FR"/>
-              <a:t>Utilitaires</a:t>
-            </a:r>
-          </a:p>
-          <a:p>
-            <a:pPr lvl="1">
-              <a:lnSpc>
-                <a:spcPct val="110000"/>
-              </a:lnSpc>
-            </a:pPr>
-            <a:r>
-              <a:rPr lang="fr-FR"/>
-              <a:t>Processeurs</a:t>
-            </a:r>
-          </a:p>
-          <a:p>
-            <a:pPr lvl="1">
-              <a:lnSpc>
-                <a:spcPct val="110000"/>
-              </a:lnSpc>
-            </a:pPr>
-            <a:r>
-              <a:rPr lang="fr-FR"/>
-              <a:t>Modules CSS</a:t>
-            </a:r>
-          </a:p>
-          <a:p>
-            <a:pPr lvl="1">
-              <a:lnSpc>
-                <a:spcPct val="110000"/>
-              </a:lnSpc>
-            </a:pPr>
-            <a:r>
-              <a:rPr lang="fr-FR"/>
-              <a:t>CSS in JS</a:t>
-            </a:r>
-          </a:p>
-          <a:p>
-            <a:pPr lvl="1">
-              <a:lnSpc>
-                <a:spcPct val="110000"/>
-              </a:lnSpc>
-            </a:pPr>
-            <a:r>
-              <a:rPr lang="fr-FR"/>
-              <a:t>Outils développeur</a:t>
-            </a:r>
-          </a:p>
-          <a:p>
-            <a:pPr marL="0" indent="0">
-              <a:lnSpc>
-                <a:spcPct val="110000"/>
-              </a:lnSpc>
-              <a:buNone/>
-            </a:pPr>
-            <a:endParaRPr lang="fr-FR"/>
-          </a:p>
-        </p:txBody>
-      </p:sp>
-    </p:spTree>
-    <p:extLst>
-      <p:ext uri="{BB962C8B-B14F-4D97-AF65-F5344CB8AC3E}">
-        <p14:creationId xmlns:p14="http://schemas.microsoft.com/office/powerpoint/2010/main" val="558665268"/>
-      </p:ext>
-    </p:extLst>
-  </p:cSld>
-  <p:clrMapOvr>
-    <a:masterClrMapping/>
-  </p:clrMapOvr>
-</p:sld>
-</file>
-
-<file path=ppt/slides/slide4.xml><?xml version="1.0" encoding="utf-8"?>
 <p:sld xmlns:a="http://schemas.openxmlformats.org/drawingml/2006/main" xmlns:r="http://schemas.openxmlformats.org/officeDocument/2006/relationships" xmlns:p="http://schemas.openxmlformats.org/presentationml/2006/main">
   <p:cSld>
     <p:spTree>
@@ -5491,7 +6756,7 @@
 </p:sld>
 </file>
 
-<file path=ppt/slides/slide5.xml><?xml version="1.0" encoding="utf-8"?>
+<file path=ppt/slides/slide4.xml><?xml version="1.0" encoding="utf-8"?>
 <p:sld xmlns:a="http://schemas.openxmlformats.org/drawingml/2006/main" xmlns:r="http://schemas.openxmlformats.org/officeDocument/2006/relationships" xmlns:p="http://schemas.openxmlformats.org/presentationml/2006/main">
   <p:cSld>
     <p:spTree>
@@ -7709,7 +8974,7 @@
 </p:sld>
 </file>
 
-<file path=ppt/slides/slide6.xml><?xml version="1.0" encoding="utf-8"?>
+<file path=ppt/slides/slide5.xml><?xml version="1.0" encoding="utf-8"?>
 <p:sld xmlns:a="http://schemas.openxmlformats.org/drawingml/2006/main" xmlns:r="http://schemas.openxmlformats.org/officeDocument/2006/relationships" xmlns:p="http://schemas.openxmlformats.org/presentationml/2006/main">
   <p:cSld>
     <p:spTree>
@@ -8875,7 +10140,7 @@
 </p:sld>
 </file>
 
-<file path=ppt/slides/slide7.xml><?xml version="1.0" encoding="utf-8"?>
+<file path=ppt/slides/slide6.xml><?xml version="1.0" encoding="utf-8"?>
 <p:sld xmlns:a="http://schemas.openxmlformats.org/drawingml/2006/main" xmlns:r="http://schemas.openxmlformats.org/officeDocument/2006/relationships" xmlns:p="http://schemas.openxmlformats.org/presentationml/2006/main">
   <p:cSld>
     <p:spTree>
@@ -9273,6 +10538,57 @@
           </a:prstGeom>
         </p:spPr>
       </p:pic>
+      <p:sp>
+        <p:nvSpPr>
+          <p:cNvPr id="8" name="ZoneTexte 7">
+            <a:extLst>
+              <a:ext uri="{FF2B5EF4-FFF2-40B4-BE49-F238E27FC236}">
+                <a16:creationId xmlns:a16="http://schemas.microsoft.com/office/drawing/2014/main" id="{92C14A83-98A0-440E-816F-C9693497FC24}"/>
+              </a:ext>
+            </a:extLst>
+          </p:cNvPr>
+          <p:cNvSpPr txBox="1"/>
+          <p:nvPr/>
+        </p:nvSpPr>
+        <p:spPr>
+          <a:xfrm>
+            <a:off x="5985711" y="5514787"/>
+            <a:ext cx="5594684" cy="646331"/>
+          </a:xfrm>
+          <a:prstGeom prst="rect">
+            <a:avLst/>
+          </a:prstGeom>
+        </p:spPr>
+        <p:style>
+          <a:lnRef idx="0">
+            <a:schemeClr val="accent1"/>
+          </a:lnRef>
+          <a:fillRef idx="3">
+            <a:schemeClr val="accent1"/>
+          </a:fillRef>
+          <a:effectRef idx="3">
+            <a:schemeClr val="accent1"/>
+          </a:effectRef>
+          <a:fontRef idx="minor">
+            <a:schemeClr val="lt1"/>
+          </a:fontRef>
+        </p:style>
+        <p:txBody>
+          <a:bodyPr wrap="square" rtlCol="0">
+            <a:spAutoFit/>
+          </a:bodyPr>
+          <a:lstStyle/>
+          <a:p>
+            <a:pPr marL="274320" lvl="1" indent="0">
+              <a:buNone/>
+            </a:pPr>
+            <a:r>
+              <a:rPr lang="en-US" b="1"/>
+              <a:t>Choisir la bonne spécificité d'un sélecteur, c'est éviter de devoir en décrire trois autres</a:t>
+            </a:r>
+          </a:p>
+        </p:txBody>
+      </p:sp>
     </p:spTree>
     <p:extLst>
       <p:ext uri="{BB962C8B-B14F-4D97-AF65-F5344CB8AC3E}">
@@ -9304,7 +10620,7 @@
                             </p:stCondLst>
                             <p:childTnLst>
                               <p:par>
-                                <p:cTn id="5" presetID="2" presetClass="entr" presetSubtype="4" fill="hold" grpId="0" nodeType="clickEffect">
+                                <p:cTn id="5" presetID="1" presetClass="entr" presetSubtype="0" fill="hold" grpId="0" nodeType="clickEffect">
                                   <p:stCondLst>
                                     <p:cond delay="0"/>
                                   </p:stCondLst>
@@ -9312,6 +10628,51 @@
                                     <p:set>
                                       <p:cBhvr>
                                         <p:cTn id="6" dur="1" fill="hold">
+                                          <p:stCondLst>
+                                            <p:cond delay="0"/>
+                                          </p:stCondLst>
+                                        </p:cTn>
+                                        <p:tgtEl>
+                                          <p:spTgt spid="8"/>
+                                        </p:tgtEl>
+                                        <p:attrNameLst>
+                                          <p:attrName>style.visibility</p:attrName>
+                                        </p:attrNameLst>
+                                      </p:cBhvr>
+                                      <p:to>
+                                        <p:strVal val="visible"/>
+                                      </p:to>
+                                    </p:set>
+                                  </p:childTnLst>
+                                </p:cTn>
+                              </p:par>
+                            </p:childTnLst>
+                          </p:cTn>
+                        </p:par>
+                      </p:childTnLst>
+                    </p:cTn>
+                  </p:par>
+                  <p:par>
+                    <p:cTn id="7" fill="hold">
+                      <p:stCondLst>
+                        <p:cond delay="indefinite"/>
+                      </p:stCondLst>
+                      <p:childTnLst>
+                        <p:par>
+                          <p:cTn id="8" fill="hold">
+                            <p:stCondLst>
+                              <p:cond delay="0"/>
+                            </p:stCondLst>
+                            <p:childTnLst>
+                              <p:par>
+                                <p:cTn id="9" presetID="2" presetClass="entr" presetSubtype="4" fill="hold" grpId="0" nodeType="clickEffect">
+                                  <p:stCondLst>
+                                    <p:cond delay="0"/>
+                                  </p:stCondLst>
+                                  <p:childTnLst>
+                                    <p:set>
+                                      <p:cBhvr>
+                                        <p:cTn id="10" dur="1" fill="hold">
                                           <p:stCondLst>
                                             <p:cond delay="0"/>
                                           </p:stCondLst>
@@ -9329,7 +10690,7 @@
                                     </p:set>
                                     <p:anim calcmode="lin" valueType="num">
                                       <p:cBhvr additive="base">
-                                        <p:cTn id="7" dur="500" fill="hold"/>
+                                        <p:cTn id="11" dur="500" fill="hold"/>
                                         <p:tgtEl>
                                           <p:spTgt spid="23"/>
                                         </p:tgtEl>
@@ -9352,7 +10713,7 @@
                                     </p:anim>
                                     <p:anim calcmode="lin" valueType="num">
                                       <p:cBhvr additive="base">
-                                        <p:cTn id="8" dur="500" fill="hold"/>
+                                        <p:cTn id="12" dur="500" fill="hold"/>
                                         <p:tgtEl>
                                           <p:spTgt spid="23"/>
                                         </p:tgtEl>
@@ -9405,12 +10766,13 @@
     </p:tnLst>
     <p:bldLst>
       <p:bldP spid="23" grpId="0" animBg="1"/>
+      <p:bldP spid="8" grpId="0" animBg="1"/>
     </p:bldLst>
   </p:timing>
 </p:sld>
 </file>
 
-<file path=ppt/slides/slide8.xml><?xml version="1.0" encoding="utf-8"?>
+<file path=ppt/slides/slide7.xml><?xml version="1.0" encoding="utf-8"?>
 <p:sld xmlns:a="http://schemas.openxmlformats.org/drawingml/2006/main" xmlns:r="http://schemas.openxmlformats.org/officeDocument/2006/relationships" xmlns:p="http://schemas.openxmlformats.org/presentationml/2006/main">
   <p:cSld>
     <p:bg>
@@ -9668,6 +11030,57 @@
           </a:p>
         </p:txBody>
       </p:sp>
+      <p:sp>
+        <p:nvSpPr>
+          <p:cNvPr id="5" name="ZoneTexte 4">
+            <a:extLst>
+              <a:ext uri="{FF2B5EF4-FFF2-40B4-BE49-F238E27FC236}">
+                <a16:creationId xmlns:a16="http://schemas.microsoft.com/office/drawing/2014/main" id="{96A05C3D-7365-49C4-B2A6-EC1149D2FF94}"/>
+              </a:ext>
+            </a:extLst>
+          </p:cNvPr>
+          <p:cNvSpPr txBox="1"/>
+          <p:nvPr/>
+        </p:nvSpPr>
+        <p:spPr>
+          <a:xfrm>
+            <a:off x="782053" y="4868062"/>
+            <a:ext cx="5594684" cy="923330"/>
+          </a:xfrm>
+          <a:prstGeom prst="rect">
+            <a:avLst/>
+          </a:prstGeom>
+        </p:spPr>
+        <p:style>
+          <a:lnRef idx="0">
+            <a:schemeClr val="accent1"/>
+          </a:lnRef>
+          <a:fillRef idx="3">
+            <a:schemeClr val="accent1"/>
+          </a:fillRef>
+          <a:effectRef idx="3">
+            <a:schemeClr val="accent1"/>
+          </a:effectRef>
+          <a:fontRef idx="minor">
+            <a:schemeClr val="lt1"/>
+          </a:fontRef>
+        </p:style>
+        <p:txBody>
+          <a:bodyPr wrap="square" rtlCol="0">
+            <a:spAutoFit/>
+          </a:bodyPr>
+          <a:lstStyle/>
+          <a:p>
+            <a:pPr marL="274320" lvl="1" indent="0">
+              <a:buNone/>
+            </a:pPr>
+            <a:r>
+              <a:rPr lang="en-US" b="1"/>
+              <a:t>La cascade est ce qui a permis historiquement aux sites Web de s'adapter à autant de supports et d'utilisateurs différents</a:t>
+            </a:r>
+          </a:p>
+        </p:txBody>
+      </p:sp>
     </p:spTree>
     <p:extLst>
       <p:ext uri="{BB962C8B-B14F-4D97-AF65-F5344CB8AC3E}">
@@ -9678,13 +11091,843 @@
   <p:clrMapOvr>
     <a:masterClrMapping/>
   </p:clrMapOvr>
+  <p:timing>
+    <p:tnLst>
+      <p:par>
+        <p:cTn id="1" dur="indefinite" restart="never" nodeType="tmRoot">
+          <p:childTnLst>
+            <p:seq concurrent="1" nextAc="seek">
+              <p:cTn id="2" dur="indefinite" nodeType="mainSeq">
+                <p:childTnLst>
+                  <p:par>
+                    <p:cTn id="3" fill="hold">
+                      <p:stCondLst>
+                        <p:cond delay="indefinite"/>
+                      </p:stCondLst>
+                      <p:childTnLst>
+                        <p:par>
+                          <p:cTn id="4" fill="hold">
+                            <p:stCondLst>
+                              <p:cond delay="0"/>
+                            </p:stCondLst>
+                            <p:childTnLst>
+                              <p:par>
+                                <p:cTn id="5" presetID="1" presetClass="entr" presetSubtype="0" fill="hold" grpId="0" nodeType="clickEffect">
+                                  <p:stCondLst>
+                                    <p:cond delay="0"/>
+                                  </p:stCondLst>
+                                  <p:childTnLst>
+                                    <p:set>
+                                      <p:cBhvr>
+                                        <p:cTn id="6" dur="1" fill="hold">
+                                          <p:stCondLst>
+                                            <p:cond delay="0"/>
+                                          </p:stCondLst>
+                                        </p:cTn>
+                                        <p:tgtEl>
+                                          <p:spTgt spid="5"/>
+                                        </p:tgtEl>
+                                        <p:attrNameLst>
+                                          <p:attrName>style.visibility</p:attrName>
+                                        </p:attrNameLst>
+                                      </p:cBhvr>
+                                      <p:to>
+                                        <p:strVal val="visible"/>
+                                      </p:to>
+                                    </p:set>
+                                  </p:childTnLst>
+                                </p:cTn>
+                              </p:par>
+                            </p:childTnLst>
+                          </p:cTn>
+                        </p:par>
+                      </p:childTnLst>
+                    </p:cTn>
+                  </p:par>
+                </p:childTnLst>
+              </p:cTn>
+              <p:prevCondLst>
+                <p:cond evt="onPrev" delay="0">
+                  <p:tgtEl>
+                    <p:sldTgt/>
+                  </p:tgtEl>
+                </p:cond>
+              </p:prevCondLst>
+              <p:nextCondLst>
+                <p:cond evt="onNext" delay="0">
+                  <p:tgtEl>
+                    <p:sldTgt/>
+                  </p:tgtEl>
+                </p:cond>
+              </p:nextCondLst>
+            </p:seq>
+          </p:childTnLst>
+        </p:cTn>
+      </p:par>
+    </p:tnLst>
+    <p:bldLst>
+      <p:bldP spid="5" grpId="0" animBg="1"/>
+    </p:bldLst>
+  </p:timing>
+</p:sld>
+</file>
+
+<file path=ppt/slides/slide8.xml><?xml version="1.0" encoding="utf-8"?>
+<p:sld xmlns:a="http://schemas.openxmlformats.org/drawingml/2006/main" xmlns:r="http://schemas.openxmlformats.org/officeDocument/2006/relationships" xmlns:p="http://schemas.openxmlformats.org/presentationml/2006/main">
+  <p:cSld>
+    <p:spTree>
+      <p:nvGrpSpPr>
+        <p:cNvPr id="1" name=""/>
+        <p:cNvGrpSpPr/>
+        <p:nvPr/>
+      </p:nvGrpSpPr>
+      <p:grpSpPr>
+        <a:xfrm>
+          <a:off x="0" y="0"/>
+          <a:ext cx="0" cy="0"/>
+          <a:chOff x="0" y="0"/>
+          <a:chExt cx="0" cy="0"/>
+        </a:xfrm>
+      </p:grpSpPr>
+      <p:sp>
+        <p:nvSpPr>
+          <p:cNvPr id="2" name="Titre 1">
+            <a:extLst>
+              <a:ext uri="{FF2B5EF4-FFF2-40B4-BE49-F238E27FC236}">
+                <a16:creationId xmlns:a16="http://schemas.microsoft.com/office/drawing/2014/main" id="{1856DA41-B2A9-4194-A986-7E686938166D}"/>
+              </a:ext>
+            </a:extLst>
+          </p:cNvPr>
+          <p:cNvSpPr>
+            <a:spLocks noGrp="1"/>
+          </p:cNvSpPr>
+          <p:nvPr>
+            <p:ph type="title"/>
+          </p:nvPr>
+        </p:nvSpPr>
+        <p:spPr/>
+        <p:txBody>
+          <a:bodyPr/>
+          <a:lstStyle/>
+          <a:p>
+            <a:r>
+              <a:rPr lang="fr-FR"/>
+              <a:t>Héritage</a:t>
+            </a:r>
+            <a:endParaRPr lang="en-US"/>
+          </a:p>
+        </p:txBody>
+      </p:sp>
+      <p:sp>
+        <p:nvSpPr>
+          <p:cNvPr id="3" name="Espace réservé du contenu 2">
+            <a:extLst>
+              <a:ext uri="{FF2B5EF4-FFF2-40B4-BE49-F238E27FC236}">
+                <a16:creationId xmlns:a16="http://schemas.microsoft.com/office/drawing/2014/main" id="{C53E5853-743C-45AA-B385-8A23489B8D88}"/>
+              </a:ext>
+            </a:extLst>
+          </p:cNvPr>
+          <p:cNvSpPr>
+            <a:spLocks noGrp="1"/>
+          </p:cNvSpPr>
+          <p:nvPr>
+            <p:ph idx="1"/>
+          </p:nvPr>
+        </p:nvSpPr>
+        <p:spPr>
+          <a:xfrm>
+            <a:off x="1066800" y="2103120"/>
+            <a:ext cx="10058400" cy="2740687"/>
+          </a:xfrm>
+        </p:spPr>
+        <p:txBody>
+          <a:bodyPr/>
+          <a:lstStyle/>
+          <a:p>
+            <a:r>
+              <a:rPr lang="fr-FR"/>
+              <a:t>Certaines propriétés CSS sont héritées, c'est-à-dire qu'elles sont transmises aux éléments enfants:</a:t>
+            </a:r>
+            <a:r>
+              <a:rPr lang="en-US"/>
+              <a:t> la couleur et la police et taille du texte par exemple</a:t>
+            </a:r>
+          </a:p>
+          <a:p>
+            <a:r>
+              <a:rPr lang="en-US"/>
+              <a:t>L'heritage peut être contrôlé manuellement pour une propriété en lui mettant comme valeur:</a:t>
+            </a:r>
+          </a:p>
+          <a:p>
+            <a:pPr lvl="1"/>
+            <a:r>
+              <a:rPr lang="en-US" sz="1800" b="1">
+                <a:latin typeface="Consolas" panose="020B0609020204030204" pitchFamily="49" charset="0"/>
+              </a:rPr>
+              <a:t>inherit</a:t>
+            </a:r>
+            <a:r>
+              <a:rPr lang="en-US"/>
+              <a:t> : prend la valeur définie dans l'élément parent</a:t>
+            </a:r>
+          </a:p>
+          <a:p>
+            <a:pPr lvl="1"/>
+            <a:r>
+              <a:rPr lang="en-US" sz="1800" b="1">
+                <a:latin typeface="Consolas" panose="020B0609020204030204" pitchFamily="49" charset="0"/>
+              </a:rPr>
+              <a:t>initial</a:t>
+            </a:r>
+            <a:r>
+              <a:rPr lang="en-US"/>
+              <a:t>: prend la valeur initiale définie par défaut dans la specification CSS</a:t>
+            </a:r>
+          </a:p>
+          <a:p>
+            <a:pPr lvl="1"/>
+            <a:r>
+              <a:rPr lang="en-US" sz="1800" b="1">
+                <a:latin typeface="Consolas" panose="020B0609020204030204" pitchFamily="49" charset="0"/>
+              </a:rPr>
+              <a:t>revert</a:t>
+            </a:r>
+            <a:r>
+              <a:rPr lang="en-US"/>
+              <a:t>: prend la valeur définie par défaut par le navigateur et les User Stylesheets</a:t>
+            </a:r>
+          </a:p>
+          <a:p>
+            <a:pPr lvl="1"/>
+            <a:r>
+              <a:rPr lang="en-US" sz="1800" b="1">
+                <a:latin typeface="Consolas" panose="020B0609020204030204" pitchFamily="49" charset="0"/>
+              </a:rPr>
+              <a:t>unset</a:t>
+            </a:r>
+            <a:r>
+              <a:rPr lang="en-US"/>
+              <a:t>: revient au comportement par défaut, hérité ou pas selon la propriété</a:t>
+            </a:r>
+          </a:p>
+          <a:p>
+            <a:pPr marL="274320" lvl="1" indent="0">
+              <a:buNone/>
+            </a:pPr>
+            <a:endParaRPr lang="en-US"/>
+          </a:p>
+        </p:txBody>
+      </p:sp>
+      <p:pic>
+        <p:nvPicPr>
+          <p:cNvPr id="4" name="Image 3">
+            <a:extLst>
+              <a:ext uri="{FF2B5EF4-FFF2-40B4-BE49-F238E27FC236}">
+                <a16:creationId xmlns:a16="http://schemas.microsoft.com/office/drawing/2014/main" id="{9BF1272F-0E06-44A2-A6FB-25CCAD9D42E9}"/>
+              </a:ext>
+            </a:extLst>
+          </p:cNvPr>
+          <p:cNvPicPr>
+            <a:picLocks noChangeAspect="1"/>
+          </p:cNvPicPr>
+          <p:nvPr/>
+        </p:nvPicPr>
+        <p:blipFill>
+          <a:blip r:embed="rId2"/>
+          <a:stretch>
+            <a:fillRect/>
+          </a:stretch>
+        </p:blipFill>
+        <p:spPr>
+          <a:xfrm>
+            <a:off x="8597348" y="4972429"/>
+            <a:ext cx="3231117" cy="1511948"/>
+          </a:xfrm>
+          <a:prstGeom prst="rect">
+            <a:avLst/>
+          </a:prstGeom>
+        </p:spPr>
+      </p:pic>
+      <p:sp>
+        <p:nvSpPr>
+          <p:cNvPr id="5" name="ZoneTexte 4">
+            <a:extLst>
+              <a:ext uri="{FF2B5EF4-FFF2-40B4-BE49-F238E27FC236}">
+                <a16:creationId xmlns:a16="http://schemas.microsoft.com/office/drawing/2014/main" id="{EDFE9227-9BDE-4B5E-B005-5D9B3843ADF2}"/>
+              </a:ext>
+            </a:extLst>
+          </p:cNvPr>
+          <p:cNvSpPr txBox="1"/>
+          <p:nvPr/>
+        </p:nvSpPr>
+        <p:spPr>
+          <a:xfrm>
+            <a:off x="1191127" y="5266738"/>
+            <a:ext cx="6677526" cy="923330"/>
+          </a:xfrm>
+          <a:prstGeom prst="rect">
+            <a:avLst/>
+          </a:prstGeom>
+        </p:spPr>
+        <p:style>
+          <a:lnRef idx="0">
+            <a:schemeClr val="accent1"/>
+          </a:lnRef>
+          <a:fillRef idx="3">
+            <a:schemeClr val="accent1"/>
+          </a:fillRef>
+          <a:effectRef idx="3">
+            <a:schemeClr val="accent1"/>
+          </a:effectRef>
+          <a:fontRef idx="minor">
+            <a:schemeClr val="lt1"/>
+          </a:fontRef>
+        </p:style>
+        <p:txBody>
+          <a:bodyPr wrap="square" rtlCol="0">
+            <a:spAutoFit/>
+          </a:bodyPr>
+          <a:lstStyle/>
+          <a:p>
+            <a:pPr marL="274320" lvl="1" indent="0">
+              <a:buNone/>
+            </a:pPr>
+            <a:r>
+              <a:rPr lang="en-US" b="1"/>
+              <a:t>Les styles des User agent et des utilisateurs sont utiles !</a:t>
+            </a:r>
+          </a:p>
+          <a:p>
+            <a:pPr marL="274320" lvl="1" indent="0">
+              <a:buNone/>
+            </a:pPr>
+            <a:r>
+              <a:rPr lang="en-US" b="1"/>
+              <a:t>Ne cherchez pas à tout surcharger pour tout controler </a:t>
+            </a:r>
+            <a:br>
+              <a:rPr lang="en-US" b="1"/>
+            </a:br>
+            <a:r>
+              <a:rPr lang="en-US" b="1"/>
+              <a:t>et avoir un résultat uniforme partout.</a:t>
+            </a:r>
+          </a:p>
+        </p:txBody>
+      </p:sp>
+    </p:spTree>
+    <p:extLst>
+      <p:ext uri="{BB962C8B-B14F-4D97-AF65-F5344CB8AC3E}">
+        <p14:creationId xmlns:p14="http://schemas.microsoft.com/office/powerpoint/2010/main" val="3966978733"/>
+      </p:ext>
+    </p:extLst>
+  </p:cSld>
+  <p:clrMapOvr>
+    <a:masterClrMapping/>
+  </p:clrMapOvr>
+  <p:timing>
+    <p:tnLst>
+      <p:par>
+        <p:cTn id="1" dur="indefinite" restart="never" nodeType="tmRoot">
+          <p:childTnLst>
+            <p:seq concurrent="1" nextAc="seek">
+              <p:cTn id="2" dur="indefinite" nodeType="mainSeq">
+                <p:childTnLst>
+                  <p:par>
+                    <p:cTn id="3" fill="hold">
+                      <p:stCondLst>
+                        <p:cond delay="indefinite"/>
+                      </p:stCondLst>
+                      <p:childTnLst>
+                        <p:par>
+                          <p:cTn id="4" fill="hold">
+                            <p:stCondLst>
+                              <p:cond delay="0"/>
+                            </p:stCondLst>
+                            <p:childTnLst>
+                              <p:par>
+                                <p:cTn id="5" presetID="1" presetClass="entr" presetSubtype="0" fill="hold" grpId="0" nodeType="clickEffect">
+                                  <p:stCondLst>
+                                    <p:cond delay="0"/>
+                                  </p:stCondLst>
+                                  <p:childTnLst>
+                                    <p:set>
+                                      <p:cBhvr>
+                                        <p:cTn id="6" dur="1" fill="hold">
+                                          <p:stCondLst>
+                                            <p:cond delay="0"/>
+                                          </p:stCondLst>
+                                        </p:cTn>
+                                        <p:tgtEl>
+                                          <p:spTgt spid="5"/>
+                                        </p:tgtEl>
+                                        <p:attrNameLst>
+                                          <p:attrName>style.visibility</p:attrName>
+                                        </p:attrNameLst>
+                                      </p:cBhvr>
+                                      <p:to>
+                                        <p:strVal val="visible"/>
+                                      </p:to>
+                                    </p:set>
+                                  </p:childTnLst>
+                                </p:cTn>
+                              </p:par>
+                            </p:childTnLst>
+                          </p:cTn>
+                        </p:par>
+                      </p:childTnLst>
+                    </p:cTn>
+                  </p:par>
+                </p:childTnLst>
+              </p:cTn>
+              <p:prevCondLst>
+                <p:cond evt="onPrev" delay="0">
+                  <p:tgtEl>
+                    <p:sldTgt/>
+                  </p:tgtEl>
+                </p:cond>
+              </p:prevCondLst>
+              <p:nextCondLst>
+                <p:cond evt="onNext" delay="0">
+                  <p:tgtEl>
+                    <p:sldTgt/>
+                  </p:tgtEl>
+                </p:cond>
+              </p:nextCondLst>
+            </p:seq>
+          </p:childTnLst>
+        </p:cTn>
+      </p:par>
+    </p:tnLst>
+    <p:bldLst>
+      <p:bldP spid="5" grpId="0" animBg="1"/>
+    </p:bldLst>
+  </p:timing>
+</p:sld>
+</file>
+
+<file path=ppt/slides/slide9.xml><?xml version="1.0" encoding="utf-8"?>
+<p:sld xmlns:a="http://schemas.openxmlformats.org/drawingml/2006/main" xmlns:r="http://schemas.openxmlformats.org/officeDocument/2006/relationships" xmlns:p="http://schemas.openxmlformats.org/presentationml/2006/main">
+  <p:cSld>
+    <p:spTree>
+      <p:nvGrpSpPr>
+        <p:cNvPr id="1" name=""/>
+        <p:cNvGrpSpPr/>
+        <p:nvPr/>
+      </p:nvGrpSpPr>
+      <p:grpSpPr>
+        <a:xfrm>
+          <a:off x="0" y="0"/>
+          <a:ext cx="0" cy="0"/>
+          <a:chOff x="0" y="0"/>
+          <a:chExt cx="0" cy="0"/>
+        </a:xfrm>
+      </p:grpSpPr>
+      <p:sp>
+        <p:nvSpPr>
+          <p:cNvPr id="2" name="Titre 1">
+            <a:extLst>
+              <a:ext uri="{FF2B5EF4-FFF2-40B4-BE49-F238E27FC236}">
+                <a16:creationId xmlns:a16="http://schemas.microsoft.com/office/drawing/2014/main" id="{A453AB8B-436C-4F43-9255-E2539D34772C}"/>
+              </a:ext>
+            </a:extLst>
+          </p:cNvPr>
+          <p:cNvSpPr>
+            <a:spLocks noGrp="1"/>
+          </p:cNvSpPr>
+          <p:nvPr>
+            <p:ph type="title"/>
+          </p:nvPr>
+        </p:nvSpPr>
+        <p:spPr/>
+        <p:txBody>
+          <a:bodyPr/>
+          <a:lstStyle/>
+          <a:p>
+            <a:r>
+              <a:rPr lang="fr-FR"/>
+              <a:t>Media queries</a:t>
+            </a:r>
+            <a:endParaRPr lang="en-US"/>
+          </a:p>
+        </p:txBody>
+      </p:sp>
+      <p:sp>
+        <p:nvSpPr>
+          <p:cNvPr id="3" name="Espace réservé du contenu 2">
+            <a:extLst>
+              <a:ext uri="{FF2B5EF4-FFF2-40B4-BE49-F238E27FC236}">
+                <a16:creationId xmlns:a16="http://schemas.microsoft.com/office/drawing/2014/main" id="{DCA7C4FB-5B2A-4D55-965A-A1C8865F947B}"/>
+              </a:ext>
+            </a:extLst>
+          </p:cNvPr>
+          <p:cNvSpPr>
+            <a:spLocks noGrp="1"/>
+          </p:cNvSpPr>
+          <p:nvPr>
+            <p:ph idx="1"/>
+          </p:nvPr>
+        </p:nvSpPr>
+        <p:spPr/>
+        <p:txBody>
+          <a:bodyPr/>
+          <a:lstStyle/>
+          <a:p>
+            <a:r>
+              <a:rPr lang="fr-FR"/>
+              <a:t>Les requêtes media permettent d'appliquer des règles de style seulement sur un certain type d'appareil ou selon ses caractéristiques: la taille d'écran, son orientation, sa résolution, ses capacités en affichage de couleur etc.</a:t>
+            </a:r>
+          </a:p>
+          <a:p>
+            <a:endParaRPr lang="en-US"/>
+          </a:p>
+          <a:p>
+            <a:endParaRPr lang="en-US"/>
+          </a:p>
+          <a:p>
+            <a:endParaRPr lang="en-US"/>
+          </a:p>
+          <a:p>
+            <a:r>
+              <a:rPr lang="en-US"/>
+              <a:t>Tous ces critères peuvent être combinés avec des opérateurs logiques </a:t>
+            </a:r>
+            <a:r>
+              <a:rPr lang="en-US" b="1">
+                <a:latin typeface="Consolas" panose="020B0609020204030204" pitchFamily="49" charset="0"/>
+              </a:rPr>
+              <a:t>and</a:t>
+            </a:r>
+            <a:r>
+              <a:rPr lang="en-US"/>
+              <a:t> et </a:t>
+            </a:r>
+            <a:r>
+              <a:rPr lang="en-US" b="1">
+                <a:latin typeface="Consolas" panose="020B0609020204030204" pitchFamily="49" charset="0"/>
+              </a:rPr>
+              <a:t>not</a:t>
+            </a:r>
+          </a:p>
+        </p:txBody>
+      </p:sp>
+      <p:sp>
+        <p:nvSpPr>
+          <p:cNvPr id="4" name="ZoneTexte 3">
+            <a:extLst>
+              <a:ext uri="{FF2B5EF4-FFF2-40B4-BE49-F238E27FC236}">
+                <a16:creationId xmlns:a16="http://schemas.microsoft.com/office/drawing/2014/main" id="{64210D81-1F97-4FDB-929F-CAD07FB872B9}"/>
+              </a:ext>
+            </a:extLst>
+          </p:cNvPr>
+          <p:cNvSpPr txBox="1"/>
+          <p:nvPr/>
+        </p:nvSpPr>
+        <p:spPr>
+          <a:xfrm>
+            <a:off x="1066800" y="3145750"/>
+            <a:ext cx="9631279" cy="923330"/>
+          </a:xfrm>
+          <a:prstGeom prst="rect">
+            <a:avLst/>
+          </a:prstGeom>
+        </p:spPr>
+        <p:style>
+          <a:lnRef idx="2">
+            <a:schemeClr val="dk1">
+              <a:shade val="50000"/>
+            </a:schemeClr>
+          </a:lnRef>
+          <a:fillRef idx="1">
+            <a:schemeClr val="dk1"/>
+          </a:fillRef>
+          <a:effectRef idx="0">
+            <a:schemeClr val="dk1"/>
+          </a:effectRef>
+          <a:fontRef idx="minor">
+            <a:schemeClr val="lt1"/>
+          </a:fontRef>
+        </p:style>
+        <p:txBody>
+          <a:bodyPr wrap="square" rtlCol="0">
+            <a:spAutoFit/>
+          </a:bodyPr>
+          <a:lstStyle/>
+          <a:p>
+            <a:r>
+              <a:rPr lang="en-US"/>
+              <a:t>@media print {</a:t>
+            </a:r>
+          </a:p>
+          <a:p>
+            <a:r>
+              <a:rPr lang="en-US"/>
+              <a:t>   img { display: none; } /* retire les images des impressions papier de la page web */</a:t>
+            </a:r>
+          </a:p>
+          <a:p>
+            <a:r>
+              <a:rPr lang="en-US"/>
+              <a:t>}</a:t>
+            </a:r>
+          </a:p>
+        </p:txBody>
+      </p:sp>
+      <p:sp>
+        <p:nvSpPr>
+          <p:cNvPr id="7" name="ZoneTexte 6">
+            <a:extLst>
+              <a:ext uri="{FF2B5EF4-FFF2-40B4-BE49-F238E27FC236}">
+                <a16:creationId xmlns:a16="http://schemas.microsoft.com/office/drawing/2014/main" id="{BF29D507-924A-41AD-946F-B85B2F035EC5}"/>
+              </a:ext>
+            </a:extLst>
+          </p:cNvPr>
+          <p:cNvSpPr txBox="1"/>
+          <p:nvPr/>
+        </p:nvSpPr>
+        <p:spPr>
+          <a:xfrm>
+            <a:off x="1066800" y="4650045"/>
+            <a:ext cx="9631279" cy="923330"/>
+          </a:xfrm>
+          <a:prstGeom prst="rect">
+            <a:avLst/>
+          </a:prstGeom>
+        </p:spPr>
+        <p:style>
+          <a:lnRef idx="2">
+            <a:schemeClr val="dk1">
+              <a:shade val="50000"/>
+            </a:schemeClr>
+          </a:lnRef>
+          <a:fillRef idx="1">
+            <a:schemeClr val="dk1"/>
+          </a:fillRef>
+          <a:effectRef idx="0">
+            <a:schemeClr val="dk1"/>
+          </a:effectRef>
+          <a:fontRef idx="minor">
+            <a:schemeClr val="lt1"/>
+          </a:fontRef>
+        </p:style>
+        <p:txBody>
+          <a:bodyPr wrap="square" rtlCol="0">
+            <a:spAutoFit/>
+          </a:bodyPr>
+          <a:lstStyle/>
+          <a:p>
+            <a:r>
+              <a:rPr lang="en-US"/>
+              <a:t>@media screen and (min-width: 30em) and (orientation: landscape) { ... }</a:t>
+            </a:r>
+          </a:p>
+          <a:p>
+            <a:r>
+              <a:rPr lang="en-US"/>
+              <a:t>@media (not(hover)) { ... }</a:t>
+            </a:r>
+          </a:p>
+          <a:p>
+            <a:r>
+              <a:rPr lang="en-US"/>
+              <a:t>@media (480px &lt;= width &lt;= 960px) { ... }</a:t>
+            </a:r>
+          </a:p>
+        </p:txBody>
+      </p:sp>
+      <p:sp>
+        <p:nvSpPr>
+          <p:cNvPr id="9" name="Flèche : droite 8">
+            <a:hlinkClick r:id="rId2"/>
+            <a:extLst>
+              <a:ext uri="{FF2B5EF4-FFF2-40B4-BE49-F238E27FC236}">
+                <a16:creationId xmlns:a16="http://schemas.microsoft.com/office/drawing/2014/main" id="{A2DF74DA-286F-49BC-A704-DFC2C3B1A83D}"/>
+              </a:ext>
+            </a:extLst>
+          </p:cNvPr>
+          <p:cNvSpPr/>
+          <p:nvPr/>
+        </p:nvSpPr>
+        <p:spPr>
+          <a:xfrm>
+            <a:off x="6959600" y="6146800"/>
+            <a:ext cx="5232401" cy="711200"/>
+          </a:xfrm>
+          <a:prstGeom prst="rightArrow">
+            <a:avLst/>
+          </a:prstGeom>
+        </p:spPr>
+        <p:style>
+          <a:lnRef idx="2">
+            <a:schemeClr val="accent1">
+              <a:shade val="50000"/>
+            </a:schemeClr>
+          </a:lnRef>
+          <a:fillRef idx="1">
+            <a:schemeClr val="accent1"/>
+          </a:fillRef>
+          <a:effectRef idx="0">
+            <a:schemeClr val="accent1"/>
+          </a:effectRef>
+          <a:fontRef idx="minor">
+            <a:schemeClr val="lt1"/>
+          </a:fontRef>
+        </p:style>
+        <p:txBody>
+          <a:bodyPr rtlCol="0" anchor="ctr"/>
+          <a:lstStyle/>
+          <a:p>
+            <a:pPr algn="ctr"/>
+            <a:r>
+              <a:rPr lang="fr-FR"/>
+              <a:t>Plus d'informations: MDN</a:t>
+            </a:r>
+            <a:endParaRPr lang="en-US"/>
+          </a:p>
+        </p:txBody>
+      </p:sp>
+    </p:spTree>
+    <p:extLst>
+      <p:ext uri="{BB962C8B-B14F-4D97-AF65-F5344CB8AC3E}">
+        <p14:creationId xmlns:p14="http://schemas.microsoft.com/office/powerpoint/2010/main" val="549971339"/>
+      </p:ext>
+    </p:extLst>
+  </p:cSld>
+  <p:clrMapOvr>
+    <a:masterClrMapping/>
+  </p:clrMapOvr>
+  <p:timing>
+    <p:tnLst>
+      <p:par>
+        <p:cTn id="1" dur="indefinite" restart="never" nodeType="tmRoot">
+          <p:childTnLst>
+            <p:seq concurrent="1" nextAc="seek">
+              <p:cTn id="2" dur="indefinite" nodeType="mainSeq">
+                <p:childTnLst>
+                  <p:par>
+                    <p:cTn id="3" fill="hold">
+                      <p:stCondLst>
+                        <p:cond delay="indefinite"/>
+                      </p:stCondLst>
+                      <p:childTnLst>
+                        <p:par>
+                          <p:cTn id="4" fill="hold">
+                            <p:stCondLst>
+                              <p:cond delay="0"/>
+                            </p:stCondLst>
+                            <p:childTnLst>
+                              <p:par>
+                                <p:cTn id="5" presetID="2" presetClass="entr" presetSubtype="4" fill="hold" grpId="0" nodeType="clickEffect">
+                                  <p:stCondLst>
+                                    <p:cond delay="0"/>
+                                  </p:stCondLst>
+                                  <p:childTnLst>
+                                    <p:set>
+                                      <p:cBhvr>
+                                        <p:cTn id="6" dur="1" fill="hold">
+                                          <p:stCondLst>
+                                            <p:cond delay="0"/>
+                                          </p:stCondLst>
+                                        </p:cTn>
+                                        <p:tgtEl>
+                                          <p:spTgt spid="9"/>
+                                        </p:tgtEl>
+                                        <p:attrNameLst>
+                                          <p:attrName>style.visibility</p:attrName>
+                                        </p:attrNameLst>
+                                      </p:cBhvr>
+                                      <p:to>
+                                        <p:strVal val="visible"/>
+                                      </p:to>
+                                    </p:set>
+                                    <p:anim calcmode="lin" valueType="num">
+                                      <p:cBhvr additive="base">
+                                        <p:cTn id="7" dur="500" fill="hold"/>
+                                        <p:tgtEl>
+                                          <p:spTgt spid="9"/>
+                                        </p:tgtEl>
+                                        <p:attrNameLst>
+                                          <p:attrName>ppt_x</p:attrName>
+                                        </p:attrNameLst>
+                                      </p:cBhvr>
+                                      <p:tavLst>
+                                        <p:tav tm="0">
+                                          <p:val>
+                                            <p:strVal val="#ppt_x"/>
+                                          </p:val>
+                                        </p:tav>
+                                        <p:tav tm="100000">
+                                          <p:val>
+                                            <p:strVal val="#ppt_x"/>
+                                          </p:val>
+                                        </p:tav>
+                                      </p:tavLst>
+                                    </p:anim>
+                                    <p:anim calcmode="lin" valueType="num">
+                                      <p:cBhvr additive="base">
+                                        <p:cTn id="8" dur="500" fill="hold"/>
+                                        <p:tgtEl>
+                                          <p:spTgt spid="9"/>
+                                        </p:tgtEl>
+                                        <p:attrNameLst>
+                                          <p:attrName>ppt_y</p:attrName>
+                                        </p:attrNameLst>
+                                      </p:cBhvr>
+                                      <p:tavLst>
+                                        <p:tav tm="0">
+                                          <p:val>
+                                            <p:strVal val="1+#ppt_h/2"/>
+                                          </p:val>
+                                        </p:tav>
+                                        <p:tav tm="100000">
+                                          <p:val>
+                                            <p:strVal val="#ppt_y"/>
+                                          </p:val>
+                                        </p:tav>
+                                      </p:tavLst>
+                                    </p:anim>
+                                  </p:childTnLst>
+                                </p:cTn>
+                              </p:par>
+                            </p:childTnLst>
+                          </p:cTn>
+                        </p:par>
+                      </p:childTnLst>
+                    </p:cTn>
+                  </p:par>
+                </p:childTnLst>
+              </p:cTn>
+              <p:prevCondLst>
+                <p:cond evt="onPrev" delay="0">
+                  <p:tgtEl>
+                    <p:sldTgt/>
+                  </p:tgtEl>
+                </p:cond>
+              </p:prevCondLst>
+              <p:nextCondLst>
+                <p:cond evt="onNext" delay="0">
+                  <p:tgtEl>
+                    <p:sldTgt/>
+                  </p:tgtEl>
+                </p:cond>
+              </p:nextCondLst>
+            </p:seq>
+          </p:childTnLst>
+        </p:cTn>
+      </p:par>
+    </p:tnLst>
+    <p:bldLst>
+      <p:bldP spid="9" grpId="0" animBg="1"/>
+    </p:bldLst>
+  </p:timing>
 </p:sld>
 </file>
 
 <file path=ppt/theme/theme1.xml><?xml version="1.0" encoding="utf-8"?>
 <a:theme xmlns:a="http://schemas.openxmlformats.org/drawingml/2006/main" name="Savon">
   <a:themeElements>
-    <a:clrScheme name="Savon">
+    <a:clrScheme name="Rouge">
       <a:dk1>
         <a:sysClr val="windowText" lastClr="000000"/>
       </a:dk1>
@@ -9692,34 +11935,34 @@
         <a:sysClr val="window" lastClr="FFFFFF"/>
       </a:lt1>
       <a:dk2>
-        <a:srgbClr val="373545"/>
+        <a:srgbClr val="323232"/>
       </a:dk2>
       <a:lt2>
-        <a:srgbClr val="BCD0E0"/>
+        <a:srgbClr val="E5C243"/>
       </a:lt2>
       <a:accent1>
-        <a:srgbClr val="3494BA"/>
+        <a:srgbClr val="A5300F"/>
       </a:accent1>
       <a:accent2>
-        <a:srgbClr val="58B6C0"/>
+        <a:srgbClr val="D55816"/>
       </a:accent2>
       <a:accent3>
-        <a:srgbClr val="75BDA7"/>
+        <a:srgbClr val="E19825"/>
       </a:accent3>
       <a:accent4>
-        <a:srgbClr val="7A8C8E"/>
+        <a:srgbClr val="B19C7D"/>
       </a:accent4>
       <a:accent5>
-        <a:srgbClr val="84ACB6"/>
+        <a:srgbClr val="7F5F52"/>
       </a:accent5>
       <a:accent6>
-        <a:srgbClr val="6793CD"/>
+        <a:srgbClr val="B27D49"/>
       </a:accent6>
       <a:hlink>
         <a:srgbClr val="6B9F25"/>
       </a:hlink>
       <a:folHlink>
-        <a:srgbClr val="9F6715"/>
+        <a:srgbClr val="B26B02"/>
       </a:folHlink>
     </a:clrScheme>
     <a:fontScheme name="Savon">

--- a/presenter_fr.pptx
+++ b/presenter_fr.pptx
@@ -13,10 +13,11 @@
     <p:sldId id="262" r:id="rId7"/>
     <p:sldId id="263" r:id="rId8"/>
     <p:sldId id="264" r:id="rId9"/>
-    <p:sldId id="265" r:id="rId10"/>
-    <p:sldId id="266" r:id="rId11"/>
-    <p:sldId id="267" r:id="rId12"/>
-    <p:sldId id="268" r:id="rId13"/>
+    <p:sldId id="267" r:id="rId10"/>
+    <p:sldId id="268" r:id="rId11"/>
+    <p:sldId id="269" r:id="rId12"/>
+    <p:sldId id="265" r:id="rId13"/>
+    <p:sldId id="266" r:id="rId14"/>
   </p:sldIdLst>
   <p:sldSz cx="12192000" cy="6858000"/>
   <p:notesSz cx="6858000" cy="9144000"/>
@@ -121,6 +122,32 @@
     </p:ext>
   </p:extLst>
 </p:presentation>
+</file>
+
+<file path=ppt/commentAuthors.xml><?xml version="1.0" encoding="utf-8"?>
+<p:cmAuthorLst xmlns:a="http://schemas.openxmlformats.org/drawingml/2006/main" xmlns:r="http://schemas.openxmlformats.org/officeDocument/2006/relationships" xmlns:p="http://schemas.openxmlformats.org/presentationml/2006/main">
+  <p:cmAuthor id="1" name="POLLET VILLARD, SYLVAIN" initials="PVS" lastIdx="1" clrIdx="0">
+    <p:extLst>
+      <p:ext uri="{19B8F6BF-5375-455C-9EA6-DF929625EA0E}">
+        <p15:presenceInfo xmlns:p15="http://schemas.microsoft.com/office/powerpoint/2012/main" userId="S::sylvain.polletvillard@worldline.com::73180ea0-8ac6-4cad-b8e9-906c9e904426" providerId="AD"/>
+      </p:ext>
+    </p:extLst>
+  </p:cmAuthor>
+</p:cmAuthorLst>
+</file>
+
+<file path=ppt/comments/comment1.xml><?xml version="1.0" encoding="utf-8"?>
+<p:cmLst xmlns:a="http://schemas.openxmlformats.org/drawingml/2006/main" xmlns:r="http://schemas.openxmlformats.org/officeDocument/2006/relationships" xmlns:p="http://schemas.openxmlformats.org/presentationml/2006/main">
+  <p:cm authorId="1" dt="2022-09-15T14:05:51.031" idx="1">
+    <p:pos x="6588" y="4004"/>
+    <p:text/>
+    <p:extLst>
+      <p:ext uri="{C676402C-5697-4E1C-873F-D02D1690AC5C}">
+        <p15:threadingInfo xmlns:p15="http://schemas.microsoft.com/office/powerpoint/2012/main" timeZoneBias="-120"/>
+      </p:ext>
+    </p:extLst>
+  </p:cm>
+</p:cmLst>
 </file>
 
 <file path=ppt/slideLayouts/slideLayout1.xml><?xml version="1.0" encoding="utf-8"?>
@@ -620,7 +647,7 @@
           <a:p>
             <a:fld id="{7E97AD98-B9C0-48D6-BE04-54ABC792AF9B}" type="datetimeFigureOut">
               <a:rPr lang="en-US" smtClean="0"/>
-              <a:t>9/14/2022</a:t>
+              <a:t>9/15/2022</a:t>
             </a:fld>
             <a:endParaRPr lang="en-US"/>
           </a:p>
@@ -816,7 +843,7 @@
           <a:p>
             <a:fld id="{7E97AD98-B9C0-48D6-BE04-54ABC792AF9B}" type="datetimeFigureOut">
               <a:rPr lang="en-US" smtClean="0"/>
-              <a:t>9/14/2022</a:t>
+              <a:t>9/15/2022</a:t>
             </a:fld>
             <a:endParaRPr lang="en-US"/>
           </a:p>
@@ -996,7 +1023,7 @@
           <a:p>
             <a:fld id="{7E97AD98-B9C0-48D6-BE04-54ABC792AF9B}" type="datetimeFigureOut">
               <a:rPr lang="en-US" smtClean="0"/>
-              <a:t>9/14/2022</a:t>
+              <a:t>9/15/2022</a:t>
             </a:fld>
             <a:endParaRPr lang="en-US"/>
           </a:p>
@@ -1166,7 +1193,7 @@
           <a:p>
             <a:fld id="{7E97AD98-B9C0-48D6-BE04-54ABC792AF9B}" type="datetimeFigureOut">
               <a:rPr lang="en-US" smtClean="0"/>
-              <a:t>9/14/2022</a:t>
+              <a:t>9/15/2022</a:t>
             </a:fld>
             <a:endParaRPr lang="en-US"/>
           </a:p>
@@ -1779,7 +1806,7 @@
           <a:p>
             <a:fld id="{7E97AD98-B9C0-48D6-BE04-54ABC792AF9B}" type="datetimeFigureOut">
               <a:rPr lang="en-US" smtClean="0"/>
-              <a:t>9/14/2022</a:t>
+              <a:t>9/15/2022</a:t>
             </a:fld>
             <a:endParaRPr lang="en-US"/>
           </a:p>
@@ -2093,7 +2120,7 @@
           <a:p>
             <a:fld id="{7E97AD98-B9C0-48D6-BE04-54ABC792AF9B}" type="datetimeFigureOut">
               <a:rPr lang="en-US" smtClean="0"/>
-              <a:t>9/14/2022</a:t>
+              <a:t>9/15/2022</a:t>
             </a:fld>
             <a:endParaRPr lang="en-US"/>
           </a:p>
@@ -2530,7 +2557,7 @@
           <a:p>
             <a:fld id="{7E97AD98-B9C0-48D6-BE04-54ABC792AF9B}" type="datetimeFigureOut">
               <a:rPr lang="en-US" smtClean="0"/>
-              <a:t>9/14/2022</a:t>
+              <a:t>9/15/2022</a:t>
             </a:fld>
             <a:endParaRPr lang="en-US"/>
           </a:p>
@@ -2648,7 +2675,7 @@
           <a:p>
             <a:fld id="{7E97AD98-B9C0-48D6-BE04-54ABC792AF9B}" type="datetimeFigureOut">
               <a:rPr lang="en-US" smtClean="0"/>
-              <a:t>9/14/2022</a:t>
+              <a:t>9/15/2022</a:t>
             </a:fld>
             <a:endParaRPr lang="en-US"/>
           </a:p>
@@ -2743,7 +2770,7 @@
           <a:p>
             <a:fld id="{7E97AD98-B9C0-48D6-BE04-54ABC792AF9B}" type="datetimeFigureOut">
               <a:rPr lang="en-US" smtClean="0"/>
-              <a:t>9/14/2022</a:t>
+              <a:t>9/15/2022</a:t>
             </a:fld>
             <a:endParaRPr lang="en-US"/>
           </a:p>
@@ -3128,7 +3155,7 @@
           <a:p>
             <a:fld id="{7E97AD98-B9C0-48D6-BE04-54ABC792AF9B}" type="datetimeFigureOut">
               <a:rPr lang="en-US" smtClean="0"/>
-              <a:t>9/14/2022</a:t>
+              <a:t>9/15/2022</a:t>
             </a:fld>
             <a:endParaRPr lang="en-US"/>
           </a:p>
@@ -3509,7 +3536,7 @@
           <a:p>
             <a:fld id="{7E97AD98-B9C0-48D6-BE04-54ABC792AF9B}" type="datetimeFigureOut">
               <a:rPr lang="en-US" smtClean="0"/>
-              <a:t>9/14/2022</a:t>
+              <a:t>9/15/2022</a:t>
             </a:fld>
             <a:endParaRPr lang="en-US"/>
           </a:p>
@@ -3778,7 +3805,7 @@
           <a:p>
             <a:fld id="{7E97AD98-B9C0-48D6-BE04-54ABC792AF9B}" type="datetimeFigureOut">
               <a:rPr lang="en-US" smtClean="0"/>
-              <a:t>9/14/2022</a:t>
+              <a:t>9/15/2022</a:t>
             </a:fld>
             <a:endParaRPr lang="en-US"/>
           </a:p>
@@ -4385,1554 +4412,6 @@
           <a:p>
             <a:r>
               <a:rPr lang="fr-FR"/>
-              <a:t>Responsive Web Design</a:t>
-            </a:r>
-            <a:endParaRPr lang="en-US"/>
-          </a:p>
-        </p:txBody>
-      </p:sp>
-      <p:sp>
-        <p:nvSpPr>
-          <p:cNvPr id="3" name="Espace réservé du contenu 2">
-            <a:extLst>
-              <a:ext uri="{FF2B5EF4-FFF2-40B4-BE49-F238E27FC236}">
-                <a16:creationId xmlns:a16="http://schemas.microsoft.com/office/drawing/2014/main" id="{045131B1-F347-4553-821A-1C91D0527CE1}"/>
-              </a:ext>
-            </a:extLst>
-          </p:cNvPr>
-          <p:cNvSpPr>
-            <a:spLocks noGrp="1"/>
-          </p:cNvSpPr>
-          <p:nvPr>
-            <p:ph idx="1"/>
-          </p:nvPr>
-        </p:nvSpPr>
-        <p:spPr/>
-        <p:txBody>
-          <a:bodyPr/>
-          <a:lstStyle/>
-          <a:p>
-            <a:r>
-              <a:rPr lang="fr-FR"/>
-              <a:t>Le RWD, c'est l'approche de conception des sites web désormais incontournable en 2022 qui consiste à faire des sites avec une expérience optimale peu importe la gamme d'appareil de l'utilisateur (smartphones, tablettes, laptop, desktop...)</a:t>
-            </a:r>
-          </a:p>
-          <a:p>
-            <a:r>
-              <a:rPr lang="fr-FR"/>
-              <a:t>Un site dit "</a:t>
-            </a:r>
-            <a:r>
-              <a:rPr lang="fr-FR" i="1"/>
-              <a:t>responsive</a:t>
-            </a:r>
-            <a:r>
-              <a:rPr lang="fr-FR"/>
-              <a:t>" va avoir une mise en page flexible, en privilégiant des </a:t>
-            </a:r>
-            <a:r>
-              <a:rPr lang="fr-FR" b="1"/>
-              <a:t>dimensions relatives</a:t>
-            </a:r>
-            <a:r>
-              <a:rPr lang="fr-FR"/>
-              <a:t> et en utilisant des </a:t>
-            </a:r>
-            <a:r>
-              <a:rPr lang="fr-FR" b="1"/>
-              <a:t>media queries</a:t>
-            </a:r>
-            <a:r>
-              <a:rPr lang="fr-FR"/>
-              <a:t> pour adapter l'interface à toutes les résolutions et moyens d'interactions (souris, tactile...)</a:t>
-            </a:r>
-            <a:endParaRPr lang="en-US"/>
-          </a:p>
-        </p:txBody>
-      </p:sp>
-      <p:pic>
-        <p:nvPicPr>
-          <p:cNvPr id="5" name="Image 4">
-            <a:extLst>
-              <a:ext uri="{FF2B5EF4-FFF2-40B4-BE49-F238E27FC236}">
-                <a16:creationId xmlns:a16="http://schemas.microsoft.com/office/drawing/2014/main" id="{2BC01A83-109E-4953-AD54-4269D6EDC43B}"/>
-              </a:ext>
-            </a:extLst>
-          </p:cNvPr>
-          <p:cNvPicPr>
-            <a:picLocks noChangeAspect="1"/>
-          </p:cNvPicPr>
-          <p:nvPr/>
-        </p:nvPicPr>
-        <p:blipFill>
-          <a:blip r:embed="rId2"/>
-          <a:stretch>
-            <a:fillRect/>
-          </a:stretch>
-        </p:blipFill>
-        <p:spPr>
-          <a:xfrm>
-            <a:off x="4483799" y="3910679"/>
-            <a:ext cx="3224401" cy="2363491"/>
-          </a:xfrm>
-          <a:prstGeom prst="rect">
-            <a:avLst/>
-          </a:prstGeom>
-        </p:spPr>
-      </p:pic>
-      <p:sp>
-        <p:nvSpPr>
-          <p:cNvPr id="6" name="Flèche : droite 5">
-            <a:hlinkClick r:id="rId3"/>
-            <a:extLst>
-              <a:ext uri="{FF2B5EF4-FFF2-40B4-BE49-F238E27FC236}">
-                <a16:creationId xmlns:a16="http://schemas.microsoft.com/office/drawing/2014/main" id="{26F37A37-513C-4420-BB19-EBD68A39C24D}"/>
-              </a:ext>
-            </a:extLst>
-          </p:cNvPr>
-          <p:cNvSpPr/>
-          <p:nvPr/>
-        </p:nvSpPr>
-        <p:spPr>
-          <a:xfrm>
-            <a:off x="6959600" y="6146800"/>
-            <a:ext cx="5232401" cy="711200"/>
-          </a:xfrm>
-          <a:prstGeom prst="rightArrow">
-            <a:avLst/>
-          </a:prstGeom>
-        </p:spPr>
-        <p:style>
-          <a:lnRef idx="2">
-            <a:schemeClr val="accent1">
-              <a:shade val="50000"/>
-            </a:schemeClr>
-          </a:lnRef>
-          <a:fillRef idx="1">
-            <a:schemeClr val="accent1"/>
-          </a:fillRef>
-          <a:effectRef idx="0">
-            <a:schemeClr val="accent1"/>
-          </a:effectRef>
-          <a:fontRef idx="minor">
-            <a:schemeClr val="lt1"/>
-          </a:fontRef>
-        </p:style>
-        <p:txBody>
-          <a:bodyPr rtlCol="0" anchor="ctr"/>
-          <a:lstStyle/>
-          <a:p>
-            <a:pPr algn="ctr"/>
-            <a:r>
-              <a:rPr lang="fr-FR"/>
-              <a:t>Démo: OneCake</a:t>
-            </a:r>
-            <a:endParaRPr lang="en-US"/>
-          </a:p>
-        </p:txBody>
-      </p:sp>
-    </p:spTree>
-    <p:extLst>
-      <p:ext uri="{BB962C8B-B14F-4D97-AF65-F5344CB8AC3E}">
-        <p14:creationId xmlns:p14="http://schemas.microsoft.com/office/powerpoint/2010/main" val="618679524"/>
-      </p:ext>
-    </p:extLst>
-  </p:cSld>
-  <p:clrMapOvr>
-    <a:masterClrMapping/>
-  </p:clrMapOvr>
-  <p:timing>
-    <p:tnLst>
-      <p:par>
-        <p:cTn id="1" dur="indefinite" restart="never" nodeType="tmRoot">
-          <p:childTnLst>
-            <p:seq concurrent="1" nextAc="seek">
-              <p:cTn id="2" dur="indefinite" nodeType="mainSeq">
-                <p:childTnLst>
-                  <p:par>
-                    <p:cTn id="3" fill="hold">
-                      <p:stCondLst>
-                        <p:cond delay="indefinite"/>
-                      </p:stCondLst>
-                      <p:childTnLst>
-                        <p:par>
-                          <p:cTn id="4" fill="hold">
-                            <p:stCondLst>
-                              <p:cond delay="0"/>
-                            </p:stCondLst>
-                            <p:childTnLst>
-                              <p:par>
-                                <p:cTn id="5" presetID="2" presetClass="entr" presetSubtype="4" fill="hold" grpId="0" nodeType="clickEffect">
-                                  <p:stCondLst>
-                                    <p:cond delay="0"/>
-                                  </p:stCondLst>
-                                  <p:childTnLst>
-                                    <p:set>
-                                      <p:cBhvr>
-                                        <p:cTn id="6" dur="1" fill="hold">
-                                          <p:stCondLst>
-                                            <p:cond delay="0"/>
-                                          </p:stCondLst>
-                                        </p:cTn>
-                                        <p:tgtEl>
-                                          <p:spTgt spid="6"/>
-                                        </p:tgtEl>
-                                        <p:attrNameLst>
-                                          <p:attrName>style.visibility</p:attrName>
-                                        </p:attrNameLst>
-                                      </p:cBhvr>
-                                      <p:to>
-                                        <p:strVal val="visible"/>
-                                      </p:to>
-                                    </p:set>
-                                    <p:anim calcmode="lin" valueType="num">
-                                      <p:cBhvr additive="base">
-                                        <p:cTn id="7" dur="500" fill="hold"/>
-                                        <p:tgtEl>
-                                          <p:spTgt spid="6"/>
-                                        </p:tgtEl>
-                                        <p:attrNameLst>
-                                          <p:attrName>ppt_x</p:attrName>
-                                        </p:attrNameLst>
-                                      </p:cBhvr>
-                                      <p:tavLst>
-                                        <p:tav tm="0">
-                                          <p:val>
-                                            <p:strVal val="#ppt_x"/>
-                                          </p:val>
-                                        </p:tav>
-                                        <p:tav tm="100000">
-                                          <p:val>
-                                            <p:strVal val="#ppt_x"/>
-                                          </p:val>
-                                        </p:tav>
-                                      </p:tavLst>
-                                    </p:anim>
-                                    <p:anim calcmode="lin" valueType="num">
-                                      <p:cBhvr additive="base">
-                                        <p:cTn id="8" dur="500" fill="hold"/>
-                                        <p:tgtEl>
-                                          <p:spTgt spid="6"/>
-                                        </p:tgtEl>
-                                        <p:attrNameLst>
-                                          <p:attrName>ppt_y</p:attrName>
-                                        </p:attrNameLst>
-                                      </p:cBhvr>
-                                      <p:tavLst>
-                                        <p:tav tm="0">
-                                          <p:val>
-                                            <p:strVal val="1+#ppt_h/2"/>
-                                          </p:val>
-                                        </p:tav>
-                                        <p:tav tm="100000">
-                                          <p:val>
-                                            <p:strVal val="#ppt_y"/>
-                                          </p:val>
-                                        </p:tav>
-                                      </p:tavLst>
-                                    </p:anim>
-                                  </p:childTnLst>
-                                </p:cTn>
-                              </p:par>
-                            </p:childTnLst>
-                          </p:cTn>
-                        </p:par>
-                      </p:childTnLst>
-                    </p:cTn>
-                  </p:par>
-                </p:childTnLst>
-              </p:cTn>
-              <p:prevCondLst>
-                <p:cond evt="onPrev" delay="0">
-                  <p:tgtEl>
-                    <p:sldTgt/>
-                  </p:tgtEl>
-                </p:cond>
-              </p:prevCondLst>
-              <p:nextCondLst>
-                <p:cond evt="onNext" delay="0">
-                  <p:tgtEl>
-                    <p:sldTgt/>
-                  </p:tgtEl>
-                </p:cond>
-              </p:nextCondLst>
-            </p:seq>
-          </p:childTnLst>
-        </p:cTn>
-      </p:par>
-    </p:tnLst>
-    <p:bldLst>
-      <p:bldP spid="6" grpId="0" animBg="1"/>
-    </p:bldLst>
-  </p:timing>
-</p:sld>
-</file>
-
-<file path=ppt/slides/slide11.xml><?xml version="1.0" encoding="utf-8"?>
-<p:sld xmlns:a="http://schemas.openxmlformats.org/drawingml/2006/main" xmlns:r="http://schemas.openxmlformats.org/officeDocument/2006/relationships" xmlns:p="http://schemas.openxmlformats.org/presentationml/2006/main">
-  <p:cSld>
-    <p:bg>
-      <p:bgPr>
-        <a:solidFill>
-          <a:schemeClr val="bg2"/>
-        </a:solidFill>
-        <a:effectLst/>
-      </p:bgPr>
-    </p:bg>
-    <p:spTree>
-      <p:nvGrpSpPr>
-        <p:cNvPr id="1" name=""/>
-        <p:cNvGrpSpPr/>
-        <p:nvPr/>
-      </p:nvGrpSpPr>
-      <p:grpSpPr>
-        <a:xfrm>
-          <a:off x="0" y="0"/>
-          <a:ext cx="0" cy="0"/>
-          <a:chOff x="0" y="0"/>
-          <a:chExt cx="0" cy="0"/>
-        </a:xfrm>
-      </p:grpSpPr>
-      <p:sp useBgFill="1">
-        <p:nvSpPr>
-          <p:cNvPr id="9" name="Rectangle 8">
-            <a:extLst>
-              <a:ext uri="{FF2B5EF4-FFF2-40B4-BE49-F238E27FC236}">
-                <a16:creationId xmlns:a16="http://schemas.microsoft.com/office/drawing/2014/main" id="{D4D487C0-5910-4D77-AAC5-38583C39A45C}"/>
-              </a:ext>
-              <a:ext uri="{C183D7F6-B498-43B3-948B-1728B52AA6E4}">
-                <adec:decorative xmlns:adec="http://schemas.microsoft.com/office/drawing/2017/decorative" val="1"/>
-              </a:ext>
-            </a:extLst>
-          </p:cNvPr>
-          <p:cNvSpPr>
-            <a:spLocks noGrp="1" noRot="1" noChangeAspect="1" noMove="1" noResize="1" noEditPoints="1" noAdjustHandles="1" noChangeArrowheads="1" noChangeShapeType="1" noTextEdit="1"/>
-          </p:cNvSpPr>
-          <p:nvPr>
-            <p:extLst>
-              <p:ext uri="{386F3935-93C4-4BCD-93E2-E3B085C9AB24}">
-                <p16:designElem xmlns:p16="http://schemas.microsoft.com/office/powerpoint/2015/main" val="1"/>
-              </p:ext>
-            </p:extLst>
-          </p:nvPr>
-        </p:nvSpPr>
-        <p:spPr>
-          <a:xfrm>
-            <a:off x="0" y="0"/>
-            <a:ext cx="12192000" cy="6858000"/>
-          </a:xfrm>
-          <a:prstGeom prst="rect">
-            <a:avLst/>
-          </a:prstGeom>
-          <a:ln>
-            <a:noFill/>
-          </a:ln>
-        </p:spPr>
-        <p:style>
-          <a:lnRef idx="2">
-            <a:schemeClr val="accent1">
-              <a:shade val="50000"/>
-            </a:schemeClr>
-          </a:lnRef>
-          <a:fillRef idx="1">
-            <a:schemeClr val="accent1"/>
-          </a:fillRef>
-          <a:effectRef idx="0">
-            <a:schemeClr val="accent1"/>
-          </a:effectRef>
-          <a:fontRef idx="minor">
-            <a:schemeClr val="lt1"/>
-          </a:fontRef>
-        </p:style>
-        <p:txBody>
-          <a:bodyPr rtlCol="0" anchor="ctr"/>
-          <a:lstStyle/>
-          <a:p>
-            <a:pPr algn="ctr"/>
-            <a:endParaRPr lang="en-US"/>
-          </a:p>
-        </p:txBody>
-      </p:sp>
-      <p:sp>
-        <p:nvSpPr>
-          <p:cNvPr id="2" name="Titre 1">
-            <a:extLst>
-              <a:ext uri="{FF2B5EF4-FFF2-40B4-BE49-F238E27FC236}">
-                <a16:creationId xmlns:a16="http://schemas.microsoft.com/office/drawing/2014/main" id="{4DE9C89A-6272-4F06-93C7-20FCFF63829B}"/>
-              </a:ext>
-            </a:extLst>
-          </p:cNvPr>
-          <p:cNvSpPr>
-            <a:spLocks noGrp="1"/>
-          </p:cNvSpPr>
-          <p:nvPr>
-            <p:ph type="title"/>
-          </p:nvPr>
-        </p:nvSpPr>
-        <p:spPr>
-          <a:xfrm>
-            <a:off x="7213600" y="642594"/>
-            <a:ext cx="4323403" cy="1371600"/>
-          </a:xfrm>
-        </p:spPr>
-        <p:txBody>
-          <a:bodyPr>
-            <a:normAutofit/>
-          </a:bodyPr>
-          <a:lstStyle/>
-          <a:p>
-            <a:r>
-              <a:rPr lang="fr-FR" sz="3700"/>
-              <a:t>"Flow"</a:t>
-            </a:r>
-            <a:br>
-              <a:rPr lang="fr-FR" sz="3700"/>
-            </a:br>
-            <a:r>
-              <a:rPr lang="fr-FR" sz="3700"/>
-              <a:t>le flux de contenu</a:t>
-            </a:r>
-            <a:endParaRPr lang="en-US" sz="3700"/>
-          </a:p>
-        </p:txBody>
-      </p:sp>
-      <p:sp>
-        <p:nvSpPr>
-          <p:cNvPr id="11" name="Rectangle 10">
-            <a:extLst>
-              <a:ext uri="{FF2B5EF4-FFF2-40B4-BE49-F238E27FC236}">
-                <a16:creationId xmlns:a16="http://schemas.microsoft.com/office/drawing/2014/main" id="{6C1AAB63-B4E2-446F-A7F3-0E3A1FCA5074}"/>
-              </a:ext>
-              <a:ext uri="{C183D7F6-B498-43B3-948B-1728B52AA6E4}">
-                <adec:decorative xmlns:adec="http://schemas.microsoft.com/office/drawing/2017/decorative" val="1"/>
-              </a:ext>
-            </a:extLst>
-          </p:cNvPr>
-          <p:cNvSpPr>
-            <a:spLocks noGrp="1" noRot="1" noChangeAspect="1" noMove="1" noResize="1" noEditPoints="1" noAdjustHandles="1" noChangeArrowheads="1" noChangeShapeType="1" noTextEdit="1"/>
-          </p:cNvSpPr>
-          <p:nvPr>
-            <p:extLst>
-              <p:ext uri="{386F3935-93C4-4BCD-93E2-E3B085C9AB24}">
-                <p16:designElem xmlns:p16="http://schemas.microsoft.com/office/powerpoint/2015/main" val="1"/>
-              </p:ext>
-            </p:extLst>
-          </p:nvPr>
-        </p:nvSpPr>
-        <p:spPr>
-          <a:xfrm>
-            <a:off x="0" y="0"/>
-            <a:ext cx="6579451" cy="6858000"/>
-          </a:xfrm>
-          <a:prstGeom prst="rect">
-            <a:avLst/>
-          </a:prstGeom>
-          <a:solidFill>
-            <a:srgbClr val="FFFFFF"/>
-          </a:solidFill>
-          <a:ln>
-            <a:noFill/>
-          </a:ln>
-        </p:spPr>
-        <p:style>
-          <a:lnRef idx="2">
-            <a:schemeClr val="accent1">
-              <a:shade val="50000"/>
-            </a:schemeClr>
-          </a:lnRef>
-          <a:fillRef idx="1">
-            <a:schemeClr val="accent1"/>
-          </a:fillRef>
-          <a:effectRef idx="0">
-            <a:schemeClr val="accent1"/>
-          </a:effectRef>
-          <a:fontRef idx="minor">
-            <a:schemeClr val="lt1"/>
-          </a:fontRef>
-        </p:style>
-        <p:txBody>
-          <a:bodyPr rtlCol="0" anchor="ctr"/>
-          <a:lstStyle/>
-          <a:p>
-            <a:pPr algn="ctr"/>
-            <a:endParaRPr lang="en-US"/>
-          </a:p>
-        </p:txBody>
-      </p:sp>
-      <p:pic>
-        <p:nvPicPr>
-          <p:cNvPr id="4" name="Image 3">
-            <a:extLst>
-              <a:ext uri="{FF2B5EF4-FFF2-40B4-BE49-F238E27FC236}">
-                <a16:creationId xmlns:a16="http://schemas.microsoft.com/office/drawing/2014/main" id="{AA6A56FE-945B-4E36-BE81-FB26A83721C6}"/>
-              </a:ext>
-            </a:extLst>
-          </p:cNvPr>
-          <p:cNvPicPr>
-            <a:picLocks noChangeAspect="1"/>
-          </p:cNvPicPr>
-          <p:nvPr/>
-        </p:nvPicPr>
-        <p:blipFill>
-          <a:blip r:embed="rId2"/>
-          <a:stretch>
-            <a:fillRect/>
-          </a:stretch>
-        </p:blipFill>
-        <p:spPr>
-          <a:xfrm>
-            <a:off x="727654" y="2247919"/>
-            <a:ext cx="5367165" cy="2374969"/>
-          </a:xfrm>
-          <a:prstGeom prst="rect">
-            <a:avLst/>
-          </a:prstGeom>
-        </p:spPr>
-      </p:pic>
-      <p:sp>
-        <p:nvSpPr>
-          <p:cNvPr id="3" name="Espace réservé du contenu 2">
-            <a:extLst>
-              <a:ext uri="{FF2B5EF4-FFF2-40B4-BE49-F238E27FC236}">
-                <a16:creationId xmlns:a16="http://schemas.microsoft.com/office/drawing/2014/main" id="{E5B45966-E913-4A63-BAA5-D611B4F8B0CF}"/>
-              </a:ext>
-            </a:extLst>
-          </p:cNvPr>
-          <p:cNvSpPr>
-            <a:spLocks noGrp="1"/>
-          </p:cNvSpPr>
-          <p:nvPr>
-            <p:ph idx="1"/>
-          </p:nvPr>
-        </p:nvSpPr>
-        <p:spPr>
-          <a:xfrm>
-            <a:off x="7213600" y="2103120"/>
-            <a:ext cx="4323404" cy="3931920"/>
-          </a:xfrm>
-        </p:spPr>
-        <p:txBody>
-          <a:bodyPr>
-            <a:normAutofit/>
-          </a:bodyPr>
-          <a:lstStyle/>
-          <a:p>
-            <a:r>
-              <a:rPr lang="fr-FR"/>
-              <a:t>Les sites Web sont historiquement calqués sur le modèle du document papier, d'où le nom "page Web"</a:t>
-            </a:r>
-          </a:p>
-          <a:p>
-            <a:r>
-              <a:rPr lang="fr-FR"/>
-              <a:t>La disposition du contenu par défaut en CSS suit les même règles que l'imprimerie classique: des éléments </a:t>
-            </a:r>
-            <a:r>
-              <a:rPr lang="fr-FR" b="1"/>
-              <a:t>inline </a:t>
-            </a:r>
-            <a:r>
-              <a:rPr lang="fr-FR"/>
-              <a:t>et des éléments de</a:t>
-            </a:r>
-            <a:r>
-              <a:rPr lang="fr-FR" b="1"/>
-              <a:t> blocs</a:t>
-            </a:r>
-          </a:p>
-          <a:p>
-            <a:r>
-              <a:rPr lang="fr-FR"/>
-              <a:t>Le contenu inline et block occupe toute la largeur disponible, puis s'étend dans le sens de la hauteur</a:t>
-            </a:r>
-          </a:p>
-          <a:p>
-            <a:endParaRPr lang="en-US"/>
-          </a:p>
-        </p:txBody>
-      </p:sp>
-      <p:sp>
-        <p:nvSpPr>
-          <p:cNvPr id="13" name="Rectangle 12">
-            <a:extLst>
-              <a:ext uri="{FF2B5EF4-FFF2-40B4-BE49-F238E27FC236}">
-                <a16:creationId xmlns:a16="http://schemas.microsoft.com/office/drawing/2014/main" id="{6CAEACF9-5825-43E0-B0F8-797C142C2F89}"/>
-              </a:ext>
-              <a:ext uri="{C183D7F6-B498-43B3-948B-1728B52AA6E4}">
-                <adec:decorative xmlns:adec="http://schemas.microsoft.com/office/drawing/2017/decorative" val="1"/>
-              </a:ext>
-            </a:extLst>
-          </p:cNvPr>
-          <p:cNvSpPr>
-            <a:spLocks noGrp="1" noRot="1" noChangeAspect="1" noMove="1" noResize="1" noEditPoints="1" noAdjustHandles="1" noChangeArrowheads="1" noChangeShapeType="1" noTextEdit="1"/>
-          </p:cNvSpPr>
-          <p:nvPr>
-            <p:extLst>
-              <p:ext uri="{386F3935-93C4-4BCD-93E2-E3B085C9AB24}">
-                <p16:designElem xmlns:p16="http://schemas.microsoft.com/office/powerpoint/2015/main" val="1"/>
-              </p:ext>
-            </p:extLst>
-          </p:nvPr>
-        </p:nvSpPr>
-        <p:spPr>
-          <a:xfrm>
-            <a:off x="6927457" y="374904"/>
-            <a:ext cx="4892687" cy="6108192"/>
-          </a:xfrm>
-          <a:prstGeom prst="rect">
-            <a:avLst/>
-          </a:prstGeom>
-          <a:noFill/>
-          <a:ln w="6350" cap="sq" cmpd="sng" algn="ctr">
-            <a:solidFill>
-              <a:schemeClr val="tx1">
-                <a:lumMod val="75000"/>
-                <a:lumOff val="25000"/>
-              </a:schemeClr>
-            </a:solidFill>
-            <a:prstDash val="solid"/>
-            <a:miter lim="800000"/>
-          </a:ln>
-          <a:effectLst/>
-        </p:spPr>
-      </p:sp>
-      <p:sp>
-        <p:nvSpPr>
-          <p:cNvPr id="10" name="Flèche : droite 9">
-            <a:extLst>
-              <a:ext uri="{FF2B5EF4-FFF2-40B4-BE49-F238E27FC236}">
-                <a16:creationId xmlns:a16="http://schemas.microsoft.com/office/drawing/2014/main" id="{AC7D715F-9A2B-408E-ACF5-2AF6FFD314C2}"/>
-              </a:ext>
-            </a:extLst>
-          </p:cNvPr>
-          <p:cNvSpPr/>
-          <p:nvPr/>
-        </p:nvSpPr>
-        <p:spPr>
-          <a:xfrm>
-            <a:off x="727654" y="2580774"/>
-            <a:ext cx="5318214" cy="45719"/>
-          </a:xfrm>
-          <a:prstGeom prst="rightArrow">
-            <a:avLst/>
-          </a:prstGeom>
-          <a:solidFill>
-            <a:srgbClr val="A5300F">
-              <a:alpha val="20000"/>
-            </a:srgbClr>
-          </a:solidFill>
-          <a:ln>
-            <a:noFill/>
-          </a:ln>
-        </p:spPr>
-        <p:style>
-          <a:lnRef idx="2">
-            <a:schemeClr val="accent1">
-              <a:shade val="50000"/>
-            </a:schemeClr>
-          </a:lnRef>
-          <a:fillRef idx="1">
-            <a:schemeClr val="accent1"/>
-          </a:fillRef>
-          <a:effectRef idx="0">
-            <a:schemeClr val="accent1"/>
-          </a:effectRef>
-          <a:fontRef idx="minor">
-            <a:schemeClr val="lt1"/>
-          </a:fontRef>
-        </p:style>
-        <p:txBody>
-          <a:bodyPr rtlCol="0" anchor="ctr"/>
-          <a:lstStyle/>
-          <a:p>
-            <a:pPr algn="ctr"/>
-            <a:endParaRPr lang="en-US"/>
-          </a:p>
-        </p:txBody>
-      </p:sp>
-      <p:sp>
-        <p:nvSpPr>
-          <p:cNvPr id="14" name="Flèche : droite 13">
-            <a:extLst>
-              <a:ext uri="{FF2B5EF4-FFF2-40B4-BE49-F238E27FC236}">
-                <a16:creationId xmlns:a16="http://schemas.microsoft.com/office/drawing/2014/main" id="{DEB240A5-5720-4947-973F-017A0CE7040D}"/>
-              </a:ext>
-            </a:extLst>
-          </p:cNvPr>
-          <p:cNvSpPr/>
-          <p:nvPr/>
-        </p:nvSpPr>
-        <p:spPr>
-          <a:xfrm>
-            <a:off x="729660" y="2679030"/>
-            <a:ext cx="4233366" cy="45719"/>
-          </a:xfrm>
-          <a:prstGeom prst="rightArrow">
-            <a:avLst/>
-          </a:prstGeom>
-          <a:solidFill>
-            <a:srgbClr val="A5300F">
-              <a:alpha val="20000"/>
-            </a:srgbClr>
-          </a:solidFill>
-          <a:ln>
-            <a:noFill/>
-          </a:ln>
-        </p:spPr>
-        <p:style>
-          <a:lnRef idx="2">
-            <a:schemeClr val="accent1">
-              <a:shade val="50000"/>
-            </a:schemeClr>
-          </a:lnRef>
-          <a:fillRef idx="1">
-            <a:schemeClr val="accent1"/>
-          </a:fillRef>
-          <a:effectRef idx="0">
-            <a:schemeClr val="accent1"/>
-          </a:effectRef>
-          <a:fontRef idx="minor">
-            <a:schemeClr val="lt1"/>
-          </a:fontRef>
-        </p:style>
-        <p:txBody>
-          <a:bodyPr rtlCol="0" anchor="ctr"/>
-          <a:lstStyle/>
-          <a:p>
-            <a:pPr algn="ctr"/>
-            <a:endParaRPr lang="en-US"/>
-          </a:p>
-        </p:txBody>
-      </p:sp>
-      <p:sp>
-        <p:nvSpPr>
-          <p:cNvPr id="16" name="ZoneTexte 15">
-            <a:extLst>
-              <a:ext uri="{FF2B5EF4-FFF2-40B4-BE49-F238E27FC236}">
-                <a16:creationId xmlns:a16="http://schemas.microsoft.com/office/drawing/2014/main" id="{BBF99A11-23F0-42B5-9E30-72876BB61E1A}"/>
-              </a:ext>
-            </a:extLst>
-          </p:cNvPr>
-          <p:cNvSpPr txBox="1"/>
-          <p:nvPr/>
-        </p:nvSpPr>
-        <p:spPr>
-          <a:xfrm>
-            <a:off x="4963026" y="2679030"/>
-            <a:ext cx="792079" cy="369332"/>
-          </a:xfrm>
-          <a:prstGeom prst="rect">
-            <a:avLst/>
-          </a:prstGeom>
-        </p:spPr>
-        <p:style>
-          <a:lnRef idx="2">
-            <a:schemeClr val="dk1">
-              <a:shade val="50000"/>
-            </a:schemeClr>
-          </a:lnRef>
-          <a:fillRef idx="1">
-            <a:schemeClr val="dk1"/>
-          </a:fillRef>
-          <a:effectRef idx="0">
-            <a:schemeClr val="dk1"/>
-          </a:effectRef>
-          <a:fontRef idx="minor">
-            <a:schemeClr val="lt1"/>
-          </a:fontRef>
-        </p:style>
-        <p:txBody>
-          <a:bodyPr wrap="square" rtlCol="0">
-            <a:spAutoFit/>
-          </a:bodyPr>
-          <a:lstStyle/>
-          <a:p>
-            <a:r>
-              <a:rPr lang="en-US"/>
-              <a:t>inline</a:t>
-            </a:r>
-          </a:p>
-        </p:txBody>
-      </p:sp>
-      <p:sp>
-        <p:nvSpPr>
-          <p:cNvPr id="17" name="Rectangle 16">
-            <a:extLst>
-              <a:ext uri="{FF2B5EF4-FFF2-40B4-BE49-F238E27FC236}">
-                <a16:creationId xmlns:a16="http://schemas.microsoft.com/office/drawing/2014/main" id="{DE4FDD03-3E76-4F41-8F91-35D58428963D}"/>
-              </a:ext>
-            </a:extLst>
-          </p:cNvPr>
-          <p:cNvSpPr/>
-          <p:nvPr/>
-        </p:nvSpPr>
-        <p:spPr>
-          <a:xfrm>
-            <a:off x="727654" y="2191350"/>
-            <a:ext cx="5318214" cy="289526"/>
-          </a:xfrm>
-          <a:prstGeom prst="rect">
-            <a:avLst/>
-          </a:prstGeom>
-          <a:solidFill>
-            <a:srgbClr val="A5300F">
-              <a:alpha val="20000"/>
-            </a:srgbClr>
-          </a:solidFill>
-        </p:spPr>
-        <p:style>
-          <a:lnRef idx="2">
-            <a:schemeClr val="accent1">
-              <a:shade val="50000"/>
-            </a:schemeClr>
-          </a:lnRef>
-          <a:fillRef idx="1">
-            <a:schemeClr val="accent1"/>
-          </a:fillRef>
-          <a:effectRef idx="0">
-            <a:schemeClr val="accent1"/>
-          </a:effectRef>
-          <a:fontRef idx="minor">
-            <a:schemeClr val="lt1"/>
-          </a:fontRef>
-        </p:style>
-        <p:txBody>
-          <a:bodyPr rtlCol="0" anchor="ctr"/>
-          <a:lstStyle/>
-          <a:p>
-            <a:pPr algn="ctr"/>
-            <a:endParaRPr lang="en-US"/>
-          </a:p>
-        </p:txBody>
-      </p:sp>
-      <p:sp>
-        <p:nvSpPr>
-          <p:cNvPr id="18" name="Rectangle 17">
-            <a:extLst>
-              <a:ext uri="{FF2B5EF4-FFF2-40B4-BE49-F238E27FC236}">
-                <a16:creationId xmlns:a16="http://schemas.microsoft.com/office/drawing/2014/main" id="{C45B02F1-A7D9-40C4-82AF-C1786FC055C3}"/>
-              </a:ext>
-            </a:extLst>
-          </p:cNvPr>
-          <p:cNvSpPr/>
-          <p:nvPr/>
-        </p:nvSpPr>
-        <p:spPr>
-          <a:xfrm>
-            <a:off x="727654" y="4020568"/>
-            <a:ext cx="5318214" cy="212896"/>
-          </a:xfrm>
-          <a:prstGeom prst="rect">
-            <a:avLst/>
-          </a:prstGeom>
-          <a:solidFill>
-            <a:srgbClr val="A5300F">
-              <a:alpha val="20000"/>
-            </a:srgbClr>
-          </a:solidFill>
-        </p:spPr>
-        <p:style>
-          <a:lnRef idx="2">
-            <a:schemeClr val="accent1">
-              <a:shade val="50000"/>
-            </a:schemeClr>
-          </a:lnRef>
-          <a:fillRef idx="1">
-            <a:schemeClr val="accent1"/>
-          </a:fillRef>
-          <a:effectRef idx="0">
-            <a:schemeClr val="accent1"/>
-          </a:effectRef>
-          <a:fontRef idx="minor">
-            <a:schemeClr val="lt1"/>
-          </a:fontRef>
-        </p:style>
-        <p:txBody>
-          <a:bodyPr rtlCol="0" anchor="ctr"/>
-          <a:lstStyle/>
-          <a:p>
-            <a:pPr algn="ctr"/>
-            <a:endParaRPr lang="en-US"/>
-          </a:p>
-        </p:txBody>
-      </p:sp>
-      <p:sp>
-        <p:nvSpPr>
-          <p:cNvPr id="19" name="Rectangle 18">
-            <a:extLst>
-              <a:ext uri="{FF2B5EF4-FFF2-40B4-BE49-F238E27FC236}">
-                <a16:creationId xmlns:a16="http://schemas.microsoft.com/office/drawing/2014/main" id="{D203CB95-A3A8-40D6-B7BE-046F88435611}"/>
-              </a:ext>
-            </a:extLst>
-          </p:cNvPr>
-          <p:cNvSpPr/>
-          <p:nvPr/>
-        </p:nvSpPr>
-        <p:spPr>
-          <a:xfrm>
-            <a:off x="727654" y="3162009"/>
-            <a:ext cx="5318214" cy="819077"/>
-          </a:xfrm>
-          <a:prstGeom prst="rect">
-            <a:avLst/>
-          </a:prstGeom>
-          <a:solidFill>
-            <a:srgbClr val="A5300F">
-              <a:alpha val="20000"/>
-            </a:srgbClr>
-          </a:solidFill>
-        </p:spPr>
-        <p:style>
-          <a:lnRef idx="2">
-            <a:schemeClr val="accent1">
-              <a:shade val="50000"/>
-            </a:schemeClr>
-          </a:lnRef>
-          <a:fillRef idx="1">
-            <a:schemeClr val="accent1"/>
-          </a:fillRef>
-          <a:effectRef idx="0">
-            <a:schemeClr val="accent1"/>
-          </a:effectRef>
-          <a:fontRef idx="minor">
-            <a:schemeClr val="lt1"/>
-          </a:fontRef>
-        </p:style>
-        <p:txBody>
-          <a:bodyPr rtlCol="0" anchor="ctr"/>
-          <a:lstStyle/>
-          <a:p>
-            <a:pPr algn="ctr"/>
-            <a:endParaRPr lang="en-US"/>
-          </a:p>
-        </p:txBody>
-      </p:sp>
-      <p:sp>
-        <p:nvSpPr>
-          <p:cNvPr id="20" name="ZoneTexte 19">
-            <a:extLst>
-              <a:ext uri="{FF2B5EF4-FFF2-40B4-BE49-F238E27FC236}">
-                <a16:creationId xmlns:a16="http://schemas.microsoft.com/office/drawing/2014/main" id="{44AEF42A-D98D-4C31-8207-79F73AFB1C30}"/>
-              </a:ext>
-            </a:extLst>
-          </p:cNvPr>
-          <p:cNvSpPr txBox="1"/>
-          <p:nvPr/>
-        </p:nvSpPr>
-        <p:spPr>
-          <a:xfrm>
-            <a:off x="4963026" y="3757684"/>
-            <a:ext cx="872382" cy="369332"/>
-          </a:xfrm>
-          <a:prstGeom prst="rect">
-            <a:avLst/>
-          </a:prstGeom>
-        </p:spPr>
-        <p:style>
-          <a:lnRef idx="2">
-            <a:schemeClr val="dk1">
-              <a:shade val="50000"/>
-            </a:schemeClr>
-          </a:lnRef>
-          <a:fillRef idx="1">
-            <a:schemeClr val="dk1"/>
-          </a:fillRef>
-          <a:effectRef idx="0">
-            <a:schemeClr val="dk1"/>
-          </a:effectRef>
-          <a:fontRef idx="minor">
-            <a:schemeClr val="lt1"/>
-          </a:fontRef>
-        </p:style>
-        <p:txBody>
-          <a:bodyPr wrap="square" rtlCol="0">
-            <a:spAutoFit/>
-          </a:bodyPr>
-          <a:lstStyle/>
-          <a:p>
-            <a:r>
-              <a:rPr lang="en-US"/>
-              <a:t>block</a:t>
-            </a:r>
-          </a:p>
-        </p:txBody>
-      </p:sp>
-      <p:sp>
-        <p:nvSpPr>
-          <p:cNvPr id="21" name="Flèche : droite 20">
-            <a:extLst>
-              <a:ext uri="{FF2B5EF4-FFF2-40B4-BE49-F238E27FC236}">
-                <a16:creationId xmlns:a16="http://schemas.microsoft.com/office/drawing/2014/main" id="{DFB69C18-63BF-4CB4-822F-8364010AFFF3}"/>
-              </a:ext>
-            </a:extLst>
-          </p:cNvPr>
-          <p:cNvSpPr/>
-          <p:nvPr/>
-        </p:nvSpPr>
-        <p:spPr>
-          <a:xfrm>
-            <a:off x="1040111" y="5406861"/>
-            <a:ext cx="809697" cy="446659"/>
-          </a:xfrm>
-          <a:prstGeom prst="rightArrow">
-            <a:avLst/>
-          </a:prstGeom>
-        </p:spPr>
-        <p:style>
-          <a:lnRef idx="2">
-            <a:schemeClr val="dk1"/>
-          </a:lnRef>
-          <a:fillRef idx="1">
-            <a:schemeClr val="lt1"/>
-          </a:fillRef>
-          <a:effectRef idx="0">
-            <a:schemeClr val="dk1"/>
-          </a:effectRef>
-          <a:fontRef idx="minor">
-            <a:schemeClr val="dk1"/>
-          </a:fontRef>
-        </p:style>
-        <p:txBody>
-          <a:bodyPr rtlCol="0" anchor="ctr"/>
-          <a:lstStyle/>
-          <a:p>
-            <a:pPr algn="ctr"/>
-            <a:endParaRPr lang="en-US"/>
-          </a:p>
-        </p:txBody>
-      </p:sp>
-      <p:sp>
-        <p:nvSpPr>
-          <p:cNvPr id="22" name="Flèche : droite 21">
-            <a:extLst>
-              <a:ext uri="{FF2B5EF4-FFF2-40B4-BE49-F238E27FC236}">
-                <a16:creationId xmlns:a16="http://schemas.microsoft.com/office/drawing/2014/main" id="{5F5FFB27-E645-43CC-96EC-FA260BFEE230}"/>
-              </a:ext>
-            </a:extLst>
-          </p:cNvPr>
-          <p:cNvSpPr/>
-          <p:nvPr/>
-        </p:nvSpPr>
-        <p:spPr>
-          <a:xfrm rot="5400000">
-            <a:off x="3607357" y="5406862"/>
-            <a:ext cx="809697" cy="446659"/>
-          </a:xfrm>
-          <a:prstGeom prst="rightArrow">
-            <a:avLst/>
-          </a:prstGeom>
-        </p:spPr>
-        <p:style>
-          <a:lnRef idx="2">
-            <a:schemeClr val="dk1"/>
-          </a:lnRef>
-          <a:fillRef idx="1">
-            <a:schemeClr val="lt1"/>
-          </a:fillRef>
-          <a:effectRef idx="0">
-            <a:schemeClr val="dk1"/>
-          </a:effectRef>
-          <a:fontRef idx="minor">
-            <a:schemeClr val="dk1"/>
-          </a:fontRef>
-        </p:style>
-        <p:txBody>
-          <a:bodyPr rtlCol="0" anchor="ctr"/>
-          <a:lstStyle/>
-          <a:p>
-            <a:pPr algn="ctr"/>
-            <a:endParaRPr lang="en-US"/>
-          </a:p>
-        </p:txBody>
-      </p:sp>
-      <p:sp>
-        <p:nvSpPr>
-          <p:cNvPr id="24" name="ZoneTexte 23">
-            <a:extLst>
-              <a:ext uri="{FF2B5EF4-FFF2-40B4-BE49-F238E27FC236}">
-                <a16:creationId xmlns:a16="http://schemas.microsoft.com/office/drawing/2014/main" id="{ECA07CCE-DE81-49EA-816B-FAAFE2E66DE4}"/>
-              </a:ext>
-            </a:extLst>
-          </p:cNvPr>
-          <p:cNvSpPr txBox="1"/>
-          <p:nvPr/>
-        </p:nvSpPr>
-        <p:spPr>
-          <a:xfrm>
-            <a:off x="1954443" y="5465460"/>
-            <a:ext cx="935476" cy="369332"/>
-          </a:xfrm>
-          <a:prstGeom prst="rect">
-            <a:avLst/>
-          </a:prstGeom>
-          <a:noFill/>
-        </p:spPr>
-        <p:txBody>
-          <a:bodyPr wrap="square" rtlCol="0">
-            <a:spAutoFit/>
-          </a:bodyPr>
-          <a:lstStyle/>
-          <a:p>
-            <a:r>
-              <a:rPr lang="fr-FR">
-                <a:solidFill>
-                  <a:schemeClr val="bg1"/>
-                </a:solidFill>
-              </a:rPr>
-              <a:t>inline</a:t>
-            </a:r>
-            <a:endParaRPr lang="en-US">
-              <a:solidFill>
-                <a:schemeClr val="bg1"/>
-              </a:solidFill>
-            </a:endParaRPr>
-          </a:p>
-        </p:txBody>
-      </p:sp>
-      <p:sp>
-        <p:nvSpPr>
-          <p:cNvPr id="25" name="ZoneTexte 24">
-            <a:extLst>
-              <a:ext uri="{FF2B5EF4-FFF2-40B4-BE49-F238E27FC236}">
-                <a16:creationId xmlns:a16="http://schemas.microsoft.com/office/drawing/2014/main" id="{22EA80A1-EB71-4C93-BC12-5A86AF528D57}"/>
-              </a:ext>
-            </a:extLst>
-          </p:cNvPr>
-          <p:cNvSpPr txBox="1"/>
-          <p:nvPr/>
-        </p:nvSpPr>
-        <p:spPr>
-          <a:xfrm>
-            <a:off x="4361249" y="5445524"/>
-            <a:ext cx="935476" cy="369332"/>
-          </a:xfrm>
-          <a:prstGeom prst="rect">
-            <a:avLst/>
-          </a:prstGeom>
-          <a:noFill/>
-        </p:spPr>
-        <p:txBody>
-          <a:bodyPr wrap="square" rtlCol="0">
-            <a:spAutoFit/>
-          </a:bodyPr>
-          <a:lstStyle/>
-          <a:p>
-            <a:r>
-              <a:rPr lang="fr-FR">
-                <a:solidFill>
-                  <a:schemeClr val="bg1"/>
-                </a:solidFill>
-              </a:rPr>
-              <a:t>block</a:t>
-            </a:r>
-            <a:endParaRPr lang="en-US">
-              <a:solidFill>
-                <a:schemeClr val="bg1"/>
-              </a:solidFill>
-            </a:endParaRPr>
-          </a:p>
-        </p:txBody>
-      </p:sp>
-    </p:spTree>
-    <p:extLst>
-      <p:ext uri="{BB962C8B-B14F-4D97-AF65-F5344CB8AC3E}">
-        <p14:creationId xmlns:p14="http://schemas.microsoft.com/office/powerpoint/2010/main" val="469110133"/>
-      </p:ext>
-    </p:extLst>
-  </p:cSld>
-  <p:clrMapOvr>
-    <a:masterClrMapping/>
-  </p:clrMapOvr>
-  <p:timing>
-    <p:tnLst>
-      <p:par>
-        <p:cTn id="1" dur="indefinite" restart="never" nodeType="tmRoot">
-          <p:childTnLst>
-            <p:seq concurrent="1" nextAc="seek">
-              <p:cTn id="2" dur="indefinite" nodeType="mainSeq">
-                <p:childTnLst>
-                  <p:par>
-                    <p:cTn id="3" fill="hold">
-                      <p:stCondLst>
-                        <p:cond delay="indefinite"/>
-                      </p:stCondLst>
-                      <p:childTnLst>
-                        <p:par>
-                          <p:cTn id="4" fill="hold">
-                            <p:stCondLst>
-                              <p:cond delay="0"/>
-                            </p:stCondLst>
-                            <p:childTnLst>
-                              <p:par>
-                                <p:cTn id="5" presetID="22" presetClass="entr" presetSubtype="8" fill="hold" grpId="0" nodeType="clickEffect">
-                                  <p:stCondLst>
-                                    <p:cond delay="0"/>
-                                  </p:stCondLst>
-                                  <p:childTnLst>
-                                    <p:set>
-                                      <p:cBhvr>
-                                        <p:cTn id="6" dur="1" fill="hold">
-                                          <p:stCondLst>
-                                            <p:cond delay="0"/>
-                                          </p:stCondLst>
-                                        </p:cTn>
-                                        <p:tgtEl>
-                                          <p:spTgt spid="10"/>
-                                        </p:tgtEl>
-                                        <p:attrNameLst>
-                                          <p:attrName>style.visibility</p:attrName>
-                                        </p:attrNameLst>
-                                      </p:cBhvr>
-                                      <p:to>
-                                        <p:strVal val="visible"/>
-                                      </p:to>
-                                    </p:set>
-                                    <p:animEffect transition="in" filter="wipe(left)">
-                                      <p:cBhvr>
-                                        <p:cTn id="7" dur="500"/>
-                                        <p:tgtEl>
-                                          <p:spTgt spid="10"/>
-                                        </p:tgtEl>
-                                      </p:cBhvr>
-                                    </p:animEffect>
-                                  </p:childTnLst>
-                                </p:cTn>
-                              </p:par>
-                            </p:childTnLst>
-                          </p:cTn>
-                        </p:par>
-                        <p:par>
-                          <p:cTn id="8" fill="hold">
-                            <p:stCondLst>
-                              <p:cond delay="500"/>
-                            </p:stCondLst>
-                            <p:childTnLst>
-                              <p:par>
-                                <p:cTn id="9" presetID="22" presetClass="entr" presetSubtype="8" fill="hold" grpId="0" nodeType="afterEffect">
-                                  <p:stCondLst>
-                                    <p:cond delay="0"/>
-                                  </p:stCondLst>
-                                  <p:childTnLst>
-                                    <p:set>
-                                      <p:cBhvr>
-                                        <p:cTn id="10" dur="1" fill="hold">
-                                          <p:stCondLst>
-                                            <p:cond delay="0"/>
-                                          </p:stCondLst>
-                                        </p:cTn>
-                                        <p:tgtEl>
-                                          <p:spTgt spid="14"/>
-                                        </p:tgtEl>
-                                        <p:attrNameLst>
-                                          <p:attrName>style.visibility</p:attrName>
-                                        </p:attrNameLst>
-                                      </p:cBhvr>
-                                      <p:to>
-                                        <p:strVal val="visible"/>
-                                      </p:to>
-                                    </p:set>
-                                    <p:animEffect transition="in" filter="wipe(left)">
-                                      <p:cBhvr>
-                                        <p:cTn id="11" dur="500"/>
-                                        <p:tgtEl>
-                                          <p:spTgt spid="14"/>
-                                        </p:tgtEl>
-                                      </p:cBhvr>
-                                    </p:animEffect>
-                                  </p:childTnLst>
-                                </p:cTn>
-                              </p:par>
-                            </p:childTnLst>
-                          </p:cTn>
-                        </p:par>
-                        <p:par>
-                          <p:cTn id="12" fill="hold">
-                            <p:stCondLst>
-                              <p:cond delay="1000"/>
-                            </p:stCondLst>
-                            <p:childTnLst>
-                              <p:par>
-                                <p:cTn id="13" presetID="22" presetClass="entr" presetSubtype="8" fill="hold" grpId="0" nodeType="afterEffect">
-                                  <p:stCondLst>
-                                    <p:cond delay="0"/>
-                                  </p:stCondLst>
-                                  <p:childTnLst>
-                                    <p:set>
-                                      <p:cBhvr>
-                                        <p:cTn id="14" dur="1" fill="hold">
-                                          <p:stCondLst>
-                                            <p:cond delay="0"/>
-                                          </p:stCondLst>
-                                        </p:cTn>
-                                        <p:tgtEl>
-                                          <p:spTgt spid="16"/>
-                                        </p:tgtEl>
-                                        <p:attrNameLst>
-                                          <p:attrName>style.visibility</p:attrName>
-                                        </p:attrNameLst>
-                                      </p:cBhvr>
-                                      <p:to>
-                                        <p:strVal val="visible"/>
-                                      </p:to>
-                                    </p:set>
-                                    <p:animEffect transition="in" filter="wipe(left)">
-                                      <p:cBhvr>
-                                        <p:cTn id="15" dur="500"/>
-                                        <p:tgtEl>
-                                          <p:spTgt spid="16"/>
-                                        </p:tgtEl>
-                                      </p:cBhvr>
-                                    </p:animEffect>
-                                  </p:childTnLst>
-                                </p:cTn>
-                              </p:par>
-                            </p:childTnLst>
-                          </p:cTn>
-                        </p:par>
-                      </p:childTnLst>
-                    </p:cTn>
-                  </p:par>
-                  <p:par>
-                    <p:cTn id="16" fill="hold">
-                      <p:stCondLst>
-                        <p:cond delay="indefinite"/>
-                      </p:stCondLst>
-                      <p:childTnLst>
-                        <p:par>
-                          <p:cTn id="17" fill="hold">
-                            <p:stCondLst>
-                              <p:cond delay="0"/>
-                            </p:stCondLst>
-                            <p:childTnLst>
-                              <p:par>
-                                <p:cTn id="18" presetID="10" presetClass="entr" presetSubtype="0" fill="hold" grpId="0" nodeType="clickEffect">
-                                  <p:stCondLst>
-                                    <p:cond delay="0"/>
-                                  </p:stCondLst>
-                                  <p:childTnLst>
-                                    <p:set>
-                                      <p:cBhvr>
-                                        <p:cTn id="19" dur="1" fill="hold">
-                                          <p:stCondLst>
-                                            <p:cond delay="0"/>
-                                          </p:stCondLst>
-                                        </p:cTn>
-                                        <p:tgtEl>
-                                          <p:spTgt spid="18"/>
-                                        </p:tgtEl>
-                                        <p:attrNameLst>
-                                          <p:attrName>style.visibility</p:attrName>
-                                        </p:attrNameLst>
-                                      </p:cBhvr>
-                                      <p:to>
-                                        <p:strVal val="visible"/>
-                                      </p:to>
-                                    </p:set>
-                                    <p:animEffect transition="in" filter="fade">
-                                      <p:cBhvr>
-                                        <p:cTn id="20" dur="500"/>
-                                        <p:tgtEl>
-                                          <p:spTgt spid="18"/>
-                                        </p:tgtEl>
-                                      </p:cBhvr>
-                                    </p:animEffect>
-                                  </p:childTnLst>
-                                </p:cTn>
-                              </p:par>
-                              <p:par>
-                                <p:cTn id="21" presetID="10" presetClass="entr" presetSubtype="0" fill="hold" grpId="0" nodeType="withEffect">
-                                  <p:stCondLst>
-                                    <p:cond delay="0"/>
-                                  </p:stCondLst>
-                                  <p:childTnLst>
-                                    <p:set>
-                                      <p:cBhvr>
-                                        <p:cTn id="22" dur="1" fill="hold">
-                                          <p:stCondLst>
-                                            <p:cond delay="0"/>
-                                          </p:stCondLst>
-                                        </p:cTn>
-                                        <p:tgtEl>
-                                          <p:spTgt spid="19"/>
-                                        </p:tgtEl>
-                                        <p:attrNameLst>
-                                          <p:attrName>style.visibility</p:attrName>
-                                        </p:attrNameLst>
-                                      </p:cBhvr>
-                                      <p:to>
-                                        <p:strVal val="visible"/>
-                                      </p:to>
-                                    </p:set>
-                                    <p:animEffect transition="in" filter="fade">
-                                      <p:cBhvr>
-                                        <p:cTn id="23" dur="500"/>
-                                        <p:tgtEl>
-                                          <p:spTgt spid="19"/>
-                                        </p:tgtEl>
-                                      </p:cBhvr>
-                                    </p:animEffect>
-                                  </p:childTnLst>
-                                </p:cTn>
-                              </p:par>
-                              <p:par>
-                                <p:cTn id="24" presetID="10" presetClass="entr" presetSubtype="0" fill="hold" grpId="0" nodeType="withEffect">
-                                  <p:stCondLst>
-                                    <p:cond delay="0"/>
-                                  </p:stCondLst>
-                                  <p:childTnLst>
-                                    <p:set>
-                                      <p:cBhvr>
-                                        <p:cTn id="25" dur="1" fill="hold">
-                                          <p:stCondLst>
-                                            <p:cond delay="0"/>
-                                          </p:stCondLst>
-                                        </p:cTn>
-                                        <p:tgtEl>
-                                          <p:spTgt spid="17"/>
-                                        </p:tgtEl>
-                                        <p:attrNameLst>
-                                          <p:attrName>style.visibility</p:attrName>
-                                        </p:attrNameLst>
-                                      </p:cBhvr>
-                                      <p:to>
-                                        <p:strVal val="visible"/>
-                                      </p:to>
-                                    </p:set>
-                                    <p:animEffect transition="in" filter="fade">
-                                      <p:cBhvr>
-                                        <p:cTn id="26" dur="500"/>
-                                        <p:tgtEl>
-                                          <p:spTgt spid="17"/>
-                                        </p:tgtEl>
-                                      </p:cBhvr>
-                                    </p:animEffect>
-                                  </p:childTnLst>
-                                </p:cTn>
-                              </p:par>
-                            </p:childTnLst>
-                          </p:cTn>
-                        </p:par>
-                        <p:par>
-                          <p:cTn id="27" fill="hold">
-                            <p:stCondLst>
-                              <p:cond delay="500"/>
-                            </p:stCondLst>
-                            <p:childTnLst>
-                              <p:par>
-                                <p:cTn id="28" presetID="22" presetClass="entr" presetSubtype="8" fill="hold" grpId="0" nodeType="afterEffect">
-                                  <p:stCondLst>
-                                    <p:cond delay="0"/>
-                                  </p:stCondLst>
-                                  <p:childTnLst>
-                                    <p:set>
-                                      <p:cBhvr>
-                                        <p:cTn id="29" dur="1" fill="hold">
-                                          <p:stCondLst>
-                                            <p:cond delay="0"/>
-                                          </p:stCondLst>
-                                        </p:cTn>
-                                        <p:tgtEl>
-                                          <p:spTgt spid="20"/>
-                                        </p:tgtEl>
-                                        <p:attrNameLst>
-                                          <p:attrName>style.visibility</p:attrName>
-                                        </p:attrNameLst>
-                                      </p:cBhvr>
-                                      <p:to>
-                                        <p:strVal val="visible"/>
-                                      </p:to>
-                                    </p:set>
-                                    <p:animEffect transition="in" filter="wipe(left)">
-                                      <p:cBhvr>
-                                        <p:cTn id="30" dur="500"/>
-                                        <p:tgtEl>
-                                          <p:spTgt spid="20"/>
-                                        </p:tgtEl>
-                                      </p:cBhvr>
-                                    </p:animEffect>
-                                  </p:childTnLst>
-                                </p:cTn>
-                              </p:par>
-                            </p:childTnLst>
-                          </p:cTn>
-                        </p:par>
-                      </p:childTnLst>
-                    </p:cTn>
-                  </p:par>
-                </p:childTnLst>
-              </p:cTn>
-              <p:prevCondLst>
-                <p:cond evt="onPrev" delay="0">
-                  <p:tgtEl>
-                    <p:sldTgt/>
-                  </p:tgtEl>
-                </p:cond>
-              </p:prevCondLst>
-              <p:nextCondLst>
-                <p:cond evt="onNext" delay="0">
-                  <p:tgtEl>
-                    <p:sldTgt/>
-                  </p:tgtEl>
-                </p:cond>
-              </p:nextCondLst>
-            </p:seq>
-          </p:childTnLst>
-        </p:cTn>
-      </p:par>
-    </p:tnLst>
-    <p:bldLst>
-      <p:bldP spid="10" grpId="0" animBg="1"/>
-      <p:bldP spid="14" grpId="0" animBg="1"/>
-      <p:bldP spid="16" grpId="0" animBg="1"/>
-      <p:bldP spid="17" grpId="0" animBg="1"/>
-      <p:bldP spid="18" grpId="0" animBg="1"/>
-      <p:bldP spid="19" grpId="0" animBg="1"/>
-      <p:bldP spid="20" grpId="0" animBg="1"/>
-    </p:bldLst>
-  </p:timing>
-</p:sld>
-</file>
-
-<file path=ppt/slides/slide12.xml><?xml version="1.0" encoding="utf-8"?>
-<p:sld xmlns:a="http://schemas.openxmlformats.org/drawingml/2006/main" xmlns:r="http://schemas.openxmlformats.org/officeDocument/2006/relationships" xmlns:p="http://schemas.openxmlformats.org/presentationml/2006/main">
-  <p:cSld>
-    <p:spTree>
-      <p:nvGrpSpPr>
-        <p:cNvPr id="1" name=""/>
-        <p:cNvGrpSpPr/>
-        <p:nvPr/>
-      </p:nvGrpSpPr>
-      <p:grpSpPr>
-        <a:xfrm>
-          <a:off x="0" y="0"/>
-          <a:ext cx="0" cy="0"/>
-          <a:chOff x="0" y="0"/>
-          <a:chExt cx="0" cy="0"/>
-        </a:xfrm>
-      </p:grpSpPr>
-      <p:sp>
-        <p:nvSpPr>
-          <p:cNvPr id="2" name="Titre 1">
-            <a:extLst>
-              <a:ext uri="{FF2B5EF4-FFF2-40B4-BE49-F238E27FC236}">
-                <a16:creationId xmlns:a16="http://schemas.microsoft.com/office/drawing/2014/main" id="{9997D882-EBD1-45E7-8472-5061FA9C6B66}"/>
-              </a:ext>
-            </a:extLst>
-          </p:cNvPr>
-          <p:cNvSpPr>
-            <a:spLocks noGrp="1"/>
-          </p:cNvSpPr>
-          <p:nvPr>
-            <p:ph type="title"/>
-          </p:nvPr>
-        </p:nvSpPr>
-        <p:spPr/>
-        <p:txBody>
-          <a:bodyPr/>
-          <a:lstStyle/>
-          <a:p>
-            <a:r>
-              <a:rPr lang="fr-FR"/>
               <a:t>Modèle de boîte</a:t>
             </a:r>
             <a:endParaRPr lang="en-US"/>
@@ -6186,6 +4665,1881 @@
 </p:sld>
 </file>
 
+<file path=ppt/slides/slide11.xml><?xml version="1.0" encoding="utf-8"?>
+<p:sld xmlns:a="http://schemas.openxmlformats.org/drawingml/2006/main" xmlns:r="http://schemas.openxmlformats.org/officeDocument/2006/relationships" xmlns:p="http://schemas.openxmlformats.org/presentationml/2006/main">
+  <p:cSld>
+    <p:spTree>
+      <p:nvGrpSpPr>
+        <p:cNvPr id="1" name=""/>
+        <p:cNvGrpSpPr/>
+        <p:nvPr/>
+      </p:nvGrpSpPr>
+      <p:grpSpPr>
+        <a:xfrm>
+          <a:off x="0" y="0"/>
+          <a:ext cx="0" cy="0"/>
+          <a:chOff x="0" y="0"/>
+          <a:chExt cx="0" cy="0"/>
+        </a:xfrm>
+      </p:grpSpPr>
+      <p:sp>
+        <p:nvSpPr>
+          <p:cNvPr id="2" name="Titre 1">
+            <a:extLst>
+              <a:ext uri="{FF2B5EF4-FFF2-40B4-BE49-F238E27FC236}">
+                <a16:creationId xmlns:a16="http://schemas.microsoft.com/office/drawing/2014/main" id="{D87F6C8F-FB9D-46F1-B716-BC2C23E5BD36}"/>
+              </a:ext>
+            </a:extLst>
+          </p:cNvPr>
+          <p:cNvSpPr>
+            <a:spLocks noGrp="1"/>
+          </p:cNvSpPr>
+          <p:nvPr>
+            <p:ph type="title"/>
+          </p:nvPr>
+        </p:nvSpPr>
+        <p:spPr/>
+        <p:txBody>
+          <a:bodyPr/>
+          <a:lstStyle/>
+          <a:p>
+            <a:r>
+              <a:rPr lang="fr-FR"/>
+              <a:t>Unités en CSS</a:t>
+            </a:r>
+            <a:endParaRPr lang="en-US"/>
+          </a:p>
+        </p:txBody>
+      </p:sp>
+      <p:sp>
+        <p:nvSpPr>
+          <p:cNvPr id="3" name="Espace réservé du contenu 2">
+            <a:extLst>
+              <a:ext uri="{FF2B5EF4-FFF2-40B4-BE49-F238E27FC236}">
+                <a16:creationId xmlns:a16="http://schemas.microsoft.com/office/drawing/2014/main" id="{8AE7F83B-0E5D-42E4-9E84-47EF96A18948}"/>
+              </a:ext>
+            </a:extLst>
+          </p:cNvPr>
+          <p:cNvSpPr>
+            <a:spLocks noGrp="1"/>
+          </p:cNvSpPr>
+          <p:nvPr>
+            <p:ph idx="1"/>
+          </p:nvPr>
+        </p:nvSpPr>
+        <p:spPr>
+          <a:xfrm>
+            <a:off x="1066800" y="2103120"/>
+            <a:ext cx="4100004" cy="3931920"/>
+          </a:xfrm>
+        </p:spPr>
+        <p:txBody>
+          <a:bodyPr/>
+          <a:lstStyle/>
+          <a:p>
+            <a:pPr marL="0" indent="0">
+              <a:buNone/>
+            </a:pPr>
+            <a:r>
+              <a:rPr lang="fr-FR" u="sng"/>
+              <a:t>Dimensions absolues:</a:t>
+            </a:r>
+          </a:p>
+          <a:p>
+            <a:r>
+              <a:rPr lang="fr-FR"/>
+              <a:t>px</a:t>
+            </a:r>
+          </a:p>
+          <a:p>
+            <a:r>
+              <a:rPr lang="en-US"/>
+              <a:t>cm, mm, in, pc, pt</a:t>
+            </a:r>
+          </a:p>
+          <a:p>
+            <a:endParaRPr lang="fr-FR"/>
+          </a:p>
+          <a:p>
+            <a:pPr marL="0" indent="0">
+              <a:buNone/>
+            </a:pPr>
+            <a:r>
+              <a:rPr lang="fr-FR" u="sng"/>
+              <a:t>Dimensions relatives:</a:t>
+            </a:r>
+          </a:p>
+          <a:p>
+            <a:r>
+              <a:rPr lang="fr-FR"/>
+              <a:t>%</a:t>
+            </a:r>
+          </a:p>
+          <a:p>
+            <a:r>
+              <a:rPr lang="fr-FR"/>
+              <a:t>em, ch</a:t>
+            </a:r>
+          </a:p>
+          <a:p>
+            <a:r>
+              <a:rPr lang="fr-FR"/>
+              <a:t>vh, vw, vmin, vmax</a:t>
+            </a:r>
+          </a:p>
+          <a:p>
+            <a:endParaRPr lang="en-US"/>
+          </a:p>
+        </p:txBody>
+      </p:sp>
+      <p:sp>
+        <p:nvSpPr>
+          <p:cNvPr id="4" name="Espace réservé du contenu 2">
+            <a:extLst>
+              <a:ext uri="{FF2B5EF4-FFF2-40B4-BE49-F238E27FC236}">
+                <a16:creationId xmlns:a16="http://schemas.microsoft.com/office/drawing/2014/main" id="{16DA718E-0E16-41C0-8716-034869A5D419}"/>
+              </a:ext>
+            </a:extLst>
+          </p:cNvPr>
+          <p:cNvSpPr txBox="1">
+            <a:spLocks/>
+          </p:cNvSpPr>
+          <p:nvPr/>
+        </p:nvSpPr>
+        <p:spPr>
+          <a:xfrm>
+            <a:off x="6096000" y="2103120"/>
+            <a:ext cx="5513033" cy="3931920"/>
+          </a:xfrm>
+          <a:prstGeom prst="rect">
+            <a:avLst/>
+          </a:prstGeom>
+        </p:spPr>
+        <p:txBody>
+          <a:bodyPr vert="horz" lIns="91440" tIns="45720" rIns="91440" bIns="45720" rtlCol="0">
+            <a:normAutofit/>
+          </a:bodyPr>
+          <a:lstStyle>
+            <a:lvl1pPr marL="182880" indent="-182880" algn="l" defTabSz="914400" rtl="0" eaLnBrk="1" latinLnBrk="0" hangingPunct="1">
+              <a:lnSpc>
+                <a:spcPct val="100000"/>
+              </a:lnSpc>
+              <a:spcBef>
+                <a:spcPts val="900"/>
+              </a:spcBef>
+              <a:spcAft>
+                <a:spcPts val="0"/>
+              </a:spcAft>
+              <a:buClr>
+                <a:schemeClr val="tx2"/>
+              </a:buClr>
+              <a:buFont typeface="Arial" pitchFamily="34" charset="0"/>
+              <a:buChar char="•"/>
+              <a:defRPr sz="1800" kern="1200">
+                <a:solidFill>
+                  <a:schemeClr val="tx1"/>
+                </a:solidFill>
+                <a:latin typeface="+mn-lt"/>
+                <a:ea typeface="+mn-ea"/>
+                <a:cs typeface="+mn-cs"/>
+              </a:defRPr>
+            </a:lvl1pPr>
+            <a:lvl2pPr marL="457200" indent="-182880" algn="l" defTabSz="914400" rtl="0" eaLnBrk="1" latinLnBrk="0" hangingPunct="1">
+              <a:lnSpc>
+                <a:spcPct val="100000"/>
+              </a:lnSpc>
+              <a:spcBef>
+                <a:spcPts val="500"/>
+              </a:spcBef>
+              <a:buClr>
+                <a:schemeClr val="tx2"/>
+              </a:buClr>
+              <a:buFont typeface="Arial" pitchFamily="34" charset="0"/>
+              <a:buChar char="•"/>
+              <a:defRPr sz="1600" kern="1200">
+                <a:solidFill>
+                  <a:schemeClr val="tx1"/>
+                </a:solidFill>
+                <a:latin typeface="+mn-lt"/>
+                <a:ea typeface="+mn-ea"/>
+                <a:cs typeface="+mn-cs"/>
+              </a:defRPr>
+            </a:lvl2pPr>
+            <a:lvl3pPr marL="731520" indent="-182880" algn="l" defTabSz="914400" rtl="0" eaLnBrk="1" latinLnBrk="0" hangingPunct="1">
+              <a:lnSpc>
+                <a:spcPct val="100000"/>
+              </a:lnSpc>
+              <a:spcBef>
+                <a:spcPts val="500"/>
+              </a:spcBef>
+              <a:buClr>
+                <a:schemeClr val="tx2"/>
+              </a:buClr>
+              <a:buFont typeface="Arial" pitchFamily="34" charset="0"/>
+              <a:buChar char="•"/>
+              <a:defRPr sz="1400" kern="1200">
+                <a:solidFill>
+                  <a:schemeClr val="tx1"/>
+                </a:solidFill>
+                <a:latin typeface="+mn-lt"/>
+                <a:ea typeface="+mn-ea"/>
+                <a:cs typeface="+mn-cs"/>
+              </a:defRPr>
+            </a:lvl3pPr>
+            <a:lvl4pPr marL="1005840" indent="-182880" algn="l" defTabSz="914400" rtl="0" eaLnBrk="1" latinLnBrk="0" hangingPunct="1">
+              <a:lnSpc>
+                <a:spcPct val="100000"/>
+              </a:lnSpc>
+              <a:spcBef>
+                <a:spcPts val="500"/>
+              </a:spcBef>
+              <a:buClr>
+                <a:schemeClr val="tx2"/>
+              </a:buClr>
+              <a:buFont typeface="Arial" pitchFamily="34" charset="0"/>
+              <a:buChar char="•"/>
+              <a:defRPr sz="1400" kern="1200">
+                <a:solidFill>
+                  <a:schemeClr val="tx1"/>
+                </a:solidFill>
+                <a:latin typeface="+mn-lt"/>
+                <a:ea typeface="+mn-ea"/>
+                <a:cs typeface="+mn-cs"/>
+              </a:defRPr>
+            </a:lvl4pPr>
+            <a:lvl5pPr marL="1280160" indent="-182880" algn="l" defTabSz="914400" rtl="0" eaLnBrk="1" latinLnBrk="0" hangingPunct="1">
+              <a:lnSpc>
+                <a:spcPct val="100000"/>
+              </a:lnSpc>
+              <a:spcBef>
+                <a:spcPts val="500"/>
+              </a:spcBef>
+              <a:buClr>
+                <a:schemeClr val="tx2"/>
+              </a:buClr>
+              <a:buFont typeface="Arial" pitchFamily="34" charset="0"/>
+              <a:buChar char="•"/>
+              <a:defRPr sz="1400" kern="1200">
+                <a:solidFill>
+                  <a:schemeClr val="tx1"/>
+                </a:solidFill>
+                <a:latin typeface="+mn-lt"/>
+                <a:ea typeface="+mn-ea"/>
+                <a:cs typeface="+mn-cs"/>
+              </a:defRPr>
+            </a:lvl5pPr>
+            <a:lvl6pPr marL="1600000" indent="-228600" algn="l" defTabSz="914400" rtl="0" eaLnBrk="1" latinLnBrk="0" hangingPunct="1">
+              <a:lnSpc>
+                <a:spcPct val="100000"/>
+              </a:lnSpc>
+              <a:spcBef>
+                <a:spcPts val="500"/>
+              </a:spcBef>
+              <a:buClr>
+                <a:schemeClr val="tx2"/>
+              </a:buClr>
+              <a:buFont typeface="Arial" pitchFamily="34" charset="0"/>
+              <a:buChar char="•"/>
+              <a:defRPr sz="1400" kern="1200">
+                <a:solidFill>
+                  <a:schemeClr val="tx1"/>
+                </a:solidFill>
+                <a:latin typeface="+mn-lt"/>
+                <a:ea typeface="+mn-ea"/>
+                <a:cs typeface="+mn-cs"/>
+              </a:defRPr>
+            </a:lvl6pPr>
+            <a:lvl7pPr marL="1900000" indent="-228600" algn="l" defTabSz="914400" rtl="0" eaLnBrk="1" latinLnBrk="0" hangingPunct="1">
+              <a:lnSpc>
+                <a:spcPct val="100000"/>
+              </a:lnSpc>
+              <a:spcBef>
+                <a:spcPts val="500"/>
+              </a:spcBef>
+              <a:buClr>
+                <a:schemeClr val="tx2"/>
+              </a:buClr>
+              <a:buFont typeface="Arial" pitchFamily="34" charset="0"/>
+              <a:buChar char="•"/>
+              <a:defRPr sz="1400" kern="1200">
+                <a:solidFill>
+                  <a:schemeClr val="tx1"/>
+                </a:solidFill>
+                <a:latin typeface="+mn-lt"/>
+                <a:ea typeface="+mn-ea"/>
+                <a:cs typeface="+mn-cs"/>
+              </a:defRPr>
+            </a:lvl7pPr>
+            <a:lvl8pPr marL="2200000" indent="-228600" algn="l" defTabSz="914400" rtl="0" eaLnBrk="1" latinLnBrk="0" hangingPunct="1">
+              <a:lnSpc>
+                <a:spcPct val="100000"/>
+              </a:lnSpc>
+              <a:spcBef>
+                <a:spcPts val="500"/>
+              </a:spcBef>
+              <a:buClr>
+                <a:schemeClr val="tx2"/>
+              </a:buClr>
+              <a:buFont typeface="Arial" pitchFamily="34" charset="0"/>
+              <a:buChar char="•"/>
+              <a:defRPr sz="1400" kern="1200">
+                <a:solidFill>
+                  <a:schemeClr val="tx1"/>
+                </a:solidFill>
+                <a:latin typeface="+mn-lt"/>
+                <a:ea typeface="+mn-ea"/>
+                <a:cs typeface="+mn-cs"/>
+              </a:defRPr>
+            </a:lvl8pPr>
+            <a:lvl9pPr marL="2500000" indent="-228600" algn="l" defTabSz="914400" rtl="0" eaLnBrk="1" latinLnBrk="0" hangingPunct="1">
+              <a:lnSpc>
+                <a:spcPct val="100000"/>
+              </a:lnSpc>
+              <a:spcBef>
+                <a:spcPts val="500"/>
+              </a:spcBef>
+              <a:buClr>
+                <a:schemeClr val="tx2"/>
+              </a:buClr>
+              <a:buFont typeface="Arial" pitchFamily="34" charset="0"/>
+              <a:buChar char="•"/>
+              <a:defRPr sz="1400" kern="1200">
+                <a:solidFill>
+                  <a:schemeClr val="tx1"/>
+                </a:solidFill>
+                <a:latin typeface="+mn-lt"/>
+                <a:ea typeface="+mn-ea"/>
+                <a:cs typeface="+mn-cs"/>
+              </a:defRPr>
+            </a:lvl9pPr>
+          </a:lstStyle>
+          <a:p>
+            <a:pPr marL="0" indent="0">
+              <a:buFont typeface="Arial" pitchFamily="34" charset="0"/>
+              <a:buNone/>
+            </a:pPr>
+            <a:r>
+              <a:rPr lang="fr-FR" u="sng"/>
+              <a:t>Quiz: quelle unité choisir pour:</a:t>
+            </a:r>
+          </a:p>
+          <a:p>
+            <a:r>
+              <a:rPr lang="fr-FR"/>
+              <a:t>hauteur d'une image JPEG</a:t>
+            </a:r>
+          </a:p>
+          <a:p>
+            <a:r>
+              <a:rPr lang="fr-FR"/>
+              <a:t>taille de police d'un titre &lt;h1&gt;</a:t>
+            </a:r>
+          </a:p>
+          <a:p>
+            <a:r>
+              <a:rPr lang="fr-FR"/>
+              <a:t>épaisseur de bordure d'un tableau</a:t>
+            </a:r>
+          </a:p>
+          <a:p>
+            <a:r>
+              <a:rPr lang="fr-FR"/>
+              <a:t>largeur d'une image SVG</a:t>
+            </a:r>
+          </a:p>
+          <a:p>
+            <a:r>
+              <a:rPr lang="fr-FR"/>
+              <a:t>padding d'une boîte de texte</a:t>
+            </a:r>
+          </a:p>
+          <a:p>
+            <a:r>
+              <a:rPr lang="fr-FR"/>
+              <a:t>largeur d'une colonne </a:t>
+            </a:r>
+            <a:br>
+              <a:rPr lang="fr-FR"/>
+            </a:br>
+            <a:r>
+              <a:rPr lang="fr-FR"/>
+              <a:t>(dans un layout à nombre fixe de colonnes)</a:t>
+            </a:r>
+          </a:p>
+          <a:p>
+            <a:r>
+              <a:rPr lang="fr-FR"/>
+              <a:t>largeur max d'une colonne</a:t>
+            </a:r>
+            <a:br>
+              <a:rPr lang="fr-FR"/>
+            </a:br>
+            <a:r>
+              <a:rPr lang="fr-FR"/>
+              <a:t>(dans un layout à nombre variable de colonnes)</a:t>
+            </a:r>
+            <a:endParaRPr lang="en-US"/>
+          </a:p>
+        </p:txBody>
+      </p:sp>
+      <p:sp>
+        <p:nvSpPr>
+          <p:cNvPr id="5" name="ZoneTexte 4">
+            <a:extLst>
+              <a:ext uri="{FF2B5EF4-FFF2-40B4-BE49-F238E27FC236}">
+                <a16:creationId xmlns:a16="http://schemas.microsoft.com/office/drawing/2014/main" id="{0113B561-2A9D-4880-B04D-F467C31DB86E}"/>
+              </a:ext>
+            </a:extLst>
+          </p:cNvPr>
+          <p:cNvSpPr txBox="1"/>
+          <p:nvPr/>
+        </p:nvSpPr>
+        <p:spPr>
+          <a:xfrm>
+            <a:off x="9685947" y="2474843"/>
+            <a:ext cx="478985" cy="369332"/>
+          </a:xfrm>
+          <a:prstGeom prst="rect">
+            <a:avLst/>
+          </a:prstGeom>
+        </p:spPr>
+        <p:style>
+          <a:lnRef idx="2">
+            <a:schemeClr val="dk1">
+              <a:shade val="50000"/>
+            </a:schemeClr>
+          </a:lnRef>
+          <a:fillRef idx="1">
+            <a:schemeClr val="dk1"/>
+          </a:fillRef>
+          <a:effectRef idx="0">
+            <a:schemeClr val="dk1"/>
+          </a:effectRef>
+          <a:fontRef idx="minor">
+            <a:schemeClr val="lt1"/>
+          </a:fontRef>
+        </p:style>
+        <p:txBody>
+          <a:bodyPr wrap="square" rtlCol="0">
+            <a:spAutoFit/>
+          </a:bodyPr>
+          <a:lstStyle/>
+          <a:p>
+            <a:r>
+              <a:rPr lang="en-US"/>
+              <a:t>px</a:t>
+            </a:r>
+          </a:p>
+        </p:txBody>
+      </p:sp>
+      <p:sp>
+        <p:nvSpPr>
+          <p:cNvPr id="6" name="ZoneTexte 5">
+            <a:extLst>
+              <a:ext uri="{FF2B5EF4-FFF2-40B4-BE49-F238E27FC236}">
+                <a16:creationId xmlns:a16="http://schemas.microsoft.com/office/drawing/2014/main" id="{F94D9F18-944A-4748-821E-BE57FA4F0615}"/>
+              </a:ext>
+            </a:extLst>
+          </p:cNvPr>
+          <p:cNvSpPr txBox="1"/>
+          <p:nvPr/>
+        </p:nvSpPr>
+        <p:spPr>
+          <a:xfrm>
+            <a:off x="9288441" y="3655150"/>
+            <a:ext cx="1125066" cy="369332"/>
+          </a:xfrm>
+          <a:prstGeom prst="rect">
+            <a:avLst/>
+          </a:prstGeom>
+        </p:spPr>
+        <p:style>
+          <a:lnRef idx="2">
+            <a:schemeClr val="dk1">
+              <a:shade val="50000"/>
+            </a:schemeClr>
+          </a:lnRef>
+          <a:fillRef idx="1">
+            <a:schemeClr val="dk1"/>
+          </a:fillRef>
+          <a:effectRef idx="0">
+            <a:schemeClr val="dk1"/>
+          </a:effectRef>
+          <a:fontRef idx="minor">
+            <a:schemeClr val="lt1"/>
+          </a:fontRef>
+        </p:style>
+        <p:txBody>
+          <a:bodyPr wrap="square" rtlCol="0">
+            <a:spAutoFit/>
+          </a:bodyPr>
+          <a:lstStyle/>
+          <a:p>
+            <a:r>
+              <a:rPr lang="en-US"/>
+              <a:t>% ou vw</a:t>
+            </a:r>
+          </a:p>
+        </p:txBody>
+      </p:sp>
+      <p:sp>
+        <p:nvSpPr>
+          <p:cNvPr id="7" name="ZoneTexte 6">
+            <a:extLst>
+              <a:ext uri="{FF2B5EF4-FFF2-40B4-BE49-F238E27FC236}">
+                <a16:creationId xmlns:a16="http://schemas.microsoft.com/office/drawing/2014/main" id="{7DD303F3-5BCA-47E3-92FA-2363D6EB057F}"/>
+              </a:ext>
+            </a:extLst>
+          </p:cNvPr>
+          <p:cNvSpPr txBox="1"/>
+          <p:nvPr/>
+        </p:nvSpPr>
+        <p:spPr>
+          <a:xfrm>
+            <a:off x="10406415" y="3275162"/>
+            <a:ext cx="653375" cy="369332"/>
+          </a:xfrm>
+          <a:prstGeom prst="rect">
+            <a:avLst/>
+          </a:prstGeom>
+        </p:spPr>
+        <p:style>
+          <a:lnRef idx="2">
+            <a:schemeClr val="dk1">
+              <a:shade val="50000"/>
+            </a:schemeClr>
+          </a:lnRef>
+          <a:fillRef idx="1">
+            <a:schemeClr val="dk1"/>
+          </a:fillRef>
+          <a:effectRef idx="0">
+            <a:schemeClr val="dk1"/>
+          </a:effectRef>
+          <a:fontRef idx="minor">
+            <a:schemeClr val="lt1"/>
+          </a:fontRef>
+        </p:style>
+        <p:txBody>
+          <a:bodyPr wrap="square" rtlCol="0">
+            <a:spAutoFit/>
+          </a:bodyPr>
+          <a:lstStyle/>
+          <a:p>
+            <a:r>
+              <a:rPr lang="en-US"/>
+              <a:t>px</a:t>
+            </a:r>
+          </a:p>
+        </p:txBody>
+      </p:sp>
+      <p:sp>
+        <p:nvSpPr>
+          <p:cNvPr id="8" name="ZoneTexte 7">
+            <a:extLst>
+              <a:ext uri="{FF2B5EF4-FFF2-40B4-BE49-F238E27FC236}">
+                <a16:creationId xmlns:a16="http://schemas.microsoft.com/office/drawing/2014/main" id="{CFC06A26-A00F-4D5D-870F-EE9774CC514C}"/>
+              </a:ext>
+            </a:extLst>
+          </p:cNvPr>
+          <p:cNvSpPr txBox="1"/>
+          <p:nvPr/>
+        </p:nvSpPr>
+        <p:spPr>
+          <a:xfrm>
+            <a:off x="9760132" y="2844175"/>
+            <a:ext cx="653375" cy="369332"/>
+          </a:xfrm>
+          <a:prstGeom prst="rect">
+            <a:avLst/>
+          </a:prstGeom>
+        </p:spPr>
+        <p:style>
+          <a:lnRef idx="2">
+            <a:schemeClr val="dk1">
+              <a:shade val="50000"/>
+            </a:schemeClr>
+          </a:lnRef>
+          <a:fillRef idx="1">
+            <a:schemeClr val="dk1"/>
+          </a:fillRef>
+          <a:effectRef idx="0">
+            <a:schemeClr val="dk1"/>
+          </a:effectRef>
+          <a:fontRef idx="minor">
+            <a:schemeClr val="lt1"/>
+          </a:fontRef>
+        </p:style>
+        <p:txBody>
+          <a:bodyPr wrap="square" rtlCol="0">
+            <a:spAutoFit/>
+          </a:bodyPr>
+          <a:lstStyle/>
+          <a:p>
+            <a:r>
+              <a:rPr lang="en-US"/>
+              <a:t>rem</a:t>
+            </a:r>
+          </a:p>
+        </p:txBody>
+      </p:sp>
+      <p:sp>
+        <p:nvSpPr>
+          <p:cNvPr id="9" name="ZoneTexte 8">
+            <a:extLst>
+              <a:ext uri="{FF2B5EF4-FFF2-40B4-BE49-F238E27FC236}">
+                <a16:creationId xmlns:a16="http://schemas.microsoft.com/office/drawing/2014/main" id="{8DDAA29C-1285-4CFC-BB8C-F5062700EDF9}"/>
+              </a:ext>
+            </a:extLst>
+          </p:cNvPr>
+          <p:cNvSpPr txBox="1"/>
+          <p:nvPr/>
+        </p:nvSpPr>
+        <p:spPr>
+          <a:xfrm>
+            <a:off x="9820489" y="4052999"/>
+            <a:ext cx="653375" cy="369332"/>
+          </a:xfrm>
+          <a:prstGeom prst="rect">
+            <a:avLst/>
+          </a:prstGeom>
+        </p:spPr>
+        <p:style>
+          <a:lnRef idx="2">
+            <a:schemeClr val="dk1">
+              <a:shade val="50000"/>
+            </a:schemeClr>
+          </a:lnRef>
+          <a:fillRef idx="1">
+            <a:schemeClr val="dk1"/>
+          </a:fillRef>
+          <a:effectRef idx="0">
+            <a:schemeClr val="dk1"/>
+          </a:effectRef>
+          <a:fontRef idx="minor">
+            <a:schemeClr val="lt1"/>
+          </a:fontRef>
+        </p:style>
+        <p:txBody>
+          <a:bodyPr wrap="square" rtlCol="0">
+            <a:spAutoFit/>
+          </a:bodyPr>
+          <a:lstStyle/>
+          <a:p>
+            <a:r>
+              <a:rPr lang="en-US"/>
+              <a:t>em</a:t>
+            </a:r>
+          </a:p>
+        </p:txBody>
+      </p:sp>
+      <p:sp>
+        <p:nvSpPr>
+          <p:cNvPr id="10" name="ZoneTexte 9">
+            <a:extLst>
+              <a:ext uri="{FF2B5EF4-FFF2-40B4-BE49-F238E27FC236}">
+                <a16:creationId xmlns:a16="http://schemas.microsoft.com/office/drawing/2014/main" id="{B229DACB-A801-40DC-9590-2500514A5929}"/>
+              </a:ext>
+            </a:extLst>
+          </p:cNvPr>
+          <p:cNvSpPr txBox="1"/>
+          <p:nvPr/>
+        </p:nvSpPr>
+        <p:spPr>
+          <a:xfrm>
+            <a:off x="11282346" y="4585677"/>
+            <a:ext cx="409546" cy="369332"/>
+          </a:xfrm>
+          <a:prstGeom prst="rect">
+            <a:avLst/>
+          </a:prstGeom>
+        </p:spPr>
+        <p:style>
+          <a:lnRef idx="2">
+            <a:schemeClr val="dk1">
+              <a:shade val="50000"/>
+            </a:schemeClr>
+          </a:lnRef>
+          <a:fillRef idx="1">
+            <a:schemeClr val="dk1"/>
+          </a:fillRef>
+          <a:effectRef idx="0">
+            <a:schemeClr val="dk1"/>
+          </a:effectRef>
+          <a:fontRef idx="minor">
+            <a:schemeClr val="lt1"/>
+          </a:fontRef>
+        </p:style>
+        <p:txBody>
+          <a:bodyPr wrap="square" rtlCol="0">
+            <a:spAutoFit/>
+          </a:bodyPr>
+          <a:lstStyle/>
+          <a:p>
+            <a:r>
+              <a:rPr lang="en-US"/>
+              <a:t>%</a:t>
+            </a:r>
+          </a:p>
+        </p:txBody>
+      </p:sp>
+      <p:sp>
+        <p:nvSpPr>
+          <p:cNvPr id="11" name="ZoneTexte 10">
+            <a:extLst>
+              <a:ext uri="{FF2B5EF4-FFF2-40B4-BE49-F238E27FC236}">
+                <a16:creationId xmlns:a16="http://schemas.microsoft.com/office/drawing/2014/main" id="{EA3D7DAA-3657-468D-ACE9-8F09BDC083DA}"/>
+              </a:ext>
+            </a:extLst>
+          </p:cNvPr>
+          <p:cNvSpPr txBox="1"/>
+          <p:nvPr/>
+        </p:nvSpPr>
+        <p:spPr>
+          <a:xfrm>
+            <a:off x="10828412" y="5377269"/>
+            <a:ext cx="543883" cy="369332"/>
+          </a:xfrm>
+          <a:prstGeom prst="rect">
+            <a:avLst/>
+          </a:prstGeom>
+        </p:spPr>
+        <p:style>
+          <a:lnRef idx="2">
+            <a:schemeClr val="dk1">
+              <a:shade val="50000"/>
+            </a:schemeClr>
+          </a:lnRef>
+          <a:fillRef idx="1">
+            <a:schemeClr val="dk1"/>
+          </a:fillRef>
+          <a:effectRef idx="0">
+            <a:schemeClr val="dk1"/>
+          </a:effectRef>
+          <a:fontRef idx="minor">
+            <a:schemeClr val="lt1"/>
+          </a:fontRef>
+        </p:style>
+        <p:txBody>
+          <a:bodyPr wrap="square" rtlCol="0">
+            <a:spAutoFit/>
+          </a:bodyPr>
+          <a:lstStyle/>
+          <a:p>
+            <a:r>
+              <a:rPr lang="fr-FR"/>
+              <a:t>px</a:t>
+            </a:r>
+            <a:endParaRPr lang="en-US"/>
+          </a:p>
+        </p:txBody>
+      </p:sp>
+    </p:spTree>
+    <p:extLst>
+      <p:ext uri="{BB962C8B-B14F-4D97-AF65-F5344CB8AC3E}">
+        <p14:creationId xmlns:p14="http://schemas.microsoft.com/office/powerpoint/2010/main" val="3439789739"/>
+      </p:ext>
+    </p:extLst>
+  </p:cSld>
+  <p:clrMapOvr>
+    <a:masterClrMapping/>
+  </p:clrMapOvr>
+  <p:timing>
+    <p:tnLst>
+      <p:par>
+        <p:cTn id="1" dur="indefinite" restart="never" nodeType="tmRoot">
+          <p:childTnLst>
+            <p:seq concurrent="1" nextAc="seek">
+              <p:cTn id="2" dur="indefinite" nodeType="mainSeq">
+                <p:childTnLst>
+                  <p:par>
+                    <p:cTn id="3" fill="hold">
+                      <p:stCondLst>
+                        <p:cond delay="indefinite"/>
+                      </p:stCondLst>
+                      <p:childTnLst>
+                        <p:par>
+                          <p:cTn id="4" fill="hold">
+                            <p:stCondLst>
+                              <p:cond delay="0"/>
+                            </p:stCondLst>
+                            <p:childTnLst>
+                              <p:par>
+                                <p:cTn id="5" presetID="1" presetClass="entr" presetSubtype="0" fill="hold" grpId="0" nodeType="clickEffect">
+                                  <p:stCondLst>
+                                    <p:cond delay="0"/>
+                                  </p:stCondLst>
+                                  <p:childTnLst>
+                                    <p:set>
+                                      <p:cBhvr>
+                                        <p:cTn id="6" dur="1" fill="hold">
+                                          <p:stCondLst>
+                                            <p:cond delay="0"/>
+                                          </p:stCondLst>
+                                        </p:cTn>
+                                        <p:tgtEl>
+                                          <p:spTgt spid="5"/>
+                                        </p:tgtEl>
+                                        <p:attrNameLst>
+                                          <p:attrName>style.visibility</p:attrName>
+                                        </p:attrNameLst>
+                                      </p:cBhvr>
+                                      <p:to>
+                                        <p:strVal val="visible"/>
+                                      </p:to>
+                                    </p:set>
+                                  </p:childTnLst>
+                                </p:cTn>
+                              </p:par>
+                            </p:childTnLst>
+                          </p:cTn>
+                        </p:par>
+                      </p:childTnLst>
+                    </p:cTn>
+                  </p:par>
+                  <p:par>
+                    <p:cTn id="7" fill="hold">
+                      <p:stCondLst>
+                        <p:cond delay="indefinite"/>
+                      </p:stCondLst>
+                      <p:childTnLst>
+                        <p:par>
+                          <p:cTn id="8" fill="hold">
+                            <p:stCondLst>
+                              <p:cond delay="0"/>
+                            </p:stCondLst>
+                            <p:childTnLst>
+                              <p:par>
+                                <p:cTn id="9" presetID="1" presetClass="entr" presetSubtype="0" fill="hold" grpId="0" nodeType="clickEffect">
+                                  <p:stCondLst>
+                                    <p:cond delay="0"/>
+                                  </p:stCondLst>
+                                  <p:childTnLst>
+                                    <p:set>
+                                      <p:cBhvr>
+                                        <p:cTn id="10" dur="1" fill="hold">
+                                          <p:stCondLst>
+                                            <p:cond delay="0"/>
+                                          </p:stCondLst>
+                                        </p:cTn>
+                                        <p:tgtEl>
+                                          <p:spTgt spid="8"/>
+                                        </p:tgtEl>
+                                        <p:attrNameLst>
+                                          <p:attrName>style.visibility</p:attrName>
+                                        </p:attrNameLst>
+                                      </p:cBhvr>
+                                      <p:to>
+                                        <p:strVal val="visible"/>
+                                      </p:to>
+                                    </p:set>
+                                  </p:childTnLst>
+                                </p:cTn>
+                              </p:par>
+                            </p:childTnLst>
+                          </p:cTn>
+                        </p:par>
+                      </p:childTnLst>
+                    </p:cTn>
+                  </p:par>
+                  <p:par>
+                    <p:cTn id="11" fill="hold">
+                      <p:stCondLst>
+                        <p:cond delay="indefinite"/>
+                      </p:stCondLst>
+                      <p:childTnLst>
+                        <p:par>
+                          <p:cTn id="12" fill="hold">
+                            <p:stCondLst>
+                              <p:cond delay="0"/>
+                            </p:stCondLst>
+                            <p:childTnLst>
+                              <p:par>
+                                <p:cTn id="13" presetID="1" presetClass="entr" presetSubtype="0" fill="hold" grpId="0" nodeType="clickEffect">
+                                  <p:stCondLst>
+                                    <p:cond delay="0"/>
+                                  </p:stCondLst>
+                                  <p:childTnLst>
+                                    <p:set>
+                                      <p:cBhvr>
+                                        <p:cTn id="14" dur="1" fill="hold">
+                                          <p:stCondLst>
+                                            <p:cond delay="0"/>
+                                          </p:stCondLst>
+                                        </p:cTn>
+                                        <p:tgtEl>
+                                          <p:spTgt spid="7"/>
+                                        </p:tgtEl>
+                                        <p:attrNameLst>
+                                          <p:attrName>style.visibility</p:attrName>
+                                        </p:attrNameLst>
+                                      </p:cBhvr>
+                                      <p:to>
+                                        <p:strVal val="visible"/>
+                                      </p:to>
+                                    </p:set>
+                                  </p:childTnLst>
+                                </p:cTn>
+                              </p:par>
+                            </p:childTnLst>
+                          </p:cTn>
+                        </p:par>
+                      </p:childTnLst>
+                    </p:cTn>
+                  </p:par>
+                  <p:par>
+                    <p:cTn id="15" fill="hold">
+                      <p:stCondLst>
+                        <p:cond delay="indefinite"/>
+                      </p:stCondLst>
+                      <p:childTnLst>
+                        <p:par>
+                          <p:cTn id="16" fill="hold">
+                            <p:stCondLst>
+                              <p:cond delay="0"/>
+                            </p:stCondLst>
+                            <p:childTnLst>
+                              <p:par>
+                                <p:cTn id="17" presetID="1" presetClass="entr" presetSubtype="0" fill="hold" grpId="0" nodeType="clickEffect">
+                                  <p:stCondLst>
+                                    <p:cond delay="0"/>
+                                  </p:stCondLst>
+                                  <p:childTnLst>
+                                    <p:set>
+                                      <p:cBhvr>
+                                        <p:cTn id="18" dur="1" fill="hold">
+                                          <p:stCondLst>
+                                            <p:cond delay="0"/>
+                                          </p:stCondLst>
+                                        </p:cTn>
+                                        <p:tgtEl>
+                                          <p:spTgt spid="6"/>
+                                        </p:tgtEl>
+                                        <p:attrNameLst>
+                                          <p:attrName>style.visibility</p:attrName>
+                                        </p:attrNameLst>
+                                      </p:cBhvr>
+                                      <p:to>
+                                        <p:strVal val="visible"/>
+                                      </p:to>
+                                    </p:set>
+                                  </p:childTnLst>
+                                </p:cTn>
+                              </p:par>
+                            </p:childTnLst>
+                          </p:cTn>
+                        </p:par>
+                      </p:childTnLst>
+                    </p:cTn>
+                  </p:par>
+                  <p:par>
+                    <p:cTn id="19" fill="hold">
+                      <p:stCondLst>
+                        <p:cond delay="indefinite"/>
+                      </p:stCondLst>
+                      <p:childTnLst>
+                        <p:par>
+                          <p:cTn id="20" fill="hold">
+                            <p:stCondLst>
+                              <p:cond delay="0"/>
+                            </p:stCondLst>
+                            <p:childTnLst>
+                              <p:par>
+                                <p:cTn id="21" presetID="1" presetClass="entr" presetSubtype="0" fill="hold" grpId="0" nodeType="clickEffect">
+                                  <p:stCondLst>
+                                    <p:cond delay="0"/>
+                                  </p:stCondLst>
+                                  <p:childTnLst>
+                                    <p:set>
+                                      <p:cBhvr>
+                                        <p:cTn id="22" dur="1" fill="hold">
+                                          <p:stCondLst>
+                                            <p:cond delay="0"/>
+                                          </p:stCondLst>
+                                        </p:cTn>
+                                        <p:tgtEl>
+                                          <p:spTgt spid="9"/>
+                                        </p:tgtEl>
+                                        <p:attrNameLst>
+                                          <p:attrName>style.visibility</p:attrName>
+                                        </p:attrNameLst>
+                                      </p:cBhvr>
+                                      <p:to>
+                                        <p:strVal val="visible"/>
+                                      </p:to>
+                                    </p:set>
+                                  </p:childTnLst>
+                                </p:cTn>
+                              </p:par>
+                            </p:childTnLst>
+                          </p:cTn>
+                        </p:par>
+                      </p:childTnLst>
+                    </p:cTn>
+                  </p:par>
+                  <p:par>
+                    <p:cTn id="23" fill="hold">
+                      <p:stCondLst>
+                        <p:cond delay="indefinite"/>
+                      </p:stCondLst>
+                      <p:childTnLst>
+                        <p:par>
+                          <p:cTn id="24" fill="hold">
+                            <p:stCondLst>
+                              <p:cond delay="0"/>
+                            </p:stCondLst>
+                            <p:childTnLst>
+                              <p:par>
+                                <p:cTn id="25" presetID="1" presetClass="entr" presetSubtype="0" fill="hold" grpId="0" nodeType="clickEffect">
+                                  <p:stCondLst>
+                                    <p:cond delay="0"/>
+                                  </p:stCondLst>
+                                  <p:childTnLst>
+                                    <p:set>
+                                      <p:cBhvr>
+                                        <p:cTn id="26" dur="1" fill="hold">
+                                          <p:stCondLst>
+                                            <p:cond delay="0"/>
+                                          </p:stCondLst>
+                                        </p:cTn>
+                                        <p:tgtEl>
+                                          <p:spTgt spid="10"/>
+                                        </p:tgtEl>
+                                        <p:attrNameLst>
+                                          <p:attrName>style.visibility</p:attrName>
+                                        </p:attrNameLst>
+                                      </p:cBhvr>
+                                      <p:to>
+                                        <p:strVal val="visible"/>
+                                      </p:to>
+                                    </p:set>
+                                  </p:childTnLst>
+                                </p:cTn>
+                              </p:par>
+                            </p:childTnLst>
+                          </p:cTn>
+                        </p:par>
+                      </p:childTnLst>
+                    </p:cTn>
+                  </p:par>
+                  <p:par>
+                    <p:cTn id="27" fill="hold">
+                      <p:stCondLst>
+                        <p:cond delay="indefinite"/>
+                      </p:stCondLst>
+                      <p:childTnLst>
+                        <p:par>
+                          <p:cTn id="28" fill="hold">
+                            <p:stCondLst>
+                              <p:cond delay="0"/>
+                            </p:stCondLst>
+                            <p:childTnLst>
+                              <p:par>
+                                <p:cTn id="29" presetID="1" presetClass="entr" presetSubtype="0" fill="hold" grpId="0" nodeType="clickEffect">
+                                  <p:stCondLst>
+                                    <p:cond delay="0"/>
+                                  </p:stCondLst>
+                                  <p:childTnLst>
+                                    <p:set>
+                                      <p:cBhvr>
+                                        <p:cTn id="30" dur="1" fill="hold">
+                                          <p:stCondLst>
+                                            <p:cond delay="0"/>
+                                          </p:stCondLst>
+                                        </p:cTn>
+                                        <p:tgtEl>
+                                          <p:spTgt spid="11"/>
+                                        </p:tgtEl>
+                                        <p:attrNameLst>
+                                          <p:attrName>style.visibility</p:attrName>
+                                        </p:attrNameLst>
+                                      </p:cBhvr>
+                                      <p:to>
+                                        <p:strVal val="visible"/>
+                                      </p:to>
+                                    </p:set>
+                                  </p:childTnLst>
+                                </p:cTn>
+                              </p:par>
+                            </p:childTnLst>
+                          </p:cTn>
+                        </p:par>
+                      </p:childTnLst>
+                    </p:cTn>
+                  </p:par>
+                </p:childTnLst>
+              </p:cTn>
+              <p:prevCondLst>
+                <p:cond evt="onPrev" delay="0">
+                  <p:tgtEl>
+                    <p:sldTgt/>
+                  </p:tgtEl>
+                </p:cond>
+              </p:prevCondLst>
+              <p:nextCondLst>
+                <p:cond evt="onNext" delay="0">
+                  <p:tgtEl>
+                    <p:sldTgt/>
+                  </p:tgtEl>
+                </p:cond>
+              </p:nextCondLst>
+            </p:seq>
+          </p:childTnLst>
+        </p:cTn>
+      </p:par>
+    </p:tnLst>
+    <p:bldLst>
+      <p:bldP spid="5" grpId="0" animBg="1"/>
+      <p:bldP spid="6" grpId="0" animBg="1"/>
+      <p:bldP spid="7" grpId="0" animBg="1"/>
+      <p:bldP spid="8" grpId="0" animBg="1"/>
+      <p:bldP spid="9" grpId="0" animBg="1"/>
+      <p:bldP spid="10" grpId="0" animBg="1"/>
+      <p:bldP spid="11" grpId="0" animBg="1"/>
+    </p:bldLst>
+  </p:timing>
+</p:sld>
+</file>
+
+<file path=ppt/slides/slide12.xml><?xml version="1.0" encoding="utf-8"?>
+<p:sld xmlns:a="http://schemas.openxmlformats.org/drawingml/2006/main" xmlns:r="http://schemas.openxmlformats.org/officeDocument/2006/relationships" xmlns:p="http://schemas.openxmlformats.org/presentationml/2006/main">
+  <p:cSld>
+    <p:spTree>
+      <p:nvGrpSpPr>
+        <p:cNvPr id="1" name=""/>
+        <p:cNvGrpSpPr/>
+        <p:nvPr/>
+      </p:nvGrpSpPr>
+      <p:grpSpPr>
+        <a:xfrm>
+          <a:off x="0" y="0"/>
+          <a:ext cx="0" cy="0"/>
+          <a:chOff x="0" y="0"/>
+          <a:chExt cx="0" cy="0"/>
+        </a:xfrm>
+      </p:grpSpPr>
+      <p:sp>
+        <p:nvSpPr>
+          <p:cNvPr id="2" name="Titre 1">
+            <a:extLst>
+              <a:ext uri="{FF2B5EF4-FFF2-40B4-BE49-F238E27FC236}">
+                <a16:creationId xmlns:a16="http://schemas.microsoft.com/office/drawing/2014/main" id="{A453AB8B-436C-4F43-9255-E2539D34772C}"/>
+              </a:ext>
+            </a:extLst>
+          </p:cNvPr>
+          <p:cNvSpPr>
+            <a:spLocks noGrp="1"/>
+          </p:cNvSpPr>
+          <p:nvPr>
+            <p:ph type="title"/>
+          </p:nvPr>
+        </p:nvSpPr>
+        <p:spPr/>
+        <p:txBody>
+          <a:bodyPr/>
+          <a:lstStyle/>
+          <a:p>
+            <a:r>
+              <a:rPr lang="fr-FR"/>
+              <a:t>Media queries</a:t>
+            </a:r>
+            <a:endParaRPr lang="en-US"/>
+          </a:p>
+        </p:txBody>
+      </p:sp>
+      <p:sp>
+        <p:nvSpPr>
+          <p:cNvPr id="3" name="Espace réservé du contenu 2">
+            <a:extLst>
+              <a:ext uri="{FF2B5EF4-FFF2-40B4-BE49-F238E27FC236}">
+                <a16:creationId xmlns:a16="http://schemas.microsoft.com/office/drawing/2014/main" id="{DCA7C4FB-5B2A-4D55-965A-A1C8865F947B}"/>
+              </a:ext>
+            </a:extLst>
+          </p:cNvPr>
+          <p:cNvSpPr>
+            <a:spLocks noGrp="1"/>
+          </p:cNvSpPr>
+          <p:nvPr>
+            <p:ph idx="1"/>
+          </p:nvPr>
+        </p:nvSpPr>
+        <p:spPr/>
+        <p:txBody>
+          <a:bodyPr/>
+          <a:lstStyle/>
+          <a:p>
+            <a:r>
+              <a:rPr lang="fr-FR"/>
+              <a:t>Les requêtes media permettent d'appliquer des règles de style seulement sur un certain type d'appareil ou selon ses caractéristiques: la taille d'écran, son orientation, sa résolution, ses capacités en affichage de couleur etc.</a:t>
+            </a:r>
+          </a:p>
+          <a:p>
+            <a:endParaRPr lang="en-US"/>
+          </a:p>
+          <a:p>
+            <a:endParaRPr lang="en-US"/>
+          </a:p>
+          <a:p>
+            <a:endParaRPr lang="en-US"/>
+          </a:p>
+          <a:p>
+            <a:r>
+              <a:rPr lang="en-US"/>
+              <a:t>Tous ces critères peuvent être combinés avec des opérateurs logiques </a:t>
+            </a:r>
+            <a:r>
+              <a:rPr lang="en-US" b="1">
+                <a:latin typeface="Consolas" panose="020B0609020204030204" pitchFamily="49" charset="0"/>
+              </a:rPr>
+              <a:t>and</a:t>
+            </a:r>
+            <a:r>
+              <a:rPr lang="en-US"/>
+              <a:t> et </a:t>
+            </a:r>
+            <a:r>
+              <a:rPr lang="en-US" b="1">
+                <a:latin typeface="Consolas" panose="020B0609020204030204" pitchFamily="49" charset="0"/>
+              </a:rPr>
+              <a:t>not</a:t>
+            </a:r>
+          </a:p>
+        </p:txBody>
+      </p:sp>
+      <p:sp>
+        <p:nvSpPr>
+          <p:cNvPr id="4" name="ZoneTexte 3">
+            <a:extLst>
+              <a:ext uri="{FF2B5EF4-FFF2-40B4-BE49-F238E27FC236}">
+                <a16:creationId xmlns:a16="http://schemas.microsoft.com/office/drawing/2014/main" id="{64210D81-1F97-4FDB-929F-CAD07FB872B9}"/>
+              </a:ext>
+            </a:extLst>
+          </p:cNvPr>
+          <p:cNvSpPr txBox="1"/>
+          <p:nvPr/>
+        </p:nvSpPr>
+        <p:spPr>
+          <a:xfrm>
+            <a:off x="1066800" y="3145750"/>
+            <a:ext cx="9631279" cy="923330"/>
+          </a:xfrm>
+          <a:prstGeom prst="rect">
+            <a:avLst/>
+          </a:prstGeom>
+        </p:spPr>
+        <p:style>
+          <a:lnRef idx="2">
+            <a:schemeClr val="dk1">
+              <a:shade val="50000"/>
+            </a:schemeClr>
+          </a:lnRef>
+          <a:fillRef idx="1">
+            <a:schemeClr val="dk1"/>
+          </a:fillRef>
+          <a:effectRef idx="0">
+            <a:schemeClr val="dk1"/>
+          </a:effectRef>
+          <a:fontRef idx="minor">
+            <a:schemeClr val="lt1"/>
+          </a:fontRef>
+        </p:style>
+        <p:txBody>
+          <a:bodyPr wrap="square" rtlCol="0">
+            <a:spAutoFit/>
+          </a:bodyPr>
+          <a:lstStyle/>
+          <a:p>
+            <a:r>
+              <a:rPr lang="en-US"/>
+              <a:t>@media print {</a:t>
+            </a:r>
+          </a:p>
+          <a:p>
+            <a:r>
+              <a:rPr lang="en-US"/>
+              <a:t>   img { display: none; } /* retire les images des impressions papier de la page web */</a:t>
+            </a:r>
+          </a:p>
+          <a:p>
+            <a:r>
+              <a:rPr lang="en-US"/>
+              <a:t>}</a:t>
+            </a:r>
+          </a:p>
+        </p:txBody>
+      </p:sp>
+      <p:sp>
+        <p:nvSpPr>
+          <p:cNvPr id="7" name="ZoneTexte 6">
+            <a:extLst>
+              <a:ext uri="{FF2B5EF4-FFF2-40B4-BE49-F238E27FC236}">
+                <a16:creationId xmlns:a16="http://schemas.microsoft.com/office/drawing/2014/main" id="{BF29D507-924A-41AD-946F-B85B2F035EC5}"/>
+              </a:ext>
+            </a:extLst>
+          </p:cNvPr>
+          <p:cNvSpPr txBox="1"/>
+          <p:nvPr/>
+        </p:nvSpPr>
+        <p:spPr>
+          <a:xfrm>
+            <a:off x="1066800" y="4650045"/>
+            <a:ext cx="9631279" cy="923330"/>
+          </a:xfrm>
+          <a:prstGeom prst="rect">
+            <a:avLst/>
+          </a:prstGeom>
+        </p:spPr>
+        <p:style>
+          <a:lnRef idx="2">
+            <a:schemeClr val="dk1">
+              <a:shade val="50000"/>
+            </a:schemeClr>
+          </a:lnRef>
+          <a:fillRef idx="1">
+            <a:schemeClr val="dk1"/>
+          </a:fillRef>
+          <a:effectRef idx="0">
+            <a:schemeClr val="dk1"/>
+          </a:effectRef>
+          <a:fontRef idx="minor">
+            <a:schemeClr val="lt1"/>
+          </a:fontRef>
+        </p:style>
+        <p:txBody>
+          <a:bodyPr wrap="square" rtlCol="0">
+            <a:spAutoFit/>
+          </a:bodyPr>
+          <a:lstStyle/>
+          <a:p>
+            <a:r>
+              <a:rPr lang="en-US"/>
+              <a:t>@media screen and (min-width: 30em) and (orientation: landscape) { ... }</a:t>
+            </a:r>
+          </a:p>
+          <a:p>
+            <a:r>
+              <a:rPr lang="en-US"/>
+              <a:t>@media (not(hover)) { ... }</a:t>
+            </a:r>
+          </a:p>
+          <a:p>
+            <a:r>
+              <a:rPr lang="en-US"/>
+              <a:t>@media (480px &lt;= width &lt;= 960px) { ... }</a:t>
+            </a:r>
+          </a:p>
+        </p:txBody>
+      </p:sp>
+      <p:sp>
+        <p:nvSpPr>
+          <p:cNvPr id="9" name="Flèche : droite 8">
+            <a:hlinkClick r:id="rId2"/>
+            <a:extLst>
+              <a:ext uri="{FF2B5EF4-FFF2-40B4-BE49-F238E27FC236}">
+                <a16:creationId xmlns:a16="http://schemas.microsoft.com/office/drawing/2014/main" id="{A2DF74DA-286F-49BC-A704-DFC2C3B1A83D}"/>
+              </a:ext>
+            </a:extLst>
+          </p:cNvPr>
+          <p:cNvSpPr/>
+          <p:nvPr/>
+        </p:nvSpPr>
+        <p:spPr>
+          <a:xfrm>
+            <a:off x="6959600" y="6146800"/>
+            <a:ext cx="5232401" cy="711200"/>
+          </a:xfrm>
+          <a:prstGeom prst="rightArrow">
+            <a:avLst/>
+          </a:prstGeom>
+        </p:spPr>
+        <p:style>
+          <a:lnRef idx="2">
+            <a:schemeClr val="accent1">
+              <a:shade val="50000"/>
+            </a:schemeClr>
+          </a:lnRef>
+          <a:fillRef idx="1">
+            <a:schemeClr val="accent1"/>
+          </a:fillRef>
+          <a:effectRef idx="0">
+            <a:schemeClr val="accent1"/>
+          </a:effectRef>
+          <a:fontRef idx="minor">
+            <a:schemeClr val="lt1"/>
+          </a:fontRef>
+        </p:style>
+        <p:txBody>
+          <a:bodyPr rtlCol="0" anchor="ctr"/>
+          <a:lstStyle/>
+          <a:p>
+            <a:pPr algn="ctr"/>
+            <a:r>
+              <a:rPr lang="fr-FR"/>
+              <a:t>Plus d'informations: MDN</a:t>
+            </a:r>
+            <a:endParaRPr lang="en-US"/>
+          </a:p>
+        </p:txBody>
+      </p:sp>
+    </p:spTree>
+    <p:extLst>
+      <p:ext uri="{BB962C8B-B14F-4D97-AF65-F5344CB8AC3E}">
+        <p14:creationId xmlns:p14="http://schemas.microsoft.com/office/powerpoint/2010/main" val="549971339"/>
+      </p:ext>
+    </p:extLst>
+  </p:cSld>
+  <p:clrMapOvr>
+    <a:masterClrMapping/>
+  </p:clrMapOvr>
+  <p:timing>
+    <p:tnLst>
+      <p:par>
+        <p:cTn id="1" dur="indefinite" restart="never" nodeType="tmRoot">
+          <p:childTnLst>
+            <p:seq concurrent="1" nextAc="seek">
+              <p:cTn id="2" dur="indefinite" nodeType="mainSeq">
+                <p:childTnLst>
+                  <p:par>
+                    <p:cTn id="3" fill="hold">
+                      <p:stCondLst>
+                        <p:cond delay="indefinite"/>
+                      </p:stCondLst>
+                      <p:childTnLst>
+                        <p:par>
+                          <p:cTn id="4" fill="hold">
+                            <p:stCondLst>
+                              <p:cond delay="0"/>
+                            </p:stCondLst>
+                            <p:childTnLst>
+                              <p:par>
+                                <p:cTn id="5" presetID="2" presetClass="entr" presetSubtype="4" fill="hold" grpId="0" nodeType="clickEffect">
+                                  <p:stCondLst>
+                                    <p:cond delay="0"/>
+                                  </p:stCondLst>
+                                  <p:childTnLst>
+                                    <p:set>
+                                      <p:cBhvr>
+                                        <p:cTn id="6" dur="1" fill="hold">
+                                          <p:stCondLst>
+                                            <p:cond delay="0"/>
+                                          </p:stCondLst>
+                                        </p:cTn>
+                                        <p:tgtEl>
+                                          <p:spTgt spid="9"/>
+                                        </p:tgtEl>
+                                        <p:attrNameLst>
+                                          <p:attrName>style.visibility</p:attrName>
+                                        </p:attrNameLst>
+                                      </p:cBhvr>
+                                      <p:to>
+                                        <p:strVal val="visible"/>
+                                      </p:to>
+                                    </p:set>
+                                    <p:anim calcmode="lin" valueType="num">
+                                      <p:cBhvr additive="base">
+                                        <p:cTn id="7" dur="500" fill="hold"/>
+                                        <p:tgtEl>
+                                          <p:spTgt spid="9"/>
+                                        </p:tgtEl>
+                                        <p:attrNameLst>
+                                          <p:attrName>ppt_x</p:attrName>
+                                        </p:attrNameLst>
+                                      </p:cBhvr>
+                                      <p:tavLst>
+                                        <p:tav tm="0">
+                                          <p:val>
+                                            <p:strVal val="#ppt_x"/>
+                                          </p:val>
+                                        </p:tav>
+                                        <p:tav tm="100000">
+                                          <p:val>
+                                            <p:strVal val="#ppt_x"/>
+                                          </p:val>
+                                        </p:tav>
+                                      </p:tavLst>
+                                    </p:anim>
+                                    <p:anim calcmode="lin" valueType="num">
+                                      <p:cBhvr additive="base">
+                                        <p:cTn id="8" dur="500" fill="hold"/>
+                                        <p:tgtEl>
+                                          <p:spTgt spid="9"/>
+                                        </p:tgtEl>
+                                        <p:attrNameLst>
+                                          <p:attrName>ppt_y</p:attrName>
+                                        </p:attrNameLst>
+                                      </p:cBhvr>
+                                      <p:tavLst>
+                                        <p:tav tm="0">
+                                          <p:val>
+                                            <p:strVal val="1+#ppt_h/2"/>
+                                          </p:val>
+                                        </p:tav>
+                                        <p:tav tm="100000">
+                                          <p:val>
+                                            <p:strVal val="#ppt_y"/>
+                                          </p:val>
+                                        </p:tav>
+                                      </p:tavLst>
+                                    </p:anim>
+                                  </p:childTnLst>
+                                </p:cTn>
+                              </p:par>
+                            </p:childTnLst>
+                          </p:cTn>
+                        </p:par>
+                      </p:childTnLst>
+                    </p:cTn>
+                  </p:par>
+                </p:childTnLst>
+              </p:cTn>
+              <p:prevCondLst>
+                <p:cond evt="onPrev" delay="0">
+                  <p:tgtEl>
+                    <p:sldTgt/>
+                  </p:tgtEl>
+                </p:cond>
+              </p:prevCondLst>
+              <p:nextCondLst>
+                <p:cond evt="onNext" delay="0">
+                  <p:tgtEl>
+                    <p:sldTgt/>
+                  </p:tgtEl>
+                </p:cond>
+              </p:nextCondLst>
+            </p:seq>
+          </p:childTnLst>
+        </p:cTn>
+      </p:par>
+    </p:tnLst>
+    <p:bldLst>
+      <p:bldP spid="9" grpId="0" animBg="1"/>
+    </p:bldLst>
+  </p:timing>
+</p:sld>
+</file>
+
+<file path=ppt/slides/slide13.xml><?xml version="1.0" encoding="utf-8"?>
+<p:sld xmlns:a="http://schemas.openxmlformats.org/drawingml/2006/main" xmlns:r="http://schemas.openxmlformats.org/officeDocument/2006/relationships" xmlns:p="http://schemas.openxmlformats.org/presentationml/2006/main">
+  <p:cSld>
+    <p:spTree>
+      <p:nvGrpSpPr>
+        <p:cNvPr id="1" name=""/>
+        <p:cNvGrpSpPr/>
+        <p:nvPr/>
+      </p:nvGrpSpPr>
+      <p:grpSpPr>
+        <a:xfrm>
+          <a:off x="0" y="0"/>
+          <a:ext cx="0" cy="0"/>
+          <a:chOff x="0" y="0"/>
+          <a:chExt cx="0" cy="0"/>
+        </a:xfrm>
+      </p:grpSpPr>
+      <p:sp>
+        <p:nvSpPr>
+          <p:cNvPr id="2" name="Titre 1">
+            <a:extLst>
+              <a:ext uri="{FF2B5EF4-FFF2-40B4-BE49-F238E27FC236}">
+                <a16:creationId xmlns:a16="http://schemas.microsoft.com/office/drawing/2014/main" id="{9997D882-EBD1-45E7-8472-5061FA9C6B66}"/>
+              </a:ext>
+            </a:extLst>
+          </p:cNvPr>
+          <p:cNvSpPr>
+            <a:spLocks noGrp="1"/>
+          </p:cNvSpPr>
+          <p:nvPr>
+            <p:ph type="title"/>
+          </p:nvPr>
+        </p:nvSpPr>
+        <p:spPr/>
+        <p:txBody>
+          <a:bodyPr/>
+          <a:lstStyle/>
+          <a:p>
+            <a:r>
+              <a:rPr lang="fr-FR"/>
+              <a:t>Responsive Web Design</a:t>
+            </a:r>
+            <a:endParaRPr lang="en-US"/>
+          </a:p>
+        </p:txBody>
+      </p:sp>
+      <p:sp>
+        <p:nvSpPr>
+          <p:cNvPr id="3" name="Espace réservé du contenu 2">
+            <a:extLst>
+              <a:ext uri="{FF2B5EF4-FFF2-40B4-BE49-F238E27FC236}">
+                <a16:creationId xmlns:a16="http://schemas.microsoft.com/office/drawing/2014/main" id="{045131B1-F347-4553-821A-1C91D0527CE1}"/>
+              </a:ext>
+            </a:extLst>
+          </p:cNvPr>
+          <p:cNvSpPr>
+            <a:spLocks noGrp="1"/>
+          </p:cNvSpPr>
+          <p:nvPr>
+            <p:ph idx="1"/>
+          </p:nvPr>
+        </p:nvSpPr>
+        <p:spPr/>
+        <p:txBody>
+          <a:bodyPr/>
+          <a:lstStyle/>
+          <a:p>
+            <a:r>
+              <a:rPr lang="fr-FR"/>
+              <a:t>Le RWD, c'est l'approche de conception des sites web désormais incontournable en 2022 qui consiste à faire des sites avec une expérience optimale peu importe la gamme d'appareil de l'utilisateur (smartphones, tablettes, laptop, desktop...)</a:t>
+            </a:r>
+          </a:p>
+          <a:p>
+            <a:r>
+              <a:rPr lang="fr-FR"/>
+              <a:t>Un site dit "</a:t>
+            </a:r>
+            <a:r>
+              <a:rPr lang="fr-FR" i="1"/>
+              <a:t>responsive</a:t>
+            </a:r>
+            <a:r>
+              <a:rPr lang="fr-FR"/>
+              <a:t>" va avoir une mise en page flexible, en privilégiant des </a:t>
+            </a:r>
+            <a:r>
+              <a:rPr lang="fr-FR" b="1"/>
+              <a:t>dimensions relatives</a:t>
+            </a:r>
+            <a:r>
+              <a:rPr lang="fr-FR"/>
+              <a:t> et en utilisant des </a:t>
+            </a:r>
+            <a:r>
+              <a:rPr lang="fr-FR" b="1"/>
+              <a:t>media queries</a:t>
+            </a:r>
+            <a:r>
+              <a:rPr lang="fr-FR"/>
+              <a:t> pour adapter l'interface à toutes les résolutions et moyens d'interactions (souris, tactile...)</a:t>
+            </a:r>
+            <a:endParaRPr lang="en-US"/>
+          </a:p>
+        </p:txBody>
+      </p:sp>
+      <p:pic>
+        <p:nvPicPr>
+          <p:cNvPr id="5" name="Image 4">
+            <a:extLst>
+              <a:ext uri="{FF2B5EF4-FFF2-40B4-BE49-F238E27FC236}">
+                <a16:creationId xmlns:a16="http://schemas.microsoft.com/office/drawing/2014/main" id="{2BC01A83-109E-4953-AD54-4269D6EDC43B}"/>
+              </a:ext>
+            </a:extLst>
+          </p:cNvPr>
+          <p:cNvPicPr>
+            <a:picLocks noChangeAspect="1"/>
+          </p:cNvPicPr>
+          <p:nvPr/>
+        </p:nvPicPr>
+        <p:blipFill>
+          <a:blip r:embed="rId2"/>
+          <a:stretch>
+            <a:fillRect/>
+          </a:stretch>
+        </p:blipFill>
+        <p:spPr>
+          <a:xfrm>
+            <a:off x="4483799" y="3910679"/>
+            <a:ext cx="3224401" cy="2363491"/>
+          </a:xfrm>
+          <a:prstGeom prst="rect">
+            <a:avLst/>
+          </a:prstGeom>
+        </p:spPr>
+      </p:pic>
+      <p:sp>
+        <p:nvSpPr>
+          <p:cNvPr id="6" name="Flèche : droite 5">
+            <a:hlinkClick r:id="rId3"/>
+            <a:extLst>
+              <a:ext uri="{FF2B5EF4-FFF2-40B4-BE49-F238E27FC236}">
+                <a16:creationId xmlns:a16="http://schemas.microsoft.com/office/drawing/2014/main" id="{26F37A37-513C-4420-BB19-EBD68A39C24D}"/>
+              </a:ext>
+            </a:extLst>
+          </p:cNvPr>
+          <p:cNvSpPr/>
+          <p:nvPr/>
+        </p:nvSpPr>
+        <p:spPr>
+          <a:xfrm>
+            <a:off x="6959600" y="6146800"/>
+            <a:ext cx="5232401" cy="711200"/>
+          </a:xfrm>
+          <a:prstGeom prst="rightArrow">
+            <a:avLst/>
+          </a:prstGeom>
+        </p:spPr>
+        <p:style>
+          <a:lnRef idx="2">
+            <a:schemeClr val="accent1">
+              <a:shade val="50000"/>
+            </a:schemeClr>
+          </a:lnRef>
+          <a:fillRef idx="1">
+            <a:schemeClr val="accent1"/>
+          </a:fillRef>
+          <a:effectRef idx="0">
+            <a:schemeClr val="accent1"/>
+          </a:effectRef>
+          <a:fontRef idx="minor">
+            <a:schemeClr val="lt1"/>
+          </a:fontRef>
+        </p:style>
+        <p:txBody>
+          <a:bodyPr rtlCol="0" anchor="ctr"/>
+          <a:lstStyle/>
+          <a:p>
+            <a:pPr algn="ctr"/>
+            <a:r>
+              <a:rPr lang="fr-FR"/>
+              <a:t>Démo: OneCake</a:t>
+            </a:r>
+            <a:endParaRPr lang="en-US"/>
+          </a:p>
+        </p:txBody>
+      </p:sp>
+    </p:spTree>
+    <p:extLst>
+      <p:ext uri="{BB962C8B-B14F-4D97-AF65-F5344CB8AC3E}">
+        <p14:creationId xmlns:p14="http://schemas.microsoft.com/office/powerpoint/2010/main" val="618679524"/>
+      </p:ext>
+    </p:extLst>
+  </p:cSld>
+  <p:clrMapOvr>
+    <a:masterClrMapping/>
+  </p:clrMapOvr>
+  <p:timing>
+    <p:tnLst>
+      <p:par>
+        <p:cTn id="1" dur="indefinite" restart="never" nodeType="tmRoot">
+          <p:childTnLst>
+            <p:seq concurrent="1" nextAc="seek">
+              <p:cTn id="2" dur="indefinite" nodeType="mainSeq">
+                <p:childTnLst>
+                  <p:par>
+                    <p:cTn id="3" fill="hold">
+                      <p:stCondLst>
+                        <p:cond delay="indefinite"/>
+                      </p:stCondLst>
+                      <p:childTnLst>
+                        <p:par>
+                          <p:cTn id="4" fill="hold">
+                            <p:stCondLst>
+                              <p:cond delay="0"/>
+                            </p:stCondLst>
+                            <p:childTnLst>
+                              <p:par>
+                                <p:cTn id="5" presetID="2" presetClass="entr" presetSubtype="4" fill="hold" grpId="0" nodeType="clickEffect">
+                                  <p:stCondLst>
+                                    <p:cond delay="0"/>
+                                  </p:stCondLst>
+                                  <p:childTnLst>
+                                    <p:set>
+                                      <p:cBhvr>
+                                        <p:cTn id="6" dur="1" fill="hold">
+                                          <p:stCondLst>
+                                            <p:cond delay="0"/>
+                                          </p:stCondLst>
+                                        </p:cTn>
+                                        <p:tgtEl>
+                                          <p:spTgt spid="6"/>
+                                        </p:tgtEl>
+                                        <p:attrNameLst>
+                                          <p:attrName>style.visibility</p:attrName>
+                                        </p:attrNameLst>
+                                      </p:cBhvr>
+                                      <p:to>
+                                        <p:strVal val="visible"/>
+                                      </p:to>
+                                    </p:set>
+                                    <p:anim calcmode="lin" valueType="num">
+                                      <p:cBhvr additive="base">
+                                        <p:cTn id="7" dur="500" fill="hold"/>
+                                        <p:tgtEl>
+                                          <p:spTgt spid="6"/>
+                                        </p:tgtEl>
+                                        <p:attrNameLst>
+                                          <p:attrName>ppt_x</p:attrName>
+                                        </p:attrNameLst>
+                                      </p:cBhvr>
+                                      <p:tavLst>
+                                        <p:tav tm="0">
+                                          <p:val>
+                                            <p:strVal val="#ppt_x"/>
+                                          </p:val>
+                                        </p:tav>
+                                        <p:tav tm="100000">
+                                          <p:val>
+                                            <p:strVal val="#ppt_x"/>
+                                          </p:val>
+                                        </p:tav>
+                                      </p:tavLst>
+                                    </p:anim>
+                                    <p:anim calcmode="lin" valueType="num">
+                                      <p:cBhvr additive="base">
+                                        <p:cTn id="8" dur="500" fill="hold"/>
+                                        <p:tgtEl>
+                                          <p:spTgt spid="6"/>
+                                        </p:tgtEl>
+                                        <p:attrNameLst>
+                                          <p:attrName>ppt_y</p:attrName>
+                                        </p:attrNameLst>
+                                      </p:cBhvr>
+                                      <p:tavLst>
+                                        <p:tav tm="0">
+                                          <p:val>
+                                            <p:strVal val="1+#ppt_h/2"/>
+                                          </p:val>
+                                        </p:tav>
+                                        <p:tav tm="100000">
+                                          <p:val>
+                                            <p:strVal val="#ppt_y"/>
+                                          </p:val>
+                                        </p:tav>
+                                      </p:tavLst>
+                                    </p:anim>
+                                  </p:childTnLst>
+                                </p:cTn>
+                              </p:par>
+                            </p:childTnLst>
+                          </p:cTn>
+                        </p:par>
+                      </p:childTnLst>
+                    </p:cTn>
+                  </p:par>
+                </p:childTnLst>
+              </p:cTn>
+              <p:prevCondLst>
+                <p:cond evt="onPrev" delay="0">
+                  <p:tgtEl>
+                    <p:sldTgt/>
+                  </p:tgtEl>
+                </p:cond>
+              </p:prevCondLst>
+              <p:nextCondLst>
+                <p:cond evt="onNext" delay="0">
+                  <p:tgtEl>
+                    <p:sldTgt/>
+                  </p:tgtEl>
+                </p:cond>
+              </p:nextCondLst>
+            </p:seq>
+          </p:childTnLst>
+        </p:cTn>
+      </p:par>
+    </p:tnLst>
+    <p:bldLst>
+      <p:bldP spid="6" grpId="0" animBg="1"/>
+    </p:bldLst>
+  </p:timing>
+</p:sld>
+</file>
+
 <file path=ppt/slides/slide2.xml><?xml version="1.0" encoding="utf-8"?>
 <p:sld xmlns:a="http://schemas.openxmlformats.org/drawingml/2006/main" xmlns:r="http://schemas.openxmlformats.org/officeDocument/2006/relationships" xmlns:p="http://schemas.openxmlformats.org/presentationml/2006/main">
   <p:cSld>
@@ -6257,8 +6611,8 @@
         </p:nvSpPr>
         <p:spPr>
           <a:xfrm>
-            <a:off x="1103312" y="1460500"/>
-            <a:ext cx="8946541" cy="4787899"/>
+            <a:off x="1103312" y="1460501"/>
+            <a:ext cx="10021888" cy="4603968"/>
           </a:xfrm>
         </p:spPr>
         <p:txBody>
@@ -6295,7 +6649,7 @@
           <a:p>
             <a:r>
               <a:rPr lang="fr-FR"/>
-              <a:t>Fondamentaux de CSS</a:t>
+              <a:t>CSS</a:t>
             </a:r>
           </a:p>
           <a:p>
@@ -6317,20 +6671,6 @@
             <a:r>
               <a:rPr lang="fr-FR"/>
               <a:t>Héritage</a:t>
-            </a:r>
-          </a:p>
-          <a:p>
-            <a:pPr lvl="1"/>
-            <a:r>
-              <a:rPr lang="fr-FR"/>
-              <a:t>Media queries</a:t>
-            </a:r>
-          </a:p>
-          <a:p>
-            <a:pPr lvl="1"/>
-            <a:r>
-              <a:rPr lang="fr-FR"/>
-              <a:t>Responsive Web Design</a:t>
             </a:r>
           </a:p>
           <a:p>
@@ -6364,133 +6704,6 @@
             <a:endParaRPr lang="fr-FR"/>
           </a:p>
           <a:p>
-            <a:r>
-              <a:rPr lang="fr-FR" err="1"/>
-              <a:t>Layout</a:t>
-            </a:r>
-            <a:endParaRPr lang="fr-FR"/>
-          </a:p>
-          <a:p>
-            <a:pPr lvl="1"/>
-            <a:r>
-              <a:rPr lang="fr-FR"/>
-              <a:t>Flux de contenu</a:t>
-            </a:r>
-          </a:p>
-          <a:p>
-            <a:pPr lvl="1"/>
-            <a:r>
-              <a:rPr lang="fr-FR"/>
-              <a:t>Modèle de boîte</a:t>
-            </a:r>
-          </a:p>
-          <a:p>
-            <a:pPr lvl="1"/>
-            <a:r>
-              <a:rPr lang="fr-FR"/>
-              <a:t>Dimensions et Unités</a:t>
-            </a:r>
-          </a:p>
-          <a:p>
-            <a:pPr lvl="1"/>
-            <a:r>
-              <a:rPr lang="fr-FR"/>
-              <a:t>Inline &amp; Block</a:t>
-            </a:r>
-          </a:p>
-          <a:p>
-            <a:pPr lvl="1"/>
-            <a:r>
-              <a:rPr lang="fr-FR"/>
-              <a:t>Flex</a:t>
-            </a:r>
-          </a:p>
-          <a:p>
-            <a:pPr lvl="1"/>
-            <a:r>
-              <a:rPr lang="fr-FR"/>
-              <a:t>Grid</a:t>
-            </a:r>
-          </a:p>
-          <a:p>
-            <a:pPr lvl="1"/>
-            <a:endParaRPr lang="fr-FR"/>
-          </a:p>
-          <a:p>
-            <a:pPr lvl="1"/>
-            <a:endParaRPr lang="fr-FR"/>
-          </a:p>
-          <a:p>
-            <a:pPr lvl="1"/>
-            <a:endParaRPr lang="fr-FR"/>
-          </a:p>
-          <a:p>
-            <a:pPr lvl="1"/>
-            <a:endParaRPr lang="fr-FR"/>
-          </a:p>
-          <a:p>
-            <a:pPr lvl="1"/>
-            <a:endParaRPr lang="fr-FR"/>
-          </a:p>
-          <a:p>
-            <a:pPr lvl="1"/>
-            <a:endParaRPr lang="fr-FR"/>
-          </a:p>
-          <a:p>
-            <a:pPr lvl="1"/>
-            <a:endParaRPr lang="fr-FR"/>
-          </a:p>
-          <a:p>
-            <a:pPr lvl="1"/>
-            <a:endParaRPr lang="fr-FR"/>
-          </a:p>
-          <a:p>
-            <a:r>
-              <a:rPr lang="fr-FR"/>
-              <a:t>Fonctionnalités</a:t>
-            </a:r>
-          </a:p>
-          <a:p>
-            <a:pPr lvl="1"/>
-            <a:r>
-              <a:rPr lang="fr-FR"/>
-              <a:t>Typographie</a:t>
-            </a:r>
-          </a:p>
-          <a:p>
-            <a:pPr lvl="1"/>
-            <a:r>
-              <a:rPr lang="fr-FR"/>
-              <a:t>Backgrounds &amp; Images</a:t>
-            </a:r>
-          </a:p>
-          <a:p>
-            <a:pPr lvl="1"/>
-            <a:r>
-              <a:rPr lang="fr-FR"/>
-              <a:t>Formes &amp; Graphisme</a:t>
-            </a:r>
-          </a:p>
-          <a:p>
-            <a:pPr lvl="1"/>
-            <a:r>
-              <a:rPr lang="fr-FR"/>
-              <a:t>Animations &amp; </a:t>
-            </a:r>
-            <a:r>
-              <a:rPr lang="fr-FR" err="1"/>
-              <a:t>Transforms</a:t>
-            </a:r>
-            <a:endParaRPr lang="fr-FR"/>
-          </a:p>
-          <a:p>
-            <a:pPr lvl="1"/>
-            <a:r>
-              <a:rPr lang="fr-FR"/>
-              <a:t>Interactions</a:t>
-            </a:r>
-          </a:p>
-          <a:p>
             <a:pPr marL="274320" lvl="1" indent="0">
               <a:buNone/>
             </a:pPr>
@@ -6499,50 +6712,183 @@
           <a:p>
             <a:r>
               <a:rPr lang="fr-FR"/>
-              <a:t>Outillage</a:t>
+              <a:t>Layout</a:t>
             </a:r>
           </a:p>
           <a:p>
             <a:pPr lvl="1"/>
             <a:r>
               <a:rPr lang="fr-FR"/>
-              <a:t>Utilitaires</a:t>
+              <a:t>Flux de contenu</a:t>
             </a:r>
           </a:p>
           <a:p>
             <a:pPr lvl="1"/>
             <a:r>
               <a:rPr lang="fr-FR"/>
-              <a:t>Processeurs</a:t>
+              <a:t>Modèle de boîte</a:t>
             </a:r>
           </a:p>
           <a:p>
             <a:pPr lvl="1"/>
             <a:r>
               <a:rPr lang="fr-FR"/>
-              <a:t>Modules CSS</a:t>
+              <a:t>Inline &amp; Block</a:t>
             </a:r>
           </a:p>
           <a:p>
             <a:pPr lvl="1"/>
             <a:r>
               <a:rPr lang="fr-FR"/>
-              <a:t>CSS in JS</a:t>
+              <a:t>Flex</a:t>
             </a:r>
           </a:p>
           <a:p>
             <a:pPr lvl="1"/>
             <a:r>
-              <a:rPr lang="fr-FR" err="1"/>
-              <a:t>Devtools</a:t>
-            </a:r>
-            <a:endParaRPr lang="fr-FR"/>
+              <a:rPr lang="fr-FR"/>
+              <a:t>Grid</a:t>
+            </a:r>
+          </a:p>
+          <a:p>
+            <a:pPr lvl="1"/>
+            <a:r>
+              <a:rPr lang="fr-FR"/>
+              <a:t>Dimensions et Unités</a:t>
+            </a:r>
+          </a:p>
+          <a:p>
+            <a:pPr lvl="1"/>
+            <a:r>
+              <a:rPr lang="fr-FR"/>
+              <a:t>Media queries</a:t>
+            </a:r>
+          </a:p>
+          <a:p>
+            <a:pPr lvl="1"/>
+            <a:r>
+              <a:rPr lang="fr-FR"/>
+              <a:t>Responsive Web Design</a:t>
+            </a:r>
           </a:p>
           <a:p>
             <a:pPr marL="0" indent="0">
               <a:buNone/>
             </a:pPr>
             <a:endParaRPr lang="fr-FR"/>
+          </a:p>
+          <a:p>
+            <a:pPr lvl="1"/>
+            <a:endParaRPr lang="fr-FR"/>
+          </a:p>
+          <a:p>
+            <a:pPr lvl="1"/>
+            <a:endParaRPr lang="fr-FR"/>
+          </a:p>
+          <a:p>
+            <a:pPr marL="274320" lvl="1" indent="0">
+              <a:buNone/>
+            </a:pPr>
+            <a:endParaRPr lang="fr-FR"/>
+          </a:p>
+          <a:p>
+            <a:pPr marL="274320" lvl="1" indent="0">
+              <a:buNone/>
+            </a:pPr>
+            <a:endParaRPr lang="fr-FR"/>
+          </a:p>
+          <a:p>
+            <a:r>
+              <a:rPr lang="fr-FR"/>
+              <a:t>Fonctionnalités</a:t>
+            </a:r>
+          </a:p>
+          <a:p>
+            <a:pPr lvl="1"/>
+            <a:r>
+              <a:rPr lang="fr-FR"/>
+              <a:t>Typographie</a:t>
+            </a:r>
+          </a:p>
+          <a:p>
+            <a:pPr lvl="1"/>
+            <a:r>
+              <a:rPr lang="fr-FR"/>
+              <a:t>Backgrounds &amp; Images</a:t>
+            </a:r>
+          </a:p>
+          <a:p>
+            <a:pPr lvl="1"/>
+            <a:r>
+              <a:rPr lang="fr-FR"/>
+              <a:t>Formes &amp; Graphisme</a:t>
+            </a:r>
+          </a:p>
+          <a:p>
+            <a:pPr lvl="1"/>
+            <a:r>
+              <a:rPr lang="fr-FR"/>
+              <a:t>Animations &amp; </a:t>
+            </a:r>
+            <a:r>
+              <a:rPr lang="fr-FR" err="1"/>
+              <a:t>Transforms</a:t>
+            </a:r>
+            <a:endParaRPr lang="fr-FR"/>
+          </a:p>
+          <a:p>
+            <a:pPr lvl="1"/>
+            <a:r>
+              <a:rPr lang="fr-FR"/>
+              <a:t>Interactions</a:t>
+            </a:r>
+          </a:p>
+          <a:p>
+            <a:pPr marL="274320" lvl="1" indent="0">
+              <a:buNone/>
+            </a:pPr>
+            <a:endParaRPr lang="fr-FR"/>
+          </a:p>
+          <a:p>
+            <a:r>
+              <a:rPr lang="fr-FR"/>
+              <a:t>Outillage</a:t>
+            </a:r>
+          </a:p>
+          <a:p>
+            <a:pPr lvl="1"/>
+            <a:r>
+              <a:rPr lang="fr-FR"/>
+              <a:t>Utilitaires</a:t>
+            </a:r>
+          </a:p>
+          <a:p>
+            <a:pPr lvl="1"/>
+            <a:r>
+              <a:rPr lang="fr-FR"/>
+              <a:t>Processeurs</a:t>
+            </a:r>
+          </a:p>
+          <a:p>
+            <a:pPr lvl="1"/>
+            <a:r>
+              <a:rPr lang="fr-FR"/>
+              <a:t>Modules CSS</a:t>
+            </a:r>
+          </a:p>
+          <a:p>
+            <a:pPr lvl="1"/>
+            <a:r>
+              <a:rPr lang="fr-FR"/>
+              <a:t>CSS in JS</a:t>
+            </a:r>
+          </a:p>
+          <a:p>
+            <a:pPr lvl="1"/>
+            <a:r>
+              <a:rPr lang="fr-FR"/>
+              <a:t>Devtools</a:t>
+            </a:r>
           </a:p>
         </p:txBody>
       </p:sp>
@@ -6743,6 +7089,56 @@
           </a:extLst>
         </p:spPr>
       </p:pic>
+      <p:sp>
+        <p:nvSpPr>
+          <p:cNvPr id="5" name="Flèche : droite 4">
+            <a:extLst>
+              <a:ext uri="{FF2B5EF4-FFF2-40B4-BE49-F238E27FC236}">
+                <a16:creationId xmlns:a16="http://schemas.microsoft.com/office/drawing/2014/main" id="{98572F4E-A874-4701-B006-C4E5BE1F7931}"/>
+              </a:ext>
+            </a:extLst>
+          </p:cNvPr>
+          <p:cNvSpPr/>
+          <p:nvPr/>
+        </p:nvSpPr>
+        <p:spPr>
+          <a:xfrm>
+            <a:off x="6959600" y="6146800"/>
+            <a:ext cx="5232401" cy="711200"/>
+          </a:xfrm>
+          <a:prstGeom prst="rightArrow">
+            <a:avLst/>
+          </a:prstGeom>
+        </p:spPr>
+        <p:style>
+          <a:lnRef idx="2">
+            <a:schemeClr val="accent1">
+              <a:shade val="50000"/>
+            </a:schemeClr>
+          </a:lnRef>
+          <a:fillRef idx="1">
+            <a:schemeClr val="accent1"/>
+          </a:fillRef>
+          <a:effectRef idx="0">
+            <a:schemeClr val="accent1"/>
+          </a:effectRef>
+          <a:fontRef idx="minor">
+            <a:schemeClr val="lt1"/>
+          </a:fontRef>
+        </p:style>
+        <p:txBody>
+          <a:bodyPr rtlCol="0" anchor="ctr"/>
+          <a:lstStyle/>
+          <a:p>
+            <a:pPr algn="ctr"/>
+            <a:r>
+              <a:rPr lang="fr-FR"/>
+              <a:t>Combien de tags connaissez-vous ?</a:t>
+            </a:r>
+            <a:endParaRPr lang="en-US"/>
+          </a:p>
+        </p:txBody>
+      </p:sp>
     </p:spTree>
     <p:extLst>
       <p:ext uri="{BB962C8B-B14F-4D97-AF65-F5344CB8AC3E}">
@@ -6753,6 +7149,130 @@
   <p:clrMapOvr>
     <a:masterClrMapping/>
   </p:clrMapOvr>
+  <p:timing>
+    <p:tnLst>
+      <p:par>
+        <p:cTn id="1" dur="indefinite" restart="never" nodeType="tmRoot">
+          <p:childTnLst>
+            <p:seq concurrent="1" nextAc="seek">
+              <p:cTn id="2" dur="indefinite" nodeType="mainSeq">
+                <p:childTnLst>
+                  <p:par>
+                    <p:cTn id="3" fill="hold">
+                      <p:stCondLst>
+                        <p:cond delay="indefinite"/>
+                      </p:stCondLst>
+                      <p:childTnLst>
+                        <p:par>
+                          <p:cTn id="4" fill="hold">
+                            <p:stCondLst>
+                              <p:cond delay="0"/>
+                            </p:stCondLst>
+                            <p:childTnLst>
+                              <p:par>
+                                <p:cTn id="5" presetID="2" presetClass="entr" presetSubtype="4" fill="hold" grpId="0" nodeType="clickEffect">
+                                  <p:stCondLst>
+                                    <p:cond delay="0"/>
+                                  </p:stCondLst>
+                                  <p:childTnLst>
+                                    <p:set>
+                                      <p:cBhvr>
+                                        <p:cTn id="6" dur="1" fill="hold">
+                                          <p:stCondLst>
+                                            <p:cond delay="0"/>
+                                          </p:stCondLst>
+                                        </p:cTn>
+                                        <p:tgtEl>
+                                          <p:spTgt spid="5"/>
+                                        </p:tgtEl>
+                                        <p:attrNameLst>
+                                          <p:attrName>style.visibility</p:attrName>
+                                        </p:attrNameLst>
+                                      </p:cBhvr>
+                                      <p:to>
+                                        <p:strVal val="visible"/>
+                                      </p:to>
+                                    </p:set>
+                                    <p:anim calcmode="lin" valueType="num">
+                                      <p:cBhvr additive="base">
+                                        <p:cTn id="7" dur="500" fill="hold"/>
+                                        <p:tgtEl>
+                                          <p:spTgt spid="5"/>
+                                        </p:tgtEl>
+                                        <p:attrNameLst>
+                                          <p:attrName>ppt_x</p:attrName>
+                                        </p:attrNameLst>
+                                      </p:cBhvr>
+                                      <p:tavLst>
+                                        <p:tav tm="0">
+                                          <p:val>
+                                            <p:strVal val="#ppt_x"/>
+                                          </p:val>
+                                        </p:tav>
+                                        <p:tav tm="100000">
+                                          <p:val>
+                                            <p:strVal val="#ppt_x"/>
+                                          </p:val>
+                                        </p:tav>
+                                      </p:tavLst>
+                                    </p:anim>
+                                    <p:anim calcmode="lin" valueType="num">
+                                      <p:cBhvr additive="base">
+                                        <p:cTn id="8" dur="500" fill="hold"/>
+                                        <p:tgtEl>
+                                          <p:spTgt spid="5"/>
+                                        </p:tgtEl>
+                                        <p:attrNameLst>
+                                          <p:attrName>ppt_y</p:attrName>
+                                        </p:attrNameLst>
+                                      </p:cBhvr>
+                                      <p:tavLst>
+                                        <p:tav tm="0">
+                                          <p:val>
+                                            <p:strVal val="1+#ppt_h/2"/>
+                                          </p:val>
+                                        </p:tav>
+                                        <p:tav tm="100000">
+                                          <p:val>
+                                            <p:strVal val="#ppt_y"/>
+                                          </p:val>
+                                        </p:tav>
+                                      </p:tavLst>
+                                    </p:anim>
+                                  </p:childTnLst>
+                                </p:cTn>
+                              </p:par>
+                            </p:childTnLst>
+                          </p:cTn>
+                        </p:par>
+                      </p:childTnLst>
+                    </p:cTn>
+                  </p:par>
+                </p:childTnLst>
+              </p:cTn>
+              <p:prevCondLst>
+                <p:cond evt="onPrev" delay="0">
+                  <p:tgtEl>
+                    <p:sldTgt/>
+                  </p:tgtEl>
+                </p:cond>
+              </p:prevCondLst>
+              <p:nextCondLst>
+                <p:cond evt="onNext" delay="0">
+                  <p:tgtEl>
+                    <p:sldTgt/>
+                  </p:tgtEl>
+                </p:cond>
+              </p:nextCondLst>
+            </p:seq>
+          </p:childTnLst>
+        </p:cTn>
+      </p:par>
+    </p:tnLst>
+    <p:bldLst>
+      <p:bldP spid="5" grpId="0" animBg="1"/>
+    </p:bldLst>
+  </p:timing>
 </p:sld>
 </file>
 
@@ -11510,6 +12030,14 @@
 <file path=ppt/slides/slide9.xml><?xml version="1.0" encoding="utf-8"?>
 <p:sld xmlns:a="http://schemas.openxmlformats.org/drawingml/2006/main" xmlns:r="http://schemas.openxmlformats.org/officeDocument/2006/relationships" xmlns:p="http://schemas.openxmlformats.org/presentationml/2006/main">
   <p:cSld>
+    <p:bg>
+      <p:bgPr>
+        <a:solidFill>
+          <a:schemeClr val="bg2"/>
+        </a:solidFill>
+        <a:effectLst/>
+      </p:bgPr>
+    </p:bg>
     <p:spTree>
       <p:nvGrpSpPr>
         <p:cNvPr id="1" name=""/>
@@ -11524,12 +12052,72 @@
           <a:chExt cx="0" cy="0"/>
         </a:xfrm>
       </p:grpSpPr>
+      <p:sp useBgFill="1">
+        <p:nvSpPr>
+          <p:cNvPr id="9" name="Rectangle 8">
+            <a:extLst>
+              <a:ext uri="{FF2B5EF4-FFF2-40B4-BE49-F238E27FC236}">
+                <a16:creationId xmlns:a16="http://schemas.microsoft.com/office/drawing/2014/main" id="{D4D487C0-5910-4D77-AAC5-38583C39A45C}"/>
+              </a:ext>
+              <a:ext uri="{C183D7F6-B498-43B3-948B-1728B52AA6E4}">
+                <adec:decorative xmlns:adec="http://schemas.microsoft.com/office/drawing/2017/decorative" val="1"/>
+              </a:ext>
+            </a:extLst>
+          </p:cNvPr>
+          <p:cNvSpPr>
+            <a:spLocks noGrp="1" noRot="1" noChangeAspect="1" noMove="1" noResize="1" noEditPoints="1" noAdjustHandles="1" noChangeArrowheads="1" noChangeShapeType="1" noTextEdit="1"/>
+          </p:cNvSpPr>
+          <p:nvPr>
+            <p:extLst>
+              <p:ext uri="{386F3935-93C4-4BCD-93E2-E3B085C9AB24}">
+                <p16:designElem xmlns:p16="http://schemas.microsoft.com/office/powerpoint/2015/main" val="1"/>
+              </p:ext>
+            </p:extLst>
+          </p:nvPr>
+        </p:nvSpPr>
+        <p:spPr>
+          <a:xfrm>
+            <a:off x="0" y="0"/>
+            <a:ext cx="12192000" cy="6858000"/>
+          </a:xfrm>
+          <a:prstGeom prst="rect">
+            <a:avLst/>
+          </a:prstGeom>
+          <a:ln>
+            <a:noFill/>
+          </a:ln>
+        </p:spPr>
+        <p:style>
+          <a:lnRef idx="2">
+            <a:schemeClr val="accent1">
+              <a:shade val="50000"/>
+            </a:schemeClr>
+          </a:lnRef>
+          <a:fillRef idx="1">
+            <a:schemeClr val="accent1"/>
+          </a:fillRef>
+          <a:effectRef idx="0">
+            <a:schemeClr val="accent1"/>
+          </a:effectRef>
+          <a:fontRef idx="minor">
+            <a:schemeClr val="lt1"/>
+          </a:fontRef>
+        </p:style>
+        <p:txBody>
+          <a:bodyPr rtlCol="0" anchor="ctr"/>
+          <a:lstStyle/>
+          <a:p>
+            <a:pPr algn="ctr"/>
+            <a:endParaRPr lang="en-US"/>
+          </a:p>
+        </p:txBody>
+      </p:sp>
       <p:sp>
         <p:nvSpPr>
           <p:cNvPr id="2" name="Titre 1">
             <a:extLst>
               <a:ext uri="{FF2B5EF4-FFF2-40B4-BE49-F238E27FC236}">
-                <a16:creationId xmlns:a16="http://schemas.microsoft.com/office/drawing/2014/main" id="{A453AB8B-436C-4F43-9255-E2539D34772C}"/>
+                <a16:creationId xmlns:a16="http://schemas.microsoft.com/office/drawing/2014/main" id="{4DE9C89A-6272-4F06-93C7-20FCFF63829B}"/>
               </a:ext>
             </a:extLst>
           </p:cNvPr>
@@ -11540,25 +12128,132 @@
             <p:ph type="title"/>
           </p:nvPr>
         </p:nvSpPr>
-        <p:spPr/>
+        <p:spPr>
+          <a:xfrm>
+            <a:off x="7213600" y="642594"/>
+            <a:ext cx="4323403" cy="1371600"/>
+          </a:xfrm>
+        </p:spPr>
         <p:txBody>
-          <a:bodyPr/>
+          <a:bodyPr>
+            <a:normAutofit/>
+          </a:bodyPr>
           <a:lstStyle/>
           <a:p>
             <a:r>
-              <a:rPr lang="fr-FR"/>
-              <a:t>Media queries</a:t>
-            </a:r>
+              <a:rPr lang="fr-FR" sz="3700"/>
+              <a:t>"Flow"</a:t>
+            </a:r>
+            <a:br>
+              <a:rPr lang="fr-FR" sz="3700"/>
+            </a:br>
+            <a:r>
+              <a:rPr lang="fr-FR" sz="3700"/>
+              <a:t>le flux de contenu</a:t>
+            </a:r>
+            <a:endParaRPr lang="en-US" sz="3700"/>
+          </a:p>
+        </p:txBody>
+      </p:sp>
+      <p:sp>
+        <p:nvSpPr>
+          <p:cNvPr id="11" name="Rectangle 10">
+            <a:extLst>
+              <a:ext uri="{FF2B5EF4-FFF2-40B4-BE49-F238E27FC236}">
+                <a16:creationId xmlns:a16="http://schemas.microsoft.com/office/drawing/2014/main" id="{6C1AAB63-B4E2-446F-A7F3-0E3A1FCA5074}"/>
+              </a:ext>
+              <a:ext uri="{C183D7F6-B498-43B3-948B-1728B52AA6E4}">
+                <adec:decorative xmlns:adec="http://schemas.microsoft.com/office/drawing/2017/decorative" val="1"/>
+              </a:ext>
+            </a:extLst>
+          </p:cNvPr>
+          <p:cNvSpPr>
+            <a:spLocks noGrp="1" noRot="1" noChangeAspect="1" noMove="1" noResize="1" noEditPoints="1" noAdjustHandles="1" noChangeArrowheads="1" noChangeShapeType="1" noTextEdit="1"/>
+          </p:cNvSpPr>
+          <p:nvPr>
+            <p:extLst>
+              <p:ext uri="{386F3935-93C4-4BCD-93E2-E3B085C9AB24}">
+                <p16:designElem xmlns:p16="http://schemas.microsoft.com/office/powerpoint/2015/main" val="1"/>
+              </p:ext>
+            </p:extLst>
+          </p:nvPr>
+        </p:nvSpPr>
+        <p:spPr>
+          <a:xfrm>
+            <a:off x="0" y="0"/>
+            <a:ext cx="6579451" cy="6858000"/>
+          </a:xfrm>
+          <a:prstGeom prst="rect">
+            <a:avLst/>
+          </a:prstGeom>
+          <a:solidFill>
+            <a:srgbClr val="FFFFFF"/>
+          </a:solidFill>
+          <a:ln>
+            <a:noFill/>
+          </a:ln>
+        </p:spPr>
+        <p:style>
+          <a:lnRef idx="2">
+            <a:schemeClr val="accent1">
+              <a:shade val="50000"/>
+            </a:schemeClr>
+          </a:lnRef>
+          <a:fillRef idx="1">
+            <a:schemeClr val="accent1"/>
+          </a:fillRef>
+          <a:effectRef idx="0">
+            <a:schemeClr val="accent1"/>
+          </a:effectRef>
+          <a:fontRef idx="minor">
+            <a:schemeClr val="lt1"/>
+          </a:fontRef>
+        </p:style>
+        <p:txBody>
+          <a:bodyPr rtlCol="0" anchor="ctr"/>
+          <a:lstStyle/>
+          <a:p>
+            <a:pPr algn="ctr"/>
             <a:endParaRPr lang="en-US"/>
           </a:p>
         </p:txBody>
       </p:sp>
+      <p:pic>
+        <p:nvPicPr>
+          <p:cNvPr id="4" name="Image 3">
+            <a:extLst>
+              <a:ext uri="{FF2B5EF4-FFF2-40B4-BE49-F238E27FC236}">
+                <a16:creationId xmlns:a16="http://schemas.microsoft.com/office/drawing/2014/main" id="{AA6A56FE-945B-4E36-BE81-FB26A83721C6}"/>
+              </a:ext>
+            </a:extLst>
+          </p:cNvPr>
+          <p:cNvPicPr>
+            <a:picLocks noChangeAspect="1"/>
+          </p:cNvPicPr>
+          <p:nvPr/>
+        </p:nvPicPr>
+        <p:blipFill>
+          <a:blip r:embed="rId2"/>
+          <a:stretch>
+            <a:fillRect/>
+          </a:stretch>
+        </p:blipFill>
+        <p:spPr>
+          <a:xfrm>
+            <a:off x="727654" y="2247919"/>
+            <a:ext cx="5367165" cy="2374969"/>
+          </a:xfrm>
+          <a:prstGeom prst="rect">
+            <a:avLst/>
+          </a:prstGeom>
+        </p:spPr>
+      </p:pic>
       <p:sp>
         <p:nvSpPr>
           <p:cNvPr id="3" name="Espace réservé du contenu 2">
             <a:extLst>
               <a:ext uri="{FF2B5EF4-FFF2-40B4-BE49-F238E27FC236}">
-                <a16:creationId xmlns:a16="http://schemas.microsoft.com/office/drawing/2014/main" id="{DCA7C4FB-5B2A-4D55-965A-A1C8865F947B}"/>
+                <a16:creationId xmlns:a16="http://schemas.microsoft.com/office/drawing/2014/main" id="{E5B45966-E913-4A63-BAA5-D611B4F8B0CF}"/>
               </a:ext>
             </a:extLst>
           </p:cNvPr>
@@ -11569,55 +12264,211 @@
             <p:ph idx="1"/>
           </p:nvPr>
         </p:nvSpPr>
-        <p:spPr/>
+        <p:spPr>
+          <a:xfrm>
+            <a:off x="7213600" y="2103120"/>
+            <a:ext cx="4323404" cy="3931920"/>
+          </a:xfrm>
+        </p:spPr>
         <p:txBody>
-          <a:bodyPr/>
+          <a:bodyPr>
+            <a:normAutofit/>
+          </a:bodyPr>
           <a:lstStyle/>
           <a:p>
             <a:r>
               <a:rPr lang="fr-FR"/>
-              <a:t>Les requêtes media permettent d'appliquer des règles de style seulement sur un certain type d'appareil ou selon ses caractéristiques: la taille d'écran, son orientation, sa résolution, ses capacités en affichage de couleur etc.</a:t>
+              <a:t>Les sites Web sont historiquement calqués sur le modèle du document papier, d'où le nom "page Web"</a:t>
+            </a:r>
+          </a:p>
+          <a:p>
+            <a:r>
+              <a:rPr lang="fr-FR"/>
+              <a:t>La disposition du contenu par défaut en CSS suit les même règles que l'imprimerie classique: des éléments </a:t>
+            </a:r>
+            <a:r>
+              <a:rPr lang="fr-FR" b="1"/>
+              <a:t>inline </a:t>
+            </a:r>
+            <a:r>
+              <a:rPr lang="fr-FR"/>
+              <a:t>et des éléments de</a:t>
+            </a:r>
+            <a:r>
+              <a:rPr lang="fr-FR" b="1"/>
+              <a:t> blocs</a:t>
+            </a:r>
+          </a:p>
+          <a:p>
+            <a:r>
+              <a:rPr lang="fr-FR"/>
+              <a:t>Le contenu inline et block occupe toute la largeur disponible, puis s'étend dans le sens de la hauteur</a:t>
             </a:r>
           </a:p>
           <a:p>
             <a:endParaRPr lang="en-US"/>
           </a:p>
-          <a:p>
-            <a:endParaRPr lang="en-US"/>
-          </a:p>
-          <a:p>
-            <a:endParaRPr lang="en-US"/>
-          </a:p>
-          <a:p>
-            <a:r>
-              <a:rPr lang="en-US"/>
-              <a:t>Tous ces critères peuvent être combinés avec des opérateurs logiques </a:t>
-            </a:r>
-            <a:r>
-              <a:rPr lang="en-US" b="1">
-                <a:latin typeface="Consolas" panose="020B0609020204030204" pitchFamily="49" charset="0"/>
-              </a:rPr>
-              <a:t>and</a:t>
-            </a:r>
-            <a:r>
-              <a:rPr lang="en-US"/>
-              <a:t> et </a:t>
-            </a:r>
-            <a:r>
-              <a:rPr lang="en-US" b="1">
-                <a:latin typeface="Consolas" panose="020B0609020204030204" pitchFamily="49" charset="0"/>
-              </a:rPr>
-              <a:t>not</a:t>
-            </a:r>
-          </a:p>
         </p:txBody>
       </p:sp>
       <p:sp>
         <p:nvSpPr>
-          <p:cNvPr id="4" name="ZoneTexte 3">
+          <p:cNvPr id="13" name="Rectangle 12">
             <a:extLst>
               <a:ext uri="{FF2B5EF4-FFF2-40B4-BE49-F238E27FC236}">
-                <a16:creationId xmlns:a16="http://schemas.microsoft.com/office/drawing/2014/main" id="{64210D81-1F97-4FDB-929F-CAD07FB872B9}"/>
+                <a16:creationId xmlns:a16="http://schemas.microsoft.com/office/drawing/2014/main" id="{6CAEACF9-5825-43E0-B0F8-797C142C2F89}"/>
+              </a:ext>
+              <a:ext uri="{C183D7F6-B498-43B3-948B-1728B52AA6E4}">
+                <adec:decorative xmlns:adec="http://schemas.microsoft.com/office/drawing/2017/decorative" val="1"/>
+              </a:ext>
+            </a:extLst>
+          </p:cNvPr>
+          <p:cNvSpPr>
+            <a:spLocks noGrp="1" noRot="1" noChangeAspect="1" noMove="1" noResize="1" noEditPoints="1" noAdjustHandles="1" noChangeArrowheads="1" noChangeShapeType="1" noTextEdit="1"/>
+          </p:cNvSpPr>
+          <p:nvPr>
+            <p:extLst>
+              <p:ext uri="{386F3935-93C4-4BCD-93E2-E3B085C9AB24}">
+                <p16:designElem xmlns:p16="http://schemas.microsoft.com/office/powerpoint/2015/main" val="1"/>
+              </p:ext>
+            </p:extLst>
+          </p:nvPr>
+        </p:nvSpPr>
+        <p:spPr>
+          <a:xfrm>
+            <a:off x="6927457" y="374904"/>
+            <a:ext cx="4892687" cy="6108192"/>
+          </a:xfrm>
+          <a:prstGeom prst="rect">
+            <a:avLst/>
+          </a:prstGeom>
+          <a:noFill/>
+          <a:ln w="6350" cap="sq" cmpd="sng" algn="ctr">
+            <a:solidFill>
+              <a:schemeClr val="tx1">
+                <a:lumMod val="75000"/>
+                <a:lumOff val="25000"/>
+              </a:schemeClr>
+            </a:solidFill>
+            <a:prstDash val="solid"/>
+            <a:miter lim="800000"/>
+          </a:ln>
+          <a:effectLst/>
+        </p:spPr>
+      </p:sp>
+      <p:sp>
+        <p:nvSpPr>
+          <p:cNvPr id="10" name="Flèche : droite 9">
+            <a:extLst>
+              <a:ext uri="{FF2B5EF4-FFF2-40B4-BE49-F238E27FC236}">
+                <a16:creationId xmlns:a16="http://schemas.microsoft.com/office/drawing/2014/main" id="{AC7D715F-9A2B-408E-ACF5-2AF6FFD314C2}"/>
+              </a:ext>
+            </a:extLst>
+          </p:cNvPr>
+          <p:cNvSpPr/>
+          <p:nvPr/>
+        </p:nvSpPr>
+        <p:spPr>
+          <a:xfrm>
+            <a:off x="727654" y="2580774"/>
+            <a:ext cx="5318214" cy="45719"/>
+          </a:xfrm>
+          <a:prstGeom prst="rightArrow">
+            <a:avLst/>
+          </a:prstGeom>
+          <a:solidFill>
+            <a:srgbClr val="A5300F">
+              <a:alpha val="20000"/>
+            </a:srgbClr>
+          </a:solidFill>
+          <a:ln>
+            <a:noFill/>
+          </a:ln>
+        </p:spPr>
+        <p:style>
+          <a:lnRef idx="2">
+            <a:schemeClr val="accent1">
+              <a:shade val="50000"/>
+            </a:schemeClr>
+          </a:lnRef>
+          <a:fillRef idx="1">
+            <a:schemeClr val="accent1"/>
+          </a:fillRef>
+          <a:effectRef idx="0">
+            <a:schemeClr val="accent1"/>
+          </a:effectRef>
+          <a:fontRef idx="minor">
+            <a:schemeClr val="lt1"/>
+          </a:fontRef>
+        </p:style>
+        <p:txBody>
+          <a:bodyPr rtlCol="0" anchor="ctr"/>
+          <a:lstStyle/>
+          <a:p>
+            <a:pPr algn="ctr"/>
+            <a:endParaRPr lang="en-US"/>
+          </a:p>
+        </p:txBody>
+      </p:sp>
+      <p:sp>
+        <p:nvSpPr>
+          <p:cNvPr id="14" name="Flèche : droite 13">
+            <a:extLst>
+              <a:ext uri="{FF2B5EF4-FFF2-40B4-BE49-F238E27FC236}">
+                <a16:creationId xmlns:a16="http://schemas.microsoft.com/office/drawing/2014/main" id="{DEB240A5-5720-4947-973F-017A0CE7040D}"/>
+              </a:ext>
+            </a:extLst>
+          </p:cNvPr>
+          <p:cNvSpPr/>
+          <p:nvPr/>
+        </p:nvSpPr>
+        <p:spPr>
+          <a:xfrm>
+            <a:off x="729660" y="2679030"/>
+            <a:ext cx="4233366" cy="45719"/>
+          </a:xfrm>
+          <a:prstGeom prst="rightArrow">
+            <a:avLst/>
+          </a:prstGeom>
+          <a:solidFill>
+            <a:srgbClr val="A5300F">
+              <a:alpha val="20000"/>
+            </a:srgbClr>
+          </a:solidFill>
+          <a:ln>
+            <a:noFill/>
+          </a:ln>
+        </p:spPr>
+        <p:style>
+          <a:lnRef idx="2">
+            <a:schemeClr val="accent1">
+              <a:shade val="50000"/>
+            </a:schemeClr>
+          </a:lnRef>
+          <a:fillRef idx="1">
+            <a:schemeClr val="accent1"/>
+          </a:fillRef>
+          <a:effectRef idx="0">
+            <a:schemeClr val="accent1"/>
+          </a:effectRef>
+          <a:fontRef idx="minor">
+            <a:schemeClr val="lt1"/>
+          </a:fontRef>
+        </p:style>
+        <p:txBody>
+          <a:bodyPr rtlCol="0" anchor="ctr"/>
+          <a:lstStyle/>
+          <a:p>
+            <a:pPr algn="ctr"/>
+            <a:endParaRPr lang="en-US"/>
+          </a:p>
+        </p:txBody>
+      </p:sp>
+      <p:sp>
+        <p:nvSpPr>
+          <p:cNvPr id="16" name="ZoneTexte 15">
+            <a:extLst>
+              <a:ext uri="{FF2B5EF4-FFF2-40B4-BE49-F238E27FC236}">
+                <a16:creationId xmlns:a16="http://schemas.microsoft.com/office/drawing/2014/main" id="{BBF99A11-23F0-42B5-9E30-72876BB61E1A}"/>
               </a:ext>
             </a:extLst>
           </p:cNvPr>
@@ -11626,8 +12477,8 @@
         </p:nvSpPr>
         <p:spPr>
           <a:xfrm>
-            <a:off x="1066800" y="3145750"/>
-            <a:ext cx="9631279" cy="923330"/>
+            <a:off x="4963026" y="2679030"/>
+            <a:ext cx="792079" cy="369332"/>
           </a:xfrm>
           <a:prstGeom prst="rect">
             <a:avLst/>
@@ -11657,29 +12508,170 @@
           <a:p>
             <a:r>
               <a:rPr lang="en-US"/>
-              <a:t>@media print {</a:t>
-            </a:r>
-          </a:p>
-          <a:p>
-            <a:r>
-              <a:rPr lang="en-US"/>
-              <a:t>   img { display: none; } /* retire les images des impressions papier de la page web */</a:t>
-            </a:r>
-          </a:p>
-          <a:p>
-            <a:r>
-              <a:rPr lang="en-US"/>
-              <a:t>}</a:t>
+              <a:t>inline</a:t>
             </a:r>
           </a:p>
         </p:txBody>
       </p:sp>
       <p:sp>
         <p:nvSpPr>
-          <p:cNvPr id="7" name="ZoneTexte 6">
+          <p:cNvPr id="17" name="Rectangle 16">
             <a:extLst>
               <a:ext uri="{FF2B5EF4-FFF2-40B4-BE49-F238E27FC236}">
-                <a16:creationId xmlns:a16="http://schemas.microsoft.com/office/drawing/2014/main" id="{BF29D507-924A-41AD-946F-B85B2F035EC5}"/>
+                <a16:creationId xmlns:a16="http://schemas.microsoft.com/office/drawing/2014/main" id="{DE4FDD03-3E76-4F41-8F91-35D58428963D}"/>
+              </a:ext>
+            </a:extLst>
+          </p:cNvPr>
+          <p:cNvSpPr/>
+          <p:nvPr/>
+        </p:nvSpPr>
+        <p:spPr>
+          <a:xfrm>
+            <a:off x="727654" y="2191350"/>
+            <a:ext cx="5318214" cy="289526"/>
+          </a:xfrm>
+          <a:prstGeom prst="rect">
+            <a:avLst/>
+          </a:prstGeom>
+          <a:solidFill>
+            <a:srgbClr val="A5300F">
+              <a:alpha val="20000"/>
+            </a:srgbClr>
+          </a:solidFill>
+        </p:spPr>
+        <p:style>
+          <a:lnRef idx="2">
+            <a:schemeClr val="accent1">
+              <a:shade val="50000"/>
+            </a:schemeClr>
+          </a:lnRef>
+          <a:fillRef idx="1">
+            <a:schemeClr val="accent1"/>
+          </a:fillRef>
+          <a:effectRef idx="0">
+            <a:schemeClr val="accent1"/>
+          </a:effectRef>
+          <a:fontRef idx="minor">
+            <a:schemeClr val="lt1"/>
+          </a:fontRef>
+        </p:style>
+        <p:txBody>
+          <a:bodyPr rtlCol="0" anchor="ctr"/>
+          <a:lstStyle/>
+          <a:p>
+            <a:pPr algn="ctr"/>
+            <a:endParaRPr lang="en-US"/>
+          </a:p>
+        </p:txBody>
+      </p:sp>
+      <p:sp>
+        <p:nvSpPr>
+          <p:cNvPr id="18" name="Rectangle 17">
+            <a:extLst>
+              <a:ext uri="{FF2B5EF4-FFF2-40B4-BE49-F238E27FC236}">
+                <a16:creationId xmlns:a16="http://schemas.microsoft.com/office/drawing/2014/main" id="{C45B02F1-A7D9-40C4-82AF-C1786FC055C3}"/>
+              </a:ext>
+            </a:extLst>
+          </p:cNvPr>
+          <p:cNvSpPr/>
+          <p:nvPr/>
+        </p:nvSpPr>
+        <p:spPr>
+          <a:xfrm>
+            <a:off x="727654" y="4020568"/>
+            <a:ext cx="5318214" cy="212896"/>
+          </a:xfrm>
+          <a:prstGeom prst="rect">
+            <a:avLst/>
+          </a:prstGeom>
+          <a:solidFill>
+            <a:srgbClr val="A5300F">
+              <a:alpha val="20000"/>
+            </a:srgbClr>
+          </a:solidFill>
+        </p:spPr>
+        <p:style>
+          <a:lnRef idx="2">
+            <a:schemeClr val="accent1">
+              <a:shade val="50000"/>
+            </a:schemeClr>
+          </a:lnRef>
+          <a:fillRef idx="1">
+            <a:schemeClr val="accent1"/>
+          </a:fillRef>
+          <a:effectRef idx="0">
+            <a:schemeClr val="accent1"/>
+          </a:effectRef>
+          <a:fontRef idx="minor">
+            <a:schemeClr val="lt1"/>
+          </a:fontRef>
+        </p:style>
+        <p:txBody>
+          <a:bodyPr rtlCol="0" anchor="ctr"/>
+          <a:lstStyle/>
+          <a:p>
+            <a:pPr algn="ctr"/>
+            <a:endParaRPr lang="en-US"/>
+          </a:p>
+        </p:txBody>
+      </p:sp>
+      <p:sp>
+        <p:nvSpPr>
+          <p:cNvPr id="19" name="Rectangle 18">
+            <a:extLst>
+              <a:ext uri="{FF2B5EF4-FFF2-40B4-BE49-F238E27FC236}">
+                <a16:creationId xmlns:a16="http://schemas.microsoft.com/office/drawing/2014/main" id="{D203CB95-A3A8-40D6-B7BE-046F88435611}"/>
+              </a:ext>
+            </a:extLst>
+          </p:cNvPr>
+          <p:cNvSpPr/>
+          <p:nvPr/>
+        </p:nvSpPr>
+        <p:spPr>
+          <a:xfrm>
+            <a:off x="727654" y="3162009"/>
+            <a:ext cx="5318214" cy="819077"/>
+          </a:xfrm>
+          <a:prstGeom prst="rect">
+            <a:avLst/>
+          </a:prstGeom>
+          <a:solidFill>
+            <a:srgbClr val="A5300F">
+              <a:alpha val="20000"/>
+            </a:srgbClr>
+          </a:solidFill>
+        </p:spPr>
+        <p:style>
+          <a:lnRef idx="2">
+            <a:schemeClr val="accent1">
+              <a:shade val="50000"/>
+            </a:schemeClr>
+          </a:lnRef>
+          <a:fillRef idx="1">
+            <a:schemeClr val="accent1"/>
+          </a:fillRef>
+          <a:effectRef idx="0">
+            <a:schemeClr val="accent1"/>
+          </a:effectRef>
+          <a:fontRef idx="minor">
+            <a:schemeClr val="lt1"/>
+          </a:fontRef>
+        </p:style>
+        <p:txBody>
+          <a:bodyPr rtlCol="0" anchor="ctr"/>
+          <a:lstStyle/>
+          <a:p>
+            <a:pPr algn="ctr"/>
+            <a:endParaRPr lang="en-US"/>
+          </a:p>
+        </p:txBody>
+      </p:sp>
+      <p:sp>
+        <p:nvSpPr>
+          <p:cNvPr id="20" name="ZoneTexte 19">
+            <a:extLst>
+              <a:ext uri="{FF2B5EF4-FFF2-40B4-BE49-F238E27FC236}">
+                <a16:creationId xmlns:a16="http://schemas.microsoft.com/office/drawing/2014/main" id="{44AEF42A-D98D-4C31-8207-79F73AFB1C30}"/>
               </a:ext>
             </a:extLst>
           </p:cNvPr>
@@ -11688,8 +12680,8 @@
         </p:nvSpPr>
         <p:spPr>
           <a:xfrm>
-            <a:off x="1066800" y="4650045"/>
-            <a:ext cx="9631279" cy="923330"/>
+            <a:off x="4963026" y="3757684"/>
+            <a:ext cx="872382" cy="369332"/>
           </a:xfrm>
           <a:prstGeom prst="rect">
             <a:avLst/>
@@ -11719,30 +12711,17 @@
           <a:p>
             <a:r>
               <a:rPr lang="en-US"/>
-              <a:t>@media screen and (min-width: 30em) and (orientation: landscape) { ... }</a:t>
-            </a:r>
-          </a:p>
-          <a:p>
-            <a:r>
-              <a:rPr lang="en-US"/>
-              <a:t>@media (not(hover)) { ... }</a:t>
-            </a:r>
-          </a:p>
-          <a:p>
-            <a:r>
-              <a:rPr lang="en-US"/>
-              <a:t>@media (480px &lt;= width &lt;= 960px) { ... }</a:t>
+              <a:t>block</a:t>
             </a:r>
           </a:p>
         </p:txBody>
       </p:sp>
       <p:sp>
         <p:nvSpPr>
-          <p:cNvPr id="9" name="Flèche : droite 8">
-            <a:hlinkClick r:id="rId2"/>
+          <p:cNvPr id="21" name="Flèche : droite 20">
             <a:extLst>
               <a:ext uri="{FF2B5EF4-FFF2-40B4-BE49-F238E27FC236}">
-                <a16:creationId xmlns:a16="http://schemas.microsoft.com/office/drawing/2014/main" id="{A2DF74DA-286F-49BC-A704-DFC2C3B1A83D}"/>
+                <a16:creationId xmlns:a16="http://schemas.microsoft.com/office/drawing/2014/main" id="{DFB69C18-63BF-4CB4-822F-8364010AFFF3}"/>
               </a:ext>
             </a:extLst>
           </p:cNvPr>
@@ -11751,8 +12730,8 @@
         </p:nvSpPr>
         <p:spPr>
           <a:xfrm>
-            <a:off x="6959600" y="6146800"/>
-            <a:ext cx="5232401" cy="711200"/>
+            <a:off x="1040111" y="5406861"/>
+            <a:ext cx="809697" cy="446659"/>
           </a:xfrm>
           <a:prstGeom prst="rightArrow">
             <a:avLst/>
@@ -11760,18 +12739,16 @@
         </p:spPr>
         <p:style>
           <a:lnRef idx="2">
-            <a:schemeClr val="accent1">
-              <a:shade val="50000"/>
-            </a:schemeClr>
+            <a:schemeClr val="dk1"/>
           </a:lnRef>
           <a:fillRef idx="1">
-            <a:schemeClr val="accent1"/>
+            <a:schemeClr val="lt1"/>
           </a:fillRef>
           <a:effectRef idx="0">
-            <a:schemeClr val="accent1"/>
+            <a:schemeClr val="dk1"/>
           </a:effectRef>
           <a:fontRef idx="minor">
-            <a:schemeClr val="lt1"/>
+            <a:schemeClr val="dk1"/>
           </a:fontRef>
         </p:style>
         <p:txBody>
@@ -11779,18 +12756,146 @@
           <a:lstStyle/>
           <a:p>
             <a:pPr algn="ctr"/>
-            <a:r>
-              <a:rPr lang="fr-FR"/>
-              <a:t>Plus d'informations: MDN</a:t>
-            </a:r>
             <a:endParaRPr lang="en-US"/>
+          </a:p>
+        </p:txBody>
+      </p:sp>
+      <p:sp>
+        <p:nvSpPr>
+          <p:cNvPr id="22" name="Flèche : droite 21">
+            <a:extLst>
+              <a:ext uri="{FF2B5EF4-FFF2-40B4-BE49-F238E27FC236}">
+                <a16:creationId xmlns:a16="http://schemas.microsoft.com/office/drawing/2014/main" id="{5F5FFB27-E645-43CC-96EC-FA260BFEE230}"/>
+              </a:ext>
+            </a:extLst>
+          </p:cNvPr>
+          <p:cNvSpPr/>
+          <p:nvPr/>
+        </p:nvSpPr>
+        <p:spPr>
+          <a:xfrm rot="5400000">
+            <a:off x="3607357" y="5406862"/>
+            <a:ext cx="809697" cy="446659"/>
+          </a:xfrm>
+          <a:prstGeom prst="rightArrow">
+            <a:avLst/>
+          </a:prstGeom>
+        </p:spPr>
+        <p:style>
+          <a:lnRef idx="2">
+            <a:schemeClr val="dk1"/>
+          </a:lnRef>
+          <a:fillRef idx="1">
+            <a:schemeClr val="lt1"/>
+          </a:fillRef>
+          <a:effectRef idx="0">
+            <a:schemeClr val="dk1"/>
+          </a:effectRef>
+          <a:fontRef idx="minor">
+            <a:schemeClr val="dk1"/>
+          </a:fontRef>
+        </p:style>
+        <p:txBody>
+          <a:bodyPr rtlCol="0" anchor="ctr"/>
+          <a:lstStyle/>
+          <a:p>
+            <a:pPr algn="ctr"/>
+            <a:endParaRPr lang="en-US"/>
+          </a:p>
+        </p:txBody>
+      </p:sp>
+      <p:sp>
+        <p:nvSpPr>
+          <p:cNvPr id="24" name="ZoneTexte 23">
+            <a:extLst>
+              <a:ext uri="{FF2B5EF4-FFF2-40B4-BE49-F238E27FC236}">
+                <a16:creationId xmlns:a16="http://schemas.microsoft.com/office/drawing/2014/main" id="{ECA07CCE-DE81-49EA-816B-FAAFE2E66DE4}"/>
+              </a:ext>
+            </a:extLst>
+          </p:cNvPr>
+          <p:cNvSpPr txBox="1"/>
+          <p:nvPr/>
+        </p:nvSpPr>
+        <p:spPr>
+          <a:xfrm>
+            <a:off x="1954443" y="5465460"/>
+            <a:ext cx="935476" cy="369332"/>
+          </a:xfrm>
+          <a:prstGeom prst="rect">
+            <a:avLst/>
+          </a:prstGeom>
+          <a:noFill/>
+        </p:spPr>
+        <p:txBody>
+          <a:bodyPr wrap="square" rtlCol="0">
+            <a:spAutoFit/>
+          </a:bodyPr>
+          <a:lstStyle/>
+          <a:p>
+            <a:r>
+              <a:rPr lang="fr-FR">
+                <a:solidFill>
+                  <a:schemeClr val="bg1"/>
+                </a:solidFill>
+              </a:rPr>
+              <a:t>inline</a:t>
+            </a:r>
+            <a:endParaRPr lang="en-US">
+              <a:solidFill>
+                <a:schemeClr val="bg1"/>
+              </a:solidFill>
+            </a:endParaRPr>
+          </a:p>
+        </p:txBody>
+      </p:sp>
+      <p:sp>
+        <p:nvSpPr>
+          <p:cNvPr id="25" name="ZoneTexte 24">
+            <a:extLst>
+              <a:ext uri="{FF2B5EF4-FFF2-40B4-BE49-F238E27FC236}">
+                <a16:creationId xmlns:a16="http://schemas.microsoft.com/office/drawing/2014/main" id="{22EA80A1-EB71-4C93-BC12-5A86AF528D57}"/>
+              </a:ext>
+            </a:extLst>
+          </p:cNvPr>
+          <p:cNvSpPr txBox="1"/>
+          <p:nvPr/>
+        </p:nvSpPr>
+        <p:spPr>
+          <a:xfrm>
+            <a:off x="4361249" y="5445524"/>
+            <a:ext cx="935476" cy="369332"/>
+          </a:xfrm>
+          <a:prstGeom prst="rect">
+            <a:avLst/>
+          </a:prstGeom>
+          <a:noFill/>
+        </p:spPr>
+        <p:txBody>
+          <a:bodyPr wrap="square" rtlCol="0">
+            <a:spAutoFit/>
+          </a:bodyPr>
+          <a:lstStyle/>
+          <a:p>
+            <a:r>
+              <a:rPr lang="fr-FR">
+                <a:solidFill>
+                  <a:schemeClr val="bg1"/>
+                </a:solidFill>
+              </a:rPr>
+              <a:t>block</a:t>
+            </a:r>
+            <a:endParaRPr lang="en-US">
+              <a:solidFill>
+                <a:schemeClr val="bg1"/>
+              </a:solidFill>
+            </a:endParaRPr>
           </a:p>
         </p:txBody>
       </p:sp>
     </p:spTree>
     <p:extLst>
       <p:ext uri="{BB962C8B-B14F-4D97-AF65-F5344CB8AC3E}">
-        <p14:creationId xmlns:p14="http://schemas.microsoft.com/office/powerpoint/2010/main" val="549971339"/>
+        <p14:creationId xmlns:p14="http://schemas.microsoft.com/office/powerpoint/2010/main" val="469110133"/>
       </p:ext>
     </p:extLst>
   </p:cSld>
@@ -11818,7 +12923,7 @@
                             </p:stCondLst>
                             <p:childTnLst>
                               <p:par>
-                                <p:cTn id="5" presetID="2" presetClass="entr" presetSubtype="4" fill="hold" grpId="0" nodeType="clickEffect">
+                                <p:cTn id="5" presetID="22" presetClass="entr" presetSubtype="8" fill="hold" grpId="0" nodeType="clickEffect">
                                   <p:stCondLst>
                                     <p:cond delay="0"/>
                                   </p:stCondLst>
@@ -11831,7 +12936,7 @@
                                           </p:stCondLst>
                                         </p:cTn>
                                         <p:tgtEl>
-                                          <p:spTgt spid="9"/>
+                                          <p:spTgt spid="10"/>
                                         </p:tgtEl>
                                         <p:attrNameLst>
                                           <p:attrName>style.visibility</p:attrName>
@@ -11841,52 +12946,269 @@
                                         <p:strVal val="visible"/>
                                       </p:to>
                                     </p:set>
-                                    <p:anim calcmode="lin" valueType="num">
-                                      <p:cBhvr additive="base">
-                                        <p:cTn id="7" dur="500" fill="hold"/>
+                                    <p:animEffect transition="in" filter="wipe(left)">
+                                      <p:cBhvr>
+                                        <p:cTn id="7" dur="500"/>
                                         <p:tgtEl>
-                                          <p:spTgt spid="9"/>
+                                          <p:spTgt spid="10"/>
+                                        </p:tgtEl>
+                                      </p:cBhvr>
+                                    </p:animEffect>
+                                  </p:childTnLst>
+                                </p:cTn>
+                              </p:par>
+                            </p:childTnLst>
+                          </p:cTn>
+                        </p:par>
+                        <p:par>
+                          <p:cTn id="8" fill="hold">
+                            <p:stCondLst>
+                              <p:cond delay="500"/>
+                            </p:stCondLst>
+                            <p:childTnLst>
+                              <p:par>
+                                <p:cTn id="9" presetID="22" presetClass="entr" presetSubtype="8" fill="hold" grpId="0" nodeType="afterEffect">
+                                  <p:stCondLst>
+                                    <p:cond delay="0"/>
+                                  </p:stCondLst>
+                                  <p:childTnLst>
+                                    <p:set>
+                                      <p:cBhvr>
+                                        <p:cTn id="10" dur="1" fill="hold">
+                                          <p:stCondLst>
+                                            <p:cond delay="0"/>
+                                          </p:stCondLst>
+                                        </p:cTn>
+                                        <p:tgtEl>
+                                          <p:spTgt spid="14"/>
                                         </p:tgtEl>
                                         <p:attrNameLst>
-                                          <p:attrName>ppt_x</p:attrName>
+                                          <p:attrName>style.visibility</p:attrName>
                                         </p:attrNameLst>
                                       </p:cBhvr>
-                                      <p:tavLst>
-                                        <p:tav tm="0">
-                                          <p:val>
-                                            <p:strVal val="#ppt_x"/>
-                                          </p:val>
-                                        </p:tav>
-                                        <p:tav tm="100000">
-                                          <p:val>
-                                            <p:strVal val="#ppt_x"/>
-                                          </p:val>
-                                        </p:tav>
-                                      </p:tavLst>
-                                    </p:anim>
-                                    <p:anim calcmode="lin" valueType="num">
-                                      <p:cBhvr additive="base">
-                                        <p:cTn id="8" dur="500" fill="hold"/>
+                                      <p:to>
+                                        <p:strVal val="visible"/>
+                                      </p:to>
+                                    </p:set>
+                                    <p:animEffect transition="in" filter="wipe(left)">
+                                      <p:cBhvr>
+                                        <p:cTn id="11" dur="500"/>
                                         <p:tgtEl>
-                                          <p:spTgt spid="9"/>
+                                          <p:spTgt spid="14"/>
+                                        </p:tgtEl>
+                                      </p:cBhvr>
+                                    </p:animEffect>
+                                  </p:childTnLst>
+                                </p:cTn>
+                              </p:par>
+                            </p:childTnLst>
+                          </p:cTn>
+                        </p:par>
+                        <p:par>
+                          <p:cTn id="12" fill="hold">
+                            <p:stCondLst>
+                              <p:cond delay="1000"/>
+                            </p:stCondLst>
+                            <p:childTnLst>
+                              <p:par>
+                                <p:cTn id="13" presetID="22" presetClass="entr" presetSubtype="8" fill="hold" grpId="0" nodeType="afterEffect">
+                                  <p:stCondLst>
+                                    <p:cond delay="0"/>
+                                  </p:stCondLst>
+                                  <p:childTnLst>
+                                    <p:set>
+                                      <p:cBhvr>
+                                        <p:cTn id="14" dur="1" fill="hold">
+                                          <p:stCondLst>
+                                            <p:cond delay="0"/>
+                                          </p:stCondLst>
+                                        </p:cTn>
+                                        <p:tgtEl>
+                                          <p:spTgt spid="16"/>
                                         </p:tgtEl>
                                         <p:attrNameLst>
-                                          <p:attrName>ppt_y</p:attrName>
+                                          <p:attrName>style.visibility</p:attrName>
                                         </p:attrNameLst>
                                       </p:cBhvr>
-                                      <p:tavLst>
-                                        <p:tav tm="0">
-                                          <p:val>
-                                            <p:strVal val="1+#ppt_h/2"/>
-                                          </p:val>
-                                        </p:tav>
-                                        <p:tav tm="100000">
-                                          <p:val>
-                                            <p:strVal val="#ppt_y"/>
-                                          </p:val>
-                                        </p:tav>
-                                      </p:tavLst>
-                                    </p:anim>
+                                      <p:to>
+                                        <p:strVal val="visible"/>
+                                      </p:to>
+                                    </p:set>
+                                    <p:animEffect transition="in" filter="wipe(left)">
+                                      <p:cBhvr>
+                                        <p:cTn id="15" dur="500"/>
+                                        <p:tgtEl>
+                                          <p:spTgt spid="16"/>
+                                        </p:tgtEl>
+                                      </p:cBhvr>
+                                    </p:animEffect>
+                                  </p:childTnLst>
+                                </p:cTn>
+                              </p:par>
+                            </p:childTnLst>
+                          </p:cTn>
+                        </p:par>
+                      </p:childTnLst>
+                    </p:cTn>
+                  </p:par>
+                  <p:par>
+                    <p:cTn id="16" fill="hold">
+                      <p:stCondLst>
+                        <p:cond delay="indefinite"/>
+                      </p:stCondLst>
+                      <p:childTnLst>
+                        <p:par>
+                          <p:cTn id="17" fill="hold">
+                            <p:stCondLst>
+                              <p:cond delay="0"/>
+                            </p:stCondLst>
+                            <p:childTnLst>
+                              <p:par>
+                                <p:cTn id="18" presetID="10" presetClass="entr" presetSubtype="0" fill="hold" grpId="0" nodeType="clickEffect">
+                                  <p:stCondLst>
+                                    <p:cond delay="0"/>
+                                  </p:stCondLst>
+                                  <p:childTnLst>
+                                    <p:set>
+                                      <p:cBhvr>
+                                        <p:cTn id="19" dur="1" fill="hold">
+                                          <p:stCondLst>
+                                            <p:cond delay="0"/>
+                                          </p:stCondLst>
+                                        </p:cTn>
+                                        <p:tgtEl>
+                                          <p:spTgt spid="18"/>
+                                        </p:tgtEl>
+                                        <p:attrNameLst>
+                                          <p:attrName>style.visibility</p:attrName>
+                                        </p:attrNameLst>
+                                      </p:cBhvr>
+                                      <p:to>
+                                        <p:strVal val="visible"/>
+                                      </p:to>
+                                    </p:set>
+                                    <p:animEffect transition="in" filter="fade">
+                                      <p:cBhvr>
+                                        <p:cTn id="20" dur="500"/>
+                                        <p:tgtEl>
+                                          <p:spTgt spid="18"/>
+                                        </p:tgtEl>
+                                      </p:cBhvr>
+                                    </p:animEffect>
+                                  </p:childTnLst>
+                                </p:cTn>
+                              </p:par>
+                              <p:par>
+                                <p:cTn id="21" presetID="10" presetClass="entr" presetSubtype="0" fill="hold" grpId="0" nodeType="withEffect">
+                                  <p:stCondLst>
+                                    <p:cond delay="0"/>
+                                  </p:stCondLst>
+                                  <p:childTnLst>
+                                    <p:set>
+                                      <p:cBhvr>
+                                        <p:cTn id="22" dur="1" fill="hold">
+                                          <p:stCondLst>
+                                            <p:cond delay="0"/>
+                                          </p:stCondLst>
+                                        </p:cTn>
+                                        <p:tgtEl>
+                                          <p:spTgt spid="19"/>
+                                        </p:tgtEl>
+                                        <p:attrNameLst>
+                                          <p:attrName>style.visibility</p:attrName>
+                                        </p:attrNameLst>
+                                      </p:cBhvr>
+                                      <p:to>
+                                        <p:strVal val="visible"/>
+                                      </p:to>
+                                    </p:set>
+                                    <p:animEffect transition="in" filter="fade">
+                                      <p:cBhvr>
+                                        <p:cTn id="23" dur="500"/>
+                                        <p:tgtEl>
+                                          <p:spTgt spid="19"/>
+                                        </p:tgtEl>
+                                      </p:cBhvr>
+                                    </p:animEffect>
+                                  </p:childTnLst>
+                                </p:cTn>
+                              </p:par>
+                              <p:par>
+                                <p:cTn id="24" presetID="10" presetClass="entr" presetSubtype="0" fill="hold" grpId="0" nodeType="withEffect">
+                                  <p:stCondLst>
+                                    <p:cond delay="0"/>
+                                  </p:stCondLst>
+                                  <p:childTnLst>
+                                    <p:set>
+                                      <p:cBhvr>
+                                        <p:cTn id="25" dur="1" fill="hold">
+                                          <p:stCondLst>
+                                            <p:cond delay="0"/>
+                                          </p:stCondLst>
+                                        </p:cTn>
+                                        <p:tgtEl>
+                                          <p:spTgt spid="17"/>
+                                        </p:tgtEl>
+                                        <p:attrNameLst>
+                                          <p:attrName>style.visibility</p:attrName>
+                                        </p:attrNameLst>
+                                      </p:cBhvr>
+                                      <p:to>
+                                        <p:strVal val="visible"/>
+                                      </p:to>
+                                    </p:set>
+                                    <p:animEffect transition="in" filter="fade">
+                                      <p:cBhvr>
+                                        <p:cTn id="26" dur="500"/>
+                                        <p:tgtEl>
+                                          <p:spTgt spid="17"/>
+                                        </p:tgtEl>
+                                      </p:cBhvr>
+                                    </p:animEffect>
+                                  </p:childTnLst>
+                                </p:cTn>
+                              </p:par>
+                            </p:childTnLst>
+                          </p:cTn>
+                        </p:par>
+                        <p:par>
+                          <p:cTn id="27" fill="hold">
+                            <p:stCondLst>
+                              <p:cond delay="500"/>
+                            </p:stCondLst>
+                            <p:childTnLst>
+                              <p:par>
+                                <p:cTn id="28" presetID="22" presetClass="entr" presetSubtype="8" fill="hold" grpId="0" nodeType="afterEffect">
+                                  <p:stCondLst>
+                                    <p:cond delay="0"/>
+                                  </p:stCondLst>
+                                  <p:childTnLst>
+                                    <p:set>
+                                      <p:cBhvr>
+                                        <p:cTn id="29" dur="1" fill="hold">
+                                          <p:stCondLst>
+                                            <p:cond delay="0"/>
+                                          </p:stCondLst>
+                                        </p:cTn>
+                                        <p:tgtEl>
+                                          <p:spTgt spid="20"/>
+                                        </p:tgtEl>
+                                        <p:attrNameLst>
+                                          <p:attrName>style.visibility</p:attrName>
+                                        </p:attrNameLst>
+                                      </p:cBhvr>
+                                      <p:to>
+                                        <p:strVal val="visible"/>
+                                      </p:to>
+                                    </p:set>
+                                    <p:animEffect transition="in" filter="wipe(left)">
+                                      <p:cBhvr>
+                                        <p:cTn id="30" dur="500"/>
+                                        <p:tgtEl>
+                                          <p:spTgt spid="20"/>
+                                        </p:tgtEl>
+                                      </p:cBhvr>
+                                    </p:animEffect>
                                   </p:childTnLst>
                                 </p:cTn>
                               </p:par>
@@ -11918,7 +13240,13 @@
       </p:par>
     </p:tnLst>
     <p:bldLst>
-      <p:bldP spid="9" grpId="0" animBg="1"/>
+      <p:bldP spid="10" grpId="0" animBg="1"/>
+      <p:bldP spid="14" grpId="0" animBg="1"/>
+      <p:bldP spid="16" grpId="0" animBg="1"/>
+      <p:bldP spid="17" grpId="0" animBg="1"/>
+      <p:bldP spid="18" grpId="0" animBg="1"/>
+      <p:bldP spid="19" grpId="0" animBg="1"/>
+      <p:bldP spid="20" grpId="0" animBg="1"/>
     </p:bldLst>
   </p:timing>
 </p:sld>

--- a/presenter_fr.pptx
+++ b/presenter_fr.pptx
@@ -15,9 +15,14 @@
     <p:sldId id="264" r:id="rId9"/>
     <p:sldId id="267" r:id="rId10"/>
     <p:sldId id="268" r:id="rId11"/>
-    <p:sldId id="269" r:id="rId12"/>
-    <p:sldId id="265" r:id="rId13"/>
-    <p:sldId id="266" r:id="rId14"/>
+    <p:sldId id="270" r:id="rId12"/>
+    <p:sldId id="269" r:id="rId13"/>
+    <p:sldId id="265" r:id="rId14"/>
+    <p:sldId id="266" r:id="rId15"/>
+    <p:sldId id="271" r:id="rId16"/>
+    <p:sldId id="272" r:id="rId17"/>
+    <p:sldId id="273" r:id="rId18"/>
+    <p:sldId id="274" r:id="rId19"/>
   </p:sldIdLst>
   <p:sldSz cx="12192000" cy="6858000"/>
   <p:notesSz cx="6858000" cy="9144000"/>
@@ -134,20 +139,6 @@
     </p:extLst>
   </p:cmAuthor>
 </p:cmAuthorLst>
-</file>
-
-<file path=ppt/comments/comment1.xml><?xml version="1.0" encoding="utf-8"?>
-<p:cmLst xmlns:a="http://schemas.openxmlformats.org/drawingml/2006/main" xmlns:r="http://schemas.openxmlformats.org/officeDocument/2006/relationships" xmlns:p="http://schemas.openxmlformats.org/presentationml/2006/main">
-  <p:cm authorId="1" dt="2022-09-15T14:05:51.031" idx="1">
-    <p:pos x="6588" y="4004"/>
-    <p:text/>
-    <p:extLst>
-      <p:ext uri="{C676402C-5697-4E1C-873F-D02D1690AC5C}">
-        <p15:threadingInfo xmlns:p15="http://schemas.microsoft.com/office/powerpoint/2012/main" timeZoneBias="-120"/>
-      </p:ext>
-    </p:extLst>
-  </p:cm>
-</p:cmLst>
 </file>
 
 <file path=ppt/slideLayouts/slideLayout1.xml><?xml version="1.0" encoding="utf-8"?>
@@ -647,7 +638,7 @@
           <a:p>
             <a:fld id="{7E97AD98-B9C0-48D6-BE04-54ABC792AF9B}" type="datetimeFigureOut">
               <a:rPr lang="en-US" smtClean="0"/>
-              <a:t>9/15/2022</a:t>
+              <a:t>9/20/2022</a:t>
             </a:fld>
             <a:endParaRPr lang="en-US"/>
           </a:p>
@@ -843,7 +834,7 @@
           <a:p>
             <a:fld id="{7E97AD98-B9C0-48D6-BE04-54ABC792AF9B}" type="datetimeFigureOut">
               <a:rPr lang="en-US" smtClean="0"/>
-              <a:t>9/15/2022</a:t>
+              <a:t>9/20/2022</a:t>
             </a:fld>
             <a:endParaRPr lang="en-US"/>
           </a:p>
@@ -1023,7 +1014,7 @@
           <a:p>
             <a:fld id="{7E97AD98-B9C0-48D6-BE04-54ABC792AF9B}" type="datetimeFigureOut">
               <a:rPr lang="en-US" smtClean="0"/>
-              <a:t>9/15/2022</a:t>
+              <a:t>9/20/2022</a:t>
             </a:fld>
             <a:endParaRPr lang="en-US"/>
           </a:p>
@@ -1193,7 +1184,7 @@
           <a:p>
             <a:fld id="{7E97AD98-B9C0-48D6-BE04-54ABC792AF9B}" type="datetimeFigureOut">
               <a:rPr lang="en-US" smtClean="0"/>
-              <a:t>9/15/2022</a:t>
+              <a:t>9/20/2022</a:t>
             </a:fld>
             <a:endParaRPr lang="en-US"/>
           </a:p>
@@ -1806,7 +1797,7 @@
           <a:p>
             <a:fld id="{7E97AD98-B9C0-48D6-BE04-54ABC792AF9B}" type="datetimeFigureOut">
               <a:rPr lang="en-US" smtClean="0"/>
-              <a:t>9/15/2022</a:t>
+              <a:t>9/20/2022</a:t>
             </a:fld>
             <a:endParaRPr lang="en-US"/>
           </a:p>
@@ -2120,7 +2111,7 @@
           <a:p>
             <a:fld id="{7E97AD98-B9C0-48D6-BE04-54ABC792AF9B}" type="datetimeFigureOut">
               <a:rPr lang="en-US" smtClean="0"/>
-              <a:t>9/15/2022</a:t>
+              <a:t>9/20/2022</a:t>
             </a:fld>
             <a:endParaRPr lang="en-US"/>
           </a:p>
@@ -2557,7 +2548,7 @@
           <a:p>
             <a:fld id="{7E97AD98-B9C0-48D6-BE04-54ABC792AF9B}" type="datetimeFigureOut">
               <a:rPr lang="en-US" smtClean="0"/>
-              <a:t>9/15/2022</a:t>
+              <a:t>9/20/2022</a:t>
             </a:fld>
             <a:endParaRPr lang="en-US"/>
           </a:p>
@@ -2675,7 +2666,7 @@
           <a:p>
             <a:fld id="{7E97AD98-B9C0-48D6-BE04-54ABC792AF9B}" type="datetimeFigureOut">
               <a:rPr lang="en-US" smtClean="0"/>
-              <a:t>9/15/2022</a:t>
+              <a:t>9/20/2022</a:t>
             </a:fld>
             <a:endParaRPr lang="en-US"/>
           </a:p>
@@ -2770,7 +2761,7 @@
           <a:p>
             <a:fld id="{7E97AD98-B9C0-48D6-BE04-54ABC792AF9B}" type="datetimeFigureOut">
               <a:rPr lang="en-US" smtClean="0"/>
-              <a:t>9/15/2022</a:t>
+              <a:t>9/20/2022</a:t>
             </a:fld>
             <a:endParaRPr lang="en-US"/>
           </a:p>
@@ -3155,7 +3146,7 @@
           <a:p>
             <a:fld id="{7E97AD98-B9C0-48D6-BE04-54ABC792AF9B}" type="datetimeFigureOut">
               <a:rPr lang="en-US" smtClean="0"/>
-              <a:t>9/15/2022</a:t>
+              <a:t>9/20/2022</a:t>
             </a:fld>
             <a:endParaRPr lang="en-US"/>
           </a:p>
@@ -3536,7 +3527,7 @@
           <a:p>
             <a:fld id="{7E97AD98-B9C0-48D6-BE04-54ABC792AF9B}" type="datetimeFigureOut">
               <a:rPr lang="en-US" smtClean="0"/>
-              <a:t>9/15/2022</a:t>
+              <a:t>9/20/2022</a:t>
             </a:fld>
             <a:endParaRPr lang="en-US"/>
           </a:p>
@@ -3805,7 +3796,7 @@
           <a:p>
             <a:fld id="{7E97AD98-B9C0-48D6-BE04-54ABC792AF9B}" type="datetimeFigureOut">
               <a:rPr lang="en-US" smtClean="0"/>
-              <a:t>9/15/2022</a:t>
+              <a:t>9/20/2022</a:t>
             </a:fld>
             <a:endParaRPr lang="en-US"/>
           </a:p>
@@ -4668,6 +4659,238 @@
 <file path=ppt/slides/slide11.xml><?xml version="1.0" encoding="utf-8"?>
 <p:sld xmlns:a="http://schemas.openxmlformats.org/drawingml/2006/main" xmlns:r="http://schemas.openxmlformats.org/officeDocument/2006/relationships" xmlns:p="http://schemas.openxmlformats.org/presentationml/2006/main">
   <p:cSld>
+    <p:bg>
+      <p:bgPr>
+        <a:solidFill>
+          <a:schemeClr val="bg2"/>
+        </a:solidFill>
+        <a:effectLst/>
+      </p:bgPr>
+    </p:bg>
+    <p:spTree>
+      <p:nvGrpSpPr>
+        <p:cNvPr id="1" name=""/>
+        <p:cNvGrpSpPr/>
+        <p:nvPr/>
+      </p:nvGrpSpPr>
+      <p:grpSpPr>
+        <a:xfrm>
+          <a:off x="0" y="0"/>
+          <a:ext cx="0" cy="0"/>
+          <a:chOff x="0" y="0"/>
+          <a:chExt cx="0" cy="0"/>
+        </a:xfrm>
+      </p:grpSpPr>
+      <p:sp>
+        <p:nvSpPr>
+          <p:cNvPr id="2" name="Titre 1">
+            <a:extLst>
+              <a:ext uri="{FF2B5EF4-FFF2-40B4-BE49-F238E27FC236}">
+                <a16:creationId xmlns:a16="http://schemas.microsoft.com/office/drawing/2014/main" id="{D4D369D4-8812-4739-87E5-03E72AFE8DFC}"/>
+              </a:ext>
+            </a:extLst>
+          </p:cNvPr>
+          <p:cNvSpPr>
+            <a:spLocks noGrp="1"/>
+          </p:cNvSpPr>
+          <p:nvPr>
+            <p:ph type="title"/>
+          </p:nvPr>
+        </p:nvSpPr>
+        <p:spPr>
+          <a:xfrm>
+            <a:off x="6579450" y="727627"/>
+            <a:ext cx="4957553" cy="1130990"/>
+          </a:xfrm>
+        </p:spPr>
+        <p:txBody>
+          <a:bodyPr>
+            <a:normAutofit/>
+          </a:bodyPr>
+          <a:lstStyle/>
+          <a:p>
+            <a:r>
+              <a:rPr lang="fr-FR"/>
+              <a:t>Positionnement</a:t>
+            </a:r>
+            <a:endParaRPr lang="en-US"/>
+          </a:p>
+        </p:txBody>
+      </p:sp>
+      <p:pic>
+        <p:nvPicPr>
+          <p:cNvPr id="4" name="Image 3">
+            <a:extLst>
+              <a:ext uri="{FF2B5EF4-FFF2-40B4-BE49-F238E27FC236}">
+                <a16:creationId xmlns:a16="http://schemas.microsoft.com/office/drawing/2014/main" id="{D3D8A564-EDF8-4D6B-B8E3-F5799F71153D}"/>
+              </a:ext>
+            </a:extLst>
+          </p:cNvPr>
+          <p:cNvPicPr>
+            <a:picLocks noChangeAspect="1"/>
+          </p:cNvPicPr>
+          <p:nvPr/>
+        </p:nvPicPr>
+        <p:blipFill>
+          <a:blip r:embed="rId2"/>
+          <a:stretch>
+            <a:fillRect/>
+          </a:stretch>
+        </p:blipFill>
+        <p:spPr>
+          <a:xfrm>
+            <a:off x="782053" y="1418665"/>
+            <a:ext cx="5312766" cy="3984574"/>
+          </a:xfrm>
+          <a:prstGeom prst="rect">
+            <a:avLst/>
+          </a:prstGeom>
+        </p:spPr>
+      </p:pic>
+      <p:sp>
+        <p:nvSpPr>
+          <p:cNvPr id="3" name="Espace réservé du contenu 2">
+            <a:extLst>
+              <a:ext uri="{FF2B5EF4-FFF2-40B4-BE49-F238E27FC236}">
+                <a16:creationId xmlns:a16="http://schemas.microsoft.com/office/drawing/2014/main" id="{8F7D4F80-F558-4FA9-946B-71FDD376DBBF}"/>
+              </a:ext>
+            </a:extLst>
+          </p:cNvPr>
+          <p:cNvSpPr>
+            <a:spLocks noGrp="1"/>
+          </p:cNvSpPr>
+          <p:nvPr>
+            <p:ph idx="1"/>
+          </p:nvPr>
+        </p:nvSpPr>
+        <p:spPr>
+          <a:xfrm>
+            <a:off x="6579450" y="1858617"/>
+            <a:ext cx="4957554" cy="4176422"/>
+          </a:xfrm>
+        </p:spPr>
+        <p:txBody>
+          <a:bodyPr>
+            <a:normAutofit/>
+          </a:bodyPr>
+          <a:lstStyle/>
+          <a:p>
+            <a:r>
+              <a:rPr lang="fr-FR"/>
+              <a:t>La propriété </a:t>
+            </a:r>
+            <a:r>
+              <a:rPr lang="fr-FR">
+                <a:highlight>
+                  <a:srgbClr val="000000"/>
+                </a:highlight>
+                <a:latin typeface="Consolas" panose="020B0609020204030204" pitchFamily="49" charset="0"/>
+              </a:rPr>
+              <a:t>position</a:t>
+            </a:r>
+            <a:r>
+              <a:rPr lang="fr-FR"/>
+              <a:t> en CSS définit le positionnement de l'élément dans le flux:</a:t>
+            </a:r>
+          </a:p>
+          <a:p>
+            <a:pPr lvl="1"/>
+            <a:r>
+              <a:rPr lang="fr-FR">
+                <a:highlight>
+                  <a:srgbClr val="000000"/>
+                </a:highlight>
+                <a:latin typeface="Consolas" panose="020B0609020204030204" pitchFamily="49" charset="0"/>
+              </a:rPr>
+              <a:t>static</a:t>
+            </a:r>
+            <a:r>
+              <a:rPr lang="fr-FR"/>
+              <a:t>: positionnement par défaut</a:t>
+            </a:r>
+          </a:p>
+          <a:p>
+            <a:pPr lvl="1"/>
+            <a:r>
+              <a:rPr lang="fr-FR">
+                <a:highlight>
+                  <a:srgbClr val="000000"/>
+                </a:highlight>
+                <a:latin typeface="Consolas" panose="020B0609020204030204" pitchFamily="49" charset="0"/>
+              </a:rPr>
+              <a:t>relative</a:t>
+            </a:r>
+            <a:r>
+              <a:rPr lang="fr-FR"/>
+              <a:t>: décalage par rapport au positionnement par défaut</a:t>
+            </a:r>
+          </a:p>
+          <a:p>
+            <a:pPr lvl="1"/>
+            <a:r>
+              <a:rPr lang="fr-FR">
+                <a:highlight>
+                  <a:srgbClr val="000000"/>
+                </a:highlight>
+                <a:latin typeface="Consolas" panose="020B0609020204030204" pitchFamily="49" charset="0"/>
+              </a:rPr>
+              <a:t>absolute</a:t>
+            </a:r>
+            <a:r>
+              <a:rPr lang="fr-FR"/>
+              <a:t>: placement absolu par rapport au plus proche parent positionné</a:t>
+            </a:r>
+          </a:p>
+          <a:p>
+            <a:pPr lvl="1"/>
+            <a:r>
+              <a:rPr lang="fr-FR">
+                <a:highlight>
+                  <a:srgbClr val="000000"/>
+                </a:highlight>
+                <a:latin typeface="Consolas" panose="020B0609020204030204" pitchFamily="49" charset="0"/>
+              </a:rPr>
+              <a:t>fixed</a:t>
+            </a:r>
+            <a:r>
+              <a:rPr lang="fr-FR"/>
+              <a:t>: positionnement absolu et fixe par rapport à la barre de défilement</a:t>
+            </a:r>
+          </a:p>
+          <a:p>
+            <a:pPr lvl="1"/>
+            <a:r>
+              <a:rPr lang="fr-FR">
+                <a:highlight>
+                  <a:srgbClr val="000000"/>
+                </a:highlight>
+                <a:latin typeface="Consolas" panose="020B0609020204030204" pitchFamily="49" charset="0"/>
+              </a:rPr>
+              <a:t>sticky</a:t>
+            </a:r>
+            <a:r>
+              <a:rPr lang="fr-FR"/>
+              <a:t>: équivalent à static ou fixed selon si la position initiale de l'élément est dans la zone délimiée par la barre de défilement</a:t>
+            </a:r>
+          </a:p>
+        </p:txBody>
+      </p:sp>
+    </p:spTree>
+    <p:extLst>
+      <p:ext uri="{BB962C8B-B14F-4D97-AF65-F5344CB8AC3E}">
+        <p14:creationId xmlns:p14="http://schemas.microsoft.com/office/powerpoint/2010/main" val="1833262917"/>
+      </p:ext>
+    </p:extLst>
+  </p:cSld>
+  <p:clrMapOvr>
+    <a:masterClrMapping/>
+  </p:clrMapOvr>
+</p:sld>
+</file>
+
+<file path=ppt/slides/slide12.xml><?xml version="1.0" encoding="utf-8"?>
+<p:sld xmlns:a="http://schemas.openxmlformats.org/drawingml/2006/main" xmlns:r="http://schemas.openxmlformats.org/officeDocument/2006/relationships" xmlns:p="http://schemas.openxmlformats.org/presentationml/2006/main">
+  <p:cSld>
     <p:spTree>
       <p:nvGrpSpPr>
         <p:cNvPr id="1" name=""/>
@@ -5428,6 +5651,56 @@
             <a:r>
               <a:rPr lang="fr-FR"/>
               <a:t>px</a:t>
+            </a:r>
+            <a:endParaRPr lang="en-US"/>
+          </a:p>
+        </p:txBody>
+      </p:sp>
+      <p:sp>
+        <p:nvSpPr>
+          <p:cNvPr id="12" name="Flèche : droite 11">
+            <a:extLst>
+              <a:ext uri="{FF2B5EF4-FFF2-40B4-BE49-F238E27FC236}">
+                <a16:creationId xmlns:a16="http://schemas.microsoft.com/office/drawing/2014/main" id="{C435D4DC-B8E3-43DC-8684-74C4B9911833}"/>
+              </a:ext>
+            </a:extLst>
+          </p:cNvPr>
+          <p:cNvSpPr/>
+          <p:nvPr/>
+        </p:nvSpPr>
+        <p:spPr>
+          <a:xfrm>
+            <a:off x="6959600" y="6146800"/>
+            <a:ext cx="5232400" cy="711200"/>
+          </a:xfrm>
+          <a:prstGeom prst="rightArrow">
+            <a:avLst/>
+          </a:prstGeom>
+        </p:spPr>
+        <p:style>
+          <a:lnRef idx="2">
+            <a:schemeClr val="accent1">
+              <a:shade val="50000"/>
+            </a:schemeClr>
+          </a:lnRef>
+          <a:fillRef idx="1">
+            <a:schemeClr val="accent1"/>
+          </a:fillRef>
+          <a:effectRef idx="0">
+            <a:schemeClr val="accent1"/>
+          </a:effectRef>
+          <a:fontRef idx="minor">
+            <a:schemeClr val="lt1"/>
+          </a:fontRef>
+        </p:style>
+        <p:txBody>
+          <a:bodyPr rtlCol="0" anchor="ctr"/>
+          <a:lstStyle/>
+          <a:p>
+            <a:pPr algn="ctr"/>
+            <a:r>
+              <a:rPr lang="fr-FR"/>
+              <a:t>Chapitre 4: Inline &amp; Block Layout</a:t>
             </a:r>
             <a:endParaRPr lang="en-US"/>
           </a:p>
@@ -5766,6 +6039,97 @@
                       </p:childTnLst>
                     </p:cTn>
                   </p:par>
+                  <p:par>
+                    <p:cTn id="31" fill="hold">
+                      <p:stCondLst>
+                        <p:cond delay="indefinite"/>
+                      </p:stCondLst>
+                      <p:childTnLst>
+                        <p:par>
+                          <p:cTn id="32" fill="hold">
+                            <p:stCondLst>
+                              <p:cond delay="0"/>
+                            </p:stCondLst>
+                            <p:childTnLst>
+                              <p:par>
+                                <p:cTn id="33" presetID="2" presetClass="entr" presetSubtype="4" fill="hold" grpId="0" nodeType="clickEffect">
+                                  <p:stCondLst>
+                                    <p:cond delay="0"/>
+                                  </p:stCondLst>
+                                  <p:childTnLst>
+                                    <p:set>
+                                      <p:cBhvr>
+                                        <p:cTn id="34" dur="1" fill="hold">
+                                          <p:stCondLst>
+                                            <p:cond delay="0"/>
+                                          </p:stCondLst>
+                                        </p:cTn>
+                                        <p:tgtEl>
+                                          <p:spTgt spid="12"/>
+                                        </p:tgtEl>
+                                        <p:attrNameLst>
+                                          <p:attrName>style.visibility</p:attrName>
+                                        </p:attrNameLst>
+                                      </p:cBhvr>
+                                      <p:to>
+                                        <p:strVal val="visible"/>
+                                      </p:to>
+                                    </p:set>
+                                    <p:anim calcmode="lin" valueType="num">
+                                      <p:cBhvr additive="base">
+                                        <p:cTn id="35" dur="500" fill="hold"/>
+                                        <p:tgtEl>
+                                          <p:spTgt spid="12"/>
+                                        </p:tgtEl>
+                                        <p:attrNameLst>
+                                          <p:attrName>ppt_x</p:attrName>
+                                        </p:attrNameLst>
+                                      </p:cBhvr>
+                                      <p:tavLst>
+                                        <p:tav tm="0">
+                                          <p:val>
+                                            <p:strVal val="#ppt_x"/>
+                                          </p:val>
+                                        </p:tav>
+                                        <p:tav tm="100000">
+                                          <p:val>
+                                            <p:strVal val="#ppt_x"/>
+                                          </p:val>
+                                        </p:tav>
+                                      </p:tavLst>
+                                    </p:anim>
+                                    <p:anim calcmode="lin" valueType="num">
+                                      <p:cBhvr additive="base">
+                                        <p:cTn id="36" dur="500" fill="hold"/>
+                                        <p:tgtEl>
+                                          <p:spTgt spid="12"/>
+                                        </p:tgtEl>
+                                        <p:attrNameLst>
+                                          <p:attrName>ppt_y</p:attrName>
+                                        </p:attrNameLst>
+                                      </p:cBhvr>
+                                      <p:tavLst>
+                                        <p:tav tm="0">
+                                          <p:val>
+                                            <p:strVal val="1+#ppt_h/2"/>
+                                          </p:val>
+                                        </p:tav>
+                                        <p:tav tm="100000">
+                                          <p:val>
+                                            <p:strVal val="#ppt_y"/>
+                                          </p:val>
+                                        </p:tav>
+                                      </p:tavLst>
+                                    </p:anim>
+                                  </p:childTnLst>
+                                </p:cTn>
+                              </p:par>
+                            </p:childTnLst>
+                          </p:cTn>
+                        </p:par>
+                      </p:childTnLst>
+                    </p:cTn>
+                  </p:par>
                 </p:childTnLst>
               </p:cTn>
               <p:prevCondLst>
@@ -5795,12 +6159,13 @@
       <p:bldP spid="9" grpId="0" animBg="1"/>
       <p:bldP spid="10" grpId="0" animBg="1"/>
       <p:bldP spid="11" grpId="0" animBg="1"/>
+      <p:bldP spid="12" grpId="0" animBg="1"/>
     </p:bldLst>
   </p:timing>
 </p:sld>
 </file>
 
-<file path=ppt/slides/slide12.xml><?xml version="1.0" encoding="utf-8"?>
+<file path=ppt/slides/slide13.xml><?xml version="1.0" encoding="utf-8"?>
 <p:sld xmlns:a="http://schemas.openxmlformats.org/drawingml/2006/main" xmlns:r="http://schemas.openxmlformats.org/officeDocument/2006/relationships" xmlns:p="http://schemas.openxmlformats.org/presentationml/2006/main">
   <p:cSld>
     <p:spTree>
@@ -6217,7 +6582,7 @@
 </p:sld>
 </file>
 
-<file path=ppt/slides/slide13.xml><?xml version="1.0" encoding="utf-8"?>
+<file path=ppt/slides/slide14.xml><?xml version="1.0" encoding="utf-8"?>
 <p:sld xmlns:a="http://schemas.openxmlformats.org/drawingml/2006/main" xmlns:r="http://schemas.openxmlformats.org/officeDocument/2006/relationships" xmlns:p="http://schemas.openxmlformats.org/presentationml/2006/main">
   <p:cSld>
     <p:spTree>
@@ -6368,7 +6733,7 @@
         <p:spPr>
           <a:xfrm>
             <a:off x="6959600" y="6146800"/>
-            <a:ext cx="5232401" cy="711200"/>
+            <a:ext cx="5232399" cy="711200"/>
           </a:xfrm>
           <a:prstGeom prst="rightArrow">
             <a:avLst/>
@@ -6407,6 +6772,2180 @@
     <p:extLst>
       <p:ext uri="{BB962C8B-B14F-4D97-AF65-F5344CB8AC3E}">
         <p14:creationId xmlns:p14="http://schemas.microsoft.com/office/powerpoint/2010/main" val="618679524"/>
+      </p:ext>
+    </p:extLst>
+  </p:cSld>
+  <p:clrMapOvr>
+    <a:masterClrMapping/>
+  </p:clrMapOvr>
+  <p:timing>
+    <p:tnLst>
+      <p:par>
+        <p:cTn id="1" dur="indefinite" restart="never" nodeType="tmRoot">
+          <p:childTnLst>
+            <p:seq concurrent="1" nextAc="seek">
+              <p:cTn id="2" dur="indefinite" nodeType="mainSeq">
+                <p:childTnLst>
+                  <p:par>
+                    <p:cTn id="3" fill="hold">
+                      <p:stCondLst>
+                        <p:cond delay="indefinite"/>
+                      </p:stCondLst>
+                      <p:childTnLst>
+                        <p:par>
+                          <p:cTn id="4" fill="hold">
+                            <p:stCondLst>
+                              <p:cond delay="0"/>
+                            </p:stCondLst>
+                            <p:childTnLst>
+                              <p:par>
+                                <p:cTn id="5" presetID="2" presetClass="entr" presetSubtype="4" fill="hold" grpId="0" nodeType="clickEffect">
+                                  <p:stCondLst>
+                                    <p:cond delay="0"/>
+                                  </p:stCondLst>
+                                  <p:childTnLst>
+                                    <p:set>
+                                      <p:cBhvr>
+                                        <p:cTn id="6" dur="1" fill="hold">
+                                          <p:stCondLst>
+                                            <p:cond delay="0"/>
+                                          </p:stCondLst>
+                                        </p:cTn>
+                                        <p:tgtEl>
+                                          <p:spTgt spid="6"/>
+                                        </p:tgtEl>
+                                        <p:attrNameLst>
+                                          <p:attrName>style.visibility</p:attrName>
+                                        </p:attrNameLst>
+                                      </p:cBhvr>
+                                      <p:to>
+                                        <p:strVal val="visible"/>
+                                      </p:to>
+                                    </p:set>
+                                    <p:anim calcmode="lin" valueType="num">
+                                      <p:cBhvr additive="base">
+                                        <p:cTn id="7" dur="500" fill="hold"/>
+                                        <p:tgtEl>
+                                          <p:spTgt spid="6"/>
+                                        </p:tgtEl>
+                                        <p:attrNameLst>
+                                          <p:attrName>ppt_x</p:attrName>
+                                        </p:attrNameLst>
+                                      </p:cBhvr>
+                                      <p:tavLst>
+                                        <p:tav tm="0">
+                                          <p:val>
+                                            <p:strVal val="#ppt_x"/>
+                                          </p:val>
+                                        </p:tav>
+                                        <p:tav tm="100000">
+                                          <p:val>
+                                            <p:strVal val="#ppt_x"/>
+                                          </p:val>
+                                        </p:tav>
+                                      </p:tavLst>
+                                    </p:anim>
+                                    <p:anim calcmode="lin" valueType="num">
+                                      <p:cBhvr additive="base">
+                                        <p:cTn id="8" dur="500" fill="hold"/>
+                                        <p:tgtEl>
+                                          <p:spTgt spid="6"/>
+                                        </p:tgtEl>
+                                        <p:attrNameLst>
+                                          <p:attrName>ppt_y</p:attrName>
+                                        </p:attrNameLst>
+                                      </p:cBhvr>
+                                      <p:tavLst>
+                                        <p:tav tm="0">
+                                          <p:val>
+                                            <p:strVal val="1+#ppt_h/2"/>
+                                          </p:val>
+                                        </p:tav>
+                                        <p:tav tm="100000">
+                                          <p:val>
+                                            <p:strVal val="#ppt_y"/>
+                                          </p:val>
+                                        </p:tav>
+                                      </p:tavLst>
+                                    </p:anim>
+                                  </p:childTnLst>
+                                </p:cTn>
+                              </p:par>
+                            </p:childTnLst>
+                          </p:cTn>
+                        </p:par>
+                      </p:childTnLst>
+                    </p:cTn>
+                  </p:par>
+                </p:childTnLst>
+              </p:cTn>
+              <p:prevCondLst>
+                <p:cond evt="onPrev" delay="0">
+                  <p:tgtEl>
+                    <p:sldTgt/>
+                  </p:tgtEl>
+                </p:cond>
+              </p:prevCondLst>
+              <p:nextCondLst>
+                <p:cond evt="onNext" delay="0">
+                  <p:tgtEl>
+                    <p:sldTgt/>
+                  </p:tgtEl>
+                </p:cond>
+              </p:nextCondLst>
+            </p:seq>
+          </p:childTnLst>
+        </p:cTn>
+      </p:par>
+    </p:tnLst>
+    <p:bldLst>
+      <p:bldP spid="6" grpId="0" animBg="1"/>
+    </p:bldLst>
+  </p:timing>
+</p:sld>
+</file>
+
+<file path=ppt/slides/slide15.xml><?xml version="1.0" encoding="utf-8"?>
+<p:sld xmlns:a="http://schemas.openxmlformats.org/drawingml/2006/main" xmlns:r="http://schemas.openxmlformats.org/officeDocument/2006/relationships" xmlns:p="http://schemas.openxmlformats.org/presentationml/2006/main">
+  <p:cSld>
+    <p:bg>
+      <p:bgPr>
+        <a:gradFill flip="none" rotWithShape="1">
+          <a:gsLst>
+            <a:gs pos="0">
+              <a:srgbClr val="B1DDFF"/>
+            </a:gs>
+            <a:gs pos="100000">
+              <a:srgbClr val="B1DDFF">
+                <a:lumMod val="64000"/>
+                <a:lumOff val="36000"/>
+              </a:srgbClr>
+            </a:gs>
+          </a:gsLst>
+          <a:path path="circle">
+            <a:fillToRect l="50000" t="50000" r="50000" b="50000"/>
+          </a:path>
+          <a:tileRect/>
+        </a:gradFill>
+        <a:effectLst/>
+      </p:bgPr>
+    </p:bg>
+    <p:spTree>
+      <p:nvGrpSpPr>
+        <p:cNvPr id="1" name=""/>
+        <p:cNvGrpSpPr/>
+        <p:nvPr/>
+      </p:nvGrpSpPr>
+      <p:grpSpPr>
+        <a:xfrm>
+          <a:off x="0" y="0"/>
+          <a:ext cx="0" cy="0"/>
+          <a:chOff x="0" y="0"/>
+          <a:chExt cx="0" cy="0"/>
+        </a:xfrm>
+      </p:grpSpPr>
+      <p:sp>
+        <p:nvSpPr>
+          <p:cNvPr id="9" name="Rectangle 8">
+            <a:extLst>
+              <a:ext uri="{FF2B5EF4-FFF2-40B4-BE49-F238E27FC236}">
+                <a16:creationId xmlns:a16="http://schemas.microsoft.com/office/drawing/2014/main" id="{AB8CD641-9DEB-4AF5-8236-E9C9CD4C9DCC}"/>
+              </a:ext>
+              <a:ext uri="{C183D7F6-B498-43B3-948B-1728B52AA6E4}">
+                <adec:decorative xmlns:adec="http://schemas.microsoft.com/office/drawing/2017/decorative" val="1"/>
+              </a:ext>
+            </a:extLst>
+          </p:cNvPr>
+          <p:cNvSpPr>
+            <a:spLocks noGrp="1" noRot="1" noChangeAspect="1" noMove="1" noResize="1" noEditPoints="1" noAdjustHandles="1" noChangeArrowheads="1" noChangeShapeType="1" noTextEdit="1"/>
+          </p:cNvSpPr>
+          <p:nvPr>
+            <p:extLst>
+              <p:ext uri="{386F3935-93C4-4BCD-93E2-E3B085C9AB24}">
+                <p16:designElem xmlns:p16="http://schemas.microsoft.com/office/powerpoint/2015/main" val="1"/>
+              </p:ext>
+            </p:extLst>
+          </p:nvPr>
+        </p:nvSpPr>
+        <p:spPr>
+          <a:xfrm>
+            <a:off x="0" y="0"/>
+            <a:ext cx="12192000" cy="6858000"/>
+          </a:xfrm>
+          <a:prstGeom prst="rect">
+            <a:avLst/>
+          </a:prstGeom>
+          <a:blipFill dpi="0" rotWithShape="1">
+            <a:blip r:embed="rId2">
+              <a:alphaModFix amt="12000"/>
+              <a:duotone>
+                <a:schemeClr val="accent1">
+                  <a:shade val="45000"/>
+                  <a:satMod val="135000"/>
+                </a:schemeClr>
+                <a:prstClr val="white"/>
+              </a:duotone>
+            </a:blip>
+            <a:srcRect/>
+            <a:tile tx="-368300" ty="203200" sx="64000" sy="64000" flip="none" algn="tl"/>
+          </a:blipFill>
+          <a:ln>
+            <a:noFill/>
+          </a:ln>
+        </p:spPr>
+        <p:style>
+          <a:lnRef idx="2">
+            <a:schemeClr val="accent1">
+              <a:shade val="50000"/>
+            </a:schemeClr>
+          </a:lnRef>
+          <a:fillRef idx="1">
+            <a:schemeClr val="accent1"/>
+          </a:fillRef>
+          <a:effectRef idx="0">
+            <a:schemeClr val="accent1"/>
+          </a:effectRef>
+          <a:fontRef idx="minor">
+            <a:schemeClr val="lt1"/>
+          </a:fontRef>
+        </p:style>
+        <p:txBody>
+          <a:bodyPr rtlCol="0" anchor="ctr"/>
+          <a:lstStyle/>
+          <a:p>
+            <a:pPr algn="ctr">
+              <a:spcAft>
+                <a:spcPts val="600"/>
+              </a:spcAft>
+            </a:pPr>
+            <a:r>
+              <a:rPr lang="en-US" dirty="0">
+                <a:solidFill>
+                  <a:prstClr val="white"/>
+                </a:solidFill>
+              </a:rPr>
+              <a:t>C</a:t>
+            </a:r>
+          </a:p>
+        </p:txBody>
+      </p:sp>
+      <p:sp>
+        <p:nvSpPr>
+          <p:cNvPr id="11" name="Rectangle 10">
+            <a:extLst>
+              <a:ext uri="{FF2B5EF4-FFF2-40B4-BE49-F238E27FC236}">
+                <a16:creationId xmlns:a16="http://schemas.microsoft.com/office/drawing/2014/main" id="{5D5E296C-7F37-495B-9C8F-C56402F0BC0E}"/>
+              </a:ext>
+              <a:ext uri="{C183D7F6-B498-43B3-948B-1728B52AA6E4}">
+                <adec:decorative xmlns:adec="http://schemas.microsoft.com/office/drawing/2017/decorative" val="1"/>
+              </a:ext>
+            </a:extLst>
+          </p:cNvPr>
+          <p:cNvSpPr>
+            <a:spLocks noGrp="1" noRot="1" noChangeAspect="1" noMove="1" noResize="1" noEditPoints="1" noAdjustHandles="1" noChangeArrowheads="1" noChangeShapeType="1" noTextEdit="1"/>
+          </p:cNvSpPr>
+          <p:nvPr>
+            <p:extLst>
+              <p:ext uri="{386F3935-93C4-4BCD-93E2-E3B085C9AB24}">
+                <p16:designElem xmlns:p16="http://schemas.microsoft.com/office/powerpoint/2015/main" val="1"/>
+              </p:ext>
+            </p:extLst>
+          </p:nvPr>
+        </p:nvSpPr>
+        <p:spPr>
+          <a:xfrm>
+            <a:off x="1307870" y="1267730"/>
+            <a:ext cx="9576262" cy="4307950"/>
+          </a:xfrm>
+          <a:prstGeom prst="rect">
+            <a:avLst/>
+          </a:prstGeom>
+          <a:solidFill>
+            <a:schemeClr val="tx2"/>
+          </a:solidFill>
+          <a:ln w="6350" cap="flat" cmpd="sng" algn="ctr">
+            <a:noFill/>
+            <a:prstDash val="solid"/>
+          </a:ln>
+          <a:effectLst>
+            <a:outerShdw blurRad="50800" algn="ctr" rotWithShape="0">
+              <a:prstClr val="black">
+                <a:alpha val="66000"/>
+              </a:prstClr>
+            </a:outerShdw>
+            <a:softEdge rad="0"/>
+          </a:effectLst>
+        </p:spPr>
+      </p:sp>
+      <p:sp>
+        <p:nvSpPr>
+          <p:cNvPr id="13" name="Rectangle 12">
+            <a:extLst>
+              <a:ext uri="{FF2B5EF4-FFF2-40B4-BE49-F238E27FC236}">
+                <a16:creationId xmlns:a16="http://schemas.microsoft.com/office/drawing/2014/main" id="{D4FEA77F-6150-4990-AB1A-6C6AD09F79C7}"/>
+              </a:ext>
+              <a:ext uri="{C183D7F6-B498-43B3-948B-1728B52AA6E4}">
+                <adec:decorative xmlns:adec="http://schemas.microsoft.com/office/drawing/2017/decorative" val="1"/>
+              </a:ext>
+            </a:extLst>
+          </p:cNvPr>
+          <p:cNvSpPr>
+            <a:spLocks noGrp="1" noRot="1" noChangeAspect="1" noMove="1" noResize="1" noEditPoints="1" noAdjustHandles="1" noChangeArrowheads="1" noChangeShapeType="1" noTextEdit="1"/>
+          </p:cNvSpPr>
+          <p:nvPr>
+            <p:extLst>
+              <p:ext uri="{386F3935-93C4-4BCD-93E2-E3B085C9AB24}">
+                <p16:designElem xmlns:p16="http://schemas.microsoft.com/office/powerpoint/2015/main" val="1"/>
+              </p:ext>
+            </p:extLst>
+          </p:nvPr>
+        </p:nvSpPr>
+        <p:spPr>
+          <a:xfrm>
+            <a:off x="1447801" y="1411615"/>
+            <a:ext cx="9296400" cy="4034770"/>
+          </a:xfrm>
+          <a:prstGeom prst="rect">
+            <a:avLst/>
+          </a:prstGeom>
+          <a:noFill/>
+          <a:ln w="6350" cap="sq" cmpd="sng" algn="ctr">
+            <a:solidFill>
+              <a:schemeClr val="bg2"/>
+            </a:solidFill>
+            <a:prstDash val="solid"/>
+            <a:miter lim="800000"/>
+          </a:ln>
+          <a:effectLst/>
+        </p:spPr>
+      </p:sp>
+      <p:sp>
+        <p:nvSpPr>
+          <p:cNvPr id="15" name="Rectangle 14">
+            <a:extLst>
+              <a:ext uri="{FF2B5EF4-FFF2-40B4-BE49-F238E27FC236}">
+                <a16:creationId xmlns:a16="http://schemas.microsoft.com/office/drawing/2014/main" id="{66CC1B5B-CB1B-482B-BF03-89D1498F6DE2}"/>
+              </a:ext>
+              <a:ext uri="{C183D7F6-B498-43B3-948B-1728B52AA6E4}">
+                <adec:decorative xmlns:adec="http://schemas.microsoft.com/office/drawing/2017/decorative" val="1"/>
+              </a:ext>
+            </a:extLst>
+          </p:cNvPr>
+          <p:cNvSpPr>
+            <a:spLocks noGrp="1" noRot="1" noChangeAspect="1" noMove="1" noResize="1" noEditPoints="1" noAdjustHandles="1" noChangeArrowheads="1" noChangeShapeType="1" noTextEdit="1"/>
+          </p:cNvSpPr>
+          <p:nvPr>
+            <p:extLst>
+              <p:ext uri="{386F3935-93C4-4BCD-93E2-E3B085C9AB24}">
+                <p16:designElem xmlns:p16="http://schemas.microsoft.com/office/powerpoint/2015/main" val="1"/>
+              </p:ext>
+            </p:extLst>
+          </p:nvPr>
+        </p:nvSpPr>
+        <p:spPr>
+          <a:xfrm>
+            <a:off x="5135880" y="1267730"/>
+            <a:ext cx="1920240" cy="731520"/>
+          </a:xfrm>
+          <a:prstGeom prst="rect">
+            <a:avLst/>
+          </a:prstGeom>
+          <a:solidFill>
+            <a:schemeClr val="accent1"/>
+          </a:solidFill>
+          <a:ln>
+            <a:noFill/>
+          </a:ln>
+        </p:spPr>
+        <p:style>
+          <a:lnRef idx="2">
+            <a:schemeClr val="accent1">
+              <a:shade val="50000"/>
+            </a:schemeClr>
+          </a:lnRef>
+          <a:fillRef idx="1">
+            <a:schemeClr val="accent1"/>
+          </a:fillRef>
+          <a:effectRef idx="0">
+            <a:schemeClr val="accent1"/>
+          </a:effectRef>
+          <a:fontRef idx="minor">
+            <a:schemeClr val="lt1"/>
+          </a:fontRef>
+        </p:style>
+      </p:sp>
+      <p:grpSp>
+        <p:nvGrpSpPr>
+          <p:cNvPr id="17" name="Group 16">
+            <a:extLst>
+              <a:ext uri="{FF2B5EF4-FFF2-40B4-BE49-F238E27FC236}">
+                <a16:creationId xmlns:a16="http://schemas.microsoft.com/office/drawing/2014/main" id="{1B537E3F-FCF5-4357-95F0-E51BBB4639F4}"/>
+              </a:ext>
+              <a:ext uri="{C183D7F6-B498-43B3-948B-1728B52AA6E4}">
+                <adec:decorative xmlns:adec="http://schemas.microsoft.com/office/drawing/2017/decorative" val="1"/>
+              </a:ext>
+            </a:extLst>
+          </p:cNvPr>
+          <p:cNvGrpSpPr>
+            <a:grpSpLocks noGrp="1" noUngrp="1" noRot="1" noChangeAspect="1" noMove="1" noResize="1"/>
+          </p:cNvGrpSpPr>
+          <p:nvPr>
+            <p:extLst>
+              <p:ext uri="{386F3935-93C4-4BCD-93E2-E3B085C9AB24}">
+                <p16:designElem xmlns:p16="http://schemas.microsoft.com/office/powerpoint/2015/main" val="1"/>
+              </p:ext>
+            </p:extLst>
+          </p:nvPr>
+        </p:nvGrpSpPr>
+        <p:grpSpPr>
+          <a:xfrm>
+            <a:off x="4828372" y="1267730"/>
+            <a:ext cx="1567331" cy="645295"/>
+            <a:chOff x="5318306" y="1386268"/>
+            <a:chExt cx="1567331" cy="645295"/>
+          </a:xfrm>
+        </p:grpSpPr>
+        <p:cxnSp>
+          <p:nvCxnSpPr>
+            <p:cNvPr id="18" name="Straight Connector 17">
+              <a:extLst>
+                <a:ext uri="{FF2B5EF4-FFF2-40B4-BE49-F238E27FC236}">
+                  <a16:creationId xmlns:a16="http://schemas.microsoft.com/office/drawing/2014/main" id="{D7DF7FB3-680A-495D-816C-0B5753E734ED}"/>
+                </a:ext>
+                <a:ext uri="{C183D7F6-B498-43B3-948B-1728B52AA6E4}">
+                  <adec:decorative xmlns:adec="http://schemas.microsoft.com/office/drawing/2017/decorative" val="1"/>
+                </a:ext>
+              </a:extLst>
+            </p:cNvPr>
+            <p:cNvCxnSpPr/>
+            <p:nvPr>
+              <p:extLst>
+                <p:ext uri="{386F3935-93C4-4BCD-93E2-E3B085C9AB24}">
+                  <p16:designElem xmlns:p16="http://schemas.microsoft.com/office/powerpoint/2015/main" val="1"/>
+                </p:ext>
+              </p:extLst>
+            </p:nvPr>
+          </p:nvCxnSpPr>
+          <p:spPr>
+            <a:xfrm>
+              <a:off x="5318306" y="1386268"/>
+              <a:ext cx="0" cy="640080"/>
+            </a:xfrm>
+            <a:prstGeom prst="line">
+              <a:avLst/>
+            </a:prstGeom>
+            <a:solidFill>
+              <a:schemeClr val="tx1">
+                <a:lumMod val="85000"/>
+                <a:lumOff val="15000"/>
+              </a:schemeClr>
+            </a:solidFill>
+            <a:ln>
+              <a:solidFill>
+                <a:schemeClr val="accent1">
+                  <a:lumMod val="20000"/>
+                  <a:lumOff val="80000"/>
+                </a:schemeClr>
+              </a:solidFill>
+              <a:miter lim="800000"/>
+            </a:ln>
+          </p:spPr>
+          <p:style>
+            <a:lnRef idx="1">
+              <a:schemeClr val="accent1"/>
+            </a:lnRef>
+            <a:fillRef idx="0">
+              <a:schemeClr val="accent1"/>
+            </a:fillRef>
+            <a:effectRef idx="0">
+              <a:schemeClr val="accent1"/>
+            </a:effectRef>
+            <a:fontRef idx="minor">
+              <a:schemeClr val="tx1"/>
+            </a:fontRef>
+          </p:style>
+        </p:cxnSp>
+        <p:cxnSp>
+          <p:nvCxnSpPr>
+            <p:cNvPr id="19" name="Straight Connector 18">
+              <a:extLst>
+                <a:ext uri="{FF2B5EF4-FFF2-40B4-BE49-F238E27FC236}">
+                  <a16:creationId xmlns:a16="http://schemas.microsoft.com/office/drawing/2014/main" id="{0DCC6119-A328-47FF-B1A6-2D09C0933368}"/>
+                </a:ext>
+                <a:ext uri="{C183D7F6-B498-43B3-948B-1728B52AA6E4}">
+                  <adec:decorative xmlns:adec="http://schemas.microsoft.com/office/drawing/2017/decorative" val="1"/>
+                </a:ext>
+              </a:extLst>
+            </p:cNvPr>
+            <p:cNvCxnSpPr/>
+            <p:nvPr>
+              <p:extLst>
+                <p:ext uri="{386F3935-93C4-4BCD-93E2-E3B085C9AB24}">
+                  <p16:designElem xmlns:p16="http://schemas.microsoft.com/office/powerpoint/2015/main" val="1"/>
+                </p:ext>
+              </p:extLst>
+            </p:nvPr>
+          </p:nvCxnSpPr>
+          <p:spPr>
+            <a:xfrm>
+              <a:off x="6885637" y="1386268"/>
+              <a:ext cx="0" cy="640080"/>
+            </a:xfrm>
+            <a:prstGeom prst="line">
+              <a:avLst/>
+            </a:prstGeom>
+            <a:solidFill>
+              <a:schemeClr val="tx1">
+                <a:lumMod val="85000"/>
+                <a:lumOff val="15000"/>
+              </a:schemeClr>
+            </a:solidFill>
+            <a:ln>
+              <a:solidFill>
+                <a:schemeClr val="accent1">
+                  <a:lumMod val="20000"/>
+                  <a:lumOff val="80000"/>
+                </a:schemeClr>
+              </a:solidFill>
+              <a:miter lim="800000"/>
+            </a:ln>
+          </p:spPr>
+          <p:style>
+            <a:lnRef idx="1">
+              <a:schemeClr val="accent1"/>
+            </a:lnRef>
+            <a:fillRef idx="0">
+              <a:schemeClr val="accent1"/>
+            </a:fillRef>
+            <a:effectRef idx="0">
+              <a:schemeClr val="accent1"/>
+            </a:effectRef>
+            <a:fontRef idx="minor">
+              <a:schemeClr val="tx1"/>
+            </a:fontRef>
+          </p:style>
+        </p:cxnSp>
+        <p:cxnSp>
+          <p:nvCxnSpPr>
+            <p:cNvPr id="20" name="Straight Connector 19">
+              <a:extLst>
+                <a:ext uri="{FF2B5EF4-FFF2-40B4-BE49-F238E27FC236}">
+                  <a16:creationId xmlns:a16="http://schemas.microsoft.com/office/drawing/2014/main" id="{93585677-2F18-48C1-8C09-C26AD3F63563}"/>
+                </a:ext>
+                <a:ext uri="{C183D7F6-B498-43B3-948B-1728B52AA6E4}">
+                  <adec:decorative xmlns:adec="http://schemas.microsoft.com/office/drawing/2017/decorative" val="1"/>
+                </a:ext>
+              </a:extLst>
+            </p:cNvPr>
+            <p:cNvCxnSpPr/>
+            <p:nvPr>
+              <p:extLst>
+                <p:ext uri="{386F3935-93C4-4BCD-93E2-E3B085C9AB24}">
+                  <p16:designElem xmlns:p16="http://schemas.microsoft.com/office/powerpoint/2015/main" val="1"/>
+                </p:ext>
+              </p:extLst>
+            </p:nvPr>
+          </p:nvCxnSpPr>
+          <p:spPr>
+            <a:xfrm>
+              <a:off x="5318306" y="2031563"/>
+              <a:ext cx="1567331" cy="0"/>
+            </a:xfrm>
+            <a:prstGeom prst="line">
+              <a:avLst/>
+            </a:prstGeom>
+            <a:solidFill>
+              <a:schemeClr val="tx1">
+                <a:lumMod val="85000"/>
+                <a:lumOff val="15000"/>
+              </a:schemeClr>
+            </a:solidFill>
+            <a:ln>
+              <a:solidFill>
+                <a:schemeClr val="accent1">
+                  <a:lumMod val="20000"/>
+                  <a:lumOff val="80000"/>
+                </a:schemeClr>
+              </a:solidFill>
+              <a:miter lim="800000"/>
+            </a:ln>
+          </p:spPr>
+          <p:style>
+            <a:lnRef idx="1">
+              <a:schemeClr val="accent1"/>
+            </a:lnRef>
+            <a:fillRef idx="0">
+              <a:schemeClr val="accent1"/>
+            </a:fillRef>
+            <a:effectRef idx="0">
+              <a:schemeClr val="accent1"/>
+            </a:effectRef>
+            <a:fontRef idx="minor">
+              <a:schemeClr val="tx1"/>
+            </a:fontRef>
+          </p:style>
+        </p:cxnSp>
+      </p:grpSp>
+      <p:sp>
+        <p:nvSpPr>
+          <p:cNvPr id="22" name="Rectangle 21">
+            <a:extLst>
+              <a:ext uri="{FF2B5EF4-FFF2-40B4-BE49-F238E27FC236}">
+                <a16:creationId xmlns:a16="http://schemas.microsoft.com/office/drawing/2014/main" id="{D465C1FC-DFA3-46C5-9FAF-C9C377B85E63}"/>
+              </a:ext>
+              <a:ext uri="{C183D7F6-B498-43B3-948B-1728B52AA6E4}">
+                <adec:decorative xmlns:adec="http://schemas.microsoft.com/office/drawing/2017/decorative" val="1"/>
+              </a:ext>
+            </a:extLst>
+          </p:cNvPr>
+          <p:cNvSpPr>
+            <a:spLocks noGrp="1" noRot="1" noChangeAspect="1" noMove="1" noResize="1" noEditPoints="1" noAdjustHandles="1" noChangeArrowheads="1" noChangeShapeType="1" noTextEdit="1"/>
+          </p:cNvSpPr>
+          <p:nvPr>
+            <p:extLst>
+              <p:ext uri="{386F3935-93C4-4BCD-93E2-E3B085C9AB24}">
+                <p16:designElem xmlns:p16="http://schemas.microsoft.com/office/powerpoint/2015/main" val="1"/>
+              </p:ext>
+            </p:extLst>
+          </p:nvPr>
+        </p:nvSpPr>
+        <p:spPr>
+          <a:xfrm>
+            <a:off x="0" y="0"/>
+            <a:ext cx="12192000" cy="6858000"/>
+          </a:xfrm>
+          <a:prstGeom prst="rect">
+            <a:avLst/>
+          </a:prstGeom>
+          <a:solidFill>
+            <a:schemeClr val="tx2"/>
+          </a:solidFill>
+          <a:ln>
+            <a:noFill/>
+          </a:ln>
+        </p:spPr>
+        <p:style>
+          <a:lnRef idx="2">
+            <a:schemeClr val="accent1">
+              <a:shade val="50000"/>
+            </a:schemeClr>
+          </a:lnRef>
+          <a:fillRef idx="1002">
+            <a:schemeClr val="lt2"/>
+          </a:fillRef>
+          <a:effectRef idx="0">
+            <a:schemeClr val="accent1"/>
+          </a:effectRef>
+          <a:fontRef idx="minor">
+            <a:schemeClr val="lt1"/>
+          </a:fontRef>
+        </p:style>
+        <p:txBody>
+          <a:bodyPr rtlCol="0" anchor="ctr"/>
+          <a:lstStyle/>
+          <a:p>
+            <a:pPr algn="ctr"/>
+            <a:endParaRPr lang="en-US"/>
+          </a:p>
+        </p:txBody>
+      </p:sp>
+      <p:sp>
+        <p:nvSpPr>
+          <p:cNvPr id="24" name="Rectangle 23">
+            <a:extLst>
+              <a:ext uri="{FF2B5EF4-FFF2-40B4-BE49-F238E27FC236}">
+                <a16:creationId xmlns:a16="http://schemas.microsoft.com/office/drawing/2014/main" id="{8B886C58-0AFE-441D-937C-CB88459BF779}"/>
+              </a:ext>
+              <a:ext uri="{C183D7F6-B498-43B3-948B-1728B52AA6E4}">
+                <adec:decorative xmlns:adec="http://schemas.microsoft.com/office/drawing/2017/decorative" val="1"/>
+              </a:ext>
+            </a:extLst>
+          </p:cNvPr>
+          <p:cNvSpPr>
+            <a:spLocks noGrp="1" noRot="1" noChangeAspect="1" noMove="1" noResize="1" noEditPoints="1" noAdjustHandles="1" noChangeArrowheads="1" noChangeShapeType="1" noTextEdit="1"/>
+          </p:cNvSpPr>
+          <p:nvPr>
+            <p:extLst>
+              <p:ext uri="{386F3935-93C4-4BCD-93E2-E3B085C9AB24}">
+                <p16:designElem xmlns:p16="http://schemas.microsoft.com/office/powerpoint/2015/main" val="1"/>
+              </p:ext>
+            </p:extLst>
+          </p:nvPr>
+        </p:nvSpPr>
+        <p:spPr>
+          <a:xfrm>
+            <a:off x="8547058" y="359775"/>
+            <a:ext cx="3251796" cy="6137278"/>
+          </a:xfrm>
+          <a:prstGeom prst="rect">
+            <a:avLst/>
+          </a:prstGeom>
+          <a:noFill/>
+          <a:ln w="6350" cap="sq">
+            <a:solidFill>
+              <a:schemeClr val="bg2"/>
+            </a:solidFill>
+            <a:miter lim="800000"/>
+          </a:ln>
+        </p:spPr>
+        <p:style>
+          <a:lnRef idx="2">
+            <a:schemeClr val="accent1">
+              <a:shade val="50000"/>
+            </a:schemeClr>
+          </a:lnRef>
+          <a:fillRef idx="1">
+            <a:schemeClr val="accent1"/>
+          </a:fillRef>
+          <a:effectRef idx="0">
+            <a:schemeClr val="accent1"/>
+          </a:effectRef>
+          <a:fontRef idx="minor">
+            <a:schemeClr val="lt1"/>
+          </a:fontRef>
+        </p:style>
+      </p:sp>
+      <p:sp>
+        <p:nvSpPr>
+          <p:cNvPr id="2" name="Titre 1">
+            <a:extLst>
+              <a:ext uri="{FF2B5EF4-FFF2-40B4-BE49-F238E27FC236}">
+                <a16:creationId xmlns:a16="http://schemas.microsoft.com/office/drawing/2014/main" id="{D887596A-5B39-4E0A-96AF-B91B643B2265}"/>
+              </a:ext>
+            </a:extLst>
+          </p:cNvPr>
+          <p:cNvSpPr>
+            <a:spLocks noGrp="1"/>
+          </p:cNvSpPr>
+          <p:nvPr>
+            <p:ph type="title"/>
+          </p:nvPr>
+        </p:nvSpPr>
+        <p:spPr>
+          <a:xfrm>
+            <a:off x="8560024" y="1559768"/>
+            <a:ext cx="3238829" cy="3135379"/>
+          </a:xfrm>
+        </p:spPr>
+        <p:txBody>
+          <a:bodyPr vert="horz" lIns="91440" tIns="45720" rIns="91440" bIns="45720" rtlCol="0" anchor="ctr">
+            <a:normAutofit/>
+          </a:bodyPr>
+          <a:lstStyle/>
+          <a:p>
+            <a:pPr algn="ctr">
+              <a:lnSpc>
+                <a:spcPct val="83000"/>
+              </a:lnSpc>
+            </a:pPr>
+            <a:r>
+              <a:rPr lang="en-US" cap="all" spc="-100">
+                <a:solidFill>
+                  <a:schemeClr val="bg1"/>
+                </a:solidFill>
+              </a:rPr>
+              <a:t>Flex </a:t>
+            </a:r>
+            <a:br>
+              <a:rPr lang="en-US" cap="all" spc="-100">
+                <a:solidFill>
+                  <a:schemeClr val="bg1"/>
+                </a:solidFill>
+              </a:rPr>
+            </a:br>
+            <a:r>
+              <a:rPr lang="en-US" cap="all" spc="-100">
+                <a:solidFill>
+                  <a:schemeClr val="bg1"/>
+                </a:solidFill>
+              </a:rPr>
+              <a:t>&amp;</a:t>
+            </a:r>
+            <a:br>
+              <a:rPr lang="en-US" cap="all" spc="-100">
+                <a:solidFill>
+                  <a:schemeClr val="bg1"/>
+                </a:solidFill>
+              </a:rPr>
+            </a:br>
+            <a:r>
+              <a:rPr lang="en-US" cap="all" spc="-100">
+                <a:solidFill>
+                  <a:schemeClr val="bg1"/>
+                </a:solidFill>
+              </a:rPr>
+              <a:t> Grid</a:t>
+            </a:r>
+          </a:p>
+        </p:txBody>
+      </p:sp>
+      <p:sp>
+        <p:nvSpPr>
+          <p:cNvPr id="26" name="Rectangle 25">
+            <a:extLst>
+              <a:ext uri="{FF2B5EF4-FFF2-40B4-BE49-F238E27FC236}">
+                <a16:creationId xmlns:a16="http://schemas.microsoft.com/office/drawing/2014/main" id="{129748EE-6E3E-4FC2-ACA0-1F12AB51CBD2}"/>
+              </a:ext>
+              <a:ext uri="{C183D7F6-B498-43B3-948B-1728B52AA6E4}">
+                <adec:decorative xmlns:adec="http://schemas.microsoft.com/office/drawing/2017/decorative" val="1"/>
+              </a:ext>
+            </a:extLst>
+          </p:cNvPr>
+          <p:cNvSpPr>
+            <a:spLocks noGrp="1" noRot="1" noChangeAspect="1" noMove="1" noResize="1" noEditPoints="1" noAdjustHandles="1" noChangeArrowheads="1" noChangeShapeType="1" noTextEdit="1"/>
+          </p:cNvSpPr>
+          <p:nvPr>
+            <p:extLst>
+              <p:ext uri="{386F3935-93C4-4BCD-93E2-E3B085C9AB24}">
+                <p16:designElem xmlns:p16="http://schemas.microsoft.com/office/powerpoint/2015/main" val="1"/>
+              </p:ext>
+            </p:extLst>
+          </p:nvPr>
+        </p:nvSpPr>
+        <p:spPr>
+          <a:xfrm>
+            <a:off x="-1867" y="0"/>
+            <a:ext cx="8168743" cy="6858000"/>
+          </a:xfrm>
+          <a:prstGeom prst="rect">
+            <a:avLst/>
+          </a:prstGeom>
+          <a:solidFill>
+            <a:srgbClr val="FFFFFF"/>
+          </a:solidFill>
+          <a:ln>
+            <a:noFill/>
+          </a:ln>
+        </p:spPr>
+        <p:style>
+          <a:lnRef idx="2">
+            <a:schemeClr val="accent1">
+              <a:shade val="50000"/>
+            </a:schemeClr>
+          </a:lnRef>
+          <a:fillRef idx="1">
+            <a:schemeClr val="accent1"/>
+          </a:fillRef>
+          <a:effectRef idx="0">
+            <a:schemeClr val="accent1"/>
+          </a:effectRef>
+          <a:fontRef idx="minor">
+            <a:schemeClr val="lt1"/>
+          </a:fontRef>
+        </p:style>
+        <p:txBody>
+          <a:bodyPr rtlCol="0" anchor="ctr"/>
+          <a:lstStyle/>
+          <a:p>
+            <a:pPr algn="ctr"/>
+            <a:endParaRPr lang="en-US"/>
+          </a:p>
+        </p:txBody>
+      </p:sp>
+      <p:sp>
+        <p:nvSpPr>
+          <p:cNvPr id="28" name="Rectangle 27">
+            <a:extLst>
+              <a:ext uri="{FF2B5EF4-FFF2-40B4-BE49-F238E27FC236}">
+                <a16:creationId xmlns:a16="http://schemas.microsoft.com/office/drawing/2014/main" id="{73E5A381-D251-4880-9714-530B28D3EE1B}"/>
+              </a:ext>
+              <a:ext uri="{C183D7F6-B498-43B3-948B-1728B52AA6E4}">
+                <adec:decorative xmlns:adec="http://schemas.microsoft.com/office/drawing/2017/decorative" val="1"/>
+              </a:ext>
+            </a:extLst>
+          </p:cNvPr>
+          <p:cNvSpPr>
+            <a:spLocks noGrp="1" noRot="1" noChangeAspect="1" noMove="1" noResize="1" noEditPoints="1" noAdjustHandles="1" noChangeArrowheads="1" noChangeShapeType="1" noTextEdit="1"/>
+          </p:cNvSpPr>
+          <p:nvPr>
+            <p:extLst>
+              <p:ext uri="{386F3935-93C4-4BCD-93E2-E3B085C9AB24}">
+                <p16:designElem xmlns:p16="http://schemas.microsoft.com/office/powerpoint/2015/main" val="1"/>
+              </p:ext>
+            </p:extLst>
+          </p:nvPr>
+        </p:nvSpPr>
+        <p:spPr>
+          <a:xfrm>
+            <a:off x="9219318" y="0"/>
+            <a:ext cx="1920240" cy="731520"/>
+          </a:xfrm>
+          <a:prstGeom prst="rect">
+            <a:avLst/>
+          </a:prstGeom>
+          <a:solidFill>
+            <a:schemeClr val="accent1"/>
+          </a:solidFill>
+          <a:ln>
+            <a:noFill/>
+          </a:ln>
+        </p:spPr>
+        <p:style>
+          <a:lnRef idx="2">
+            <a:schemeClr val="accent1">
+              <a:shade val="50000"/>
+            </a:schemeClr>
+          </a:lnRef>
+          <a:fillRef idx="1">
+            <a:schemeClr val="accent1"/>
+          </a:fillRef>
+          <a:effectRef idx="0">
+            <a:schemeClr val="accent1"/>
+          </a:effectRef>
+          <a:fontRef idx="minor">
+            <a:schemeClr val="lt1"/>
+          </a:fontRef>
+        </p:style>
+      </p:sp>
+      <p:cxnSp>
+        <p:nvCxnSpPr>
+          <p:cNvPr id="30" name="Straight Connector 29">
+            <a:extLst>
+              <a:ext uri="{FF2B5EF4-FFF2-40B4-BE49-F238E27FC236}">
+                <a16:creationId xmlns:a16="http://schemas.microsoft.com/office/drawing/2014/main" id="{8B7156C4-96CE-4C55-BBBF-3F10C23116EE}"/>
+              </a:ext>
+              <a:ext uri="{C183D7F6-B498-43B3-948B-1728B52AA6E4}">
+                <adec:decorative xmlns:adec="http://schemas.microsoft.com/office/drawing/2017/decorative" val="1"/>
+              </a:ext>
+            </a:extLst>
+          </p:cNvPr>
+          <p:cNvCxnSpPr>
+            <a:cxnSpLocks noGrp="1" noRot="1" noChangeAspect="1" noMove="1" noResize="1" noEditPoints="1" noAdjustHandles="1" noChangeArrowheads="1" noChangeShapeType="1"/>
+          </p:cNvCxnSpPr>
+          <p:nvPr>
+            <p:extLst>
+              <p:ext uri="{386F3935-93C4-4BCD-93E2-E3B085C9AB24}">
+                <p16:designElem xmlns:p16="http://schemas.microsoft.com/office/powerpoint/2015/main" val="1"/>
+              </p:ext>
+            </p:extLst>
+          </p:nvPr>
+        </p:nvCxnSpPr>
+        <p:spPr>
+          <a:xfrm>
+            <a:off x="9333618" y="-1172"/>
+            <a:ext cx="0" cy="640080"/>
+          </a:xfrm>
+          <a:prstGeom prst="line">
+            <a:avLst/>
+          </a:prstGeom>
+          <a:solidFill>
+            <a:schemeClr val="tx1">
+              <a:lumMod val="85000"/>
+              <a:lumOff val="15000"/>
+            </a:schemeClr>
+          </a:solidFill>
+          <a:ln>
+            <a:solidFill>
+              <a:schemeClr val="accent1">
+                <a:lumMod val="20000"/>
+                <a:lumOff val="80000"/>
+              </a:schemeClr>
+            </a:solidFill>
+            <a:miter lim="800000"/>
+          </a:ln>
+        </p:spPr>
+        <p:style>
+          <a:lnRef idx="1">
+            <a:schemeClr val="accent1"/>
+          </a:lnRef>
+          <a:fillRef idx="0">
+            <a:schemeClr val="accent1"/>
+          </a:fillRef>
+          <a:effectRef idx="0">
+            <a:schemeClr val="accent1"/>
+          </a:effectRef>
+          <a:fontRef idx="minor">
+            <a:schemeClr val="tx1"/>
+          </a:fontRef>
+        </p:style>
+      </p:cxnSp>
+      <p:cxnSp>
+        <p:nvCxnSpPr>
+          <p:cNvPr id="32" name="Straight Connector 31">
+            <a:extLst>
+              <a:ext uri="{FF2B5EF4-FFF2-40B4-BE49-F238E27FC236}">
+                <a16:creationId xmlns:a16="http://schemas.microsoft.com/office/drawing/2014/main" id="{88C3A3B4-2A59-4319-8007-200D721865F6}"/>
+              </a:ext>
+              <a:ext uri="{C183D7F6-B498-43B3-948B-1728B52AA6E4}">
+                <adec:decorative xmlns:adec="http://schemas.microsoft.com/office/drawing/2017/decorative" val="1"/>
+              </a:ext>
+            </a:extLst>
+          </p:cNvPr>
+          <p:cNvCxnSpPr>
+            <a:cxnSpLocks noGrp="1" noRot="1" noChangeAspect="1" noMove="1" noResize="1" noEditPoints="1" noAdjustHandles="1" noChangeArrowheads="1" noChangeShapeType="1"/>
+          </p:cNvCxnSpPr>
+          <p:nvPr>
+            <p:extLst>
+              <p:ext uri="{386F3935-93C4-4BCD-93E2-E3B085C9AB24}">
+                <p16:designElem xmlns:p16="http://schemas.microsoft.com/office/powerpoint/2015/main" val="1"/>
+              </p:ext>
+            </p:extLst>
+          </p:nvPr>
+        </p:nvCxnSpPr>
+        <p:spPr>
+          <a:xfrm>
+            <a:off x="11025258" y="-1172"/>
+            <a:ext cx="0" cy="640080"/>
+          </a:xfrm>
+          <a:prstGeom prst="line">
+            <a:avLst/>
+          </a:prstGeom>
+          <a:solidFill>
+            <a:schemeClr val="tx1">
+              <a:lumMod val="85000"/>
+              <a:lumOff val="15000"/>
+            </a:schemeClr>
+          </a:solidFill>
+          <a:ln>
+            <a:solidFill>
+              <a:schemeClr val="accent1">
+                <a:lumMod val="20000"/>
+                <a:lumOff val="80000"/>
+              </a:schemeClr>
+            </a:solidFill>
+            <a:miter lim="800000"/>
+          </a:ln>
+        </p:spPr>
+        <p:style>
+          <a:lnRef idx="1">
+            <a:schemeClr val="accent1"/>
+          </a:lnRef>
+          <a:fillRef idx="0">
+            <a:schemeClr val="accent1"/>
+          </a:fillRef>
+          <a:effectRef idx="0">
+            <a:schemeClr val="accent1"/>
+          </a:effectRef>
+          <a:fontRef idx="minor">
+            <a:schemeClr val="tx1"/>
+          </a:fontRef>
+        </p:style>
+      </p:cxnSp>
+      <p:cxnSp>
+        <p:nvCxnSpPr>
+          <p:cNvPr id="49" name="Straight Connector 33">
+            <a:extLst>
+              <a:ext uri="{FF2B5EF4-FFF2-40B4-BE49-F238E27FC236}">
+                <a16:creationId xmlns:a16="http://schemas.microsoft.com/office/drawing/2014/main" id="{A9329761-0E22-487E-9CF4-FE08571F1738}"/>
+              </a:ext>
+              <a:ext uri="{C183D7F6-B498-43B3-948B-1728B52AA6E4}">
+                <adec:decorative xmlns:adec="http://schemas.microsoft.com/office/drawing/2017/decorative" val="1"/>
+              </a:ext>
+            </a:extLst>
+          </p:cNvPr>
+          <p:cNvCxnSpPr>
+            <a:cxnSpLocks noGrp="1" noRot="1" noChangeAspect="1" noMove="1" noResize="1" noEditPoints="1" noAdjustHandles="1" noChangeArrowheads="1" noChangeShapeType="1"/>
+          </p:cNvCxnSpPr>
+          <p:nvPr>
+            <p:extLst>
+              <p:ext uri="{386F3935-93C4-4BCD-93E2-E3B085C9AB24}">
+                <p16:designElem xmlns:p16="http://schemas.microsoft.com/office/powerpoint/2015/main" val="1"/>
+              </p:ext>
+            </p:extLst>
+          </p:nvPr>
+        </p:nvCxnSpPr>
+        <p:spPr>
+          <a:xfrm>
+            <a:off x="9333618" y="644123"/>
+            <a:ext cx="1691640" cy="0"/>
+          </a:xfrm>
+          <a:prstGeom prst="line">
+            <a:avLst/>
+          </a:prstGeom>
+          <a:solidFill>
+            <a:schemeClr val="tx1">
+              <a:lumMod val="85000"/>
+              <a:lumOff val="15000"/>
+            </a:schemeClr>
+          </a:solidFill>
+          <a:ln>
+            <a:solidFill>
+              <a:schemeClr val="accent1">
+                <a:lumMod val="20000"/>
+                <a:lumOff val="80000"/>
+              </a:schemeClr>
+            </a:solidFill>
+            <a:miter lim="800000"/>
+          </a:ln>
+        </p:spPr>
+        <p:style>
+          <a:lnRef idx="1">
+            <a:schemeClr val="accent1"/>
+          </a:lnRef>
+          <a:fillRef idx="0">
+            <a:schemeClr val="accent1"/>
+          </a:fillRef>
+          <a:effectRef idx="0">
+            <a:schemeClr val="accent1"/>
+          </a:effectRef>
+          <a:fontRef idx="minor">
+            <a:schemeClr val="tx1"/>
+          </a:fontRef>
+        </p:style>
+      </p:cxnSp>
+      <p:sp>
+        <p:nvSpPr>
+          <p:cNvPr id="5" name="ZoneTexte 4">
+            <a:extLst>
+              <a:ext uri="{FF2B5EF4-FFF2-40B4-BE49-F238E27FC236}">
+                <a16:creationId xmlns:a16="http://schemas.microsoft.com/office/drawing/2014/main" id="{E4FC2F06-D9FC-4DA6-B3B8-027D34AB175C}"/>
+              </a:ext>
+            </a:extLst>
+          </p:cNvPr>
+          <p:cNvSpPr txBox="1"/>
+          <p:nvPr/>
+        </p:nvSpPr>
+        <p:spPr>
+          <a:xfrm>
+            <a:off x="8860448" y="4591346"/>
+            <a:ext cx="2778711" cy="923330"/>
+          </a:xfrm>
+          <a:prstGeom prst="rect">
+            <a:avLst/>
+          </a:prstGeom>
+          <a:noFill/>
+        </p:spPr>
+        <p:txBody>
+          <a:bodyPr wrap="square" rtlCol="0">
+            <a:spAutoFit/>
+          </a:bodyPr>
+          <a:lstStyle/>
+          <a:p>
+            <a:pPr algn="ctr"/>
+            <a:r>
+              <a:rPr lang="fr-FR">
+                <a:solidFill>
+                  <a:schemeClr val="bg1"/>
+                </a:solidFill>
+              </a:rPr>
+              <a:t>De nouveaux modes d'affichage pour </a:t>
+            </a:r>
+            <a:br>
+              <a:rPr lang="fr-FR">
+                <a:solidFill>
+                  <a:schemeClr val="bg1"/>
+                </a:solidFill>
+              </a:rPr>
+            </a:br>
+            <a:r>
+              <a:rPr lang="fr-FR">
+                <a:solidFill>
+                  <a:schemeClr val="bg1"/>
+                </a:solidFill>
+              </a:rPr>
+              <a:t>l'ère des webapps</a:t>
+            </a:r>
+            <a:endParaRPr lang="en-US">
+              <a:solidFill>
+                <a:schemeClr val="bg1"/>
+              </a:solidFill>
+            </a:endParaRPr>
+          </a:p>
+        </p:txBody>
+      </p:sp>
+      <p:pic>
+        <p:nvPicPr>
+          <p:cNvPr id="6" name="Image 5">
+            <a:extLst>
+              <a:ext uri="{FF2B5EF4-FFF2-40B4-BE49-F238E27FC236}">
+                <a16:creationId xmlns:a16="http://schemas.microsoft.com/office/drawing/2014/main" id="{D75752B4-C85A-4BF6-ADA7-D9DB0D570F94}"/>
+              </a:ext>
+            </a:extLst>
+          </p:cNvPr>
+          <p:cNvPicPr>
+            <a:picLocks noChangeAspect="1"/>
+          </p:cNvPicPr>
+          <p:nvPr/>
+        </p:nvPicPr>
+        <p:blipFill>
+          <a:blip r:embed="rId3"/>
+          <a:stretch>
+            <a:fillRect/>
+          </a:stretch>
+        </p:blipFill>
+        <p:spPr>
+          <a:xfrm>
+            <a:off x="156223" y="1040309"/>
+            <a:ext cx="7878274" cy="4305901"/>
+          </a:xfrm>
+          <a:prstGeom prst="rect">
+            <a:avLst/>
+          </a:prstGeom>
+        </p:spPr>
+      </p:pic>
+      <p:sp>
+        <p:nvSpPr>
+          <p:cNvPr id="36" name="Flèche : droite 35">
+            <a:extLst>
+              <a:ext uri="{FF2B5EF4-FFF2-40B4-BE49-F238E27FC236}">
+                <a16:creationId xmlns:a16="http://schemas.microsoft.com/office/drawing/2014/main" id="{102C9C45-8B56-4E03-A296-E2CB2243E6F1}"/>
+              </a:ext>
+            </a:extLst>
+          </p:cNvPr>
+          <p:cNvSpPr/>
+          <p:nvPr/>
+        </p:nvSpPr>
+        <p:spPr>
+          <a:xfrm>
+            <a:off x="6959600" y="6146800"/>
+            <a:ext cx="5232400" cy="711200"/>
+          </a:xfrm>
+          <a:prstGeom prst="rightArrow">
+            <a:avLst/>
+          </a:prstGeom>
+        </p:spPr>
+        <p:style>
+          <a:lnRef idx="2">
+            <a:schemeClr val="accent1">
+              <a:shade val="50000"/>
+            </a:schemeClr>
+          </a:lnRef>
+          <a:fillRef idx="1">
+            <a:schemeClr val="accent1"/>
+          </a:fillRef>
+          <a:effectRef idx="0">
+            <a:schemeClr val="accent1"/>
+          </a:effectRef>
+          <a:fontRef idx="minor">
+            <a:schemeClr val="lt1"/>
+          </a:fontRef>
+        </p:style>
+        <p:txBody>
+          <a:bodyPr rtlCol="0" anchor="ctr"/>
+          <a:lstStyle/>
+          <a:p>
+            <a:pPr algn="ctr"/>
+            <a:r>
+              <a:rPr lang="fr-FR"/>
+              <a:t>Chapitre 5 &amp; 6: Flex &amp; Grid Layout</a:t>
+            </a:r>
+            <a:endParaRPr lang="en-US"/>
+          </a:p>
+        </p:txBody>
+      </p:sp>
+    </p:spTree>
+    <p:extLst>
+      <p:ext uri="{BB962C8B-B14F-4D97-AF65-F5344CB8AC3E}">
+        <p14:creationId xmlns:p14="http://schemas.microsoft.com/office/powerpoint/2010/main" val="3442135665"/>
+      </p:ext>
+    </p:extLst>
+  </p:cSld>
+  <p:clrMapOvr>
+    <a:masterClrMapping/>
+  </p:clrMapOvr>
+  <p:timing>
+    <p:tnLst>
+      <p:par>
+        <p:cTn id="1" dur="indefinite" restart="never" nodeType="tmRoot">
+          <p:childTnLst>
+            <p:seq concurrent="1" nextAc="seek">
+              <p:cTn id="2" dur="indefinite" nodeType="mainSeq">
+                <p:childTnLst>
+                  <p:par>
+                    <p:cTn id="3" fill="hold">
+                      <p:stCondLst>
+                        <p:cond delay="indefinite"/>
+                      </p:stCondLst>
+                      <p:childTnLst>
+                        <p:par>
+                          <p:cTn id="4" fill="hold">
+                            <p:stCondLst>
+                              <p:cond delay="0"/>
+                            </p:stCondLst>
+                            <p:childTnLst>
+                              <p:par>
+                                <p:cTn id="5" presetID="2" presetClass="entr" presetSubtype="4" fill="hold" grpId="0" nodeType="clickEffect">
+                                  <p:stCondLst>
+                                    <p:cond delay="0"/>
+                                  </p:stCondLst>
+                                  <p:childTnLst>
+                                    <p:set>
+                                      <p:cBhvr>
+                                        <p:cTn id="6" dur="1" fill="hold">
+                                          <p:stCondLst>
+                                            <p:cond delay="0"/>
+                                          </p:stCondLst>
+                                        </p:cTn>
+                                        <p:tgtEl>
+                                          <p:spTgt spid="36"/>
+                                        </p:tgtEl>
+                                        <p:attrNameLst>
+                                          <p:attrName>style.visibility</p:attrName>
+                                        </p:attrNameLst>
+                                      </p:cBhvr>
+                                      <p:to>
+                                        <p:strVal val="visible"/>
+                                      </p:to>
+                                    </p:set>
+                                    <p:anim calcmode="lin" valueType="num">
+                                      <p:cBhvr additive="base">
+                                        <p:cTn id="7" dur="500" fill="hold"/>
+                                        <p:tgtEl>
+                                          <p:spTgt spid="36"/>
+                                        </p:tgtEl>
+                                        <p:attrNameLst>
+                                          <p:attrName>ppt_x</p:attrName>
+                                        </p:attrNameLst>
+                                      </p:cBhvr>
+                                      <p:tavLst>
+                                        <p:tav tm="0">
+                                          <p:val>
+                                            <p:strVal val="#ppt_x"/>
+                                          </p:val>
+                                        </p:tav>
+                                        <p:tav tm="100000">
+                                          <p:val>
+                                            <p:strVal val="#ppt_x"/>
+                                          </p:val>
+                                        </p:tav>
+                                      </p:tavLst>
+                                    </p:anim>
+                                    <p:anim calcmode="lin" valueType="num">
+                                      <p:cBhvr additive="base">
+                                        <p:cTn id="8" dur="500" fill="hold"/>
+                                        <p:tgtEl>
+                                          <p:spTgt spid="36"/>
+                                        </p:tgtEl>
+                                        <p:attrNameLst>
+                                          <p:attrName>ppt_y</p:attrName>
+                                        </p:attrNameLst>
+                                      </p:cBhvr>
+                                      <p:tavLst>
+                                        <p:tav tm="0">
+                                          <p:val>
+                                            <p:strVal val="1+#ppt_h/2"/>
+                                          </p:val>
+                                        </p:tav>
+                                        <p:tav tm="100000">
+                                          <p:val>
+                                            <p:strVal val="#ppt_y"/>
+                                          </p:val>
+                                        </p:tav>
+                                      </p:tavLst>
+                                    </p:anim>
+                                  </p:childTnLst>
+                                </p:cTn>
+                              </p:par>
+                            </p:childTnLst>
+                          </p:cTn>
+                        </p:par>
+                      </p:childTnLst>
+                    </p:cTn>
+                  </p:par>
+                </p:childTnLst>
+              </p:cTn>
+              <p:prevCondLst>
+                <p:cond evt="onPrev" delay="0">
+                  <p:tgtEl>
+                    <p:sldTgt/>
+                  </p:tgtEl>
+                </p:cond>
+              </p:prevCondLst>
+              <p:nextCondLst>
+                <p:cond evt="onNext" delay="0">
+                  <p:tgtEl>
+                    <p:sldTgt/>
+                  </p:tgtEl>
+                </p:cond>
+              </p:nextCondLst>
+            </p:seq>
+          </p:childTnLst>
+        </p:cTn>
+      </p:par>
+    </p:tnLst>
+    <p:bldLst>
+      <p:bldP spid="36" grpId="0" animBg="1"/>
+    </p:bldLst>
+  </p:timing>
+</p:sld>
+</file>
+
+<file path=ppt/slides/slide16.xml><?xml version="1.0" encoding="utf-8"?>
+<p:sld xmlns:a="http://schemas.openxmlformats.org/drawingml/2006/main" xmlns:r="http://schemas.openxmlformats.org/officeDocument/2006/relationships" xmlns:p="http://schemas.openxmlformats.org/presentationml/2006/main">
+  <p:cSld>
+    <p:spTree>
+      <p:nvGrpSpPr>
+        <p:cNvPr id="1" name=""/>
+        <p:cNvGrpSpPr/>
+        <p:nvPr/>
+      </p:nvGrpSpPr>
+      <p:grpSpPr>
+        <a:xfrm>
+          <a:off x="0" y="0"/>
+          <a:ext cx="0" cy="0"/>
+          <a:chOff x="0" y="0"/>
+          <a:chExt cx="0" cy="0"/>
+        </a:xfrm>
+      </p:grpSpPr>
+      <p:sp>
+        <p:nvSpPr>
+          <p:cNvPr id="2" name="Titre 1">
+            <a:extLst>
+              <a:ext uri="{FF2B5EF4-FFF2-40B4-BE49-F238E27FC236}">
+                <a16:creationId xmlns:a16="http://schemas.microsoft.com/office/drawing/2014/main" id="{9997D882-EBD1-45E7-8472-5061FA9C6B66}"/>
+              </a:ext>
+            </a:extLst>
+          </p:cNvPr>
+          <p:cNvSpPr>
+            <a:spLocks noGrp="1"/>
+          </p:cNvSpPr>
+          <p:nvPr>
+            <p:ph type="title"/>
+          </p:nvPr>
+        </p:nvSpPr>
+        <p:spPr/>
+        <p:txBody>
+          <a:bodyPr/>
+          <a:lstStyle/>
+          <a:p>
+            <a:r>
+              <a:rPr lang="fr-FR"/>
+              <a:t>Interactions</a:t>
+            </a:r>
+            <a:endParaRPr lang="en-US"/>
+          </a:p>
+        </p:txBody>
+      </p:sp>
+      <p:sp>
+        <p:nvSpPr>
+          <p:cNvPr id="3" name="Espace réservé du contenu 2">
+            <a:extLst>
+              <a:ext uri="{FF2B5EF4-FFF2-40B4-BE49-F238E27FC236}">
+                <a16:creationId xmlns:a16="http://schemas.microsoft.com/office/drawing/2014/main" id="{045131B1-F347-4553-821A-1C91D0527CE1}"/>
+              </a:ext>
+            </a:extLst>
+          </p:cNvPr>
+          <p:cNvSpPr>
+            <a:spLocks noGrp="1"/>
+          </p:cNvSpPr>
+          <p:nvPr>
+            <p:ph idx="1"/>
+          </p:nvPr>
+        </p:nvSpPr>
+        <p:spPr/>
+        <p:txBody>
+          <a:bodyPr/>
+          <a:lstStyle/>
+          <a:p>
+            <a:pPr marL="0" indent="0">
+              <a:buNone/>
+            </a:pPr>
+            <a:r>
+              <a:rPr lang="fr-FR"/>
+              <a:t>Certaines interactions utilisateur sont susceptibles de changer le style du document:</a:t>
+            </a:r>
+          </a:p>
+          <a:p>
+            <a:r>
+              <a:rPr lang="fr-FR"/>
+              <a:t>survol de la souris: </a:t>
+            </a:r>
+            <a:r>
+              <a:rPr lang="fr-FR">
+                <a:highlight>
+                  <a:srgbClr val="000000"/>
+                </a:highlight>
+                <a:latin typeface="Consolas" panose="020B0609020204030204" pitchFamily="49" charset="0"/>
+              </a:rPr>
+              <a:t>a:hover</a:t>
+            </a:r>
+          </a:p>
+          <a:p>
+            <a:r>
+              <a:rPr lang="fr-FR"/>
+              <a:t>focus sur un élément: </a:t>
+            </a:r>
+            <a:r>
+              <a:rPr lang="fr-FR">
+                <a:highlight>
+                  <a:srgbClr val="000000"/>
+                </a:highlight>
+                <a:latin typeface="Consolas" panose="020B0609020204030204" pitchFamily="49" charset="0"/>
+              </a:rPr>
+              <a:t>textarea:focus</a:t>
+            </a:r>
+          </a:p>
+          <a:p>
+            <a:r>
+              <a:rPr lang="fr-FR"/>
+              <a:t>activation d'un élément: </a:t>
+            </a:r>
+            <a:r>
+              <a:rPr lang="fr-FR">
+                <a:highlight>
+                  <a:srgbClr val="000000"/>
+                </a:highlight>
+                <a:latin typeface="Consolas" panose="020B0609020204030204" pitchFamily="49" charset="0"/>
+              </a:rPr>
+              <a:t>button:active</a:t>
+            </a:r>
+          </a:p>
+          <a:p>
+            <a:r>
+              <a:rPr lang="fr-FR"/>
+              <a:t>état d'un champ de formulaire: </a:t>
+            </a:r>
+            <a:r>
+              <a:rPr lang="fr-FR">
+                <a:highlight>
+                  <a:srgbClr val="000000"/>
+                </a:highlight>
+                <a:latin typeface="Consolas" panose="020B0609020204030204" pitchFamily="49" charset="0"/>
+              </a:rPr>
+              <a:t>input[type="checkbox"]:checked</a:t>
+            </a:r>
+          </a:p>
+          <a:p>
+            <a:r>
+              <a:rPr lang="fr-FR"/>
+              <a:t>validité d'un champ de formulaire: </a:t>
+            </a:r>
+            <a:r>
+              <a:rPr lang="fr-FR">
+                <a:highlight>
+                  <a:srgbClr val="000000"/>
+                </a:highlight>
+                <a:latin typeface="Consolas" panose="020B0609020204030204" pitchFamily="49" charset="0"/>
+              </a:rPr>
+              <a:t>input:valid, input:invalid</a:t>
+            </a:r>
+          </a:p>
+          <a:p>
+            <a:endParaRPr lang="fr-FR"/>
+          </a:p>
+          <a:p>
+            <a:endParaRPr lang="en-US"/>
+          </a:p>
+        </p:txBody>
+      </p:sp>
+      <p:sp>
+        <p:nvSpPr>
+          <p:cNvPr id="6" name="Flèche : droite 5">
+            <a:hlinkClick r:id="rId2"/>
+            <a:extLst>
+              <a:ext uri="{FF2B5EF4-FFF2-40B4-BE49-F238E27FC236}">
+                <a16:creationId xmlns:a16="http://schemas.microsoft.com/office/drawing/2014/main" id="{26F37A37-513C-4420-BB19-EBD68A39C24D}"/>
+              </a:ext>
+            </a:extLst>
+          </p:cNvPr>
+          <p:cNvSpPr/>
+          <p:nvPr/>
+        </p:nvSpPr>
+        <p:spPr>
+          <a:xfrm>
+            <a:off x="7628384" y="6146800"/>
+            <a:ext cx="4563616" cy="711200"/>
+          </a:xfrm>
+          <a:prstGeom prst="rightArrow">
+            <a:avLst/>
+          </a:prstGeom>
+        </p:spPr>
+        <p:style>
+          <a:lnRef idx="2">
+            <a:schemeClr val="accent1">
+              <a:shade val="50000"/>
+            </a:schemeClr>
+          </a:lnRef>
+          <a:fillRef idx="1">
+            <a:schemeClr val="accent1"/>
+          </a:fillRef>
+          <a:effectRef idx="0">
+            <a:schemeClr val="accent1"/>
+          </a:effectRef>
+          <a:fontRef idx="minor">
+            <a:schemeClr val="lt1"/>
+          </a:fontRef>
+        </p:style>
+        <p:txBody>
+          <a:bodyPr rtlCol="0" anchor="ctr"/>
+          <a:lstStyle/>
+          <a:p>
+            <a:pPr algn="ctr"/>
+            <a:r>
+              <a:rPr lang="fr-FR"/>
+              <a:t>Démo en ligne</a:t>
+            </a:r>
+            <a:endParaRPr lang="en-US"/>
+          </a:p>
+        </p:txBody>
+      </p:sp>
+    </p:spTree>
+    <p:extLst>
+      <p:ext uri="{BB962C8B-B14F-4D97-AF65-F5344CB8AC3E}">
+        <p14:creationId xmlns:p14="http://schemas.microsoft.com/office/powerpoint/2010/main" val="1205107416"/>
+      </p:ext>
+    </p:extLst>
+  </p:cSld>
+  <p:clrMapOvr>
+    <a:masterClrMapping/>
+  </p:clrMapOvr>
+  <p:timing>
+    <p:tnLst>
+      <p:par>
+        <p:cTn id="1" dur="indefinite" restart="never" nodeType="tmRoot">
+          <p:childTnLst>
+            <p:seq concurrent="1" nextAc="seek">
+              <p:cTn id="2" dur="indefinite" nodeType="mainSeq">
+                <p:childTnLst>
+                  <p:par>
+                    <p:cTn id="3" fill="hold">
+                      <p:stCondLst>
+                        <p:cond delay="indefinite"/>
+                      </p:stCondLst>
+                      <p:childTnLst>
+                        <p:par>
+                          <p:cTn id="4" fill="hold">
+                            <p:stCondLst>
+                              <p:cond delay="0"/>
+                            </p:stCondLst>
+                            <p:childTnLst>
+                              <p:par>
+                                <p:cTn id="5" presetID="2" presetClass="entr" presetSubtype="4" fill="hold" grpId="0" nodeType="clickEffect">
+                                  <p:stCondLst>
+                                    <p:cond delay="0"/>
+                                  </p:stCondLst>
+                                  <p:childTnLst>
+                                    <p:set>
+                                      <p:cBhvr>
+                                        <p:cTn id="6" dur="1" fill="hold">
+                                          <p:stCondLst>
+                                            <p:cond delay="0"/>
+                                          </p:stCondLst>
+                                        </p:cTn>
+                                        <p:tgtEl>
+                                          <p:spTgt spid="6"/>
+                                        </p:tgtEl>
+                                        <p:attrNameLst>
+                                          <p:attrName>style.visibility</p:attrName>
+                                        </p:attrNameLst>
+                                      </p:cBhvr>
+                                      <p:to>
+                                        <p:strVal val="visible"/>
+                                      </p:to>
+                                    </p:set>
+                                    <p:anim calcmode="lin" valueType="num">
+                                      <p:cBhvr additive="base">
+                                        <p:cTn id="7" dur="500" fill="hold"/>
+                                        <p:tgtEl>
+                                          <p:spTgt spid="6"/>
+                                        </p:tgtEl>
+                                        <p:attrNameLst>
+                                          <p:attrName>ppt_x</p:attrName>
+                                        </p:attrNameLst>
+                                      </p:cBhvr>
+                                      <p:tavLst>
+                                        <p:tav tm="0">
+                                          <p:val>
+                                            <p:strVal val="#ppt_x"/>
+                                          </p:val>
+                                        </p:tav>
+                                        <p:tav tm="100000">
+                                          <p:val>
+                                            <p:strVal val="#ppt_x"/>
+                                          </p:val>
+                                        </p:tav>
+                                      </p:tavLst>
+                                    </p:anim>
+                                    <p:anim calcmode="lin" valueType="num">
+                                      <p:cBhvr additive="base">
+                                        <p:cTn id="8" dur="500" fill="hold"/>
+                                        <p:tgtEl>
+                                          <p:spTgt spid="6"/>
+                                        </p:tgtEl>
+                                        <p:attrNameLst>
+                                          <p:attrName>ppt_y</p:attrName>
+                                        </p:attrNameLst>
+                                      </p:cBhvr>
+                                      <p:tavLst>
+                                        <p:tav tm="0">
+                                          <p:val>
+                                            <p:strVal val="1+#ppt_h/2"/>
+                                          </p:val>
+                                        </p:tav>
+                                        <p:tav tm="100000">
+                                          <p:val>
+                                            <p:strVal val="#ppt_y"/>
+                                          </p:val>
+                                        </p:tav>
+                                      </p:tavLst>
+                                    </p:anim>
+                                  </p:childTnLst>
+                                </p:cTn>
+                              </p:par>
+                            </p:childTnLst>
+                          </p:cTn>
+                        </p:par>
+                      </p:childTnLst>
+                    </p:cTn>
+                  </p:par>
+                </p:childTnLst>
+              </p:cTn>
+              <p:prevCondLst>
+                <p:cond evt="onPrev" delay="0">
+                  <p:tgtEl>
+                    <p:sldTgt/>
+                  </p:tgtEl>
+                </p:cond>
+              </p:prevCondLst>
+              <p:nextCondLst>
+                <p:cond evt="onNext" delay="0">
+                  <p:tgtEl>
+                    <p:sldTgt/>
+                  </p:tgtEl>
+                </p:cond>
+              </p:nextCondLst>
+            </p:seq>
+          </p:childTnLst>
+        </p:cTn>
+      </p:par>
+    </p:tnLst>
+    <p:bldLst>
+      <p:bldP spid="6" grpId="0" animBg="1"/>
+    </p:bldLst>
+  </p:timing>
+</p:sld>
+</file>
+
+<file path=ppt/slides/slide17.xml><?xml version="1.0" encoding="utf-8"?>
+<p:sld xmlns:a="http://schemas.openxmlformats.org/drawingml/2006/main" xmlns:r="http://schemas.openxmlformats.org/officeDocument/2006/relationships" xmlns:p="http://schemas.openxmlformats.org/presentationml/2006/main">
+  <p:cSld>
+    <p:spTree>
+      <p:nvGrpSpPr>
+        <p:cNvPr id="1" name=""/>
+        <p:cNvGrpSpPr/>
+        <p:nvPr/>
+      </p:nvGrpSpPr>
+      <p:grpSpPr>
+        <a:xfrm>
+          <a:off x="0" y="0"/>
+          <a:ext cx="0" cy="0"/>
+          <a:chOff x="0" y="0"/>
+          <a:chExt cx="0" cy="0"/>
+        </a:xfrm>
+      </p:grpSpPr>
+      <p:sp>
+        <p:nvSpPr>
+          <p:cNvPr id="2" name="Titre 1">
+            <a:extLst>
+              <a:ext uri="{FF2B5EF4-FFF2-40B4-BE49-F238E27FC236}">
+                <a16:creationId xmlns:a16="http://schemas.microsoft.com/office/drawing/2014/main" id="{9997D882-EBD1-45E7-8472-5061FA9C6B66}"/>
+              </a:ext>
+            </a:extLst>
+          </p:cNvPr>
+          <p:cNvSpPr>
+            <a:spLocks noGrp="1"/>
+          </p:cNvSpPr>
+          <p:nvPr>
+            <p:ph type="title"/>
+          </p:nvPr>
+        </p:nvSpPr>
+        <p:spPr/>
+        <p:txBody>
+          <a:bodyPr/>
+          <a:lstStyle/>
+          <a:p>
+            <a:r>
+              <a:rPr lang="fr-FR"/>
+              <a:t>Transitions et Animations</a:t>
+            </a:r>
+            <a:endParaRPr lang="en-US"/>
+          </a:p>
+        </p:txBody>
+      </p:sp>
+      <p:sp>
+        <p:nvSpPr>
+          <p:cNvPr id="3" name="Espace réservé du contenu 2">
+            <a:extLst>
+              <a:ext uri="{FF2B5EF4-FFF2-40B4-BE49-F238E27FC236}">
+                <a16:creationId xmlns:a16="http://schemas.microsoft.com/office/drawing/2014/main" id="{045131B1-F347-4553-821A-1C91D0527CE1}"/>
+              </a:ext>
+            </a:extLst>
+          </p:cNvPr>
+          <p:cNvSpPr>
+            <a:spLocks noGrp="1"/>
+          </p:cNvSpPr>
+          <p:nvPr>
+            <p:ph idx="1"/>
+          </p:nvPr>
+        </p:nvSpPr>
+        <p:spPr/>
+        <p:txBody>
+          <a:bodyPr/>
+          <a:lstStyle/>
+          <a:p>
+            <a:endParaRPr lang="fr-FR"/>
+          </a:p>
+          <a:p>
+            <a:endParaRPr lang="en-US"/>
+          </a:p>
+        </p:txBody>
+      </p:sp>
+      <p:sp>
+        <p:nvSpPr>
+          <p:cNvPr id="6" name="Flèche : droite 5">
+            <a:hlinkClick r:id="rId2"/>
+            <a:extLst>
+              <a:ext uri="{FF2B5EF4-FFF2-40B4-BE49-F238E27FC236}">
+                <a16:creationId xmlns:a16="http://schemas.microsoft.com/office/drawing/2014/main" id="{26F37A37-513C-4420-BB19-EBD68A39C24D}"/>
+              </a:ext>
+            </a:extLst>
+          </p:cNvPr>
+          <p:cNvSpPr/>
+          <p:nvPr/>
+        </p:nvSpPr>
+        <p:spPr>
+          <a:xfrm>
+            <a:off x="7726039" y="6123966"/>
+            <a:ext cx="4465961" cy="711200"/>
+          </a:xfrm>
+          <a:prstGeom prst="rightArrow">
+            <a:avLst/>
+          </a:prstGeom>
+        </p:spPr>
+        <p:style>
+          <a:lnRef idx="2">
+            <a:schemeClr val="accent1">
+              <a:shade val="50000"/>
+            </a:schemeClr>
+          </a:lnRef>
+          <a:fillRef idx="1">
+            <a:schemeClr val="accent1"/>
+          </a:fillRef>
+          <a:effectRef idx="0">
+            <a:schemeClr val="accent1"/>
+          </a:effectRef>
+          <a:fontRef idx="minor">
+            <a:schemeClr val="lt1"/>
+          </a:fontRef>
+        </p:style>
+        <p:txBody>
+          <a:bodyPr rtlCol="0" anchor="ctr"/>
+          <a:lstStyle/>
+          <a:p>
+            <a:pPr algn="ctr"/>
+            <a:r>
+              <a:rPr lang="fr-FR"/>
+              <a:t>Démo en ligne</a:t>
+            </a:r>
+            <a:endParaRPr lang="en-US"/>
+          </a:p>
+        </p:txBody>
+      </p:sp>
+    </p:spTree>
+    <p:extLst>
+      <p:ext uri="{BB962C8B-B14F-4D97-AF65-F5344CB8AC3E}">
+        <p14:creationId xmlns:p14="http://schemas.microsoft.com/office/powerpoint/2010/main" val="2524973965"/>
+      </p:ext>
+    </p:extLst>
+  </p:cSld>
+  <p:clrMapOvr>
+    <a:masterClrMapping/>
+  </p:clrMapOvr>
+  <p:timing>
+    <p:tnLst>
+      <p:par>
+        <p:cTn id="1" dur="indefinite" restart="never" nodeType="tmRoot">
+          <p:childTnLst>
+            <p:seq concurrent="1" nextAc="seek">
+              <p:cTn id="2" dur="indefinite" nodeType="mainSeq">
+                <p:childTnLst>
+                  <p:par>
+                    <p:cTn id="3" fill="hold">
+                      <p:stCondLst>
+                        <p:cond delay="indefinite"/>
+                      </p:stCondLst>
+                      <p:childTnLst>
+                        <p:par>
+                          <p:cTn id="4" fill="hold">
+                            <p:stCondLst>
+                              <p:cond delay="0"/>
+                            </p:stCondLst>
+                            <p:childTnLst>
+                              <p:par>
+                                <p:cTn id="5" presetID="2" presetClass="entr" presetSubtype="4" fill="hold" grpId="0" nodeType="clickEffect">
+                                  <p:stCondLst>
+                                    <p:cond delay="0"/>
+                                  </p:stCondLst>
+                                  <p:childTnLst>
+                                    <p:set>
+                                      <p:cBhvr>
+                                        <p:cTn id="6" dur="1" fill="hold">
+                                          <p:stCondLst>
+                                            <p:cond delay="0"/>
+                                          </p:stCondLst>
+                                        </p:cTn>
+                                        <p:tgtEl>
+                                          <p:spTgt spid="6"/>
+                                        </p:tgtEl>
+                                        <p:attrNameLst>
+                                          <p:attrName>style.visibility</p:attrName>
+                                        </p:attrNameLst>
+                                      </p:cBhvr>
+                                      <p:to>
+                                        <p:strVal val="visible"/>
+                                      </p:to>
+                                    </p:set>
+                                    <p:anim calcmode="lin" valueType="num">
+                                      <p:cBhvr additive="base">
+                                        <p:cTn id="7" dur="500" fill="hold"/>
+                                        <p:tgtEl>
+                                          <p:spTgt spid="6"/>
+                                        </p:tgtEl>
+                                        <p:attrNameLst>
+                                          <p:attrName>ppt_x</p:attrName>
+                                        </p:attrNameLst>
+                                      </p:cBhvr>
+                                      <p:tavLst>
+                                        <p:tav tm="0">
+                                          <p:val>
+                                            <p:strVal val="#ppt_x"/>
+                                          </p:val>
+                                        </p:tav>
+                                        <p:tav tm="100000">
+                                          <p:val>
+                                            <p:strVal val="#ppt_x"/>
+                                          </p:val>
+                                        </p:tav>
+                                      </p:tavLst>
+                                    </p:anim>
+                                    <p:anim calcmode="lin" valueType="num">
+                                      <p:cBhvr additive="base">
+                                        <p:cTn id="8" dur="500" fill="hold"/>
+                                        <p:tgtEl>
+                                          <p:spTgt spid="6"/>
+                                        </p:tgtEl>
+                                        <p:attrNameLst>
+                                          <p:attrName>ppt_y</p:attrName>
+                                        </p:attrNameLst>
+                                      </p:cBhvr>
+                                      <p:tavLst>
+                                        <p:tav tm="0">
+                                          <p:val>
+                                            <p:strVal val="1+#ppt_h/2"/>
+                                          </p:val>
+                                        </p:tav>
+                                        <p:tav tm="100000">
+                                          <p:val>
+                                            <p:strVal val="#ppt_y"/>
+                                          </p:val>
+                                        </p:tav>
+                                      </p:tavLst>
+                                    </p:anim>
+                                  </p:childTnLst>
+                                </p:cTn>
+                              </p:par>
+                            </p:childTnLst>
+                          </p:cTn>
+                        </p:par>
+                      </p:childTnLst>
+                    </p:cTn>
+                  </p:par>
+                </p:childTnLst>
+              </p:cTn>
+              <p:prevCondLst>
+                <p:cond evt="onPrev" delay="0">
+                  <p:tgtEl>
+                    <p:sldTgt/>
+                  </p:tgtEl>
+                </p:cond>
+              </p:prevCondLst>
+              <p:nextCondLst>
+                <p:cond evt="onNext" delay="0">
+                  <p:tgtEl>
+                    <p:sldTgt/>
+                  </p:tgtEl>
+                </p:cond>
+              </p:nextCondLst>
+            </p:seq>
+          </p:childTnLst>
+        </p:cTn>
+      </p:par>
+    </p:tnLst>
+    <p:bldLst>
+      <p:bldP spid="6" grpId="0" animBg="1"/>
+    </p:bldLst>
+  </p:timing>
+</p:sld>
+</file>
+
+<file path=ppt/slides/slide18.xml><?xml version="1.0" encoding="utf-8"?>
+<p:sld xmlns:a="http://schemas.openxmlformats.org/drawingml/2006/main" xmlns:r="http://schemas.openxmlformats.org/officeDocument/2006/relationships" xmlns:p="http://schemas.openxmlformats.org/presentationml/2006/main">
+  <p:cSld>
+    <p:spTree>
+      <p:nvGrpSpPr>
+        <p:cNvPr id="1" name=""/>
+        <p:cNvGrpSpPr/>
+        <p:nvPr/>
+      </p:nvGrpSpPr>
+      <p:grpSpPr>
+        <a:xfrm>
+          <a:off x="0" y="0"/>
+          <a:ext cx="0" cy="0"/>
+          <a:chOff x="0" y="0"/>
+          <a:chExt cx="0" cy="0"/>
+        </a:xfrm>
+      </p:grpSpPr>
+      <p:sp>
+        <p:nvSpPr>
+          <p:cNvPr id="2" name="Titre 1">
+            <a:extLst>
+              <a:ext uri="{FF2B5EF4-FFF2-40B4-BE49-F238E27FC236}">
+                <a16:creationId xmlns:a16="http://schemas.microsoft.com/office/drawing/2014/main" id="{9997D882-EBD1-45E7-8472-5061FA9C6B66}"/>
+              </a:ext>
+            </a:extLst>
+          </p:cNvPr>
+          <p:cNvSpPr>
+            <a:spLocks noGrp="1"/>
+          </p:cNvSpPr>
+          <p:nvPr>
+            <p:ph type="title"/>
+          </p:nvPr>
+        </p:nvSpPr>
+        <p:spPr/>
+        <p:txBody>
+          <a:bodyPr/>
+          <a:lstStyle/>
+          <a:p>
+            <a:r>
+              <a:rPr lang="fr-FR"/>
+              <a:t>Formes et dessin en CSS</a:t>
+            </a:r>
+            <a:endParaRPr lang="en-US"/>
+          </a:p>
+        </p:txBody>
+      </p:sp>
+      <p:sp>
+        <p:nvSpPr>
+          <p:cNvPr id="3" name="Espace réservé du contenu 2">
+            <a:extLst>
+              <a:ext uri="{FF2B5EF4-FFF2-40B4-BE49-F238E27FC236}">
+                <a16:creationId xmlns:a16="http://schemas.microsoft.com/office/drawing/2014/main" id="{045131B1-F347-4553-821A-1C91D0527CE1}"/>
+              </a:ext>
+            </a:extLst>
+          </p:cNvPr>
+          <p:cNvSpPr>
+            <a:spLocks noGrp="1"/>
+          </p:cNvSpPr>
+          <p:nvPr>
+            <p:ph idx="1"/>
+          </p:nvPr>
+        </p:nvSpPr>
+        <p:spPr/>
+        <p:txBody>
+          <a:bodyPr/>
+          <a:lstStyle/>
+          <a:p>
+            <a:pPr marL="0" indent="0">
+              <a:buNone/>
+            </a:pPr>
+            <a:r>
+              <a:rPr lang="fr-FR"/>
+              <a:t>Cercle/Ellipse (border-radius)</a:t>
+            </a:r>
+          </a:p>
+          <a:p>
+            <a:pPr marL="0" indent="0">
+              <a:buNone/>
+            </a:pPr>
+            <a:r>
+              <a:rPr lang="fr-FR"/>
+              <a:t>Triangle (border)</a:t>
+            </a:r>
+          </a:p>
+          <a:p>
+            <a:pPr marL="0" indent="0">
+              <a:buNone/>
+            </a:pPr>
+            <a:r>
+              <a:rPr lang="fr-FR"/>
+              <a:t>Losange (rotate)</a:t>
+            </a:r>
+          </a:p>
+          <a:p>
+            <a:pPr marL="0" indent="0">
+              <a:buNone/>
+            </a:pPr>
+            <a:r>
+              <a:rPr lang="fr-FR"/>
+              <a:t>Parallélogramme (skew)</a:t>
+            </a:r>
+          </a:p>
+          <a:p>
+            <a:pPr marL="0" indent="0">
+              <a:buNone/>
+            </a:pPr>
+            <a:r>
+              <a:rPr lang="fr-FR"/>
+              <a:t>Etoile (::before ::after)</a:t>
+            </a:r>
+          </a:p>
+          <a:p>
+            <a:pPr marL="0" indent="0">
+              <a:buNone/>
+            </a:pPr>
+            <a:r>
+              <a:rPr lang="fr-FR"/>
+              <a:t>Pour les dessins plus complexes, il faut recourir au SVG. Les balises SVG étant des éléments HTML, elles peuvent également être stylisée en CSS.</a:t>
+            </a:r>
+            <a:endParaRPr lang="en-US"/>
+          </a:p>
+        </p:txBody>
+      </p:sp>
+      <p:sp>
+        <p:nvSpPr>
+          <p:cNvPr id="6" name="Flèche : droite 5">
+            <a:hlinkClick r:id="rId2"/>
+            <a:extLst>
+              <a:ext uri="{FF2B5EF4-FFF2-40B4-BE49-F238E27FC236}">
+                <a16:creationId xmlns:a16="http://schemas.microsoft.com/office/drawing/2014/main" id="{26F37A37-513C-4420-BB19-EBD68A39C24D}"/>
+              </a:ext>
+            </a:extLst>
+          </p:cNvPr>
+          <p:cNvSpPr/>
+          <p:nvPr/>
+        </p:nvSpPr>
+        <p:spPr>
+          <a:xfrm>
+            <a:off x="7655017" y="6123966"/>
+            <a:ext cx="4536983" cy="711200"/>
+          </a:xfrm>
+          <a:prstGeom prst="rightArrow">
+            <a:avLst/>
+          </a:prstGeom>
+        </p:spPr>
+        <p:style>
+          <a:lnRef idx="2">
+            <a:schemeClr val="accent1">
+              <a:shade val="50000"/>
+            </a:schemeClr>
+          </a:lnRef>
+          <a:fillRef idx="1">
+            <a:schemeClr val="accent1"/>
+          </a:fillRef>
+          <a:effectRef idx="0">
+            <a:schemeClr val="accent1"/>
+          </a:effectRef>
+          <a:fontRef idx="minor">
+            <a:schemeClr val="lt1"/>
+          </a:fontRef>
+        </p:style>
+        <p:txBody>
+          <a:bodyPr rtlCol="0" anchor="ctr"/>
+          <a:lstStyle/>
+          <a:p>
+            <a:pPr algn="ctr"/>
+            <a:r>
+              <a:rPr lang="fr-FR"/>
+              <a:t>Démo en ligne</a:t>
+            </a:r>
+            <a:endParaRPr lang="en-US"/>
+          </a:p>
+        </p:txBody>
+      </p:sp>
+    </p:spTree>
+    <p:extLst>
+      <p:ext uri="{BB962C8B-B14F-4D97-AF65-F5344CB8AC3E}">
+        <p14:creationId xmlns:p14="http://schemas.microsoft.com/office/powerpoint/2010/main" val="4085058631"/>
       </p:ext>
     </p:extLst>
   </p:cSld>
@@ -6815,13 +9354,6 @@
             <a:r>
               <a:rPr lang="fr-FR"/>
               <a:t>Backgrounds &amp; Images</a:t>
-            </a:r>
-          </a:p>
-          <a:p>
-            <a:pPr lvl="1"/>
-            <a:r>
-              <a:rPr lang="fr-FR"/>
-              <a:t>Formes &amp; Graphisme</a:t>
             </a:r>
           </a:p>
           <a:p>
@@ -11104,7 +13636,7 @@
             </a:pPr>
             <a:r>
               <a:rPr lang="en-US" b="1"/>
-              <a:t>Choisir la bonne spécificité d'un sélecteur, c'est éviter de devoir en décrire trois autres</a:t>
+              <a:t>Choisir la bonne spécificité d'un sélecteur, c'est éviter de devoir en décrire un autre</a:t>
             </a:r>
           </a:p>
         </p:txBody>

--- a/presenter_fr.pptx
+++ b/presenter_fr.pptx
@@ -17,12 +17,20 @@
     <p:sldId id="268" r:id="rId11"/>
     <p:sldId id="270" r:id="rId12"/>
     <p:sldId id="269" r:id="rId13"/>
-    <p:sldId id="265" r:id="rId14"/>
-    <p:sldId id="266" r:id="rId15"/>
-    <p:sldId id="271" r:id="rId16"/>
-    <p:sldId id="272" r:id="rId17"/>
-    <p:sldId id="273" r:id="rId18"/>
-    <p:sldId id="274" r:id="rId19"/>
+    <p:sldId id="271" r:id="rId14"/>
+    <p:sldId id="265" r:id="rId15"/>
+    <p:sldId id="266" r:id="rId16"/>
+    <p:sldId id="279" r:id="rId17"/>
+    <p:sldId id="278" r:id="rId18"/>
+    <p:sldId id="272" r:id="rId19"/>
+    <p:sldId id="273" r:id="rId20"/>
+    <p:sldId id="274" r:id="rId21"/>
+    <p:sldId id="280" r:id="rId22"/>
+    <p:sldId id="281" r:id="rId23"/>
+    <p:sldId id="282" r:id="rId24"/>
+    <p:sldId id="284" r:id="rId25"/>
+    <p:sldId id="285" r:id="rId26"/>
+    <p:sldId id="286" r:id="rId27"/>
   </p:sldIdLst>
   <p:sldSz cx="12192000" cy="6858000"/>
   <p:notesSz cx="6858000" cy="9144000"/>
@@ -638,7 +646,7 @@
           <a:p>
             <a:fld id="{7E97AD98-B9C0-48D6-BE04-54ABC792AF9B}" type="datetimeFigureOut">
               <a:rPr lang="en-US" smtClean="0"/>
-              <a:t>9/20/2022</a:t>
+              <a:t>9/21/2022</a:t>
             </a:fld>
             <a:endParaRPr lang="en-US"/>
           </a:p>
@@ -834,7 +842,7 @@
           <a:p>
             <a:fld id="{7E97AD98-B9C0-48D6-BE04-54ABC792AF9B}" type="datetimeFigureOut">
               <a:rPr lang="en-US" smtClean="0"/>
-              <a:t>9/20/2022</a:t>
+              <a:t>9/21/2022</a:t>
             </a:fld>
             <a:endParaRPr lang="en-US"/>
           </a:p>
@@ -1014,7 +1022,7 @@
           <a:p>
             <a:fld id="{7E97AD98-B9C0-48D6-BE04-54ABC792AF9B}" type="datetimeFigureOut">
               <a:rPr lang="en-US" smtClean="0"/>
-              <a:t>9/20/2022</a:t>
+              <a:t>9/21/2022</a:t>
             </a:fld>
             <a:endParaRPr lang="en-US"/>
           </a:p>
@@ -1184,7 +1192,7 @@
           <a:p>
             <a:fld id="{7E97AD98-B9C0-48D6-BE04-54ABC792AF9B}" type="datetimeFigureOut">
               <a:rPr lang="en-US" smtClean="0"/>
-              <a:t>9/20/2022</a:t>
+              <a:t>9/21/2022</a:t>
             </a:fld>
             <a:endParaRPr lang="en-US"/>
           </a:p>
@@ -1797,7 +1805,7 @@
           <a:p>
             <a:fld id="{7E97AD98-B9C0-48D6-BE04-54ABC792AF9B}" type="datetimeFigureOut">
               <a:rPr lang="en-US" smtClean="0"/>
-              <a:t>9/20/2022</a:t>
+              <a:t>9/21/2022</a:t>
             </a:fld>
             <a:endParaRPr lang="en-US"/>
           </a:p>
@@ -2111,7 +2119,7 @@
           <a:p>
             <a:fld id="{7E97AD98-B9C0-48D6-BE04-54ABC792AF9B}" type="datetimeFigureOut">
               <a:rPr lang="en-US" smtClean="0"/>
-              <a:t>9/20/2022</a:t>
+              <a:t>9/21/2022</a:t>
             </a:fld>
             <a:endParaRPr lang="en-US"/>
           </a:p>
@@ -2548,7 +2556,7 @@
           <a:p>
             <a:fld id="{7E97AD98-B9C0-48D6-BE04-54ABC792AF9B}" type="datetimeFigureOut">
               <a:rPr lang="en-US" smtClean="0"/>
-              <a:t>9/20/2022</a:t>
+              <a:t>9/21/2022</a:t>
             </a:fld>
             <a:endParaRPr lang="en-US"/>
           </a:p>
@@ -2666,7 +2674,7 @@
           <a:p>
             <a:fld id="{7E97AD98-B9C0-48D6-BE04-54ABC792AF9B}" type="datetimeFigureOut">
               <a:rPr lang="en-US" smtClean="0"/>
-              <a:t>9/20/2022</a:t>
+              <a:t>9/21/2022</a:t>
             </a:fld>
             <a:endParaRPr lang="en-US"/>
           </a:p>
@@ -2761,7 +2769,7 @@
           <a:p>
             <a:fld id="{7E97AD98-B9C0-48D6-BE04-54ABC792AF9B}" type="datetimeFigureOut">
               <a:rPr lang="en-US" smtClean="0"/>
-              <a:t>9/20/2022</a:t>
+              <a:t>9/21/2022</a:t>
             </a:fld>
             <a:endParaRPr lang="en-US"/>
           </a:p>
@@ -3146,7 +3154,7 @@
           <a:p>
             <a:fld id="{7E97AD98-B9C0-48D6-BE04-54ABC792AF9B}" type="datetimeFigureOut">
               <a:rPr lang="en-US" smtClean="0"/>
-              <a:t>9/20/2022</a:t>
+              <a:t>9/21/2022</a:t>
             </a:fld>
             <a:endParaRPr lang="en-US"/>
           </a:p>
@@ -3527,7 +3535,7 @@
           <a:p>
             <a:fld id="{7E97AD98-B9C0-48D6-BE04-54ABC792AF9B}" type="datetimeFigureOut">
               <a:rPr lang="en-US" smtClean="0"/>
-              <a:t>9/20/2022</a:t>
+              <a:t>9/21/2022</a:t>
             </a:fld>
             <a:endParaRPr lang="en-US"/>
           </a:p>
@@ -3796,7 +3804,7 @@
           <a:p>
             <a:fld id="{7E97AD98-B9C0-48D6-BE04-54ABC792AF9B}" type="datetimeFigureOut">
               <a:rPr lang="en-US" smtClean="0"/>
-              <a:t>9/20/2022</a:t>
+              <a:t>9/21/2022</a:t>
             </a:fld>
             <a:endParaRPr lang="en-US"/>
           </a:p>
@@ -4790,7 +4798,7 @@
             </a:r>
             <a:r>
               <a:rPr lang="fr-FR"/>
-              <a:t> en CSS définit le positionnement de l'élément dans le flux:</a:t>
+              <a:t> en CSS définit le positionnement d'un élement bloc dans le flux du document:</a:t>
             </a:r>
           </a:p>
           <a:p>
@@ -4872,6 +4880,57 @@
               <a:rPr lang="fr-FR"/>
               <a:t>: équivalent à static ou fixed selon si la position initiale de l'élément est dans la zone délimiée par la barre de défilement</a:t>
             </a:r>
+          </a:p>
+        </p:txBody>
+      </p:sp>
+      <p:sp>
+        <p:nvSpPr>
+          <p:cNvPr id="5" name="Flèche : droite 4">
+            <a:hlinkClick r:id="rId3"/>
+            <a:extLst>
+              <a:ext uri="{FF2B5EF4-FFF2-40B4-BE49-F238E27FC236}">
+                <a16:creationId xmlns:a16="http://schemas.microsoft.com/office/drawing/2014/main" id="{748749B8-B37E-40B4-832D-EF2D6C397B47}"/>
+              </a:ext>
+            </a:extLst>
+          </p:cNvPr>
+          <p:cNvSpPr/>
+          <p:nvPr/>
+        </p:nvSpPr>
+        <p:spPr>
+          <a:xfrm>
+            <a:off x="7726039" y="6123966"/>
+            <a:ext cx="4465961" cy="711200"/>
+          </a:xfrm>
+          <a:prstGeom prst="rightArrow">
+            <a:avLst/>
+          </a:prstGeom>
+        </p:spPr>
+        <p:style>
+          <a:lnRef idx="2">
+            <a:schemeClr val="accent1">
+              <a:shade val="50000"/>
+            </a:schemeClr>
+          </a:lnRef>
+          <a:fillRef idx="1">
+            <a:schemeClr val="accent1"/>
+          </a:fillRef>
+          <a:effectRef idx="0">
+            <a:schemeClr val="accent1"/>
+          </a:effectRef>
+          <a:fontRef idx="minor">
+            <a:schemeClr val="lt1"/>
+          </a:fontRef>
+        </p:style>
+        <p:txBody>
+          <a:bodyPr rtlCol="0" anchor="ctr"/>
+          <a:lstStyle/>
+          <a:p>
+            <a:pPr algn="ctr"/>
+            <a:r>
+              <a:rPr lang="fr-FR"/>
+              <a:t>Démo en ligne</a:t>
+            </a:r>
+            <a:endParaRPr lang="en-US"/>
           </a:p>
         </p:txBody>
       </p:sp>
@@ -4885,6 +4944,130 @@
   <p:clrMapOvr>
     <a:masterClrMapping/>
   </p:clrMapOvr>
+  <p:timing>
+    <p:tnLst>
+      <p:par>
+        <p:cTn id="1" dur="indefinite" restart="never" nodeType="tmRoot">
+          <p:childTnLst>
+            <p:seq concurrent="1" nextAc="seek">
+              <p:cTn id="2" dur="indefinite" nodeType="mainSeq">
+                <p:childTnLst>
+                  <p:par>
+                    <p:cTn id="3" fill="hold">
+                      <p:stCondLst>
+                        <p:cond delay="indefinite"/>
+                      </p:stCondLst>
+                      <p:childTnLst>
+                        <p:par>
+                          <p:cTn id="4" fill="hold">
+                            <p:stCondLst>
+                              <p:cond delay="0"/>
+                            </p:stCondLst>
+                            <p:childTnLst>
+                              <p:par>
+                                <p:cTn id="5" presetID="2" presetClass="entr" presetSubtype="4" fill="hold" grpId="0" nodeType="clickEffect">
+                                  <p:stCondLst>
+                                    <p:cond delay="0"/>
+                                  </p:stCondLst>
+                                  <p:childTnLst>
+                                    <p:set>
+                                      <p:cBhvr>
+                                        <p:cTn id="6" dur="1" fill="hold">
+                                          <p:stCondLst>
+                                            <p:cond delay="0"/>
+                                          </p:stCondLst>
+                                        </p:cTn>
+                                        <p:tgtEl>
+                                          <p:spTgt spid="5"/>
+                                        </p:tgtEl>
+                                        <p:attrNameLst>
+                                          <p:attrName>style.visibility</p:attrName>
+                                        </p:attrNameLst>
+                                      </p:cBhvr>
+                                      <p:to>
+                                        <p:strVal val="visible"/>
+                                      </p:to>
+                                    </p:set>
+                                    <p:anim calcmode="lin" valueType="num">
+                                      <p:cBhvr additive="base">
+                                        <p:cTn id="7" dur="500" fill="hold"/>
+                                        <p:tgtEl>
+                                          <p:spTgt spid="5"/>
+                                        </p:tgtEl>
+                                        <p:attrNameLst>
+                                          <p:attrName>ppt_x</p:attrName>
+                                        </p:attrNameLst>
+                                      </p:cBhvr>
+                                      <p:tavLst>
+                                        <p:tav tm="0">
+                                          <p:val>
+                                            <p:strVal val="#ppt_x"/>
+                                          </p:val>
+                                        </p:tav>
+                                        <p:tav tm="100000">
+                                          <p:val>
+                                            <p:strVal val="#ppt_x"/>
+                                          </p:val>
+                                        </p:tav>
+                                      </p:tavLst>
+                                    </p:anim>
+                                    <p:anim calcmode="lin" valueType="num">
+                                      <p:cBhvr additive="base">
+                                        <p:cTn id="8" dur="500" fill="hold"/>
+                                        <p:tgtEl>
+                                          <p:spTgt spid="5"/>
+                                        </p:tgtEl>
+                                        <p:attrNameLst>
+                                          <p:attrName>ppt_y</p:attrName>
+                                        </p:attrNameLst>
+                                      </p:cBhvr>
+                                      <p:tavLst>
+                                        <p:tav tm="0">
+                                          <p:val>
+                                            <p:strVal val="1+#ppt_h/2"/>
+                                          </p:val>
+                                        </p:tav>
+                                        <p:tav tm="100000">
+                                          <p:val>
+                                            <p:strVal val="#ppt_y"/>
+                                          </p:val>
+                                        </p:tav>
+                                      </p:tavLst>
+                                    </p:anim>
+                                  </p:childTnLst>
+                                </p:cTn>
+                              </p:par>
+                            </p:childTnLst>
+                          </p:cTn>
+                        </p:par>
+                      </p:childTnLst>
+                    </p:cTn>
+                  </p:par>
+                </p:childTnLst>
+              </p:cTn>
+              <p:prevCondLst>
+                <p:cond evt="onPrev" delay="0">
+                  <p:tgtEl>
+                    <p:sldTgt/>
+                  </p:tgtEl>
+                </p:cond>
+              </p:prevCondLst>
+              <p:nextCondLst>
+                <p:cond evt="onNext" delay="0">
+                  <p:tgtEl>
+                    <p:sldTgt/>
+                  </p:tgtEl>
+                </p:cond>
+              </p:nextCondLst>
+            </p:seq>
+          </p:childTnLst>
+        </p:cTn>
+      </p:par>
+    </p:tnLst>
+    <p:bldLst>
+      <p:bldP spid="5" grpId="0" animBg="1"/>
+    </p:bldLst>
+  </p:timing>
 </p:sld>
 </file>
 
@@ -6168,746 +6351,6 @@
 <file path=ppt/slides/slide13.xml><?xml version="1.0" encoding="utf-8"?>
 <p:sld xmlns:a="http://schemas.openxmlformats.org/drawingml/2006/main" xmlns:r="http://schemas.openxmlformats.org/officeDocument/2006/relationships" xmlns:p="http://schemas.openxmlformats.org/presentationml/2006/main">
   <p:cSld>
-    <p:spTree>
-      <p:nvGrpSpPr>
-        <p:cNvPr id="1" name=""/>
-        <p:cNvGrpSpPr/>
-        <p:nvPr/>
-      </p:nvGrpSpPr>
-      <p:grpSpPr>
-        <a:xfrm>
-          <a:off x="0" y="0"/>
-          <a:ext cx="0" cy="0"/>
-          <a:chOff x="0" y="0"/>
-          <a:chExt cx="0" cy="0"/>
-        </a:xfrm>
-      </p:grpSpPr>
-      <p:sp>
-        <p:nvSpPr>
-          <p:cNvPr id="2" name="Titre 1">
-            <a:extLst>
-              <a:ext uri="{FF2B5EF4-FFF2-40B4-BE49-F238E27FC236}">
-                <a16:creationId xmlns:a16="http://schemas.microsoft.com/office/drawing/2014/main" id="{A453AB8B-436C-4F43-9255-E2539D34772C}"/>
-              </a:ext>
-            </a:extLst>
-          </p:cNvPr>
-          <p:cNvSpPr>
-            <a:spLocks noGrp="1"/>
-          </p:cNvSpPr>
-          <p:nvPr>
-            <p:ph type="title"/>
-          </p:nvPr>
-        </p:nvSpPr>
-        <p:spPr/>
-        <p:txBody>
-          <a:bodyPr/>
-          <a:lstStyle/>
-          <a:p>
-            <a:r>
-              <a:rPr lang="fr-FR"/>
-              <a:t>Media queries</a:t>
-            </a:r>
-            <a:endParaRPr lang="en-US"/>
-          </a:p>
-        </p:txBody>
-      </p:sp>
-      <p:sp>
-        <p:nvSpPr>
-          <p:cNvPr id="3" name="Espace réservé du contenu 2">
-            <a:extLst>
-              <a:ext uri="{FF2B5EF4-FFF2-40B4-BE49-F238E27FC236}">
-                <a16:creationId xmlns:a16="http://schemas.microsoft.com/office/drawing/2014/main" id="{DCA7C4FB-5B2A-4D55-965A-A1C8865F947B}"/>
-              </a:ext>
-            </a:extLst>
-          </p:cNvPr>
-          <p:cNvSpPr>
-            <a:spLocks noGrp="1"/>
-          </p:cNvSpPr>
-          <p:nvPr>
-            <p:ph idx="1"/>
-          </p:nvPr>
-        </p:nvSpPr>
-        <p:spPr/>
-        <p:txBody>
-          <a:bodyPr/>
-          <a:lstStyle/>
-          <a:p>
-            <a:r>
-              <a:rPr lang="fr-FR"/>
-              <a:t>Les requêtes media permettent d'appliquer des règles de style seulement sur un certain type d'appareil ou selon ses caractéristiques: la taille d'écran, son orientation, sa résolution, ses capacités en affichage de couleur etc.</a:t>
-            </a:r>
-          </a:p>
-          <a:p>
-            <a:endParaRPr lang="en-US"/>
-          </a:p>
-          <a:p>
-            <a:endParaRPr lang="en-US"/>
-          </a:p>
-          <a:p>
-            <a:endParaRPr lang="en-US"/>
-          </a:p>
-          <a:p>
-            <a:r>
-              <a:rPr lang="en-US"/>
-              <a:t>Tous ces critères peuvent être combinés avec des opérateurs logiques </a:t>
-            </a:r>
-            <a:r>
-              <a:rPr lang="en-US" b="1">
-                <a:latin typeface="Consolas" panose="020B0609020204030204" pitchFamily="49" charset="0"/>
-              </a:rPr>
-              <a:t>and</a:t>
-            </a:r>
-            <a:r>
-              <a:rPr lang="en-US"/>
-              <a:t> et </a:t>
-            </a:r>
-            <a:r>
-              <a:rPr lang="en-US" b="1">
-                <a:latin typeface="Consolas" panose="020B0609020204030204" pitchFamily="49" charset="0"/>
-              </a:rPr>
-              <a:t>not</a:t>
-            </a:r>
-          </a:p>
-        </p:txBody>
-      </p:sp>
-      <p:sp>
-        <p:nvSpPr>
-          <p:cNvPr id="4" name="ZoneTexte 3">
-            <a:extLst>
-              <a:ext uri="{FF2B5EF4-FFF2-40B4-BE49-F238E27FC236}">
-                <a16:creationId xmlns:a16="http://schemas.microsoft.com/office/drawing/2014/main" id="{64210D81-1F97-4FDB-929F-CAD07FB872B9}"/>
-              </a:ext>
-            </a:extLst>
-          </p:cNvPr>
-          <p:cNvSpPr txBox="1"/>
-          <p:nvPr/>
-        </p:nvSpPr>
-        <p:spPr>
-          <a:xfrm>
-            <a:off x="1066800" y="3145750"/>
-            <a:ext cx="9631279" cy="923330"/>
-          </a:xfrm>
-          <a:prstGeom prst="rect">
-            <a:avLst/>
-          </a:prstGeom>
-        </p:spPr>
-        <p:style>
-          <a:lnRef idx="2">
-            <a:schemeClr val="dk1">
-              <a:shade val="50000"/>
-            </a:schemeClr>
-          </a:lnRef>
-          <a:fillRef idx="1">
-            <a:schemeClr val="dk1"/>
-          </a:fillRef>
-          <a:effectRef idx="0">
-            <a:schemeClr val="dk1"/>
-          </a:effectRef>
-          <a:fontRef idx="minor">
-            <a:schemeClr val="lt1"/>
-          </a:fontRef>
-        </p:style>
-        <p:txBody>
-          <a:bodyPr wrap="square" rtlCol="0">
-            <a:spAutoFit/>
-          </a:bodyPr>
-          <a:lstStyle/>
-          <a:p>
-            <a:r>
-              <a:rPr lang="en-US"/>
-              <a:t>@media print {</a:t>
-            </a:r>
-          </a:p>
-          <a:p>
-            <a:r>
-              <a:rPr lang="en-US"/>
-              <a:t>   img { display: none; } /* retire les images des impressions papier de la page web */</a:t>
-            </a:r>
-          </a:p>
-          <a:p>
-            <a:r>
-              <a:rPr lang="en-US"/>
-              <a:t>}</a:t>
-            </a:r>
-          </a:p>
-        </p:txBody>
-      </p:sp>
-      <p:sp>
-        <p:nvSpPr>
-          <p:cNvPr id="7" name="ZoneTexte 6">
-            <a:extLst>
-              <a:ext uri="{FF2B5EF4-FFF2-40B4-BE49-F238E27FC236}">
-                <a16:creationId xmlns:a16="http://schemas.microsoft.com/office/drawing/2014/main" id="{BF29D507-924A-41AD-946F-B85B2F035EC5}"/>
-              </a:ext>
-            </a:extLst>
-          </p:cNvPr>
-          <p:cNvSpPr txBox="1"/>
-          <p:nvPr/>
-        </p:nvSpPr>
-        <p:spPr>
-          <a:xfrm>
-            <a:off x="1066800" y="4650045"/>
-            <a:ext cx="9631279" cy="923330"/>
-          </a:xfrm>
-          <a:prstGeom prst="rect">
-            <a:avLst/>
-          </a:prstGeom>
-        </p:spPr>
-        <p:style>
-          <a:lnRef idx="2">
-            <a:schemeClr val="dk1">
-              <a:shade val="50000"/>
-            </a:schemeClr>
-          </a:lnRef>
-          <a:fillRef idx="1">
-            <a:schemeClr val="dk1"/>
-          </a:fillRef>
-          <a:effectRef idx="0">
-            <a:schemeClr val="dk1"/>
-          </a:effectRef>
-          <a:fontRef idx="minor">
-            <a:schemeClr val="lt1"/>
-          </a:fontRef>
-        </p:style>
-        <p:txBody>
-          <a:bodyPr wrap="square" rtlCol="0">
-            <a:spAutoFit/>
-          </a:bodyPr>
-          <a:lstStyle/>
-          <a:p>
-            <a:r>
-              <a:rPr lang="en-US"/>
-              <a:t>@media screen and (min-width: 30em) and (orientation: landscape) { ... }</a:t>
-            </a:r>
-          </a:p>
-          <a:p>
-            <a:r>
-              <a:rPr lang="en-US"/>
-              <a:t>@media (not(hover)) { ... }</a:t>
-            </a:r>
-          </a:p>
-          <a:p>
-            <a:r>
-              <a:rPr lang="en-US"/>
-              <a:t>@media (480px &lt;= width &lt;= 960px) { ... }</a:t>
-            </a:r>
-          </a:p>
-        </p:txBody>
-      </p:sp>
-      <p:sp>
-        <p:nvSpPr>
-          <p:cNvPr id="9" name="Flèche : droite 8">
-            <a:hlinkClick r:id="rId2"/>
-            <a:extLst>
-              <a:ext uri="{FF2B5EF4-FFF2-40B4-BE49-F238E27FC236}">
-                <a16:creationId xmlns:a16="http://schemas.microsoft.com/office/drawing/2014/main" id="{A2DF74DA-286F-49BC-A704-DFC2C3B1A83D}"/>
-              </a:ext>
-            </a:extLst>
-          </p:cNvPr>
-          <p:cNvSpPr/>
-          <p:nvPr/>
-        </p:nvSpPr>
-        <p:spPr>
-          <a:xfrm>
-            <a:off x="6959600" y="6146800"/>
-            <a:ext cx="5232401" cy="711200"/>
-          </a:xfrm>
-          <a:prstGeom prst="rightArrow">
-            <a:avLst/>
-          </a:prstGeom>
-        </p:spPr>
-        <p:style>
-          <a:lnRef idx="2">
-            <a:schemeClr val="accent1">
-              <a:shade val="50000"/>
-            </a:schemeClr>
-          </a:lnRef>
-          <a:fillRef idx="1">
-            <a:schemeClr val="accent1"/>
-          </a:fillRef>
-          <a:effectRef idx="0">
-            <a:schemeClr val="accent1"/>
-          </a:effectRef>
-          <a:fontRef idx="minor">
-            <a:schemeClr val="lt1"/>
-          </a:fontRef>
-        </p:style>
-        <p:txBody>
-          <a:bodyPr rtlCol="0" anchor="ctr"/>
-          <a:lstStyle/>
-          <a:p>
-            <a:pPr algn="ctr"/>
-            <a:r>
-              <a:rPr lang="fr-FR"/>
-              <a:t>Plus d'informations: MDN</a:t>
-            </a:r>
-            <a:endParaRPr lang="en-US"/>
-          </a:p>
-        </p:txBody>
-      </p:sp>
-    </p:spTree>
-    <p:extLst>
-      <p:ext uri="{BB962C8B-B14F-4D97-AF65-F5344CB8AC3E}">
-        <p14:creationId xmlns:p14="http://schemas.microsoft.com/office/powerpoint/2010/main" val="549971339"/>
-      </p:ext>
-    </p:extLst>
-  </p:cSld>
-  <p:clrMapOvr>
-    <a:masterClrMapping/>
-  </p:clrMapOvr>
-  <p:timing>
-    <p:tnLst>
-      <p:par>
-        <p:cTn id="1" dur="indefinite" restart="never" nodeType="tmRoot">
-          <p:childTnLst>
-            <p:seq concurrent="1" nextAc="seek">
-              <p:cTn id="2" dur="indefinite" nodeType="mainSeq">
-                <p:childTnLst>
-                  <p:par>
-                    <p:cTn id="3" fill="hold">
-                      <p:stCondLst>
-                        <p:cond delay="indefinite"/>
-                      </p:stCondLst>
-                      <p:childTnLst>
-                        <p:par>
-                          <p:cTn id="4" fill="hold">
-                            <p:stCondLst>
-                              <p:cond delay="0"/>
-                            </p:stCondLst>
-                            <p:childTnLst>
-                              <p:par>
-                                <p:cTn id="5" presetID="2" presetClass="entr" presetSubtype="4" fill="hold" grpId="0" nodeType="clickEffect">
-                                  <p:stCondLst>
-                                    <p:cond delay="0"/>
-                                  </p:stCondLst>
-                                  <p:childTnLst>
-                                    <p:set>
-                                      <p:cBhvr>
-                                        <p:cTn id="6" dur="1" fill="hold">
-                                          <p:stCondLst>
-                                            <p:cond delay="0"/>
-                                          </p:stCondLst>
-                                        </p:cTn>
-                                        <p:tgtEl>
-                                          <p:spTgt spid="9"/>
-                                        </p:tgtEl>
-                                        <p:attrNameLst>
-                                          <p:attrName>style.visibility</p:attrName>
-                                        </p:attrNameLst>
-                                      </p:cBhvr>
-                                      <p:to>
-                                        <p:strVal val="visible"/>
-                                      </p:to>
-                                    </p:set>
-                                    <p:anim calcmode="lin" valueType="num">
-                                      <p:cBhvr additive="base">
-                                        <p:cTn id="7" dur="500" fill="hold"/>
-                                        <p:tgtEl>
-                                          <p:spTgt spid="9"/>
-                                        </p:tgtEl>
-                                        <p:attrNameLst>
-                                          <p:attrName>ppt_x</p:attrName>
-                                        </p:attrNameLst>
-                                      </p:cBhvr>
-                                      <p:tavLst>
-                                        <p:tav tm="0">
-                                          <p:val>
-                                            <p:strVal val="#ppt_x"/>
-                                          </p:val>
-                                        </p:tav>
-                                        <p:tav tm="100000">
-                                          <p:val>
-                                            <p:strVal val="#ppt_x"/>
-                                          </p:val>
-                                        </p:tav>
-                                      </p:tavLst>
-                                    </p:anim>
-                                    <p:anim calcmode="lin" valueType="num">
-                                      <p:cBhvr additive="base">
-                                        <p:cTn id="8" dur="500" fill="hold"/>
-                                        <p:tgtEl>
-                                          <p:spTgt spid="9"/>
-                                        </p:tgtEl>
-                                        <p:attrNameLst>
-                                          <p:attrName>ppt_y</p:attrName>
-                                        </p:attrNameLst>
-                                      </p:cBhvr>
-                                      <p:tavLst>
-                                        <p:tav tm="0">
-                                          <p:val>
-                                            <p:strVal val="1+#ppt_h/2"/>
-                                          </p:val>
-                                        </p:tav>
-                                        <p:tav tm="100000">
-                                          <p:val>
-                                            <p:strVal val="#ppt_y"/>
-                                          </p:val>
-                                        </p:tav>
-                                      </p:tavLst>
-                                    </p:anim>
-                                  </p:childTnLst>
-                                </p:cTn>
-                              </p:par>
-                            </p:childTnLst>
-                          </p:cTn>
-                        </p:par>
-                      </p:childTnLst>
-                    </p:cTn>
-                  </p:par>
-                </p:childTnLst>
-              </p:cTn>
-              <p:prevCondLst>
-                <p:cond evt="onPrev" delay="0">
-                  <p:tgtEl>
-                    <p:sldTgt/>
-                  </p:tgtEl>
-                </p:cond>
-              </p:prevCondLst>
-              <p:nextCondLst>
-                <p:cond evt="onNext" delay="0">
-                  <p:tgtEl>
-                    <p:sldTgt/>
-                  </p:tgtEl>
-                </p:cond>
-              </p:nextCondLst>
-            </p:seq>
-          </p:childTnLst>
-        </p:cTn>
-      </p:par>
-    </p:tnLst>
-    <p:bldLst>
-      <p:bldP spid="9" grpId="0" animBg="1"/>
-    </p:bldLst>
-  </p:timing>
-</p:sld>
-</file>
-
-<file path=ppt/slides/slide14.xml><?xml version="1.0" encoding="utf-8"?>
-<p:sld xmlns:a="http://schemas.openxmlformats.org/drawingml/2006/main" xmlns:r="http://schemas.openxmlformats.org/officeDocument/2006/relationships" xmlns:p="http://schemas.openxmlformats.org/presentationml/2006/main">
-  <p:cSld>
-    <p:spTree>
-      <p:nvGrpSpPr>
-        <p:cNvPr id="1" name=""/>
-        <p:cNvGrpSpPr/>
-        <p:nvPr/>
-      </p:nvGrpSpPr>
-      <p:grpSpPr>
-        <a:xfrm>
-          <a:off x="0" y="0"/>
-          <a:ext cx="0" cy="0"/>
-          <a:chOff x="0" y="0"/>
-          <a:chExt cx="0" cy="0"/>
-        </a:xfrm>
-      </p:grpSpPr>
-      <p:sp>
-        <p:nvSpPr>
-          <p:cNvPr id="2" name="Titre 1">
-            <a:extLst>
-              <a:ext uri="{FF2B5EF4-FFF2-40B4-BE49-F238E27FC236}">
-                <a16:creationId xmlns:a16="http://schemas.microsoft.com/office/drawing/2014/main" id="{9997D882-EBD1-45E7-8472-5061FA9C6B66}"/>
-              </a:ext>
-            </a:extLst>
-          </p:cNvPr>
-          <p:cNvSpPr>
-            <a:spLocks noGrp="1"/>
-          </p:cNvSpPr>
-          <p:nvPr>
-            <p:ph type="title"/>
-          </p:nvPr>
-        </p:nvSpPr>
-        <p:spPr/>
-        <p:txBody>
-          <a:bodyPr/>
-          <a:lstStyle/>
-          <a:p>
-            <a:r>
-              <a:rPr lang="fr-FR"/>
-              <a:t>Responsive Web Design</a:t>
-            </a:r>
-            <a:endParaRPr lang="en-US"/>
-          </a:p>
-        </p:txBody>
-      </p:sp>
-      <p:sp>
-        <p:nvSpPr>
-          <p:cNvPr id="3" name="Espace réservé du contenu 2">
-            <a:extLst>
-              <a:ext uri="{FF2B5EF4-FFF2-40B4-BE49-F238E27FC236}">
-                <a16:creationId xmlns:a16="http://schemas.microsoft.com/office/drawing/2014/main" id="{045131B1-F347-4553-821A-1C91D0527CE1}"/>
-              </a:ext>
-            </a:extLst>
-          </p:cNvPr>
-          <p:cNvSpPr>
-            <a:spLocks noGrp="1"/>
-          </p:cNvSpPr>
-          <p:nvPr>
-            <p:ph idx="1"/>
-          </p:nvPr>
-        </p:nvSpPr>
-        <p:spPr/>
-        <p:txBody>
-          <a:bodyPr/>
-          <a:lstStyle/>
-          <a:p>
-            <a:r>
-              <a:rPr lang="fr-FR"/>
-              <a:t>Le RWD, c'est l'approche de conception des sites web désormais incontournable en 2022 qui consiste à faire des sites avec une expérience optimale peu importe la gamme d'appareil de l'utilisateur (smartphones, tablettes, laptop, desktop...)</a:t>
-            </a:r>
-          </a:p>
-          <a:p>
-            <a:r>
-              <a:rPr lang="fr-FR"/>
-              <a:t>Un site dit "</a:t>
-            </a:r>
-            <a:r>
-              <a:rPr lang="fr-FR" i="1"/>
-              <a:t>responsive</a:t>
-            </a:r>
-            <a:r>
-              <a:rPr lang="fr-FR"/>
-              <a:t>" va avoir une mise en page flexible, en privilégiant des </a:t>
-            </a:r>
-            <a:r>
-              <a:rPr lang="fr-FR" b="1"/>
-              <a:t>dimensions relatives</a:t>
-            </a:r>
-            <a:r>
-              <a:rPr lang="fr-FR"/>
-              <a:t> et en utilisant des </a:t>
-            </a:r>
-            <a:r>
-              <a:rPr lang="fr-FR" b="1"/>
-              <a:t>media queries</a:t>
-            </a:r>
-            <a:r>
-              <a:rPr lang="fr-FR"/>
-              <a:t> pour adapter l'interface à toutes les résolutions et moyens d'interactions (souris, tactile...)</a:t>
-            </a:r>
-            <a:endParaRPr lang="en-US"/>
-          </a:p>
-        </p:txBody>
-      </p:sp>
-      <p:pic>
-        <p:nvPicPr>
-          <p:cNvPr id="5" name="Image 4">
-            <a:extLst>
-              <a:ext uri="{FF2B5EF4-FFF2-40B4-BE49-F238E27FC236}">
-                <a16:creationId xmlns:a16="http://schemas.microsoft.com/office/drawing/2014/main" id="{2BC01A83-109E-4953-AD54-4269D6EDC43B}"/>
-              </a:ext>
-            </a:extLst>
-          </p:cNvPr>
-          <p:cNvPicPr>
-            <a:picLocks noChangeAspect="1"/>
-          </p:cNvPicPr>
-          <p:nvPr/>
-        </p:nvPicPr>
-        <p:blipFill>
-          <a:blip r:embed="rId2"/>
-          <a:stretch>
-            <a:fillRect/>
-          </a:stretch>
-        </p:blipFill>
-        <p:spPr>
-          <a:xfrm>
-            <a:off x="4483799" y="3910679"/>
-            <a:ext cx="3224401" cy="2363491"/>
-          </a:xfrm>
-          <a:prstGeom prst="rect">
-            <a:avLst/>
-          </a:prstGeom>
-        </p:spPr>
-      </p:pic>
-      <p:sp>
-        <p:nvSpPr>
-          <p:cNvPr id="6" name="Flèche : droite 5">
-            <a:hlinkClick r:id="rId3"/>
-            <a:extLst>
-              <a:ext uri="{FF2B5EF4-FFF2-40B4-BE49-F238E27FC236}">
-                <a16:creationId xmlns:a16="http://schemas.microsoft.com/office/drawing/2014/main" id="{26F37A37-513C-4420-BB19-EBD68A39C24D}"/>
-              </a:ext>
-            </a:extLst>
-          </p:cNvPr>
-          <p:cNvSpPr/>
-          <p:nvPr/>
-        </p:nvSpPr>
-        <p:spPr>
-          <a:xfrm>
-            <a:off x="6959600" y="6146800"/>
-            <a:ext cx="5232399" cy="711200"/>
-          </a:xfrm>
-          <a:prstGeom prst="rightArrow">
-            <a:avLst/>
-          </a:prstGeom>
-        </p:spPr>
-        <p:style>
-          <a:lnRef idx="2">
-            <a:schemeClr val="accent1">
-              <a:shade val="50000"/>
-            </a:schemeClr>
-          </a:lnRef>
-          <a:fillRef idx="1">
-            <a:schemeClr val="accent1"/>
-          </a:fillRef>
-          <a:effectRef idx="0">
-            <a:schemeClr val="accent1"/>
-          </a:effectRef>
-          <a:fontRef idx="minor">
-            <a:schemeClr val="lt1"/>
-          </a:fontRef>
-        </p:style>
-        <p:txBody>
-          <a:bodyPr rtlCol="0" anchor="ctr"/>
-          <a:lstStyle/>
-          <a:p>
-            <a:pPr algn="ctr"/>
-            <a:r>
-              <a:rPr lang="fr-FR"/>
-              <a:t>Démo: OneCake</a:t>
-            </a:r>
-            <a:endParaRPr lang="en-US"/>
-          </a:p>
-        </p:txBody>
-      </p:sp>
-    </p:spTree>
-    <p:extLst>
-      <p:ext uri="{BB962C8B-B14F-4D97-AF65-F5344CB8AC3E}">
-        <p14:creationId xmlns:p14="http://schemas.microsoft.com/office/powerpoint/2010/main" val="618679524"/>
-      </p:ext>
-    </p:extLst>
-  </p:cSld>
-  <p:clrMapOvr>
-    <a:masterClrMapping/>
-  </p:clrMapOvr>
-  <p:timing>
-    <p:tnLst>
-      <p:par>
-        <p:cTn id="1" dur="indefinite" restart="never" nodeType="tmRoot">
-          <p:childTnLst>
-            <p:seq concurrent="1" nextAc="seek">
-              <p:cTn id="2" dur="indefinite" nodeType="mainSeq">
-                <p:childTnLst>
-                  <p:par>
-                    <p:cTn id="3" fill="hold">
-                      <p:stCondLst>
-                        <p:cond delay="indefinite"/>
-                      </p:stCondLst>
-                      <p:childTnLst>
-                        <p:par>
-                          <p:cTn id="4" fill="hold">
-                            <p:stCondLst>
-                              <p:cond delay="0"/>
-                            </p:stCondLst>
-                            <p:childTnLst>
-                              <p:par>
-                                <p:cTn id="5" presetID="2" presetClass="entr" presetSubtype="4" fill="hold" grpId="0" nodeType="clickEffect">
-                                  <p:stCondLst>
-                                    <p:cond delay="0"/>
-                                  </p:stCondLst>
-                                  <p:childTnLst>
-                                    <p:set>
-                                      <p:cBhvr>
-                                        <p:cTn id="6" dur="1" fill="hold">
-                                          <p:stCondLst>
-                                            <p:cond delay="0"/>
-                                          </p:stCondLst>
-                                        </p:cTn>
-                                        <p:tgtEl>
-                                          <p:spTgt spid="6"/>
-                                        </p:tgtEl>
-                                        <p:attrNameLst>
-                                          <p:attrName>style.visibility</p:attrName>
-                                        </p:attrNameLst>
-                                      </p:cBhvr>
-                                      <p:to>
-                                        <p:strVal val="visible"/>
-                                      </p:to>
-                                    </p:set>
-                                    <p:anim calcmode="lin" valueType="num">
-                                      <p:cBhvr additive="base">
-                                        <p:cTn id="7" dur="500" fill="hold"/>
-                                        <p:tgtEl>
-                                          <p:spTgt spid="6"/>
-                                        </p:tgtEl>
-                                        <p:attrNameLst>
-                                          <p:attrName>ppt_x</p:attrName>
-                                        </p:attrNameLst>
-                                      </p:cBhvr>
-                                      <p:tavLst>
-                                        <p:tav tm="0">
-                                          <p:val>
-                                            <p:strVal val="#ppt_x"/>
-                                          </p:val>
-                                        </p:tav>
-                                        <p:tav tm="100000">
-                                          <p:val>
-                                            <p:strVal val="#ppt_x"/>
-                                          </p:val>
-                                        </p:tav>
-                                      </p:tavLst>
-                                    </p:anim>
-                                    <p:anim calcmode="lin" valueType="num">
-                                      <p:cBhvr additive="base">
-                                        <p:cTn id="8" dur="500" fill="hold"/>
-                                        <p:tgtEl>
-                                          <p:spTgt spid="6"/>
-                                        </p:tgtEl>
-                                        <p:attrNameLst>
-                                          <p:attrName>ppt_y</p:attrName>
-                                        </p:attrNameLst>
-                                      </p:cBhvr>
-                                      <p:tavLst>
-                                        <p:tav tm="0">
-                                          <p:val>
-                                            <p:strVal val="1+#ppt_h/2"/>
-                                          </p:val>
-                                        </p:tav>
-                                        <p:tav tm="100000">
-                                          <p:val>
-                                            <p:strVal val="#ppt_y"/>
-                                          </p:val>
-                                        </p:tav>
-                                      </p:tavLst>
-                                    </p:anim>
-                                  </p:childTnLst>
-                                </p:cTn>
-                              </p:par>
-                            </p:childTnLst>
-                          </p:cTn>
-                        </p:par>
-                      </p:childTnLst>
-                    </p:cTn>
-                  </p:par>
-                </p:childTnLst>
-              </p:cTn>
-              <p:prevCondLst>
-                <p:cond evt="onPrev" delay="0">
-                  <p:tgtEl>
-                    <p:sldTgt/>
-                  </p:tgtEl>
-                </p:cond>
-              </p:prevCondLst>
-              <p:nextCondLst>
-                <p:cond evt="onNext" delay="0">
-                  <p:tgtEl>
-                    <p:sldTgt/>
-                  </p:tgtEl>
-                </p:cond>
-              </p:nextCondLst>
-            </p:seq>
-          </p:childTnLst>
-        </p:cTn>
-      </p:par>
-    </p:tnLst>
-    <p:bldLst>
-      <p:bldP spid="6" grpId="0" animBg="1"/>
-    </p:bldLst>
-  </p:timing>
-</p:sld>
-</file>
-
-<file path=ppt/slides/slide15.xml><?xml version="1.0" encoding="utf-8"?>
-<p:sld xmlns:a="http://schemas.openxmlformats.org/drawingml/2006/main" xmlns:r="http://schemas.openxmlformats.org/officeDocument/2006/relationships" xmlns:p="http://schemas.openxmlformats.org/presentationml/2006/main">
-  <p:cSld>
     <p:bg>
       <p:bgPr>
         <a:gradFill flip="none" rotWithShape="1">
@@ -8160,7 +7603,7 @@
 </p:sld>
 </file>
 
-<file path=ppt/slides/slide16.xml><?xml version="1.0" encoding="utf-8"?>
+<file path=ppt/slides/slide14.xml><?xml version="1.0" encoding="utf-8"?>
 <p:sld xmlns:a="http://schemas.openxmlformats.org/drawingml/2006/main" xmlns:r="http://schemas.openxmlformats.org/officeDocument/2006/relationships" xmlns:p="http://schemas.openxmlformats.org/presentationml/2006/main">
   <p:cSld>
     <p:spTree>
@@ -8182,7 +7625,7 @@
           <p:cNvPr id="2" name="Titre 1">
             <a:extLst>
               <a:ext uri="{FF2B5EF4-FFF2-40B4-BE49-F238E27FC236}">
-                <a16:creationId xmlns:a16="http://schemas.microsoft.com/office/drawing/2014/main" id="{9997D882-EBD1-45E7-8472-5061FA9C6B66}"/>
+                <a16:creationId xmlns:a16="http://schemas.microsoft.com/office/drawing/2014/main" id="{A453AB8B-436C-4F43-9255-E2539D34772C}"/>
               </a:ext>
             </a:extLst>
           </p:cNvPr>
@@ -8200,7 +7643,7 @@
           <a:p>
             <a:r>
               <a:rPr lang="fr-FR"/>
-              <a:t>Interactions</a:t>
+              <a:t>Media queries</a:t>
             </a:r>
             <a:endParaRPr lang="en-US"/>
           </a:p>
@@ -8211,7 +7654,7 @@
           <p:cNvPr id="3" name="Espace réservé du contenu 2">
             <a:extLst>
               <a:ext uri="{FF2B5EF4-FFF2-40B4-BE49-F238E27FC236}">
-                <a16:creationId xmlns:a16="http://schemas.microsoft.com/office/drawing/2014/main" id="{045131B1-F347-4553-821A-1C91D0527CE1}"/>
+                <a16:creationId xmlns:a16="http://schemas.microsoft.com/office/drawing/2014/main" id="{DCA7C4FB-5B2A-4D55-965A-A1C8865F947B}"/>
               </a:ext>
             </a:extLst>
           </p:cNvPr>
@@ -8227,104 +7670,175 @@
           <a:bodyPr/>
           <a:lstStyle/>
           <a:p>
-            <a:pPr marL="0" indent="0">
-              <a:buNone/>
-            </a:pPr>
-            <a:r>
-              <a:rPr lang="fr-FR"/>
-              <a:t>Certaines interactions utilisateur sont susceptibles de changer le style du document:</a:t>
-            </a:r>
-          </a:p>
-          <a:p>
-            <a:r>
-              <a:rPr lang="fr-FR"/>
-              <a:t>survol de la souris: </a:t>
-            </a:r>
-            <a:r>
-              <a:rPr lang="fr-FR">
-                <a:highlight>
-                  <a:srgbClr val="000000"/>
-                </a:highlight>
+            <a:r>
+              <a:rPr lang="fr-FR"/>
+              <a:t>Les requêtes media permettent d'appliquer des règles de style seulement sur un certain type d'appareil ou selon ses caractéristiques: la taille d'écran, son orientation, sa résolution, ses capacités en affichage de couleur etc.</a:t>
+            </a:r>
+          </a:p>
+          <a:p>
+            <a:endParaRPr lang="en-US"/>
+          </a:p>
+          <a:p>
+            <a:endParaRPr lang="en-US"/>
+          </a:p>
+          <a:p>
+            <a:endParaRPr lang="en-US"/>
+          </a:p>
+          <a:p>
+            <a:r>
+              <a:rPr lang="en-US"/>
+              <a:t>Tous ces critères peuvent être combinés avec des opérateurs logiques </a:t>
+            </a:r>
+            <a:r>
+              <a:rPr lang="en-US" b="1">
                 <a:latin typeface="Consolas" panose="020B0609020204030204" pitchFamily="49" charset="0"/>
               </a:rPr>
-              <a:t>a:hover</a:t>
-            </a:r>
-          </a:p>
-          <a:p>
-            <a:r>
-              <a:rPr lang="fr-FR"/>
-              <a:t>focus sur un élément: </a:t>
-            </a:r>
-            <a:r>
-              <a:rPr lang="fr-FR">
-                <a:highlight>
-                  <a:srgbClr val="000000"/>
-                </a:highlight>
+              <a:t>and</a:t>
+            </a:r>
+            <a:r>
+              <a:rPr lang="en-US"/>
+              <a:t> et </a:t>
+            </a:r>
+            <a:r>
+              <a:rPr lang="en-US" b="1">
                 <a:latin typeface="Consolas" panose="020B0609020204030204" pitchFamily="49" charset="0"/>
               </a:rPr>
-              <a:t>textarea:focus</a:t>
-            </a:r>
-          </a:p>
-          <a:p>
-            <a:r>
-              <a:rPr lang="fr-FR"/>
-              <a:t>activation d'un élément: </a:t>
-            </a:r>
-            <a:r>
-              <a:rPr lang="fr-FR">
-                <a:highlight>
-                  <a:srgbClr val="000000"/>
-                </a:highlight>
-                <a:latin typeface="Consolas" panose="020B0609020204030204" pitchFamily="49" charset="0"/>
-              </a:rPr>
-              <a:t>button:active</a:t>
-            </a:r>
-          </a:p>
-          <a:p>
-            <a:r>
-              <a:rPr lang="fr-FR"/>
-              <a:t>état d'un champ de formulaire: </a:t>
-            </a:r>
-            <a:r>
-              <a:rPr lang="fr-FR">
-                <a:highlight>
-                  <a:srgbClr val="000000"/>
-                </a:highlight>
-                <a:latin typeface="Consolas" panose="020B0609020204030204" pitchFamily="49" charset="0"/>
-              </a:rPr>
-              <a:t>input[type="checkbox"]:checked</a:t>
-            </a:r>
-          </a:p>
-          <a:p>
-            <a:r>
-              <a:rPr lang="fr-FR"/>
-              <a:t>validité d'un champ de formulaire: </a:t>
-            </a:r>
-            <a:r>
-              <a:rPr lang="fr-FR">
-                <a:highlight>
-                  <a:srgbClr val="000000"/>
-                </a:highlight>
-                <a:latin typeface="Consolas" panose="020B0609020204030204" pitchFamily="49" charset="0"/>
-              </a:rPr>
-              <a:t>input:valid, input:invalid</a:t>
-            </a:r>
-          </a:p>
-          <a:p>
-            <a:endParaRPr lang="fr-FR"/>
-          </a:p>
-          <a:p>
-            <a:endParaRPr lang="en-US"/>
+              <a:t>not</a:t>
+            </a:r>
           </a:p>
         </p:txBody>
       </p:sp>
       <p:sp>
         <p:nvSpPr>
-          <p:cNvPr id="6" name="Flèche : droite 5">
+          <p:cNvPr id="4" name="ZoneTexte 3">
+            <a:extLst>
+              <a:ext uri="{FF2B5EF4-FFF2-40B4-BE49-F238E27FC236}">
+                <a16:creationId xmlns:a16="http://schemas.microsoft.com/office/drawing/2014/main" id="{64210D81-1F97-4FDB-929F-CAD07FB872B9}"/>
+              </a:ext>
+            </a:extLst>
+          </p:cNvPr>
+          <p:cNvSpPr txBox="1"/>
+          <p:nvPr/>
+        </p:nvSpPr>
+        <p:spPr>
+          <a:xfrm>
+            <a:off x="1066800" y="3145750"/>
+            <a:ext cx="9631279" cy="923330"/>
+          </a:xfrm>
+          <a:prstGeom prst="rect">
+            <a:avLst/>
+          </a:prstGeom>
+        </p:spPr>
+        <p:style>
+          <a:lnRef idx="2">
+            <a:schemeClr val="dk1">
+              <a:shade val="50000"/>
+            </a:schemeClr>
+          </a:lnRef>
+          <a:fillRef idx="1">
+            <a:schemeClr val="dk1"/>
+          </a:fillRef>
+          <a:effectRef idx="0">
+            <a:schemeClr val="dk1"/>
+          </a:effectRef>
+          <a:fontRef idx="minor">
+            <a:schemeClr val="lt1"/>
+          </a:fontRef>
+        </p:style>
+        <p:txBody>
+          <a:bodyPr wrap="square" rtlCol="0">
+            <a:spAutoFit/>
+          </a:bodyPr>
+          <a:lstStyle/>
+          <a:p>
+            <a:r>
+              <a:rPr lang="en-US"/>
+              <a:t>@media print {</a:t>
+            </a:r>
+          </a:p>
+          <a:p>
+            <a:r>
+              <a:rPr lang="en-US"/>
+              <a:t>   img { display: none; } /* retire les images des impressions papier de la page web */</a:t>
+            </a:r>
+          </a:p>
+          <a:p>
+            <a:r>
+              <a:rPr lang="en-US"/>
+              <a:t>}</a:t>
+            </a:r>
+          </a:p>
+        </p:txBody>
+      </p:sp>
+      <p:sp>
+        <p:nvSpPr>
+          <p:cNvPr id="7" name="ZoneTexte 6">
+            <a:extLst>
+              <a:ext uri="{FF2B5EF4-FFF2-40B4-BE49-F238E27FC236}">
+                <a16:creationId xmlns:a16="http://schemas.microsoft.com/office/drawing/2014/main" id="{BF29D507-924A-41AD-946F-B85B2F035EC5}"/>
+              </a:ext>
+            </a:extLst>
+          </p:cNvPr>
+          <p:cNvSpPr txBox="1"/>
+          <p:nvPr/>
+        </p:nvSpPr>
+        <p:spPr>
+          <a:xfrm>
+            <a:off x="1066800" y="4650045"/>
+            <a:ext cx="9631279" cy="923330"/>
+          </a:xfrm>
+          <a:prstGeom prst="rect">
+            <a:avLst/>
+          </a:prstGeom>
+        </p:spPr>
+        <p:style>
+          <a:lnRef idx="2">
+            <a:schemeClr val="dk1">
+              <a:shade val="50000"/>
+            </a:schemeClr>
+          </a:lnRef>
+          <a:fillRef idx="1">
+            <a:schemeClr val="dk1"/>
+          </a:fillRef>
+          <a:effectRef idx="0">
+            <a:schemeClr val="dk1"/>
+          </a:effectRef>
+          <a:fontRef idx="minor">
+            <a:schemeClr val="lt1"/>
+          </a:fontRef>
+        </p:style>
+        <p:txBody>
+          <a:bodyPr wrap="square" rtlCol="0">
+            <a:spAutoFit/>
+          </a:bodyPr>
+          <a:lstStyle/>
+          <a:p>
+            <a:r>
+              <a:rPr lang="en-US"/>
+              <a:t>@media screen and (min-width: 30em) and (orientation: landscape) { ... }</a:t>
+            </a:r>
+          </a:p>
+          <a:p>
+            <a:r>
+              <a:rPr lang="en-US"/>
+              <a:t>@media (not(hover)) { ... }</a:t>
+            </a:r>
+          </a:p>
+          <a:p>
+            <a:r>
+              <a:rPr lang="en-US"/>
+              <a:t>@media (480px &lt;= width &lt;= 960px) { ... }</a:t>
+            </a:r>
+          </a:p>
+        </p:txBody>
+      </p:sp>
+      <p:sp>
+        <p:nvSpPr>
+          <p:cNvPr id="9" name="Flèche : droite 8">
             <a:hlinkClick r:id="rId2"/>
             <a:extLst>
               <a:ext uri="{FF2B5EF4-FFF2-40B4-BE49-F238E27FC236}">
-                <a16:creationId xmlns:a16="http://schemas.microsoft.com/office/drawing/2014/main" id="{26F37A37-513C-4420-BB19-EBD68A39C24D}"/>
+                <a16:creationId xmlns:a16="http://schemas.microsoft.com/office/drawing/2014/main" id="{A2DF74DA-286F-49BC-A704-DFC2C3B1A83D}"/>
               </a:ext>
             </a:extLst>
           </p:cNvPr>
@@ -8333,8 +7847,8 @@
         </p:nvSpPr>
         <p:spPr>
           <a:xfrm>
-            <a:off x="7628384" y="6146800"/>
-            <a:ext cx="4563616" cy="711200"/>
+            <a:off x="6959600" y="6146800"/>
+            <a:ext cx="5232401" cy="711200"/>
           </a:xfrm>
           <a:prstGeom prst="rightArrow">
             <a:avLst/>
@@ -8363,7 +7877,7 @@
             <a:pPr algn="ctr"/>
             <a:r>
               <a:rPr lang="fr-FR"/>
-              <a:t>Démo en ligne</a:t>
+              <a:t>Plus d'informations: MDN</a:t>
             </a:r>
             <a:endParaRPr lang="en-US"/>
           </a:p>
@@ -8372,7 +7886,330 @@
     </p:spTree>
     <p:extLst>
       <p:ext uri="{BB962C8B-B14F-4D97-AF65-F5344CB8AC3E}">
-        <p14:creationId xmlns:p14="http://schemas.microsoft.com/office/powerpoint/2010/main" val="1205107416"/>
+        <p14:creationId xmlns:p14="http://schemas.microsoft.com/office/powerpoint/2010/main" val="549971339"/>
+      </p:ext>
+    </p:extLst>
+  </p:cSld>
+  <p:clrMapOvr>
+    <a:masterClrMapping/>
+  </p:clrMapOvr>
+  <p:timing>
+    <p:tnLst>
+      <p:par>
+        <p:cTn id="1" dur="indefinite" restart="never" nodeType="tmRoot">
+          <p:childTnLst>
+            <p:seq concurrent="1" nextAc="seek">
+              <p:cTn id="2" dur="indefinite" nodeType="mainSeq">
+                <p:childTnLst>
+                  <p:par>
+                    <p:cTn id="3" fill="hold">
+                      <p:stCondLst>
+                        <p:cond delay="indefinite"/>
+                      </p:stCondLst>
+                      <p:childTnLst>
+                        <p:par>
+                          <p:cTn id="4" fill="hold">
+                            <p:stCondLst>
+                              <p:cond delay="0"/>
+                            </p:stCondLst>
+                            <p:childTnLst>
+                              <p:par>
+                                <p:cTn id="5" presetID="2" presetClass="entr" presetSubtype="4" fill="hold" grpId="0" nodeType="clickEffect">
+                                  <p:stCondLst>
+                                    <p:cond delay="0"/>
+                                  </p:stCondLst>
+                                  <p:childTnLst>
+                                    <p:set>
+                                      <p:cBhvr>
+                                        <p:cTn id="6" dur="1" fill="hold">
+                                          <p:stCondLst>
+                                            <p:cond delay="0"/>
+                                          </p:stCondLst>
+                                        </p:cTn>
+                                        <p:tgtEl>
+                                          <p:spTgt spid="9"/>
+                                        </p:tgtEl>
+                                        <p:attrNameLst>
+                                          <p:attrName>style.visibility</p:attrName>
+                                        </p:attrNameLst>
+                                      </p:cBhvr>
+                                      <p:to>
+                                        <p:strVal val="visible"/>
+                                      </p:to>
+                                    </p:set>
+                                    <p:anim calcmode="lin" valueType="num">
+                                      <p:cBhvr additive="base">
+                                        <p:cTn id="7" dur="500" fill="hold"/>
+                                        <p:tgtEl>
+                                          <p:spTgt spid="9"/>
+                                        </p:tgtEl>
+                                        <p:attrNameLst>
+                                          <p:attrName>ppt_x</p:attrName>
+                                        </p:attrNameLst>
+                                      </p:cBhvr>
+                                      <p:tavLst>
+                                        <p:tav tm="0">
+                                          <p:val>
+                                            <p:strVal val="#ppt_x"/>
+                                          </p:val>
+                                        </p:tav>
+                                        <p:tav tm="100000">
+                                          <p:val>
+                                            <p:strVal val="#ppt_x"/>
+                                          </p:val>
+                                        </p:tav>
+                                      </p:tavLst>
+                                    </p:anim>
+                                    <p:anim calcmode="lin" valueType="num">
+                                      <p:cBhvr additive="base">
+                                        <p:cTn id="8" dur="500" fill="hold"/>
+                                        <p:tgtEl>
+                                          <p:spTgt spid="9"/>
+                                        </p:tgtEl>
+                                        <p:attrNameLst>
+                                          <p:attrName>ppt_y</p:attrName>
+                                        </p:attrNameLst>
+                                      </p:cBhvr>
+                                      <p:tavLst>
+                                        <p:tav tm="0">
+                                          <p:val>
+                                            <p:strVal val="1+#ppt_h/2"/>
+                                          </p:val>
+                                        </p:tav>
+                                        <p:tav tm="100000">
+                                          <p:val>
+                                            <p:strVal val="#ppt_y"/>
+                                          </p:val>
+                                        </p:tav>
+                                      </p:tavLst>
+                                    </p:anim>
+                                  </p:childTnLst>
+                                </p:cTn>
+                              </p:par>
+                            </p:childTnLst>
+                          </p:cTn>
+                        </p:par>
+                      </p:childTnLst>
+                    </p:cTn>
+                  </p:par>
+                </p:childTnLst>
+              </p:cTn>
+              <p:prevCondLst>
+                <p:cond evt="onPrev" delay="0">
+                  <p:tgtEl>
+                    <p:sldTgt/>
+                  </p:tgtEl>
+                </p:cond>
+              </p:prevCondLst>
+              <p:nextCondLst>
+                <p:cond evt="onNext" delay="0">
+                  <p:tgtEl>
+                    <p:sldTgt/>
+                  </p:tgtEl>
+                </p:cond>
+              </p:nextCondLst>
+            </p:seq>
+          </p:childTnLst>
+        </p:cTn>
+      </p:par>
+    </p:tnLst>
+    <p:bldLst>
+      <p:bldP spid="9" grpId="0" animBg="1"/>
+    </p:bldLst>
+  </p:timing>
+</p:sld>
+</file>
+
+<file path=ppt/slides/slide15.xml><?xml version="1.0" encoding="utf-8"?>
+<p:sld xmlns:a="http://schemas.openxmlformats.org/drawingml/2006/main" xmlns:r="http://schemas.openxmlformats.org/officeDocument/2006/relationships" xmlns:p="http://schemas.openxmlformats.org/presentationml/2006/main">
+  <p:cSld>
+    <p:spTree>
+      <p:nvGrpSpPr>
+        <p:cNvPr id="1" name=""/>
+        <p:cNvGrpSpPr/>
+        <p:nvPr/>
+      </p:nvGrpSpPr>
+      <p:grpSpPr>
+        <a:xfrm>
+          <a:off x="0" y="0"/>
+          <a:ext cx="0" cy="0"/>
+          <a:chOff x="0" y="0"/>
+          <a:chExt cx="0" cy="0"/>
+        </a:xfrm>
+      </p:grpSpPr>
+      <p:sp>
+        <p:nvSpPr>
+          <p:cNvPr id="2" name="Titre 1">
+            <a:extLst>
+              <a:ext uri="{FF2B5EF4-FFF2-40B4-BE49-F238E27FC236}">
+                <a16:creationId xmlns:a16="http://schemas.microsoft.com/office/drawing/2014/main" id="{9997D882-EBD1-45E7-8472-5061FA9C6B66}"/>
+              </a:ext>
+            </a:extLst>
+          </p:cNvPr>
+          <p:cNvSpPr>
+            <a:spLocks noGrp="1"/>
+          </p:cNvSpPr>
+          <p:nvPr>
+            <p:ph type="title"/>
+          </p:nvPr>
+        </p:nvSpPr>
+        <p:spPr/>
+        <p:txBody>
+          <a:bodyPr/>
+          <a:lstStyle/>
+          <a:p>
+            <a:r>
+              <a:rPr lang="fr-FR"/>
+              <a:t>Responsive Web Design</a:t>
+            </a:r>
+            <a:endParaRPr lang="en-US"/>
+          </a:p>
+        </p:txBody>
+      </p:sp>
+      <p:sp>
+        <p:nvSpPr>
+          <p:cNvPr id="3" name="Espace réservé du contenu 2">
+            <a:extLst>
+              <a:ext uri="{FF2B5EF4-FFF2-40B4-BE49-F238E27FC236}">
+                <a16:creationId xmlns:a16="http://schemas.microsoft.com/office/drawing/2014/main" id="{045131B1-F347-4553-821A-1C91D0527CE1}"/>
+              </a:ext>
+            </a:extLst>
+          </p:cNvPr>
+          <p:cNvSpPr>
+            <a:spLocks noGrp="1"/>
+          </p:cNvSpPr>
+          <p:nvPr>
+            <p:ph idx="1"/>
+          </p:nvPr>
+        </p:nvSpPr>
+        <p:spPr/>
+        <p:txBody>
+          <a:bodyPr/>
+          <a:lstStyle/>
+          <a:p>
+            <a:r>
+              <a:rPr lang="fr-FR"/>
+              <a:t>Le RWD, c'est l'approche de conception des sites web désormais incontournable en 2022 qui consiste à faire des sites avec une expérience optimale peu importe la gamme d'appareil de l'utilisateur (smartphones, tablettes, laptop, desktop...)</a:t>
+            </a:r>
+          </a:p>
+          <a:p>
+            <a:r>
+              <a:rPr lang="fr-FR"/>
+              <a:t>Un site dit "</a:t>
+            </a:r>
+            <a:r>
+              <a:rPr lang="fr-FR" i="1"/>
+              <a:t>responsive</a:t>
+            </a:r>
+            <a:r>
+              <a:rPr lang="fr-FR"/>
+              <a:t>" va avoir une mise en page flexible, en privilégiant des </a:t>
+            </a:r>
+            <a:r>
+              <a:rPr lang="fr-FR" b="1"/>
+              <a:t>dimensions relatives</a:t>
+            </a:r>
+            <a:r>
+              <a:rPr lang="fr-FR"/>
+              <a:t> et en utilisant des </a:t>
+            </a:r>
+            <a:r>
+              <a:rPr lang="fr-FR" b="1"/>
+              <a:t>media queries</a:t>
+            </a:r>
+            <a:r>
+              <a:rPr lang="fr-FR"/>
+              <a:t> pour adapter l'interface à toutes les résolutions et moyens d'interactions (souris, tactile...)</a:t>
+            </a:r>
+            <a:endParaRPr lang="en-US"/>
+          </a:p>
+        </p:txBody>
+      </p:sp>
+      <p:pic>
+        <p:nvPicPr>
+          <p:cNvPr id="5" name="Image 4">
+            <a:extLst>
+              <a:ext uri="{FF2B5EF4-FFF2-40B4-BE49-F238E27FC236}">
+                <a16:creationId xmlns:a16="http://schemas.microsoft.com/office/drawing/2014/main" id="{2BC01A83-109E-4953-AD54-4269D6EDC43B}"/>
+              </a:ext>
+            </a:extLst>
+          </p:cNvPr>
+          <p:cNvPicPr>
+            <a:picLocks noChangeAspect="1"/>
+          </p:cNvPicPr>
+          <p:nvPr/>
+        </p:nvPicPr>
+        <p:blipFill>
+          <a:blip r:embed="rId2"/>
+          <a:stretch>
+            <a:fillRect/>
+          </a:stretch>
+        </p:blipFill>
+        <p:spPr>
+          <a:xfrm>
+            <a:off x="4483799" y="3910679"/>
+            <a:ext cx="3224401" cy="2363491"/>
+          </a:xfrm>
+          <a:prstGeom prst="rect">
+            <a:avLst/>
+          </a:prstGeom>
+        </p:spPr>
+      </p:pic>
+      <p:sp>
+        <p:nvSpPr>
+          <p:cNvPr id="6" name="Flèche : droite 5">
+            <a:hlinkClick r:id="rId3"/>
+            <a:extLst>
+              <a:ext uri="{FF2B5EF4-FFF2-40B4-BE49-F238E27FC236}">
+                <a16:creationId xmlns:a16="http://schemas.microsoft.com/office/drawing/2014/main" id="{26F37A37-513C-4420-BB19-EBD68A39C24D}"/>
+              </a:ext>
+            </a:extLst>
+          </p:cNvPr>
+          <p:cNvSpPr/>
+          <p:nvPr/>
+        </p:nvSpPr>
+        <p:spPr>
+          <a:xfrm>
+            <a:off x="6959600" y="6146800"/>
+            <a:ext cx="5232399" cy="711200"/>
+          </a:xfrm>
+          <a:prstGeom prst="rightArrow">
+            <a:avLst/>
+          </a:prstGeom>
+        </p:spPr>
+        <p:style>
+          <a:lnRef idx="2">
+            <a:schemeClr val="accent1">
+              <a:shade val="50000"/>
+            </a:schemeClr>
+          </a:lnRef>
+          <a:fillRef idx="1">
+            <a:schemeClr val="accent1"/>
+          </a:fillRef>
+          <a:effectRef idx="0">
+            <a:schemeClr val="accent1"/>
+          </a:effectRef>
+          <a:fontRef idx="minor">
+            <a:schemeClr val="lt1"/>
+          </a:fontRef>
+        </p:style>
+        <p:txBody>
+          <a:bodyPr rtlCol="0" anchor="ctr"/>
+          <a:lstStyle/>
+          <a:p>
+            <a:pPr algn="ctr"/>
+            <a:r>
+              <a:rPr lang="fr-FR"/>
+              <a:t>Démo: OneCake</a:t>
+            </a:r>
+            <a:endParaRPr lang="en-US"/>
+          </a:p>
+        </p:txBody>
+      </p:sp>
+    </p:spTree>
+    <p:extLst>
+      <p:ext uri="{BB962C8B-B14F-4D97-AF65-F5344CB8AC3E}">
+        <p14:creationId xmlns:p14="http://schemas.microsoft.com/office/powerpoint/2010/main" val="618679524"/>
       </p:ext>
     </p:extLst>
   </p:cSld>
@@ -8506,9 +8343,35 @@
 </p:sld>
 </file>
 
-<file path=ppt/slides/slide17.xml><?xml version="1.0" encoding="utf-8"?>
+<file path=ppt/slides/slide16.xml><?xml version="1.0" encoding="utf-8"?>
 <p:sld xmlns:a="http://schemas.openxmlformats.org/drawingml/2006/main" xmlns:r="http://schemas.openxmlformats.org/officeDocument/2006/relationships" xmlns:p="http://schemas.openxmlformats.org/presentationml/2006/main">
   <p:cSld>
+    <p:bg>
+      <p:bgPr>
+        <a:gradFill rotWithShape="1">
+          <a:gsLst>
+            <a:gs pos="0">
+              <a:schemeClr val="bg2">
+                <a:tint val="80000"/>
+                <a:shade val="100000"/>
+                <a:satMod val="300000"/>
+              </a:schemeClr>
+            </a:gs>
+            <a:gs pos="100000">
+              <a:schemeClr val="bg2">
+                <a:tint val="100000"/>
+                <a:shade val="30000"/>
+                <a:satMod val="200000"/>
+              </a:schemeClr>
+            </a:gs>
+          </a:gsLst>
+          <a:path path="circle">
+            <a:fillToRect l="50000" t="50000" r="50000" b="50000"/>
+          </a:path>
+        </a:gradFill>
+        <a:effectLst/>
+      </p:bgPr>
+    </p:bg>
     <p:spTree>
       <p:nvGrpSpPr>
         <p:cNvPr id="1" name=""/>
@@ -8525,10 +8388,642 @@
       </p:grpSpPr>
       <p:sp>
         <p:nvSpPr>
+          <p:cNvPr id="9" name="Rectangle 8">
+            <a:extLst>
+              <a:ext uri="{FF2B5EF4-FFF2-40B4-BE49-F238E27FC236}">
+                <a16:creationId xmlns:a16="http://schemas.microsoft.com/office/drawing/2014/main" id="{3206E093-5426-4593-B46F-CB832FAC632C}"/>
+              </a:ext>
+              <a:ext uri="{C183D7F6-B498-43B3-948B-1728B52AA6E4}">
+                <adec:decorative xmlns:adec="http://schemas.microsoft.com/office/drawing/2017/decorative" val="1"/>
+              </a:ext>
+            </a:extLst>
+          </p:cNvPr>
+          <p:cNvSpPr>
+            <a:spLocks noGrp="1" noRot="1" noChangeAspect="1" noMove="1" noResize="1" noEditPoints="1" noAdjustHandles="1" noChangeArrowheads="1" noChangeShapeType="1" noTextEdit="1"/>
+          </p:cNvSpPr>
+          <p:nvPr>
+            <p:extLst>
+              <p:ext uri="{386F3935-93C4-4BCD-93E2-E3B085C9AB24}">
+                <p16:designElem xmlns:p16="http://schemas.microsoft.com/office/powerpoint/2015/main" val="1"/>
+              </p:ext>
+            </p:extLst>
+          </p:nvPr>
+        </p:nvSpPr>
+        <p:spPr>
+          <a:xfrm>
+            <a:off x="0" y="0"/>
+            <a:ext cx="12192000" cy="6858000"/>
+          </a:xfrm>
+          <a:prstGeom prst="rect">
+            <a:avLst/>
+          </a:prstGeom>
+          <a:blipFill dpi="0" rotWithShape="1">
+            <a:blip r:embed="rId2">
+              <a:alphaModFix amt="12000"/>
+              <a:duotone>
+                <a:schemeClr val="accent1">
+                  <a:shade val="45000"/>
+                  <a:satMod val="135000"/>
+                </a:schemeClr>
+                <a:prstClr val="white"/>
+              </a:duotone>
+            </a:blip>
+            <a:srcRect/>
+            <a:tile tx="-368300" ty="203200" sx="64000" sy="64000" flip="none" algn="tl"/>
+          </a:blipFill>
+          <a:ln>
+            <a:noFill/>
+          </a:ln>
+        </p:spPr>
+        <p:style>
+          <a:lnRef idx="2">
+            <a:schemeClr val="accent1">
+              <a:shade val="50000"/>
+            </a:schemeClr>
+          </a:lnRef>
+          <a:fillRef idx="1">
+            <a:schemeClr val="accent1"/>
+          </a:fillRef>
+          <a:effectRef idx="0">
+            <a:schemeClr val="accent1"/>
+          </a:effectRef>
+          <a:fontRef idx="minor">
+            <a:schemeClr val="lt1"/>
+          </a:fontRef>
+        </p:style>
+        <p:txBody>
+          <a:bodyPr rtlCol="0" anchor="ctr"/>
+          <a:lstStyle/>
+          <a:p>
+            <a:pPr algn="ctr">
+              <a:spcAft>
+                <a:spcPts val="600"/>
+              </a:spcAft>
+            </a:pPr>
+            <a:r>
+              <a:rPr lang="en-US" dirty="0">
+                <a:solidFill>
+                  <a:prstClr val="white"/>
+                </a:solidFill>
+              </a:rPr>
+              <a:t>C</a:t>
+            </a:r>
+          </a:p>
+        </p:txBody>
+      </p:sp>
+      <p:sp>
+        <p:nvSpPr>
+          <p:cNvPr id="11" name="Rectangle 10">
+            <a:extLst>
+              <a:ext uri="{FF2B5EF4-FFF2-40B4-BE49-F238E27FC236}">
+                <a16:creationId xmlns:a16="http://schemas.microsoft.com/office/drawing/2014/main" id="{728B0E8F-3EF4-4D31-A768-5F5A67AA1128}"/>
+              </a:ext>
+              <a:ext uri="{C183D7F6-B498-43B3-948B-1728B52AA6E4}">
+                <adec:decorative xmlns:adec="http://schemas.microsoft.com/office/drawing/2017/decorative" val="1"/>
+              </a:ext>
+            </a:extLst>
+          </p:cNvPr>
+          <p:cNvSpPr>
+            <a:spLocks noGrp="1" noRot="1" noChangeAspect="1" noMove="1" noResize="1" noEditPoints="1" noAdjustHandles="1" noChangeArrowheads="1" noChangeShapeType="1" noTextEdit="1"/>
+          </p:cNvSpPr>
+          <p:nvPr>
+            <p:extLst>
+              <p:ext uri="{386F3935-93C4-4BCD-93E2-E3B085C9AB24}">
+                <p16:designElem xmlns:p16="http://schemas.microsoft.com/office/powerpoint/2015/main" val="1"/>
+              </p:ext>
+            </p:extLst>
+          </p:nvPr>
+        </p:nvSpPr>
+        <p:spPr>
+          <a:xfrm>
+            <a:off x="1307870" y="1267730"/>
+            <a:ext cx="9576262" cy="4307950"/>
+          </a:xfrm>
+          <a:prstGeom prst="rect">
+            <a:avLst/>
+          </a:prstGeom>
+          <a:solidFill>
+            <a:schemeClr val="tx2"/>
+          </a:solidFill>
+          <a:ln w="6350" cap="flat" cmpd="sng" algn="ctr">
+            <a:noFill/>
+            <a:prstDash val="solid"/>
+          </a:ln>
+          <a:effectLst>
+            <a:outerShdw blurRad="50800" algn="ctr" rotWithShape="0">
+              <a:prstClr val="black">
+                <a:alpha val="66000"/>
+              </a:prstClr>
+            </a:outerShdw>
+            <a:softEdge rad="0"/>
+          </a:effectLst>
+        </p:spPr>
+      </p:sp>
+      <p:sp>
+        <p:nvSpPr>
+          <p:cNvPr id="13" name="Rectangle 12">
+            <a:extLst>
+              <a:ext uri="{FF2B5EF4-FFF2-40B4-BE49-F238E27FC236}">
+                <a16:creationId xmlns:a16="http://schemas.microsoft.com/office/drawing/2014/main" id="{6259DE6E-747A-45AF-98DD-23896F95768D}"/>
+              </a:ext>
+              <a:ext uri="{C183D7F6-B498-43B3-948B-1728B52AA6E4}">
+                <adec:decorative xmlns:adec="http://schemas.microsoft.com/office/drawing/2017/decorative" val="1"/>
+              </a:ext>
+            </a:extLst>
+          </p:cNvPr>
+          <p:cNvSpPr>
+            <a:spLocks noGrp="1" noRot="1" noChangeAspect="1" noMove="1" noResize="1" noEditPoints="1" noAdjustHandles="1" noChangeArrowheads="1" noChangeShapeType="1" noTextEdit="1"/>
+          </p:cNvSpPr>
+          <p:nvPr>
+            <p:extLst>
+              <p:ext uri="{386F3935-93C4-4BCD-93E2-E3B085C9AB24}">
+                <p16:designElem xmlns:p16="http://schemas.microsoft.com/office/powerpoint/2015/main" val="1"/>
+              </p:ext>
+            </p:extLst>
+          </p:nvPr>
+        </p:nvSpPr>
+        <p:spPr>
+          <a:xfrm>
+            <a:off x="1447801" y="1411615"/>
+            <a:ext cx="9296400" cy="4034770"/>
+          </a:xfrm>
+          <a:prstGeom prst="rect">
+            <a:avLst/>
+          </a:prstGeom>
+          <a:noFill/>
+          <a:ln w="6350" cap="sq" cmpd="sng" algn="ctr">
+            <a:solidFill>
+              <a:schemeClr val="bg2"/>
+            </a:solidFill>
+            <a:prstDash val="solid"/>
+            <a:miter lim="800000"/>
+          </a:ln>
+          <a:effectLst/>
+        </p:spPr>
+      </p:sp>
+      <p:sp>
+        <p:nvSpPr>
+          <p:cNvPr id="15" name="Rectangle 14">
+            <a:extLst>
+              <a:ext uri="{FF2B5EF4-FFF2-40B4-BE49-F238E27FC236}">
+                <a16:creationId xmlns:a16="http://schemas.microsoft.com/office/drawing/2014/main" id="{1887F806-D158-4704-BA5A-D9A83B361E71}"/>
+              </a:ext>
+              <a:ext uri="{C183D7F6-B498-43B3-948B-1728B52AA6E4}">
+                <adec:decorative xmlns:adec="http://schemas.microsoft.com/office/drawing/2017/decorative" val="1"/>
+              </a:ext>
+            </a:extLst>
+          </p:cNvPr>
+          <p:cNvSpPr>
+            <a:spLocks noGrp="1" noRot="1" noChangeAspect="1" noMove="1" noResize="1" noEditPoints="1" noAdjustHandles="1" noChangeArrowheads="1" noChangeShapeType="1" noTextEdit="1"/>
+          </p:cNvSpPr>
+          <p:nvPr>
+            <p:extLst>
+              <p:ext uri="{386F3935-93C4-4BCD-93E2-E3B085C9AB24}">
+                <p16:designElem xmlns:p16="http://schemas.microsoft.com/office/powerpoint/2015/main" val="1"/>
+              </p:ext>
+            </p:extLst>
+          </p:nvPr>
+        </p:nvSpPr>
+        <p:spPr>
+          <a:xfrm>
+            <a:off x="5135880" y="1267730"/>
+            <a:ext cx="1920240" cy="731520"/>
+          </a:xfrm>
+          <a:prstGeom prst="rect">
+            <a:avLst/>
+          </a:prstGeom>
+          <a:solidFill>
+            <a:schemeClr val="accent1"/>
+          </a:solidFill>
+          <a:ln>
+            <a:noFill/>
+          </a:ln>
+        </p:spPr>
+        <p:style>
+          <a:lnRef idx="2">
+            <a:schemeClr val="accent1">
+              <a:shade val="50000"/>
+            </a:schemeClr>
+          </a:lnRef>
+          <a:fillRef idx="1">
+            <a:schemeClr val="accent1"/>
+          </a:fillRef>
+          <a:effectRef idx="0">
+            <a:schemeClr val="accent1"/>
+          </a:effectRef>
+          <a:fontRef idx="minor">
+            <a:schemeClr val="lt1"/>
+          </a:fontRef>
+        </p:style>
+      </p:sp>
+      <p:grpSp>
+        <p:nvGrpSpPr>
+          <p:cNvPr id="17" name="Group 16">
+            <a:extLst>
+              <a:ext uri="{FF2B5EF4-FFF2-40B4-BE49-F238E27FC236}">
+                <a16:creationId xmlns:a16="http://schemas.microsoft.com/office/drawing/2014/main" id="{50D10512-F6B0-43F5-BE9B-475FAEBFF11D}"/>
+              </a:ext>
+              <a:ext uri="{C183D7F6-B498-43B3-948B-1728B52AA6E4}">
+                <adec:decorative xmlns:adec="http://schemas.microsoft.com/office/drawing/2017/decorative" val="1"/>
+              </a:ext>
+            </a:extLst>
+          </p:cNvPr>
+          <p:cNvGrpSpPr>
+            <a:grpSpLocks noGrp="1" noUngrp="1" noRot="1" noChangeAspect="1" noMove="1" noResize="1"/>
+          </p:cNvGrpSpPr>
+          <p:nvPr>
+            <p:extLst>
+              <p:ext uri="{386F3935-93C4-4BCD-93E2-E3B085C9AB24}">
+                <p16:designElem xmlns:p16="http://schemas.microsoft.com/office/powerpoint/2015/main" val="1"/>
+              </p:ext>
+            </p:extLst>
+          </p:nvPr>
+        </p:nvGrpSpPr>
+        <p:grpSpPr>
+          <a:xfrm>
+            <a:off x="4828372" y="1267730"/>
+            <a:ext cx="1567331" cy="645295"/>
+            <a:chOff x="5318306" y="1386268"/>
+            <a:chExt cx="1567331" cy="645295"/>
+          </a:xfrm>
+        </p:grpSpPr>
+        <p:cxnSp>
+          <p:nvCxnSpPr>
+            <p:cNvPr id="18" name="Straight Connector 17">
+              <a:extLst>
+                <a:ext uri="{FF2B5EF4-FFF2-40B4-BE49-F238E27FC236}">
+                  <a16:creationId xmlns:a16="http://schemas.microsoft.com/office/drawing/2014/main" id="{CAE38F9B-010A-43A2-AAB2-65FFA290032F}"/>
+                </a:ext>
+                <a:ext uri="{C183D7F6-B498-43B3-948B-1728B52AA6E4}">
+                  <adec:decorative xmlns:adec="http://schemas.microsoft.com/office/drawing/2017/decorative" val="1"/>
+                </a:ext>
+              </a:extLst>
+            </p:cNvPr>
+            <p:cNvCxnSpPr/>
+            <p:nvPr>
+              <p:extLst>
+                <p:ext uri="{386F3935-93C4-4BCD-93E2-E3B085C9AB24}">
+                  <p16:designElem xmlns:p16="http://schemas.microsoft.com/office/powerpoint/2015/main" val="1"/>
+                </p:ext>
+              </p:extLst>
+            </p:nvPr>
+          </p:nvCxnSpPr>
+          <p:spPr>
+            <a:xfrm>
+              <a:off x="5318306" y="1386268"/>
+              <a:ext cx="0" cy="640080"/>
+            </a:xfrm>
+            <a:prstGeom prst="line">
+              <a:avLst/>
+            </a:prstGeom>
+            <a:solidFill>
+              <a:schemeClr val="tx1">
+                <a:lumMod val="85000"/>
+                <a:lumOff val="15000"/>
+              </a:schemeClr>
+            </a:solidFill>
+            <a:ln>
+              <a:solidFill>
+                <a:schemeClr val="accent1">
+                  <a:lumMod val="20000"/>
+                  <a:lumOff val="80000"/>
+                </a:schemeClr>
+              </a:solidFill>
+              <a:miter lim="800000"/>
+            </a:ln>
+          </p:spPr>
+          <p:style>
+            <a:lnRef idx="1">
+              <a:schemeClr val="accent1"/>
+            </a:lnRef>
+            <a:fillRef idx="0">
+              <a:schemeClr val="accent1"/>
+            </a:fillRef>
+            <a:effectRef idx="0">
+              <a:schemeClr val="accent1"/>
+            </a:effectRef>
+            <a:fontRef idx="minor">
+              <a:schemeClr val="tx1"/>
+            </a:fontRef>
+          </p:style>
+        </p:cxnSp>
+        <p:cxnSp>
+          <p:nvCxnSpPr>
+            <p:cNvPr id="19" name="Straight Connector 18">
+              <a:extLst>
+                <a:ext uri="{FF2B5EF4-FFF2-40B4-BE49-F238E27FC236}">
+                  <a16:creationId xmlns:a16="http://schemas.microsoft.com/office/drawing/2014/main" id="{44CEF6FD-9C62-4C44-8AA3-A0FBAB091BD9}"/>
+                </a:ext>
+                <a:ext uri="{C183D7F6-B498-43B3-948B-1728B52AA6E4}">
+                  <adec:decorative xmlns:adec="http://schemas.microsoft.com/office/drawing/2017/decorative" val="1"/>
+                </a:ext>
+              </a:extLst>
+            </p:cNvPr>
+            <p:cNvCxnSpPr/>
+            <p:nvPr>
+              <p:extLst>
+                <p:ext uri="{386F3935-93C4-4BCD-93E2-E3B085C9AB24}">
+                  <p16:designElem xmlns:p16="http://schemas.microsoft.com/office/powerpoint/2015/main" val="1"/>
+                </p:ext>
+              </p:extLst>
+            </p:nvPr>
+          </p:nvCxnSpPr>
+          <p:spPr>
+            <a:xfrm>
+              <a:off x="6885637" y="1386268"/>
+              <a:ext cx="0" cy="640080"/>
+            </a:xfrm>
+            <a:prstGeom prst="line">
+              <a:avLst/>
+            </a:prstGeom>
+            <a:solidFill>
+              <a:schemeClr val="tx1">
+                <a:lumMod val="85000"/>
+                <a:lumOff val="15000"/>
+              </a:schemeClr>
+            </a:solidFill>
+            <a:ln>
+              <a:solidFill>
+                <a:schemeClr val="accent1">
+                  <a:lumMod val="20000"/>
+                  <a:lumOff val="80000"/>
+                </a:schemeClr>
+              </a:solidFill>
+              <a:miter lim="800000"/>
+            </a:ln>
+          </p:spPr>
+          <p:style>
+            <a:lnRef idx="1">
+              <a:schemeClr val="accent1"/>
+            </a:lnRef>
+            <a:fillRef idx="0">
+              <a:schemeClr val="accent1"/>
+            </a:fillRef>
+            <a:effectRef idx="0">
+              <a:schemeClr val="accent1"/>
+            </a:effectRef>
+            <a:fontRef idx="minor">
+              <a:schemeClr val="tx1"/>
+            </a:fontRef>
+          </p:style>
+        </p:cxnSp>
+        <p:cxnSp>
+          <p:nvCxnSpPr>
+            <p:cNvPr id="20" name="Straight Connector 19">
+              <a:extLst>
+                <a:ext uri="{FF2B5EF4-FFF2-40B4-BE49-F238E27FC236}">
+                  <a16:creationId xmlns:a16="http://schemas.microsoft.com/office/drawing/2014/main" id="{5AE33AD2-D8F9-4258-8F98-032285C5DFC5}"/>
+                </a:ext>
+                <a:ext uri="{C183D7F6-B498-43B3-948B-1728B52AA6E4}">
+                  <adec:decorative xmlns:adec="http://schemas.microsoft.com/office/drawing/2017/decorative" val="1"/>
+                </a:ext>
+              </a:extLst>
+            </p:cNvPr>
+            <p:cNvCxnSpPr/>
+            <p:nvPr>
+              <p:extLst>
+                <p:ext uri="{386F3935-93C4-4BCD-93E2-E3B085C9AB24}">
+                  <p16:designElem xmlns:p16="http://schemas.microsoft.com/office/powerpoint/2015/main" val="1"/>
+                </p:ext>
+              </p:extLst>
+            </p:nvPr>
+          </p:nvCxnSpPr>
+          <p:spPr>
+            <a:xfrm>
+              <a:off x="5318306" y="2031563"/>
+              <a:ext cx="1567331" cy="0"/>
+            </a:xfrm>
+            <a:prstGeom prst="line">
+              <a:avLst/>
+            </a:prstGeom>
+            <a:solidFill>
+              <a:schemeClr val="tx1">
+                <a:lumMod val="85000"/>
+                <a:lumOff val="15000"/>
+              </a:schemeClr>
+            </a:solidFill>
+            <a:ln>
+              <a:solidFill>
+                <a:schemeClr val="accent1">
+                  <a:lumMod val="20000"/>
+                  <a:lumOff val="80000"/>
+                </a:schemeClr>
+              </a:solidFill>
+              <a:miter lim="800000"/>
+            </a:ln>
+          </p:spPr>
+          <p:style>
+            <a:lnRef idx="1">
+              <a:schemeClr val="accent1"/>
+            </a:lnRef>
+            <a:fillRef idx="0">
+              <a:schemeClr val="accent1"/>
+            </a:fillRef>
+            <a:effectRef idx="0">
+              <a:schemeClr val="accent1"/>
+            </a:effectRef>
+            <a:fontRef idx="minor">
+              <a:schemeClr val="tx1"/>
+            </a:fontRef>
+          </p:style>
+        </p:cxnSp>
+      </p:grpSp>
+      <p:sp useBgFill="1">
+        <p:nvSpPr>
+          <p:cNvPr id="22" name="Rectangle 21">
+            <a:extLst>
+              <a:ext uri="{FF2B5EF4-FFF2-40B4-BE49-F238E27FC236}">
+                <a16:creationId xmlns:a16="http://schemas.microsoft.com/office/drawing/2014/main" id="{022F4A7A-06EB-440D-BB5D-148BC43BB202}"/>
+              </a:ext>
+              <a:ext uri="{C183D7F6-B498-43B3-948B-1728B52AA6E4}">
+                <adec:decorative xmlns:adec="http://schemas.microsoft.com/office/drawing/2017/decorative" val="1"/>
+              </a:ext>
+            </a:extLst>
+          </p:cNvPr>
+          <p:cNvSpPr>
+            <a:spLocks noGrp="1" noRot="1" noChangeAspect="1" noMove="1" noResize="1" noEditPoints="1" noAdjustHandles="1" noChangeArrowheads="1" noChangeShapeType="1" noTextEdit="1"/>
+          </p:cNvSpPr>
+          <p:nvPr>
+            <p:extLst>
+              <p:ext uri="{386F3935-93C4-4BCD-93E2-E3B085C9AB24}">
+                <p16:designElem xmlns:p16="http://schemas.microsoft.com/office/powerpoint/2015/main" val="1"/>
+              </p:ext>
+            </p:extLst>
+          </p:nvPr>
+        </p:nvSpPr>
+        <p:spPr>
+          <a:xfrm>
+            <a:off x="0" y="0"/>
+            <a:ext cx="12191999" cy="6857999"/>
+          </a:xfrm>
+          <a:prstGeom prst="rect">
+            <a:avLst/>
+          </a:prstGeom>
+          <a:ln>
+            <a:noFill/>
+          </a:ln>
+        </p:spPr>
+        <p:style>
+          <a:lnRef idx="2">
+            <a:schemeClr val="accent1">
+              <a:shade val="50000"/>
+            </a:schemeClr>
+          </a:lnRef>
+          <a:fillRef idx="1">
+            <a:schemeClr val="accent1"/>
+          </a:fillRef>
+          <a:effectRef idx="0">
+            <a:schemeClr val="accent1"/>
+          </a:effectRef>
+          <a:fontRef idx="minor">
+            <a:schemeClr val="lt1"/>
+          </a:fontRef>
+        </p:style>
+        <p:txBody>
+          <a:bodyPr rtlCol="0" anchor="ctr"/>
+          <a:lstStyle/>
+          <a:p>
+            <a:pPr algn="ctr"/>
+            <a:endParaRPr lang="en-US"/>
+          </a:p>
+        </p:txBody>
+      </p:sp>
+      <p:pic>
+        <p:nvPicPr>
+          <p:cNvPr id="4" name="Image 3">
+            <a:extLst>
+              <a:ext uri="{FF2B5EF4-FFF2-40B4-BE49-F238E27FC236}">
+                <a16:creationId xmlns:a16="http://schemas.microsoft.com/office/drawing/2014/main" id="{BB71B6CB-D3F6-4E20-A7D5-B15F344862E0}"/>
+              </a:ext>
+            </a:extLst>
+          </p:cNvPr>
+          <p:cNvPicPr>
+            <a:picLocks noChangeAspect="1"/>
+          </p:cNvPicPr>
+          <p:nvPr/>
+        </p:nvPicPr>
+        <p:blipFill rotWithShape="1">
+          <a:blip r:embed="rId3">
+            <a:duotone>
+              <a:schemeClr val="accent1">
+                <a:shade val="45000"/>
+                <a:satMod val="135000"/>
+              </a:schemeClr>
+              <a:prstClr val="white"/>
+            </a:duotone>
+            <a:alphaModFix amt="75000"/>
+          </a:blip>
+          <a:srcRect/>
+          <a:stretch/>
+        </p:blipFill>
+        <p:spPr>
+          <a:xfrm>
+            <a:off x="20" y="10"/>
+            <a:ext cx="12191979" cy="6857989"/>
+          </a:xfrm>
+          <a:prstGeom prst="rect">
+            <a:avLst/>
+          </a:prstGeom>
+        </p:spPr>
+      </p:pic>
+      <p:sp>
+        <p:nvSpPr>
+          <p:cNvPr id="24" name="Rectangle 23">
+            <a:extLst>
+              <a:ext uri="{FF2B5EF4-FFF2-40B4-BE49-F238E27FC236}">
+                <a16:creationId xmlns:a16="http://schemas.microsoft.com/office/drawing/2014/main" id="{28D7DCE8-958E-4A47-A62F-1C11E9103324}"/>
+              </a:ext>
+              <a:ext uri="{C183D7F6-B498-43B3-948B-1728B52AA6E4}">
+                <adec:decorative xmlns:adec="http://schemas.microsoft.com/office/drawing/2017/decorative" val="1"/>
+              </a:ext>
+            </a:extLst>
+          </p:cNvPr>
+          <p:cNvSpPr>
+            <a:spLocks noGrp="1" noRot="1" noChangeAspect="1" noMove="1" noResize="1" noEditPoints="1" noAdjustHandles="1" noChangeArrowheads="1" noChangeShapeType="1" noTextEdit="1"/>
+          </p:cNvSpPr>
+          <p:nvPr>
+            <p:extLst>
+              <p:ext uri="{386F3935-93C4-4BCD-93E2-E3B085C9AB24}">
+                <p16:designElem xmlns:p16="http://schemas.microsoft.com/office/powerpoint/2015/main" val="1"/>
+              </p:ext>
+            </p:extLst>
+          </p:nvPr>
+        </p:nvSpPr>
+        <p:spPr>
+          <a:xfrm>
+            <a:off x="1307870" y="1276356"/>
+            <a:ext cx="9576262" cy="4307950"/>
+          </a:xfrm>
+          <a:prstGeom prst="rect">
+            <a:avLst/>
+          </a:prstGeom>
+          <a:solidFill>
+            <a:schemeClr val="tx2"/>
+          </a:solidFill>
+          <a:ln w="6350" cap="flat" cmpd="sng" algn="ctr">
+            <a:noFill/>
+            <a:prstDash val="solid"/>
+          </a:ln>
+          <a:effectLst>
+            <a:outerShdw blurRad="50800" algn="ctr" rotWithShape="0">
+              <a:prstClr val="black">
+                <a:alpha val="66000"/>
+              </a:prstClr>
+            </a:outerShdw>
+            <a:softEdge rad="0"/>
+          </a:effectLst>
+        </p:spPr>
+      </p:sp>
+      <p:sp>
+        <p:nvSpPr>
+          <p:cNvPr id="26" name="Rectangle 25">
+            <a:extLst>
+              <a:ext uri="{FF2B5EF4-FFF2-40B4-BE49-F238E27FC236}">
+                <a16:creationId xmlns:a16="http://schemas.microsoft.com/office/drawing/2014/main" id="{06FB24AD-0638-4E4A-9A83-EF0DF80B98F1}"/>
+              </a:ext>
+              <a:ext uri="{C183D7F6-B498-43B3-948B-1728B52AA6E4}">
+                <adec:decorative xmlns:adec="http://schemas.microsoft.com/office/drawing/2017/decorative" val="1"/>
+              </a:ext>
+            </a:extLst>
+          </p:cNvPr>
+          <p:cNvSpPr>
+            <a:spLocks noGrp="1" noRot="1" noChangeAspect="1" noMove="1" noResize="1" noEditPoints="1" noAdjustHandles="1" noChangeArrowheads="1" noChangeShapeType="1" noTextEdit="1"/>
+          </p:cNvSpPr>
+          <p:nvPr>
+            <p:extLst>
+              <p:ext uri="{386F3935-93C4-4BCD-93E2-E3B085C9AB24}">
+                <p16:designElem xmlns:p16="http://schemas.microsoft.com/office/powerpoint/2015/main" val="1"/>
+              </p:ext>
+            </p:extLst>
+          </p:nvPr>
+        </p:nvSpPr>
+        <p:spPr>
+          <a:xfrm>
+            <a:off x="1447801" y="1411615"/>
+            <a:ext cx="9296400" cy="4034770"/>
+          </a:xfrm>
+          <a:prstGeom prst="rect">
+            <a:avLst/>
+          </a:prstGeom>
+          <a:solidFill>
+            <a:schemeClr val="tx2"/>
+          </a:solidFill>
+          <a:ln w="6350" cap="sq" cmpd="sng" algn="ctr">
+            <a:solidFill>
+              <a:schemeClr val="bg2"/>
+            </a:solidFill>
+            <a:prstDash val="solid"/>
+            <a:miter lim="800000"/>
+          </a:ln>
+          <a:effectLst/>
+        </p:spPr>
+      </p:sp>
+      <p:sp>
+        <p:nvSpPr>
           <p:cNvPr id="2" name="Titre 1">
             <a:extLst>
               <a:ext uri="{FF2B5EF4-FFF2-40B4-BE49-F238E27FC236}">
-                <a16:creationId xmlns:a16="http://schemas.microsoft.com/office/drawing/2014/main" id="{9997D882-EBD1-45E7-8472-5061FA9C6B66}"/>
+                <a16:creationId xmlns:a16="http://schemas.microsoft.com/office/drawing/2014/main" id="{B9536FC2-E18C-4E01-842D-B168CF8FC871}"/>
               </a:ext>
             </a:extLst>
           </p:cNvPr>
@@ -8539,25 +9034,31 @@
             <p:ph type="title"/>
           </p:nvPr>
         </p:nvSpPr>
-        <p:spPr/>
+        <p:spPr>
+          <a:xfrm>
+            <a:off x="1561708" y="2091263"/>
+            <a:ext cx="9068586" cy="2590800"/>
+          </a:xfrm>
+        </p:spPr>
         <p:txBody>
-          <a:bodyPr/>
+          <a:bodyPr vert="horz" lIns="91440" tIns="45720" rIns="91440" bIns="45720" rtlCol="0" anchor="ctr">
+            <a:normAutofit/>
+          </a:bodyPr>
           <a:lstStyle/>
           <a:p>
             <a:r>
-              <a:rPr lang="fr-FR"/>
-              <a:t>Transitions et Animations</a:t>
-            </a:r>
-            <a:endParaRPr lang="en-US"/>
+              <a:rPr lang="en-US" sz="6100"/>
+              <a:t>TYPOGRAPHIE</a:t>
+            </a:r>
           </a:p>
         </p:txBody>
       </p:sp>
       <p:sp>
         <p:nvSpPr>
-          <p:cNvPr id="3" name="Espace réservé du contenu 2">
+          <p:cNvPr id="3" name="Espace réservé du texte 2">
             <a:extLst>
               <a:ext uri="{FF2B5EF4-FFF2-40B4-BE49-F238E27FC236}">
-                <a16:creationId xmlns:a16="http://schemas.microsoft.com/office/drawing/2014/main" id="{045131B1-F347-4553-821A-1C91D0527CE1}"/>
+                <a16:creationId xmlns:a16="http://schemas.microsoft.com/office/drawing/2014/main" id="{7E893734-C586-4F5E-A5D1-F3A7471F4919}"/>
               </a:ext>
             </a:extLst>
           </p:cNvPr>
@@ -8565,28 +9066,272 @@
             <a:spLocks noGrp="1"/>
           </p:cNvSpPr>
           <p:nvPr>
-            <p:ph idx="1"/>
+            <p:ph type="body" idx="1"/>
           </p:nvPr>
         </p:nvSpPr>
-        <p:spPr/>
+        <p:spPr>
+          <a:xfrm>
+            <a:off x="1562100" y="4682062"/>
+            <a:ext cx="9070848" cy="457201"/>
+          </a:xfrm>
+        </p:spPr>
         <p:txBody>
-          <a:bodyPr/>
+          <a:bodyPr vert="horz" lIns="91440" tIns="45720" rIns="91440" bIns="45720" rtlCol="0">
+            <a:normAutofit/>
+          </a:bodyPr>
           <a:lstStyle/>
           <a:p>
-            <a:endParaRPr lang="fr-FR"/>
-          </a:p>
-          <a:p>
-            <a:endParaRPr lang="en-US"/>
+            <a:pPr>
+              <a:spcBef>
+                <a:spcPts val="0"/>
+              </a:spcBef>
+            </a:pPr>
+            <a:r>
+              <a:rPr lang="fr-FR" spc="80"/>
+              <a:t>Typographie et gestion du texte en CSS</a:t>
+            </a:r>
+            <a:endParaRPr lang="en-US" spc="80"/>
           </a:p>
         </p:txBody>
       </p:sp>
       <p:sp>
         <p:nvSpPr>
-          <p:cNvPr id="6" name="Flèche : droite 5">
-            <a:hlinkClick r:id="rId2"/>
+          <p:cNvPr id="28" name="Rectangle 27">
             <a:extLst>
               <a:ext uri="{FF2B5EF4-FFF2-40B4-BE49-F238E27FC236}">
-                <a16:creationId xmlns:a16="http://schemas.microsoft.com/office/drawing/2014/main" id="{26F37A37-513C-4420-BB19-EBD68A39C24D}"/>
+                <a16:creationId xmlns:a16="http://schemas.microsoft.com/office/drawing/2014/main" id="{94CA5BB4-AE84-42D4-AA4C-88520F65CC05}"/>
+              </a:ext>
+              <a:ext uri="{C183D7F6-B498-43B3-948B-1728B52AA6E4}">
+                <adec:decorative xmlns:adec="http://schemas.microsoft.com/office/drawing/2017/decorative" val="1"/>
+              </a:ext>
+            </a:extLst>
+          </p:cNvPr>
+          <p:cNvSpPr>
+            <a:spLocks noGrp="1" noRot="1" noChangeAspect="1" noMove="1" noResize="1" noEditPoints="1" noAdjustHandles="1" noChangeArrowheads="1" noChangeShapeType="1" noTextEdit="1"/>
+          </p:cNvSpPr>
+          <p:nvPr>
+            <p:extLst>
+              <p:ext uri="{386F3935-93C4-4BCD-93E2-E3B085C9AB24}">
+                <p16:designElem xmlns:p16="http://schemas.microsoft.com/office/powerpoint/2015/main" val="1"/>
+              </p:ext>
+            </p:extLst>
+          </p:nvPr>
+        </p:nvSpPr>
+        <p:spPr>
+          <a:xfrm>
+            <a:off x="5135880" y="1267730"/>
+            <a:ext cx="1920240" cy="731520"/>
+          </a:xfrm>
+          <a:prstGeom prst="rect">
+            <a:avLst/>
+          </a:prstGeom>
+          <a:solidFill>
+            <a:schemeClr val="accent1"/>
+          </a:solidFill>
+          <a:ln>
+            <a:noFill/>
+          </a:ln>
+        </p:spPr>
+        <p:style>
+          <a:lnRef idx="2">
+            <a:schemeClr val="accent1">
+              <a:shade val="50000"/>
+            </a:schemeClr>
+          </a:lnRef>
+          <a:fillRef idx="1">
+            <a:schemeClr val="accent1"/>
+          </a:fillRef>
+          <a:effectRef idx="0">
+            <a:schemeClr val="accent1"/>
+          </a:effectRef>
+          <a:fontRef idx="minor">
+            <a:schemeClr val="lt1"/>
+          </a:fontRef>
+        </p:style>
+      </p:sp>
+      <p:cxnSp>
+        <p:nvCxnSpPr>
+          <p:cNvPr id="30" name="Straight Connector 29">
+            <a:extLst>
+              <a:ext uri="{FF2B5EF4-FFF2-40B4-BE49-F238E27FC236}">
+                <a16:creationId xmlns:a16="http://schemas.microsoft.com/office/drawing/2014/main" id="{5780A809-8317-4F8A-B353-F4D620E9FC4C}"/>
+              </a:ext>
+              <a:ext uri="{C183D7F6-B498-43B3-948B-1728B52AA6E4}">
+                <adec:decorative xmlns:adec="http://schemas.microsoft.com/office/drawing/2017/decorative" val="1"/>
+              </a:ext>
+            </a:extLst>
+          </p:cNvPr>
+          <p:cNvCxnSpPr>
+            <a:cxnSpLocks noGrp="1" noRot="1" noChangeAspect="1" noMove="1" noResize="1" noEditPoints="1" noAdjustHandles="1" noChangeArrowheads="1" noChangeShapeType="1"/>
+          </p:cNvCxnSpPr>
+          <p:nvPr>
+            <p:extLst>
+              <p:ext uri="{386F3935-93C4-4BCD-93E2-E3B085C9AB24}">
+                <p16:designElem xmlns:p16="http://schemas.microsoft.com/office/powerpoint/2015/main" val="1"/>
+              </p:ext>
+            </p:extLst>
+          </p:nvPr>
+        </p:nvCxnSpPr>
+        <p:spPr>
+          <a:xfrm>
+            <a:off x="5250180" y="1267730"/>
+            <a:ext cx="0" cy="640080"/>
+          </a:xfrm>
+          <a:prstGeom prst="line">
+            <a:avLst/>
+          </a:prstGeom>
+          <a:solidFill>
+            <a:schemeClr val="tx1">
+              <a:lumMod val="85000"/>
+              <a:lumOff val="15000"/>
+            </a:schemeClr>
+          </a:solidFill>
+          <a:ln>
+            <a:solidFill>
+              <a:srgbClr val="FFFFFF"/>
+            </a:solidFill>
+            <a:miter lim="800000"/>
+          </a:ln>
+        </p:spPr>
+        <p:style>
+          <a:lnRef idx="1">
+            <a:schemeClr val="accent1"/>
+          </a:lnRef>
+          <a:fillRef idx="0">
+            <a:schemeClr val="accent1"/>
+          </a:fillRef>
+          <a:effectRef idx="0">
+            <a:schemeClr val="accent1"/>
+          </a:effectRef>
+          <a:fontRef idx="minor">
+            <a:schemeClr val="tx1"/>
+          </a:fontRef>
+        </p:style>
+      </p:cxnSp>
+      <p:cxnSp>
+        <p:nvCxnSpPr>
+          <p:cNvPr id="32" name="Straight Connector 31">
+            <a:extLst>
+              <a:ext uri="{FF2B5EF4-FFF2-40B4-BE49-F238E27FC236}">
+                <a16:creationId xmlns:a16="http://schemas.microsoft.com/office/drawing/2014/main" id="{FDC0101D-E418-40C8-ACC0-87EF461E0928}"/>
+              </a:ext>
+              <a:ext uri="{C183D7F6-B498-43B3-948B-1728B52AA6E4}">
+                <adec:decorative xmlns:adec="http://schemas.microsoft.com/office/drawing/2017/decorative" val="1"/>
+              </a:ext>
+            </a:extLst>
+          </p:cNvPr>
+          <p:cNvCxnSpPr>
+            <a:cxnSpLocks noGrp="1" noRot="1" noChangeAspect="1" noMove="1" noResize="1" noEditPoints="1" noAdjustHandles="1" noChangeArrowheads="1" noChangeShapeType="1"/>
+          </p:cNvCxnSpPr>
+          <p:nvPr>
+            <p:extLst>
+              <p:ext uri="{386F3935-93C4-4BCD-93E2-E3B085C9AB24}">
+                <p16:designElem xmlns:p16="http://schemas.microsoft.com/office/powerpoint/2015/main" val="1"/>
+              </p:ext>
+            </p:extLst>
+          </p:nvPr>
+        </p:nvCxnSpPr>
+        <p:spPr>
+          <a:xfrm>
+            <a:off x="6941820" y="1267730"/>
+            <a:ext cx="0" cy="640080"/>
+          </a:xfrm>
+          <a:prstGeom prst="line">
+            <a:avLst/>
+          </a:prstGeom>
+          <a:solidFill>
+            <a:schemeClr val="tx1">
+              <a:lumMod val="85000"/>
+              <a:lumOff val="15000"/>
+            </a:schemeClr>
+          </a:solidFill>
+          <a:ln>
+            <a:solidFill>
+              <a:srgbClr val="FFFFFF"/>
+            </a:solidFill>
+            <a:miter lim="800000"/>
+          </a:ln>
+        </p:spPr>
+        <p:style>
+          <a:lnRef idx="1">
+            <a:schemeClr val="accent1"/>
+          </a:lnRef>
+          <a:fillRef idx="0">
+            <a:schemeClr val="accent1"/>
+          </a:fillRef>
+          <a:effectRef idx="0">
+            <a:schemeClr val="accent1"/>
+          </a:effectRef>
+          <a:fontRef idx="minor">
+            <a:schemeClr val="tx1"/>
+          </a:fontRef>
+        </p:style>
+      </p:cxnSp>
+      <p:cxnSp>
+        <p:nvCxnSpPr>
+          <p:cNvPr id="34" name="Straight Connector 33">
+            <a:extLst>
+              <a:ext uri="{FF2B5EF4-FFF2-40B4-BE49-F238E27FC236}">
+                <a16:creationId xmlns:a16="http://schemas.microsoft.com/office/drawing/2014/main" id="{9CA778AE-CCF4-40F5-8336-DA2F7E657A9B}"/>
+              </a:ext>
+              <a:ext uri="{C183D7F6-B498-43B3-948B-1728B52AA6E4}">
+                <adec:decorative xmlns:adec="http://schemas.microsoft.com/office/drawing/2017/decorative" val="1"/>
+              </a:ext>
+            </a:extLst>
+          </p:cNvPr>
+          <p:cNvCxnSpPr>
+            <a:cxnSpLocks noGrp="1" noRot="1" noChangeAspect="1" noMove="1" noResize="1" noEditPoints="1" noAdjustHandles="1" noChangeArrowheads="1" noChangeShapeType="1"/>
+          </p:cNvCxnSpPr>
+          <p:nvPr>
+            <p:extLst>
+              <p:ext uri="{386F3935-93C4-4BCD-93E2-E3B085C9AB24}">
+                <p16:designElem xmlns:p16="http://schemas.microsoft.com/office/powerpoint/2015/main" val="1"/>
+              </p:ext>
+            </p:extLst>
+          </p:nvPr>
+        </p:nvCxnSpPr>
+        <p:spPr>
+          <a:xfrm>
+            <a:off x="5250180" y="1913025"/>
+            <a:ext cx="1691640" cy="0"/>
+          </a:xfrm>
+          <a:prstGeom prst="line">
+            <a:avLst/>
+          </a:prstGeom>
+          <a:solidFill>
+            <a:schemeClr val="tx1">
+              <a:lumMod val="85000"/>
+              <a:lumOff val="15000"/>
+            </a:schemeClr>
+          </a:solidFill>
+          <a:ln>
+            <a:solidFill>
+              <a:srgbClr val="FFFFFF"/>
+            </a:solidFill>
+            <a:miter lim="800000"/>
+          </a:ln>
+        </p:spPr>
+        <p:style>
+          <a:lnRef idx="1">
+            <a:schemeClr val="accent1"/>
+          </a:lnRef>
+          <a:fillRef idx="0">
+            <a:schemeClr val="accent1"/>
+          </a:fillRef>
+          <a:effectRef idx="0">
+            <a:schemeClr val="accent1"/>
+          </a:effectRef>
+          <a:fontRef idx="minor">
+            <a:schemeClr val="tx1"/>
+          </a:fontRef>
+        </p:style>
+      </p:cxnSp>
+      <p:sp>
+        <p:nvSpPr>
+          <p:cNvPr id="21" name="Flèche : droite 20">
+            <a:extLst>
+              <a:ext uri="{FF2B5EF4-FFF2-40B4-BE49-F238E27FC236}">
+                <a16:creationId xmlns:a16="http://schemas.microsoft.com/office/drawing/2014/main" id="{67B0F9D5-6684-45AA-91E8-771E730E431F}"/>
               </a:ext>
             </a:extLst>
           </p:cNvPr>
@@ -8595,8 +9340,8 @@
         </p:nvSpPr>
         <p:spPr>
           <a:xfrm>
-            <a:off x="7726039" y="6123966"/>
-            <a:ext cx="4465961" cy="711200"/>
+            <a:off x="6959600" y="6146800"/>
+            <a:ext cx="5232400" cy="711200"/>
           </a:xfrm>
           <a:prstGeom prst="rightArrow">
             <a:avLst/>
@@ -8625,7 +9370,7 @@
             <a:pPr algn="ctr"/>
             <a:r>
               <a:rPr lang="fr-FR"/>
-              <a:t>Démo en ligne</a:t>
+              <a:t>Chapitre 7: Typographie</a:t>
             </a:r>
             <a:endParaRPr lang="en-US"/>
           </a:p>
@@ -8634,7 +9379,1117 @@
     </p:spTree>
     <p:extLst>
       <p:ext uri="{BB962C8B-B14F-4D97-AF65-F5344CB8AC3E}">
-        <p14:creationId xmlns:p14="http://schemas.microsoft.com/office/powerpoint/2010/main" val="2524973965"/>
+        <p14:creationId xmlns:p14="http://schemas.microsoft.com/office/powerpoint/2010/main" val="430252892"/>
+      </p:ext>
+    </p:extLst>
+  </p:cSld>
+  <p:clrMapOvr>
+    <a:masterClrMapping/>
+  </p:clrMapOvr>
+  <p:timing>
+    <p:tnLst>
+      <p:par>
+        <p:cTn id="1" dur="indefinite" restart="never" nodeType="tmRoot">
+          <p:childTnLst>
+            <p:seq concurrent="1" nextAc="seek">
+              <p:cTn id="2" dur="indefinite" nodeType="mainSeq">
+                <p:childTnLst>
+                  <p:par>
+                    <p:cTn id="3" fill="hold">
+                      <p:stCondLst>
+                        <p:cond delay="indefinite"/>
+                      </p:stCondLst>
+                      <p:childTnLst>
+                        <p:par>
+                          <p:cTn id="4" fill="hold">
+                            <p:stCondLst>
+                              <p:cond delay="0"/>
+                            </p:stCondLst>
+                            <p:childTnLst>
+                              <p:par>
+                                <p:cTn id="5" presetID="2" presetClass="entr" presetSubtype="4" fill="hold" grpId="0" nodeType="clickEffect">
+                                  <p:stCondLst>
+                                    <p:cond delay="0"/>
+                                  </p:stCondLst>
+                                  <p:childTnLst>
+                                    <p:set>
+                                      <p:cBhvr>
+                                        <p:cTn id="6" dur="1" fill="hold">
+                                          <p:stCondLst>
+                                            <p:cond delay="0"/>
+                                          </p:stCondLst>
+                                        </p:cTn>
+                                        <p:tgtEl>
+                                          <p:spTgt spid="21"/>
+                                        </p:tgtEl>
+                                        <p:attrNameLst>
+                                          <p:attrName>style.visibility</p:attrName>
+                                        </p:attrNameLst>
+                                      </p:cBhvr>
+                                      <p:to>
+                                        <p:strVal val="visible"/>
+                                      </p:to>
+                                    </p:set>
+                                    <p:anim calcmode="lin" valueType="num">
+                                      <p:cBhvr additive="base">
+                                        <p:cTn id="7" dur="500" fill="hold"/>
+                                        <p:tgtEl>
+                                          <p:spTgt spid="21"/>
+                                        </p:tgtEl>
+                                        <p:attrNameLst>
+                                          <p:attrName>ppt_x</p:attrName>
+                                        </p:attrNameLst>
+                                      </p:cBhvr>
+                                      <p:tavLst>
+                                        <p:tav tm="0">
+                                          <p:val>
+                                            <p:strVal val="#ppt_x"/>
+                                          </p:val>
+                                        </p:tav>
+                                        <p:tav tm="100000">
+                                          <p:val>
+                                            <p:strVal val="#ppt_x"/>
+                                          </p:val>
+                                        </p:tav>
+                                      </p:tavLst>
+                                    </p:anim>
+                                    <p:anim calcmode="lin" valueType="num">
+                                      <p:cBhvr additive="base">
+                                        <p:cTn id="8" dur="500" fill="hold"/>
+                                        <p:tgtEl>
+                                          <p:spTgt spid="21"/>
+                                        </p:tgtEl>
+                                        <p:attrNameLst>
+                                          <p:attrName>ppt_y</p:attrName>
+                                        </p:attrNameLst>
+                                      </p:cBhvr>
+                                      <p:tavLst>
+                                        <p:tav tm="0">
+                                          <p:val>
+                                            <p:strVal val="1+#ppt_h/2"/>
+                                          </p:val>
+                                        </p:tav>
+                                        <p:tav tm="100000">
+                                          <p:val>
+                                            <p:strVal val="#ppt_y"/>
+                                          </p:val>
+                                        </p:tav>
+                                      </p:tavLst>
+                                    </p:anim>
+                                  </p:childTnLst>
+                                </p:cTn>
+                              </p:par>
+                            </p:childTnLst>
+                          </p:cTn>
+                        </p:par>
+                      </p:childTnLst>
+                    </p:cTn>
+                  </p:par>
+                </p:childTnLst>
+              </p:cTn>
+              <p:prevCondLst>
+                <p:cond evt="onPrev" delay="0">
+                  <p:tgtEl>
+                    <p:sldTgt/>
+                  </p:tgtEl>
+                </p:cond>
+              </p:prevCondLst>
+              <p:nextCondLst>
+                <p:cond evt="onNext" delay="0">
+                  <p:tgtEl>
+                    <p:sldTgt/>
+                  </p:tgtEl>
+                </p:cond>
+              </p:nextCondLst>
+            </p:seq>
+          </p:childTnLst>
+        </p:cTn>
+      </p:par>
+    </p:tnLst>
+    <p:bldLst>
+      <p:bldP spid="21" grpId="0" animBg="1"/>
+    </p:bldLst>
+  </p:timing>
+</p:sld>
+</file>
+
+<file path=ppt/slides/slide17.xml><?xml version="1.0" encoding="utf-8"?>
+<p:sld xmlns:a="http://schemas.openxmlformats.org/drawingml/2006/main" xmlns:r="http://schemas.openxmlformats.org/officeDocument/2006/relationships" xmlns:p="http://schemas.openxmlformats.org/presentationml/2006/main">
+  <p:cSld>
+    <p:bg>
+      <p:bgPr>
+        <a:gradFill flip="none" rotWithShape="1">
+          <a:gsLst>
+            <a:gs pos="0">
+              <a:srgbClr val="B1DDFF"/>
+            </a:gs>
+            <a:gs pos="100000">
+              <a:srgbClr val="B1DDFF">
+                <a:lumMod val="64000"/>
+                <a:lumOff val="36000"/>
+              </a:srgbClr>
+            </a:gs>
+          </a:gsLst>
+          <a:path path="circle">
+            <a:fillToRect l="50000" t="50000" r="50000" b="50000"/>
+          </a:path>
+          <a:tileRect/>
+        </a:gradFill>
+        <a:effectLst/>
+      </p:bgPr>
+    </p:bg>
+    <p:spTree>
+      <p:nvGrpSpPr>
+        <p:cNvPr id="1" name=""/>
+        <p:cNvGrpSpPr/>
+        <p:nvPr/>
+      </p:nvGrpSpPr>
+      <p:grpSpPr>
+        <a:xfrm>
+          <a:off x="0" y="0"/>
+          <a:ext cx="0" cy="0"/>
+          <a:chOff x="0" y="0"/>
+          <a:chExt cx="0" cy="0"/>
+        </a:xfrm>
+      </p:grpSpPr>
+      <p:pic>
+        <p:nvPicPr>
+          <p:cNvPr id="14" name="Picture 4">
+            <a:extLst>
+              <a:ext uri="{FF2B5EF4-FFF2-40B4-BE49-F238E27FC236}">
+                <a16:creationId xmlns:a16="http://schemas.microsoft.com/office/drawing/2014/main" id="{3A4AD8BF-6126-2FA8-7049-6EB579B19E64}"/>
+              </a:ext>
+            </a:extLst>
+          </p:cNvPr>
+          <p:cNvPicPr>
+            <a:picLocks noChangeAspect="1"/>
+          </p:cNvPicPr>
+          <p:nvPr/>
+        </p:nvPicPr>
+        <p:blipFill rotWithShape="1">
+          <a:blip r:embed="rId2"/>
+          <a:srcRect t="3223" b="11550"/>
+          <a:stretch/>
+        </p:blipFill>
+        <p:spPr>
+          <a:xfrm>
+            <a:off x="20" y="10"/>
+            <a:ext cx="12191980" cy="6857990"/>
+          </a:xfrm>
+          <a:prstGeom prst="rect">
+            <a:avLst/>
+          </a:prstGeom>
+        </p:spPr>
+      </p:pic>
+      <p:sp>
+        <p:nvSpPr>
+          <p:cNvPr id="20" name="Rectangle 19">
+            <a:extLst>
+              <a:ext uri="{FF2B5EF4-FFF2-40B4-BE49-F238E27FC236}">
+                <a16:creationId xmlns:a16="http://schemas.microsoft.com/office/drawing/2014/main" id="{80F030CA-B6DF-452A-BAEE-53C931EAAF72}"/>
+              </a:ext>
+              <a:ext uri="{C183D7F6-B498-43B3-948B-1728B52AA6E4}">
+                <adec:decorative xmlns:adec="http://schemas.microsoft.com/office/drawing/2017/decorative" val="1"/>
+              </a:ext>
+            </a:extLst>
+          </p:cNvPr>
+          <p:cNvSpPr>
+            <a:spLocks noGrp="1" noRot="1" noChangeAspect="1" noMove="1" noResize="1" noEditPoints="1" noAdjustHandles="1" noChangeArrowheads="1" noChangeShapeType="1" noTextEdit="1"/>
+          </p:cNvSpPr>
+          <p:nvPr>
+            <p:extLst>
+              <p:ext uri="{386F3935-93C4-4BCD-93E2-E3B085C9AB24}">
+                <p16:designElem xmlns:p16="http://schemas.microsoft.com/office/powerpoint/2015/main" val="1"/>
+              </p:ext>
+            </p:extLst>
+          </p:nvPr>
+        </p:nvSpPr>
+        <p:spPr>
+          <a:xfrm>
+            <a:off x="1307870" y="1267730"/>
+            <a:ext cx="9576262" cy="4307950"/>
+          </a:xfrm>
+          <a:prstGeom prst="rect">
+            <a:avLst/>
+          </a:prstGeom>
+          <a:solidFill>
+            <a:schemeClr val="tx2"/>
+          </a:solidFill>
+          <a:ln w="6350" cap="flat" cmpd="sng" algn="ctr">
+            <a:noFill/>
+            <a:prstDash val="solid"/>
+          </a:ln>
+          <a:effectLst>
+            <a:outerShdw blurRad="50800" algn="ctr" rotWithShape="0">
+              <a:prstClr val="black">
+                <a:alpha val="66000"/>
+              </a:prstClr>
+            </a:outerShdw>
+            <a:softEdge rad="0"/>
+          </a:effectLst>
+        </p:spPr>
+      </p:sp>
+      <p:sp>
+        <p:nvSpPr>
+          <p:cNvPr id="22" name="Rectangle 21">
+            <a:extLst>
+              <a:ext uri="{FF2B5EF4-FFF2-40B4-BE49-F238E27FC236}">
+                <a16:creationId xmlns:a16="http://schemas.microsoft.com/office/drawing/2014/main" id="{8C696FB6-5762-4CA2-A49D-939D772E8363}"/>
+              </a:ext>
+              <a:ext uri="{C183D7F6-B498-43B3-948B-1728B52AA6E4}">
+                <adec:decorative xmlns:adec="http://schemas.microsoft.com/office/drawing/2017/decorative" val="1"/>
+              </a:ext>
+            </a:extLst>
+          </p:cNvPr>
+          <p:cNvSpPr>
+            <a:spLocks noGrp="1" noRot="1" noChangeAspect="1" noMove="1" noResize="1" noEditPoints="1" noAdjustHandles="1" noChangeArrowheads="1" noChangeShapeType="1" noTextEdit="1"/>
+          </p:cNvSpPr>
+          <p:nvPr>
+            <p:extLst>
+              <p:ext uri="{386F3935-93C4-4BCD-93E2-E3B085C9AB24}">
+                <p16:designElem xmlns:p16="http://schemas.microsoft.com/office/powerpoint/2015/main" val="1"/>
+              </p:ext>
+            </p:extLst>
+          </p:nvPr>
+        </p:nvSpPr>
+        <p:spPr>
+          <a:xfrm>
+            <a:off x="1447801" y="1411615"/>
+            <a:ext cx="9296400" cy="4034770"/>
+          </a:xfrm>
+          <a:prstGeom prst="rect">
+            <a:avLst/>
+          </a:prstGeom>
+          <a:noFill/>
+          <a:ln w="6350" cap="sq" cmpd="sng" algn="ctr">
+            <a:solidFill>
+              <a:schemeClr val="bg2"/>
+            </a:solidFill>
+            <a:prstDash val="solid"/>
+            <a:miter lim="800000"/>
+          </a:ln>
+          <a:effectLst/>
+        </p:spPr>
+      </p:sp>
+      <p:sp>
+        <p:nvSpPr>
+          <p:cNvPr id="2" name="Titre 1">
+            <a:extLst>
+              <a:ext uri="{FF2B5EF4-FFF2-40B4-BE49-F238E27FC236}">
+                <a16:creationId xmlns:a16="http://schemas.microsoft.com/office/drawing/2014/main" id="{E0637DB9-FC2A-42E6-8011-B08FC1C20847}"/>
+              </a:ext>
+            </a:extLst>
+          </p:cNvPr>
+          <p:cNvSpPr>
+            <a:spLocks noGrp="1"/>
+          </p:cNvSpPr>
+          <p:nvPr>
+            <p:ph type="ctrTitle"/>
+          </p:nvPr>
+        </p:nvSpPr>
+        <p:spPr>
+          <a:xfrm>
+            <a:off x="1561708" y="2091263"/>
+            <a:ext cx="9068586" cy="2590800"/>
+          </a:xfrm>
+        </p:spPr>
+        <p:txBody>
+          <a:bodyPr>
+            <a:normAutofit/>
+          </a:bodyPr>
+          <a:lstStyle/>
+          <a:p>
+            <a:r>
+              <a:rPr lang="fr-FR"/>
+              <a:t>images</a:t>
+            </a:r>
+            <a:endParaRPr lang="en-US"/>
+          </a:p>
+        </p:txBody>
+      </p:sp>
+      <p:sp>
+        <p:nvSpPr>
+          <p:cNvPr id="3" name="Sous-titre 2">
+            <a:extLst>
+              <a:ext uri="{FF2B5EF4-FFF2-40B4-BE49-F238E27FC236}">
+                <a16:creationId xmlns:a16="http://schemas.microsoft.com/office/drawing/2014/main" id="{CED3A892-0B5E-4D33-BF64-4F6C6CD6898A}"/>
+              </a:ext>
+            </a:extLst>
+          </p:cNvPr>
+          <p:cNvSpPr>
+            <a:spLocks noGrp="1"/>
+          </p:cNvSpPr>
+          <p:nvPr>
+            <p:ph type="subTitle" idx="1"/>
+          </p:nvPr>
+        </p:nvSpPr>
+        <p:spPr>
+          <a:xfrm>
+            <a:off x="1562100" y="4682062"/>
+            <a:ext cx="9070848" cy="457201"/>
+          </a:xfrm>
+        </p:spPr>
+        <p:txBody>
+          <a:bodyPr>
+            <a:normAutofit/>
+          </a:bodyPr>
+          <a:lstStyle/>
+          <a:p>
+            <a:pPr>
+              <a:spcAft>
+                <a:spcPts val="600"/>
+              </a:spcAft>
+            </a:pPr>
+            <a:r>
+              <a:rPr lang="fr-FR"/>
+              <a:t>Mise en page et manipulation d'images et fonds d'éléments en CSS</a:t>
+            </a:r>
+            <a:endParaRPr lang="en-US"/>
+          </a:p>
+        </p:txBody>
+      </p:sp>
+      <p:sp>
+        <p:nvSpPr>
+          <p:cNvPr id="24" name="Rectangle 23">
+            <a:extLst>
+              <a:ext uri="{FF2B5EF4-FFF2-40B4-BE49-F238E27FC236}">
+                <a16:creationId xmlns:a16="http://schemas.microsoft.com/office/drawing/2014/main" id="{630E7218-013F-404F-ABFE-A53EF93B1130}"/>
+              </a:ext>
+              <a:ext uri="{C183D7F6-B498-43B3-948B-1728B52AA6E4}">
+                <adec:decorative xmlns:adec="http://schemas.microsoft.com/office/drawing/2017/decorative" val="1"/>
+              </a:ext>
+            </a:extLst>
+          </p:cNvPr>
+          <p:cNvSpPr>
+            <a:spLocks noGrp="1" noRot="1" noChangeAspect="1" noMove="1" noResize="1" noEditPoints="1" noAdjustHandles="1" noChangeArrowheads="1" noChangeShapeType="1" noTextEdit="1"/>
+          </p:cNvSpPr>
+          <p:nvPr>
+            <p:extLst>
+              <p:ext uri="{386F3935-93C4-4BCD-93E2-E3B085C9AB24}">
+                <p16:designElem xmlns:p16="http://schemas.microsoft.com/office/powerpoint/2015/main" val="1"/>
+              </p:ext>
+            </p:extLst>
+          </p:nvPr>
+        </p:nvSpPr>
+        <p:spPr>
+          <a:xfrm>
+            <a:off x="5135880" y="1267730"/>
+            <a:ext cx="1920240" cy="731520"/>
+          </a:xfrm>
+          <a:prstGeom prst="rect">
+            <a:avLst/>
+          </a:prstGeom>
+          <a:solidFill>
+            <a:schemeClr val="accent1"/>
+          </a:solidFill>
+          <a:ln>
+            <a:noFill/>
+          </a:ln>
+        </p:spPr>
+        <p:style>
+          <a:lnRef idx="2">
+            <a:schemeClr val="accent1">
+              <a:shade val="50000"/>
+            </a:schemeClr>
+          </a:lnRef>
+          <a:fillRef idx="1">
+            <a:schemeClr val="accent1"/>
+          </a:fillRef>
+          <a:effectRef idx="0">
+            <a:schemeClr val="accent1"/>
+          </a:effectRef>
+          <a:fontRef idx="minor">
+            <a:schemeClr val="lt1"/>
+          </a:fontRef>
+        </p:style>
+      </p:sp>
+      <p:cxnSp>
+        <p:nvCxnSpPr>
+          <p:cNvPr id="26" name="Straight Connector 25">
+            <a:extLst>
+              <a:ext uri="{FF2B5EF4-FFF2-40B4-BE49-F238E27FC236}">
+                <a16:creationId xmlns:a16="http://schemas.microsoft.com/office/drawing/2014/main" id="{6C18E85E-59D8-44F2-8F92-39C6DC195A02}"/>
+              </a:ext>
+              <a:ext uri="{C183D7F6-B498-43B3-948B-1728B52AA6E4}">
+                <adec:decorative xmlns:adec="http://schemas.microsoft.com/office/drawing/2017/decorative" val="1"/>
+              </a:ext>
+            </a:extLst>
+          </p:cNvPr>
+          <p:cNvCxnSpPr>
+            <a:cxnSpLocks noGrp="1" noRot="1" noChangeAspect="1" noMove="1" noResize="1" noEditPoints="1" noAdjustHandles="1" noChangeArrowheads="1" noChangeShapeType="1"/>
+          </p:cNvCxnSpPr>
+          <p:nvPr>
+            <p:extLst>
+              <p:ext uri="{386F3935-93C4-4BCD-93E2-E3B085C9AB24}">
+                <p16:designElem xmlns:p16="http://schemas.microsoft.com/office/powerpoint/2015/main" val="1"/>
+              </p:ext>
+            </p:extLst>
+          </p:nvPr>
+        </p:nvCxnSpPr>
+        <p:spPr>
+          <a:xfrm>
+            <a:off x="5250180" y="1267730"/>
+            <a:ext cx="0" cy="640080"/>
+          </a:xfrm>
+          <a:prstGeom prst="line">
+            <a:avLst/>
+          </a:prstGeom>
+          <a:solidFill>
+            <a:schemeClr val="tx1">
+              <a:lumMod val="85000"/>
+              <a:lumOff val="15000"/>
+            </a:schemeClr>
+          </a:solidFill>
+          <a:ln>
+            <a:solidFill>
+              <a:schemeClr val="bg1"/>
+            </a:solidFill>
+            <a:miter lim="800000"/>
+          </a:ln>
+        </p:spPr>
+        <p:style>
+          <a:lnRef idx="1">
+            <a:schemeClr val="accent1"/>
+          </a:lnRef>
+          <a:fillRef idx="0">
+            <a:schemeClr val="accent1"/>
+          </a:fillRef>
+          <a:effectRef idx="0">
+            <a:schemeClr val="accent1"/>
+          </a:effectRef>
+          <a:fontRef idx="minor">
+            <a:schemeClr val="tx1"/>
+          </a:fontRef>
+        </p:style>
+      </p:cxnSp>
+      <p:cxnSp>
+        <p:nvCxnSpPr>
+          <p:cNvPr id="28" name="Straight Connector 27">
+            <a:extLst>
+              <a:ext uri="{FF2B5EF4-FFF2-40B4-BE49-F238E27FC236}">
+                <a16:creationId xmlns:a16="http://schemas.microsoft.com/office/drawing/2014/main" id="{9D3137FD-1D6F-40A8-ABB8-23A7A8D0C926}"/>
+              </a:ext>
+              <a:ext uri="{C183D7F6-B498-43B3-948B-1728B52AA6E4}">
+                <adec:decorative xmlns:adec="http://schemas.microsoft.com/office/drawing/2017/decorative" val="1"/>
+              </a:ext>
+            </a:extLst>
+          </p:cNvPr>
+          <p:cNvCxnSpPr>
+            <a:cxnSpLocks noGrp="1" noRot="1" noChangeAspect="1" noMove="1" noResize="1" noEditPoints="1" noAdjustHandles="1" noChangeArrowheads="1" noChangeShapeType="1"/>
+          </p:cNvCxnSpPr>
+          <p:nvPr>
+            <p:extLst>
+              <p:ext uri="{386F3935-93C4-4BCD-93E2-E3B085C9AB24}">
+                <p16:designElem xmlns:p16="http://schemas.microsoft.com/office/powerpoint/2015/main" val="1"/>
+              </p:ext>
+            </p:extLst>
+          </p:nvPr>
+        </p:nvCxnSpPr>
+        <p:spPr>
+          <a:xfrm>
+            <a:off x="6941820" y="1267730"/>
+            <a:ext cx="0" cy="640080"/>
+          </a:xfrm>
+          <a:prstGeom prst="line">
+            <a:avLst/>
+          </a:prstGeom>
+          <a:solidFill>
+            <a:schemeClr val="tx1">
+              <a:lumMod val="85000"/>
+              <a:lumOff val="15000"/>
+            </a:schemeClr>
+          </a:solidFill>
+          <a:ln>
+            <a:solidFill>
+              <a:schemeClr val="bg1"/>
+            </a:solidFill>
+            <a:miter lim="800000"/>
+          </a:ln>
+        </p:spPr>
+        <p:style>
+          <a:lnRef idx="1">
+            <a:schemeClr val="accent1"/>
+          </a:lnRef>
+          <a:fillRef idx="0">
+            <a:schemeClr val="accent1"/>
+          </a:fillRef>
+          <a:effectRef idx="0">
+            <a:schemeClr val="accent1"/>
+          </a:effectRef>
+          <a:fontRef idx="minor">
+            <a:schemeClr val="tx1"/>
+          </a:fontRef>
+        </p:style>
+      </p:cxnSp>
+      <p:cxnSp>
+        <p:nvCxnSpPr>
+          <p:cNvPr id="30" name="Straight Connector 29">
+            <a:extLst>
+              <a:ext uri="{FF2B5EF4-FFF2-40B4-BE49-F238E27FC236}">
+                <a16:creationId xmlns:a16="http://schemas.microsoft.com/office/drawing/2014/main" id="{23C0D3D1-8437-4036-B501-C9E6CA12EEA1}"/>
+              </a:ext>
+              <a:ext uri="{C183D7F6-B498-43B3-948B-1728B52AA6E4}">
+                <adec:decorative xmlns:adec="http://schemas.microsoft.com/office/drawing/2017/decorative" val="1"/>
+              </a:ext>
+            </a:extLst>
+          </p:cNvPr>
+          <p:cNvCxnSpPr>
+            <a:cxnSpLocks noGrp="1" noRot="1" noChangeAspect="1" noMove="1" noResize="1" noEditPoints="1" noAdjustHandles="1" noChangeArrowheads="1" noChangeShapeType="1"/>
+          </p:cNvCxnSpPr>
+          <p:nvPr>
+            <p:extLst>
+              <p:ext uri="{386F3935-93C4-4BCD-93E2-E3B085C9AB24}">
+                <p16:designElem xmlns:p16="http://schemas.microsoft.com/office/powerpoint/2015/main" val="1"/>
+              </p:ext>
+            </p:extLst>
+          </p:nvPr>
+        </p:nvCxnSpPr>
+        <p:spPr>
+          <a:xfrm>
+            <a:off x="5250180" y="1913025"/>
+            <a:ext cx="1691640" cy="0"/>
+          </a:xfrm>
+          <a:prstGeom prst="line">
+            <a:avLst/>
+          </a:prstGeom>
+          <a:solidFill>
+            <a:schemeClr val="tx1">
+              <a:lumMod val="85000"/>
+              <a:lumOff val="15000"/>
+            </a:schemeClr>
+          </a:solidFill>
+          <a:ln>
+            <a:solidFill>
+              <a:schemeClr val="bg1"/>
+            </a:solidFill>
+            <a:miter lim="800000"/>
+          </a:ln>
+        </p:spPr>
+        <p:style>
+          <a:lnRef idx="1">
+            <a:schemeClr val="accent1"/>
+          </a:lnRef>
+          <a:fillRef idx="0">
+            <a:schemeClr val="accent1"/>
+          </a:fillRef>
+          <a:effectRef idx="0">
+            <a:schemeClr val="accent1"/>
+          </a:effectRef>
+          <a:fontRef idx="minor">
+            <a:schemeClr val="tx1"/>
+          </a:fontRef>
+        </p:style>
+      </p:cxnSp>
+      <p:sp>
+        <p:nvSpPr>
+          <p:cNvPr id="16" name="Flèche : droite 15">
+            <a:extLst>
+              <a:ext uri="{FF2B5EF4-FFF2-40B4-BE49-F238E27FC236}">
+                <a16:creationId xmlns:a16="http://schemas.microsoft.com/office/drawing/2014/main" id="{1A290AF9-DFBA-4E8A-B5D1-3411C417BEED}"/>
+              </a:ext>
+            </a:extLst>
+          </p:cNvPr>
+          <p:cNvSpPr/>
+          <p:nvPr/>
+        </p:nvSpPr>
+        <p:spPr>
+          <a:xfrm>
+            <a:off x="6959600" y="6146800"/>
+            <a:ext cx="5232400" cy="711200"/>
+          </a:xfrm>
+          <a:prstGeom prst="rightArrow">
+            <a:avLst/>
+          </a:prstGeom>
+        </p:spPr>
+        <p:style>
+          <a:lnRef idx="2">
+            <a:schemeClr val="accent1">
+              <a:shade val="50000"/>
+            </a:schemeClr>
+          </a:lnRef>
+          <a:fillRef idx="1">
+            <a:schemeClr val="accent1"/>
+          </a:fillRef>
+          <a:effectRef idx="0">
+            <a:schemeClr val="accent1"/>
+          </a:effectRef>
+          <a:fontRef idx="minor">
+            <a:schemeClr val="lt1"/>
+          </a:fontRef>
+        </p:style>
+        <p:txBody>
+          <a:bodyPr rtlCol="0" anchor="ctr"/>
+          <a:lstStyle/>
+          <a:p>
+            <a:pPr algn="ctr"/>
+            <a:r>
+              <a:rPr lang="fr-FR"/>
+              <a:t>Chapitre 8: Background &amp; Images</a:t>
+            </a:r>
+            <a:endParaRPr lang="en-US"/>
+          </a:p>
+        </p:txBody>
+      </p:sp>
+    </p:spTree>
+    <p:extLst>
+      <p:ext uri="{BB962C8B-B14F-4D97-AF65-F5344CB8AC3E}">
+        <p14:creationId xmlns:p14="http://schemas.microsoft.com/office/powerpoint/2010/main" val="1986586914"/>
+      </p:ext>
+    </p:extLst>
+  </p:cSld>
+  <p:clrMapOvr>
+    <a:masterClrMapping/>
+  </p:clrMapOvr>
+  <p:timing>
+    <p:tnLst>
+      <p:par>
+        <p:cTn id="1" dur="indefinite" restart="never" nodeType="tmRoot">
+          <p:childTnLst>
+            <p:seq concurrent="1" nextAc="seek">
+              <p:cTn id="2" dur="indefinite" nodeType="mainSeq">
+                <p:childTnLst>
+                  <p:par>
+                    <p:cTn id="3" fill="hold">
+                      <p:stCondLst>
+                        <p:cond delay="indefinite"/>
+                      </p:stCondLst>
+                      <p:childTnLst>
+                        <p:par>
+                          <p:cTn id="4" fill="hold">
+                            <p:stCondLst>
+                              <p:cond delay="0"/>
+                            </p:stCondLst>
+                            <p:childTnLst>
+                              <p:par>
+                                <p:cTn id="5" presetID="2" presetClass="entr" presetSubtype="4" fill="hold" grpId="0" nodeType="clickEffect">
+                                  <p:stCondLst>
+                                    <p:cond delay="0"/>
+                                  </p:stCondLst>
+                                  <p:childTnLst>
+                                    <p:set>
+                                      <p:cBhvr>
+                                        <p:cTn id="6" dur="1" fill="hold">
+                                          <p:stCondLst>
+                                            <p:cond delay="0"/>
+                                          </p:stCondLst>
+                                        </p:cTn>
+                                        <p:tgtEl>
+                                          <p:spTgt spid="16"/>
+                                        </p:tgtEl>
+                                        <p:attrNameLst>
+                                          <p:attrName>style.visibility</p:attrName>
+                                        </p:attrNameLst>
+                                      </p:cBhvr>
+                                      <p:to>
+                                        <p:strVal val="visible"/>
+                                      </p:to>
+                                    </p:set>
+                                    <p:anim calcmode="lin" valueType="num">
+                                      <p:cBhvr additive="base">
+                                        <p:cTn id="7" dur="500" fill="hold"/>
+                                        <p:tgtEl>
+                                          <p:spTgt spid="16"/>
+                                        </p:tgtEl>
+                                        <p:attrNameLst>
+                                          <p:attrName>ppt_x</p:attrName>
+                                        </p:attrNameLst>
+                                      </p:cBhvr>
+                                      <p:tavLst>
+                                        <p:tav tm="0">
+                                          <p:val>
+                                            <p:strVal val="#ppt_x"/>
+                                          </p:val>
+                                        </p:tav>
+                                        <p:tav tm="100000">
+                                          <p:val>
+                                            <p:strVal val="#ppt_x"/>
+                                          </p:val>
+                                        </p:tav>
+                                      </p:tavLst>
+                                    </p:anim>
+                                    <p:anim calcmode="lin" valueType="num">
+                                      <p:cBhvr additive="base">
+                                        <p:cTn id="8" dur="500" fill="hold"/>
+                                        <p:tgtEl>
+                                          <p:spTgt spid="16"/>
+                                        </p:tgtEl>
+                                        <p:attrNameLst>
+                                          <p:attrName>ppt_y</p:attrName>
+                                        </p:attrNameLst>
+                                      </p:cBhvr>
+                                      <p:tavLst>
+                                        <p:tav tm="0">
+                                          <p:val>
+                                            <p:strVal val="1+#ppt_h/2"/>
+                                          </p:val>
+                                        </p:tav>
+                                        <p:tav tm="100000">
+                                          <p:val>
+                                            <p:strVal val="#ppt_y"/>
+                                          </p:val>
+                                        </p:tav>
+                                      </p:tavLst>
+                                    </p:anim>
+                                  </p:childTnLst>
+                                </p:cTn>
+                              </p:par>
+                            </p:childTnLst>
+                          </p:cTn>
+                        </p:par>
+                      </p:childTnLst>
+                    </p:cTn>
+                  </p:par>
+                </p:childTnLst>
+              </p:cTn>
+              <p:prevCondLst>
+                <p:cond evt="onPrev" delay="0">
+                  <p:tgtEl>
+                    <p:sldTgt/>
+                  </p:tgtEl>
+                </p:cond>
+              </p:prevCondLst>
+              <p:nextCondLst>
+                <p:cond evt="onNext" delay="0">
+                  <p:tgtEl>
+                    <p:sldTgt/>
+                  </p:tgtEl>
+                </p:cond>
+              </p:nextCondLst>
+            </p:seq>
+          </p:childTnLst>
+        </p:cTn>
+      </p:par>
+    </p:tnLst>
+    <p:bldLst>
+      <p:bldP spid="16" grpId="0" animBg="1"/>
+    </p:bldLst>
+  </p:timing>
+</p:sld>
+</file>
+
+<file path=ppt/slides/slide18.xml><?xml version="1.0" encoding="utf-8"?>
+<p:sld xmlns:a="http://schemas.openxmlformats.org/drawingml/2006/main" xmlns:r="http://schemas.openxmlformats.org/officeDocument/2006/relationships" xmlns:p="http://schemas.openxmlformats.org/presentationml/2006/main">
+  <p:cSld>
+    <p:spTree>
+      <p:nvGrpSpPr>
+        <p:cNvPr id="1" name=""/>
+        <p:cNvGrpSpPr/>
+        <p:nvPr/>
+      </p:nvGrpSpPr>
+      <p:grpSpPr>
+        <a:xfrm>
+          <a:off x="0" y="0"/>
+          <a:ext cx="0" cy="0"/>
+          <a:chOff x="0" y="0"/>
+          <a:chExt cx="0" cy="0"/>
+        </a:xfrm>
+      </p:grpSpPr>
+      <p:sp>
+        <p:nvSpPr>
+          <p:cNvPr id="2" name="Titre 1">
+            <a:extLst>
+              <a:ext uri="{FF2B5EF4-FFF2-40B4-BE49-F238E27FC236}">
+                <a16:creationId xmlns:a16="http://schemas.microsoft.com/office/drawing/2014/main" id="{9997D882-EBD1-45E7-8472-5061FA9C6B66}"/>
+              </a:ext>
+            </a:extLst>
+          </p:cNvPr>
+          <p:cNvSpPr>
+            <a:spLocks noGrp="1"/>
+          </p:cNvSpPr>
+          <p:nvPr>
+            <p:ph type="title"/>
+          </p:nvPr>
+        </p:nvSpPr>
+        <p:spPr/>
+        <p:txBody>
+          <a:bodyPr/>
+          <a:lstStyle/>
+          <a:p>
+            <a:r>
+              <a:rPr lang="fr-FR"/>
+              <a:t>Interactions</a:t>
+            </a:r>
+            <a:endParaRPr lang="en-US"/>
+          </a:p>
+        </p:txBody>
+      </p:sp>
+      <p:sp>
+        <p:nvSpPr>
+          <p:cNvPr id="3" name="Espace réservé du contenu 2">
+            <a:extLst>
+              <a:ext uri="{FF2B5EF4-FFF2-40B4-BE49-F238E27FC236}">
+                <a16:creationId xmlns:a16="http://schemas.microsoft.com/office/drawing/2014/main" id="{045131B1-F347-4553-821A-1C91D0527CE1}"/>
+              </a:ext>
+            </a:extLst>
+          </p:cNvPr>
+          <p:cNvSpPr>
+            <a:spLocks noGrp="1"/>
+          </p:cNvSpPr>
+          <p:nvPr>
+            <p:ph idx="1"/>
+          </p:nvPr>
+        </p:nvSpPr>
+        <p:spPr>
+          <a:xfrm>
+            <a:off x="1066800" y="2103120"/>
+            <a:ext cx="10058400" cy="2450833"/>
+          </a:xfrm>
+        </p:spPr>
+        <p:txBody>
+          <a:bodyPr/>
+          <a:lstStyle/>
+          <a:p>
+            <a:pPr marL="0" indent="0">
+              <a:buNone/>
+            </a:pPr>
+            <a:r>
+              <a:rPr lang="fr-FR"/>
+              <a:t>Changez le style des éléments en feedback à certaines interactions utilisateur:</a:t>
+            </a:r>
+          </a:p>
+          <a:p>
+            <a:r>
+              <a:rPr lang="fr-FR"/>
+              <a:t>survol de la souris: </a:t>
+            </a:r>
+            <a:r>
+              <a:rPr lang="fr-FR">
+                <a:highlight>
+                  <a:srgbClr val="000000"/>
+                </a:highlight>
+                <a:latin typeface="Consolas" panose="020B0609020204030204" pitchFamily="49" charset="0"/>
+              </a:rPr>
+              <a:t>a:hover</a:t>
+            </a:r>
+          </a:p>
+          <a:p>
+            <a:r>
+              <a:rPr lang="fr-FR"/>
+              <a:t>focus sur un élément: </a:t>
+            </a:r>
+            <a:r>
+              <a:rPr lang="fr-FR">
+                <a:highlight>
+                  <a:srgbClr val="000000"/>
+                </a:highlight>
+                <a:latin typeface="Consolas" panose="020B0609020204030204" pitchFamily="49" charset="0"/>
+              </a:rPr>
+              <a:t>textarea:focus</a:t>
+            </a:r>
+          </a:p>
+          <a:p>
+            <a:r>
+              <a:rPr lang="fr-FR"/>
+              <a:t>activation d'un élément: </a:t>
+            </a:r>
+            <a:r>
+              <a:rPr lang="fr-FR">
+                <a:highlight>
+                  <a:srgbClr val="000000"/>
+                </a:highlight>
+                <a:latin typeface="Consolas" panose="020B0609020204030204" pitchFamily="49" charset="0"/>
+              </a:rPr>
+              <a:t>button:active</a:t>
+            </a:r>
+          </a:p>
+          <a:p>
+            <a:r>
+              <a:rPr lang="fr-FR"/>
+              <a:t>état d'un champ de formulaire: </a:t>
+            </a:r>
+            <a:r>
+              <a:rPr lang="fr-FR">
+                <a:highlight>
+                  <a:srgbClr val="000000"/>
+                </a:highlight>
+                <a:latin typeface="Consolas" panose="020B0609020204030204" pitchFamily="49" charset="0"/>
+              </a:rPr>
+              <a:t>input[type="checkbox"]:checked</a:t>
+            </a:r>
+          </a:p>
+          <a:p>
+            <a:r>
+              <a:rPr lang="fr-FR"/>
+              <a:t>validité d'un champ de formulaire: </a:t>
+            </a:r>
+            <a:r>
+              <a:rPr lang="fr-FR">
+                <a:highlight>
+                  <a:srgbClr val="000000"/>
+                </a:highlight>
+                <a:latin typeface="Consolas" panose="020B0609020204030204" pitchFamily="49" charset="0"/>
+              </a:rPr>
+              <a:t>input:valid, input:invalid</a:t>
+            </a:r>
+            <a:endParaRPr lang="fr-FR"/>
+          </a:p>
+          <a:p>
+            <a:endParaRPr lang="en-US"/>
+          </a:p>
+        </p:txBody>
+      </p:sp>
+      <p:sp>
+        <p:nvSpPr>
+          <p:cNvPr id="6" name="Flèche : droite 5">
+            <a:hlinkClick r:id="rId2"/>
+            <a:extLst>
+              <a:ext uri="{FF2B5EF4-FFF2-40B4-BE49-F238E27FC236}">
+                <a16:creationId xmlns:a16="http://schemas.microsoft.com/office/drawing/2014/main" id="{26F37A37-513C-4420-BB19-EBD68A39C24D}"/>
+              </a:ext>
+            </a:extLst>
+          </p:cNvPr>
+          <p:cNvSpPr/>
+          <p:nvPr/>
+        </p:nvSpPr>
+        <p:spPr>
+          <a:xfrm>
+            <a:off x="7628384" y="6146800"/>
+            <a:ext cx="4563616" cy="711200"/>
+          </a:xfrm>
+          <a:prstGeom prst="rightArrow">
+            <a:avLst/>
+          </a:prstGeom>
+        </p:spPr>
+        <p:style>
+          <a:lnRef idx="2">
+            <a:schemeClr val="accent1">
+              <a:shade val="50000"/>
+            </a:schemeClr>
+          </a:lnRef>
+          <a:fillRef idx="1">
+            <a:schemeClr val="accent1"/>
+          </a:fillRef>
+          <a:effectRef idx="0">
+            <a:schemeClr val="accent1"/>
+          </a:effectRef>
+          <a:fontRef idx="minor">
+            <a:schemeClr val="lt1"/>
+          </a:fontRef>
+        </p:style>
+        <p:txBody>
+          <a:bodyPr rtlCol="0" anchor="ctr"/>
+          <a:lstStyle/>
+          <a:p>
+            <a:pPr algn="ctr"/>
+            <a:r>
+              <a:rPr lang="fr-FR"/>
+              <a:t>Démo en ligne</a:t>
+            </a:r>
+            <a:endParaRPr lang="en-US"/>
+          </a:p>
+        </p:txBody>
+      </p:sp>
+      <p:pic>
+        <p:nvPicPr>
+          <p:cNvPr id="1026" name="Picture 2" descr="User, interaction, user interaction, user interface, smart touch, user  click, user input icon - Download on Iconfinder">
+            <a:extLst>
+              <a:ext uri="{FF2B5EF4-FFF2-40B4-BE49-F238E27FC236}">
+                <a16:creationId xmlns:a16="http://schemas.microsoft.com/office/drawing/2014/main" id="{0D391E92-0CCA-48E4-9DAB-7EA0E02EC8CE}"/>
+              </a:ext>
+            </a:extLst>
+          </p:cNvPr>
+          <p:cNvPicPr>
+            <a:picLocks noChangeAspect="1" noChangeArrowheads="1"/>
+          </p:cNvPicPr>
+          <p:nvPr/>
+        </p:nvPicPr>
+        <p:blipFill>
+          <a:blip r:embed="rId3">
+            <a:extLst>
+              <a:ext uri="{28A0092B-C50C-407E-A947-70E740481C1C}">
+                <a14:useLocalDpi xmlns:a14="http://schemas.microsoft.com/office/drawing/2010/main" val="0"/>
+              </a:ext>
+            </a:extLst>
+          </a:blip>
+          <a:srcRect/>
+          <a:stretch>
+            <a:fillRect/>
+          </a:stretch>
+        </p:blipFill>
+        <p:spPr bwMode="auto">
+          <a:xfrm>
+            <a:off x="10114546" y="553668"/>
+            <a:ext cx="1427747" cy="1427747"/>
+          </a:xfrm>
+          <a:prstGeom prst="rect">
+            <a:avLst/>
+          </a:prstGeom>
+          <a:noFill/>
+          <a:extLst>
+            <a:ext uri="{909E8E84-426E-40DD-AFC4-6F175D3DCCD1}">
+              <a14:hiddenFill xmlns:a14="http://schemas.microsoft.com/office/drawing/2010/main">
+                <a:solidFill>
+                  <a:srgbClr val="FFFFFF"/>
+                </a:solidFill>
+              </a14:hiddenFill>
+            </a:ext>
+          </a:extLst>
+        </p:spPr>
+      </p:pic>
+      <p:sp>
+        <p:nvSpPr>
+          <p:cNvPr id="7" name="ZoneTexte 6">
+            <a:extLst>
+              <a:ext uri="{FF2B5EF4-FFF2-40B4-BE49-F238E27FC236}">
+                <a16:creationId xmlns:a16="http://schemas.microsoft.com/office/drawing/2014/main" id="{99FF172E-5484-46F6-9EF3-D59E33AF5880}"/>
+              </a:ext>
+            </a:extLst>
+          </p:cNvPr>
+          <p:cNvSpPr txBox="1"/>
+          <p:nvPr/>
+        </p:nvSpPr>
+        <p:spPr>
+          <a:xfrm>
+            <a:off x="1136984" y="4743364"/>
+            <a:ext cx="8422105" cy="923330"/>
+          </a:xfrm>
+          <a:prstGeom prst="rect">
+            <a:avLst/>
+          </a:prstGeom>
+        </p:spPr>
+        <p:style>
+          <a:lnRef idx="0">
+            <a:schemeClr val="accent1"/>
+          </a:lnRef>
+          <a:fillRef idx="3">
+            <a:schemeClr val="accent1"/>
+          </a:fillRef>
+          <a:effectRef idx="3">
+            <a:schemeClr val="accent1"/>
+          </a:effectRef>
+          <a:fontRef idx="minor">
+            <a:schemeClr val="lt1"/>
+          </a:fontRef>
+        </p:style>
+        <p:txBody>
+          <a:bodyPr wrap="square" rtlCol="0">
+            <a:spAutoFit/>
+          </a:bodyPr>
+          <a:lstStyle/>
+          <a:p>
+            <a:pPr marL="274320" lvl="1" indent="0">
+              <a:buNone/>
+            </a:pPr>
+            <a:r>
+              <a:rPr lang="en-US" b="1"/>
+              <a:t>Ne supprimez pas les styles par défaut aux interactions, comme le soulignement au survol de liens ou l'outline au focus de boîtes de texte.</a:t>
+            </a:r>
+          </a:p>
+          <a:p>
+            <a:pPr marL="274320" lvl="1" indent="0">
+              <a:buNone/>
+            </a:pPr>
+            <a:r>
+              <a:rPr lang="en-US" b="1"/>
+              <a:t>Ils sont essentiels pour l'utilisabilité de votre site.</a:t>
+            </a:r>
+          </a:p>
+        </p:txBody>
+      </p:sp>
+    </p:spTree>
+    <p:extLst>
+      <p:ext uri="{BB962C8B-B14F-4D97-AF65-F5344CB8AC3E}">
+        <p14:creationId xmlns:p14="http://schemas.microsoft.com/office/powerpoint/2010/main" val="1205107416"/>
       </p:ext>
     </p:extLst>
   </p:cSld>
@@ -8740,6 +10595,97 @@
                       </p:childTnLst>
                     </p:cTn>
                   </p:par>
+                  <p:par>
+                    <p:cTn id="9" fill="hold">
+                      <p:stCondLst>
+                        <p:cond delay="indefinite"/>
+                      </p:stCondLst>
+                      <p:childTnLst>
+                        <p:par>
+                          <p:cTn id="10" fill="hold">
+                            <p:stCondLst>
+                              <p:cond delay="0"/>
+                            </p:stCondLst>
+                            <p:childTnLst>
+                              <p:par>
+                                <p:cTn id="11" presetID="2" presetClass="entr" presetSubtype="4" fill="hold" grpId="0" nodeType="clickEffect">
+                                  <p:stCondLst>
+                                    <p:cond delay="0"/>
+                                  </p:stCondLst>
+                                  <p:childTnLst>
+                                    <p:set>
+                                      <p:cBhvr>
+                                        <p:cTn id="12" dur="1" fill="hold">
+                                          <p:stCondLst>
+                                            <p:cond delay="0"/>
+                                          </p:stCondLst>
+                                        </p:cTn>
+                                        <p:tgtEl>
+                                          <p:spTgt spid="7"/>
+                                        </p:tgtEl>
+                                        <p:attrNameLst>
+                                          <p:attrName>style.visibility</p:attrName>
+                                        </p:attrNameLst>
+                                      </p:cBhvr>
+                                      <p:to>
+                                        <p:strVal val="visible"/>
+                                      </p:to>
+                                    </p:set>
+                                    <p:anim calcmode="lin" valueType="num">
+                                      <p:cBhvr additive="base">
+                                        <p:cTn id="13" dur="500" fill="hold"/>
+                                        <p:tgtEl>
+                                          <p:spTgt spid="7"/>
+                                        </p:tgtEl>
+                                        <p:attrNameLst>
+                                          <p:attrName>ppt_x</p:attrName>
+                                        </p:attrNameLst>
+                                      </p:cBhvr>
+                                      <p:tavLst>
+                                        <p:tav tm="0">
+                                          <p:val>
+                                            <p:strVal val="#ppt_x"/>
+                                          </p:val>
+                                        </p:tav>
+                                        <p:tav tm="100000">
+                                          <p:val>
+                                            <p:strVal val="#ppt_x"/>
+                                          </p:val>
+                                        </p:tav>
+                                      </p:tavLst>
+                                    </p:anim>
+                                    <p:anim calcmode="lin" valueType="num">
+                                      <p:cBhvr additive="base">
+                                        <p:cTn id="14" dur="500" fill="hold"/>
+                                        <p:tgtEl>
+                                          <p:spTgt spid="7"/>
+                                        </p:tgtEl>
+                                        <p:attrNameLst>
+                                          <p:attrName>ppt_y</p:attrName>
+                                        </p:attrNameLst>
+                                      </p:cBhvr>
+                                      <p:tavLst>
+                                        <p:tav tm="0">
+                                          <p:val>
+                                            <p:strVal val="1+#ppt_h/2"/>
+                                          </p:val>
+                                        </p:tav>
+                                        <p:tav tm="100000">
+                                          <p:val>
+                                            <p:strVal val="#ppt_y"/>
+                                          </p:val>
+                                        </p:tav>
+                                      </p:tavLst>
+                                    </p:anim>
+                                  </p:childTnLst>
+                                </p:cTn>
+                              </p:par>
+                            </p:childTnLst>
+                          </p:cTn>
+                        </p:par>
+                      </p:childTnLst>
+                    </p:cTn>
+                  </p:par>
                 </p:childTnLst>
               </p:cTn>
               <p:prevCondLst>
@@ -8763,12 +10709,13 @@
     </p:tnLst>
     <p:bldLst>
       <p:bldP spid="6" grpId="0" animBg="1"/>
+      <p:bldP spid="7" grpId="0" animBg="1"/>
     </p:bldLst>
   </p:timing>
 </p:sld>
 </file>
 
-<file path=ppt/slides/slide18.xml><?xml version="1.0" encoding="utf-8"?>
+<file path=ppt/slides/slide19.xml><?xml version="1.0" encoding="utf-8"?>
 <p:sld xmlns:a="http://schemas.openxmlformats.org/drawingml/2006/main" xmlns:r="http://schemas.openxmlformats.org/officeDocument/2006/relationships" xmlns:p="http://schemas.openxmlformats.org/presentationml/2006/main">
   <p:cSld>
     <p:spTree>
@@ -8808,84 +10755,7 @@
           <a:p>
             <a:r>
               <a:rPr lang="fr-FR"/>
-              <a:t>Formes et dessin en CSS</a:t>
-            </a:r>
-            <a:endParaRPr lang="en-US"/>
-          </a:p>
-        </p:txBody>
-      </p:sp>
-      <p:sp>
-        <p:nvSpPr>
-          <p:cNvPr id="3" name="Espace réservé du contenu 2">
-            <a:extLst>
-              <a:ext uri="{FF2B5EF4-FFF2-40B4-BE49-F238E27FC236}">
-                <a16:creationId xmlns:a16="http://schemas.microsoft.com/office/drawing/2014/main" id="{045131B1-F347-4553-821A-1C91D0527CE1}"/>
-              </a:ext>
-            </a:extLst>
-          </p:cNvPr>
-          <p:cNvSpPr>
-            <a:spLocks noGrp="1"/>
-          </p:cNvSpPr>
-          <p:nvPr>
-            <p:ph idx="1"/>
-          </p:nvPr>
-        </p:nvSpPr>
-        <p:spPr/>
-        <p:txBody>
-          <a:bodyPr/>
-          <a:lstStyle/>
-          <a:p>
-            <a:pPr marL="0" indent="0">
-              <a:buNone/>
-            </a:pPr>
-            <a:r>
-              <a:rPr lang="fr-FR"/>
-              <a:t>Cercle/Ellipse (border-radius)</a:t>
-            </a:r>
-          </a:p>
-          <a:p>
-            <a:pPr marL="0" indent="0">
-              <a:buNone/>
-            </a:pPr>
-            <a:r>
-              <a:rPr lang="fr-FR"/>
-              <a:t>Triangle (border)</a:t>
-            </a:r>
-          </a:p>
-          <a:p>
-            <a:pPr marL="0" indent="0">
-              <a:buNone/>
-            </a:pPr>
-            <a:r>
-              <a:rPr lang="fr-FR"/>
-              <a:t>Losange (rotate)</a:t>
-            </a:r>
-          </a:p>
-          <a:p>
-            <a:pPr marL="0" indent="0">
-              <a:buNone/>
-            </a:pPr>
-            <a:r>
-              <a:rPr lang="fr-FR"/>
-              <a:t>Parallélogramme (skew)</a:t>
-            </a:r>
-          </a:p>
-          <a:p>
-            <a:pPr marL="0" indent="0">
-              <a:buNone/>
-            </a:pPr>
-            <a:r>
-              <a:rPr lang="fr-FR"/>
-              <a:t>Etoile (::before ::after)</a:t>
-            </a:r>
-          </a:p>
-          <a:p>
-            <a:pPr marL="0" indent="0">
-              <a:buNone/>
-            </a:pPr>
-            <a:r>
-              <a:rPr lang="fr-FR"/>
-              <a:t>Pour les dessins plus complexes, il faut recourir au SVG. Les balises SVG étant des éléments HTML, elles peuvent également être stylisée en CSS.</a:t>
+              <a:t>Transitions et Animations</a:t>
             </a:r>
             <a:endParaRPr lang="en-US"/>
           </a:p>
@@ -8906,8 +10776,8 @@
         </p:nvSpPr>
         <p:spPr>
           <a:xfrm>
-            <a:off x="7655017" y="6123966"/>
-            <a:ext cx="4536983" cy="711200"/>
+            <a:off x="7726039" y="6123966"/>
+            <a:ext cx="4465961" cy="711200"/>
           </a:xfrm>
           <a:prstGeom prst="rightArrow">
             <a:avLst/>
@@ -8942,10 +10812,634 @@
           </a:p>
         </p:txBody>
       </p:sp>
+      <p:sp>
+        <p:nvSpPr>
+          <p:cNvPr id="5" name="Espace réservé du contenu 2">
+            <a:extLst>
+              <a:ext uri="{FF2B5EF4-FFF2-40B4-BE49-F238E27FC236}">
+                <a16:creationId xmlns:a16="http://schemas.microsoft.com/office/drawing/2014/main" id="{AB75B10B-1B4D-4A48-9355-656826E5A1F5}"/>
+              </a:ext>
+            </a:extLst>
+          </p:cNvPr>
+          <p:cNvSpPr txBox="1">
+            <a:spLocks/>
+          </p:cNvSpPr>
+          <p:nvPr/>
+        </p:nvSpPr>
+        <p:spPr>
+          <a:xfrm>
+            <a:off x="1066800" y="1870509"/>
+            <a:ext cx="10058400" cy="1558491"/>
+          </a:xfrm>
+          <a:prstGeom prst="rect">
+            <a:avLst/>
+          </a:prstGeom>
+        </p:spPr>
+        <p:txBody>
+          <a:bodyPr vert="horz" lIns="91440" tIns="45720" rIns="91440" bIns="45720" rtlCol="0">
+            <a:normAutofit fontScale="85000" lnSpcReduction="20000"/>
+          </a:bodyPr>
+          <a:lstStyle>
+            <a:lvl1pPr marL="182880" indent="-182880" algn="l" defTabSz="914400" rtl="0" eaLnBrk="1" latinLnBrk="0" hangingPunct="1">
+              <a:lnSpc>
+                <a:spcPct val="100000"/>
+              </a:lnSpc>
+              <a:spcBef>
+                <a:spcPts val="900"/>
+              </a:spcBef>
+              <a:spcAft>
+                <a:spcPts val="0"/>
+              </a:spcAft>
+              <a:buClr>
+                <a:schemeClr val="tx2"/>
+              </a:buClr>
+              <a:buFont typeface="Arial" pitchFamily="34" charset="0"/>
+              <a:buChar char="•"/>
+              <a:defRPr sz="1800" kern="1200">
+                <a:solidFill>
+                  <a:schemeClr val="tx1"/>
+                </a:solidFill>
+                <a:latin typeface="+mn-lt"/>
+                <a:ea typeface="+mn-ea"/>
+                <a:cs typeface="+mn-cs"/>
+              </a:defRPr>
+            </a:lvl1pPr>
+            <a:lvl2pPr marL="457200" indent="-182880" algn="l" defTabSz="914400" rtl="0" eaLnBrk="1" latinLnBrk="0" hangingPunct="1">
+              <a:lnSpc>
+                <a:spcPct val="100000"/>
+              </a:lnSpc>
+              <a:spcBef>
+                <a:spcPts val="500"/>
+              </a:spcBef>
+              <a:buClr>
+                <a:schemeClr val="tx2"/>
+              </a:buClr>
+              <a:buFont typeface="Arial" pitchFamily="34" charset="0"/>
+              <a:buChar char="•"/>
+              <a:defRPr sz="1600" kern="1200">
+                <a:solidFill>
+                  <a:schemeClr val="tx1"/>
+                </a:solidFill>
+                <a:latin typeface="+mn-lt"/>
+                <a:ea typeface="+mn-ea"/>
+                <a:cs typeface="+mn-cs"/>
+              </a:defRPr>
+            </a:lvl2pPr>
+            <a:lvl3pPr marL="731520" indent="-182880" algn="l" defTabSz="914400" rtl="0" eaLnBrk="1" latinLnBrk="0" hangingPunct="1">
+              <a:lnSpc>
+                <a:spcPct val="100000"/>
+              </a:lnSpc>
+              <a:spcBef>
+                <a:spcPts val="500"/>
+              </a:spcBef>
+              <a:buClr>
+                <a:schemeClr val="tx2"/>
+              </a:buClr>
+              <a:buFont typeface="Arial" pitchFamily="34" charset="0"/>
+              <a:buChar char="•"/>
+              <a:defRPr sz="1400" kern="1200">
+                <a:solidFill>
+                  <a:schemeClr val="tx1"/>
+                </a:solidFill>
+                <a:latin typeface="+mn-lt"/>
+                <a:ea typeface="+mn-ea"/>
+                <a:cs typeface="+mn-cs"/>
+              </a:defRPr>
+            </a:lvl3pPr>
+            <a:lvl4pPr marL="1005840" indent="-182880" algn="l" defTabSz="914400" rtl="0" eaLnBrk="1" latinLnBrk="0" hangingPunct="1">
+              <a:lnSpc>
+                <a:spcPct val="100000"/>
+              </a:lnSpc>
+              <a:spcBef>
+                <a:spcPts val="500"/>
+              </a:spcBef>
+              <a:buClr>
+                <a:schemeClr val="tx2"/>
+              </a:buClr>
+              <a:buFont typeface="Arial" pitchFamily="34" charset="0"/>
+              <a:buChar char="•"/>
+              <a:defRPr sz="1400" kern="1200">
+                <a:solidFill>
+                  <a:schemeClr val="tx1"/>
+                </a:solidFill>
+                <a:latin typeface="+mn-lt"/>
+                <a:ea typeface="+mn-ea"/>
+                <a:cs typeface="+mn-cs"/>
+              </a:defRPr>
+            </a:lvl4pPr>
+            <a:lvl5pPr marL="1280160" indent="-182880" algn="l" defTabSz="914400" rtl="0" eaLnBrk="1" latinLnBrk="0" hangingPunct="1">
+              <a:lnSpc>
+                <a:spcPct val="100000"/>
+              </a:lnSpc>
+              <a:spcBef>
+                <a:spcPts val="500"/>
+              </a:spcBef>
+              <a:buClr>
+                <a:schemeClr val="tx2"/>
+              </a:buClr>
+              <a:buFont typeface="Arial" pitchFamily="34" charset="0"/>
+              <a:buChar char="•"/>
+              <a:defRPr sz="1400" kern="1200">
+                <a:solidFill>
+                  <a:schemeClr val="tx1"/>
+                </a:solidFill>
+                <a:latin typeface="+mn-lt"/>
+                <a:ea typeface="+mn-ea"/>
+                <a:cs typeface="+mn-cs"/>
+              </a:defRPr>
+            </a:lvl5pPr>
+            <a:lvl6pPr marL="1600000" indent="-228600" algn="l" defTabSz="914400" rtl="0" eaLnBrk="1" latinLnBrk="0" hangingPunct="1">
+              <a:lnSpc>
+                <a:spcPct val="100000"/>
+              </a:lnSpc>
+              <a:spcBef>
+                <a:spcPts val="500"/>
+              </a:spcBef>
+              <a:buClr>
+                <a:schemeClr val="tx2"/>
+              </a:buClr>
+              <a:buFont typeface="Arial" pitchFamily="34" charset="0"/>
+              <a:buChar char="•"/>
+              <a:defRPr sz="1400" kern="1200">
+                <a:solidFill>
+                  <a:schemeClr val="tx1"/>
+                </a:solidFill>
+                <a:latin typeface="+mn-lt"/>
+                <a:ea typeface="+mn-ea"/>
+                <a:cs typeface="+mn-cs"/>
+              </a:defRPr>
+            </a:lvl6pPr>
+            <a:lvl7pPr marL="1900000" indent="-228600" algn="l" defTabSz="914400" rtl="0" eaLnBrk="1" latinLnBrk="0" hangingPunct="1">
+              <a:lnSpc>
+                <a:spcPct val="100000"/>
+              </a:lnSpc>
+              <a:spcBef>
+                <a:spcPts val="500"/>
+              </a:spcBef>
+              <a:buClr>
+                <a:schemeClr val="tx2"/>
+              </a:buClr>
+              <a:buFont typeface="Arial" pitchFamily="34" charset="0"/>
+              <a:buChar char="•"/>
+              <a:defRPr sz="1400" kern="1200">
+                <a:solidFill>
+                  <a:schemeClr val="tx1"/>
+                </a:solidFill>
+                <a:latin typeface="+mn-lt"/>
+                <a:ea typeface="+mn-ea"/>
+                <a:cs typeface="+mn-cs"/>
+              </a:defRPr>
+            </a:lvl7pPr>
+            <a:lvl8pPr marL="2200000" indent="-228600" algn="l" defTabSz="914400" rtl="0" eaLnBrk="1" latinLnBrk="0" hangingPunct="1">
+              <a:lnSpc>
+                <a:spcPct val="100000"/>
+              </a:lnSpc>
+              <a:spcBef>
+                <a:spcPts val="500"/>
+              </a:spcBef>
+              <a:buClr>
+                <a:schemeClr val="tx2"/>
+              </a:buClr>
+              <a:buFont typeface="Arial" pitchFamily="34" charset="0"/>
+              <a:buChar char="•"/>
+              <a:defRPr sz="1400" kern="1200">
+                <a:solidFill>
+                  <a:schemeClr val="tx1"/>
+                </a:solidFill>
+                <a:latin typeface="+mn-lt"/>
+                <a:ea typeface="+mn-ea"/>
+                <a:cs typeface="+mn-cs"/>
+              </a:defRPr>
+            </a:lvl8pPr>
+            <a:lvl9pPr marL="2500000" indent="-228600" algn="l" defTabSz="914400" rtl="0" eaLnBrk="1" latinLnBrk="0" hangingPunct="1">
+              <a:lnSpc>
+                <a:spcPct val="100000"/>
+              </a:lnSpc>
+              <a:spcBef>
+                <a:spcPts val="500"/>
+              </a:spcBef>
+              <a:buClr>
+                <a:schemeClr val="tx2"/>
+              </a:buClr>
+              <a:buFont typeface="Arial" pitchFamily="34" charset="0"/>
+              <a:buChar char="•"/>
+              <a:defRPr sz="1400" kern="1200">
+                <a:solidFill>
+                  <a:schemeClr val="tx1"/>
+                </a:solidFill>
+                <a:latin typeface="+mn-lt"/>
+                <a:ea typeface="+mn-ea"/>
+                <a:cs typeface="+mn-cs"/>
+              </a:defRPr>
+            </a:lvl9pPr>
+          </a:lstStyle>
+          <a:p>
+            <a:pPr marL="0" indent="0">
+              <a:buFont typeface="Arial" pitchFamily="34" charset="0"/>
+              <a:buNone/>
+            </a:pPr>
+            <a:r>
+              <a:rPr lang="fr-FR"/>
+              <a:t>Transition = animation automatique entre deux changements de valeur de propriété</a:t>
+            </a:r>
+          </a:p>
+          <a:p>
+            <a:pPr marL="0" indent="0">
+              <a:buFont typeface="Arial" pitchFamily="34" charset="0"/>
+              <a:buNone/>
+            </a:pPr>
+            <a:r>
+              <a:rPr lang="fr-FR"/>
+              <a:t>Animation = animation programmée en décrivant les styles de chaque étape</a:t>
+            </a:r>
+          </a:p>
+          <a:p>
+            <a:pPr marL="0" indent="0">
+              <a:buNone/>
+            </a:pPr>
+            <a:endParaRPr lang="fr-FR">
+              <a:hlinkClick r:id="rId3"/>
+            </a:endParaRPr>
+          </a:p>
+          <a:p>
+            <a:pPr marL="0" indent="0">
+              <a:buNone/>
+            </a:pPr>
+            <a:r>
+              <a:rPr lang="fr-FR">
+                <a:hlinkClick r:id="rId3"/>
+              </a:rPr>
+              <a:t>Liste complète des propriétés "animables"</a:t>
+            </a:r>
+            <a:endParaRPr lang="fr-FR"/>
+          </a:p>
+          <a:p>
+            <a:pPr marL="0" indent="0">
+              <a:buNone/>
+            </a:pPr>
+            <a:r>
+              <a:rPr lang="fr-FR">
+                <a:hlinkClick r:id="rId4"/>
+              </a:rPr>
+              <a:t>Visualiser les courbes d'accélération (easing functions)</a:t>
+            </a:r>
+            <a:endParaRPr lang="fr-FR"/>
+          </a:p>
+          <a:p>
+            <a:pPr marL="0" indent="0">
+              <a:buNone/>
+            </a:pPr>
+            <a:endParaRPr lang="fr-FR"/>
+          </a:p>
+          <a:p>
+            <a:pPr marL="0" indent="0">
+              <a:buNone/>
+            </a:pPr>
+            <a:endParaRPr lang="fr-FR"/>
+          </a:p>
+          <a:p>
+            <a:pPr marL="0" indent="0">
+              <a:buNone/>
+            </a:pPr>
+            <a:endParaRPr lang="fr-FR"/>
+          </a:p>
+          <a:p>
+            <a:pPr marL="0" indent="0">
+              <a:buNone/>
+            </a:pPr>
+            <a:endParaRPr lang="fr-FR"/>
+          </a:p>
+        </p:txBody>
+      </p:sp>
+      <p:pic>
+        <p:nvPicPr>
+          <p:cNvPr id="8" name="Image 7">
+            <a:extLst>
+              <a:ext uri="{FF2B5EF4-FFF2-40B4-BE49-F238E27FC236}">
+                <a16:creationId xmlns:a16="http://schemas.microsoft.com/office/drawing/2014/main" id="{C658C573-FB71-45D0-B8D7-CE4CBF2918E6}"/>
+              </a:ext>
+            </a:extLst>
+          </p:cNvPr>
+          <p:cNvPicPr>
+            <a:picLocks noChangeAspect="1"/>
+          </p:cNvPicPr>
+          <p:nvPr/>
+        </p:nvPicPr>
+        <p:blipFill>
+          <a:blip r:embed="rId5"/>
+          <a:stretch>
+            <a:fillRect/>
+          </a:stretch>
+        </p:blipFill>
+        <p:spPr>
+          <a:xfrm>
+            <a:off x="8986391" y="1019725"/>
+            <a:ext cx="1945256" cy="617337"/>
+          </a:xfrm>
+          <a:prstGeom prst="rect">
+            <a:avLst/>
+          </a:prstGeom>
+        </p:spPr>
+      </p:pic>
+      <p:sp>
+        <p:nvSpPr>
+          <p:cNvPr id="9" name="Espace réservé du contenu 2">
+            <a:extLst>
+              <a:ext uri="{FF2B5EF4-FFF2-40B4-BE49-F238E27FC236}">
+                <a16:creationId xmlns:a16="http://schemas.microsoft.com/office/drawing/2014/main" id="{983B6A5D-C286-49AB-A80F-62394645D35A}"/>
+              </a:ext>
+            </a:extLst>
+          </p:cNvPr>
+          <p:cNvSpPr txBox="1">
+            <a:spLocks/>
+          </p:cNvSpPr>
+          <p:nvPr/>
+        </p:nvSpPr>
+        <p:spPr>
+          <a:xfrm>
+            <a:off x="1066800" y="3664452"/>
+            <a:ext cx="10058400" cy="2082382"/>
+          </a:xfrm>
+          <a:prstGeom prst="rect">
+            <a:avLst/>
+          </a:prstGeom>
+        </p:spPr>
+        <p:txBody>
+          <a:bodyPr vert="horz" lIns="91440" tIns="45720" rIns="91440" bIns="45720" numCol="2" rtlCol="0">
+            <a:normAutofit fontScale="92500" lnSpcReduction="10000"/>
+          </a:bodyPr>
+          <a:lstStyle>
+            <a:lvl1pPr marL="182880" indent="-182880" algn="l" defTabSz="914400" rtl="0" eaLnBrk="1" latinLnBrk="0" hangingPunct="1">
+              <a:lnSpc>
+                <a:spcPct val="100000"/>
+              </a:lnSpc>
+              <a:spcBef>
+                <a:spcPts val="900"/>
+              </a:spcBef>
+              <a:spcAft>
+                <a:spcPts val="0"/>
+              </a:spcAft>
+              <a:buClr>
+                <a:schemeClr val="tx2"/>
+              </a:buClr>
+              <a:buFont typeface="Arial" pitchFamily="34" charset="0"/>
+              <a:buChar char="•"/>
+              <a:defRPr sz="1800" kern="1200">
+                <a:solidFill>
+                  <a:schemeClr val="tx1"/>
+                </a:solidFill>
+                <a:latin typeface="+mn-lt"/>
+                <a:ea typeface="+mn-ea"/>
+                <a:cs typeface="+mn-cs"/>
+              </a:defRPr>
+            </a:lvl1pPr>
+            <a:lvl2pPr marL="457200" indent="-182880" algn="l" defTabSz="914400" rtl="0" eaLnBrk="1" latinLnBrk="0" hangingPunct="1">
+              <a:lnSpc>
+                <a:spcPct val="100000"/>
+              </a:lnSpc>
+              <a:spcBef>
+                <a:spcPts val="500"/>
+              </a:spcBef>
+              <a:buClr>
+                <a:schemeClr val="tx2"/>
+              </a:buClr>
+              <a:buFont typeface="Arial" pitchFamily="34" charset="0"/>
+              <a:buChar char="•"/>
+              <a:defRPr sz="1600" kern="1200">
+                <a:solidFill>
+                  <a:schemeClr val="tx1"/>
+                </a:solidFill>
+                <a:latin typeface="+mn-lt"/>
+                <a:ea typeface="+mn-ea"/>
+                <a:cs typeface="+mn-cs"/>
+              </a:defRPr>
+            </a:lvl2pPr>
+            <a:lvl3pPr marL="731520" indent="-182880" algn="l" defTabSz="914400" rtl="0" eaLnBrk="1" latinLnBrk="0" hangingPunct="1">
+              <a:lnSpc>
+                <a:spcPct val="100000"/>
+              </a:lnSpc>
+              <a:spcBef>
+                <a:spcPts val="500"/>
+              </a:spcBef>
+              <a:buClr>
+                <a:schemeClr val="tx2"/>
+              </a:buClr>
+              <a:buFont typeface="Arial" pitchFamily="34" charset="0"/>
+              <a:buChar char="•"/>
+              <a:defRPr sz="1400" kern="1200">
+                <a:solidFill>
+                  <a:schemeClr val="tx1"/>
+                </a:solidFill>
+                <a:latin typeface="+mn-lt"/>
+                <a:ea typeface="+mn-ea"/>
+                <a:cs typeface="+mn-cs"/>
+              </a:defRPr>
+            </a:lvl3pPr>
+            <a:lvl4pPr marL="1005840" indent="-182880" algn="l" defTabSz="914400" rtl="0" eaLnBrk="1" latinLnBrk="0" hangingPunct="1">
+              <a:lnSpc>
+                <a:spcPct val="100000"/>
+              </a:lnSpc>
+              <a:spcBef>
+                <a:spcPts val="500"/>
+              </a:spcBef>
+              <a:buClr>
+                <a:schemeClr val="tx2"/>
+              </a:buClr>
+              <a:buFont typeface="Arial" pitchFamily="34" charset="0"/>
+              <a:buChar char="•"/>
+              <a:defRPr sz="1400" kern="1200">
+                <a:solidFill>
+                  <a:schemeClr val="tx1"/>
+                </a:solidFill>
+                <a:latin typeface="+mn-lt"/>
+                <a:ea typeface="+mn-ea"/>
+                <a:cs typeface="+mn-cs"/>
+              </a:defRPr>
+            </a:lvl4pPr>
+            <a:lvl5pPr marL="1280160" indent="-182880" algn="l" defTabSz="914400" rtl="0" eaLnBrk="1" latinLnBrk="0" hangingPunct="1">
+              <a:lnSpc>
+                <a:spcPct val="100000"/>
+              </a:lnSpc>
+              <a:spcBef>
+                <a:spcPts val="500"/>
+              </a:spcBef>
+              <a:buClr>
+                <a:schemeClr val="tx2"/>
+              </a:buClr>
+              <a:buFont typeface="Arial" pitchFamily="34" charset="0"/>
+              <a:buChar char="•"/>
+              <a:defRPr sz="1400" kern="1200">
+                <a:solidFill>
+                  <a:schemeClr val="tx1"/>
+                </a:solidFill>
+                <a:latin typeface="+mn-lt"/>
+                <a:ea typeface="+mn-ea"/>
+                <a:cs typeface="+mn-cs"/>
+              </a:defRPr>
+            </a:lvl5pPr>
+            <a:lvl6pPr marL="1600000" indent="-228600" algn="l" defTabSz="914400" rtl="0" eaLnBrk="1" latinLnBrk="0" hangingPunct="1">
+              <a:lnSpc>
+                <a:spcPct val="100000"/>
+              </a:lnSpc>
+              <a:spcBef>
+                <a:spcPts val="500"/>
+              </a:spcBef>
+              <a:buClr>
+                <a:schemeClr val="tx2"/>
+              </a:buClr>
+              <a:buFont typeface="Arial" pitchFamily="34" charset="0"/>
+              <a:buChar char="•"/>
+              <a:defRPr sz="1400" kern="1200">
+                <a:solidFill>
+                  <a:schemeClr val="tx1"/>
+                </a:solidFill>
+                <a:latin typeface="+mn-lt"/>
+                <a:ea typeface="+mn-ea"/>
+                <a:cs typeface="+mn-cs"/>
+              </a:defRPr>
+            </a:lvl6pPr>
+            <a:lvl7pPr marL="1900000" indent="-228600" algn="l" defTabSz="914400" rtl="0" eaLnBrk="1" latinLnBrk="0" hangingPunct="1">
+              <a:lnSpc>
+                <a:spcPct val="100000"/>
+              </a:lnSpc>
+              <a:spcBef>
+                <a:spcPts val="500"/>
+              </a:spcBef>
+              <a:buClr>
+                <a:schemeClr val="tx2"/>
+              </a:buClr>
+              <a:buFont typeface="Arial" pitchFamily="34" charset="0"/>
+              <a:buChar char="•"/>
+              <a:defRPr sz="1400" kern="1200">
+                <a:solidFill>
+                  <a:schemeClr val="tx1"/>
+                </a:solidFill>
+                <a:latin typeface="+mn-lt"/>
+                <a:ea typeface="+mn-ea"/>
+                <a:cs typeface="+mn-cs"/>
+              </a:defRPr>
+            </a:lvl7pPr>
+            <a:lvl8pPr marL="2200000" indent="-228600" algn="l" defTabSz="914400" rtl="0" eaLnBrk="1" latinLnBrk="0" hangingPunct="1">
+              <a:lnSpc>
+                <a:spcPct val="100000"/>
+              </a:lnSpc>
+              <a:spcBef>
+                <a:spcPts val="500"/>
+              </a:spcBef>
+              <a:buClr>
+                <a:schemeClr val="tx2"/>
+              </a:buClr>
+              <a:buFont typeface="Arial" pitchFamily="34" charset="0"/>
+              <a:buChar char="•"/>
+              <a:defRPr sz="1400" kern="1200">
+                <a:solidFill>
+                  <a:schemeClr val="tx1"/>
+                </a:solidFill>
+                <a:latin typeface="+mn-lt"/>
+                <a:ea typeface="+mn-ea"/>
+                <a:cs typeface="+mn-cs"/>
+              </a:defRPr>
+            </a:lvl8pPr>
+            <a:lvl9pPr marL="2500000" indent="-228600" algn="l" defTabSz="914400" rtl="0" eaLnBrk="1" latinLnBrk="0" hangingPunct="1">
+              <a:lnSpc>
+                <a:spcPct val="100000"/>
+              </a:lnSpc>
+              <a:spcBef>
+                <a:spcPts val="500"/>
+              </a:spcBef>
+              <a:buClr>
+                <a:schemeClr val="tx2"/>
+              </a:buClr>
+              <a:buFont typeface="Arial" pitchFamily="34" charset="0"/>
+              <a:buChar char="•"/>
+              <a:defRPr sz="1400" kern="1200">
+                <a:solidFill>
+                  <a:schemeClr val="tx1"/>
+                </a:solidFill>
+                <a:latin typeface="+mn-lt"/>
+                <a:ea typeface="+mn-ea"/>
+                <a:cs typeface="+mn-cs"/>
+              </a:defRPr>
+            </a:lvl9pPr>
+          </a:lstStyle>
+          <a:p>
+            <a:pPr marL="0" indent="0">
+              <a:buNone/>
+            </a:pPr>
+            <a:r>
+              <a:rPr lang="fr-FR" b="1" u="sng"/>
+              <a:t>Propriétés associées:</a:t>
+            </a:r>
+          </a:p>
+          <a:p>
+            <a:r>
+              <a:rPr lang="fr-FR"/>
+              <a:t>transition-property</a:t>
+            </a:r>
+          </a:p>
+          <a:p>
+            <a:r>
+              <a:rPr lang="fr-FR"/>
+              <a:t>transition-duration</a:t>
+            </a:r>
+          </a:p>
+          <a:p>
+            <a:r>
+              <a:rPr lang="fr-FR"/>
+              <a:t>transition-delay</a:t>
+            </a:r>
+          </a:p>
+          <a:p>
+            <a:r>
+              <a:rPr lang="fr-FR"/>
+              <a:t>transition-timing-function</a:t>
+            </a:r>
+          </a:p>
+          <a:p>
+            <a:endParaRPr lang="fr-FR"/>
+          </a:p>
+          <a:p>
+            <a:r>
+              <a:rPr lang="fr-FR"/>
+              <a:t>animation-name</a:t>
+            </a:r>
+          </a:p>
+          <a:p>
+            <a:r>
+              <a:rPr lang="fr-FR"/>
+              <a:t>animation-duration</a:t>
+            </a:r>
+          </a:p>
+          <a:p>
+            <a:r>
+              <a:rPr lang="fr-FR"/>
+              <a:t>animation-delay</a:t>
+            </a:r>
+          </a:p>
+          <a:p>
+            <a:r>
+              <a:rPr lang="fr-FR"/>
+              <a:t>animation-direction</a:t>
+            </a:r>
+          </a:p>
+          <a:p>
+            <a:r>
+              <a:rPr lang="fr-FR"/>
+              <a:t>animation-timing-function</a:t>
+            </a:r>
+          </a:p>
+          <a:p>
+            <a:r>
+              <a:rPr lang="fr-FR"/>
+              <a:t>animation-iteration-count</a:t>
+            </a:r>
+          </a:p>
+        </p:txBody>
+      </p:sp>
     </p:spTree>
     <p:extLst>
       <p:ext uri="{BB962C8B-B14F-4D97-AF65-F5344CB8AC3E}">
-        <p14:creationId xmlns:p14="http://schemas.microsoft.com/office/powerpoint/2010/main" val="4085058631"/>
+        <p14:creationId xmlns:p14="http://schemas.microsoft.com/office/powerpoint/2010/main" val="2524973965"/>
       </p:ext>
     </p:extLst>
   </p:cSld>
@@ -9209,6 +11703,13 @@
             <a:pPr lvl="1"/>
             <a:r>
               <a:rPr lang="fr-FR"/>
+              <a:t>Cascade</a:t>
+            </a:r>
+          </a:p>
+          <a:p>
+            <a:pPr lvl="1"/>
+            <a:r>
+              <a:rPr lang="fr-FR"/>
               <a:t>Héritage</a:t>
             </a:r>
           </a:p>
@@ -9243,6 +11744,89 @@
             <a:endParaRPr lang="fr-FR"/>
           </a:p>
           <a:p>
+            <a:r>
+              <a:rPr lang="fr-FR"/>
+              <a:t>Layout</a:t>
+            </a:r>
+          </a:p>
+          <a:p>
+            <a:pPr lvl="1"/>
+            <a:r>
+              <a:rPr lang="fr-FR"/>
+              <a:t>Flux de contenu</a:t>
+            </a:r>
+          </a:p>
+          <a:p>
+            <a:pPr lvl="1"/>
+            <a:r>
+              <a:rPr lang="fr-FR"/>
+              <a:t>Modèle de boîte</a:t>
+            </a:r>
+          </a:p>
+          <a:p>
+            <a:pPr lvl="1"/>
+            <a:r>
+              <a:rPr lang="fr-FR"/>
+              <a:t>Positionnement</a:t>
+            </a:r>
+          </a:p>
+          <a:p>
+            <a:pPr lvl="1"/>
+            <a:r>
+              <a:rPr lang="fr-FR"/>
+              <a:t>Dimensions et Unités</a:t>
+            </a:r>
+          </a:p>
+          <a:p>
+            <a:pPr lvl="1"/>
+            <a:r>
+              <a:rPr lang="fr-FR"/>
+              <a:t>Inline &amp; Block</a:t>
+            </a:r>
+          </a:p>
+          <a:p>
+            <a:pPr lvl="1"/>
+            <a:r>
+              <a:rPr lang="fr-FR"/>
+              <a:t>Flex</a:t>
+            </a:r>
+          </a:p>
+          <a:p>
+            <a:pPr lvl="1"/>
+            <a:r>
+              <a:rPr lang="fr-FR"/>
+              <a:t>Grid</a:t>
+            </a:r>
+          </a:p>
+          <a:p>
+            <a:pPr lvl="1"/>
+            <a:r>
+              <a:rPr lang="fr-FR"/>
+              <a:t>Media queries</a:t>
+            </a:r>
+          </a:p>
+          <a:p>
+            <a:pPr lvl="1"/>
+            <a:r>
+              <a:rPr lang="fr-FR"/>
+              <a:t>Responsive Web Design</a:t>
+            </a:r>
+          </a:p>
+          <a:p>
+            <a:pPr marL="0" indent="0">
+              <a:buNone/>
+            </a:pPr>
+            <a:endParaRPr lang="fr-FR"/>
+          </a:p>
+          <a:p>
+            <a:pPr lvl="1"/>
+            <a:endParaRPr lang="fr-FR"/>
+          </a:p>
+          <a:p>
+            <a:pPr lvl="1"/>
+            <a:endParaRPr lang="fr-FR"/>
+          </a:p>
+          <a:p>
             <a:pPr marL="274320" lvl="1" indent="0">
               <a:buNone/>
             </a:pPr>
@@ -9251,63 +11835,1208 @@
           <a:p>
             <a:r>
               <a:rPr lang="fr-FR"/>
-              <a:t>Layout</a:t>
+              <a:t>Fonctionnalités</a:t>
             </a:r>
           </a:p>
           <a:p>
             <a:pPr lvl="1"/>
             <a:r>
               <a:rPr lang="fr-FR"/>
-              <a:t>Flux de contenu</a:t>
+              <a:t>Typographie</a:t>
             </a:r>
           </a:p>
           <a:p>
             <a:pPr lvl="1"/>
             <a:r>
               <a:rPr lang="fr-FR"/>
-              <a:t>Modèle de boîte</a:t>
+              <a:t>Backgrounds &amp; Images</a:t>
             </a:r>
           </a:p>
           <a:p>
             <a:pPr lvl="1"/>
             <a:r>
               <a:rPr lang="fr-FR"/>
-              <a:t>Inline &amp; Block</a:t>
+              <a:t>Interactions</a:t>
             </a:r>
           </a:p>
           <a:p>
             <a:pPr lvl="1"/>
             <a:r>
               <a:rPr lang="fr-FR"/>
-              <a:t>Flex</a:t>
+              <a:t>Animations &amp; Transitions</a:t>
             </a:r>
           </a:p>
           <a:p>
             <a:pPr lvl="1"/>
             <a:r>
               <a:rPr lang="fr-FR"/>
-              <a:t>Grid</a:t>
+              <a:t>Formes et dessin</a:t>
+            </a:r>
+          </a:p>
+          <a:p>
+            <a:pPr marL="274320" lvl="1" indent="0">
+              <a:buNone/>
+            </a:pPr>
+            <a:endParaRPr lang="fr-FR"/>
+          </a:p>
+          <a:p>
+            <a:r>
+              <a:rPr lang="fr-FR"/>
+              <a:t>Outillage</a:t>
             </a:r>
           </a:p>
           <a:p>
             <a:pPr lvl="1"/>
             <a:r>
               <a:rPr lang="fr-FR"/>
-              <a:t>Dimensions et Unités</a:t>
+              <a:t>Utilitaires</a:t>
             </a:r>
           </a:p>
           <a:p>
             <a:pPr lvl="1"/>
             <a:r>
               <a:rPr lang="fr-FR"/>
-              <a:t>Media queries</a:t>
+              <a:t>Préprocesseurs</a:t>
             </a:r>
           </a:p>
           <a:p>
             <a:pPr lvl="1"/>
             <a:r>
               <a:rPr lang="fr-FR"/>
-              <a:t>Responsive Web Design</a:t>
+              <a:t>CSS in JS</a:t>
+            </a:r>
+          </a:p>
+        </p:txBody>
+      </p:sp>
+    </p:spTree>
+    <p:extLst>
+      <p:ext uri="{BB962C8B-B14F-4D97-AF65-F5344CB8AC3E}">
+        <p14:creationId xmlns:p14="http://schemas.microsoft.com/office/powerpoint/2010/main" val="817540399"/>
+      </p:ext>
+    </p:extLst>
+  </p:cSld>
+  <p:clrMapOvr>
+    <a:masterClrMapping/>
+  </p:clrMapOvr>
+</p:sld>
+</file>
+
+<file path=ppt/slides/slide20.xml><?xml version="1.0" encoding="utf-8"?>
+<p:sld xmlns:a="http://schemas.openxmlformats.org/drawingml/2006/main" xmlns:r="http://schemas.openxmlformats.org/officeDocument/2006/relationships" xmlns:p="http://schemas.openxmlformats.org/presentationml/2006/main">
+  <p:cSld>
+    <p:spTree>
+      <p:nvGrpSpPr>
+        <p:cNvPr id="1" name=""/>
+        <p:cNvGrpSpPr/>
+        <p:nvPr/>
+      </p:nvGrpSpPr>
+      <p:grpSpPr>
+        <a:xfrm>
+          <a:off x="0" y="0"/>
+          <a:ext cx="0" cy="0"/>
+          <a:chOff x="0" y="0"/>
+          <a:chExt cx="0" cy="0"/>
+        </a:xfrm>
+      </p:grpSpPr>
+      <p:sp>
+        <p:nvSpPr>
+          <p:cNvPr id="2" name="Titre 1">
+            <a:extLst>
+              <a:ext uri="{FF2B5EF4-FFF2-40B4-BE49-F238E27FC236}">
+                <a16:creationId xmlns:a16="http://schemas.microsoft.com/office/drawing/2014/main" id="{9997D882-EBD1-45E7-8472-5061FA9C6B66}"/>
+              </a:ext>
+            </a:extLst>
+          </p:cNvPr>
+          <p:cNvSpPr>
+            <a:spLocks noGrp="1"/>
+          </p:cNvSpPr>
+          <p:nvPr>
+            <p:ph type="title"/>
+          </p:nvPr>
+        </p:nvSpPr>
+        <p:spPr/>
+        <p:txBody>
+          <a:bodyPr/>
+          <a:lstStyle/>
+          <a:p>
+            <a:r>
+              <a:rPr lang="fr-FR"/>
+              <a:t>Formes et dessin en CSS</a:t>
+            </a:r>
+            <a:endParaRPr lang="en-US"/>
+          </a:p>
+        </p:txBody>
+      </p:sp>
+      <p:sp>
+        <p:nvSpPr>
+          <p:cNvPr id="3" name="Espace réservé du contenu 2">
+            <a:extLst>
+              <a:ext uri="{FF2B5EF4-FFF2-40B4-BE49-F238E27FC236}">
+                <a16:creationId xmlns:a16="http://schemas.microsoft.com/office/drawing/2014/main" id="{045131B1-F347-4553-821A-1C91D0527CE1}"/>
+              </a:ext>
+            </a:extLst>
+          </p:cNvPr>
+          <p:cNvSpPr>
+            <a:spLocks noGrp="1"/>
+          </p:cNvSpPr>
+          <p:nvPr>
+            <p:ph idx="1"/>
+          </p:nvPr>
+        </p:nvSpPr>
+        <p:spPr/>
+        <p:txBody>
+          <a:bodyPr>
+            <a:normAutofit/>
+          </a:bodyPr>
+          <a:lstStyle/>
+          <a:p>
+            <a:pPr marL="0" indent="0">
+              <a:buNone/>
+            </a:pPr>
+            <a:r>
+              <a:rPr lang="fr-FR"/>
+              <a:t>Vous pouvez donner plusieurs formes géométriques basiques à vos éléments en CSS:</a:t>
+            </a:r>
+          </a:p>
+          <a:p>
+            <a:r>
+              <a:rPr lang="fr-FR"/>
+              <a:t>Cercles, ellipses et arrondis avec </a:t>
+            </a:r>
+            <a:r>
+              <a:rPr lang="fr-FR">
+                <a:highlight>
+                  <a:srgbClr val="000000"/>
+                </a:highlight>
+                <a:latin typeface="Consolas" panose="020B0609020204030204" pitchFamily="49" charset="0"/>
+              </a:rPr>
+              <a:t>border-radius</a:t>
+            </a:r>
+            <a:endParaRPr lang="fr-FR"/>
+          </a:p>
+          <a:p>
+            <a:r>
+              <a:rPr lang="fr-FR"/>
+              <a:t>Triangles rectangles ou équilatéraux à l'aide de bordures transparentes</a:t>
+            </a:r>
+          </a:p>
+          <a:p>
+            <a:r>
+              <a:rPr lang="fr-FR"/>
+              <a:t>Losanges en appliquant une rotation avec </a:t>
+            </a:r>
+            <a:r>
+              <a:rPr lang="fr-FR">
+                <a:highlight>
+                  <a:srgbClr val="000000"/>
+                </a:highlight>
+                <a:latin typeface="Consolas" panose="020B0609020204030204" pitchFamily="49" charset="0"/>
+              </a:rPr>
+              <a:t>transform: rotate(45deg)</a:t>
+            </a:r>
+          </a:p>
+          <a:p>
+            <a:r>
+              <a:rPr lang="fr-FR"/>
+              <a:t>Parallélogrammes avec </a:t>
+            </a:r>
+            <a:r>
+              <a:rPr lang="fr-FR">
+                <a:highlight>
+                  <a:srgbClr val="000000"/>
+                </a:highlight>
+                <a:latin typeface="Consolas" panose="020B0609020204030204" pitchFamily="49" charset="0"/>
+              </a:rPr>
+              <a:t>transform: skew(45deg)</a:t>
+            </a:r>
+          </a:p>
+          <a:p>
+            <a:r>
+              <a:rPr lang="fr-FR"/>
+              <a:t>Polygones peu complexes à l'aide de pseudo-éléments </a:t>
+            </a:r>
+            <a:r>
+              <a:rPr lang="fr-FR">
+                <a:highlight>
+                  <a:srgbClr val="000000"/>
+                </a:highlight>
+                <a:latin typeface="Consolas" panose="020B0609020204030204" pitchFamily="49" charset="0"/>
+              </a:rPr>
+              <a:t>::before </a:t>
+            </a:r>
+            <a:r>
+              <a:rPr lang="fr-FR"/>
+              <a:t>et </a:t>
+            </a:r>
+            <a:r>
+              <a:rPr lang="fr-FR">
+                <a:highlight>
+                  <a:srgbClr val="000000"/>
+                </a:highlight>
+                <a:latin typeface="Consolas" panose="020B0609020204030204" pitchFamily="49" charset="0"/>
+              </a:rPr>
+              <a:t>::after</a:t>
+            </a:r>
+          </a:p>
+          <a:p>
+            <a:endParaRPr lang="fr-FR"/>
+          </a:p>
+          <a:p>
+            <a:pPr marL="0" indent="0">
+              <a:buNone/>
+            </a:pPr>
+            <a:r>
+              <a:rPr lang="fr-FR"/>
+              <a:t>Pour les dessins plus complexes, il faut recourir au </a:t>
+            </a:r>
+            <a:r>
+              <a:rPr lang="fr-FR" b="1"/>
+              <a:t>SVG</a:t>
+            </a:r>
+            <a:r>
+              <a:rPr lang="fr-FR"/>
+              <a:t>. Les balises SVG étant des éléments HTML, elles peuvent également être stylisée en CSS.</a:t>
+            </a:r>
+          </a:p>
+          <a:p>
+            <a:pPr marL="0" indent="0">
+              <a:buNone/>
+            </a:pPr>
+            <a:r>
+              <a:rPr lang="fr-FR">
+                <a:hlinkClick r:id="rId2"/>
+              </a:rPr>
+              <a:t>MDN: Tutoriel sur SVG</a:t>
+            </a:r>
+            <a:endParaRPr lang="en-US"/>
+          </a:p>
+        </p:txBody>
+      </p:sp>
+      <p:sp>
+        <p:nvSpPr>
+          <p:cNvPr id="6" name="Flèche : droite 5">
+            <a:hlinkClick r:id="rId3"/>
+            <a:extLst>
+              <a:ext uri="{FF2B5EF4-FFF2-40B4-BE49-F238E27FC236}">
+                <a16:creationId xmlns:a16="http://schemas.microsoft.com/office/drawing/2014/main" id="{26F37A37-513C-4420-BB19-EBD68A39C24D}"/>
+              </a:ext>
+            </a:extLst>
+          </p:cNvPr>
+          <p:cNvSpPr/>
+          <p:nvPr/>
+        </p:nvSpPr>
+        <p:spPr>
+          <a:xfrm>
+            <a:off x="5949617" y="6123966"/>
+            <a:ext cx="6242384" cy="711200"/>
+          </a:xfrm>
+          <a:prstGeom prst="rightArrow">
+            <a:avLst/>
+          </a:prstGeom>
+        </p:spPr>
+        <p:style>
+          <a:lnRef idx="2">
+            <a:schemeClr val="accent1">
+              <a:shade val="50000"/>
+            </a:schemeClr>
+          </a:lnRef>
+          <a:fillRef idx="1">
+            <a:schemeClr val="accent1"/>
+          </a:fillRef>
+          <a:effectRef idx="0">
+            <a:schemeClr val="accent1"/>
+          </a:effectRef>
+          <a:fontRef idx="minor">
+            <a:schemeClr val="lt1"/>
+          </a:fontRef>
+        </p:style>
+        <p:txBody>
+          <a:bodyPr rtlCol="0" anchor="ctr"/>
+          <a:lstStyle/>
+          <a:p>
+            <a:pPr algn="ctr"/>
+            <a:r>
+              <a:rPr lang="fr-FR"/>
+              <a:t>Démo en ligne + Exercice "Dessine-moi un sushi"</a:t>
+            </a:r>
+            <a:endParaRPr lang="en-US"/>
+          </a:p>
+        </p:txBody>
+      </p:sp>
+      <p:pic>
+        <p:nvPicPr>
+          <p:cNvPr id="4" name="Image 3">
+            <a:extLst>
+              <a:ext uri="{FF2B5EF4-FFF2-40B4-BE49-F238E27FC236}">
+                <a16:creationId xmlns:a16="http://schemas.microsoft.com/office/drawing/2014/main" id="{70F02084-4D5A-437E-BD60-57CCAA956AB3}"/>
+              </a:ext>
+            </a:extLst>
+          </p:cNvPr>
+          <p:cNvPicPr>
+            <a:picLocks noChangeAspect="1"/>
+          </p:cNvPicPr>
+          <p:nvPr/>
+        </p:nvPicPr>
+        <p:blipFill>
+          <a:blip r:embed="rId4"/>
+          <a:stretch>
+            <a:fillRect/>
+          </a:stretch>
+        </p:blipFill>
+        <p:spPr>
+          <a:xfrm>
+            <a:off x="8488279" y="943384"/>
+            <a:ext cx="3164530" cy="723826"/>
+          </a:xfrm>
+          <a:prstGeom prst="rect">
+            <a:avLst/>
+          </a:prstGeom>
+        </p:spPr>
+      </p:pic>
+    </p:spTree>
+    <p:extLst>
+      <p:ext uri="{BB962C8B-B14F-4D97-AF65-F5344CB8AC3E}">
+        <p14:creationId xmlns:p14="http://schemas.microsoft.com/office/powerpoint/2010/main" val="4085058631"/>
+      </p:ext>
+    </p:extLst>
+  </p:cSld>
+  <p:clrMapOvr>
+    <a:masterClrMapping/>
+  </p:clrMapOvr>
+  <p:timing>
+    <p:tnLst>
+      <p:par>
+        <p:cTn id="1" dur="indefinite" restart="never" nodeType="tmRoot">
+          <p:childTnLst>
+            <p:seq concurrent="1" nextAc="seek">
+              <p:cTn id="2" dur="indefinite" nodeType="mainSeq">
+                <p:childTnLst>
+                  <p:par>
+                    <p:cTn id="3" fill="hold">
+                      <p:stCondLst>
+                        <p:cond delay="indefinite"/>
+                      </p:stCondLst>
+                      <p:childTnLst>
+                        <p:par>
+                          <p:cTn id="4" fill="hold">
+                            <p:stCondLst>
+                              <p:cond delay="0"/>
+                            </p:stCondLst>
+                            <p:childTnLst>
+                              <p:par>
+                                <p:cTn id="5" presetID="2" presetClass="entr" presetSubtype="4" fill="hold" grpId="0" nodeType="clickEffect">
+                                  <p:stCondLst>
+                                    <p:cond delay="0"/>
+                                  </p:stCondLst>
+                                  <p:childTnLst>
+                                    <p:set>
+                                      <p:cBhvr>
+                                        <p:cTn id="6" dur="1" fill="hold">
+                                          <p:stCondLst>
+                                            <p:cond delay="0"/>
+                                          </p:stCondLst>
+                                        </p:cTn>
+                                        <p:tgtEl>
+                                          <p:spTgt spid="6"/>
+                                        </p:tgtEl>
+                                        <p:attrNameLst>
+                                          <p:attrName>style.visibility</p:attrName>
+                                        </p:attrNameLst>
+                                      </p:cBhvr>
+                                      <p:to>
+                                        <p:strVal val="visible"/>
+                                      </p:to>
+                                    </p:set>
+                                    <p:anim calcmode="lin" valueType="num">
+                                      <p:cBhvr additive="base">
+                                        <p:cTn id="7" dur="500" fill="hold"/>
+                                        <p:tgtEl>
+                                          <p:spTgt spid="6"/>
+                                        </p:tgtEl>
+                                        <p:attrNameLst>
+                                          <p:attrName>ppt_x</p:attrName>
+                                        </p:attrNameLst>
+                                      </p:cBhvr>
+                                      <p:tavLst>
+                                        <p:tav tm="0">
+                                          <p:val>
+                                            <p:strVal val="#ppt_x"/>
+                                          </p:val>
+                                        </p:tav>
+                                        <p:tav tm="100000">
+                                          <p:val>
+                                            <p:strVal val="#ppt_x"/>
+                                          </p:val>
+                                        </p:tav>
+                                      </p:tavLst>
+                                    </p:anim>
+                                    <p:anim calcmode="lin" valueType="num">
+                                      <p:cBhvr additive="base">
+                                        <p:cTn id="8" dur="500" fill="hold"/>
+                                        <p:tgtEl>
+                                          <p:spTgt spid="6"/>
+                                        </p:tgtEl>
+                                        <p:attrNameLst>
+                                          <p:attrName>ppt_y</p:attrName>
+                                        </p:attrNameLst>
+                                      </p:cBhvr>
+                                      <p:tavLst>
+                                        <p:tav tm="0">
+                                          <p:val>
+                                            <p:strVal val="1+#ppt_h/2"/>
+                                          </p:val>
+                                        </p:tav>
+                                        <p:tav tm="100000">
+                                          <p:val>
+                                            <p:strVal val="#ppt_y"/>
+                                          </p:val>
+                                        </p:tav>
+                                      </p:tavLst>
+                                    </p:anim>
+                                  </p:childTnLst>
+                                </p:cTn>
+                              </p:par>
+                            </p:childTnLst>
+                          </p:cTn>
+                        </p:par>
+                      </p:childTnLst>
+                    </p:cTn>
+                  </p:par>
+                </p:childTnLst>
+              </p:cTn>
+              <p:prevCondLst>
+                <p:cond evt="onPrev" delay="0">
+                  <p:tgtEl>
+                    <p:sldTgt/>
+                  </p:tgtEl>
+                </p:cond>
+              </p:prevCondLst>
+              <p:nextCondLst>
+                <p:cond evt="onNext" delay="0">
+                  <p:tgtEl>
+                    <p:sldTgt/>
+                  </p:tgtEl>
+                </p:cond>
+              </p:nextCondLst>
+            </p:seq>
+          </p:childTnLst>
+        </p:cTn>
+      </p:par>
+    </p:tnLst>
+    <p:bldLst>
+      <p:bldP spid="6" grpId="0" animBg="1"/>
+    </p:bldLst>
+  </p:timing>
+</p:sld>
+</file>
+
+<file path=ppt/slides/slide21.xml><?xml version="1.0" encoding="utf-8"?>
+<p:sld xmlns:a="http://schemas.openxmlformats.org/drawingml/2006/main" xmlns:r="http://schemas.openxmlformats.org/officeDocument/2006/relationships" xmlns:p="http://schemas.openxmlformats.org/presentationml/2006/main">
+  <p:cSld>
+    <p:bg>
+      <p:bgPr>
+        <a:solidFill>
+          <a:schemeClr val="bg2"/>
+        </a:solidFill>
+        <a:effectLst/>
+      </p:bgPr>
+    </p:bg>
+    <p:spTree>
+      <p:nvGrpSpPr>
+        <p:cNvPr id="1" name=""/>
+        <p:cNvGrpSpPr/>
+        <p:nvPr/>
+      </p:nvGrpSpPr>
+      <p:grpSpPr>
+        <a:xfrm>
+          <a:off x="0" y="0"/>
+          <a:ext cx="0" cy="0"/>
+          <a:chOff x="0" y="0"/>
+          <a:chExt cx="0" cy="0"/>
+        </a:xfrm>
+      </p:grpSpPr>
+      <p:sp>
+        <p:nvSpPr>
+          <p:cNvPr id="3083" name="Rectangle 3082">
+            <a:extLst>
+              <a:ext uri="{FF2B5EF4-FFF2-40B4-BE49-F238E27FC236}">
+                <a16:creationId xmlns:a16="http://schemas.microsoft.com/office/drawing/2014/main" id="{69A14AEE-5456-4BDA-84EB-C2C1CEF3856B}"/>
+              </a:ext>
+              <a:ext uri="{C183D7F6-B498-43B3-948B-1728B52AA6E4}">
+                <adec:decorative xmlns:adec="http://schemas.microsoft.com/office/drawing/2017/decorative" val="1"/>
+              </a:ext>
+            </a:extLst>
+          </p:cNvPr>
+          <p:cNvSpPr>
+            <a:spLocks noGrp="1" noRot="1" noChangeAspect="1" noMove="1" noResize="1" noEditPoints="1" noAdjustHandles="1" noChangeArrowheads="1" noChangeShapeType="1" noTextEdit="1"/>
+          </p:cNvSpPr>
+          <p:nvPr>
+            <p:extLst>
+              <p:ext uri="{386F3935-93C4-4BCD-93E2-E3B085C9AB24}">
+                <p16:designElem xmlns:p16="http://schemas.microsoft.com/office/powerpoint/2015/main" val="1"/>
+              </p:ext>
+            </p:extLst>
+          </p:nvPr>
+        </p:nvSpPr>
+        <p:spPr>
+          <a:xfrm>
+            <a:off x="0" y="0"/>
+            <a:ext cx="12191999" cy="6858000"/>
+          </a:xfrm>
+          <a:prstGeom prst="rect">
+            <a:avLst/>
+          </a:prstGeom>
+          <a:solidFill>
+            <a:srgbClr val="FFFFFF"/>
+          </a:solidFill>
+          <a:ln>
+            <a:noFill/>
+          </a:ln>
+        </p:spPr>
+        <p:style>
+          <a:lnRef idx="2">
+            <a:schemeClr val="accent1">
+              <a:shade val="50000"/>
+            </a:schemeClr>
+          </a:lnRef>
+          <a:fillRef idx="1">
+            <a:schemeClr val="accent1"/>
+          </a:fillRef>
+          <a:effectRef idx="0">
+            <a:schemeClr val="accent1"/>
+          </a:effectRef>
+          <a:fontRef idx="minor">
+            <a:schemeClr val="lt1"/>
+          </a:fontRef>
+        </p:style>
+        <p:txBody>
+          <a:bodyPr rtlCol="0" anchor="ctr"/>
+          <a:lstStyle/>
+          <a:p>
+            <a:pPr algn="ctr"/>
+            <a:endParaRPr lang="en-US"/>
+          </a:p>
+        </p:txBody>
+      </p:sp>
+      <p:sp useBgFill="1">
+        <p:nvSpPr>
+          <p:cNvPr id="3085" name="Rectangle 3084">
+            <a:extLst>
+              <a:ext uri="{FF2B5EF4-FFF2-40B4-BE49-F238E27FC236}">
+                <a16:creationId xmlns:a16="http://schemas.microsoft.com/office/drawing/2014/main" id="{A540A024-AD28-484E-B1FF-FD24917262A3}"/>
+              </a:ext>
+              <a:ext uri="{C183D7F6-B498-43B3-948B-1728B52AA6E4}">
+                <adec:decorative xmlns:adec="http://schemas.microsoft.com/office/drawing/2017/decorative" val="1"/>
+              </a:ext>
+            </a:extLst>
+          </p:cNvPr>
+          <p:cNvSpPr>
+            <a:spLocks noGrp="1" noRot="1" noChangeAspect="1" noMove="1" noResize="1" noEditPoints="1" noAdjustHandles="1" noChangeArrowheads="1" noChangeShapeType="1" noTextEdit="1"/>
+          </p:cNvSpPr>
+          <p:nvPr>
+            <p:extLst>
+              <p:ext uri="{386F3935-93C4-4BCD-93E2-E3B085C9AB24}">
+                <p16:designElem xmlns:p16="http://schemas.microsoft.com/office/powerpoint/2015/main" val="1"/>
+              </p:ext>
+            </p:extLst>
+          </p:nvPr>
+        </p:nvSpPr>
+        <p:spPr>
+          <a:xfrm>
+            <a:off x="0" y="0"/>
+            <a:ext cx="7889631" cy="6858000"/>
+          </a:xfrm>
+          <a:prstGeom prst="rect">
+            <a:avLst/>
+          </a:prstGeom>
+          <a:ln>
+            <a:noFill/>
+          </a:ln>
+        </p:spPr>
+        <p:style>
+          <a:lnRef idx="2">
+            <a:schemeClr val="accent1">
+              <a:shade val="50000"/>
+            </a:schemeClr>
+          </a:lnRef>
+          <a:fillRef idx="1">
+            <a:schemeClr val="accent1"/>
+          </a:fillRef>
+          <a:effectRef idx="0">
+            <a:schemeClr val="accent1"/>
+          </a:effectRef>
+          <a:fontRef idx="minor">
+            <a:schemeClr val="lt1"/>
+          </a:fontRef>
+        </p:style>
+        <p:txBody>
+          <a:bodyPr rtlCol="0" anchor="ctr"/>
+          <a:lstStyle/>
+          <a:p>
+            <a:pPr algn="ctr"/>
+            <a:endParaRPr lang="en-US"/>
+          </a:p>
+        </p:txBody>
+      </p:sp>
+      <p:sp>
+        <p:nvSpPr>
+          <p:cNvPr id="2" name="Titre 1">
+            <a:extLst>
+              <a:ext uri="{FF2B5EF4-FFF2-40B4-BE49-F238E27FC236}">
+                <a16:creationId xmlns:a16="http://schemas.microsoft.com/office/drawing/2014/main" id="{D7660F04-0A42-426F-94B1-E33CAE9A3702}"/>
+              </a:ext>
+            </a:extLst>
+          </p:cNvPr>
+          <p:cNvSpPr>
+            <a:spLocks noGrp="1"/>
+          </p:cNvSpPr>
+          <p:nvPr>
+            <p:ph type="title"/>
+          </p:nvPr>
+        </p:nvSpPr>
+        <p:spPr>
+          <a:xfrm>
+            <a:off x="868680" y="642593"/>
+            <a:ext cx="6281928" cy="1744183"/>
+          </a:xfrm>
+        </p:spPr>
+        <p:txBody>
+          <a:bodyPr>
+            <a:normAutofit/>
+          </a:bodyPr>
+          <a:lstStyle/>
+          <a:p>
+            <a:r>
+              <a:rPr lang="fr-FR"/>
+              <a:t>Utilitaires</a:t>
+            </a:r>
+            <a:endParaRPr lang="en-US"/>
+          </a:p>
+        </p:txBody>
+      </p:sp>
+      <p:sp>
+        <p:nvSpPr>
+          <p:cNvPr id="3" name="Espace réservé du contenu 2">
+            <a:extLst>
+              <a:ext uri="{FF2B5EF4-FFF2-40B4-BE49-F238E27FC236}">
+                <a16:creationId xmlns:a16="http://schemas.microsoft.com/office/drawing/2014/main" id="{1D85595E-7FCF-4A77-877D-9CE423B3F240}"/>
+              </a:ext>
+            </a:extLst>
+          </p:cNvPr>
+          <p:cNvSpPr>
+            <a:spLocks noGrp="1"/>
+          </p:cNvSpPr>
+          <p:nvPr>
+            <p:ph idx="1"/>
+          </p:nvPr>
+        </p:nvSpPr>
+        <p:spPr>
+          <a:xfrm>
+            <a:off x="868680" y="2386584"/>
+            <a:ext cx="6281928" cy="3648456"/>
+          </a:xfrm>
+        </p:spPr>
+        <p:txBody>
+          <a:bodyPr>
+            <a:normAutofit/>
+          </a:bodyPr>
+          <a:lstStyle/>
+          <a:p>
+            <a:r>
+              <a:rPr lang="fr-FR">
+                <a:hlinkClick r:id="rId2"/>
+              </a:rPr>
+              <a:t>stylelint</a:t>
+            </a:r>
+            <a:r>
+              <a:rPr lang="fr-FR"/>
+              <a:t>: linter (analyse qualité) de code CSS</a:t>
+            </a:r>
+          </a:p>
+          <a:p>
+            <a:r>
+              <a:rPr lang="fr-FR">
+                <a:hlinkClick r:id="rId3"/>
+              </a:rPr>
+              <a:t>purgeCSS</a:t>
+            </a:r>
+            <a:r>
+              <a:rPr lang="fr-FR"/>
+              <a:t>: supprimer le code CSS non utilisé</a:t>
+            </a:r>
+          </a:p>
+          <a:p>
+            <a:r>
+              <a:rPr lang="fr-FR">
+                <a:hlinkClick r:id="rId4"/>
+              </a:rPr>
+              <a:t>Autoprefixer</a:t>
+            </a:r>
+            <a:r>
+              <a:rPr lang="fr-FR"/>
+              <a:t>: ajout automatique de préfixes vendeur pour étendre le support navigateur</a:t>
+            </a:r>
+          </a:p>
+          <a:p>
+            <a:r>
+              <a:rPr lang="fr-FR">
+                <a:hlinkClick r:id="rId5"/>
+              </a:rPr>
+              <a:t>cssnano</a:t>
+            </a:r>
+            <a:r>
+              <a:rPr lang="fr-FR"/>
+              <a:t>: minifier le code CSS pour réduire la taille du fichier et optimiser le chargement</a:t>
+            </a:r>
+            <a:endParaRPr lang="en-US"/>
+          </a:p>
+        </p:txBody>
+      </p:sp>
+      <p:pic>
+        <p:nvPicPr>
+          <p:cNvPr id="3078" name="Picture 6" descr="PurgeCSS - Remove unused CSS | PurgeCSS">
+            <a:extLst>
+              <a:ext uri="{FF2B5EF4-FFF2-40B4-BE49-F238E27FC236}">
+                <a16:creationId xmlns:a16="http://schemas.microsoft.com/office/drawing/2014/main" id="{528F0A1D-5426-4AFC-9825-3A6748400A23}"/>
+              </a:ext>
+            </a:extLst>
+          </p:cNvPr>
+          <p:cNvPicPr>
+            <a:picLocks noChangeAspect="1" noChangeArrowheads="1"/>
+          </p:cNvPicPr>
+          <p:nvPr/>
+        </p:nvPicPr>
+        <p:blipFill>
+          <a:blip r:embed="rId6">
+            <a:extLst>
+              <a:ext uri="{28A0092B-C50C-407E-A947-70E740481C1C}">
+                <a14:useLocalDpi xmlns:a14="http://schemas.microsoft.com/office/drawing/2010/main" val="0"/>
+              </a:ext>
+            </a:extLst>
+          </a:blip>
+          <a:stretch>
+            <a:fillRect/>
+          </a:stretch>
+        </p:blipFill>
+        <p:spPr bwMode="auto">
+          <a:xfrm>
+            <a:off x="8813937" y="1922908"/>
+            <a:ext cx="1077468" cy="1077468"/>
+          </a:xfrm>
+          <a:prstGeom prst="rect">
+            <a:avLst/>
+          </a:prstGeom>
+          <a:noFill/>
+          <a:extLst>
+            <a:ext uri="{909E8E84-426E-40DD-AFC4-6F175D3DCCD1}">
+              <a14:hiddenFill xmlns:a14="http://schemas.microsoft.com/office/drawing/2010/main">
+                <a:solidFill>
+                  <a:srgbClr val="FFFFFF"/>
+                </a:solidFill>
+              </a14:hiddenFill>
+            </a:ext>
+          </a:extLst>
+        </p:spPr>
+      </p:pic>
+      <p:sp>
+        <p:nvSpPr>
+          <p:cNvPr id="3087" name="Rectangle 3086">
+            <a:extLst>
+              <a:ext uri="{FF2B5EF4-FFF2-40B4-BE49-F238E27FC236}">
+                <a16:creationId xmlns:a16="http://schemas.microsoft.com/office/drawing/2014/main" id="{53F8CFFC-2146-4041-A031-78CB3F3B886D}"/>
+              </a:ext>
+              <a:ext uri="{C183D7F6-B498-43B3-948B-1728B52AA6E4}">
+                <adec:decorative xmlns:adec="http://schemas.microsoft.com/office/drawing/2017/decorative" val="1"/>
+              </a:ext>
+            </a:extLst>
+          </p:cNvPr>
+          <p:cNvSpPr>
+            <a:spLocks noGrp="1" noRot="1" noChangeAspect="1" noMove="1" noResize="1" noEditPoints="1" noAdjustHandles="1" noChangeArrowheads="1" noChangeShapeType="1" noTextEdit="1"/>
+          </p:cNvSpPr>
+          <p:nvPr>
+            <p:extLst>
+              <p:ext uri="{386F3935-93C4-4BCD-93E2-E3B085C9AB24}">
+                <p16:designElem xmlns:p16="http://schemas.microsoft.com/office/powerpoint/2015/main" val="1"/>
+              </p:ext>
+            </p:extLst>
+          </p:nvPr>
+        </p:nvSpPr>
+        <p:spPr>
+          <a:xfrm>
+            <a:off x="371856" y="374904"/>
+            <a:ext cx="7142636" cy="6108192"/>
+          </a:xfrm>
+          <a:prstGeom prst="rect">
+            <a:avLst/>
+          </a:prstGeom>
+          <a:noFill/>
+          <a:ln w="6350" cap="sq" cmpd="sng" algn="ctr">
+            <a:solidFill>
+              <a:schemeClr val="tx1">
+                <a:lumMod val="75000"/>
+                <a:lumOff val="25000"/>
+              </a:schemeClr>
+            </a:solidFill>
+            <a:prstDash val="solid"/>
+            <a:miter lim="800000"/>
+          </a:ln>
+          <a:effectLst/>
+        </p:spPr>
+      </p:sp>
+      <p:pic>
+        <p:nvPicPr>
+          <p:cNvPr id="3076" name="Picture 4" descr="7 Front-End Tools For Productivity">
+            <a:extLst>
+              <a:ext uri="{FF2B5EF4-FFF2-40B4-BE49-F238E27FC236}">
+                <a16:creationId xmlns:a16="http://schemas.microsoft.com/office/drawing/2014/main" id="{AB91D305-96B4-40BE-BC37-9886514D72AF}"/>
+              </a:ext>
+            </a:extLst>
+          </p:cNvPr>
+          <p:cNvPicPr>
+            <a:picLocks noChangeAspect="1" noChangeArrowheads="1"/>
+          </p:cNvPicPr>
+          <p:nvPr/>
+        </p:nvPicPr>
+        <p:blipFill>
+          <a:blip r:embed="rId7">
+            <a:extLst>
+              <a:ext uri="{28A0092B-C50C-407E-A947-70E740481C1C}">
+                <a14:useLocalDpi xmlns:a14="http://schemas.microsoft.com/office/drawing/2010/main" val="0"/>
+              </a:ext>
+            </a:extLst>
+          </a:blip>
+          <a:stretch>
+            <a:fillRect/>
+          </a:stretch>
+        </p:blipFill>
+        <p:spPr bwMode="auto">
+          <a:xfrm>
+            <a:off x="8669686" y="445920"/>
+            <a:ext cx="3321198" cy="1187328"/>
+          </a:xfrm>
+          <a:prstGeom prst="rect">
+            <a:avLst/>
+          </a:prstGeom>
+          <a:noFill/>
+          <a:extLst>
+            <a:ext uri="{909E8E84-426E-40DD-AFC4-6F175D3DCCD1}">
+              <a14:hiddenFill xmlns:a14="http://schemas.microsoft.com/office/drawing/2010/main">
+                <a:solidFill>
+                  <a:srgbClr val="FFFFFF"/>
+                </a:solidFill>
+              </a14:hiddenFill>
+            </a:ext>
+          </a:extLst>
+        </p:spPr>
+      </p:pic>
+      <p:pic>
+        <p:nvPicPr>
+          <p:cNvPr id="3080" name="Picture 8">
+            <a:extLst>
+              <a:ext uri="{FF2B5EF4-FFF2-40B4-BE49-F238E27FC236}">
+                <a16:creationId xmlns:a16="http://schemas.microsoft.com/office/drawing/2014/main" id="{6C580F6E-4F2D-41A6-9A1D-014D74E24DF6}"/>
+              </a:ext>
+            </a:extLst>
+          </p:cNvPr>
+          <p:cNvPicPr>
+            <a:picLocks noChangeAspect="1" noChangeArrowheads="1"/>
+          </p:cNvPicPr>
+          <p:nvPr/>
+        </p:nvPicPr>
+        <p:blipFill>
+          <a:blip r:embed="rId8">
+            <a:extLst>
+              <a:ext uri="{28A0092B-C50C-407E-A947-70E740481C1C}">
+                <a14:useLocalDpi xmlns:a14="http://schemas.microsoft.com/office/drawing/2010/main" val="0"/>
+              </a:ext>
+            </a:extLst>
+          </a:blip>
+          <a:srcRect/>
+          <a:stretch>
+            <a:fillRect/>
+          </a:stretch>
+        </p:blipFill>
+        <p:spPr bwMode="auto">
+          <a:xfrm>
+            <a:off x="9828194" y="3107531"/>
+            <a:ext cx="1991950" cy="1500187"/>
+          </a:xfrm>
+          <a:prstGeom prst="rect">
+            <a:avLst/>
+          </a:prstGeom>
+          <a:noFill/>
+          <a:extLst>
+            <a:ext uri="{909E8E84-426E-40DD-AFC4-6F175D3DCCD1}">
+              <a14:hiddenFill xmlns:a14="http://schemas.microsoft.com/office/drawing/2010/main">
+                <a:solidFill>
+                  <a:srgbClr val="FFFFFF"/>
+                </a:solidFill>
+              </a14:hiddenFill>
+            </a:ext>
+          </a:extLst>
+        </p:spPr>
+      </p:pic>
+      <p:pic>
+        <p:nvPicPr>
+          <p:cNvPr id="8" name="Image 7">
+            <a:extLst>
+              <a:ext uri="{FF2B5EF4-FFF2-40B4-BE49-F238E27FC236}">
+                <a16:creationId xmlns:a16="http://schemas.microsoft.com/office/drawing/2014/main" id="{BE787DAB-F9CD-4C59-A879-B722F7889DB3}"/>
+              </a:ext>
+            </a:extLst>
+          </p:cNvPr>
+          <p:cNvPicPr>
+            <a:picLocks noChangeAspect="1"/>
+          </p:cNvPicPr>
+          <p:nvPr/>
+        </p:nvPicPr>
+        <p:blipFill>
+          <a:blip r:embed="rId9"/>
+          <a:stretch>
+            <a:fillRect/>
+          </a:stretch>
+        </p:blipFill>
+        <p:spPr>
+          <a:xfrm>
+            <a:off x="8904305" y="5456594"/>
+            <a:ext cx="2178916" cy="429855"/>
+          </a:xfrm>
+          <a:prstGeom prst="rect">
+            <a:avLst/>
+          </a:prstGeom>
+        </p:spPr>
+      </p:pic>
+    </p:spTree>
+    <p:extLst>
+      <p:ext uri="{BB962C8B-B14F-4D97-AF65-F5344CB8AC3E}">
+        <p14:creationId xmlns:p14="http://schemas.microsoft.com/office/powerpoint/2010/main" val="2578367018"/>
+      </p:ext>
+    </p:extLst>
+  </p:cSld>
+  <p:clrMapOvr>
+    <a:masterClrMapping/>
+  </p:clrMapOvr>
+</p:sld>
+</file>
+
+<file path=ppt/slides/slide22.xml><?xml version="1.0" encoding="utf-8"?>
+<p:sld xmlns:a="http://schemas.openxmlformats.org/drawingml/2006/main" xmlns:r="http://schemas.openxmlformats.org/officeDocument/2006/relationships" xmlns:p="http://schemas.openxmlformats.org/presentationml/2006/main">
+  <p:cSld>
+    <p:bg>
+      <p:bgPr>
+        <a:solidFill>
+          <a:schemeClr val="bg2"/>
+        </a:solidFill>
+        <a:effectLst/>
+      </p:bgPr>
+    </p:bg>
+    <p:spTree>
+      <p:nvGrpSpPr>
+        <p:cNvPr id="1" name=""/>
+        <p:cNvGrpSpPr/>
+        <p:nvPr/>
+      </p:nvGrpSpPr>
+      <p:grpSpPr>
+        <a:xfrm>
+          <a:off x="0" y="0"/>
+          <a:ext cx="0" cy="0"/>
+          <a:chOff x="0" y="0"/>
+          <a:chExt cx="0" cy="0"/>
+        </a:xfrm>
+      </p:grpSpPr>
+      <p:sp>
+        <p:nvSpPr>
+          <p:cNvPr id="3083" name="Rectangle 3082">
+            <a:extLst>
+              <a:ext uri="{FF2B5EF4-FFF2-40B4-BE49-F238E27FC236}">
+                <a16:creationId xmlns:a16="http://schemas.microsoft.com/office/drawing/2014/main" id="{69A14AEE-5456-4BDA-84EB-C2C1CEF3856B}"/>
+              </a:ext>
+              <a:ext uri="{C183D7F6-B498-43B3-948B-1728B52AA6E4}">
+                <adec:decorative xmlns:adec="http://schemas.microsoft.com/office/drawing/2017/decorative" val="1"/>
+              </a:ext>
+            </a:extLst>
+          </p:cNvPr>
+          <p:cNvSpPr>
+            <a:spLocks noGrp="1" noRot="1" noChangeAspect="1" noMove="1" noResize="1" noEditPoints="1" noAdjustHandles="1" noChangeArrowheads="1" noChangeShapeType="1" noTextEdit="1"/>
+          </p:cNvSpPr>
+          <p:nvPr>
+            <p:extLst>
+              <p:ext uri="{386F3935-93C4-4BCD-93E2-E3B085C9AB24}">
+                <p16:designElem xmlns:p16="http://schemas.microsoft.com/office/powerpoint/2015/main" val="1"/>
+              </p:ext>
+            </p:extLst>
+          </p:nvPr>
+        </p:nvSpPr>
+        <p:spPr>
+          <a:xfrm>
+            <a:off x="0" y="0"/>
+            <a:ext cx="12191999" cy="6858000"/>
+          </a:xfrm>
+          <a:prstGeom prst="rect">
+            <a:avLst/>
+          </a:prstGeom>
+          <a:solidFill>
+            <a:srgbClr val="FFFFFF"/>
+          </a:solidFill>
+          <a:ln>
+            <a:noFill/>
+          </a:ln>
+        </p:spPr>
+        <p:style>
+          <a:lnRef idx="2">
+            <a:schemeClr val="accent1">
+              <a:shade val="50000"/>
+            </a:schemeClr>
+          </a:lnRef>
+          <a:fillRef idx="1">
+            <a:schemeClr val="accent1"/>
+          </a:fillRef>
+          <a:effectRef idx="0">
+            <a:schemeClr val="accent1"/>
+          </a:effectRef>
+          <a:fontRef idx="minor">
+            <a:schemeClr val="lt1"/>
+          </a:fontRef>
+        </p:style>
+        <p:txBody>
+          <a:bodyPr rtlCol="0" anchor="ctr"/>
+          <a:lstStyle/>
+          <a:p>
+            <a:pPr algn="ctr"/>
+            <a:endParaRPr lang="en-US"/>
+          </a:p>
+        </p:txBody>
+      </p:sp>
+      <p:sp useBgFill="1">
+        <p:nvSpPr>
+          <p:cNvPr id="3085" name="Rectangle 3084">
+            <a:extLst>
+              <a:ext uri="{FF2B5EF4-FFF2-40B4-BE49-F238E27FC236}">
+                <a16:creationId xmlns:a16="http://schemas.microsoft.com/office/drawing/2014/main" id="{A540A024-AD28-484E-B1FF-FD24917262A3}"/>
+              </a:ext>
+              <a:ext uri="{C183D7F6-B498-43B3-948B-1728B52AA6E4}">
+                <adec:decorative xmlns:adec="http://schemas.microsoft.com/office/drawing/2017/decorative" val="1"/>
+              </a:ext>
+            </a:extLst>
+          </p:cNvPr>
+          <p:cNvSpPr>
+            <a:spLocks noGrp="1" noRot="1" noChangeAspect="1" noMove="1" noResize="1" noEditPoints="1" noAdjustHandles="1" noChangeArrowheads="1" noChangeShapeType="1" noTextEdit="1"/>
+          </p:cNvSpPr>
+          <p:nvPr>
+            <p:extLst>
+              <p:ext uri="{386F3935-93C4-4BCD-93E2-E3B085C9AB24}">
+                <p16:designElem xmlns:p16="http://schemas.microsoft.com/office/powerpoint/2015/main" val="1"/>
+              </p:ext>
+            </p:extLst>
+          </p:nvPr>
+        </p:nvSpPr>
+        <p:spPr>
+          <a:xfrm>
+            <a:off x="0" y="0"/>
+            <a:ext cx="7889631" cy="6858000"/>
+          </a:xfrm>
+          <a:prstGeom prst="rect">
+            <a:avLst/>
+          </a:prstGeom>
+          <a:ln>
+            <a:noFill/>
+          </a:ln>
+        </p:spPr>
+        <p:style>
+          <a:lnRef idx="2">
+            <a:schemeClr val="accent1">
+              <a:shade val="50000"/>
+            </a:schemeClr>
+          </a:lnRef>
+          <a:fillRef idx="1">
+            <a:schemeClr val="accent1"/>
+          </a:fillRef>
+          <a:effectRef idx="0">
+            <a:schemeClr val="accent1"/>
+          </a:effectRef>
+          <a:fontRef idx="minor">
+            <a:schemeClr val="lt1"/>
+          </a:fontRef>
+        </p:style>
+        <p:txBody>
+          <a:bodyPr rtlCol="0" anchor="ctr"/>
+          <a:lstStyle/>
+          <a:p>
+            <a:pPr algn="ctr"/>
+            <a:endParaRPr lang="en-US"/>
+          </a:p>
+        </p:txBody>
+      </p:sp>
+      <p:sp>
+        <p:nvSpPr>
+          <p:cNvPr id="2" name="Titre 1">
+            <a:extLst>
+              <a:ext uri="{FF2B5EF4-FFF2-40B4-BE49-F238E27FC236}">
+                <a16:creationId xmlns:a16="http://schemas.microsoft.com/office/drawing/2014/main" id="{D7660F04-0A42-426F-94B1-E33CAE9A3702}"/>
+              </a:ext>
+            </a:extLst>
+          </p:cNvPr>
+          <p:cNvSpPr>
+            <a:spLocks noGrp="1"/>
+          </p:cNvSpPr>
+          <p:nvPr>
+            <p:ph type="title"/>
+          </p:nvPr>
+        </p:nvSpPr>
+        <p:spPr>
+          <a:xfrm>
+            <a:off x="868680" y="642593"/>
+            <a:ext cx="6281928" cy="1744183"/>
+          </a:xfrm>
+        </p:spPr>
+        <p:txBody>
+          <a:bodyPr>
+            <a:normAutofit/>
+          </a:bodyPr>
+          <a:lstStyle/>
+          <a:p>
+            <a:r>
+              <a:rPr lang="fr-FR"/>
+              <a:t>Préprocesseurs</a:t>
+            </a:r>
+            <a:endParaRPr lang="en-US"/>
+          </a:p>
+        </p:txBody>
+      </p:sp>
+      <p:sp>
+        <p:nvSpPr>
+          <p:cNvPr id="3" name="Espace réservé du contenu 2">
+            <a:extLst>
+              <a:ext uri="{FF2B5EF4-FFF2-40B4-BE49-F238E27FC236}">
+                <a16:creationId xmlns:a16="http://schemas.microsoft.com/office/drawing/2014/main" id="{1D85595E-7FCF-4A77-877D-9CE423B3F240}"/>
+              </a:ext>
+            </a:extLst>
+          </p:cNvPr>
+          <p:cNvSpPr>
+            <a:spLocks noGrp="1"/>
+          </p:cNvSpPr>
+          <p:nvPr>
+            <p:ph idx="1"/>
+          </p:nvPr>
+        </p:nvSpPr>
+        <p:spPr>
+          <a:xfrm>
+            <a:off x="868680" y="2386584"/>
+            <a:ext cx="6281928" cy="3648456"/>
+          </a:xfrm>
+        </p:spPr>
+        <p:txBody>
+          <a:bodyPr>
+            <a:normAutofit/>
+          </a:bodyPr>
+          <a:lstStyle/>
+          <a:p>
+            <a:pPr marL="0" indent="0">
+              <a:buNone/>
+            </a:pPr>
+            <a:r>
+              <a:rPr lang="fr-FR"/>
+              <a:t>Syntaxe alternative ou surchouche au langage CSS pour être ensuite compilé en CSS standard</a:t>
             </a:r>
           </a:p>
           <a:p>
@@ -9317,109 +13046,1248 @@
             <a:endParaRPr lang="fr-FR"/>
           </a:p>
           <a:p>
-            <a:pPr lvl="1"/>
-            <a:endParaRPr lang="fr-FR"/>
-          </a:p>
-          <a:p>
-            <a:pPr lvl="1"/>
-            <a:endParaRPr lang="fr-FR"/>
-          </a:p>
+            <a:r>
+              <a:rPr lang="fr-FR">
+                <a:hlinkClick r:id="rId2"/>
+              </a:rPr>
+              <a:t>SASS/SCSS</a:t>
+            </a:r>
+            <a:r>
+              <a:rPr lang="fr-FR"/>
+              <a:t>: le tout en un pensé pour la scalabilité</a:t>
+            </a:r>
+          </a:p>
+          <a:p>
+            <a:r>
+              <a:rPr lang="fr-FR">
+                <a:hlinkClick r:id="rId3"/>
+              </a:rPr>
+              <a:t>Stylus</a:t>
+            </a:r>
+            <a:r>
+              <a:rPr lang="fr-FR"/>
+              <a:t>: la syntaxe alternative la plus synthétique</a:t>
+            </a:r>
+          </a:p>
+          <a:p>
+            <a:r>
+              <a:rPr lang="fr-FR">
+                <a:hlinkClick r:id="rId4"/>
+              </a:rPr>
+              <a:t>PostCSS</a:t>
+            </a:r>
+            <a:r>
+              <a:rPr lang="fr-FR"/>
+              <a:t>: le modulaire avec tout un écosystème de plugins à la carte,</a:t>
+            </a:r>
+          </a:p>
+          <a:p>
+            <a:r>
+              <a:rPr lang="fr-FR">
+                <a:hlinkClick r:id="rId5"/>
+              </a:rPr>
+              <a:t>cssnext</a:t>
+            </a:r>
+            <a:r>
+              <a:rPr lang="fr-FR"/>
+              <a:t>: un plug-in PostCSS pour supporter les dernières nouveautés CSS sur tous les navigateurs</a:t>
+            </a:r>
+          </a:p>
+        </p:txBody>
+      </p:sp>
+      <p:sp>
+        <p:nvSpPr>
+          <p:cNvPr id="3087" name="Rectangle 3086">
+            <a:extLst>
+              <a:ext uri="{FF2B5EF4-FFF2-40B4-BE49-F238E27FC236}">
+                <a16:creationId xmlns:a16="http://schemas.microsoft.com/office/drawing/2014/main" id="{53F8CFFC-2146-4041-A031-78CB3F3B886D}"/>
+              </a:ext>
+              <a:ext uri="{C183D7F6-B498-43B3-948B-1728B52AA6E4}">
+                <adec:decorative xmlns:adec="http://schemas.microsoft.com/office/drawing/2017/decorative" val="1"/>
+              </a:ext>
+            </a:extLst>
+          </p:cNvPr>
+          <p:cNvSpPr>
+            <a:spLocks noGrp="1" noRot="1" noChangeAspect="1" noMove="1" noResize="1" noEditPoints="1" noAdjustHandles="1" noChangeArrowheads="1" noChangeShapeType="1" noTextEdit="1"/>
+          </p:cNvSpPr>
+          <p:nvPr>
+            <p:extLst>
+              <p:ext uri="{386F3935-93C4-4BCD-93E2-E3B085C9AB24}">
+                <p16:designElem xmlns:p16="http://schemas.microsoft.com/office/powerpoint/2015/main" val="1"/>
+              </p:ext>
+            </p:extLst>
+          </p:nvPr>
+        </p:nvSpPr>
+        <p:spPr>
+          <a:xfrm>
+            <a:off x="371856" y="374904"/>
+            <a:ext cx="7142636" cy="6108192"/>
+          </a:xfrm>
+          <a:prstGeom prst="rect">
+            <a:avLst/>
+          </a:prstGeom>
+          <a:noFill/>
+          <a:ln w="6350" cap="sq" cmpd="sng" algn="ctr">
+            <a:solidFill>
+              <a:schemeClr val="tx1">
+                <a:lumMod val="75000"/>
+                <a:lumOff val="25000"/>
+              </a:schemeClr>
+            </a:solidFill>
+            <a:prstDash val="solid"/>
+            <a:miter lim="800000"/>
+          </a:ln>
+          <a:effectLst/>
+        </p:spPr>
+      </p:sp>
+      <p:pic>
+        <p:nvPicPr>
+          <p:cNvPr id="5" name="Image 4">
+            <a:extLst>
+              <a:ext uri="{FF2B5EF4-FFF2-40B4-BE49-F238E27FC236}">
+                <a16:creationId xmlns:a16="http://schemas.microsoft.com/office/drawing/2014/main" id="{84649223-8551-4B0D-9BC7-C29861746980}"/>
+              </a:ext>
+            </a:extLst>
+          </p:cNvPr>
+          <p:cNvPicPr>
+            <a:picLocks noChangeAspect="1"/>
+          </p:cNvPicPr>
+          <p:nvPr/>
+        </p:nvPicPr>
+        <p:blipFill>
+          <a:blip r:embed="rId6"/>
+          <a:stretch>
+            <a:fillRect/>
+          </a:stretch>
+        </p:blipFill>
+        <p:spPr>
+          <a:xfrm>
+            <a:off x="8789383" y="374904"/>
+            <a:ext cx="2438741" cy="1829056"/>
+          </a:xfrm>
+          <a:prstGeom prst="rect">
+            <a:avLst/>
+          </a:prstGeom>
+        </p:spPr>
+      </p:pic>
+      <p:pic>
+        <p:nvPicPr>
+          <p:cNvPr id="6" name="Image 5">
+            <a:extLst>
+              <a:ext uri="{FF2B5EF4-FFF2-40B4-BE49-F238E27FC236}">
+                <a16:creationId xmlns:a16="http://schemas.microsoft.com/office/drawing/2014/main" id="{0A310C98-678E-418D-BF59-CA6482946562}"/>
+              </a:ext>
+            </a:extLst>
+          </p:cNvPr>
+          <p:cNvPicPr>
+            <a:picLocks noChangeAspect="1"/>
+          </p:cNvPicPr>
+          <p:nvPr/>
+        </p:nvPicPr>
+        <p:blipFill>
+          <a:blip r:embed="rId7"/>
+          <a:stretch>
+            <a:fillRect/>
+          </a:stretch>
+        </p:blipFill>
+        <p:spPr>
+          <a:xfrm>
+            <a:off x="8582895" y="5653087"/>
+            <a:ext cx="3237249" cy="900113"/>
+          </a:xfrm>
+          <a:prstGeom prst="rect">
+            <a:avLst/>
+          </a:prstGeom>
+        </p:spPr>
+      </p:pic>
+      <p:pic>
+        <p:nvPicPr>
+          <p:cNvPr id="6148" name="Picture 4">
+            <a:extLst>
+              <a:ext uri="{FF2B5EF4-FFF2-40B4-BE49-F238E27FC236}">
+                <a16:creationId xmlns:a16="http://schemas.microsoft.com/office/drawing/2014/main" id="{B78991B7-0A8B-4716-B54E-B39F118DA8E3}"/>
+              </a:ext>
+            </a:extLst>
+          </p:cNvPr>
+          <p:cNvPicPr>
+            <a:picLocks noChangeAspect="1" noChangeArrowheads="1"/>
+          </p:cNvPicPr>
+          <p:nvPr/>
+        </p:nvPicPr>
+        <p:blipFill>
+          <a:blip r:embed="rId8">
+            <a:extLst>
+              <a:ext uri="{28A0092B-C50C-407E-A947-70E740481C1C}">
+                <a14:useLocalDpi xmlns:a14="http://schemas.microsoft.com/office/drawing/2010/main" val="0"/>
+              </a:ext>
+            </a:extLst>
+          </a:blip>
+          <a:srcRect/>
+          <a:stretch>
+            <a:fillRect/>
+          </a:stretch>
+        </p:blipFill>
+        <p:spPr bwMode="auto">
+          <a:xfrm>
+            <a:off x="8392373" y="4298452"/>
+            <a:ext cx="3357563" cy="1074725"/>
+          </a:xfrm>
+          <a:prstGeom prst="rect">
+            <a:avLst/>
+          </a:prstGeom>
+          <a:noFill/>
+          <a:extLst>
+            <a:ext uri="{909E8E84-426E-40DD-AFC4-6F175D3DCCD1}">
+              <a14:hiddenFill xmlns:a14="http://schemas.microsoft.com/office/drawing/2010/main">
+                <a:solidFill>
+                  <a:srgbClr val="FFFFFF"/>
+                </a:solidFill>
+              </a14:hiddenFill>
+            </a:ext>
+          </a:extLst>
+        </p:spPr>
+      </p:pic>
+      <p:pic>
+        <p:nvPicPr>
+          <p:cNvPr id="9" name="Image 8">
+            <a:extLst>
+              <a:ext uri="{FF2B5EF4-FFF2-40B4-BE49-F238E27FC236}">
+                <a16:creationId xmlns:a16="http://schemas.microsoft.com/office/drawing/2014/main" id="{836AD4B3-2BED-40F6-AB43-E5A8757BC87A}"/>
+              </a:ext>
+            </a:extLst>
+          </p:cNvPr>
+          <p:cNvPicPr>
+            <a:picLocks noChangeAspect="1"/>
+          </p:cNvPicPr>
+          <p:nvPr/>
+        </p:nvPicPr>
+        <p:blipFill>
+          <a:blip r:embed="rId9"/>
+          <a:stretch>
+            <a:fillRect/>
+          </a:stretch>
+        </p:blipFill>
+        <p:spPr>
+          <a:xfrm>
+            <a:off x="8985791" y="2040808"/>
+            <a:ext cx="2045924" cy="1950175"/>
+          </a:xfrm>
+          <a:prstGeom prst="rect">
+            <a:avLst/>
+          </a:prstGeom>
+        </p:spPr>
+      </p:pic>
+    </p:spTree>
+    <p:extLst>
+      <p:ext uri="{BB962C8B-B14F-4D97-AF65-F5344CB8AC3E}">
+        <p14:creationId xmlns:p14="http://schemas.microsoft.com/office/powerpoint/2010/main" val="264307519"/>
+      </p:ext>
+    </p:extLst>
+  </p:cSld>
+  <p:clrMapOvr>
+    <a:masterClrMapping/>
+  </p:clrMapOvr>
+</p:sld>
+</file>
+
+<file path=ppt/slides/slide23.xml><?xml version="1.0" encoding="utf-8"?>
+<p:sld xmlns:a="http://schemas.openxmlformats.org/drawingml/2006/main" xmlns:r="http://schemas.openxmlformats.org/officeDocument/2006/relationships" xmlns:p="http://schemas.openxmlformats.org/presentationml/2006/main">
+  <p:cSld>
+    <p:spTree>
+      <p:nvGrpSpPr>
+        <p:cNvPr id="1" name=""/>
+        <p:cNvGrpSpPr/>
+        <p:nvPr/>
+      </p:nvGrpSpPr>
+      <p:grpSpPr>
+        <a:xfrm>
+          <a:off x="0" y="0"/>
+          <a:ext cx="0" cy="0"/>
+          <a:chOff x="0" y="0"/>
+          <a:chExt cx="0" cy="0"/>
+        </a:xfrm>
+      </p:grpSpPr>
+      <p:sp>
+        <p:nvSpPr>
+          <p:cNvPr id="2" name="Titre 1">
+            <a:extLst>
+              <a:ext uri="{FF2B5EF4-FFF2-40B4-BE49-F238E27FC236}">
+                <a16:creationId xmlns:a16="http://schemas.microsoft.com/office/drawing/2014/main" id="{C7936396-BEC4-4A9F-8052-01BAA180F868}"/>
+              </a:ext>
+            </a:extLst>
+          </p:cNvPr>
+          <p:cNvSpPr>
+            <a:spLocks noGrp="1"/>
+          </p:cNvSpPr>
+          <p:nvPr>
+            <p:ph type="title"/>
+          </p:nvPr>
+        </p:nvSpPr>
+        <p:spPr/>
+        <p:txBody>
+          <a:bodyPr/>
+          <a:lstStyle/>
+          <a:p>
+            <a:r>
+              <a:rPr lang="fr-FR"/>
+              <a:t>CSS in JS</a:t>
+            </a:r>
+            <a:endParaRPr lang="en-US"/>
+          </a:p>
+        </p:txBody>
+      </p:sp>
+      <p:sp>
+        <p:nvSpPr>
+          <p:cNvPr id="3" name="Espace réservé du contenu 2">
+            <a:extLst>
+              <a:ext uri="{FF2B5EF4-FFF2-40B4-BE49-F238E27FC236}">
+                <a16:creationId xmlns:a16="http://schemas.microsoft.com/office/drawing/2014/main" id="{9F8C7BEC-1F67-41EE-8584-134F5D9AFA81}"/>
+              </a:ext>
+            </a:extLst>
+          </p:cNvPr>
+          <p:cNvSpPr>
+            <a:spLocks noGrp="1"/>
+          </p:cNvSpPr>
+          <p:nvPr>
+            <p:ph idx="1"/>
+          </p:nvPr>
+        </p:nvSpPr>
+        <p:spPr/>
+        <p:txBody>
+          <a:bodyPr/>
+          <a:lstStyle/>
+          <a:p>
+            <a:r>
+              <a:rPr lang="fr-FR"/>
+              <a:t>Dans les frameworks JavaScript orientés composants comme Angular, Vue ou React, on souhaite souvent isoler les styles CSS entre les composants.</a:t>
+            </a:r>
+          </a:p>
+          <a:p>
+            <a:r>
+              <a:rPr lang="fr-FR"/>
+              <a:t>Les libs dites "CSS in JS" permettent de décrire les styles CSS d'un composant en JavaScript, en générant à la volée des classes avec un nom unique.</a:t>
+            </a:r>
+            <a:endParaRPr lang="en-US"/>
+          </a:p>
+        </p:txBody>
+      </p:sp>
+      <p:pic>
+        <p:nvPicPr>
+          <p:cNvPr id="4" name="Image 3">
+            <a:extLst>
+              <a:ext uri="{FF2B5EF4-FFF2-40B4-BE49-F238E27FC236}">
+                <a16:creationId xmlns:a16="http://schemas.microsoft.com/office/drawing/2014/main" id="{2851889B-380D-476B-9CF5-644CFA923B8B}"/>
+              </a:ext>
+            </a:extLst>
+          </p:cNvPr>
+          <p:cNvPicPr>
+            <a:picLocks noChangeAspect="1"/>
+          </p:cNvPicPr>
+          <p:nvPr/>
+        </p:nvPicPr>
+        <p:blipFill>
+          <a:blip r:embed="rId2"/>
+          <a:stretch>
+            <a:fillRect/>
+          </a:stretch>
+        </p:blipFill>
+        <p:spPr>
+          <a:xfrm>
+            <a:off x="704850" y="3337751"/>
+            <a:ext cx="5639526" cy="3088312"/>
+          </a:xfrm>
+          <a:prstGeom prst="rect">
+            <a:avLst/>
+          </a:prstGeom>
+        </p:spPr>
+      </p:pic>
+      <p:pic>
+        <p:nvPicPr>
+          <p:cNvPr id="6" name="Image 5">
+            <a:extLst>
+              <a:ext uri="{FF2B5EF4-FFF2-40B4-BE49-F238E27FC236}">
+                <a16:creationId xmlns:a16="http://schemas.microsoft.com/office/drawing/2014/main" id="{3A91AB02-6426-435D-98FF-B6072F4E0E9F}"/>
+              </a:ext>
+            </a:extLst>
+          </p:cNvPr>
+          <p:cNvPicPr>
+            <a:picLocks noChangeAspect="1"/>
+          </p:cNvPicPr>
+          <p:nvPr/>
+        </p:nvPicPr>
+        <p:blipFill>
+          <a:blip r:embed="rId3"/>
+          <a:stretch>
+            <a:fillRect/>
+          </a:stretch>
+        </p:blipFill>
+        <p:spPr>
+          <a:xfrm>
+            <a:off x="7929193" y="3429000"/>
+            <a:ext cx="3196007" cy="2371231"/>
+          </a:xfrm>
+          <a:prstGeom prst="rect">
+            <a:avLst/>
+          </a:prstGeom>
+        </p:spPr>
+      </p:pic>
+      <p:pic>
+        <p:nvPicPr>
+          <p:cNvPr id="7" name="Image 6">
+            <a:extLst>
+              <a:ext uri="{FF2B5EF4-FFF2-40B4-BE49-F238E27FC236}">
+                <a16:creationId xmlns:a16="http://schemas.microsoft.com/office/drawing/2014/main" id="{40A2B8BD-ABCC-40B3-8ABF-497886189BDE}"/>
+              </a:ext>
+            </a:extLst>
+          </p:cNvPr>
+          <p:cNvPicPr>
+            <a:picLocks noChangeAspect="1"/>
+          </p:cNvPicPr>
+          <p:nvPr/>
+        </p:nvPicPr>
+        <p:blipFill>
+          <a:blip r:embed="rId4"/>
+          <a:stretch>
+            <a:fillRect/>
+          </a:stretch>
+        </p:blipFill>
+        <p:spPr>
+          <a:xfrm>
+            <a:off x="7105238" y="4748750"/>
+            <a:ext cx="4658395" cy="1617498"/>
+          </a:xfrm>
+          <a:prstGeom prst="rect">
+            <a:avLst/>
+          </a:prstGeom>
+        </p:spPr>
+      </p:pic>
+      <p:sp>
+        <p:nvSpPr>
+          <p:cNvPr id="8" name="Flèche : droite 7">
+            <a:extLst>
+              <a:ext uri="{FF2B5EF4-FFF2-40B4-BE49-F238E27FC236}">
+                <a16:creationId xmlns:a16="http://schemas.microsoft.com/office/drawing/2014/main" id="{8D7A3CAE-9AF4-4B4E-A280-340D94D2E994}"/>
+              </a:ext>
+            </a:extLst>
+          </p:cNvPr>
+          <p:cNvSpPr/>
+          <p:nvPr/>
+        </p:nvSpPr>
+        <p:spPr>
+          <a:xfrm>
+            <a:off x="6096000" y="4501100"/>
+            <a:ext cx="1447800" cy="823375"/>
+          </a:xfrm>
+          <a:prstGeom prst="rightArrow">
+            <a:avLst/>
+          </a:prstGeom>
+        </p:spPr>
+        <p:style>
+          <a:lnRef idx="2">
+            <a:schemeClr val="accent1">
+              <a:shade val="50000"/>
+            </a:schemeClr>
+          </a:lnRef>
+          <a:fillRef idx="1">
+            <a:schemeClr val="accent1"/>
+          </a:fillRef>
+          <a:effectRef idx="0">
+            <a:schemeClr val="accent1"/>
+          </a:effectRef>
+          <a:fontRef idx="minor">
+            <a:schemeClr val="lt1"/>
+          </a:fontRef>
+        </p:style>
+        <p:txBody>
+          <a:bodyPr rtlCol="0" anchor="ctr"/>
+          <a:lstStyle/>
+          <a:p>
+            <a:pPr algn="ctr"/>
+            <a:endParaRPr lang="en-US"/>
+          </a:p>
+        </p:txBody>
+      </p:sp>
+    </p:spTree>
+    <p:extLst>
+      <p:ext uri="{BB962C8B-B14F-4D97-AF65-F5344CB8AC3E}">
+        <p14:creationId xmlns:p14="http://schemas.microsoft.com/office/powerpoint/2010/main" val="3658700878"/>
+      </p:ext>
+    </p:extLst>
+  </p:cSld>
+  <p:clrMapOvr>
+    <a:masterClrMapping/>
+  </p:clrMapOvr>
+</p:sld>
+</file>
+
+<file path=ppt/slides/slide24.xml><?xml version="1.0" encoding="utf-8"?>
+<p:sld xmlns:a="http://schemas.openxmlformats.org/drawingml/2006/main" xmlns:r="http://schemas.openxmlformats.org/officeDocument/2006/relationships" xmlns:p="http://schemas.openxmlformats.org/presentationml/2006/main">
+  <p:cSld>
+    <p:spTree>
+      <p:nvGrpSpPr>
+        <p:cNvPr id="1" name=""/>
+        <p:cNvGrpSpPr/>
+        <p:nvPr/>
+      </p:nvGrpSpPr>
+      <p:grpSpPr>
+        <a:xfrm>
+          <a:off x="0" y="0"/>
+          <a:ext cx="0" cy="0"/>
+          <a:chOff x="0" y="0"/>
+          <a:chExt cx="0" cy="0"/>
+        </a:xfrm>
+      </p:grpSpPr>
+      <p:sp>
+        <p:nvSpPr>
+          <p:cNvPr id="2" name="Titre 1">
+            <a:extLst>
+              <a:ext uri="{FF2B5EF4-FFF2-40B4-BE49-F238E27FC236}">
+                <a16:creationId xmlns:a16="http://schemas.microsoft.com/office/drawing/2014/main" id="{854FA166-15BE-410D-A85D-383461AA9B10}"/>
+              </a:ext>
+            </a:extLst>
+          </p:cNvPr>
+          <p:cNvSpPr>
+            <a:spLocks noGrp="1"/>
+          </p:cNvSpPr>
+          <p:nvPr>
+            <p:ph type="title"/>
+          </p:nvPr>
+        </p:nvSpPr>
+        <p:spPr/>
+        <p:txBody>
+          <a:bodyPr/>
+          <a:lstStyle/>
+          <a:p>
+            <a:r>
+              <a:rPr lang="fr-FR"/>
+              <a:t>CSS in JS</a:t>
+            </a:r>
+            <a:endParaRPr lang="en-US"/>
+          </a:p>
+        </p:txBody>
+      </p:sp>
+      <p:sp>
+        <p:nvSpPr>
+          <p:cNvPr id="3" name="Espace réservé du texte 2">
+            <a:extLst>
+              <a:ext uri="{FF2B5EF4-FFF2-40B4-BE49-F238E27FC236}">
+                <a16:creationId xmlns:a16="http://schemas.microsoft.com/office/drawing/2014/main" id="{5D0293BB-AEC2-4ADD-968C-A0BB8FE7A7AC}"/>
+              </a:ext>
+            </a:extLst>
+          </p:cNvPr>
+          <p:cNvSpPr>
+            <a:spLocks noGrp="1"/>
+          </p:cNvSpPr>
+          <p:nvPr>
+            <p:ph type="body" idx="1"/>
+          </p:nvPr>
+        </p:nvSpPr>
+        <p:spPr/>
+        <p:txBody>
+          <a:bodyPr/>
+          <a:lstStyle/>
+          <a:p>
+            <a:r>
+              <a:rPr lang="fr-FR"/>
+              <a:t>Avantages</a:t>
+            </a:r>
+            <a:endParaRPr lang="en-US"/>
+          </a:p>
+        </p:txBody>
+      </p:sp>
+      <p:sp>
+        <p:nvSpPr>
+          <p:cNvPr id="4" name="Espace réservé du contenu 3">
+            <a:extLst>
+              <a:ext uri="{FF2B5EF4-FFF2-40B4-BE49-F238E27FC236}">
+                <a16:creationId xmlns:a16="http://schemas.microsoft.com/office/drawing/2014/main" id="{CF6BE90E-E0F9-4035-881D-6F404F1924DB}"/>
+              </a:ext>
+            </a:extLst>
+          </p:cNvPr>
+          <p:cNvSpPr>
+            <a:spLocks noGrp="1"/>
+          </p:cNvSpPr>
+          <p:nvPr>
+            <p:ph sz="half" idx="2"/>
+          </p:nvPr>
+        </p:nvSpPr>
+        <p:spPr/>
+        <p:txBody>
+          <a:bodyPr/>
+          <a:lstStyle/>
+          <a:p>
+            <a:r>
+              <a:rPr lang="fr-FR"/>
+              <a:t>la promesse d'isoler complètement les styles entre composants</a:t>
+            </a:r>
+          </a:p>
+          <a:p>
+            <a:r>
+              <a:rPr lang="fr-FR"/>
+              <a:t>moins de dead code, car plus de proximité entre le CSS et le HTML</a:t>
+            </a:r>
+          </a:p>
+          <a:p>
+            <a:r>
+              <a:rPr lang="fr-FR"/>
+              <a:t>la puissance de JavaScript pour manipuler les styles: variables, conditions, boucles, fonctions etc.</a:t>
+            </a:r>
+          </a:p>
+          <a:p>
+            <a:endParaRPr lang="en-US"/>
+          </a:p>
+        </p:txBody>
+      </p:sp>
+      <p:sp>
+        <p:nvSpPr>
+          <p:cNvPr id="5" name="Espace réservé du texte 4">
+            <a:extLst>
+              <a:ext uri="{FF2B5EF4-FFF2-40B4-BE49-F238E27FC236}">
+                <a16:creationId xmlns:a16="http://schemas.microsoft.com/office/drawing/2014/main" id="{74079333-8D0A-413F-BBFA-62563FC81951}"/>
+              </a:ext>
+            </a:extLst>
+          </p:cNvPr>
+          <p:cNvSpPr>
+            <a:spLocks noGrp="1"/>
+          </p:cNvSpPr>
+          <p:nvPr>
+            <p:ph type="body" sz="quarter" idx="3"/>
+          </p:nvPr>
+        </p:nvSpPr>
+        <p:spPr/>
+        <p:txBody>
+          <a:bodyPr/>
+          <a:lstStyle/>
+          <a:p>
+            <a:r>
+              <a:rPr lang="fr-FR"/>
+              <a:t>Inconvénients</a:t>
+            </a:r>
+            <a:endParaRPr lang="en-US"/>
+          </a:p>
+        </p:txBody>
+      </p:sp>
+      <p:sp>
+        <p:nvSpPr>
+          <p:cNvPr id="6" name="Espace réservé du contenu 5">
+            <a:extLst>
+              <a:ext uri="{FF2B5EF4-FFF2-40B4-BE49-F238E27FC236}">
+                <a16:creationId xmlns:a16="http://schemas.microsoft.com/office/drawing/2014/main" id="{3C2D3573-E3C3-4802-9255-5EAB5F88F2DA}"/>
+              </a:ext>
+            </a:extLst>
+          </p:cNvPr>
+          <p:cNvSpPr>
+            <a:spLocks noGrp="1"/>
+          </p:cNvSpPr>
+          <p:nvPr>
+            <p:ph sz="quarter" idx="4"/>
+          </p:nvPr>
+        </p:nvSpPr>
+        <p:spPr/>
+        <p:txBody>
+          <a:bodyPr/>
+          <a:lstStyle/>
+          <a:p>
+            <a:r>
+              <a:rPr lang="fr-FR"/>
+              <a:t>une couche de complexité supplémentaire qui peut manquer</a:t>
+            </a:r>
+            <a:r>
+              <a:rPr lang="en-US"/>
+              <a:t> de lisibilité et nécessite une courbe d'apprentissage</a:t>
+            </a:r>
+          </a:p>
+          <a:p>
+            <a:r>
+              <a:rPr lang="en-US"/>
+              <a:t>n'exploite plus du tout la spécificité et la cascade en CSS, remplacée par la logique de composition en JS</a:t>
+            </a:r>
+          </a:p>
+          <a:p>
+            <a:r>
+              <a:rPr lang="en-US"/>
+              <a:t>beaucoup trop de libs différentes et un manque de standardisation</a:t>
+            </a:r>
+          </a:p>
+        </p:txBody>
+      </p:sp>
+      <p:pic>
+        <p:nvPicPr>
+          <p:cNvPr id="8" name="Graphique 7" descr="Balance de la justice">
+            <a:extLst>
+              <a:ext uri="{FF2B5EF4-FFF2-40B4-BE49-F238E27FC236}">
+                <a16:creationId xmlns:a16="http://schemas.microsoft.com/office/drawing/2014/main" id="{4AD7C6FC-4566-4D5B-B1A5-946AFC273678}"/>
+              </a:ext>
+            </a:extLst>
+          </p:cNvPr>
+          <p:cNvPicPr>
+            <a:picLocks noChangeAspect="1"/>
+          </p:cNvPicPr>
+          <p:nvPr/>
+        </p:nvPicPr>
+        <p:blipFill>
+          <a:blip r:embed="rId2">
+            <a:extLst>
+              <a:ext uri="{28A0092B-C50C-407E-A947-70E740481C1C}">
+                <a14:useLocalDpi xmlns:a14="http://schemas.microsoft.com/office/drawing/2010/main" val="0"/>
+              </a:ext>
+              <a:ext uri="{96DAC541-7B7A-43D3-8B79-37D633B846F1}">
+                <asvg:svgBlip xmlns:asvg="http://schemas.microsoft.com/office/drawing/2016/SVG/main" r:embed="rId3"/>
+              </a:ext>
+            </a:extLst>
+          </a:blip>
+          <a:stretch>
+            <a:fillRect/>
+          </a:stretch>
+        </p:blipFill>
+        <p:spPr>
+          <a:xfrm>
+            <a:off x="5641848" y="1174835"/>
+            <a:ext cx="914400" cy="914400"/>
+          </a:xfrm>
+          <a:prstGeom prst="rect">
+            <a:avLst/>
+          </a:prstGeom>
+        </p:spPr>
+      </p:pic>
+      <p:sp>
+        <p:nvSpPr>
+          <p:cNvPr id="9" name="ZoneTexte 8">
+            <a:hlinkClick r:id="rId4"/>
+            <a:extLst>
+              <a:ext uri="{FF2B5EF4-FFF2-40B4-BE49-F238E27FC236}">
+                <a16:creationId xmlns:a16="http://schemas.microsoft.com/office/drawing/2014/main" id="{14A11F12-15E4-49B1-9F9A-2CD21BE7C9F8}"/>
+              </a:ext>
+            </a:extLst>
+          </p:cNvPr>
+          <p:cNvSpPr txBox="1"/>
+          <p:nvPr/>
+        </p:nvSpPr>
+        <p:spPr>
+          <a:xfrm>
+            <a:off x="1063752" y="5956298"/>
+            <a:ext cx="3632726" cy="369332"/>
+          </a:xfrm>
+          <a:prstGeom prst="rect">
+            <a:avLst/>
+          </a:prstGeom>
+          <a:noFill/>
+        </p:spPr>
+        <p:txBody>
+          <a:bodyPr wrap="none" rtlCol="0">
+            <a:spAutoFit/>
+          </a:bodyPr>
+          <a:lstStyle/>
+          <a:p>
+            <a:r>
+              <a:rPr lang="fr-FR">
+                <a:hlinkClick r:id="rId4"/>
+              </a:rPr>
+              <a:t>Liste de bibliothèques CSS in JS</a:t>
+            </a:r>
+            <a:endParaRPr lang="en-US"/>
+          </a:p>
+        </p:txBody>
+      </p:sp>
+    </p:spTree>
+    <p:extLst>
+      <p:ext uri="{BB962C8B-B14F-4D97-AF65-F5344CB8AC3E}">
+        <p14:creationId xmlns:p14="http://schemas.microsoft.com/office/powerpoint/2010/main" val="841665198"/>
+      </p:ext>
+    </p:extLst>
+  </p:cSld>
+  <p:clrMapOvr>
+    <a:masterClrMapping/>
+  </p:clrMapOvr>
+</p:sld>
+</file>
+
+<file path=ppt/slides/slide25.xml><?xml version="1.0" encoding="utf-8"?>
+<p:sld xmlns:a="http://schemas.openxmlformats.org/drawingml/2006/main" xmlns:r="http://schemas.openxmlformats.org/officeDocument/2006/relationships" xmlns:p="http://schemas.openxmlformats.org/presentationml/2006/main">
+  <p:cSld>
+    <p:spTree>
+      <p:nvGrpSpPr>
+        <p:cNvPr id="1" name=""/>
+        <p:cNvGrpSpPr/>
+        <p:nvPr/>
+      </p:nvGrpSpPr>
+      <p:grpSpPr>
+        <a:xfrm>
+          <a:off x="0" y="0"/>
+          <a:ext cx="0" cy="0"/>
+          <a:chOff x="0" y="0"/>
+          <a:chExt cx="0" cy="0"/>
+        </a:xfrm>
+      </p:grpSpPr>
+      <p:sp>
+        <p:nvSpPr>
+          <p:cNvPr id="2" name="Titre 1">
+            <a:extLst>
+              <a:ext uri="{FF2B5EF4-FFF2-40B4-BE49-F238E27FC236}">
+                <a16:creationId xmlns:a16="http://schemas.microsoft.com/office/drawing/2014/main" id="{D935F37D-034F-418D-A190-0D19A810E64F}"/>
+              </a:ext>
+            </a:extLst>
+          </p:cNvPr>
+          <p:cNvSpPr>
+            <a:spLocks noGrp="1"/>
+          </p:cNvSpPr>
+          <p:nvPr>
+            <p:ph type="title"/>
+          </p:nvPr>
+        </p:nvSpPr>
+        <p:spPr/>
+        <p:txBody>
+          <a:bodyPr/>
+          <a:lstStyle/>
+          <a:p>
+            <a:r>
+              <a:rPr lang="fr-FR"/>
+              <a:t>CSS dans les frameworks JS</a:t>
+            </a:r>
+            <a:endParaRPr lang="en-US"/>
+          </a:p>
+        </p:txBody>
+      </p:sp>
+      <p:sp>
+        <p:nvSpPr>
+          <p:cNvPr id="3" name="Espace réservé du texte 2">
+            <a:extLst>
+              <a:ext uri="{FF2B5EF4-FFF2-40B4-BE49-F238E27FC236}">
+                <a16:creationId xmlns:a16="http://schemas.microsoft.com/office/drawing/2014/main" id="{E73EEEBB-0B3D-4E7A-A176-1ED0D5BAB6E6}"/>
+              </a:ext>
+            </a:extLst>
+          </p:cNvPr>
+          <p:cNvSpPr>
+            <a:spLocks noGrp="1"/>
+          </p:cNvSpPr>
+          <p:nvPr>
+            <p:ph type="body" idx="1"/>
+          </p:nvPr>
+        </p:nvSpPr>
+        <p:spPr/>
+        <p:txBody>
+          <a:bodyPr/>
+          <a:lstStyle/>
+          <a:p>
+            <a:r>
+              <a:rPr lang="fr-FR"/>
+              <a:t>Angular</a:t>
+            </a:r>
+            <a:endParaRPr lang="en-US"/>
+          </a:p>
+        </p:txBody>
+      </p:sp>
+      <p:sp>
+        <p:nvSpPr>
+          <p:cNvPr id="5" name="Espace réservé du texte 4">
+            <a:extLst>
+              <a:ext uri="{FF2B5EF4-FFF2-40B4-BE49-F238E27FC236}">
+                <a16:creationId xmlns:a16="http://schemas.microsoft.com/office/drawing/2014/main" id="{66828B91-54BB-45F2-B4FB-734886545675}"/>
+              </a:ext>
+            </a:extLst>
+          </p:cNvPr>
+          <p:cNvSpPr>
+            <a:spLocks noGrp="1"/>
+          </p:cNvSpPr>
+          <p:nvPr>
+            <p:ph type="body" sz="quarter" idx="3"/>
+          </p:nvPr>
+        </p:nvSpPr>
+        <p:spPr/>
+        <p:txBody>
+          <a:bodyPr/>
+          <a:lstStyle/>
+          <a:p>
+            <a:r>
+              <a:rPr lang="fr-FR"/>
+              <a:t>Vue.js</a:t>
+            </a:r>
+            <a:endParaRPr lang="en-US"/>
+          </a:p>
+        </p:txBody>
+      </p:sp>
+      <p:pic>
+        <p:nvPicPr>
+          <p:cNvPr id="8194" name="Picture 2" descr="The State of CSS in Angular. Styling applications is a critical part… | by  Stephen Fluin | Angular Blog">
+            <a:extLst>
+              <a:ext uri="{FF2B5EF4-FFF2-40B4-BE49-F238E27FC236}">
+                <a16:creationId xmlns:a16="http://schemas.microsoft.com/office/drawing/2014/main" id="{A2E6AD5B-8E5C-4DDB-9614-70E244C693D4}"/>
+              </a:ext>
+            </a:extLst>
+          </p:cNvPr>
+          <p:cNvPicPr>
+            <a:picLocks noChangeAspect="1" noChangeArrowheads="1"/>
+          </p:cNvPicPr>
+          <p:nvPr/>
+        </p:nvPicPr>
+        <p:blipFill>
+          <a:blip r:embed="rId2">
+            <a:extLst>
+              <a:ext uri="{28A0092B-C50C-407E-A947-70E740481C1C}">
+                <a14:useLocalDpi xmlns:a14="http://schemas.microsoft.com/office/drawing/2010/main" val="0"/>
+              </a:ext>
+            </a:extLst>
+          </a:blip>
+          <a:srcRect/>
+          <a:stretch>
+            <a:fillRect/>
+          </a:stretch>
+        </p:blipFill>
+        <p:spPr bwMode="auto">
+          <a:xfrm>
+            <a:off x="723899" y="2905667"/>
+            <a:ext cx="5867400" cy="1647150"/>
+          </a:xfrm>
+          <a:prstGeom prst="rect">
+            <a:avLst/>
+          </a:prstGeom>
+          <a:noFill/>
+          <a:extLst>
+            <a:ext uri="{909E8E84-426E-40DD-AFC4-6F175D3DCCD1}">
+              <a14:hiddenFill xmlns:a14="http://schemas.microsoft.com/office/drawing/2010/main">
+                <a:solidFill>
+                  <a:srgbClr val="FFFFFF"/>
+                </a:solidFill>
+              </a14:hiddenFill>
+            </a:ext>
+          </a:extLst>
+        </p:spPr>
+      </p:pic>
+      <p:sp>
+        <p:nvSpPr>
+          <p:cNvPr id="7" name="Flèche : droite 6">
+            <a:extLst>
+              <a:ext uri="{FF2B5EF4-FFF2-40B4-BE49-F238E27FC236}">
+                <a16:creationId xmlns:a16="http://schemas.microsoft.com/office/drawing/2014/main" id="{EF1975A0-D6CE-48FD-B7AC-E80B45F9CF73}"/>
+              </a:ext>
+            </a:extLst>
+          </p:cNvPr>
+          <p:cNvSpPr/>
+          <p:nvPr/>
+        </p:nvSpPr>
+        <p:spPr>
+          <a:xfrm rot="10800000">
+            <a:off x="3657600" y="3848100"/>
+            <a:ext cx="657225" cy="161925"/>
+          </a:xfrm>
+          <a:prstGeom prst="rightArrow">
+            <a:avLst/>
+          </a:prstGeom>
+        </p:spPr>
+        <p:style>
+          <a:lnRef idx="2">
+            <a:schemeClr val="accent1">
+              <a:shade val="50000"/>
+            </a:schemeClr>
+          </a:lnRef>
+          <a:fillRef idx="1">
+            <a:schemeClr val="accent1"/>
+          </a:fillRef>
+          <a:effectRef idx="0">
+            <a:schemeClr val="accent1"/>
+          </a:effectRef>
+          <a:fontRef idx="minor">
+            <a:schemeClr val="lt1"/>
+          </a:fontRef>
+        </p:style>
+        <p:txBody>
+          <a:bodyPr rtlCol="0" anchor="ctr"/>
+          <a:lstStyle/>
+          <a:p>
+            <a:pPr algn="ctr"/>
+            <a:endParaRPr lang="en-US"/>
+          </a:p>
+        </p:txBody>
+      </p:sp>
+      <p:sp>
+        <p:nvSpPr>
+          <p:cNvPr id="8" name="ZoneTexte 7">
+            <a:extLst>
+              <a:ext uri="{FF2B5EF4-FFF2-40B4-BE49-F238E27FC236}">
+                <a16:creationId xmlns:a16="http://schemas.microsoft.com/office/drawing/2014/main" id="{A225ED07-E764-4071-821B-C950E05D22CA}"/>
+              </a:ext>
+            </a:extLst>
+          </p:cNvPr>
+          <p:cNvSpPr txBox="1"/>
+          <p:nvPr/>
+        </p:nvSpPr>
+        <p:spPr>
+          <a:xfrm>
+            <a:off x="1066800" y="4794725"/>
+            <a:ext cx="9944100" cy="646331"/>
+          </a:xfrm>
+          <a:prstGeom prst="rect">
+            <a:avLst/>
+          </a:prstGeom>
+          <a:noFill/>
+        </p:spPr>
+        <p:txBody>
+          <a:bodyPr wrap="square" rtlCol="0">
+            <a:spAutoFit/>
+          </a:bodyPr>
+          <a:lstStyle/>
+          <a:p>
+            <a:r>
+              <a:rPr lang="fr-FR"/>
+              <a:t>Les styles sont scopés par composant: </a:t>
+            </a:r>
+            <a:br>
+              <a:rPr lang="fr-FR"/>
+            </a:br>
+            <a:r>
+              <a:rPr lang="fr-FR"/>
+              <a:t>le framework génère et ajoute une classe unique devant chaque sélecteur</a:t>
+            </a:r>
+            <a:endParaRPr lang="en-US"/>
+          </a:p>
+        </p:txBody>
+      </p:sp>
+      <p:pic>
+        <p:nvPicPr>
+          <p:cNvPr id="9" name="Image 8">
+            <a:extLst>
+              <a:ext uri="{FF2B5EF4-FFF2-40B4-BE49-F238E27FC236}">
+                <a16:creationId xmlns:a16="http://schemas.microsoft.com/office/drawing/2014/main" id="{138A43E8-2CAE-48FC-A7A3-DC777E75A0DD}"/>
+              </a:ext>
+            </a:extLst>
+          </p:cNvPr>
+          <p:cNvPicPr>
+            <a:picLocks noChangeAspect="1"/>
+          </p:cNvPicPr>
+          <p:nvPr/>
+        </p:nvPicPr>
+        <p:blipFill>
+          <a:blip r:embed="rId3"/>
+          <a:stretch>
+            <a:fillRect/>
+          </a:stretch>
+        </p:blipFill>
+        <p:spPr>
+          <a:xfrm>
+            <a:off x="6631917" y="2782963"/>
+            <a:ext cx="2569694" cy="1927271"/>
+          </a:xfrm>
+          <a:prstGeom prst="rect">
+            <a:avLst/>
+          </a:prstGeom>
+        </p:spPr>
+      </p:pic>
+      <p:pic>
+        <p:nvPicPr>
+          <p:cNvPr id="10" name="Image 9">
+            <a:extLst>
+              <a:ext uri="{FF2B5EF4-FFF2-40B4-BE49-F238E27FC236}">
+                <a16:creationId xmlns:a16="http://schemas.microsoft.com/office/drawing/2014/main" id="{AD61DA10-622A-4047-B933-1B349AA7972F}"/>
+              </a:ext>
+            </a:extLst>
+          </p:cNvPr>
+          <p:cNvPicPr>
+            <a:picLocks noChangeAspect="1"/>
+          </p:cNvPicPr>
+          <p:nvPr/>
+        </p:nvPicPr>
+        <p:blipFill rotWithShape="1">
+          <a:blip r:embed="rId4"/>
+          <a:srcRect r="27336"/>
+          <a:stretch/>
+        </p:blipFill>
+        <p:spPr>
+          <a:xfrm>
+            <a:off x="9301048" y="2865862"/>
+            <a:ext cx="2479825" cy="1887888"/>
+          </a:xfrm>
+          <a:prstGeom prst="rect">
+            <a:avLst/>
+          </a:prstGeom>
+        </p:spPr>
+      </p:pic>
+      <p:sp>
+        <p:nvSpPr>
+          <p:cNvPr id="12" name="Flèche : droite 11">
+            <a:extLst>
+              <a:ext uri="{FF2B5EF4-FFF2-40B4-BE49-F238E27FC236}">
+                <a16:creationId xmlns:a16="http://schemas.microsoft.com/office/drawing/2014/main" id="{486CEA42-5C18-41A5-9C35-E4660A77BEB4}"/>
+              </a:ext>
+            </a:extLst>
+          </p:cNvPr>
+          <p:cNvSpPr/>
+          <p:nvPr/>
+        </p:nvSpPr>
+        <p:spPr>
+          <a:xfrm>
+            <a:off x="8750808" y="3348037"/>
+            <a:ext cx="657225" cy="161925"/>
+          </a:xfrm>
+          <a:prstGeom prst="rightArrow">
+            <a:avLst/>
+          </a:prstGeom>
+        </p:spPr>
+        <p:style>
+          <a:lnRef idx="2">
+            <a:schemeClr val="accent1">
+              <a:shade val="50000"/>
+            </a:schemeClr>
+          </a:lnRef>
+          <a:fillRef idx="1">
+            <a:schemeClr val="accent1"/>
+          </a:fillRef>
+          <a:effectRef idx="0">
+            <a:schemeClr val="accent1"/>
+          </a:effectRef>
+          <a:fontRef idx="minor">
+            <a:schemeClr val="lt1"/>
+          </a:fontRef>
+        </p:style>
+        <p:txBody>
+          <a:bodyPr rtlCol="0" anchor="ctr"/>
+          <a:lstStyle/>
+          <a:p>
+            <a:pPr algn="ctr"/>
+            <a:endParaRPr lang="en-US"/>
+          </a:p>
+        </p:txBody>
+      </p:sp>
+      <p:pic>
+        <p:nvPicPr>
+          <p:cNvPr id="8196" name="Picture 4">
+            <a:extLst>
+              <a:ext uri="{FF2B5EF4-FFF2-40B4-BE49-F238E27FC236}">
+                <a16:creationId xmlns:a16="http://schemas.microsoft.com/office/drawing/2014/main" id="{5F47FB55-BB6D-4C8F-8B4D-47C5A82FC8FF}"/>
+              </a:ext>
+            </a:extLst>
+          </p:cNvPr>
+          <p:cNvPicPr>
+            <a:picLocks noChangeAspect="1" noChangeArrowheads="1"/>
+          </p:cNvPicPr>
+          <p:nvPr/>
+        </p:nvPicPr>
+        <p:blipFill>
+          <a:blip r:embed="rId5">
+            <a:extLst>
+              <a:ext uri="{28A0092B-C50C-407E-A947-70E740481C1C}">
+                <a14:useLocalDpi xmlns:a14="http://schemas.microsoft.com/office/drawing/2010/main" val="0"/>
+              </a:ext>
+            </a:extLst>
+          </a:blip>
+          <a:srcRect/>
+          <a:stretch>
+            <a:fillRect/>
+          </a:stretch>
+        </p:blipFill>
+        <p:spPr bwMode="auto">
+          <a:xfrm>
+            <a:off x="1960780" y="1889751"/>
+            <a:ext cx="953869" cy="953869"/>
+          </a:xfrm>
+          <a:prstGeom prst="rect">
+            <a:avLst/>
+          </a:prstGeom>
+          <a:noFill/>
+          <a:extLst>
+            <a:ext uri="{909E8E84-426E-40DD-AFC4-6F175D3DCCD1}">
+              <a14:hiddenFill xmlns:a14="http://schemas.microsoft.com/office/drawing/2010/main">
+                <a:solidFill>
+                  <a:srgbClr val="FFFFFF"/>
+                </a:solidFill>
+              </a14:hiddenFill>
+            </a:ext>
+          </a:extLst>
+        </p:spPr>
+      </p:pic>
+      <p:pic>
+        <p:nvPicPr>
+          <p:cNvPr id="8198" name="Picture 6">
+            <a:extLst>
+              <a:ext uri="{FF2B5EF4-FFF2-40B4-BE49-F238E27FC236}">
+                <a16:creationId xmlns:a16="http://schemas.microsoft.com/office/drawing/2014/main" id="{47A7244A-7808-4AA5-B315-38EB4AD67EA2}"/>
+              </a:ext>
+            </a:extLst>
+          </p:cNvPr>
+          <p:cNvPicPr>
+            <a:picLocks noChangeAspect="1" noChangeArrowheads="1"/>
+          </p:cNvPicPr>
+          <p:nvPr/>
+        </p:nvPicPr>
+        <p:blipFill>
+          <a:blip r:embed="rId6">
+            <a:extLst>
+              <a:ext uri="{28A0092B-C50C-407E-A947-70E740481C1C}">
+                <a14:useLocalDpi xmlns:a14="http://schemas.microsoft.com/office/drawing/2010/main" val="0"/>
+              </a:ext>
+            </a:extLst>
+          </a:blip>
+          <a:srcRect/>
+          <a:stretch>
+            <a:fillRect/>
+          </a:stretch>
+        </p:blipFill>
+        <p:spPr bwMode="auto">
+          <a:xfrm>
+            <a:off x="7386523" y="2063596"/>
+            <a:ext cx="751002" cy="650818"/>
+          </a:xfrm>
+          <a:prstGeom prst="rect">
+            <a:avLst/>
+          </a:prstGeom>
+          <a:noFill/>
+          <a:extLst>
+            <a:ext uri="{909E8E84-426E-40DD-AFC4-6F175D3DCCD1}">
+              <a14:hiddenFill xmlns:a14="http://schemas.microsoft.com/office/drawing/2010/main">
+                <a:solidFill>
+                  <a:srgbClr val="FFFFFF"/>
+                </a:solidFill>
+              </a14:hiddenFill>
+            </a:ext>
+          </a:extLst>
+        </p:spPr>
+      </p:pic>
+      <p:sp>
+        <p:nvSpPr>
+          <p:cNvPr id="15" name="ZoneTexte 14">
+            <a:extLst>
+              <a:ext uri="{FF2B5EF4-FFF2-40B4-BE49-F238E27FC236}">
+                <a16:creationId xmlns:a16="http://schemas.microsoft.com/office/drawing/2014/main" id="{274E3959-510C-445D-92F1-21A6B2727715}"/>
+              </a:ext>
+            </a:extLst>
+          </p:cNvPr>
+          <p:cNvSpPr txBox="1"/>
+          <p:nvPr/>
+        </p:nvSpPr>
+        <p:spPr>
+          <a:xfrm>
+            <a:off x="2784945" y="5576848"/>
+            <a:ext cx="8422105" cy="646331"/>
+          </a:xfrm>
+          <a:prstGeom prst="rect">
+            <a:avLst/>
+          </a:prstGeom>
+        </p:spPr>
+        <p:style>
+          <a:lnRef idx="0">
+            <a:schemeClr val="accent1"/>
+          </a:lnRef>
+          <a:fillRef idx="3">
+            <a:schemeClr val="accent1"/>
+          </a:fillRef>
+          <a:effectRef idx="3">
+            <a:schemeClr val="accent1"/>
+          </a:effectRef>
+          <a:fontRef idx="minor">
+            <a:schemeClr val="lt1"/>
+          </a:fontRef>
+        </p:style>
+        <p:txBody>
+          <a:bodyPr wrap="square" rtlCol="0">
+            <a:spAutoFit/>
+          </a:bodyPr>
+          <a:lstStyle/>
           <a:p>
             <a:pPr marL="274320" lvl="1" indent="0">
               <a:buNone/>
             </a:pPr>
-            <a:endParaRPr lang="fr-FR"/>
-          </a:p>
-          <a:p>
-            <a:pPr marL="274320" lvl="1" indent="0">
-              <a:buNone/>
-            </a:pPr>
-            <a:endParaRPr lang="fr-FR"/>
-          </a:p>
-          <a:p>
-            <a:r>
-              <a:rPr lang="fr-FR"/>
-              <a:t>Fonctionnalités</a:t>
-            </a:r>
-          </a:p>
-          <a:p>
-            <a:pPr lvl="1"/>
-            <a:r>
-              <a:rPr lang="fr-FR"/>
-              <a:t>Typographie</a:t>
-            </a:r>
-          </a:p>
-          <a:p>
-            <a:pPr lvl="1"/>
-            <a:r>
-              <a:rPr lang="fr-FR"/>
-              <a:t>Backgrounds &amp; Images</a:t>
-            </a:r>
-          </a:p>
-          <a:p>
-            <a:pPr lvl="1"/>
-            <a:r>
-              <a:rPr lang="fr-FR"/>
-              <a:t>Animations &amp; </a:t>
-            </a:r>
-            <a:r>
-              <a:rPr lang="fr-FR" err="1"/>
-              <a:t>Transforms</a:t>
-            </a:r>
-            <a:endParaRPr lang="fr-FR"/>
-          </a:p>
-          <a:p>
-            <a:pPr lvl="1"/>
-            <a:r>
-              <a:rPr lang="fr-FR"/>
-              <a:t>Interactions</a:t>
-            </a:r>
-          </a:p>
-          <a:p>
-            <a:pPr marL="274320" lvl="1" indent="0">
-              <a:buNone/>
-            </a:pPr>
-            <a:endParaRPr lang="fr-FR"/>
-          </a:p>
-          <a:p>
-            <a:r>
-              <a:rPr lang="fr-FR"/>
-              <a:t>Outillage</a:t>
-            </a:r>
-          </a:p>
-          <a:p>
-            <a:pPr lvl="1"/>
-            <a:r>
-              <a:rPr lang="fr-FR"/>
-              <a:t>Utilitaires</a:t>
-            </a:r>
-          </a:p>
-          <a:p>
-            <a:pPr lvl="1"/>
-            <a:r>
-              <a:rPr lang="fr-FR"/>
-              <a:t>Processeurs</a:t>
-            </a:r>
-          </a:p>
-          <a:p>
-            <a:pPr lvl="1"/>
-            <a:r>
-              <a:rPr lang="fr-FR"/>
-              <a:t>Modules CSS</a:t>
-            </a:r>
-          </a:p>
-          <a:p>
-            <a:pPr lvl="1"/>
-            <a:r>
-              <a:rPr lang="fr-FR"/>
-              <a:t>CSS in JS</a:t>
-            </a:r>
-          </a:p>
-          <a:p>
-            <a:pPr lvl="1"/>
-            <a:r>
-              <a:rPr lang="fr-FR"/>
-              <a:t>Devtools</a:t>
+            <a:r>
+              <a:rPr lang="en-US" b="1"/>
+              <a:t>Cela ne rend pas caduc les feuilles de styles globales, qui permettent d'avoir un style homogène et d'éviter la duplication de code</a:t>
             </a:r>
           </a:p>
         </p:txBody>
@@ -9427,7 +14295,238 @@
     </p:spTree>
     <p:extLst>
       <p:ext uri="{BB962C8B-B14F-4D97-AF65-F5344CB8AC3E}">
-        <p14:creationId xmlns:p14="http://schemas.microsoft.com/office/powerpoint/2010/main" val="817540399"/>
+        <p14:creationId xmlns:p14="http://schemas.microsoft.com/office/powerpoint/2010/main" val="1672337531"/>
+      </p:ext>
+    </p:extLst>
+  </p:cSld>
+  <p:clrMapOvr>
+    <a:masterClrMapping/>
+  </p:clrMapOvr>
+  <p:timing>
+    <p:tnLst>
+      <p:par>
+        <p:cTn id="1" dur="indefinite" restart="never" nodeType="tmRoot">
+          <p:childTnLst>
+            <p:seq concurrent="1" nextAc="seek">
+              <p:cTn id="2" dur="indefinite" nodeType="mainSeq">
+                <p:childTnLst>
+                  <p:par>
+                    <p:cTn id="3" fill="hold">
+                      <p:stCondLst>
+                        <p:cond delay="indefinite"/>
+                      </p:stCondLst>
+                      <p:childTnLst>
+                        <p:par>
+                          <p:cTn id="4" fill="hold">
+                            <p:stCondLst>
+                              <p:cond delay="0"/>
+                            </p:stCondLst>
+                            <p:childTnLst>
+                              <p:par>
+                                <p:cTn id="5" presetID="2" presetClass="entr" presetSubtype="4" fill="hold" grpId="0" nodeType="clickEffect">
+                                  <p:stCondLst>
+                                    <p:cond delay="0"/>
+                                  </p:stCondLst>
+                                  <p:childTnLst>
+                                    <p:set>
+                                      <p:cBhvr>
+                                        <p:cTn id="6" dur="1" fill="hold">
+                                          <p:stCondLst>
+                                            <p:cond delay="0"/>
+                                          </p:stCondLst>
+                                        </p:cTn>
+                                        <p:tgtEl>
+                                          <p:spTgt spid="15"/>
+                                        </p:tgtEl>
+                                        <p:attrNameLst>
+                                          <p:attrName>style.visibility</p:attrName>
+                                        </p:attrNameLst>
+                                      </p:cBhvr>
+                                      <p:to>
+                                        <p:strVal val="visible"/>
+                                      </p:to>
+                                    </p:set>
+                                    <p:anim calcmode="lin" valueType="num">
+                                      <p:cBhvr additive="base">
+                                        <p:cTn id="7" dur="500" fill="hold"/>
+                                        <p:tgtEl>
+                                          <p:spTgt spid="15"/>
+                                        </p:tgtEl>
+                                        <p:attrNameLst>
+                                          <p:attrName>ppt_x</p:attrName>
+                                        </p:attrNameLst>
+                                      </p:cBhvr>
+                                      <p:tavLst>
+                                        <p:tav tm="0">
+                                          <p:val>
+                                            <p:strVal val="#ppt_x"/>
+                                          </p:val>
+                                        </p:tav>
+                                        <p:tav tm="100000">
+                                          <p:val>
+                                            <p:strVal val="#ppt_x"/>
+                                          </p:val>
+                                        </p:tav>
+                                      </p:tavLst>
+                                    </p:anim>
+                                    <p:anim calcmode="lin" valueType="num">
+                                      <p:cBhvr additive="base">
+                                        <p:cTn id="8" dur="500" fill="hold"/>
+                                        <p:tgtEl>
+                                          <p:spTgt spid="15"/>
+                                        </p:tgtEl>
+                                        <p:attrNameLst>
+                                          <p:attrName>ppt_y</p:attrName>
+                                        </p:attrNameLst>
+                                      </p:cBhvr>
+                                      <p:tavLst>
+                                        <p:tav tm="0">
+                                          <p:val>
+                                            <p:strVal val="1+#ppt_h/2"/>
+                                          </p:val>
+                                        </p:tav>
+                                        <p:tav tm="100000">
+                                          <p:val>
+                                            <p:strVal val="#ppt_y"/>
+                                          </p:val>
+                                        </p:tav>
+                                      </p:tavLst>
+                                    </p:anim>
+                                  </p:childTnLst>
+                                </p:cTn>
+                              </p:par>
+                            </p:childTnLst>
+                          </p:cTn>
+                        </p:par>
+                      </p:childTnLst>
+                    </p:cTn>
+                  </p:par>
+                </p:childTnLst>
+              </p:cTn>
+              <p:prevCondLst>
+                <p:cond evt="onPrev" delay="0">
+                  <p:tgtEl>
+                    <p:sldTgt/>
+                  </p:tgtEl>
+                </p:cond>
+              </p:prevCondLst>
+              <p:nextCondLst>
+                <p:cond evt="onNext" delay="0">
+                  <p:tgtEl>
+                    <p:sldTgt/>
+                  </p:tgtEl>
+                </p:cond>
+              </p:nextCondLst>
+            </p:seq>
+          </p:childTnLst>
+        </p:cTn>
+      </p:par>
+    </p:tnLst>
+    <p:bldLst>
+      <p:bldP spid="15" grpId="0" animBg="1"/>
+    </p:bldLst>
+  </p:timing>
+</p:sld>
+</file>
+
+<file path=ppt/slides/slide26.xml><?xml version="1.0" encoding="utf-8"?>
+<p:sld xmlns:a="http://schemas.openxmlformats.org/drawingml/2006/main" xmlns:r="http://schemas.openxmlformats.org/officeDocument/2006/relationships" xmlns:p="http://schemas.openxmlformats.org/presentationml/2006/main">
+  <p:cSld>
+    <p:bg>
+      <p:bgPr>
+        <a:gradFill flip="none" rotWithShape="1">
+          <a:gsLst>
+            <a:gs pos="0">
+              <a:schemeClr val="bg2"/>
+            </a:gs>
+            <a:gs pos="100000">
+              <a:schemeClr val="accent1"/>
+            </a:gs>
+          </a:gsLst>
+          <a:path path="circle">
+            <a:fillToRect l="50000" t="50000" r="50000" b="50000"/>
+          </a:path>
+          <a:tileRect/>
+        </a:gradFill>
+        <a:effectLst/>
+      </p:bgPr>
+    </p:bg>
+    <p:spTree>
+      <p:nvGrpSpPr>
+        <p:cNvPr id="1" name=""/>
+        <p:cNvGrpSpPr/>
+        <p:nvPr/>
+      </p:nvGrpSpPr>
+      <p:grpSpPr>
+        <a:xfrm>
+          <a:off x="0" y="0"/>
+          <a:ext cx="0" cy="0"/>
+          <a:chOff x="0" y="0"/>
+          <a:chExt cx="0" cy="0"/>
+        </a:xfrm>
+      </p:grpSpPr>
+      <p:sp>
+        <p:nvSpPr>
+          <p:cNvPr id="2" name="Titre 1">
+            <a:extLst>
+              <a:ext uri="{FF2B5EF4-FFF2-40B4-BE49-F238E27FC236}">
+                <a16:creationId xmlns:a16="http://schemas.microsoft.com/office/drawing/2014/main" id="{934C2415-B47E-476B-BE33-9F1CC647D1B9}"/>
+              </a:ext>
+            </a:extLst>
+          </p:cNvPr>
+          <p:cNvSpPr>
+            <a:spLocks noGrp="1"/>
+          </p:cNvSpPr>
+          <p:nvPr>
+            <p:ph type="ctrTitle"/>
+          </p:nvPr>
+        </p:nvSpPr>
+        <p:spPr/>
+        <p:txBody>
+          <a:bodyPr/>
+          <a:lstStyle/>
+          <a:p>
+            <a:r>
+              <a:rPr lang="fr-FR"/>
+              <a:t>Formation HTML/CSS</a:t>
+            </a:r>
+            <a:endParaRPr lang="en-US"/>
+          </a:p>
+        </p:txBody>
+      </p:sp>
+      <p:sp>
+        <p:nvSpPr>
+          <p:cNvPr id="3" name="Sous-titre 2">
+            <a:extLst>
+              <a:ext uri="{FF2B5EF4-FFF2-40B4-BE49-F238E27FC236}">
+                <a16:creationId xmlns:a16="http://schemas.microsoft.com/office/drawing/2014/main" id="{D15AE144-5818-4FAA-B6E5-81205D49E20D}"/>
+              </a:ext>
+            </a:extLst>
+          </p:cNvPr>
+          <p:cNvSpPr>
+            <a:spLocks noGrp="1"/>
+          </p:cNvSpPr>
+          <p:nvPr>
+            <p:ph type="subTitle" idx="1"/>
+          </p:nvPr>
+        </p:nvSpPr>
+        <p:spPr/>
+        <p:txBody>
+          <a:bodyPr/>
+          <a:lstStyle/>
+          <a:p>
+            <a:r>
+              <a:rPr lang="fr-FR"/>
+              <a:t>Debrief / Q&amp;A</a:t>
+            </a:r>
+            <a:endParaRPr lang="en-US"/>
+          </a:p>
+        </p:txBody>
+      </p:sp>
+    </p:spTree>
+    <p:extLst>
+      <p:ext uri="{BB962C8B-B14F-4D97-AF65-F5344CB8AC3E}">
+        <p14:creationId xmlns:p14="http://schemas.microsoft.com/office/powerpoint/2010/main" val="3241653012"/>
       </p:ext>
     </p:extLst>
   </p:cSld>
@@ -13672,7 +18771,7 @@
                             </p:stCondLst>
                             <p:childTnLst>
                               <p:par>
-                                <p:cTn id="5" presetID="1" presetClass="entr" presetSubtype="0" fill="hold" grpId="0" nodeType="clickEffect">
+                                <p:cTn id="5" presetID="2" presetClass="entr" presetSubtype="4" fill="hold" grpId="0" nodeType="clickEffect">
                                   <p:stCondLst>
                                     <p:cond delay="0"/>
                                   </p:stCondLst>
@@ -13695,6 +18794,52 @@
                                         <p:strVal val="visible"/>
                                       </p:to>
                                     </p:set>
+                                    <p:anim calcmode="lin" valueType="num">
+                                      <p:cBhvr additive="base">
+                                        <p:cTn id="7" dur="500" fill="hold"/>
+                                        <p:tgtEl>
+                                          <p:spTgt spid="8"/>
+                                        </p:tgtEl>
+                                        <p:attrNameLst>
+                                          <p:attrName>ppt_x</p:attrName>
+                                        </p:attrNameLst>
+                                      </p:cBhvr>
+                                      <p:tavLst>
+                                        <p:tav tm="0">
+                                          <p:val>
+                                            <p:strVal val="#ppt_x"/>
+                                          </p:val>
+                                        </p:tav>
+                                        <p:tav tm="100000">
+                                          <p:val>
+                                            <p:strVal val="#ppt_x"/>
+                                          </p:val>
+                                        </p:tav>
+                                      </p:tavLst>
+                                    </p:anim>
+                                    <p:anim calcmode="lin" valueType="num">
+                                      <p:cBhvr additive="base">
+                                        <p:cTn id="8" dur="500" fill="hold"/>
+                                        <p:tgtEl>
+                                          <p:spTgt spid="8"/>
+                                        </p:tgtEl>
+                                        <p:attrNameLst>
+                                          <p:attrName>ppt_y</p:attrName>
+                                        </p:attrNameLst>
+                                      </p:cBhvr>
+                                      <p:tavLst>
+                                        <p:tav tm="0">
+                                          <p:val>
+                                            <p:strVal val="1+#ppt_h/2"/>
+                                          </p:val>
+                                        </p:tav>
+                                        <p:tav tm="100000">
+                                          <p:val>
+                                            <p:strVal val="#ppt_y"/>
+                                          </p:val>
+                                        </p:tav>
+                                      </p:tavLst>
+                                    </p:anim>
                                   </p:childTnLst>
                                 </p:cTn>
                               </p:par>
@@ -13705,26 +18850,26 @@
                     </p:cTn>
                   </p:par>
                   <p:par>
-                    <p:cTn id="7" fill="hold">
+                    <p:cTn id="9" fill="hold">
                       <p:stCondLst>
                         <p:cond delay="indefinite"/>
                       </p:stCondLst>
                       <p:childTnLst>
                         <p:par>
-                          <p:cTn id="8" fill="hold">
+                          <p:cTn id="10" fill="hold">
                             <p:stCondLst>
                               <p:cond delay="0"/>
                             </p:stCondLst>
                             <p:childTnLst>
                               <p:par>
-                                <p:cTn id="9" presetID="2" presetClass="entr" presetSubtype="4" fill="hold" grpId="0" nodeType="clickEffect">
+                                <p:cTn id="11" presetID="2" presetClass="entr" presetSubtype="4" fill="hold" grpId="0" nodeType="clickEffect">
                                   <p:stCondLst>
                                     <p:cond delay="0"/>
                                   </p:stCondLst>
                                   <p:childTnLst>
                                     <p:set>
                                       <p:cBhvr>
-                                        <p:cTn id="10" dur="1" fill="hold">
+                                        <p:cTn id="12" dur="1" fill="hold">
                                           <p:stCondLst>
                                             <p:cond delay="0"/>
                                           </p:stCondLst>
@@ -13742,7 +18887,7 @@
                                     </p:set>
                                     <p:anim calcmode="lin" valueType="num">
                                       <p:cBhvr additive="base">
-                                        <p:cTn id="11" dur="500" fill="hold"/>
+                                        <p:cTn id="13" dur="500" fill="hold"/>
                                         <p:tgtEl>
                                           <p:spTgt spid="23"/>
                                         </p:tgtEl>
@@ -13765,7 +18910,7 @@
                                     </p:anim>
                                     <p:anim calcmode="lin" valueType="num">
                                       <p:cBhvr additive="base">
-                                        <p:cTn id="12" dur="500" fill="hold"/>
+                                        <p:cTn id="14" dur="500" fill="hold"/>
                                         <p:tgtEl>
                                           <p:spTgt spid="23"/>
                                         </p:tgtEl>
@@ -14499,7 +19644,7 @@
                             </p:stCondLst>
                             <p:childTnLst>
                               <p:par>
-                                <p:cTn id="5" presetID="1" presetClass="entr" presetSubtype="0" fill="hold" grpId="0" nodeType="clickEffect">
+                                <p:cTn id="5" presetID="2" presetClass="entr" presetSubtype="4" fill="hold" grpId="0" nodeType="clickEffect">
                                   <p:stCondLst>
                                     <p:cond delay="0"/>
                                   </p:stCondLst>
@@ -14522,6 +19667,52 @@
                                         <p:strVal val="visible"/>
                                       </p:to>
                                     </p:set>
+                                    <p:anim calcmode="lin" valueType="num">
+                                      <p:cBhvr additive="base">
+                                        <p:cTn id="7" dur="500" fill="hold"/>
+                                        <p:tgtEl>
+                                          <p:spTgt spid="5"/>
+                                        </p:tgtEl>
+                                        <p:attrNameLst>
+                                          <p:attrName>ppt_x</p:attrName>
+                                        </p:attrNameLst>
+                                      </p:cBhvr>
+                                      <p:tavLst>
+                                        <p:tav tm="0">
+                                          <p:val>
+                                            <p:strVal val="#ppt_x"/>
+                                          </p:val>
+                                        </p:tav>
+                                        <p:tav tm="100000">
+                                          <p:val>
+                                            <p:strVal val="#ppt_x"/>
+                                          </p:val>
+                                        </p:tav>
+                                      </p:tavLst>
+                                    </p:anim>
+                                    <p:anim calcmode="lin" valueType="num">
+                                      <p:cBhvr additive="base">
+                                        <p:cTn id="8" dur="500" fill="hold"/>
+                                        <p:tgtEl>
+                                          <p:spTgt spid="5"/>
+                                        </p:tgtEl>
+                                        <p:attrNameLst>
+                                          <p:attrName>ppt_y</p:attrName>
+                                        </p:attrNameLst>
+                                      </p:cBhvr>
+                                      <p:tavLst>
+                                        <p:tav tm="0">
+                                          <p:val>
+                                            <p:strVal val="1+#ppt_h/2"/>
+                                          </p:val>
+                                        </p:tav>
+                                        <p:tav tm="100000">
+                                          <p:val>
+                                            <p:strVal val="#ppt_y"/>
+                                          </p:val>
+                                        </p:tav>
+                                      </p:tavLst>
+                                    </p:anim>
                                   </p:childTnLst>
                                 </p:cTn>
                               </p:par>

--- a/presenter_fr.pptx
+++ b/presenter_fr.pptx
@@ -646,7 +646,7 @@
           <a:p>
             <a:fld id="{7E97AD98-B9C0-48D6-BE04-54ABC792AF9B}" type="datetimeFigureOut">
               <a:rPr lang="en-US" smtClean="0"/>
-              <a:t>9/21/2022</a:t>
+              <a:t>9/22/2022</a:t>
             </a:fld>
             <a:endParaRPr lang="en-US"/>
           </a:p>
@@ -842,7 +842,7 @@
           <a:p>
             <a:fld id="{7E97AD98-B9C0-48D6-BE04-54ABC792AF9B}" type="datetimeFigureOut">
               <a:rPr lang="en-US" smtClean="0"/>
-              <a:t>9/21/2022</a:t>
+              <a:t>9/22/2022</a:t>
             </a:fld>
             <a:endParaRPr lang="en-US"/>
           </a:p>
@@ -1022,7 +1022,7 @@
           <a:p>
             <a:fld id="{7E97AD98-B9C0-48D6-BE04-54ABC792AF9B}" type="datetimeFigureOut">
               <a:rPr lang="en-US" smtClean="0"/>
-              <a:t>9/21/2022</a:t>
+              <a:t>9/22/2022</a:t>
             </a:fld>
             <a:endParaRPr lang="en-US"/>
           </a:p>
@@ -1192,7 +1192,7 @@
           <a:p>
             <a:fld id="{7E97AD98-B9C0-48D6-BE04-54ABC792AF9B}" type="datetimeFigureOut">
               <a:rPr lang="en-US" smtClean="0"/>
-              <a:t>9/21/2022</a:t>
+              <a:t>9/22/2022</a:t>
             </a:fld>
             <a:endParaRPr lang="en-US"/>
           </a:p>
@@ -1805,7 +1805,7 @@
           <a:p>
             <a:fld id="{7E97AD98-B9C0-48D6-BE04-54ABC792AF9B}" type="datetimeFigureOut">
               <a:rPr lang="en-US" smtClean="0"/>
-              <a:t>9/21/2022</a:t>
+              <a:t>9/22/2022</a:t>
             </a:fld>
             <a:endParaRPr lang="en-US"/>
           </a:p>
@@ -2119,7 +2119,7 @@
           <a:p>
             <a:fld id="{7E97AD98-B9C0-48D6-BE04-54ABC792AF9B}" type="datetimeFigureOut">
               <a:rPr lang="en-US" smtClean="0"/>
-              <a:t>9/21/2022</a:t>
+              <a:t>9/22/2022</a:t>
             </a:fld>
             <a:endParaRPr lang="en-US"/>
           </a:p>
@@ -2556,7 +2556,7 @@
           <a:p>
             <a:fld id="{7E97AD98-B9C0-48D6-BE04-54ABC792AF9B}" type="datetimeFigureOut">
               <a:rPr lang="en-US" smtClean="0"/>
-              <a:t>9/21/2022</a:t>
+              <a:t>9/22/2022</a:t>
             </a:fld>
             <a:endParaRPr lang="en-US"/>
           </a:p>
@@ -2674,7 +2674,7 @@
           <a:p>
             <a:fld id="{7E97AD98-B9C0-48D6-BE04-54ABC792AF9B}" type="datetimeFigureOut">
               <a:rPr lang="en-US" smtClean="0"/>
-              <a:t>9/21/2022</a:t>
+              <a:t>9/22/2022</a:t>
             </a:fld>
             <a:endParaRPr lang="en-US"/>
           </a:p>
@@ -2769,7 +2769,7 @@
           <a:p>
             <a:fld id="{7E97AD98-B9C0-48D6-BE04-54ABC792AF9B}" type="datetimeFigureOut">
               <a:rPr lang="en-US" smtClean="0"/>
-              <a:t>9/21/2022</a:t>
+              <a:t>9/22/2022</a:t>
             </a:fld>
             <a:endParaRPr lang="en-US"/>
           </a:p>
@@ -3154,7 +3154,7 @@
           <a:p>
             <a:fld id="{7E97AD98-B9C0-48D6-BE04-54ABC792AF9B}" type="datetimeFigureOut">
               <a:rPr lang="en-US" smtClean="0"/>
-              <a:t>9/21/2022</a:t>
+              <a:t>9/22/2022</a:t>
             </a:fld>
             <a:endParaRPr lang="en-US"/>
           </a:p>
@@ -3535,7 +3535,7 @@
           <a:p>
             <a:fld id="{7E97AD98-B9C0-48D6-BE04-54ABC792AF9B}" type="datetimeFigureOut">
               <a:rPr lang="en-US" smtClean="0"/>
-              <a:t>9/21/2022</a:t>
+              <a:t>9/22/2022</a:t>
             </a:fld>
             <a:endParaRPr lang="en-US"/>
           </a:p>
@@ -3804,7 +3804,7 @@
           <a:p>
             <a:fld id="{7E97AD98-B9C0-48D6-BE04-54ABC792AF9B}" type="datetimeFigureOut">
               <a:rPr lang="en-US" smtClean="0"/>
-              <a:t>9/21/2022</a:t>
+              <a:t>9/22/2022</a:t>
             </a:fld>
             <a:endParaRPr lang="en-US"/>
           </a:p>
@@ -14616,27 +14616,27 @@
           <a:lstStyle/>
           <a:p>
             <a:r>
-              <a:rPr lang="fr-FR" sz="2800"/>
+              <a:rPr lang="fr-FR" sz="2400"/>
               <a:t>HTML (HyperText Markup </a:t>
             </a:r>
             <a:r>
-              <a:rPr lang="fr-FR" sz="2800" err="1"/>
+              <a:rPr lang="fr-FR" sz="2400" err="1"/>
               <a:t>Language</a:t>
             </a:r>
             <a:r>
-              <a:rPr lang="fr-FR" sz="2800"/>
+              <a:rPr lang="fr-FR" sz="2400"/>
               <a:t>) décrit le contenu de pages web sous forme de </a:t>
             </a:r>
             <a:r>
-              <a:rPr lang="fr-FR" sz="2800" b="1"/>
+              <a:rPr lang="fr-FR" sz="2400" b="1"/>
               <a:t>balises</a:t>
             </a:r>
             <a:r>
-              <a:rPr lang="fr-FR" sz="2800"/>
+              <a:rPr lang="fr-FR" sz="2400"/>
               <a:t> imbriquées dans une </a:t>
             </a:r>
             <a:r>
-              <a:rPr lang="fr-FR" sz="2800" b="1"/>
+              <a:rPr lang="fr-FR" sz="2400" b="1"/>
               <a:t>structure d’arbre</a:t>
             </a:r>
           </a:p>
@@ -14655,7 +14655,7 @@
           <a:p>
             <a:r>
               <a:rPr lang="fr-FR" sz="2400"/>
-              <a:t>Il existe un ensemble de balises standardisées avec chacun leur cas d’utilisation (</a:t>
+              <a:t>Il existe un ensemble de balises standardisées avec chacune leur cas d’utilisation (</a:t>
             </a:r>
             <a:r>
               <a:rPr lang="fr-FR" sz="2400">
@@ -14702,7 +14702,7 @@
         </p:blipFill>
         <p:spPr bwMode="auto">
           <a:xfrm>
-            <a:off x="3333734" y="3315797"/>
+            <a:off x="3190313" y="2792423"/>
             <a:ext cx="5800725" cy="1724025"/>
           </a:xfrm>
           <a:prstGeom prst="rect">

--- a/presenter_fr.pptx
+++ b/presenter_fr.pptx
@@ -646,7 +646,7 @@
           <a:p>
             <a:fld id="{7E97AD98-B9C0-48D6-BE04-54ABC792AF9B}" type="datetimeFigureOut">
               <a:rPr lang="en-US" smtClean="0"/>
-              <a:t>9/22/2022</a:t>
+              <a:t>5/11/2023</a:t>
             </a:fld>
             <a:endParaRPr lang="en-US"/>
           </a:p>
@@ -842,7 +842,7 @@
           <a:p>
             <a:fld id="{7E97AD98-B9C0-48D6-BE04-54ABC792AF9B}" type="datetimeFigureOut">
               <a:rPr lang="en-US" smtClean="0"/>
-              <a:t>9/22/2022</a:t>
+              <a:t>5/11/2023</a:t>
             </a:fld>
             <a:endParaRPr lang="en-US"/>
           </a:p>
@@ -1022,7 +1022,7 @@
           <a:p>
             <a:fld id="{7E97AD98-B9C0-48D6-BE04-54ABC792AF9B}" type="datetimeFigureOut">
               <a:rPr lang="en-US" smtClean="0"/>
-              <a:t>9/22/2022</a:t>
+              <a:t>5/11/2023</a:t>
             </a:fld>
             <a:endParaRPr lang="en-US"/>
           </a:p>
@@ -1192,7 +1192,7 @@
           <a:p>
             <a:fld id="{7E97AD98-B9C0-48D6-BE04-54ABC792AF9B}" type="datetimeFigureOut">
               <a:rPr lang="en-US" smtClean="0"/>
-              <a:t>9/22/2022</a:t>
+              <a:t>5/11/2023</a:t>
             </a:fld>
             <a:endParaRPr lang="en-US"/>
           </a:p>
@@ -1805,7 +1805,7 @@
           <a:p>
             <a:fld id="{7E97AD98-B9C0-48D6-BE04-54ABC792AF9B}" type="datetimeFigureOut">
               <a:rPr lang="en-US" smtClean="0"/>
-              <a:t>9/22/2022</a:t>
+              <a:t>5/11/2023</a:t>
             </a:fld>
             <a:endParaRPr lang="en-US"/>
           </a:p>
@@ -2119,7 +2119,7 @@
           <a:p>
             <a:fld id="{7E97AD98-B9C0-48D6-BE04-54ABC792AF9B}" type="datetimeFigureOut">
               <a:rPr lang="en-US" smtClean="0"/>
-              <a:t>9/22/2022</a:t>
+              <a:t>5/11/2023</a:t>
             </a:fld>
             <a:endParaRPr lang="en-US"/>
           </a:p>
@@ -2556,7 +2556,7 @@
           <a:p>
             <a:fld id="{7E97AD98-B9C0-48D6-BE04-54ABC792AF9B}" type="datetimeFigureOut">
               <a:rPr lang="en-US" smtClean="0"/>
-              <a:t>9/22/2022</a:t>
+              <a:t>5/11/2023</a:t>
             </a:fld>
             <a:endParaRPr lang="en-US"/>
           </a:p>
@@ -2674,7 +2674,7 @@
           <a:p>
             <a:fld id="{7E97AD98-B9C0-48D6-BE04-54ABC792AF9B}" type="datetimeFigureOut">
               <a:rPr lang="en-US" smtClean="0"/>
-              <a:t>9/22/2022</a:t>
+              <a:t>5/11/2023</a:t>
             </a:fld>
             <a:endParaRPr lang="en-US"/>
           </a:p>
@@ -2769,7 +2769,7 @@
           <a:p>
             <a:fld id="{7E97AD98-B9C0-48D6-BE04-54ABC792AF9B}" type="datetimeFigureOut">
               <a:rPr lang="en-US" smtClean="0"/>
-              <a:t>9/22/2022</a:t>
+              <a:t>5/11/2023</a:t>
             </a:fld>
             <a:endParaRPr lang="en-US"/>
           </a:p>
@@ -3154,7 +3154,7 @@
           <a:p>
             <a:fld id="{7E97AD98-B9C0-48D6-BE04-54ABC792AF9B}" type="datetimeFigureOut">
               <a:rPr lang="en-US" smtClean="0"/>
-              <a:t>9/22/2022</a:t>
+              <a:t>5/11/2023</a:t>
             </a:fld>
             <a:endParaRPr lang="en-US"/>
           </a:p>
@@ -3535,7 +3535,7 @@
           <a:p>
             <a:fld id="{7E97AD98-B9C0-48D6-BE04-54ABC792AF9B}" type="datetimeFigureOut">
               <a:rPr lang="en-US" smtClean="0"/>
-              <a:t>9/22/2022</a:t>
+              <a:t>5/11/2023</a:t>
             </a:fld>
             <a:endParaRPr lang="en-US"/>
           </a:p>
@@ -3804,7 +3804,7 @@
           <a:p>
             <a:fld id="{7E97AD98-B9C0-48D6-BE04-54ABC792AF9B}" type="datetimeFigureOut">
               <a:rPr lang="en-US" smtClean="0"/>
-              <a:t>9/22/2022</a:t>
+              <a:t>5/11/2023</a:t>
             </a:fld>
             <a:endParaRPr lang="en-US"/>
           </a:p>

--- a/presenter_fr.pptx
+++ b/presenter_fr.pptx
@@ -646,7 +646,7 @@
           <a:p>
             <a:fld id="{7E97AD98-B9C0-48D6-BE04-54ABC792AF9B}" type="datetimeFigureOut">
               <a:rPr lang="en-US" smtClean="0"/>
-              <a:t>5/11/2023</a:t>
+              <a:t>11/28/2023</a:t>
             </a:fld>
             <a:endParaRPr lang="en-US"/>
           </a:p>
@@ -842,7 +842,7 @@
           <a:p>
             <a:fld id="{7E97AD98-B9C0-48D6-BE04-54ABC792AF9B}" type="datetimeFigureOut">
               <a:rPr lang="en-US" smtClean="0"/>
-              <a:t>5/11/2023</a:t>
+              <a:t>11/28/2023</a:t>
             </a:fld>
             <a:endParaRPr lang="en-US"/>
           </a:p>
@@ -1022,7 +1022,7 @@
           <a:p>
             <a:fld id="{7E97AD98-B9C0-48D6-BE04-54ABC792AF9B}" type="datetimeFigureOut">
               <a:rPr lang="en-US" smtClean="0"/>
-              <a:t>5/11/2023</a:t>
+              <a:t>11/28/2023</a:t>
             </a:fld>
             <a:endParaRPr lang="en-US"/>
           </a:p>
@@ -1192,7 +1192,7 @@
           <a:p>
             <a:fld id="{7E97AD98-B9C0-48D6-BE04-54ABC792AF9B}" type="datetimeFigureOut">
               <a:rPr lang="en-US" smtClean="0"/>
-              <a:t>5/11/2023</a:t>
+              <a:t>11/28/2023</a:t>
             </a:fld>
             <a:endParaRPr lang="en-US"/>
           </a:p>
@@ -1805,7 +1805,7 @@
           <a:p>
             <a:fld id="{7E97AD98-B9C0-48D6-BE04-54ABC792AF9B}" type="datetimeFigureOut">
               <a:rPr lang="en-US" smtClean="0"/>
-              <a:t>5/11/2023</a:t>
+              <a:t>11/28/2023</a:t>
             </a:fld>
             <a:endParaRPr lang="en-US"/>
           </a:p>
@@ -2119,7 +2119,7 @@
           <a:p>
             <a:fld id="{7E97AD98-B9C0-48D6-BE04-54ABC792AF9B}" type="datetimeFigureOut">
               <a:rPr lang="en-US" smtClean="0"/>
-              <a:t>5/11/2023</a:t>
+              <a:t>11/28/2023</a:t>
             </a:fld>
             <a:endParaRPr lang="en-US"/>
           </a:p>
@@ -2556,7 +2556,7 @@
           <a:p>
             <a:fld id="{7E97AD98-B9C0-48D6-BE04-54ABC792AF9B}" type="datetimeFigureOut">
               <a:rPr lang="en-US" smtClean="0"/>
-              <a:t>5/11/2023</a:t>
+              <a:t>11/28/2023</a:t>
             </a:fld>
             <a:endParaRPr lang="en-US"/>
           </a:p>
@@ -2674,7 +2674,7 @@
           <a:p>
             <a:fld id="{7E97AD98-B9C0-48D6-BE04-54ABC792AF9B}" type="datetimeFigureOut">
               <a:rPr lang="en-US" smtClean="0"/>
-              <a:t>5/11/2023</a:t>
+              <a:t>11/28/2023</a:t>
             </a:fld>
             <a:endParaRPr lang="en-US"/>
           </a:p>
@@ -2769,7 +2769,7 @@
           <a:p>
             <a:fld id="{7E97AD98-B9C0-48D6-BE04-54ABC792AF9B}" type="datetimeFigureOut">
               <a:rPr lang="en-US" smtClean="0"/>
-              <a:t>5/11/2023</a:t>
+              <a:t>11/28/2023</a:t>
             </a:fld>
             <a:endParaRPr lang="en-US"/>
           </a:p>
@@ -3154,7 +3154,7 @@
           <a:p>
             <a:fld id="{7E97AD98-B9C0-48D6-BE04-54ABC792AF9B}" type="datetimeFigureOut">
               <a:rPr lang="en-US" smtClean="0"/>
-              <a:t>5/11/2023</a:t>
+              <a:t>11/28/2023</a:t>
             </a:fld>
             <a:endParaRPr lang="en-US"/>
           </a:p>
@@ -3535,7 +3535,7 @@
           <a:p>
             <a:fld id="{7E97AD98-B9C0-48D6-BE04-54ABC792AF9B}" type="datetimeFigureOut">
               <a:rPr lang="en-US" smtClean="0"/>
-              <a:t>5/11/2023</a:t>
+              <a:t>11/28/2023</a:t>
             </a:fld>
             <a:endParaRPr lang="en-US"/>
           </a:p>
@@ -3804,7 +3804,7 @@
           <a:p>
             <a:fld id="{7E97AD98-B9C0-48D6-BE04-54ABC792AF9B}" type="datetimeFigureOut">
               <a:rPr lang="en-US" smtClean="0"/>
-              <a:t>5/11/2023</a:t>
+              <a:t>11/28/2023</a:t>
             </a:fld>
             <a:endParaRPr lang="en-US"/>
           </a:p>
@@ -14723,6 +14723,7 @@
       <p:sp>
         <p:nvSpPr>
           <p:cNvPr id="5" name="Flèche : droite 4">
+            <a:hlinkClick r:id="rId4"/>
             <a:extLst>
               <a:ext uri="{FF2B5EF4-FFF2-40B4-BE49-F238E27FC236}">
                 <a16:creationId xmlns:a16="http://schemas.microsoft.com/office/drawing/2014/main" id="{98572F4E-A874-4701-B006-C4E5BE1F7931}"/>

--- a/presenter_fr.pptx
+++ b/presenter_fr.pptx
@@ -19,18 +19,20 @@
     <p:sldId id="269" r:id="rId13"/>
     <p:sldId id="271" r:id="rId14"/>
     <p:sldId id="265" r:id="rId15"/>
-    <p:sldId id="266" r:id="rId16"/>
-    <p:sldId id="279" r:id="rId17"/>
-    <p:sldId id="278" r:id="rId18"/>
-    <p:sldId id="272" r:id="rId19"/>
-    <p:sldId id="273" r:id="rId20"/>
-    <p:sldId id="274" r:id="rId21"/>
-    <p:sldId id="280" r:id="rId22"/>
-    <p:sldId id="281" r:id="rId23"/>
-    <p:sldId id="282" r:id="rId24"/>
-    <p:sldId id="284" r:id="rId25"/>
-    <p:sldId id="285" r:id="rId26"/>
-    <p:sldId id="286" r:id="rId27"/>
+    <p:sldId id="288" r:id="rId16"/>
+    <p:sldId id="266" r:id="rId17"/>
+    <p:sldId id="287" r:id="rId18"/>
+    <p:sldId id="279" r:id="rId19"/>
+    <p:sldId id="278" r:id="rId20"/>
+    <p:sldId id="272" r:id="rId21"/>
+    <p:sldId id="273" r:id="rId22"/>
+    <p:sldId id="274" r:id="rId23"/>
+    <p:sldId id="280" r:id="rId24"/>
+    <p:sldId id="281" r:id="rId25"/>
+    <p:sldId id="282" r:id="rId26"/>
+    <p:sldId id="284" r:id="rId27"/>
+    <p:sldId id="285" r:id="rId28"/>
+    <p:sldId id="286" r:id="rId29"/>
   </p:sldIdLst>
   <p:sldSz cx="12192000" cy="6858000"/>
   <p:notesSz cx="6858000" cy="9144000"/>
@@ -646,7 +648,7 @@
           <a:p>
             <a:fld id="{7E97AD98-B9C0-48D6-BE04-54ABC792AF9B}" type="datetimeFigureOut">
               <a:rPr lang="en-US" smtClean="0"/>
-              <a:t>11/28/2023</a:t>
+              <a:t>12/3/2025</a:t>
             </a:fld>
             <a:endParaRPr lang="en-US"/>
           </a:p>
@@ -842,7 +844,7 @@
           <a:p>
             <a:fld id="{7E97AD98-B9C0-48D6-BE04-54ABC792AF9B}" type="datetimeFigureOut">
               <a:rPr lang="en-US" smtClean="0"/>
-              <a:t>11/28/2023</a:t>
+              <a:t>12/3/2025</a:t>
             </a:fld>
             <a:endParaRPr lang="en-US"/>
           </a:p>
@@ -1022,7 +1024,7 @@
           <a:p>
             <a:fld id="{7E97AD98-B9C0-48D6-BE04-54ABC792AF9B}" type="datetimeFigureOut">
               <a:rPr lang="en-US" smtClean="0"/>
-              <a:t>11/28/2023</a:t>
+              <a:t>12/3/2025</a:t>
             </a:fld>
             <a:endParaRPr lang="en-US"/>
           </a:p>
@@ -1192,7 +1194,7 @@
           <a:p>
             <a:fld id="{7E97AD98-B9C0-48D6-BE04-54ABC792AF9B}" type="datetimeFigureOut">
               <a:rPr lang="en-US" smtClean="0"/>
-              <a:t>11/28/2023</a:t>
+              <a:t>12/3/2025</a:t>
             </a:fld>
             <a:endParaRPr lang="en-US"/>
           </a:p>
@@ -1805,7 +1807,7 @@
           <a:p>
             <a:fld id="{7E97AD98-B9C0-48D6-BE04-54ABC792AF9B}" type="datetimeFigureOut">
               <a:rPr lang="en-US" smtClean="0"/>
-              <a:t>11/28/2023</a:t>
+              <a:t>12/3/2025</a:t>
             </a:fld>
             <a:endParaRPr lang="en-US"/>
           </a:p>
@@ -2119,7 +2121,7 @@
           <a:p>
             <a:fld id="{7E97AD98-B9C0-48D6-BE04-54ABC792AF9B}" type="datetimeFigureOut">
               <a:rPr lang="en-US" smtClean="0"/>
-              <a:t>11/28/2023</a:t>
+              <a:t>12/3/2025</a:t>
             </a:fld>
             <a:endParaRPr lang="en-US"/>
           </a:p>
@@ -2556,7 +2558,7 @@
           <a:p>
             <a:fld id="{7E97AD98-B9C0-48D6-BE04-54ABC792AF9B}" type="datetimeFigureOut">
               <a:rPr lang="en-US" smtClean="0"/>
-              <a:t>11/28/2023</a:t>
+              <a:t>12/3/2025</a:t>
             </a:fld>
             <a:endParaRPr lang="en-US"/>
           </a:p>
@@ -2674,7 +2676,7 @@
           <a:p>
             <a:fld id="{7E97AD98-B9C0-48D6-BE04-54ABC792AF9B}" type="datetimeFigureOut">
               <a:rPr lang="en-US" smtClean="0"/>
-              <a:t>11/28/2023</a:t>
+              <a:t>12/3/2025</a:t>
             </a:fld>
             <a:endParaRPr lang="en-US"/>
           </a:p>
@@ -2769,7 +2771,7 @@
           <a:p>
             <a:fld id="{7E97AD98-B9C0-48D6-BE04-54ABC792AF9B}" type="datetimeFigureOut">
               <a:rPr lang="en-US" smtClean="0"/>
-              <a:t>11/28/2023</a:t>
+              <a:t>12/3/2025</a:t>
             </a:fld>
             <a:endParaRPr lang="en-US"/>
           </a:p>
@@ -3154,7 +3156,7 @@
           <a:p>
             <a:fld id="{7E97AD98-B9C0-48D6-BE04-54ABC792AF9B}" type="datetimeFigureOut">
               <a:rPr lang="en-US" smtClean="0"/>
-              <a:t>11/28/2023</a:t>
+              <a:t>12/3/2025</a:t>
             </a:fld>
             <a:endParaRPr lang="en-US"/>
           </a:p>
@@ -3535,7 +3537,7 @@
           <a:p>
             <a:fld id="{7E97AD98-B9C0-48D6-BE04-54ABC792AF9B}" type="datetimeFigureOut">
               <a:rPr lang="en-US" smtClean="0"/>
-              <a:t>11/28/2023</a:t>
+              <a:t>12/3/2025</a:t>
             </a:fld>
             <a:endParaRPr lang="en-US"/>
           </a:p>
@@ -3804,7 +3806,7 @@
           <a:p>
             <a:fld id="{7E97AD98-B9C0-48D6-BE04-54ABC792AF9B}" type="datetimeFigureOut">
               <a:rPr lang="en-US" smtClean="0"/>
-              <a:t>11/28/2023</a:t>
+              <a:t>12/3/2025</a:t>
             </a:fld>
             <a:endParaRPr lang="en-US"/>
           </a:p>
@@ -6519,6 +6521,13 @@
             <a:softEdge rad="0"/>
           </a:effectLst>
         </p:spPr>
+        <p:txBody>
+          <a:bodyPr/>
+          <a:lstStyle/>
+          <a:p>
+            <a:endParaRPr lang="fr-FR"/>
+          </a:p>
+        </p:txBody>
       </p:sp>
       <p:sp>
         <p:nvSpPr>
@@ -6561,6 +6570,13 @@
           </a:ln>
           <a:effectLst/>
         </p:spPr>
+        <p:txBody>
+          <a:bodyPr/>
+          <a:lstStyle/>
+          <a:p>
+            <a:endParaRPr lang="fr-FR"/>
+          </a:p>
+        </p:txBody>
       </p:sp>
       <p:sp>
         <p:nvSpPr>
@@ -6616,6 +6632,13 @@
             <a:schemeClr val="lt1"/>
           </a:fontRef>
         </p:style>
+        <p:txBody>
+          <a:bodyPr/>
+          <a:lstStyle/>
+          <a:p>
+            <a:endParaRPr lang="fr-FR"/>
+          </a:p>
+        </p:txBody>
       </p:sp>
       <p:grpSp>
         <p:nvGrpSpPr>
@@ -6947,6 +6970,13 @@
             <a:schemeClr val="lt1"/>
           </a:fontRef>
         </p:style>
+        <p:txBody>
+          <a:bodyPr/>
+          <a:lstStyle/>
+          <a:p>
+            <a:endParaRPr lang="fr-FR"/>
+          </a:p>
+        </p:txBody>
       </p:sp>
       <p:sp>
         <p:nvSpPr>
@@ -7139,6 +7169,13 @@
             <a:schemeClr val="lt1"/>
           </a:fontRef>
         </p:style>
+        <p:txBody>
+          <a:bodyPr/>
+          <a:lstStyle/>
+          <a:p>
+            <a:endParaRPr lang="fr-FR"/>
+          </a:p>
+        </p:txBody>
       </p:sp>
       <p:cxnSp>
         <p:nvCxnSpPr>
@@ -8025,6 +8062,528 @@
   <p:cSld>
     <p:spTree>
       <p:nvGrpSpPr>
+        <p:cNvPr id="1" name="">
+          <a:extLst>
+            <a:ext uri="{FF2B5EF4-FFF2-40B4-BE49-F238E27FC236}">
+              <a16:creationId xmlns:a16="http://schemas.microsoft.com/office/drawing/2014/main" id="{8A1CCDBB-91F8-B4CA-9815-75A333B73E8D}"/>
+            </a:ext>
+          </a:extLst>
+        </p:cNvPr>
+        <p:cNvGrpSpPr/>
+        <p:nvPr/>
+      </p:nvGrpSpPr>
+      <p:grpSpPr>
+        <a:xfrm>
+          <a:off x="0" y="0"/>
+          <a:ext cx="0" cy="0"/>
+          <a:chOff x="0" y="0"/>
+          <a:chExt cx="0" cy="0"/>
+        </a:xfrm>
+      </p:grpSpPr>
+      <p:sp>
+        <p:nvSpPr>
+          <p:cNvPr id="2" name="Titre 1">
+            <a:extLst>
+              <a:ext uri="{FF2B5EF4-FFF2-40B4-BE49-F238E27FC236}">
+                <a16:creationId xmlns:a16="http://schemas.microsoft.com/office/drawing/2014/main" id="{C729C1AB-4335-AE27-490B-FB9D182AD36B}"/>
+              </a:ext>
+            </a:extLst>
+          </p:cNvPr>
+          <p:cNvSpPr>
+            <a:spLocks noGrp="1"/>
+          </p:cNvSpPr>
+          <p:nvPr>
+            <p:ph type="title"/>
+          </p:nvPr>
+        </p:nvSpPr>
+        <p:spPr/>
+        <p:txBody>
+          <a:bodyPr/>
+          <a:lstStyle/>
+          <a:p>
+            <a:r>
+              <a:rPr lang="fr-FR" dirty="0"/>
+              <a:t>Container </a:t>
+            </a:r>
+            <a:r>
+              <a:rPr lang="fr-FR" dirty="0" err="1"/>
+              <a:t>queries</a:t>
+            </a:r>
+            <a:endParaRPr lang="en-US" dirty="0"/>
+          </a:p>
+        </p:txBody>
+      </p:sp>
+      <p:sp>
+        <p:nvSpPr>
+          <p:cNvPr id="3" name="Espace réservé du contenu 2">
+            <a:extLst>
+              <a:ext uri="{FF2B5EF4-FFF2-40B4-BE49-F238E27FC236}">
+                <a16:creationId xmlns:a16="http://schemas.microsoft.com/office/drawing/2014/main" id="{99C6F03F-AA7D-518A-DDA0-DC7C35010E31}"/>
+              </a:ext>
+            </a:extLst>
+          </p:cNvPr>
+          <p:cNvSpPr>
+            <a:spLocks noGrp="1"/>
+          </p:cNvSpPr>
+          <p:nvPr>
+            <p:ph idx="1"/>
+          </p:nvPr>
+        </p:nvSpPr>
+        <p:spPr>
+          <a:xfrm>
+            <a:off x="1066800" y="2103120"/>
+            <a:ext cx="10058400" cy="4281638"/>
+          </a:xfrm>
+        </p:spPr>
+        <p:txBody>
+          <a:bodyPr>
+            <a:normAutofit/>
+          </a:bodyPr>
+          <a:lstStyle/>
+          <a:p>
+            <a:r>
+              <a:rPr lang="fr-FR" dirty="0"/>
+              <a:t>Les requêtes container sont équivalentes aux media </a:t>
+            </a:r>
+            <a:r>
+              <a:rPr lang="fr-FR" dirty="0" err="1"/>
+              <a:t>queries</a:t>
+            </a:r>
+            <a:r>
+              <a:rPr lang="fr-FR" dirty="0"/>
+              <a:t> mais appliquées aux dimensions d’un conteneur HTML en particulier. Elles sont utiles pour définir des points de rupture pour un même </a:t>
+            </a:r>
+            <a:r>
+              <a:rPr lang="fr-FR" dirty="0" err="1"/>
+              <a:t>élémént</a:t>
+            </a:r>
+            <a:r>
+              <a:rPr lang="fr-FR" dirty="0"/>
+              <a:t> utilisé dans diverses mises en page.</a:t>
+            </a:r>
+          </a:p>
+          <a:p>
+            <a:endParaRPr lang="en-US" dirty="0"/>
+          </a:p>
+          <a:p>
+            <a:endParaRPr lang="en-US" dirty="0"/>
+          </a:p>
+          <a:p>
+            <a:endParaRPr lang="en-US" dirty="0"/>
+          </a:p>
+          <a:p>
+            <a:r>
+              <a:rPr lang="en-US" dirty="0"/>
+              <a:t>On </a:t>
+            </a:r>
+            <a:r>
+              <a:rPr lang="en-US" dirty="0" err="1"/>
+              <a:t>peut</a:t>
+            </a:r>
+            <a:r>
+              <a:rPr lang="en-US" dirty="0"/>
+              <a:t> ensuite tester des conditions sur la taille du </a:t>
+            </a:r>
+            <a:r>
+              <a:rPr lang="en-US" dirty="0" err="1"/>
+              <a:t>conteneur</a:t>
+            </a:r>
+            <a:endParaRPr lang="en-US" dirty="0"/>
+          </a:p>
+          <a:p>
+            <a:endParaRPr lang="en-US" b="1" dirty="0">
+              <a:latin typeface="Consolas" panose="020B0609020204030204" pitchFamily="49" charset="0"/>
+            </a:endParaRPr>
+          </a:p>
+          <a:p>
+            <a:endParaRPr lang="en-US" b="1" dirty="0">
+              <a:latin typeface="Consolas" panose="020B0609020204030204" pitchFamily="49" charset="0"/>
+            </a:endParaRPr>
+          </a:p>
+          <a:p>
+            <a:endParaRPr lang="en-US" b="1" dirty="0">
+              <a:latin typeface="Consolas" panose="020B0609020204030204" pitchFamily="49" charset="0"/>
+            </a:endParaRPr>
+          </a:p>
+          <a:p>
+            <a:r>
+              <a:rPr lang="en-US" b="1" dirty="0">
+                <a:latin typeface="Consolas" panose="020B0609020204030204" pitchFamily="49" charset="0"/>
+              </a:rPr>
+              <a:t>Attention, le support </a:t>
+            </a:r>
+            <a:r>
+              <a:rPr lang="en-US" b="1" dirty="0" err="1">
+                <a:latin typeface="Consolas" panose="020B0609020204030204" pitchFamily="49" charset="0"/>
+              </a:rPr>
+              <a:t>navigateur</a:t>
+            </a:r>
+            <a:r>
+              <a:rPr lang="en-US" b="1" dirty="0">
+                <a:latin typeface="Consolas" panose="020B0609020204030204" pitchFamily="49" charset="0"/>
+              </a:rPr>
+              <a:t> </a:t>
+            </a:r>
+            <a:r>
+              <a:rPr lang="en-US" b="1" dirty="0" err="1">
+                <a:latin typeface="Consolas" panose="020B0609020204030204" pitchFamily="49" charset="0"/>
+                <a:hlinkClick r:id="rId2"/>
+              </a:rPr>
+              <a:t>reste</a:t>
+            </a:r>
+            <a:r>
+              <a:rPr lang="en-US" b="1" dirty="0">
+                <a:latin typeface="Consolas" panose="020B0609020204030204" pitchFamily="49" charset="0"/>
+                <a:hlinkClick r:id="rId2"/>
+              </a:rPr>
+              <a:t> </a:t>
+            </a:r>
+            <a:r>
+              <a:rPr lang="en-US" b="1" dirty="0" err="1">
+                <a:latin typeface="Consolas" panose="020B0609020204030204" pitchFamily="49" charset="0"/>
+                <a:hlinkClick r:id="rId2"/>
+              </a:rPr>
+              <a:t>limité</a:t>
+            </a:r>
+            <a:endParaRPr lang="en-US" b="1" dirty="0">
+              <a:latin typeface="Consolas" panose="020B0609020204030204" pitchFamily="49" charset="0"/>
+            </a:endParaRPr>
+          </a:p>
+        </p:txBody>
+      </p:sp>
+      <p:sp>
+        <p:nvSpPr>
+          <p:cNvPr id="4" name="ZoneTexte 3">
+            <a:extLst>
+              <a:ext uri="{FF2B5EF4-FFF2-40B4-BE49-F238E27FC236}">
+                <a16:creationId xmlns:a16="http://schemas.microsoft.com/office/drawing/2014/main" id="{A8A7D8ED-2557-17C5-507A-7A5E31CCD56F}"/>
+              </a:ext>
+            </a:extLst>
+          </p:cNvPr>
+          <p:cNvSpPr txBox="1"/>
+          <p:nvPr/>
+        </p:nvSpPr>
+        <p:spPr>
+          <a:xfrm>
+            <a:off x="1066800" y="3137729"/>
+            <a:ext cx="9631279" cy="923330"/>
+          </a:xfrm>
+          <a:prstGeom prst="rect">
+            <a:avLst/>
+          </a:prstGeom>
+        </p:spPr>
+        <p:style>
+          <a:lnRef idx="2">
+            <a:schemeClr val="dk1">
+              <a:shade val="50000"/>
+            </a:schemeClr>
+          </a:lnRef>
+          <a:fillRef idx="1">
+            <a:schemeClr val="dk1"/>
+          </a:fillRef>
+          <a:effectRef idx="0">
+            <a:schemeClr val="dk1"/>
+          </a:effectRef>
+          <a:fontRef idx="minor">
+            <a:schemeClr val="lt1"/>
+          </a:fontRef>
+        </p:style>
+        <p:txBody>
+          <a:bodyPr wrap="square" rtlCol="0">
+            <a:spAutoFit/>
+          </a:bodyPr>
+          <a:lstStyle/>
+          <a:p>
+            <a:r>
+              <a:rPr lang="en-US" dirty="0"/>
+              <a:t>.my-container {</a:t>
+            </a:r>
+          </a:p>
+          <a:p>
+            <a:r>
+              <a:rPr lang="en-US" dirty="0"/>
+              <a:t>   container-type: size; /* declare un </a:t>
+            </a:r>
+            <a:r>
+              <a:rPr lang="en-US" dirty="0" err="1"/>
+              <a:t>contexte</a:t>
+            </a:r>
+            <a:r>
+              <a:rPr lang="en-US" dirty="0"/>
+              <a:t> de </a:t>
+            </a:r>
+            <a:r>
+              <a:rPr lang="en-US" dirty="0" err="1"/>
+              <a:t>conteneur</a:t>
+            </a:r>
+            <a:r>
+              <a:rPr lang="en-US" dirty="0"/>
+              <a:t> */</a:t>
+            </a:r>
+          </a:p>
+          <a:p>
+            <a:r>
+              <a:rPr lang="en-US" dirty="0"/>
+              <a:t>}</a:t>
+            </a:r>
+          </a:p>
+        </p:txBody>
+      </p:sp>
+      <p:sp>
+        <p:nvSpPr>
+          <p:cNvPr id="7" name="ZoneTexte 6">
+            <a:extLst>
+              <a:ext uri="{FF2B5EF4-FFF2-40B4-BE49-F238E27FC236}">
+                <a16:creationId xmlns:a16="http://schemas.microsoft.com/office/drawing/2014/main" id="{1BEA7F97-1A47-259C-13E7-CE55807788DD}"/>
+              </a:ext>
+            </a:extLst>
+          </p:cNvPr>
+          <p:cNvSpPr txBox="1"/>
+          <p:nvPr/>
+        </p:nvSpPr>
+        <p:spPr>
+          <a:xfrm>
+            <a:off x="1066800" y="4682129"/>
+            <a:ext cx="9631279" cy="923330"/>
+          </a:xfrm>
+          <a:prstGeom prst="rect">
+            <a:avLst/>
+          </a:prstGeom>
+        </p:spPr>
+        <p:style>
+          <a:lnRef idx="2">
+            <a:schemeClr val="dk1">
+              <a:shade val="50000"/>
+            </a:schemeClr>
+          </a:lnRef>
+          <a:fillRef idx="1">
+            <a:schemeClr val="dk1"/>
+          </a:fillRef>
+          <a:effectRef idx="0">
+            <a:schemeClr val="dk1"/>
+          </a:effectRef>
+          <a:fontRef idx="minor">
+            <a:schemeClr val="lt1"/>
+          </a:fontRef>
+        </p:style>
+        <p:txBody>
+          <a:bodyPr wrap="square" rtlCol="0">
+            <a:spAutoFit/>
+          </a:bodyPr>
+          <a:lstStyle/>
+          <a:p>
+            <a:r>
+              <a:rPr lang="en-US" dirty="0"/>
+              <a:t>@container (width &lt;= 960px) { </a:t>
+            </a:r>
+          </a:p>
+          <a:p>
+            <a:r>
+              <a:rPr lang="en-US" dirty="0"/>
+              <a:t>   /* styles */</a:t>
+            </a:r>
+          </a:p>
+          <a:p>
+            <a:r>
+              <a:rPr lang="en-US" dirty="0"/>
+              <a:t>}</a:t>
+            </a:r>
+          </a:p>
+        </p:txBody>
+      </p:sp>
+      <p:sp>
+        <p:nvSpPr>
+          <p:cNvPr id="9" name="Flèche : droite 8">
+            <a:hlinkClick r:id="rId3"/>
+            <a:extLst>
+              <a:ext uri="{FF2B5EF4-FFF2-40B4-BE49-F238E27FC236}">
+                <a16:creationId xmlns:a16="http://schemas.microsoft.com/office/drawing/2014/main" id="{B5A67355-2DE7-7D79-4178-D596BBBF5835}"/>
+              </a:ext>
+            </a:extLst>
+          </p:cNvPr>
+          <p:cNvSpPr/>
+          <p:nvPr/>
+        </p:nvSpPr>
+        <p:spPr>
+          <a:xfrm>
+            <a:off x="6959600" y="6146800"/>
+            <a:ext cx="5232401" cy="711200"/>
+          </a:xfrm>
+          <a:prstGeom prst="rightArrow">
+            <a:avLst/>
+          </a:prstGeom>
+        </p:spPr>
+        <p:style>
+          <a:lnRef idx="2">
+            <a:schemeClr val="accent1">
+              <a:shade val="50000"/>
+            </a:schemeClr>
+          </a:lnRef>
+          <a:fillRef idx="1">
+            <a:schemeClr val="accent1"/>
+          </a:fillRef>
+          <a:effectRef idx="0">
+            <a:schemeClr val="accent1"/>
+          </a:effectRef>
+          <a:fontRef idx="minor">
+            <a:schemeClr val="lt1"/>
+          </a:fontRef>
+        </p:style>
+        <p:txBody>
+          <a:bodyPr rtlCol="0" anchor="ctr"/>
+          <a:lstStyle/>
+          <a:p>
+            <a:pPr algn="ctr"/>
+            <a:r>
+              <a:rPr lang="fr-FR" dirty="0"/>
+              <a:t>Plus d'informations: MDN</a:t>
+            </a:r>
+            <a:endParaRPr lang="en-US" dirty="0"/>
+          </a:p>
+        </p:txBody>
+      </p:sp>
+    </p:spTree>
+    <p:extLst>
+      <p:ext uri="{BB962C8B-B14F-4D97-AF65-F5344CB8AC3E}">
+        <p14:creationId xmlns:p14="http://schemas.microsoft.com/office/powerpoint/2010/main" val="1440079885"/>
+      </p:ext>
+    </p:extLst>
+  </p:cSld>
+  <p:clrMapOvr>
+    <a:masterClrMapping/>
+  </p:clrMapOvr>
+  <p:timing>
+    <p:tnLst>
+      <p:par>
+        <p:cTn id="1" dur="indefinite" restart="never" nodeType="tmRoot">
+          <p:childTnLst>
+            <p:seq concurrent="1" nextAc="seek">
+              <p:cTn id="2" dur="indefinite" nodeType="mainSeq">
+                <p:childTnLst>
+                  <p:par>
+                    <p:cTn id="3" fill="hold">
+                      <p:stCondLst>
+                        <p:cond delay="indefinite"/>
+                      </p:stCondLst>
+                      <p:childTnLst>
+                        <p:par>
+                          <p:cTn id="4" fill="hold">
+                            <p:stCondLst>
+                              <p:cond delay="0"/>
+                            </p:stCondLst>
+                            <p:childTnLst>
+                              <p:par>
+                                <p:cTn id="5" presetID="2" presetClass="entr" presetSubtype="4" fill="hold" grpId="0" nodeType="clickEffect">
+                                  <p:stCondLst>
+                                    <p:cond delay="0"/>
+                                  </p:stCondLst>
+                                  <p:childTnLst>
+                                    <p:set>
+                                      <p:cBhvr>
+                                        <p:cTn id="6" dur="1" fill="hold">
+                                          <p:stCondLst>
+                                            <p:cond delay="0"/>
+                                          </p:stCondLst>
+                                        </p:cTn>
+                                        <p:tgtEl>
+                                          <p:spTgt spid="9"/>
+                                        </p:tgtEl>
+                                        <p:attrNameLst>
+                                          <p:attrName>style.visibility</p:attrName>
+                                        </p:attrNameLst>
+                                      </p:cBhvr>
+                                      <p:to>
+                                        <p:strVal val="visible"/>
+                                      </p:to>
+                                    </p:set>
+                                    <p:anim calcmode="lin" valueType="num">
+                                      <p:cBhvr additive="base">
+                                        <p:cTn id="7" dur="500" fill="hold"/>
+                                        <p:tgtEl>
+                                          <p:spTgt spid="9"/>
+                                        </p:tgtEl>
+                                        <p:attrNameLst>
+                                          <p:attrName>ppt_x</p:attrName>
+                                        </p:attrNameLst>
+                                      </p:cBhvr>
+                                      <p:tavLst>
+                                        <p:tav tm="0">
+                                          <p:val>
+                                            <p:strVal val="#ppt_x"/>
+                                          </p:val>
+                                        </p:tav>
+                                        <p:tav tm="100000">
+                                          <p:val>
+                                            <p:strVal val="#ppt_x"/>
+                                          </p:val>
+                                        </p:tav>
+                                      </p:tavLst>
+                                    </p:anim>
+                                    <p:anim calcmode="lin" valueType="num">
+                                      <p:cBhvr additive="base">
+                                        <p:cTn id="8" dur="500" fill="hold"/>
+                                        <p:tgtEl>
+                                          <p:spTgt spid="9"/>
+                                        </p:tgtEl>
+                                        <p:attrNameLst>
+                                          <p:attrName>ppt_y</p:attrName>
+                                        </p:attrNameLst>
+                                      </p:cBhvr>
+                                      <p:tavLst>
+                                        <p:tav tm="0">
+                                          <p:val>
+                                            <p:strVal val="1+#ppt_h/2"/>
+                                          </p:val>
+                                        </p:tav>
+                                        <p:tav tm="100000">
+                                          <p:val>
+                                            <p:strVal val="#ppt_y"/>
+                                          </p:val>
+                                        </p:tav>
+                                      </p:tavLst>
+                                    </p:anim>
+                                  </p:childTnLst>
+                                </p:cTn>
+                              </p:par>
+                            </p:childTnLst>
+                          </p:cTn>
+                        </p:par>
+                      </p:childTnLst>
+                    </p:cTn>
+                  </p:par>
+                </p:childTnLst>
+              </p:cTn>
+              <p:prevCondLst>
+                <p:cond evt="onPrev" delay="0">
+                  <p:tgtEl>
+                    <p:sldTgt/>
+                  </p:tgtEl>
+                </p:cond>
+              </p:prevCondLst>
+              <p:nextCondLst>
+                <p:cond evt="onNext" delay="0">
+                  <p:tgtEl>
+                    <p:sldTgt/>
+                  </p:tgtEl>
+                </p:cond>
+              </p:nextCondLst>
+            </p:seq>
+          </p:childTnLst>
+        </p:cTn>
+      </p:par>
+    </p:tnLst>
+    <p:bldLst>
+      <p:bldP spid="9" grpId="0" animBg="1"/>
+    </p:bldLst>
+  </p:timing>
+</p:sld>
+</file>
+
+<file path=ppt/slides/slide16.xml><?xml version="1.0" encoding="utf-8"?>
+<p:sld xmlns:a="http://schemas.openxmlformats.org/drawingml/2006/main" xmlns:r="http://schemas.openxmlformats.org/officeDocument/2006/relationships" xmlns:p="http://schemas.openxmlformats.org/presentationml/2006/main">
+  <p:cSld>
+    <p:spTree>
+      <p:nvGrpSpPr>
         <p:cNvPr id="1" name=""/>
         <p:cNvGrpSpPr/>
         <p:nvPr/>
@@ -8088,40 +8647,44 @@
           <a:lstStyle/>
           <a:p>
             <a:r>
-              <a:rPr lang="fr-FR"/>
-              <a:t>Le RWD, c'est l'approche de conception des sites web désormais incontournable en 2022 qui consiste à faire des sites avec une expérience optimale peu importe la gamme d'appareil de l'utilisateur (smartphones, tablettes, laptop, desktop...)</a:t>
-            </a:r>
-          </a:p>
-          <a:p>
-            <a:r>
-              <a:rPr lang="fr-FR"/>
+              <a:rPr lang="fr-FR" dirty="0"/>
+              <a:t>Le RWD, c'est l'approche de conception des sites web désormais incontournable qui consiste à faire des sites avec une expérience optimale peu importe la gamme d'appareil de l'utilisateur (smartphones, tablettes, laptop, desktop...)</a:t>
+            </a:r>
+          </a:p>
+          <a:p>
+            <a:r>
+              <a:rPr lang="fr-FR" dirty="0"/>
               <a:t>Un site dit "</a:t>
             </a:r>
             <a:r>
-              <a:rPr lang="fr-FR" i="1"/>
+              <a:rPr lang="fr-FR" i="1" dirty="0"/>
               <a:t>responsive</a:t>
             </a:r>
             <a:r>
-              <a:rPr lang="fr-FR"/>
+              <a:rPr lang="fr-FR" dirty="0"/>
               <a:t>" va avoir une mise en page flexible, en privilégiant des </a:t>
             </a:r>
             <a:r>
-              <a:rPr lang="fr-FR" b="1"/>
+              <a:rPr lang="fr-FR" b="1" dirty="0"/>
               <a:t>dimensions relatives</a:t>
             </a:r>
             <a:r>
-              <a:rPr lang="fr-FR"/>
+              <a:rPr lang="fr-FR" dirty="0"/>
               <a:t> et en utilisant des </a:t>
             </a:r>
             <a:r>
-              <a:rPr lang="fr-FR" b="1"/>
-              <a:t>media queries</a:t>
-            </a:r>
-            <a:r>
-              <a:rPr lang="fr-FR"/>
+              <a:rPr lang="fr-FR" b="1" dirty="0"/>
+              <a:t>media </a:t>
+            </a:r>
+            <a:r>
+              <a:rPr lang="fr-FR" b="1" dirty="0" err="1"/>
+              <a:t>queries</a:t>
+            </a:r>
+            <a:r>
+              <a:rPr lang="fr-FR" dirty="0"/>
               <a:t> pour adapter l'interface à toutes les résolutions et moyens d'interactions (souris, tactile...)</a:t>
             </a:r>
-            <a:endParaRPr lang="en-US"/>
+            <a:endParaRPr lang="en-US" dirty="0"/>
           </a:p>
         </p:txBody>
       </p:sp>
@@ -8343,7 +8906,213 @@
 </p:sld>
 </file>
 
-<file path=ppt/slides/slide16.xml><?xml version="1.0" encoding="utf-8"?>
+<file path=ppt/slides/slide17.xml><?xml version="1.0" encoding="utf-8"?>
+<p:sld xmlns:a="http://schemas.openxmlformats.org/drawingml/2006/main" xmlns:r="http://schemas.openxmlformats.org/officeDocument/2006/relationships" xmlns:p="http://schemas.openxmlformats.org/presentationml/2006/main">
+  <p:cSld>
+    <p:spTree>
+      <p:nvGrpSpPr>
+        <p:cNvPr id="1" name=""/>
+        <p:cNvGrpSpPr/>
+        <p:nvPr/>
+      </p:nvGrpSpPr>
+      <p:grpSpPr>
+        <a:xfrm>
+          <a:off x="0" y="0"/>
+          <a:ext cx="0" cy="0"/>
+          <a:chOff x="0" y="0"/>
+          <a:chExt cx="0" cy="0"/>
+        </a:xfrm>
+      </p:grpSpPr>
+      <p:sp>
+        <p:nvSpPr>
+          <p:cNvPr id="2" name="Titre 1">
+            <a:extLst>
+              <a:ext uri="{FF2B5EF4-FFF2-40B4-BE49-F238E27FC236}">
+                <a16:creationId xmlns:a16="http://schemas.microsoft.com/office/drawing/2014/main" id="{0369FCE0-F26F-7127-5DB1-B1657DFC8F88}"/>
+              </a:ext>
+            </a:extLst>
+          </p:cNvPr>
+          <p:cNvSpPr>
+            <a:spLocks noGrp="1"/>
+          </p:cNvSpPr>
+          <p:nvPr>
+            <p:ph type="title"/>
+          </p:nvPr>
+        </p:nvSpPr>
+        <p:spPr/>
+        <p:txBody>
+          <a:bodyPr/>
+          <a:lstStyle/>
+          <a:p>
+            <a:r>
+              <a:rPr lang="fr-FR" dirty="0"/>
+              <a:t>Responsive Web Design</a:t>
+            </a:r>
+          </a:p>
+        </p:txBody>
+      </p:sp>
+      <p:sp>
+        <p:nvSpPr>
+          <p:cNvPr id="3" name="Espace réservé du contenu 2">
+            <a:extLst>
+              <a:ext uri="{FF2B5EF4-FFF2-40B4-BE49-F238E27FC236}">
+                <a16:creationId xmlns:a16="http://schemas.microsoft.com/office/drawing/2014/main" id="{D99DE912-6C31-2DF8-45C1-065D06D6A626}"/>
+              </a:ext>
+            </a:extLst>
+          </p:cNvPr>
+          <p:cNvSpPr>
+            <a:spLocks noGrp="1"/>
+          </p:cNvSpPr>
+          <p:nvPr>
+            <p:ph idx="1"/>
+          </p:nvPr>
+        </p:nvSpPr>
+        <p:spPr/>
+        <p:txBody>
+          <a:bodyPr/>
+          <a:lstStyle/>
+          <a:p>
+            <a:pPr marL="342900" indent="-342900">
+              <a:buFont typeface="+mj-lt"/>
+              <a:buAutoNum type="arabicPeriod"/>
+            </a:pPr>
+            <a:r>
+              <a:rPr lang="fr-FR" dirty="0"/>
+              <a:t>Privilégier les unités relatives: </a:t>
+            </a:r>
+            <a:r>
+              <a:rPr lang="fr-FR" dirty="0" err="1"/>
+              <a:t>vw</a:t>
+            </a:r>
+            <a:r>
+              <a:rPr lang="fr-FR" dirty="0"/>
+              <a:t>/</a:t>
+            </a:r>
+            <a:r>
+              <a:rPr lang="fr-FR" dirty="0" err="1"/>
+              <a:t>vh</a:t>
+            </a:r>
+            <a:r>
+              <a:rPr lang="fr-FR" dirty="0"/>
+              <a:t> et % pour le </a:t>
+            </a:r>
+            <a:r>
+              <a:rPr lang="fr-FR" dirty="0" err="1"/>
+              <a:t>layout</a:t>
+            </a:r>
+            <a:r>
+              <a:rPr lang="fr-FR" dirty="0"/>
+              <a:t>, </a:t>
+            </a:r>
+            <a:r>
+              <a:rPr lang="fr-FR" dirty="0" err="1"/>
+              <a:t>em</a:t>
+            </a:r>
+            <a:r>
+              <a:rPr lang="fr-FR" dirty="0"/>
+              <a:t>/</a:t>
+            </a:r>
+            <a:r>
+              <a:rPr lang="fr-FR" dirty="0" err="1"/>
+              <a:t>ch</a:t>
+            </a:r>
+            <a:r>
+              <a:rPr lang="fr-FR" dirty="0"/>
+              <a:t> et % pour les polices</a:t>
+            </a:r>
+          </a:p>
+          <a:p>
+            <a:pPr marL="342900" indent="-342900">
+              <a:buFont typeface="+mj-lt"/>
+              <a:buAutoNum type="arabicPeriod"/>
+            </a:pPr>
+            <a:r>
+              <a:rPr lang="fr-FR" dirty="0"/>
+              <a:t>Utiliser les media </a:t>
+            </a:r>
+            <a:r>
+              <a:rPr lang="fr-FR" dirty="0" err="1"/>
+              <a:t>queries</a:t>
+            </a:r>
+            <a:r>
+              <a:rPr lang="fr-FR" dirty="0"/>
+              <a:t> pour définir les points de rupture de vos </a:t>
+            </a:r>
+            <a:r>
+              <a:rPr lang="fr-FR" dirty="0" err="1"/>
+              <a:t>layouts</a:t>
+            </a:r>
+            <a:r>
+              <a:rPr lang="fr-FR" dirty="0"/>
+              <a:t>, et les container </a:t>
+            </a:r>
+            <a:r>
+              <a:rPr lang="fr-FR" dirty="0" err="1"/>
+              <a:t>queries</a:t>
+            </a:r>
+            <a:r>
+              <a:rPr lang="fr-FR" dirty="0"/>
+              <a:t> quand les autres options ne suffisent pas</a:t>
+            </a:r>
+          </a:p>
+          <a:p>
+            <a:pPr marL="342900" indent="-342900">
+              <a:buFont typeface="+mj-lt"/>
+              <a:buAutoNum type="arabicPeriod"/>
+            </a:pPr>
+            <a:r>
+              <a:rPr lang="fr-FR" dirty="0"/>
+              <a:t>Pensez vos médias pour tous supports: résolutions d’image variables avec &lt;</a:t>
+            </a:r>
+            <a:r>
+              <a:rPr lang="fr-FR" dirty="0" err="1"/>
+              <a:t>picture</a:t>
+            </a:r>
+            <a:r>
+              <a:rPr lang="fr-FR" dirty="0"/>
+              <a:t>&gt;</a:t>
+            </a:r>
+          </a:p>
+          <a:p>
+            <a:pPr marL="342900" indent="-342900">
+              <a:buFont typeface="+mj-lt"/>
+              <a:buAutoNum type="arabicPeriod"/>
+            </a:pPr>
+            <a:r>
+              <a:rPr lang="fr-FR" dirty="0"/>
+              <a:t>Pensez la navigation et l’usage pour tous types d’interaction: souris, clavier, tactile</a:t>
+            </a:r>
+          </a:p>
+          <a:p>
+            <a:pPr marL="342900" indent="-342900">
+              <a:buFont typeface="+mj-lt"/>
+              <a:buAutoNum type="arabicPeriod"/>
+            </a:pPr>
+            <a:r>
+              <a:rPr lang="fr-FR" b="1" dirty="0"/>
+              <a:t>Testez</a:t>
+            </a:r>
+            <a:r>
+              <a:rPr lang="fr-FR" dirty="0"/>
+              <a:t>, avec autant d’appareils et de contextes utilisateur différents possibles</a:t>
+            </a:r>
+          </a:p>
+        </p:txBody>
+      </p:sp>
+    </p:spTree>
+    <p:extLst>
+      <p:ext uri="{BB962C8B-B14F-4D97-AF65-F5344CB8AC3E}">
+        <p14:creationId xmlns:p14="http://schemas.microsoft.com/office/powerpoint/2010/main" val="3533607496"/>
+      </p:ext>
+    </p:extLst>
+  </p:cSld>
+  <p:clrMapOvr>
+    <a:masterClrMapping/>
+  </p:clrMapOvr>
+</p:sld>
+</file>
+
+<file path=ppt/slides/slide18.xml><?xml version="1.0" encoding="utf-8"?>
 <p:sld xmlns:a="http://schemas.openxmlformats.org/drawingml/2006/main" xmlns:r="http://schemas.openxmlformats.org/officeDocument/2006/relationships" xmlns:p="http://schemas.openxmlformats.org/presentationml/2006/main">
   <p:cSld>
     <p:bg>
@@ -8518,6 +9287,13 @@
             <a:softEdge rad="0"/>
           </a:effectLst>
         </p:spPr>
+        <p:txBody>
+          <a:bodyPr/>
+          <a:lstStyle/>
+          <a:p>
+            <a:endParaRPr lang="fr-FR"/>
+          </a:p>
+        </p:txBody>
       </p:sp>
       <p:sp>
         <p:nvSpPr>
@@ -8560,6 +9336,13 @@
           </a:ln>
           <a:effectLst/>
         </p:spPr>
+        <p:txBody>
+          <a:bodyPr/>
+          <a:lstStyle/>
+          <a:p>
+            <a:endParaRPr lang="fr-FR"/>
+          </a:p>
+        </p:txBody>
       </p:sp>
       <p:sp>
         <p:nvSpPr>
@@ -8615,6 +9398,13 @@
             <a:schemeClr val="lt1"/>
           </a:fontRef>
         </p:style>
+        <p:txBody>
+          <a:bodyPr/>
+          <a:lstStyle/>
+          <a:p>
+            <a:endParaRPr lang="fr-FR"/>
+          </a:p>
+        </p:txBody>
       </p:sp>
       <p:grpSp>
         <p:nvGrpSpPr>
@@ -8973,6 +9763,13 @@
             <a:softEdge rad="0"/>
           </a:effectLst>
         </p:spPr>
+        <p:txBody>
+          <a:bodyPr/>
+          <a:lstStyle/>
+          <a:p>
+            <a:endParaRPr lang="fr-FR"/>
+          </a:p>
+        </p:txBody>
       </p:sp>
       <p:sp>
         <p:nvSpPr>
@@ -9017,6 +9814,13 @@
           </a:ln>
           <a:effectLst/>
         </p:spPr>
+        <p:txBody>
+          <a:bodyPr/>
+          <a:lstStyle/>
+          <a:p>
+            <a:endParaRPr lang="fr-FR"/>
+          </a:p>
+        </p:txBody>
       </p:sp>
       <p:sp>
         <p:nvSpPr>
@@ -9148,6 +9952,13 @@
             <a:schemeClr val="lt1"/>
           </a:fontRef>
         </p:style>
+        <p:txBody>
+          <a:bodyPr/>
+          <a:lstStyle/>
+          <a:p>
+            <a:endParaRPr lang="fr-FR"/>
+          </a:p>
+        </p:txBody>
       </p:sp>
       <p:cxnSp>
         <p:nvCxnSpPr>
@@ -9513,7 +10324,7 @@
 </p:sld>
 </file>
 
-<file path=ppt/slides/slide17.xml><?xml version="1.0" encoding="utf-8"?>
+<file path=ppt/slides/slide19.xml><?xml version="1.0" encoding="utf-8"?>
 <p:sld xmlns:a="http://schemas.openxmlformats.org/drawingml/2006/main" xmlns:r="http://schemas.openxmlformats.org/officeDocument/2006/relationships" xmlns:p="http://schemas.openxmlformats.org/presentationml/2006/main">
   <p:cSld>
     <p:bg>
@@ -9628,6 +10439,13 @@
             <a:softEdge rad="0"/>
           </a:effectLst>
         </p:spPr>
+        <p:txBody>
+          <a:bodyPr/>
+          <a:lstStyle/>
+          <a:p>
+            <a:endParaRPr lang="fr-FR"/>
+          </a:p>
+        </p:txBody>
       </p:sp>
       <p:sp>
         <p:nvSpPr>
@@ -9670,6 +10488,13 @@
           </a:ln>
           <a:effectLst/>
         </p:spPr>
+        <p:txBody>
+          <a:bodyPr/>
+          <a:lstStyle/>
+          <a:p>
+            <a:endParaRPr lang="fr-FR"/>
+          </a:p>
+        </p:txBody>
       </p:sp>
       <p:sp>
         <p:nvSpPr>
@@ -9802,6 +10627,13 @@
             <a:schemeClr val="lt1"/>
           </a:fontRef>
         </p:style>
+        <p:txBody>
+          <a:bodyPr/>
+          <a:lstStyle/>
+          <a:p>
+            <a:endParaRPr lang="fr-FR"/>
+          </a:p>
+        </p:txBody>
       </p:sp>
       <p:cxnSp>
         <p:nvCxnSpPr>
@@ -10167,7 +10999,355 @@
 </p:sld>
 </file>
 
-<file path=ppt/slides/slide18.xml><?xml version="1.0" encoding="utf-8"?>
+<file path=ppt/slides/slide2.xml><?xml version="1.0" encoding="utf-8"?>
+<p:sld xmlns:a="http://schemas.openxmlformats.org/drawingml/2006/main" xmlns:r="http://schemas.openxmlformats.org/officeDocument/2006/relationships" xmlns:p="http://schemas.openxmlformats.org/presentationml/2006/main">
+  <p:cSld>
+    <p:spTree>
+      <p:nvGrpSpPr>
+        <p:cNvPr id="1" name=""/>
+        <p:cNvGrpSpPr/>
+        <p:nvPr/>
+      </p:nvGrpSpPr>
+      <p:grpSpPr>
+        <a:xfrm>
+          <a:off x="0" y="0"/>
+          <a:ext cx="0" cy="0"/>
+          <a:chOff x="0" y="0"/>
+          <a:chExt cx="0" cy="0"/>
+        </a:xfrm>
+      </p:grpSpPr>
+      <p:sp>
+        <p:nvSpPr>
+          <p:cNvPr id="2" name="Titre 1">
+            <a:extLst>
+              <a:ext uri="{FF2B5EF4-FFF2-40B4-BE49-F238E27FC236}">
+                <a16:creationId xmlns:a16="http://schemas.microsoft.com/office/drawing/2014/main" id="{C583B481-9055-4609-93AD-826112E6F92C}"/>
+              </a:ext>
+            </a:extLst>
+          </p:cNvPr>
+          <p:cNvSpPr>
+            <a:spLocks noGrp="1"/>
+          </p:cNvSpPr>
+          <p:nvPr>
+            <p:ph type="title"/>
+          </p:nvPr>
+        </p:nvSpPr>
+        <p:spPr>
+          <a:xfrm>
+            <a:off x="1066800" y="642594"/>
+            <a:ext cx="10058400" cy="729006"/>
+          </a:xfrm>
+        </p:spPr>
+        <p:txBody>
+          <a:bodyPr>
+            <a:normAutofit fontScale="90000"/>
+          </a:bodyPr>
+          <a:lstStyle/>
+          <a:p>
+            <a:r>
+              <a:rPr lang="fr-FR"/>
+              <a:t>Agenda</a:t>
+            </a:r>
+            <a:endParaRPr lang="en-US"/>
+          </a:p>
+        </p:txBody>
+      </p:sp>
+      <p:sp>
+        <p:nvSpPr>
+          <p:cNvPr id="3" name="Espace réservé du contenu 2">
+            <a:extLst>
+              <a:ext uri="{FF2B5EF4-FFF2-40B4-BE49-F238E27FC236}">
+                <a16:creationId xmlns:a16="http://schemas.microsoft.com/office/drawing/2014/main" id="{A419C35D-FF77-4FBA-95C8-A5E118DD0F75}"/>
+              </a:ext>
+            </a:extLst>
+          </p:cNvPr>
+          <p:cNvSpPr>
+            <a:spLocks noGrp="1"/>
+          </p:cNvSpPr>
+          <p:nvPr>
+            <p:ph idx="1"/>
+          </p:nvPr>
+        </p:nvSpPr>
+        <p:spPr>
+          <a:xfrm>
+            <a:off x="1103312" y="1460501"/>
+            <a:ext cx="10021888" cy="4603968"/>
+          </a:xfrm>
+        </p:spPr>
+        <p:txBody>
+          <a:bodyPr numCol="3">
+            <a:normAutofit/>
+          </a:bodyPr>
+          <a:lstStyle/>
+          <a:p>
+            <a:r>
+              <a:rPr lang="fr-FR"/>
+              <a:t>HTML</a:t>
+            </a:r>
+          </a:p>
+          <a:p>
+            <a:pPr lvl="1"/>
+            <a:r>
+              <a:rPr lang="fr-FR"/>
+              <a:t>Fondamentaux</a:t>
+            </a:r>
+          </a:p>
+          <a:p>
+            <a:pPr lvl="1"/>
+            <a:r>
+              <a:rPr lang="fr-FR"/>
+              <a:t>Sémantique</a:t>
+            </a:r>
+          </a:p>
+          <a:p>
+            <a:pPr marL="457200" lvl="1" indent="0">
+              <a:buNone/>
+            </a:pPr>
+            <a:endParaRPr lang="fr-FR"/>
+          </a:p>
+          <a:p>
+            <a:r>
+              <a:rPr lang="fr-FR"/>
+              <a:t>CSS</a:t>
+            </a:r>
+          </a:p>
+          <a:p>
+            <a:pPr lvl="1"/>
+            <a:r>
+              <a:rPr lang="fr-FR"/>
+              <a:t>Sélecteurs</a:t>
+            </a:r>
+          </a:p>
+          <a:p>
+            <a:pPr lvl="1"/>
+            <a:r>
+              <a:rPr lang="fr-FR"/>
+              <a:t>Spécificité</a:t>
+            </a:r>
+          </a:p>
+          <a:p>
+            <a:pPr lvl="1"/>
+            <a:r>
+              <a:rPr lang="fr-FR"/>
+              <a:t>Cascade</a:t>
+            </a:r>
+          </a:p>
+          <a:p>
+            <a:pPr lvl="1"/>
+            <a:r>
+              <a:rPr lang="fr-FR"/>
+              <a:t>Héritage</a:t>
+            </a:r>
+          </a:p>
+          <a:p>
+            <a:pPr marL="274320" lvl="1" indent="0">
+              <a:buNone/>
+            </a:pPr>
+            <a:endParaRPr lang="fr-FR"/>
+          </a:p>
+          <a:p>
+            <a:pPr marL="274320" lvl="1" indent="0">
+              <a:buNone/>
+            </a:pPr>
+            <a:endParaRPr lang="fr-FR"/>
+          </a:p>
+          <a:p>
+            <a:pPr marL="274320" lvl="1" indent="0">
+              <a:buNone/>
+            </a:pPr>
+            <a:endParaRPr lang="fr-FR"/>
+          </a:p>
+          <a:p>
+            <a:pPr marL="274320" lvl="1" indent="0">
+              <a:buNone/>
+            </a:pPr>
+            <a:endParaRPr lang="fr-FR"/>
+          </a:p>
+          <a:p>
+            <a:pPr marL="274320" lvl="1" indent="0">
+              <a:buNone/>
+            </a:pPr>
+            <a:endParaRPr lang="fr-FR"/>
+          </a:p>
+          <a:p>
+            <a:r>
+              <a:rPr lang="fr-FR"/>
+              <a:t>Layout</a:t>
+            </a:r>
+          </a:p>
+          <a:p>
+            <a:pPr lvl="1"/>
+            <a:r>
+              <a:rPr lang="fr-FR"/>
+              <a:t>Flux de contenu</a:t>
+            </a:r>
+          </a:p>
+          <a:p>
+            <a:pPr lvl="1"/>
+            <a:r>
+              <a:rPr lang="fr-FR"/>
+              <a:t>Modèle de boîte</a:t>
+            </a:r>
+          </a:p>
+          <a:p>
+            <a:pPr lvl="1"/>
+            <a:r>
+              <a:rPr lang="fr-FR"/>
+              <a:t>Positionnement</a:t>
+            </a:r>
+          </a:p>
+          <a:p>
+            <a:pPr lvl="1"/>
+            <a:r>
+              <a:rPr lang="fr-FR"/>
+              <a:t>Dimensions et Unités</a:t>
+            </a:r>
+          </a:p>
+          <a:p>
+            <a:pPr lvl="1"/>
+            <a:r>
+              <a:rPr lang="fr-FR"/>
+              <a:t>Inline &amp; Block</a:t>
+            </a:r>
+          </a:p>
+          <a:p>
+            <a:pPr lvl="1"/>
+            <a:r>
+              <a:rPr lang="fr-FR"/>
+              <a:t>Flex</a:t>
+            </a:r>
+          </a:p>
+          <a:p>
+            <a:pPr lvl="1"/>
+            <a:r>
+              <a:rPr lang="fr-FR"/>
+              <a:t>Grid</a:t>
+            </a:r>
+          </a:p>
+          <a:p>
+            <a:pPr lvl="1"/>
+            <a:r>
+              <a:rPr lang="fr-FR"/>
+              <a:t>Media queries</a:t>
+            </a:r>
+          </a:p>
+          <a:p>
+            <a:pPr lvl="1"/>
+            <a:r>
+              <a:rPr lang="fr-FR"/>
+              <a:t>Responsive Web Design</a:t>
+            </a:r>
+          </a:p>
+          <a:p>
+            <a:pPr marL="0" indent="0">
+              <a:buNone/>
+            </a:pPr>
+            <a:endParaRPr lang="fr-FR"/>
+          </a:p>
+          <a:p>
+            <a:pPr lvl="1"/>
+            <a:endParaRPr lang="fr-FR"/>
+          </a:p>
+          <a:p>
+            <a:pPr lvl="1"/>
+            <a:endParaRPr lang="fr-FR"/>
+          </a:p>
+          <a:p>
+            <a:pPr marL="274320" lvl="1" indent="0">
+              <a:buNone/>
+            </a:pPr>
+            <a:endParaRPr lang="fr-FR"/>
+          </a:p>
+          <a:p>
+            <a:r>
+              <a:rPr lang="fr-FR"/>
+              <a:t>Fonctionnalités</a:t>
+            </a:r>
+          </a:p>
+          <a:p>
+            <a:pPr lvl="1"/>
+            <a:r>
+              <a:rPr lang="fr-FR"/>
+              <a:t>Typographie</a:t>
+            </a:r>
+          </a:p>
+          <a:p>
+            <a:pPr lvl="1"/>
+            <a:r>
+              <a:rPr lang="fr-FR"/>
+              <a:t>Backgrounds &amp; Images</a:t>
+            </a:r>
+          </a:p>
+          <a:p>
+            <a:pPr lvl="1"/>
+            <a:r>
+              <a:rPr lang="fr-FR"/>
+              <a:t>Interactions</a:t>
+            </a:r>
+          </a:p>
+          <a:p>
+            <a:pPr lvl="1"/>
+            <a:r>
+              <a:rPr lang="fr-FR"/>
+              <a:t>Animations &amp; Transitions</a:t>
+            </a:r>
+          </a:p>
+          <a:p>
+            <a:pPr lvl="1"/>
+            <a:r>
+              <a:rPr lang="fr-FR"/>
+              <a:t>Formes et dessin</a:t>
+            </a:r>
+          </a:p>
+          <a:p>
+            <a:pPr marL="274320" lvl="1" indent="0">
+              <a:buNone/>
+            </a:pPr>
+            <a:endParaRPr lang="fr-FR"/>
+          </a:p>
+          <a:p>
+            <a:r>
+              <a:rPr lang="fr-FR"/>
+              <a:t>Outillage</a:t>
+            </a:r>
+          </a:p>
+          <a:p>
+            <a:pPr lvl="1"/>
+            <a:r>
+              <a:rPr lang="fr-FR"/>
+              <a:t>Utilitaires</a:t>
+            </a:r>
+          </a:p>
+          <a:p>
+            <a:pPr lvl="1"/>
+            <a:r>
+              <a:rPr lang="fr-FR"/>
+              <a:t>Préprocesseurs</a:t>
+            </a:r>
+          </a:p>
+          <a:p>
+            <a:pPr lvl="1"/>
+            <a:r>
+              <a:rPr lang="fr-FR"/>
+              <a:t>CSS in JS</a:t>
+            </a:r>
+          </a:p>
+        </p:txBody>
+      </p:sp>
+    </p:spTree>
+    <p:extLst>
+      <p:ext uri="{BB962C8B-B14F-4D97-AF65-F5344CB8AC3E}">
+        <p14:creationId xmlns:p14="http://schemas.microsoft.com/office/powerpoint/2010/main" val="817540399"/>
+      </p:ext>
+    </p:extLst>
+  </p:cSld>
+  <p:clrMapOvr>
+    <a:masterClrMapping/>
+  </p:clrMapOvr>
+</p:sld>
+</file>
+
+<file path=ppt/slides/slide20.xml><?xml version="1.0" encoding="utf-8"?>
 <p:sld xmlns:a="http://schemas.openxmlformats.org/drawingml/2006/main" xmlns:r="http://schemas.openxmlformats.org/officeDocument/2006/relationships" xmlns:p="http://schemas.openxmlformats.org/presentationml/2006/main">
   <p:cSld>
     <p:spTree>
@@ -10715,7 +11895,7 @@
 </p:sld>
 </file>
 
-<file path=ppt/slides/slide19.xml><?xml version="1.0" encoding="utf-8"?>
+<file path=ppt/slides/slide21.xml><?xml version="1.0" encoding="utf-8"?>
 <p:sld xmlns:a="http://schemas.openxmlformats.org/drawingml/2006/main" xmlns:r="http://schemas.openxmlformats.org/officeDocument/2006/relationships" xmlns:p="http://schemas.openxmlformats.org/presentationml/2006/main">
   <p:cSld>
     <p:spTree>
@@ -11573,355 +12753,7 @@
 </p:sld>
 </file>
 
-<file path=ppt/slides/slide2.xml><?xml version="1.0" encoding="utf-8"?>
-<p:sld xmlns:a="http://schemas.openxmlformats.org/drawingml/2006/main" xmlns:r="http://schemas.openxmlformats.org/officeDocument/2006/relationships" xmlns:p="http://schemas.openxmlformats.org/presentationml/2006/main">
-  <p:cSld>
-    <p:spTree>
-      <p:nvGrpSpPr>
-        <p:cNvPr id="1" name=""/>
-        <p:cNvGrpSpPr/>
-        <p:nvPr/>
-      </p:nvGrpSpPr>
-      <p:grpSpPr>
-        <a:xfrm>
-          <a:off x="0" y="0"/>
-          <a:ext cx="0" cy="0"/>
-          <a:chOff x="0" y="0"/>
-          <a:chExt cx="0" cy="0"/>
-        </a:xfrm>
-      </p:grpSpPr>
-      <p:sp>
-        <p:nvSpPr>
-          <p:cNvPr id="2" name="Titre 1">
-            <a:extLst>
-              <a:ext uri="{FF2B5EF4-FFF2-40B4-BE49-F238E27FC236}">
-                <a16:creationId xmlns:a16="http://schemas.microsoft.com/office/drawing/2014/main" id="{C583B481-9055-4609-93AD-826112E6F92C}"/>
-              </a:ext>
-            </a:extLst>
-          </p:cNvPr>
-          <p:cNvSpPr>
-            <a:spLocks noGrp="1"/>
-          </p:cNvSpPr>
-          <p:nvPr>
-            <p:ph type="title"/>
-          </p:nvPr>
-        </p:nvSpPr>
-        <p:spPr>
-          <a:xfrm>
-            <a:off x="1066800" y="642594"/>
-            <a:ext cx="10058400" cy="729006"/>
-          </a:xfrm>
-        </p:spPr>
-        <p:txBody>
-          <a:bodyPr>
-            <a:normAutofit fontScale="90000"/>
-          </a:bodyPr>
-          <a:lstStyle/>
-          <a:p>
-            <a:r>
-              <a:rPr lang="fr-FR"/>
-              <a:t>Agenda</a:t>
-            </a:r>
-            <a:endParaRPr lang="en-US"/>
-          </a:p>
-        </p:txBody>
-      </p:sp>
-      <p:sp>
-        <p:nvSpPr>
-          <p:cNvPr id="3" name="Espace réservé du contenu 2">
-            <a:extLst>
-              <a:ext uri="{FF2B5EF4-FFF2-40B4-BE49-F238E27FC236}">
-                <a16:creationId xmlns:a16="http://schemas.microsoft.com/office/drawing/2014/main" id="{A419C35D-FF77-4FBA-95C8-A5E118DD0F75}"/>
-              </a:ext>
-            </a:extLst>
-          </p:cNvPr>
-          <p:cNvSpPr>
-            <a:spLocks noGrp="1"/>
-          </p:cNvSpPr>
-          <p:nvPr>
-            <p:ph idx="1"/>
-          </p:nvPr>
-        </p:nvSpPr>
-        <p:spPr>
-          <a:xfrm>
-            <a:off x="1103312" y="1460501"/>
-            <a:ext cx="10021888" cy="4603968"/>
-          </a:xfrm>
-        </p:spPr>
-        <p:txBody>
-          <a:bodyPr numCol="3">
-            <a:normAutofit/>
-          </a:bodyPr>
-          <a:lstStyle/>
-          <a:p>
-            <a:r>
-              <a:rPr lang="fr-FR"/>
-              <a:t>HTML</a:t>
-            </a:r>
-          </a:p>
-          <a:p>
-            <a:pPr lvl="1"/>
-            <a:r>
-              <a:rPr lang="fr-FR"/>
-              <a:t>Fondamentaux</a:t>
-            </a:r>
-          </a:p>
-          <a:p>
-            <a:pPr lvl="1"/>
-            <a:r>
-              <a:rPr lang="fr-FR"/>
-              <a:t>Sémantique</a:t>
-            </a:r>
-          </a:p>
-          <a:p>
-            <a:pPr marL="457200" lvl="1" indent="0">
-              <a:buNone/>
-            </a:pPr>
-            <a:endParaRPr lang="fr-FR"/>
-          </a:p>
-          <a:p>
-            <a:r>
-              <a:rPr lang="fr-FR"/>
-              <a:t>CSS</a:t>
-            </a:r>
-          </a:p>
-          <a:p>
-            <a:pPr lvl="1"/>
-            <a:r>
-              <a:rPr lang="fr-FR"/>
-              <a:t>Sélecteurs</a:t>
-            </a:r>
-          </a:p>
-          <a:p>
-            <a:pPr lvl="1"/>
-            <a:r>
-              <a:rPr lang="fr-FR"/>
-              <a:t>Spécificité</a:t>
-            </a:r>
-          </a:p>
-          <a:p>
-            <a:pPr lvl="1"/>
-            <a:r>
-              <a:rPr lang="fr-FR"/>
-              <a:t>Cascade</a:t>
-            </a:r>
-          </a:p>
-          <a:p>
-            <a:pPr lvl="1"/>
-            <a:r>
-              <a:rPr lang="fr-FR"/>
-              <a:t>Héritage</a:t>
-            </a:r>
-          </a:p>
-          <a:p>
-            <a:pPr marL="274320" lvl="1" indent="0">
-              <a:buNone/>
-            </a:pPr>
-            <a:endParaRPr lang="fr-FR"/>
-          </a:p>
-          <a:p>
-            <a:pPr marL="274320" lvl="1" indent="0">
-              <a:buNone/>
-            </a:pPr>
-            <a:endParaRPr lang="fr-FR"/>
-          </a:p>
-          <a:p>
-            <a:pPr marL="274320" lvl="1" indent="0">
-              <a:buNone/>
-            </a:pPr>
-            <a:endParaRPr lang="fr-FR"/>
-          </a:p>
-          <a:p>
-            <a:pPr marL="274320" lvl="1" indent="0">
-              <a:buNone/>
-            </a:pPr>
-            <a:endParaRPr lang="fr-FR"/>
-          </a:p>
-          <a:p>
-            <a:pPr marL="274320" lvl="1" indent="0">
-              <a:buNone/>
-            </a:pPr>
-            <a:endParaRPr lang="fr-FR"/>
-          </a:p>
-          <a:p>
-            <a:r>
-              <a:rPr lang="fr-FR"/>
-              <a:t>Layout</a:t>
-            </a:r>
-          </a:p>
-          <a:p>
-            <a:pPr lvl="1"/>
-            <a:r>
-              <a:rPr lang="fr-FR"/>
-              <a:t>Flux de contenu</a:t>
-            </a:r>
-          </a:p>
-          <a:p>
-            <a:pPr lvl="1"/>
-            <a:r>
-              <a:rPr lang="fr-FR"/>
-              <a:t>Modèle de boîte</a:t>
-            </a:r>
-          </a:p>
-          <a:p>
-            <a:pPr lvl="1"/>
-            <a:r>
-              <a:rPr lang="fr-FR"/>
-              <a:t>Positionnement</a:t>
-            </a:r>
-          </a:p>
-          <a:p>
-            <a:pPr lvl="1"/>
-            <a:r>
-              <a:rPr lang="fr-FR"/>
-              <a:t>Dimensions et Unités</a:t>
-            </a:r>
-          </a:p>
-          <a:p>
-            <a:pPr lvl="1"/>
-            <a:r>
-              <a:rPr lang="fr-FR"/>
-              <a:t>Inline &amp; Block</a:t>
-            </a:r>
-          </a:p>
-          <a:p>
-            <a:pPr lvl="1"/>
-            <a:r>
-              <a:rPr lang="fr-FR"/>
-              <a:t>Flex</a:t>
-            </a:r>
-          </a:p>
-          <a:p>
-            <a:pPr lvl="1"/>
-            <a:r>
-              <a:rPr lang="fr-FR"/>
-              <a:t>Grid</a:t>
-            </a:r>
-          </a:p>
-          <a:p>
-            <a:pPr lvl="1"/>
-            <a:r>
-              <a:rPr lang="fr-FR"/>
-              <a:t>Media queries</a:t>
-            </a:r>
-          </a:p>
-          <a:p>
-            <a:pPr lvl="1"/>
-            <a:r>
-              <a:rPr lang="fr-FR"/>
-              <a:t>Responsive Web Design</a:t>
-            </a:r>
-          </a:p>
-          <a:p>
-            <a:pPr marL="0" indent="0">
-              <a:buNone/>
-            </a:pPr>
-            <a:endParaRPr lang="fr-FR"/>
-          </a:p>
-          <a:p>
-            <a:pPr lvl="1"/>
-            <a:endParaRPr lang="fr-FR"/>
-          </a:p>
-          <a:p>
-            <a:pPr lvl="1"/>
-            <a:endParaRPr lang="fr-FR"/>
-          </a:p>
-          <a:p>
-            <a:pPr marL="274320" lvl="1" indent="0">
-              <a:buNone/>
-            </a:pPr>
-            <a:endParaRPr lang="fr-FR"/>
-          </a:p>
-          <a:p>
-            <a:r>
-              <a:rPr lang="fr-FR"/>
-              <a:t>Fonctionnalités</a:t>
-            </a:r>
-          </a:p>
-          <a:p>
-            <a:pPr lvl="1"/>
-            <a:r>
-              <a:rPr lang="fr-FR"/>
-              <a:t>Typographie</a:t>
-            </a:r>
-          </a:p>
-          <a:p>
-            <a:pPr lvl="1"/>
-            <a:r>
-              <a:rPr lang="fr-FR"/>
-              <a:t>Backgrounds &amp; Images</a:t>
-            </a:r>
-          </a:p>
-          <a:p>
-            <a:pPr lvl="1"/>
-            <a:r>
-              <a:rPr lang="fr-FR"/>
-              <a:t>Interactions</a:t>
-            </a:r>
-          </a:p>
-          <a:p>
-            <a:pPr lvl="1"/>
-            <a:r>
-              <a:rPr lang="fr-FR"/>
-              <a:t>Animations &amp; Transitions</a:t>
-            </a:r>
-          </a:p>
-          <a:p>
-            <a:pPr lvl="1"/>
-            <a:r>
-              <a:rPr lang="fr-FR"/>
-              <a:t>Formes et dessin</a:t>
-            </a:r>
-          </a:p>
-          <a:p>
-            <a:pPr marL="274320" lvl="1" indent="0">
-              <a:buNone/>
-            </a:pPr>
-            <a:endParaRPr lang="fr-FR"/>
-          </a:p>
-          <a:p>
-            <a:r>
-              <a:rPr lang="fr-FR"/>
-              <a:t>Outillage</a:t>
-            </a:r>
-          </a:p>
-          <a:p>
-            <a:pPr lvl="1"/>
-            <a:r>
-              <a:rPr lang="fr-FR"/>
-              <a:t>Utilitaires</a:t>
-            </a:r>
-          </a:p>
-          <a:p>
-            <a:pPr lvl="1"/>
-            <a:r>
-              <a:rPr lang="fr-FR"/>
-              <a:t>Préprocesseurs</a:t>
-            </a:r>
-          </a:p>
-          <a:p>
-            <a:pPr lvl="1"/>
-            <a:r>
-              <a:rPr lang="fr-FR"/>
-              <a:t>CSS in JS</a:t>
-            </a:r>
-          </a:p>
-        </p:txBody>
-      </p:sp>
-    </p:spTree>
-    <p:extLst>
-      <p:ext uri="{BB962C8B-B14F-4D97-AF65-F5344CB8AC3E}">
-        <p14:creationId xmlns:p14="http://schemas.microsoft.com/office/powerpoint/2010/main" val="817540399"/>
-      </p:ext>
-    </p:extLst>
-  </p:cSld>
-  <p:clrMapOvr>
-    <a:masterClrMapping/>
-  </p:clrMapOvr>
-</p:sld>
-</file>
-
-<file path=ppt/slides/slide20.xml><?xml version="1.0" encoding="utf-8"?>
+<file path=ppt/slides/slide22.xml><?xml version="1.0" encoding="utf-8"?>
 <p:sld xmlns:a="http://schemas.openxmlformats.org/drawingml/2006/main" xmlns:r="http://schemas.openxmlformats.org/officeDocument/2006/relationships" xmlns:p="http://schemas.openxmlformats.org/presentationml/2006/main">
   <p:cSld>
     <p:spTree>
@@ -12330,7 +13162,7 @@
 </p:sld>
 </file>
 
-<file path=ppt/slides/slide21.xml><?xml version="1.0" encoding="utf-8"?>
+<file path=ppt/slides/slide23.xml><?xml version="1.0" encoding="utf-8"?>
 <p:sld xmlns:a="http://schemas.openxmlformats.org/drawingml/2006/main" xmlns:r="http://schemas.openxmlformats.org/officeDocument/2006/relationships" xmlns:p="http://schemas.openxmlformats.org/presentationml/2006/main">
   <p:cSld>
     <p:bg>
@@ -12682,6 +13514,13 @@
           </a:ln>
           <a:effectLst/>
         </p:spPr>
+        <p:txBody>
+          <a:bodyPr/>
+          <a:lstStyle/>
+          <a:p>
+            <a:endParaRPr lang="fr-FR"/>
+          </a:p>
+        </p:txBody>
       </p:sp>
       <p:pic>
         <p:nvPicPr>
@@ -12819,7 +13658,7 @@
 </p:sld>
 </file>
 
-<file path=ppt/slides/slide22.xml><?xml version="1.0" encoding="utf-8"?>
+<file path=ppt/slides/slide24.xml><?xml version="1.0" encoding="utf-8"?>
 <p:sld xmlns:a="http://schemas.openxmlformats.org/drawingml/2006/main" xmlns:r="http://schemas.openxmlformats.org/officeDocument/2006/relationships" xmlns:p="http://schemas.openxmlformats.org/presentationml/2006/main">
   <p:cSld>
     <p:bg>
@@ -13139,6 +13978,13 @@
           </a:ln>
           <a:effectLst/>
         </p:spPr>
+        <p:txBody>
+          <a:bodyPr/>
+          <a:lstStyle/>
+          <a:p>
+            <a:endParaRPr lang="fr-FR"/>
+          </a:p>
+        </p:txBody>
       </p:sp>
       <p:pic>
         <p:nvPicPr>
@@ -13290,7 +14136,7 @@
 </p:sld>
 </file>
 
-<file path=ppt/slides/slide23.xml><?xml version="1.0" encoding="utf-8"?>
+<file path=ppt/slides/slide25.xml><?xml version="1.0" encoding="utf-8"?>
 <p:sld xmlns:a="http://schemas.openxmlformats.org/drawingml/2006/main" xmlns:r="http://schemas.openxmlformats.org/officeDocument/2006/relationships" xmlns:p="http://schemas.openxmlformats.org/presentationml/2006/main">
   <p:cSld>
     <p:spTree>
@@ -13520,7 +14366,7 @@
 </p:sld>
 </file>
 
-<file path=ppt/slides/slide24.xml><?xml version="1.0" encoding="utf-8"?>
+<file path=ppt/slides/slide26.xml><?xml version="1.0" encoding="utf-8"?>
 <p:sld xmlns:a="http://schemas.openxmlformats.org/drawingml/2006/main" xmlns:r="http://schemas.openxmlformats.org/officeDocument/2006/relationships" xmlns:p="http://schemas.openxmlformats.org/presentationml/2006/main">
   <p:cSld>
     <p:spTree>
@@ -13802,7 +14648,7 @@
 </p:sld>
 </file>
 
-<file path=ppt/slides/slide25.xml><?xml version="1.0" encoding="utf-8"?>
+<file path=ppt/slides/slide27.xml><?xml version="1.0" encoding="utf-8"?>
 <p:sld xmlns:a="http://schemas.openxmlformats.org/drawingml/2006/main" xmlns:r="http://schemas.openxmlformats.org/officeDocument/2006/relationships" xmlns:p="http://schemas.openxmlformats.org/presentationml/2006/main">
   <p:cSld>
     <p:spTree>
@@ -14429,7 +15275,7 @@
 </p:sld>
 </file>
 
-<file path=ppt/slides/slide26.xml><?xml version="1.0" encoding="utf-8"?>
+<file path=ppt/slides/slide28.xml><?xml version="1.0" encoding="utf-8"?>
 <p:sld xmlns:a="http://schemas.openxmlformats.org/drawingml/2006/main" xmlns:r="http://schemas.openxmlformats.org/officeDocument/2006/relationships" xmlns:p="http://schemas.openxmlformats.org/presentationml/2006/main">
   <p:cSld>
     <p:bg>
@@ -20078,6 +20924,13 @@
           </a:ln>
           <a:effectLst/>
         </p:spPr>
+        <p:txBody>
+          <a:bodyPr/>
+          <a:lstStyle/>
+          <a:p>
+            <a:endParaRPr lang="fr-FR"/>
+          </a:p>
+        </p:txBody>
       </p:sp>
       <p:sp>
         <p:nvSpPr>
@@ -21250,4 +22103,10 @@
     </a:ext>
   </a:extLst>
 </a:theme>
+</file>
+
+<file path=docMetadata/LabelInfo.xml><?xml version="1.0" encoding="utf-8"?>
+<clbl:labelList xmlns:clbl="http://schemas.microsoft.com/office/2020/mipLabelMetadata">
+  <clbl:label id="{0a217bfd-7fc6-4e23-babe-07368f99370d}" enabled="1" method="Standard" siteId="{fda9decf-e892-43ac-9d9f-1a493f9f98d0}" contentBits="0" removed="0"/>
+</clbl:labelList>
 </file>